--- a/active.pptx
+++ b/active.pptx
@@ -5,8 +5,14 @@
     <p:sldMasterId id="2147483648" r:id="rId1"/>
   </p:sldMasterIdLst>
   <p:notesMasterIdLst>
-    <p:notesMasterId r:id="rId2"/>
+    <p:notesMasterId r:id="rId6"/>
   </p:notesMasterIdLst>
+  <p:sldIdLst>
+    <p:sldId id="256" r:id="rId2"/>
+    <p:sldId id="257" r:id="rId3"/>
+    <p:sldId id="258" r:id="rId4"/>
+    <p:sldId id="259" r:id="rId5"/>
+  </p:sldIdLst>
   <p:sldSz cx="9144000" cy="5143500" type="screen16x9"/>
   <p:notesSz cx="6858000" cy="9144000"/>
   <p:defaultTextStyle>
@@ -3991,6 +3997,458 @@
     </p:otherStyle>
   </p:txStyles>
 </p:sldMaster>
+</file>
+
+<file path=ppt/slides/slide1.xml><?xml version="1.0" encoding="utf-8"?>
+<p:sld xmlns:a="http://schemas.openxmlformats.org/drawingml/2006/main" xmlns:r="http://schemas.openxmlformats.org/officeDocument/2006/relationships" xmlns:p="http://schemas.openxmlformats.org/presentationml/2006/main">
+  <p:cSld>
+    <p:spTree>
+      <p:nvGrpSpPr>
+        <p:cNvPr id="1" name=""/>
+        <p:cNvGrpSpPr/>
+        <p:nvPr/>
+      </p:nvGrpSpPr>
+      <p:grpSpPr>
+        <a:xfrm>
+          <a:off x="0" y="0"/>
+          <a:ext cx="0" cy="0"/>
+          <a:chOff x="0" y="0"/>
+          <a:chExt cx="0" cy="0"/>
+        </a:xfrm>
+      </p:grpSpPr>
+      <p:sp>
+        <p:nvSpPr>
+          <p:cNvPr id="2" name="Title 1"/>
+          <p:cNvSpPr>
+            <a:spLocks noGrp="1"/>
+          </p:cNvSpPr>
+          <p:nvPr>
+            <p:ph type="ctrTitle"/>
+          </p:nvPr>
+        </p:nvSpPr>
+        <p:spPr>
+          <a:xfrm>
+            <a:off x="754375" y="2877160"/>
+            <a:ext cx="7329840" cy="1844578"/>
+          </a:xfrm>
+        </p:spPr>
+        <p:txBody>
+          <a:bodyPr>
+            <a:normAutofit/>
+          </a:bodyPr>
+          <a:lstStyle/>
+          <a:p>
+            <a:pPr algn="ctr"/>
+            <a:r>
+              <a:rPr lang="en-US" sz="4000" dirty="0" smtClean="0">
+                <a:solidFill>
+                  <a:srgbClr val="7030A0"/>
+                </a:solidFill>
+              </a:rPr>
+              <a:t>Active Directory</a:t>
+            </a:r>
+            <a:br>
+              <a:rPr lang="en-US" sz="4000" dirty="0" smtClean="0">
+                <a:solidFill>
+                  <a:srgbClr val="7030A0"/>
+                </a:solidFill>
+              </a:rPr>
+            </a:br>
+            <a:r>
+              <a:rPr lang="en-US" sz="4000" dirty="0" smtClean="0">
+                <a:solidFill>
+                  <a:srgbClr val="7030A0"/>
+                </a:solidFill>
+              </a:rPr>
+              <a:t>Installation &amp; Configuration</a:t>
+            </a:r>
+            <a:endParaRPr lang="en-US" sz="4000" dirty="0">
+              <a:solidFill>
+                <a:srgbClr val="7030A0"/>
+              </a:solidFill>
+            </a:endParaRPr>
+          </a:p>
+        </p:txBody>
+      </p:sp>
+    </p:spTree>
+    <p:extLst>
+      <p:ext uri="{BB962C8B-B14F-4D97-AF65-F5344CB8AC3E}">
+        <p14:creationId xmlns:p14="http://schemas.microsoft.com/office/powerpoint/2010/main" val="2461079020"/>
+      </p:ext>
+    </p:extLst>
+  </p:cSld>
+  <p:clrMapOvr>
+    <a:masterClrMapping/>
+  </p:clrMapOvr>
+  <p:timing>
+    <p:tnLst>
+      <p:par>
+        <p:cTn id="1" dur="indefinite" restart="never" nodeType="tmRoot"/>
+      </p:par>
+    </p:tnLst>
+  </p:timing>
+</p:sld>
+</file>
+
+<file path=ppt/slides/slide2.xml><?xml version="1.0" encoding="utf-8"?>
+<p:sld xmlns:a="http://schemas.openxmlformats.org/drawingml/2006/main" xmlns:r="http://schemas.openxmlformats.org/officeDocument/2006/relationships" xmlns:p="http://schemas.openxmlformats.org/presentationml/2006/main">
+  <p:cSld>
+    <p:spTree>
+      <p:nvGrpSpPr>
+        <p:cNvPr id="1" name=""/>
+        <p:cNvGrpSpPr/>
+        <p:nvPr/>
+      </p:nvGrpSpPr>
+      <p:grpSpPr>
+        <a:xfrm>
+          <a:off x="0" y="0"/>
+          <a:ext cx="0" cy="0"/>
+          <a:chOff x="0" y="0"/>
+          <a:chExt cx="0" cy="0"/>
+        </a:xfrm>
+      </p:grpSpPr>
+      <p:sp>
+        <p:nvSpPr>
+          <p:cNvPr id="4" name="Title 3"/>
+          <p:cNvSpPr>
+            <a:spLocks noGrp="1"/>
+          </p:cNvSpPr>
+          <p:nvPr>
+            <p:ph type="title"/>
+          </p:nvPr>
+        </p:nvSpPr>
+        <p:spPr>
+          <a:xfrm>
+            <a:off x="2586835" y="128470"/>
+            <a:ext cx="6108200" cy="725349"/>
+          </a:xfrm>
+        </p:spPr>
+        <p:txBody>
+          <a:bodyPr>
+            <a:normAutofit/>
+          </a:bodyPr>
+          <a:lstStyle/>
+          <a:p>
+            <a:r>
+              <a:rPr lang="en-US" dirty="0"/>
+              <a:t>Group members</a:t>
+            </a:r>
+          </a:p>
+        </p:txBody>
+      </p:sp>
+      <p:sp>
+        <p:nvSpPr>
+          <p:cNvPr id="5" name="Content Placeholder 4"/>
+          <p:cNvSpPr>
+            <a:spLocks noGrp="1"/>
+          </p:cNvSpPr>
+          <p:nvPr>
+            <p:ph idx="1"/>
+          </p:nvPr>
+        </p:nvSpPr>
+        <p:spPr>
+          <a:xfrm>
+            <a:off x="2434130" y="1502815"/>
+            <a:ext cx="6260905" cy="3206805"/>
+          </a:xfrm>
+        </p:spPr>
+        <p:txBody>
+          <a:bodyPr>
+            <a:normAutofit/>
+          </a:bodyPr>
+          <a:lstStyle/>
+          <a:p>
+            <a:r>
+              <a:rPr lang="en-US" dirty="0" smtClean="0"/>
+              <a:t>Mahdi </a:t>
+            </a:r>
+          </a:p>
+          <a:p>
+            <a:r>
+              <a:rPr lang="en-US" dirty="0" smtClean="0"/>
+              <a:t>Samiullah </a:t>
+            </a:r>
+            <a:r>
+              <a:rPr lang="en-US" dirty="0"/>
+              <a:t>Wardak</a:t>
+            </a:r>
+          </a:p>
+          <a:p>
+            <a:r>
+              <a:rPr lang="en-US" dirty="0"/>
+              <a:t>Atiqullah Hamraz</a:t>
+            </a:r>
+          </a:p>
+          <a:p>
+            <a:r>
+              <a:rPr lang="en-US" dirty="0"/>
+              <a:t>Baha-ul-haq </a:t>
+            </a:r>
+          </a:p>
+          <a:p>
+            <a:r>
+              <a:rPr lang="en-US" dirty="0"/>
+              <a:t>Hedayatullah </a:t>
+            </a:r>
+          </a:p>
+          <a:p>
+            <a:endParaRPr lang="en-US" dirty="0"/>
+          </a:p>
+          <a:p>
+            <a:endParaRPr lang="en-US" dirty="0"/>
+          </a:p>
+          <a:p>
+            <a:endParaRPr lang="en-US" dirty="0"/>
+          </a:p>
+        </p:txBody>
+      </p:sp>
+    </p:spTree>
+    <p:extLst>
+      <p:ext uri="{BB962C8B-B14F-4D97-AF65-F5344CB8AC3E}">
+        <p14:creationId xmlns:p14="http://schemas.microsoft.com/office/powerpoint/2010/main" val="1884520432"/>
+      </p:ext>
+    </p:extLst>
+  </p:cSld>
+  <p:clrMapOvr>
+    <a:masterClrMapping/>
+  </p:clrMapOvr>
+  <p:timing>
+    <p:tnLst>
+      <p:par>
+        <p:cTn id="1" dur="indefinite" restart="never" nodeType="tmRoot"/>
+      </p:par>
+    </p:tnLst>
+  </p:timing>
+</p:sld>
+</file>
+
+<file path=ppt/slides/slide3.xml><?xml version="1.0" encoding="utf-8"?>
+<p:sld xmlns:a="http://schemas.openxmlformats.org/drawingml/2006/main" xmlns:r="http://schemas.openxmlformats.org/officeDocument/2006/relationships" xmlns:p="http://schemas.openxmlformats.org/presentationml/2006/main">
+  <p:cSld>
+    <p:spTree>
+      <p:nvGrpSpPr>
+        <p:cNvPr id="1" name=""/>
+        <p:cNvGrpSpPr/>
+        <p:nvPr/>
+      </p:nvGrpSpPr>
+      <p:grpSpPr>
+        <a:xfrm>
+          <a:off x="0" y="0"/>
+          <a:ext cx="0" cy="0"/>
+          <a:chOff x="0" y="0"/>
+          <a:chExt cx="0" cy="0"/>
+        </a:xfrm>
+      </p:grpSpPr>
+      <p:sp>
+        <p:nvSpPr>
+          <p:cNvPr id="2" name="Title 1"/>
+          <p:cNvSpPr>
+            <a:spLocks noGrp="1"/>
+          </p:cNvSpPr>
+          <p:nvPr>
+            <p:ph type="title"/>
+          </p:nvPr>
+        </p:nvSpPr>
+        <p:spPr/>
+        <p:txBody>
+          <a:bodyPr>
+            <a:normAutofit/>
+          </a:bodyPr>
+          <a:lstStyle/>
+          <a:p>
+            <a:r>
+              <a:rPr lang="en-US" dirty="0" smtClean="0">
+                <a:effectLst/>
+              </a:rPr>
+              <a:t>History of Active Directory</a:t>
+            </a:r>
+            <a:endParaRPr lang="en-US" dirty="0"/>
+          </a:p>
+        </p:txBody>
+      </p:sp>
+      <p:sp>
+        <p:nvSpPr>
+          <p:cNvPr id="3" name="Content Placeholder 2"/>
+          <p:cNvSpPr>
+            <a:spLocks noGrp="1"/>
+          </p:cNvSpPr>
+          <p:nvPr>
+            <p:ph idx="1"/>
+          </p:nvPr>
+        </p:nvSpPr>
+        <p:spPr/>
+        <p:txBody>
+          <a:bodyPr/>
+          <a:lstStyle/>
+          <a:p>
+            <a:r>
+              <a:rPr lang="en-US" dirty="0"/>
+              <a:t>Microsoft previewed Active Directory in 1999, released it first with Windows 2000 </a:t>
+            </a:r>
+            <a:r>
+              <a:rPr lang="en-US" dirty="0" smtClean="0"/>
+              <a:t>Server.</a:t>
+            </a:r>
+          </a:p>
+          <a:p>
+            <a:r>
+              <a:rPr lang="en-US" dirty="0"/>
+              <a:t>Active Directory support was also added to </a:t>
+            </a:r>
+            <a:r>
+              <a:rPr lang="en-US" b="1" dirty="0"/>
+              <a:t>Windows 95</a:t>
+            </a:r>
+            <a:r>
+              <a:rPr lang="en-US" dirty="0"/>
+              <a:t>, </a:t>
+            </a:r>
+            <a:r>
+              <a:rPr lang="en-US" b="1" dirty="0"/>
+              <a:t>Windows 98 </a:t>
+            </a:r>
+            <a:r>
+              <a:rPr lang="en-US" dirty="0"/>
+              <a:t>and </a:t>
+            </a:r>
+            <a:r>
+              <a:rPr lang="en-US" b="1" dirty="0"/>
+              <a:t>Windows NT </a:t>
+            </a:r>
+            <a:r>
+              <a:rPr lang="en-US" b="1" dirty="0" smtClean="0"/>
+              <a:t>4.0</a:t>
+            </a:r>
+            <a:r>
+              <a:rPr lang="en-US" dirty="0" smtClean="0"/>
+              <a:t>, </a:t>
+            </a:r>
+            <a:r>
+              <a:rPr lang="en-US" dirty="0"/>
+              <a:t>with some features being </a:t>
+            </a:r>
+            <a:r>
+              <a:rPr lang="en-US" b="1" i="1" dirty="0" smtClean="0"/>
+              <a:t>unsupported.</a:t>
+            </a:r>
+            <a:endParaRPr lang="en-US" b="1" i="1" dirty="0"/>
+          </a:p>
+        </p:txBody>
+      </p:sp>
+    </p:spTree>
+    <p:extLst>
+      <p:ext uri="{BB962C8B-B14F-4D97-AF65-F5344CB8AC3E}">
+        <p14:creationId xmlns:p14="http://schemas.microsoft.com/office/powerpoint/2010/main" val="3032306861"/>
+      </p:ext>
+    </p:extLst>
+  </p:cSld>
+  <p:clrMapOvr>
+    <a:masterClrMapping/>
+  </p:clrMapOvr>
+  <p:timing>
+    <p:tnLst>
+      <p:par>
+        <p:cTn id="1" dur="indefinite" restart="never" nodeType="tmRoot"/>
+      </p:par>
+    </p:tnLst>
+  </p:timing>
+</p:sld>
+</file>
+
+<file path=ppt/slides/slide4.xml><?xml version="1.0" encoding="utf-8"?>
+<p:sld xmlns:a="http://schemas.openxmlformats.org/drawingml/2006/main" xmlns:r="http://schemas.openxmlformats.org/officeDocument/2006/relationships" xmlns:p="http://schemas.openxmlformats.org/presentationml/2006/main">
+  <p:cSld>
+    <p:spTree>
+      <p:nvGrpSpPr>
+        <p:cNvPr id="1" name=""/>
+        <p:cNvGrpSpPr/>
+        <p:nvPr/>
+      </p:nvGrpSpPr>
+      <p:grpSpPr>
+        <a:xfrm>
+          <a:off x="0" y="0"/>
+          <a:ext cx="0" cy="0"/>
+          <a:chOff x="0" y="0"/>
+          <a:chExt cx="0" cy="0"/>
+        </a:xfrm>
+      </p:grpSpPr>
+      <p:sp>
+        <p:nvSpPr>
+          <p:cNvPr id="2" name="Title 1"/>
+          <p:cNvSpPr>
+            <a:spLocks noGrp="1"/>
+          </p:cNvSpPr>
+          <p:nvPr>
+            <p:ph type="title"/>
+          </p:nvPr>
+        </p:nvSpPr>
+        <p:spPr/>
+        <p:txBody>
+          <a:bodyPr/>
+          <a:lstStyle/>
+          <a:p>
+            <a:r>
+              <a:rPr lang="en-US" dirty="0"/>
+              <a:t>Active Directory (AD)</a:t>
+            </a:r>
+          </a:p>
+        </p:txBody>
+      </p:sp>
+      <p:sp>
+        <p:nvSpPr>
+          <p:cNvPr id="3" name="Content Placeholder 2"/>
+          <p:cNvSpPr>
+            <a:spLocks noGrp="1"/>
+          </p:cNvSpPr>
+          <p:nvPr>
+            <p:ph idx="1"/>
+          </p:nvPr>
+        </p:nvSpPr>
+        <p:spPr/>
+        <p:txBody>
+          <a:bodyPr/>
+          <a:lstStyle/>
+          <a:p>
+            <a:r>
+              <a:rPr lang="en-US" dirty="0"/>
+              <a:t>AD is a directory service that runs on MS Windows Server</a:t>
+            </a:r>
+          </a:p>
+          <a:p>
+            <a:r>
+              <a:rPr lang="en-US" dirty="0"/>
+              <a:t>It enables administrators to manage permissions and control access to network resources</a:t>
+            </a:r>
+          </a:p>
+          <a:p>
+            <a:r>
+              <a:rPr lang="en-US" dirty="0"/>
+              <a:t>In AD data is stored in objects</a:t>
+            </a:r>
+          </a:p>
+          <a:p>
+            <a:endParaRPr lang="en-US" dirty="0"/>
+          </a:p>
+        </p:txBody>
+      </p:sp>
+    </p:spTree>
+    <p:extLst>
+      <p:ext uri="{BB962C8B-B14F-4D97-AF65-F5344CB8AC3E}">
+        <p14:creationId xmlns:p14="http://schemas.microsoft.com/office/powerpoint/2010/main" val="1944833241"/>
+      </p:ext>
+    </p:extLst>
+  </p:cSld>
+  <p:clrMapOvr>
+    <a:masterClrMapping/>
+  </p:clrMapOvr>
+  <p:timing>
+    <p:tnLst>
+      <p:par>
+        <p:cTn id="1" dur="indefinite" restart="never" nodeType="tmRoot"/>
+      </p:par>
+    </p:tnLst>
+  </p:timing>
+</p:sld>
 </file>
 
 <file path=ppt/theme/theme1.xml><?xml version="1.0" encoding="utf-8"?>

--- a/active.pptx
+++ b/active.pptx
@@ -215,7 +215,7 @@
           <a:p>
             <a:fld id="{C8D18E60-4300-4729-A0D7-6AB984C3922D}" type="datetimeFigureOut">
               <a:rPr lang="en-US" smtClean="0"/>
-              <a:t>6/5/2022</a:t>
+              <a:t>6/6/2022</a:t>
             </a:fld>
             <a:endParaRPr lang="en-US"/>
           </a:p>
@@ -717,7 +717,7 @@
             <a:fld id="{53074F12-AA26-4AC8-9962-C36BB8F32554}" type="datetimeFigureOut">
               <a:rPr lang="en-US" smtClean="0"/>
               <a:pPr/>
-              <a:t>6/5/2022</a:t>
+              <a:t>6/6/2022</a:t>
             </a:fld>
             <a:endParaRPr lang="en-US"/>
           </a:p>
@@ -971,7 +971,7 @@
             <a:fld id="{53074F12-AA26-4AC8-9962-C36BB8F32554}" type="datetimeFigureOut">
               <a:rPr lang="en-US" smtClean="0"/>
               <a:pPr/>
-              <a:t>6/5/2022</a:t>
+              <a:t>6/6/2022</a:t>
             </a:fld>
             <a:endParaRPr lang="en-US"/>
           </a:p>
@@ -1141,7 +1141,7 @@
             <a:fld id="{53074F12-AA26-4AC8-9962-C36BB8F32554}" type="datetimeFigureOut">
               <a:rPr lang="en-US" smtClean="0"/>
               <a:pPr/>
-              <a:t>6/5/2022</a:t>
+              <a:t>6/6/2022</a:t>
             </a:fld>
             <a:endParaRPr lang="en-US"/>
           </a:p>
@@ -1321,7 +1321,7 @@
             <a:fld id="{53074F12-AA26-4AC8-9962-C36BB8F32554}" type="datetimeFigureOut">
               <a:rPr lang="en-US" smtClean="0"/>
               <a:pPr/>
-              <a:t>6/5/2022</a:t>
+              <a:t>6/6/2022</a:t>
             </a:fld>
             <a:endParaRPr lang="en-US"/>
           </a:p>
@@ -1603,7 +1603,7 @@
             <a:fld id="{53074F12-AA26-4AC8-9962-C36BB8F32554}" type="datetimeFigureOut">
               <a:rPr lang="en-US" smtClean="0"/>
               <a:pPr/>
-              <a:t>6/5/2022</a:t>
+              <a:t>6/6/2022</a:t>
             </a:fld>
             <a:endParaRPr lang="en-US"/>
           </a:p>
@@ -1850,7 +1850,7 @@
             <a:fld id="{53074F12-AA26-4AC8-9962-C36BB8F32554}" type="datetimeFigureOut">
               <a:rPr lang="en-US" smtClean="0"/>
               <a:pPr/>
-              <a:t>6/5/2022</a:t>
+              <a:t>6/6/2022</a:t>
             </a:fld>
             <a:endParaRPr lang="en-US"/>
           </a:p>
@@ -2097,7 +2097,7 @@
             <a:fld id="{53074F12-AA26-4AC8-9962-C36BB8F32554}" type="datetimeFigureOut">
               <a:rPr lang="en-US" smtClean="0"/>
               <a:pPr/>
-              <a:t>6/5/2022</a:t>
+              <a:t>6/6/2022</a:t>
             </a:fld>
             <a:endParaRPr lang="en-US"/>
           </a:p>
@@ -2384,7 +2384,7 @@
             <a:fld id="{53074F12-AA26-4AC8-9962-C36BB8F32554}" type="datetimeFigureOut">
               <a:rPr lang="en-US" smtClean="0"/>
               <a:pPr/>
-              <a:t>6/5/2022</a:t>
+              <a:t>6/6/2022</a:t>
             </a:fld>
             <a:endParaRPr lang="en-US"/>
           </a:p>
@@ -2871,7 +2871,7 @@
             <a:fld id="{53074F12-AA26-4AC8-9962-C36BB8F32554}" type="datetimeFigureOut">
               <a:rPr lang="en-US" smtClean="0"/>
               <a:pPr/>
-              <a:t>6/5/2022</a:t>
+              <a:t>6/6/2022</a:t>
             </a:fld>
             <a:endParaRPr lang="en-US"/>
           </a:p>
@@ -2990,7 +2990,7 @@
             <a:fld id="{53074F12-AA26-4AC8-9962-C36BB8F32554}" type="datetimeFigureOut">
               <a:rPr lang="en-US" smtClean="0"/>
               <a:pPr/>
-              <a:t>6/5/2022</a:t>
+              <a:t>6/6/2022</a:t>
             </a:fld>
             <a:endParaRPr lang="en-US"/>
           </a:p>
@@ -3087,7 +3087,7 @@
             <a:fld id="{53074F12-AA26-4AC8-9962-C36BB8F32554}" type="datetimeFigureOut">
               <a:rPr lang="en-US" smtClean="0"/>
               <a:pPr/>
-              <a:t>6/5/2022</a:t>
+              <a:t>6/6/2022</a:t>
             </a:fld>
             <a:endParaRPr lang="en-US"/>
           </a:p>
@@ -3364,7 +3364,7 @@
             <a:fld id="{53074F12-AA26-4AC8-9962-C36BB8F32554}" type="datetimeFigureOut">
               <a:rPr lang="en-US" smtClean="0"/>
               <a:pPr/>
-              <a:t>6/5/2022</a:t>
+              <a:t>6/6/2022</a:t>
             </a:fld>
             <a:endParaRPr lang="en-US"/>
           </a:p>
@@ -3586,7 +3586,7 @@
             <a:fld id="{53074F12-AA26-4AC8-9962-C36BB8F32554}" type="datetimeFigureOut">
               <a:rPr lang="en-US" smtClean="0"/>
               <a:pPr/>
-              <a:t>6/5/2022</a:t>
+              <a:t>6/6/2022</a:t>
             </a:fld>
             <a:endParaRPr lang="en-US"/>
           </a:p>
@@ -4182,14 +4182,44 @@
           <a:p>
             <a:r>
               <a:rPr lang="en-US" dirty="0"/>
-              <a:t>Baha-ul-haq </a:t>
-            </a:r>
-          </a:p>
-          <a:p>
+              <a:t>Baha-</a:t>
+            </a:r>
+            <a:r>
+              <a:rPr lang="en-US" dirty="0" err="1"/>
+              <a:t>ul</a:t>
+            </a:r>
             <a:r>
               <a:rPr lang="en-US" dirty="0"/>
-              <a:t>Hedayatullah </a:t>
-            </a:r>
+              <a:t>-</a:t>
+            </a:r>
+            <a:r>
+              <a:rPr lang="en-US" dirty="0" err="1"/>
+              <a:t>haq</a:t>
+            </a:r>
+            <a:r>
+              <a:rPr lang="en-US" dirty="0"/>
+              <a:t> </a:t>
+            </a:r>
+            <a:r>
+              <a:rPr lang="en-US" dirty="0" err="1" smtClean="0"/>
+              <a:t>Sharifi</a:t>
+            </a:r>
+            <a:endParaRPr lang="en-US" dirty="0"/>
+          </a:p>
+          <a:p>
+            <a:r>
+              <a:rPr lang="en-US" dirty="0" err="1"/>
+              <a:t>Hedayatullah</a:t>
+            </a:r>
+            <a:r>
+              <a:rPr lang="en-US" dirty="0"/>
+              <a:t> </a:t>
+            </a:r>
+            <a:r>
+              <a:rPr lang="en-US" dirty="0" err="1" smtClean="0"/>
+              <a:t>Nekzad</a:t>
+            </a:r>
+            <a:endParaRPr lang="en-US" dirty="0"/>
           </a:p>
           <a:p>
             <a:endParaRPr lang="en-US" dirty="0"/>

--- a/active.pptx
+++ b/active.pptx
@@ -13,6 +13,7 @@
     <p:sldId id="258" r:id="rId8"/>
     <p:sldId id="259" r:id="rId9"/>
     <p:sldId id="260" r:id="rId10"/>
+    <p:sldId id="261" r:id="rId11"/>
   </p:sldIdLst>
   <p:sldSz cx="9144000" cy="5143500"/>
   <p:notesSz cx="7772400" cy="10058400"/>
@@ -5625,7 +5626,7 @@
                 <a:spcPct val="100000"/>
               </a:lnSpc>
             </a:pPr>
-            <a:fld id="{102FD655-21A7-4B06-A039-CB680BF41E1C}" type="datetime">
+            <a:fld id="{3BC6EDB1-C675-4D82-8A1E-B7036DA8D3B7}" type="datetime">
               <a:rPr b="0" lang="en-US" sz="1200" spc="-1" strike="noStrike">
                 <a:solidFill>
                   <a:srgbClr val="8b8b8b"/>
@@ -5699,7 +5700,7 @@
                 <a:spcPct val="100000"/>
               </a:lnSpc>
             </a:pPr>
-            <a:fld id="{A3261A8C-63C8-465C-8161-F8B3C49A249D}" type="slidenum">
+            <a:fld id="{D2577B28-85D0-48E6-A072-B4C72ED89E3E}" type="slidenum">
               <a:rPr b="0" lang="en-US" sz="1200" spc="-1" strike="noStrike">
                 <a:solidFill>
                   <a:srgbClr val="8b8b8b"/>
@@ -6302,7 +6303,7 @@
                 <a:spcPct val="100000"/>
               </a:lnSpc>
             </a:pPr>
-            <a:fld id="{EE9183AD-515A-4AE9-BE54-29584C760691}" type="datetime">
+            <a:fld id="{995C099C-1641-4102-99B6-485C65AF1D25}" type="datetime">
               <a:rPr b="0" lang="en-US" sz="1200" spc="-1" strike="noStrike">
                 <a:solidFill>
                   <a:srgbClr val="8b8b8b"/>
@@ -6376,7 +6377,7 @@
                 <a:spcPct val="100000"/>
               </a:lnSpc>
             </a:pPr>
-            <a:fld id="{6C28421F-9F1F-4907-943F-4899B332E720}" type="slidenum">
+            <a:fld id="{9746EA99-B3AA-403A-901C-0430F71FE070}" type="slidenum">
               <a:rPr b="0" lang="en-US" sz="1200" spc="-1" strike="noStrike">
                 <a:solidFill>
                   <a:srgbClr val="8b8b8b"/>
@@ -6758,7 +6759,7 @@
                 <a:spcPct val="100000"/>
               </a:lnSpc>
             </a:pPr>
-            <a:fld id="{175D37EA-C5BC-4880-BD1E-568E25F62D91}" type="datetime">
+            <a:fld id="{2FC2CEF4-E8A3-4DF9-9DD1-C7D7846E48F8}" type="datetime">
               <a:rPr b="0" lang="en-US" sz="1200" spc="-1" strike="noStrike">
                 <a:solidFill>
                   <a:srgbClr val="8b8b8b"/>
@@ -6832,7 +6833,7 @@
                 <a:spcPct val="100000"/>
               </a:lnSpc>
             </a:pPr>
-            <a:fld id="{26496942-2A2F-45D6-831B-FABDB66DF97E}" type="slidenum">
+            <a:fld id="{A9B2D34F-7BAD-43D4-B940-BFB886D9F2FD}" type="slidenum">
               <a:rPr b="0" lang="en-US" sz="1200" spc="-1" strike="noStrike">
                 <a:solidFill>
                   <a:srgbClr val="8b8b8b"/>
@@ -8184,6 +8185,292 @@
               </a:rPr>
               <a:t>Which categorized according to their name add attributes</a:t>
             </a:r>
+            <a:endParaRPr b="0" lang="en-US" sz="2800" spc="-1" strike="noStrike">
+              <a:latin typeface="Arial"/>
+            </a:endParaRPr>
+          </a:p>
+        </p:txBody>
+      </p:sp>
+    </p:spTree>
+  </p:cSld>
+  <mc:AlternateContent>
+    <mc:Choice Requires="p14">
+      <p:transition spd="slow" p14:dur="2000"/>
+    </mc:Choice>
+    <mc:Fallback>
+      <p:transition spd="slow"/>
+    </mc:Fallback>
+  </mc:AlternateContent>
+</p:sld>
+</file>
+
+<file path=ppt/slides/slide6.xml><?xml version="1.0" encoding="utf-8"?>
+<p:sld xmlns:a="http://schemas.openxmlformats.org/drawingml/2006/main" xmlns:p="http://schemas.openxmlformats.org/presentationml/2006/main" xmlns:r="http://schemas.openxmlformats.org/officeDocument/2006/relationships" xmlns:p14="http://schemas.microsoft.com/office/powerpoint/2010/main" xmlns:p15="http://schemas.microsoft.com/office/powerpoint/2012/main" xmlns:mc="http://schemas.openxmlformats.org/markup-compatibility/2006">
+  <p:cSld>
+    <p:spTree>
+      <p:nvGrpSpPr>
+        <p:cNvPr id="1" name=""/>
+        <p:cNvGrpSpPr/>
+        <p:nvPr/>
+      </p:nvGrpSpPr>
+      <p:grpSpPr>
+        <a:xfrm>
+          <a:off x="0" y="0"/>
+          <a:ext cx="0" cy="0"/>
+          <a:chOff x="0" y="0"/>
+          <a:chExt cx="0" cy="0"/>
+        </a:xfrm>
+      </p:grpSpPr>
+      <p:sp>
+        <p:nvSpPr>
+          <p:cNvPr id="173" name="CustomShape 1"/>
+          <p:cNvSpPr/>
+          <p:nvPr/>
+        </p:nvSpPr>
+        <p:spPr>
+          <a:xfrm>
+            <a:off x="448920" y="586440"/>
+            <a:ext cx="8245440" cy="762840"/>
+          </a:xfrm>
+          <a:prstGeom prst="rect">
+            <a:avLst/>
+          </a:prstGeom>
+          <a:noFill/>
+          <a:ln>
+            <a:noFill/>
+          </a:ln>
+        </p:spPr>
+        <p:style>
+          <a:lnRef idx="0"/>
+          <a:fillRef idx="0"/>
+          <a:effectRef idx="0"/>
+          <a:fontRef idx="minor"/>
+        </p:style>
+        <p:txBody>
+          <a:bodyPr lIns="90000" rIns="90000" tIns="45000" bIns="45000" anchor="ctr">
+            <a:noAutofit/>
+          </a:bodyPr>
+          <a:p>
+            <a:pPr>
+              <a:lnSpc>
+                <a:spcPct val="100000"/>
+              </a:lnSpc>
+            </a:pPr>
+            <a:r>
+              <a:rPr b="0" lang="en-US" sz="3600" spc="-1" strike="noStrike">
+                <a:solidFill>
+                  <a:srgbClr val="7030a0"/>
+                </a:solidFill>
+                <a:latin typeface="Calibri"/>
+              </a:rPr>
+              <a:t>Domain Controller</a:t>
+            </a:r>
+            <a:endParaRPr b="0" lang="en-US" sz="3600" spc="-1" strike="noStrike">
+              <a:latin typeface="Arial"/>
+            </a:endParaRPr>
+          </a:p>
+        </p:txBody>
+      </p:sp>
+      <p:sp>
+        <p:nvSpPr>
+          <p:cNvPr id="174" name="CustomShape 2"/>
+          <p:cNvSpPr/>
+          <p:nvPr/>
+        </p:nvSpPr>
+        <p:spPr>
+          <a:xfrm>
+            <a:off x="448920" y="1502640"/>
+            <a:ext cx="8245440" cy="3206160"/>
+          </a:xfrm>
+          <a:prstGeom prst="rect">
+            <a:avLst/>
+          </a:prstGeom>
+          <a:noFill/>
+          <a:ln>
+            <a:noFill/>
+          </a:ln>
+        </p:spPr>
+        <p:style>
+          <a:lnRef idx="0"/>
+          <a:fillRef idx="0"/>
+          <a:effectRef idx="0"/>
+          <a:fontRef idx="minor"/>
+        </p:style>
+        <p:txBody>
+          <a:bodyPr lIns="90000" rIns="90000" tIns="45000" bIns="45000">
+            <a:normAutofit fontScale="70000"/>
+          </a:bodyPr>
+          <a:p>
+            <a:pPr marL="343080" indent="-342360">
+              <a:lnSpc>
+                <a:spcPct val="100000"/>
+              </a:lnSpc>
+              <a:spcBef>
+                <a:spcPts val="561"/>
+              </a:spcBef>
+              <a:buClr>
+                <a:srgbClr val="002060"/>
+              </a:buClr>
+              <a:buFont typeface="Arial"/>
+              <a:buChar char="•"/>
+            </a:pPr>
+            <a:r>
+              <a:rPr b="0" lang="en-US" sz="2800" spc="-1" strike="noStrike">
+                <a:solidFill>
+                  <a:srgbClr val="002060"/>
+                </a:solidFill>
+                <a:latin typeface="Calibri"/>
+              </a:rPr>
+              <a:t>A server running the AD </a:t>
+            </a:r>
+            <a:r>
+              <a:rPr b="1" lang="en-US" sz="2800" spc="-1" strike="noStrike">
+                <a:solidFill>
+                  <a:srgbClr val="002060"/>
+                </a:solidFill>
+                <a:latin typeface="Calibri"/>
+              </a:rPr>
+              <a:t>Domain Service</a:t>
+            </a:r>
+            <a:r>
+              <a:rPr b="0" lang="en-US" sz="2800" spc="-1" strike="noStrike">
+                <a:solidFill>
+                  <a:srgbClr val="002060"/>
+                </a:solidFill>
+                <a:latin typeface="Calibri"/>
+              </a:rPr>
+              <a:t> (</a:t>
+            </a:r>
+            <a:r>
+              <a:rPr b="1" lang="en-US" sz="2800" spc="-1" strike="noStrike">
+                <a:solidFill>
+                  <a:srgbClr val="002060"/>
+                </a:solidFill>
+                <a:latin typeface="Calibri"/>
+              </a:rPr>
+              <a:t>AD DS</a:t>
+            </a:r>
+            <a:r>
+              <a:rPr b="0" lang="en-US" sz="2800" spc="-1" strike="noStrike">
+                <a:solidFill>
+                  <a:srgbClr val="002060"/>
+                </a:solidFill>
+                <a:latin typeface="Calibri"/>
+              </a:rPr>
+              <a:t>) role is called a </a:t>
+            </a:r>
+            <a:r>
+              <a:rPr b="1" lang="en-US" sz="2800" spc="-1" strike="noStrike">
+                <a:solidFill>
+                  <a:srgbClr val="002060"/>
+                </a:solidFill>
+                <a:latin typeface="Calibri"/>
+              </a:rPr>
+              <a:t>domain controller</a:t>
+            </a:r>
+            <a:r>
+              <a:rPr b="0" lang="en-US" sz="2800" spc="-1" strike="noStrike">
+                <a:solidFill>
+                  <a:srgbClr val="002060"/>
+                </a:solidFill>
+                <a:latin typeface="Calibri"/>
+              </a:rPr>
+              <a:t>.</a:t>
+            </a:r>
+            <a:endParaRPr b="0" lang="en-US" sz="2800" spc="-1" strike="noStrike">
+              <a:latin typeface="Arial"/>
+            </a:endParaRPr>
+          </a:p>
+          <a:p>
+            <a:pPr marL="343080" indent="-342360">
+              <a:lnSpc>
+                <a:spcPct val="100000"/>
+              </a:lnSpc>
+              <a:spcBef>
+                <a:spcPts val="561"/>
+              </a:spcBef>
+              <a:buClr>
+                <a:srgbClr val="002060"/>
+              </a:buClr>
+              <a:buFont typeface="Arial"/>
+              <a:buChar char="•"/>
+            </a:pPr>
+            <a:r>
+              <a:rPr b="0" lang="en-US" sz="2800" spc="-1" strike="noStrike">
+                <a:solidFill>
+                  <a:srgbClr val="002060"/>
+                </a:solidFill>
+                <a:latin typeface="Calibri"/>
+              </a:rPr>
+              <a:t>It authenticates and authorizes all users and computers.</a:t>
+            </a:r>
+            <a:endParaRPr b="0" lang="en-US" sz="2800" spc="-1" strike="noStrike">
+              <a:latin typeface="Arial"/>
+            </a:endParaRPr>
+          </a:p>
+          <a:p>
+            <a:pPr marL="343080" indent="-342360">
+              <a:lnSpc>
+                <a:spcPct val="100000"/>
+              </a:lnSpc>
+              <a:spcBef>
+                <a:spcPts val="561"/>
+              </a:spcBef>
+              <a:buClr>
+                <a:srgbClr val="002060"/>
+              </a:buClr>
+              <a:buFont typeface="Arial"/>
+              <a:buChar char="•"/>
+            </a:pPr>
+            <a:r>
+              <a:rPr b="0" lang="en-US" sz="2800" spc="-1" strike="noStrike">
+                <a:solidFill>
+                  <a:srgbClr val="002060"/>
+                </a:solidFill>
+                <a:latin typeface="Calibri"/>
+              </a:rPr>
+              <a:t>A domain controller is contacted when a user logs into a device.</a:t>
+            </a:r>
+            <a:endParaRPr b="0" lang="en-US" sz="2800" spc="-1" strike="noStrike">
+              <a:latin typeface="Arial"/>
+            </a:endParaRPr>
+          </a:p>
+          <a:p>
+            <a:pPr marL="343080" indent="-342360">
+              <a:lnSpc>
+                <a:spcPct val="100000"/>
+              </a:lnSpc>
+              <a:spcBef>
+                <a:spcPts val="561"/>
+              </a:spcBef>
+              <a:buClr>
+                <a:srgbClr val="002060"/>
+              </a:buClr>
+              <a:buFont typeface="Arial"/>
+              <a:buChar char="•"/>
+            </a:pPr>
+            <a:r>
+              <a:rPr b="0" lang="en-US" sz="2800" spc="-1" strike="noStrike">
+                <a:solidFill>
+                  <a:srgbClr val="002060"/>
+                </a:solidFill>
+                <a:latin typeface="Calibri"/>
+              </a:rPr>
+              <a:t>OR accesses another device across the network.</a:t>
+            </a:r>
+            <a:endParaRPr b="0" lang="en-US" sz="2800" spc="-1" strike="noStrike">
+              <a:latin typeface="Arial"/>
+            </a:endParaRPr>
+          </a:p>
+          <a:p>
+            <a:pPr>
+              <a:lnSpc>
+                <a:spcPct val="100000"/>
+              </a:lnSpc>
+              <a:spcBef>
+                <a:spcPts val="561"/>
+              </a:spcBef>
+            </a:pPr>
             <a:endParaRPr b="0" lang="en-US" sz="2800" spc="-1" strike="noStrike">
               <a:latin typeface="Arial"/>
             </a:endParaRPr>

--- a/active.pptx
+++ b/active.pptx
@@ -14,6 +14,7 @@
     <p:sldId id="259" r:id="rId9"/>
     <p:sldId id="260" r:id="rId10"/>
     <p:sldId id="261" r:id="rId11"/>
+    <p:sldId id="262" r:id="rId12"/>
   </p:sldIdLst>
   <p:sldSz cx="9144000" cy="5143500"/>
   <p:notesSz cx="7772400" cy="10058400"/>
@@ -5626,7 +5627,7 @@
                 <a:spcPct val="100000"/>
               </a:lnSpc>
             </a:pPr>
-            <a:fld id="{3BC6EDB1-C675-4D82-8A1E-B7036DA8D3B7}" type="datetime">
+            <a:fld id="{BB727AB9-4C1D-4941-AD3E-3FAA8CF7C53E}" type="datetime">
               <a:rPr b="0" lang="en-US" sz="1200" spc="-1" strike="noStrike">
                 <a:solidFill>
                   <a:srgbClr val="8b8b8b"/>
@@ -5700,7 +5701,7 @@
                 <a:spcPct val="100000"/>
               </a:lnSpc>
             </a:pPr>
-            <a:fld id="{D2577B28-85D0-48E6-A072-B4C72ED89E3E}" type="slidenum">
+            <a:fld id="{BFFA3FD0-F61D-4B3A-9029-FCBE6418A716}" type="slidenum">
               <a:rPr b="0" lang="en-US" sz="1200" spc="-1" strike="noStrike">
                 <a:solidFill>
                   <a:srgbClr val="8b8b8b"/>
@@ -6303,7 +6304,7 @@
                 <a:spcPct val="100000"/>
               </a:lnSpc>
             </a:pPr>
-            <a:fld id="{995C099C-1641-4102-99B6-485C65AF1D25}" type="datetime">
+            <a:fld id="{AB314100-46B5-4CAA-86ED-3E455E15307C}" type="datetime">
               <a:rPr b="0" lang="en-US" sz="1200" spc="-1" strike="noStrike">
                 <a:solidFill>
                   <a:srgbClr val="8b8b8b"/>
@@ -6377,7 +6378,7 @@
                 <a:spcPct val="100000"/>
               </a:lnSpc>
             </a:pPr>
-            <a:fld id="{9746EA99-B3AA-403A-901C-0430F71FE070}" type="slidenum">
+            <a:fld id="{2C09B0DD-1FD0-409D-AE4A-7246399319AE}" type="slidenum">
               <a:rPr b="0" lang="en-US" sz="1200" spc="-1" strike="noStrike">
                 <a:solidFill>
                   <a:srgbClr val="8b8b8b"/>
@@ -6759,7 +6760,7 @@
                 <a:spcPct val="100000"/>
               </a:lnSpc>
             </a:pPr>
-            <a:fld id="{2FC2CEF4-E8A3-4DF9-9DD1-C7D7846E48F8}" type="datetime">
+            <a:fld id="{FBDF09EF-0FB2-4AF5-AE78-B79AAD609F24}" type="datetime">
               <a:rPr b="0" lang="en-US" sz="1200" spc="-1" strike="noStrike">
                 <a:solidFill>
                   <a:srgbClr val="8b8b8b"/>
@@ -6833,7 +6834,7 @@
                 <a:spcPct val="100000"/>
               </a:lnSpc>
             </a:pPr>
-            <a:fld id="{A9B2D34F-7BAD-43D4-B940-BFB886D9F2FD}" type="slidenum">
+            <a:fld id="{9DC7770E-76C9-445F-A72F-080AB554EBAD}" type="slidenum">
               <a:rPr b="0" lang="en-US" sz="1200" spc="-1" strike="noStrike">
                 <a:solidFill>
                   <a:srgbClr val="8b8b8b"/>
@@ -8457,6 +8458,256 @@
                 <a:latin typeface="Calibri"/>
               </a:rPr>
               <a:t>OR accesses another device across the network.</a:t>
+            </a:r>
+            <a:endParaRPr b="0" lang="en-US" sz="2800" spc="-1" strike="noStrike">
+              <a:latin typeface="Arial"/>
+            </a:endParaRPr>
+          </a:p>
+          <a:p>
+            <a:pPr>
+              <a:lnSpc>
+                <a:spcPct val="100000"/>
+              </a:lnSpc>
+              <a:spcBef>
+                <a:spcPts val="561"/>
+              </a:spcBef>
+            </a:pPr>
+            <a:endParaRPr b="0" lang="en-US" sz="2800" spc="-1" strike="noStrike">
+              <a:latin typeface="Arial"/>
+            </a:endParaRPr>
+          </a:p>
+        </p:txBody>
+      </p:sp>
+    </p:spTree>
+  </p:cSld>
+  <mc:AlternateContent>
+    <mc:Choice Requires="p14">
+      <p:transition spd="slow" p14:dur="2000"/>
+    </mc:Choice>
+    <mc:Fallback>
+      <p:transition spd="slow"/>
+    </mc:Fallback>
+  </mc:AlternateContent>
+</p:sld>
+</file>
+
+<file path=ppt/slides/slide7.xml><?xml version="1.0" encoding="utf-8"?>
+<p:sld xmlns:a="http://schemas.openxmlformats.org/drawingml/2006/main" xmlns:p="http://schemas.openxmlformats.org/presentationml/2006/main" xmlns:r="http://schemas.openxmlformats.org/officeDocument/2006/relationships" xmlns:p14="http://schemas.microsoft.com/office/powerpoint/2010/main" xmlns:p15="http://schemas.microsoft.com/office/powerpoint/2012/main" xmlns:mc="http://schemas.openxmlformats.org/markup-compatibility/2006">
+  <p:cSld>
+    <p:spTree>
+      <p:nvGrpSpPr>
+        <p:cNvPr id="1" name=""/>
+        <p:cNvGrpSpPr/>
+        <p:nvPr/>
+      </p:nvGrpSpPr>
+      <p:grpSpPr>
+        <a:xfrm>
+          <a:off x="0" y="0"/>
+          <a:ext cx="0" cy="0"/>
+          <a:chOff x="0" y="0"/>
+          <a:chExt cx="0" cy="0"/>
+        </a:xfrm>
+      </p:grpSpPr>
+      <p:sp>
+        <p:nvSpPr>
+          <p:cNvPr id="175" name="CustomShape 1"/>
+          <p:cNvSpPr/>
+          <p:nvPr/>
+        </p:nvSpPr>
+        <p:spPr>
+          <a:xfrm>
+            <a:off x="448920" y="586440"/>
+            <a:ext cx="8245440" cy="762840"/>
+          </a:xfrm>
+          <a:prstGeom prst="rect">
+            <a:avLst/>
+          </a:prstGeom>
+          <a:noFill/>
+          <a:ln>
+            <a:noFill/>
+          </a:ln>
+        </p:spPr>
+        <p:style>
+          <a:lnRef idx="0"/>
+          <a:fillRef idx="0"/>
+          <a:effectRef idx="0"/>
+          <a:fontRef idx="minor"/>
+        </p:style>
+        <p:txBody>
+          <a:bodyPr lIns="90000" rIns="90000" tIns="45000" bIns="45000" anchor="ctr">
+            <a:noAutofit/>
+          </a:bodyPr>
+          <a:p>
+            <a:pPr>
+              <a:lnSpc>
+                <a:spcPct val="100000"/>
+              </a:lnSpc>
+            </a:pPr>
+            <a:r>
+              <a:rPr b="0" lang="en-US" sz="3600" spc="-1" strike="noStrike">
+                <a:solidFill>
+                  <a:srgbClr val="7030a0"/>
+                </a:solidFill>
+                <a:latin typeface="Calibri"/>
+              </a:rPr>
+              <a:t>Domain Services</a:t>
+            </a:r>
+            <a:endParaRPr b="0" lang="en-US" sz="3600" spc="-1" strike="noStrike">
+              <a:latin typeface="Arial"/>
+            </a:endParaRPr>
+          </a:p>
+        </p:txBody>
+      </p:sp>
+      <p:sp>
+        <p:nvSpPr>
+          <p:cNvPr id="176" name="CustomShape 2"/>
+          <p:cNvSpPr/>
+          <p:nvPr/>
+        </p:nvSpPr>
+        <p:spPr>
+          <a:xfrm>
+            <a:off x="448920" y="1502640"/>
+            <a:ext cx="8245440" cy="3206160"/>
+          </a:xfrm>
+          <a:prstGeom prst="rect">
+            <a:avLst/>
+          </a:prstGeom>
+          <a:noFill/>
+          <a:ln>
+            <a:noFill/>
+          </a:ln>
+        </p:spPr>
+        <p:style>
+          <a:lnRef idx="0"/>
+          <a:fillRef idx="0"/>
+          <a:effectRef idx="0"/>
+          <a:fontRef idx="minor"/>
+        </p:style>
+        <p:txBody>
+          <a:bodyPr lIns="90000" rIns="90000" tIns="45000" bIns="45000">
+            <a:noAutofit/>
+          </a:bodyPr>
+          <a:p>
+            <a:pPr marL="343080" indent="-342360">
+              <a:lnSpc>
+                <a:spcPct val="100000"/>
+              </a:lnSpc>
+              <a:spcBef>
+                <a:spcPts val="561"/>
+              </a:spcBef>
+              <a:buClr>
+                <a:srgbClr val="002060"/>
+              </a:buClr>
+              <a:buFont typeface="Arial"/>
+              <a:buChar char="•"/>
+            </a:pPr>
+            <a:r>
+              <a:rPr b="0" lang="en-US" sz="2800" spc="-1" strike="noStrike">
+                <a:solidFill>
+                  <a:srgbClr val="002060"/>
+                </a:solidFill>
+                <a:latin typeface="Calibri"/>
+              </a:rPr>
+              <a:t>Active Directory Domain Services (AD DS) is the foundation stone of every Windows domain network.</a:t>
+            </a:r>
+            <a:endParaRPr b="0" lang="en-US" sz="2800" spc="-1" strike="noStrike">
+              <a:latin typeface="Arial"/>
+            </a:endParaRPr>
+          </a:p>
+          <a:p>
+            <a:pPr marL="343080" indent="-342360">
+              <a:lnSpc>
+                <a:spcPct val="100000"/>
+              </a:lnSpc>
+              <a:spcBef>
+                <a:spcPts val="561"/>
+              </a:spcBef>
+              <a:buClr>
+                <a:srgbClr val="002060"/>
+              </a:buClr>
+              <a:buFont typeface="Arial"/>
+              <a:buChar char="•"/>
+            </a:pPr>
+            <a:r>
+              <a:rPr b="0" lang="en-US" sz="2800" spc="-1" strike="noStrike">
+                <a:solidFill>
+                  <a:srgbClr val="002060"/>
+                </a:solidFill>
+                <a:latin typeface="Calibri"/>
+              </a:rPr>
+              <a:t>It stores information about members of the domain.</a:t>
+            </a:r>
+            <a:endParaRPr b="0" lang="en-US" sz="2800" spc="-1" strike="noStrike">
+              <a:latin typeface="Arial"/>
+            </a:endParaRPr>
+          </a:p>
+          <a:p>
+            <a:pPr marL="343080" indent="-342360">
+              <a:lnSpc>
+                <a:spcPct val="100000"/>
+              </a:lnSpc>
+              <a:spcBef>
+                <a:spcPts val="561"/>
+              </a:spcBef>
+              <a:buClr>
+                <a:srgbClr val="002060"/>
+              </a:buClr>
+              <a:buFont typeface="Arial"/>
+              <a:buChar char="•"/>
+            </a:pPr>
+            <a:r>
+              <a:rPr b="0" lang="en-US" sz="2800" spc="-1" strike="noStrike">
+                <a:solidFill>
+                  <a:srgbClr val="002060"/>
+                </a:solidFill>
+                <a:latin typeface="Calibri"/>
+              </a:rPr>
+              <a:t>Defines their access rights.</a:t>
+            </a:r>
+            <a:endParaRPr b="0" lang="en-US" sz="2800" spc="-1" strike="noStrike">
+              <a:latin typeface="Arial"/>
+            </a:endParaRPr>
+          </a:p>
+          <a:p>
+            <a:pPr marL="343080" indent="-342360">
+              <a:lnSpc>
+                <a:spcPct val="100000"/>
+              </a:lnSpc>
+              <a:spcBef>
+                <a:spcPts val="561"/>
+              </a:spcBef>
+              <a:buClr>
+                <a:srgbClr val="002060"/>
+              </a:buClr>
+              <a:buFont typeface="Arial"/>
+              <a:buChar char="•"/>
+            </a:pPr>
+            <a:r>
+              <a:rPr b="0" lang="en-US" sz="2800" spc="-1" strike="noStrike">
+                <a:solidFill>
+                  <a:srgbClr val="002060"/>
+                </a:solidFill>
+                <a:latin typeface="Calibri"/>
+              </a:rPr>
+              <a:t>The server running this service is called a </a:t>
+            </a:r>
+            <a:r>
+              <a:rPr b="1" lang="en-US" sz="2800" spc="-1" strike="noStrike">
+                <a:solidFill>
+                  <a:srgbClr val="002060"/>
+                </a:solidFill>
+                <a:latin typeface="Calibri"/>
+              </a:rPr>
+              <a:t>domain controller</a:t>
+            </a:r>
+            <a:r>
+              <a:rPr b="0" lang="en-US" sz="2800" spc="-1" strike="noStrike">
+                <a:solidFill>
+                  <a:srgbClr val="002060"/>
+                </a:solidFill>
+                <a:latin typeface="Calibri"/>
+              </a:rPr>
+              <a:t>. </a:t>
             </a:r>
             <a:endParaRPr b="0" lang="en-US" sz="2800" spc="-1" strike="noStrike">
               <a:latin typeface="Arial"/>

--- a/active.pptx
+++ b/active.pptx
@@ -15,6 +15,7 @@
     <p:sldId id="260" r:id="rId10"/>
     <p:sldId id="261" r:id="rId11"/>
     <p:sldId id="262" r:id="rId12"/>
+    <p:sldId id="263" r:id="rId13"/>
   </p:sldIdLst>
   <p:sldSz cx="9144000" cy="5143500"/>
   <p:notesSz cx="7772400" cy="10058400"/>
@@ -5627,7 +5628,7 @@
                 <a:spcPct val="100000"/>
               </a:lnSpc>
             </a:pPr>
-            <a:fld id="{BB727AB9-4C1D-4941-AD3E-3FAA8CF7C53E}" type="datetime">
+            <a:fld id="{66FA940B-24D4-4C2B-8C54-7F042080A0A7}" type="datetime">
               <a:rPr b="0" lang="en-US" sz="1200" spc="-1" strike="noStrike">
                 <a:solidFill>
                   <a:srgbClr val="8b8b8b"/>
@@ -5701,7 +5702,7 @@
                 <a:spcPct val="100000"/>
               </a:lnSpc>
             </a:pPr>
-            <a:fld id="{BFFA3FD0-F61D-4B3A-9029-FCBE6418A716}" type="slidenum">
+            <a:fld id="{51BD6916-EC80-4ECC-8570-0C5896C2CA02}" type="slidenum">
               <a:rPr b="0" lang="en-US" sz="1200" spc="-1" strike="noStrike">
                 <a:solidFill>
                   <a:srgbClr val="8b8b8b"/>
@@ -6304,7 +6305,7 @@
                 <a:spcPct val="100000"/>
               </a:lnSpc>
             </a:pPr>
-            <a:fld id="{AB314100-46B5-4CAA-86ED-3E455E15307C}" type="datetime">
+            <a:fld id="{C08CAEFB-D9DE-4160-8AEE-BC9AA13692E8}" type="datetime">
               <a:rPr b="0" lang="en-US" sz="1200" spc="-1" strike="noStrike">
                 <a:solidFill>
                   <a:srgbClr val="8b8b8b"/>
@@ -6378,7 +6379,7 @@
                 <a:spcPct val="100000"/>
               </a:lnSpc>
             </a:pPr>
-            <a:fld id="{2C09B0DD-1FD0-409D-AE4A-7246399319AE}" type="slidenum">
+            <a:fld id="{6C5041EC-A7AD-4E29-84CD-9C9AD51B8572}" type="slidenum">
               <a:rPr b="0" lang="en-US" sz="1200" spc="-1" strike="noStrike">
                 <a:solidFill>
                   <a:srgbClr val="8b8b8b"/>
@@ -6760,7 +6761,7 @@
                 <a:spcPct val="100000"/>
               </a:lnSpc>
             </a:pPr>
-            <a:fld id="{FBDF09EF-0FB2-4AF5-AE78-B79AAD609F24}" type="datetime">
+            <a:fld id="{638A839C-E90E-4516-B32F-1F7FB70BA933}" type="datetime">
               <a:rPr b="0" lang="en-US" sz="1200" spc="-1" strike="noStrike">
                 <a:solidFill>
                   <a:srgbClr val="8b8b8b"/>
@@ -6834,7 +6835,7 @@
                 <a:spcPct val="100000"/>
               </a:lnSpc>
             </a:pPr>
-            <a:fld id="{9DC7770E-76C9-445F-A72F-080AB554EBAD}" type="slidenum">
+            <a:fld id="{143BD2A4-96E7-43C4-B98C-D0A263AE53D2}" type="slidenum">
               <a:rPr b="0" lang="en-US" sz="1200" spc="-1" strike="noStrike">
                 <a:solidFill>
                   <a:srgbClr val="8b8b8b"/>
@@ -8708,6 +8709,265 @@
                 <a:latin typeface="Calibri"/>
               </a:rPr>
               <a:t>. </a:t>
+            </a:r>
+            <a:endParaRPr b="0" lang="en-US" sz="2800" spc="-1" strike="noStrike">
+              <a:latin typeface="Arial"/>
+            </a:endParaRPr>
+          </a:p>
+          <a:p>
+            <a:pPr>
+              <a:lnSpc>
+                <a:spcPct val="100000"/>
+              </a:lnSpc>
+              <a:spcBef>
+                <a:spcPts val="561"/>
+              </a:spcBef>
+            </a:pPr>
+            <a:endParaRPr b="0" lang="en-US" sz="2800" spc="-1" strike="noStrike">
+              <a:latin typeface="Arial"/>
+            </a:endParaRPr>
+          </a:p>
+        </p:txBody>
+      </p:sp>
+    </p:spTree>
+  </p:cSld>
+  <mc:AlternateContent>
+    <mc:Choice Requires="p14">
+      <p:transition spd="slow" p14:dur="2000"/>
+    </mc:Choice>
+    <mc:Fallback>
+      <p:transition spd="slow"/>
+    </mc:Fallback>
+  </mc:AlternateContent>
+</p:sld>
+</file>
+
+<file path=ppt/slides/slide8.xml><?xml version="1.0" encoding="utf-8"?>
+<p:sld xmlns:a="http://schemas.openxmlformats.org/drawingml/2006/main" xmlns:p="http://schemas.openxmlformats.org/presentationml/2006/main" xmlns:r="http://schemas.openxmlformats.org/officeDocument/2006/relationships" xmlns:p14="http://schemas.microsoft.com/office/powerpoint/2010/main" xmlns:p15="http://schemas.microsoft.com/office/powerpoint/2012/main" xmlns:mc="http://schemas.openxmlformats.org/markup-compatibility/2006">
+  <p:cSld>
+    <p:spTree>
+      <p:nvGrpSpPr>
+        <p:cNvPr id="1" name=""/>
+        <p:cNvGrpSpPr/>
+        <p:nvPr/>
+      </p:nvGrpSpPr>
+      <p:grpSpPr>
+        <a:xfrm>
+          <a:off x="0" y="0"/>
+          <a:ext cx="0" cy="0"/>
+          <a:chOff x="0" y="0"/>
+          <a:chExt cx="0" cy="0"/>
+        </a:xfrm>
+      </p:grpSpPr>
+      <p:sp>
+        <p:nvSpPr>
+          <p:cNvPr id="177" name="CustomShape 1"/>
+          <p:cNvSpPr/>
+          <p:nvPr/>
+        </p:nvSpPr>
+        <p:spPr>
+          <a:xfrm>
+            <a:off x="448920" y="586440"/>
+            <a:ext cx="8245440" cy="762840"/>
+          </a:xfrm>
+          <a:prstGeom prst="rect">
+            <a:avLst/>
+          </a:prstGeom>
+          <a:noFill/>
+          <a:ln>
+            <a:noFill/>
+          </a:ln>
+        </p:spPr>
+        <p:style>
+          <a:lnRef idx="0"/>
+          <a:fillRef idx="0"/>
+          <a:effectRef idx="0"/>
+          <a:fontRef idx="minor"/>
+        </p:style>
+        <p:txBody>
+          <a:bodyPr lIns="90000" rIns="90000" tIns="45000" bIns="45000" anchor="ctr">
+            <a:noAutofit/>
+          </a:bodyPr>
+          <a:p>
+            <a:pPr>
+              <a:lnSpc>
+                <a:spcPct val="100000"/>
+              </a:lnSpc>
+            </a:pPr>
+            <a:r>
+              <a:rPr b="0" lang="en-US" sz="3600" spc="-1" strike="noStrike">
+                <a:solidFill>
+                  <a:srgbClr val="7030a0"/>
+                </a:solidFill>
+                <a:latin typeface="Calibri"/>
+              </a:rPr>
+              <a:t>Domain Services Examples</a:t>
+            </a:r>
+            <a:endParaRPr b="0" lang="en-US" sz="3600" spc="-1" strike="noStrike">
+              <a:latin typeface="Arial"/>
+            </a:endParaRPr>
+          </a:p>
+        </p:txBody>
+      </p:sp>
+      <p:sp>
+        <p:nvSpPr>
+          <p:cNvPr id="178" name="CustomShape 2"/>
+          <p:cNvSpPr/>
+          <p:nvPr/>
+        </p:nvSpPr>
+        <p:spPr>
+          <a:xfrm>
+            <a:off x="448920" y="1502640"/>
+            <a:ext cx="8245440" cy="3206160"/>
+          </a:xfrm>
+          <a:prstGeom prst="rect">
+            <a:avLst/>
+          </a:prstGeom>
+          <a:noFill/>
+          <a:ln>
+            <a:noFill/>
+          </a:ln>
+        </p:spPr>
+        <p:style>
+          <a:lnRef idx="0"/>
+          <a:fillRef idx="0"/>
+          <a:effectRef idx="0"/>
+          <a:fontRef idx="minor"/>
+        </p:style>
+        <p:txBody>
+          <a:bodyPr lIns="90000" rIns="90000" tIns="45000" bIns="45000">
+            <a:noAutofit/>
+          </a:bodyPr>
+          <a:p>
+            <a:pPr marL="343080" indent="-342360">
+              <a:lnSpc>
+                <a:spcPct val="100000"/>
+              </a:lnSpc>
+              <a:spcBef>
+                <a:spcPts val="561"/>
+              </a:spcBef>
+              <a:buClr>
+                <a:srgbClr val="002060"/>
+              </a:buClr>
+              <a:buFont typeface="Arial"/>
+              <a:buChar char="•"/>
+            </a:pPr>
+            <a:r>
+              <a:rPr b="0" lang="en-US" sz="2800" spc="-1" strike="noStrike">
+                <a:solidFill>
+                  <a:srgbClr val="002060"/>
+                </a:solidFill>
+                <a:latin typeface="Calibri"/>
+              </a:rPr>
+              <a:t>Group Policy</a:t>
+            </a:r>
+            <a:endParaRPr b="0" lang="en-US" sz="2800" spc="-1" strike="noStrike">
+              <a:latin typeface="Arial"/>
+            </a:endParaRPr>
+          </a:p>
+          <a:p>
+            <a:pPr marL="343080" indent="-342360">
+              <a:lnSpc>
+                <a:spcPct val="100000"/>
+              </a:lnSpc>
+              <a:spcBef>
+                <a:spcPts val="561"/>
+              </a:spcBef>
+              <a:buClr>
+                <a:srgbClr val="002060"/>
+              </a:buClr>
+              <a:buFont typeface="Arial"/>
+              <a:buChar char="•"/>
+            </a:pPr>
+            <a:r>
+              <a:rPr b="0" lang="en-US" sz="2800" spc="-1" strike="noStrike">
+                <a:solidFill>
+                  <a:srgbClr val="002060"/>
+                </a:solidFill>
+                <a:latin typeface="Calibri"/>
+              </a:rPr>
+              <a:t>Encrypting File System</a:t>
+            </a:r>
+            <a:endParaRPr b="0" lang="en-US" sz="2800" spc="-1" strike="noStrike">
+              <a:latin typeface="Arial"/>
+            </a:endParaRPr>
+          </a:p>
+          <a:p>
+            <a:pPr marL="343080" indent="-342360">
+              <a:lnSpc>
+                <a:spcPct val="100000"/>
+              </a:lnSpc>
+              <a:spcBef>
+                <a:spcPts val="561"/>
+              </a:spcBef>
+              <a:buClr>
+                <a:srgbClr val="002060"/>
+              </a:buClr>
+              <a:buFont typeface="Arial"/>
+              <a:buChar char="•"/>
+            </a:pPr>
+            <a:r>
+              <a:rPr b="0" lang="en-US" sz="2800" spc="-1" strike="noStrike">
+                <a:solidFill>
+                  <a:srgbClr val="002060"/>
+                </a:solidFill>
+                <a:latin typeface="Calibri"/>
+              </a:rPr>
+              <a:t>BitLocker</a:t>
+            </a:r>
+            <a:endParaRPr b="0" lang="en-US" sz="2800" spc="-1" strike="noStrike">
+              <a:latin typeface="Arial"/>
+            </a:endParaRPr>
+          </a:p>
+          <a:p>
+            <a:pPr marL="343080" indent="-342360">
+              <a:lnSpc>
+                <a:spcPct val="100000"/>
+              </a:lnSpc>
+              <a:spcBef>
+                <a:spcPts val="561"/>
+              </a:spcBef>
+              <a:buClr>
+                <a:srgbClr val="002060"/>
+              </a:buClr>
+              <a:buFont typeface="Arial"/>
+              <a:buChar char="•"/>
+            </a:pPr>
+            <a:r>
+              <a:rPr b="0" lang="en-US" sz="2800" spc="-1" strike="noStrike">
+                <a:solidFill>
+                  <a:srgbClr val="002060"/>
+                </a:solidFill>
+                <a:latin typeface="Calibri"/>
+              </a:rPr>
+              <a:t>Domain Name Services</a:t>
+            </a:r>
+            <a:endParaRPr b="0" lang="en-US" sz="2800" spc="-1" strike="noStrike">
+              <a:latin typeface="Arial"/>
+            </a:endParaRPr>
+          </a:p>
+          <a:p>
+            <a:pPr marL="343080" indent="-342360">
+              <a:lnSpc>
+                <a:spcPct val="100000"/>
+              </a:lnSpc>
+              <a:spcBef>
+                <a:spcPts val="561"/>
+              </a:spcBef>
+              <a:buClr>
+                <a:srgbClr val="002060"/>
+              </a:buClr>
+              <a:buFont typeface="Arial"/>
+              <a:buChar char="•"/>
+            </a:pPr>
+            <a:r>
+              <a:rPr b="0" lang="en-US" sz="2800" spc="-1" strike="noStrike">
+                <a:solidFill>
+                  <a:srgbClr val="002060"/>
+                </a:solidFill>
+                <a:latin typeface="Calibri"/>
+              </a:rPr>
+              <a:t>Remote Desktop Services</a:t>
             </a:r>
             <a:endParaRPr b="0" lang="en-US" sz="2800" spc="-1" strike="noStrike">
               <a:latin typeface="Arial"/>

--- a/active.pptx
+++ b/active.pptx
@@ -5628,7 +5628,7 @@
                 <a:spcPct val="100000"/>
               </a:lnSpc>
             </a:pPr>
-            <a:fld id="{66FA940B-24D4-4C2B-8C54-7F042080A0A7}" type="datetime">
+            <a:fld id="{300D9417-F325-4760-983C-DFA8FF593B91}" type="datetime">
               <a:rPr b="0" lang="en-US" sz="1200" spc="-1" strike="noStrike">
                 <a:solidFill>
                   <a:srgbClr val="8b8b8b"/>
@@ -5702,7 +5702,7 @@
                 <a:spcPct val="100000"/>
               </a:lnSpc>
             </a:pPr>
-            <a:fld id="{51BD6916-EC80-4ECC-8570-0C5896C2CA02}" type="slidenum">
+            <a:fld id="{23C30007-CA9E-47A5-8169-5CB135F287D2}" type="slidenum">
               <a:rPr b="0" lang="en-US" sz="1200" spc="-1" strike="noStrike">
                 <a:solidFill>
                   <a:srgbClr val="8b8b8b"/>
@@ -6305,7 +6305,7 @@
                 <a:spcPct val="100000"/>
               </a:lnSpc>
             </a:pPr>
-            <a:fld id="{C08CAEFB-D9DE-4160-8AEE-BC9AA13692E8}" type="datetime">
+            <a:fld id="{33E426FF-B49F-46EB-97F5-DAF779AE7795}" type="datetime">
               <a:rPr b="0" lang="en-US" sz="1200" spc="-1" strike="noStrike">
                 <a:solidFill>
                   <a:srgbClr val="8b8b8b"/>
@@ -6379,7 +6379,7 @@
                 <a:spcPct val="100000"/>
               </a:lnSpc>
             </a:pPr>
-            <a:fld id="{6C5041EC-A7AD-4E29-84CD-9C9AD51B8572}" type="slidenum">
+            <a:fld id="{A4EFC3E1-D9FC-474F-B2D3-A46242A7579D}" type="slidenum">
               <a:rPr b="0" lang="en-US" sz="1200" spc="-1" strike="noStrike">
                 <a:solidFill>
                   <a:srgbClr val="8b8b8b"/>
@@ -6761,7 +6761,7 @@
                 <a:spcPct val="100000"/>
               </a:lnSpc>
             </a:pPr>
-            <a:fld id="{638A839C-E90E-4516-B32F-1F7FB70BA933}" type="datetime">
+            <a:fld id="{1B5A2E96-9B0C-4BE8-A66A-5A4201F12DF4}" type="datetime">
               <a:rPr b="0" lang="en-US" sz="1200" spc="-1" strike="noStrike">
                 <a:solidFill>
                   <a:srgbClr val="8b8b8b"/>
@@ -6835,7 +6835,7 @@
                 <a:spcPct val="100000"/>
               </a:lnSpc>
             </a:pPr>
-            <a:fld id="{143BD2A4-96E7-43C4-B98C-D0A263AE53D2}" type="slidenum">
+            <a:fld id="{4B9D80BA-2FA2-442E-B7D4-E157B1E45553}" type="slidenum">
               <a:rPr b="0" lang="en-US" sz="1200" spc="-1" strike="noStrike">
                 <a:solidFill>
                   <a:srgbClr val="8b8b8b"/>

--- a/active.pptx
+++ b/active.pptx
@@ -63,7 +63,7 @@
       </p:grpSpPr>
       <p:sp>
         <p:nvSpPr>
-          <p:cNvPr id="27" name="PlaceHolder 1"/>
+          <p:cNvPr id="24" name="PlaceHolder 1"/>
           <p:cNvSpPr>
             <a:spLocks noGrp="1"/>
           </p:cNvSpPr>
@@ -94,7 +94,7 @@
       </p:sp>
       <p:sp>
         <p:nvSpPr>
-          <p:cNvPr id="28" name="PlaceHolder 2"/>
+          <p:cNvPr id="25" name="PlaceHolder 2"/>
           <p:cNvSpPr>
             <a:spLocks noGrp="1"/>
           </p:cNvSpPr>
@@ -124,7 +124,7 @@
       </p:sp>
       <p:sp>
         <p:nvSpPr>
-          <p:cNvPr id="29" name="PlaceHolder 3"/>
+          <p:cNvPr id="26" name="PlaceHolder 3"/>
           <p:cNvSpPr>
             <a:spLocks noGrp="1"/>
           </p:cNvSpPr>
@@ -176,7 +176,7 @@
       </p:grpSpPr>
       <p:sp>
         <p:nvSpPr>
-          <p:cNvPr id="30" name="PlaceHolder 1"/>
+          <p:cNvPr id="27" name="PlaceHolder 1"/>
           <p:cNvSpPr>
             <a:spLocks noGrp="1"/>
           </p:cNvSpPr>
@@ -207,7 +207,7 @@
       </p:sp>
       <p:sp>
         <p:nvSpPr>
-          <p:cNvPr id="31" name="PlaceHolder 2"/>
+          <p:cNvPr id="28" name="PlaceHolder 2"/>
           <p:cNvSpPr>
             <a:spLocks noGrp="1"/>
           </p:cNvSpPr>
@@ -237,7 +237,7 @@
       </p:sp>
       <p:sp>
         <p:nvSpPr>
-          <p:cNvPr id="32" name="PlaceHolder 3"/>
+          <p:cNvPr id="29" name="PlaceHolder 3"/>
           <p:cNvSpPr>
             <a:spLocks noGrp="1"/>
           </p:cNvSpPr>
@@ -267,7 +267,7 @@
       </p:sp>
       <p:sp>
         <p:nvSpPr>
-          <p:cNvPr id="33" name="PlaceHolder 4"/>
+          <p:cNvPr id="30" name="PlaceHolder 4"/>
           <p:cNvSpPr>
             <a:spLocks noGrp="1"/>
           </p:cNvSpPr>
@@ -297,7 +297,7 @@
       </p:sp>
       <p:sp>
         <p:nvSpPr>
-          <p:cNvPr id="34" name="PlaceHolder 5"/>
+          <p:cNvPr id="31" name="PlaceHolder 5"/>
           <p:cNvSpPr>
             <a:spLocks noGrp="1"/>
           </p:cNvSpPr>
@@ -349,7 +349,7 @@
       </p:grpSpPr>
       <p:sp>
         <p:nvSpPr>
-          <p:cNvPr id="35" name="PlaceHolder 1"/>
+          <p:cNvPr id="32" name="PlaceHolder 1"/>
           <p:cNvSpPr>
             <a:spLocks noGrp="1"/>
           </p:cNvSpPr>
@@ -380,7 +380,7 @@
       </p:sp>
       <p:sp>
         <p:nvSpPr>
-          <p:cNvPr id="36" name="PlaceHolder 2"/>
+          <p:cNvPr id="33" name="PlaceHolder 2"/>
           <p:cNvSpPr>
             <a:spLocks noGrp="1"/>
           </p:cNvSpPr>
@@ -410,7 +410,7 @@
       </p:sp>
       <p:sp>
         <p:nvSpPr>
-          <p:cNvPr id="37" name="PlaceHolder 3"/>
+          <p:cNvPr id="34" name="PlaceHolder 3"/>
           <p:cNvSpPr>
             <a:spLocks noGrp="1"/>
           </p:cNvSpPr>
@@ -440,7 +440,7 @@
       </p:sp>
       <p:sp>
         <p:nvSpPr>
-          <p:cNvPr id="38" name="PlaceHolder 4"/>
+          <p:cNvPr id="35" name="PlaceHolder 4"/>
           <p:cNvSpPr>
             <a:spLocks noGrp="1"/>
           </p:cNvSpPr>
@@ -470,7 +470,7 @@
       </p:sp>
       <p:sp>
         <p:nvSpPr>
-          <p:cNvPr id="39" name="PlaceHolder 5"/>
+          <p:cNvPr id="36" name="PlaceHolder 5"/>
           <p:cNvSpPr>
             <a:spLocks noGrp="1"/>
           </p:cNvSpPr>
@@ -500,7 +500,7 @@
       </p:sp>
       <p:sp>
         <p:nvSpPr>
-          <p:cNvPr id="40" name="PlaceHolder 6"/>
+          <p:cNvPr id="37" name="PlaceHolder 6"/>
           <p:cNvSpPr>
             <a:spLocks noGrp="1"/>
           </p:cNvSpPr>
@@ -530,7 +530,7 @@
       </p:sp>
       <p:sp>
         <p:nvSpPr>
-          <p:cNvPr id="41" name="PlaceHolder 7"/>
+          <p:cNvPr id="38" name="PlaceHolder 7"/>
           <p:cNvSpPr>
             <a:spLocks noGrp="1"/>
           </p:cNvSpPr>
@@ -604,7 +604,7 @@
       </p:grpSpPr>
       <p:sp>
         <p:nvSpPr>
-          <p:cNvPr id="48" name="PlaceHolder 1"/>
+          <p:cNvPr id="42" name="PlaceHolder 1"/>
           <p:cNvSpPr>
             <a:spLocks noGrp="1"/>
           </p:cNvSpPr>
@@ -635,7 +635,7 @@
       </p:sp>
       <p:sp>
         <p:nvSpPr>
-          <p:cNvPr id="49" name="PlaceHolder 2"/>
+          <p:cNvPr id="43" name="PlaceHolder 2"/>
           <p:cNvSpPr>
             <a:spLocks noGrp="1"/>
           </p:cNvSpPr>
@@ -688,7 +688,7 @@
       </p:grpSpPr>
       <p:sp>
         <p:nvSpPr>
-          <p:cNvPr id="50" name="PlaceHolder 1"/>
+          <p:cNvPr id="44" name="PlaceHolder 1"/>
           <p:cNvSpPr>
             <a:spLocks noGrp="1"/>
           </p:cNvSpPr>
@@ -719,7 +719,7 @@
       </p:sp>
       <p:sp>
         <p:nvSpPr>
-          <p:cNvPr id="51" name="PlaceHolder 2"/>
+          <p:cNvPr id="45" name="PlaceHolder 2"/>
           <p:cNvSpPr>
             <a:spLocks noGrp="1"/>
           </p:cNvSpPr>
@@ -771,7 +771,7 @@
       </p:grpSpPr>
       <p:sp>
         <p:nvSpPr>
-          <p:cNvPr id="52" name="PlaceHolder 1"/>
+          <p:cNvPr id="46" name="PlaceHolder 1"/>
           <p:cNvSpPr>
             <a:spLocks noGrp="1"/>
           </p:cNvSpPr>
@@ -802,7 +802,7 @@
       </p:sp>
       <p:sp>
         <p:nvSpPr>
-          <p:cNvPr id="53" name="PlaceHolder 2"/>
+          <p:cNvPr id="47" name="PlaceHolder 2"/>
           <p:cNvSpPr>
             <a:spLocks noGrp="1"/>
           </p:cNvSpPr>
@@ -832,7 +832,7 @@
       </p:sp>
       <p:sp>
         <p:nvSpPr>
-          <p:cNvPr id="54" name="PlaceHolder 3"/>
+          <p:cNvPr id="48" name="PlaceHolder 3"/>
           <p:cNvSpPr>
             <a:spLocks noGrp="1"/>
           </p:cNvSpPr>
@@ -884,7 +884,7 @@
       </p:grpSpPr>
       <p:sp>
         <p:nvSpPr>
-          <p:cNvPr id="55" name="PlaceHolder 1"/>
+          <p:cNvPr id="49" name="PlaceHolder 1"/>
           <p:cNvSpPr>
             <a:spLocks noGrp="1"/>
           </p:cNvSpPr>
@@ -937,7 +937,7 @@
       </p:grpSpPr>
       <p:sp>
         <p:nvSpPr>
-          <p:cNvPr id="56" name="PlaceHolder 1"/>
+          <p:cNvPr id="50" name="PlaceHolder 1"/>
           <p:cNvSpPr>
             <a:spLocks noGrp="1"/>
           </p:cNvSpPr>
@@ -990,7 +990,7 @@
       </p:grpSpPr>
       <p:sp>
         <p:nvSpPr>
-          <p:cNvPr id="57" name="PlaceHolder 1"/>
+          <p:cNvPr id="51" name="PlaceHolder 1"/>
           <p:cNvSpPr>
             <a:spLocks noGrp="1"/>
           </p:cNvSpPr>
@@ -1021,7 +1021,7 @@
       </p:sp>
       <p:sp>
         <p:nvSpPr>
-          <p:cNvPr id="58" name="PlaceHolder 2"/>
+          <p:cNvPr id="52" name="PlaceHolder 2"/>
           <p:cNvSpPr>
             <a:spLocks noGrp="1"/>
           </p:cNvSpPr>
@@ -1051,7 +1051,7 @@
       </p:sp>
       <p:sp>
         <p:nvSpPr>
-          <p:cNvPr id="59" name="PlaceHolder 3"/>
+          <p:cNvPr id="53" name="PlaceHolder 3"/>
           <p:cNvSpPr>
             <a:spLocks noGrp="1"/>
           </p:cNvSpPr>
@@ -1081,7 +1081,7 @@
       </p:sp>
       <p:sp>
         <p:nvSpPr>
-          <p:cNvPr id="60" name="PlaceHolder 4"/>
+          <p:cNvPr id="54" name="PlaceHolder 4"/>
           <p:cNvSpPr>
             <a:spLocks noGrp="1"/>
           </p:cNvSpPr>
@@ -1133,7 +1133,7 @@
       </p:grpSpPr>
       <p:sp>
         <p:nvSpPr>
-          <p:cNvPr id="6" name="PlaceHolder 1"/>
+          <p:cNvPr id="3" name="PlaceHolder 1"/>
           <p:cNvSpPr>
             <a:spLocks noGrp="1"/>
           </p:cNvSpPr>
@@ -1164,7 +1164,7 @@
       </p:sp>
       <p:sp>
         <p:nvSpPr>
-          <p:cNvPr id="7" name="PlaceHolder 2"/>
+          <p:cNvPr id="4" name="PlaceHolder 2"/>
           <p:cNvSpPr>
             <a:spLocks noGrp="1"/>
           </p:cNvSpPr>
@@ -1217,7 +1217,7 @@
       </p:grpSpPr>
       <p:sp>
         <p:nvSpPr>
-          <p:cNvPr id="61" name="PlaceHolder 1"/>
+          <p:cNvPr id="55" name="PlaceHolder 1"/>
           <p:cNvSpPr>
             <a:spLocks noGrp="1"/>
           </p:cNvSpPr>
@@ -1248,7 +1248,7 @@
       </p:sp>
       <p:sp>
         <p:nvSpPr>
-          <p:cNvPr id="62" name="PlaceHolder 2"/>
+          <p:cNvPr id="56" name="PlaceHolder 2"/>
           <p:cNvSpPr>
             <a:spLocks noGrp="1"/>
           </p:cNvSpPr>
@@ -1278,7 +1278,7 @@
       </p:sp>
       <p:sp>
         <p:nvSpPr>
-          <p:cNvPr id="63" name="PlaceHolder 3"/>
+          <p:cNvPr id="57" name="PlaceHolder 3"/>
           <p:cNvSpPr>
             <a:spLocks noGrp="1"/>
           </p:cNvSpPr>
@@ -1308,7 +1308,7 @@
       </p:sp>
       <p:sp>
         <p:nvSpPr>
-          <p:cNvPr id="64" name="PlaceHolder 4"/>
+          <p:cNvPr id="58" name="PlaceHolder 4"/>
           <p:cNvSpPr>
             <a:spLocks noGrp="1"/>
           </p:cNvSpPr>
@@ -1360,7 +1360,7 @@
       </p:grpSpPr>
       <p:sp>
         <p:nvSpPr>
-          <p:cNvPr id="65" name="PlaceHolder 1"/>
+          <p:cNvPr id="59" name="PlaceHolder 1"/>
           <p:cNvSpPr>
             <a:spLocks noGrp="1"/>
           </p:cNvSpPr>
@@ -1391,7 +1391,7 @@
       </p:sp>
       <p:sp>
         <p:nvSpPr>
-          <p:cNvPr id="66" name="PlaceHolder 2"/>
+          <p:cNvPr id="60" name="PlaceHolder 2"/>
           <p:cNvSpPr>
             <a:spLocks noGrp="1"/>
           </p:cNvSpPr>
@@ -1421,7 +1421,7 @@
       </p:sp>
       <p:sp>
         <p:nvSpPr>
-          <p:cNvPr id="67" name="PlaceHolder 3"/>
+          <p:cNvPr id="61" name="PlaceHolder 3"/>
           <p:cNvSpPr>
             <a:spLocks noGrp="1"/>
           </p:cNvSpPr>
@@ -1451,7 +1451,7 @@
       </p:sp>
       <p:sp>
         <p:nvSpPr>
-          <p:cNvPr id="68" name="PlaceHolder 4"/>
+          <p:cNvPr id="62" name="PlaceHolder 4"/>
           <p:cNvSpPr>
             <a:spLocks noGrp="1"/>
           </p:cNvSpPr>
@@ -1503,7 +1503,7 @@
       </p:grpSpPr>
       <p:sp>
         <p:nvSpPr>
-          <p:cNvPr id="69" name="PlaceHolder 1"/>
+          <p:cNvPr id="63" name="PlaceHolder 1"/>
           <p:cNvSpPr>
             <a:spLocks noGrp="1"/>
           </p:cNvSpPr>
@@ -1534,7 +1534,7 @@
       </p:sp>
       <p:sp>
         <p:nvSpPr>
-          <p:cNvPr id="70" name="PlaceHolder 2"/>
+          <p:cNvPr id="64" name="PlaceHolder 2"/>
           <p:cNvSpPr>
             <a:spLocks noGrp="1"/>
           </p:cNvSpPr>
@@ -1564,7 +1564,7 @@
       </p:sp>
       <p:sp>
         <p:nvSpPr>
-          <p:cNvPr id="71" name="PlaceHolder 3"/>
+          <p:cNvPr id="65" name="PlaceHolder 3"/>
           <p:cNvSpPr>
             <a:spLocks noGrp="1"/>
           </p:cNvSpPr>
@@ -1616,7 +1616,7 @@
       </p:grpSpPr>
       <p:sp>
         <p:nvSpPr>
-          <p:cNvPr id="72" name="PlaceHolder 1"/>
+          <p:cNvPr id="66" name="PlaceHolder 1"/>
           <p:cNvSpPr>
             <a:spLocks noGrp="1"/>
           </p:cNvSpPr>
@@ -1647,7 +1647,7 @@
       </p:sp>
       <p:sp>
         <p:nvSpPr>
-          <p:cNvPr id="73" name="PlaceHolder 2"/>
+          <p:cNvPr id="67" name="PlaceHolder 2"/>
           <p:cNvSpPr>
             <a:spLocks noGrp="1"/>
           </p:cNvSpPr>
@@ -1677,7 +1677,7 @@
       </p:sp>
       <p:sp>
         <p:nvSpPr>
-          <p:cNvPr id="74" name="PlaceHolder 3"/>
+          <p:cNvPr id="68" name="PlaceHolder 3"/>
           <p:cNvSpPr>
             <a:spLocks noGrp="1"/>
           </p:cNvSpPr>
@@ -1707,7 +1707,7 @@
       </p:sp>
       <p:sp>
         <p:nvSpPr>
-          <p:cNvPr id="75" name="PlaceHolder 4"/>
+          <p:cNvPr id="69" name="PlaceHolder 4"/>
           <p:cNvSpPr>
             <a:spLocks noGrp="1"/>
           </p:cNvSpPr>
@@ -1737,7 +1737,7 @@
       </p:sp>
       <p:sp>
         <p:nvSpPr>
-          <p:cNvPr id="76" name="PlaceHolder 5"/>
+          <p:cNvPr id="70" name="PlaceHolder 5"/>
           <p:cNvSpPr>
             <a:spLocks noGrp="1"/>
           </p:cNvSpPr>
@@ -1789,7 +1789,7 @@
       </p:grpSpPr>
       <p:sp>
         <p:nvSpPr>
-          <p:cNvPr id="77" name="PlaceHolder 1"/>
+          <p:cNvPr id="71" name="PlaceHolder 1"/>
           <p:cNvSpPr>
             <a:spLocks noGrp="1"/>
           </p:cNvSpPr>
@@ -1820,7 +1820,7 @@
       </p:sp>
       <p:sp>
         <p:nvSpPr>
-          <p:cNvPr id="78" name="PlaceHolder 2"/>
+          <p:cNvPr id="72" name="PlaceHolder 2"/>
           <p:cNvSpPr>
             <a:spLocks noGrp="1"/>
           </p:cNvSpPr>
@@ -1850,7 +1850,7 @@
       </p:sp>
       <p:sp>
         <p:nvSpPr>
-          <p:cNvPr id="79" name="PlaceHolder 3"/>
+          <p:cNvPr id="73" name="PlaceHolder 3"/>
           <p:cNvSpPr>
             <a:spLocks noGrp="1"/>
           </p:cNvSpPr>
@@ -1880,7 +1880,7 @@
       </p:sp>
       <p:sp>
         <p:nvSpPr>
-          <p:cNvPr id="80" name="PlaceHolder 4"/>
+          <p:cNvPr id="74" name="PlaceHolder 4"/>
           <p:cNvSpPr>
             <a:spLocks noGrp="1"/>
           </p:cNvSpPr>
@@ -1910,7 +1910,7 @@
       </p:sp>
       <p:sp>
         <p:nvSpPr>
-          <p:cNvPr id="81" name="PlaceHolder 5"/>
+          <p:cNvPr id="75" name="PlaceHolder 5"/>
           <p:cNvSpPr>
             <a:spLocks noGrp="1"/>
           </p:cNvSpPr>
@@ -1940,7 +1940,7 @@
       </p:sp>
       <p:sp>
         <p:nvSpPr>
-          <p:cNvPr id="82" name="PlaceHolder 6"/>
+          <p:cNvPr id="76" name="PlaceHolder 6"/>
           <p:cNvSpPr>
             <a:spLocks noGrp="1"/>
           </p:cNvSpPr>
@@ -1970,7 +1970,7 @@
       </p:sp>
       <p:sp>
         <p:nvSpPr>
-          <p:cNvPr id="83" name="PlaceHolder 7"/>
+          <p:cNvPr id="77" name="PlaceHolder 7"/>
           <p:cNvSpPr>
             <a:spLocks noGrp="1"/>
           </p:cNvSpPr>
@@ -2044,7 +2044,7 @@
       </p:grpSpPr>
       <p:sp>
         <p:nvSpPr>
-          <p:cNvPr id="90" name="PlaceHolder 1"/>
+          <p:cNvPr id="81" name="PlaceHolder 1"/>
           <p:cNvSpPr>
             <a:spLocks noGrp="1"/>
           </p:cNvSpPr>
@@ -2075,7 +2075,7 @@
       </p:sp>
       <p:sp>
         <p:nvSpPr>
-          <p:cNvPr id="91" name="PlaceHolder 2"/>
+          <p:cNvPr id="82" name="PlaceHolder 2"/>
           <p:cNvSpPr>
             <a:spLocks noGrp="1"/>
           </p:cNvSpPr>
@@ -2128,7 +2128,7 @@
       </p:grpSpPr>
       <p:sp>
         <p:nvSpPr>
-          <p:cNvPr id="92" name="PlaceHolder 1"/>
+          <p:cNvPr id="83" name="PlaceHolder 1"/>
           <p:cNvSpPr>
             <a:spLocks noGrp="1"/>
           </p:cNvSpPr>
@@ -2159,7 +2159,7 @@
       </p:sp>
       <p:sp>
         <p:nvSpPr>
-          <p:cNvPr id="93" name="PlaceHolder 2"/>
+          <p:cNvPr id="84" name="PlaceHolder 2"/>
           <p:cNvSpPr>
             <a:spLocks noGrp="1"/>
           </p:cNvSpPr>
@@ -2211,7 +2211,7 @@
       </p:grpSpPr>
       <p:sp>
         <p:nvSpPr>
-          <p:cNvPr id="94" name="PlaceHolder 1"/>
+          <p:cNvPr id="85" name="PlaceHolder 1"/>
           <p:cNvSpPr>
             <a:spLocks noGrp="1"/>
           </p:cNvSpPr>
@@ -2242,7 +2242,7 @@
       </p:sp>
       <p:sp>
         <p:nvSpPr>
-          <p:cNvPr id="95" name="PlaceHolder 2"/>
+          <p:cNvPr id="86" name="PlaceHolder 2"/>
           <p:cNvSpPr>
             <a:spLocks noGrp="1"/>
           </p:cNvSpPr>
@@ -2272,7 +2272,7 @@
       </p:sp>
       <p:sp>
         <p:nvSpPr>
-          <p:cNvPr id="96" name="PlaceHolder 3"/>
+          <p:cNvPr id="87" name="PlaceHolder 3"/>
           <p:cNvSpPr>
             <a:spLocks noGrp="1"/>
           </p:cNvSpPr>
@@ -2324,7 +2324,7 @@
       </p:grpSpPr>
       <p:sp>
         <p:nvSpPr>
-          <p:cNvPr id="97" name="PlaceHolder 1"/>
+          <p:cNvPr id="88" name="PlaceHolder 1"/>
           <p:cNvSpPr>
             <a:spLocks noGrp="1"/>
           </p:cNvSpPr>
@@ -2377,7 +2377,7 @@
       </p:grpSpPr>
       <p:sp>
         <p:nvSpPr>
-          <p:cNvPr id="8" name="PlaceHolder 1"/>
+          <p:cNvPr id="5" name="PlaceHolder 1"/>
           <p:cNvSpPr>
             <a:spLocks noGrp="1"/>
           </p:cNvSpPr>
@@ -2408,7 +2408,7 @@
       </p:sp>
       <p:sp>
         <p:nvSpPr>
-          <p:cNvPr id="9" name="PlaceHolder 2"/>
+          <p:cNvPr id="6" name="PlaceHolder 2"/>
           <p:cNvSpPr>
             <a:spLocks noGrp="1"/>
           </p:cNvSpPr>
@@ -2460,7 +2460,7 @@
       </p:grpSpPr>
       <p:sp>
         <p:nvSpPr>
-          <p:cNvPr id="98" name="PlaceHolder 1"/>
+          <p:cNvPr id="89" name="PlaceHolder 1"/>
           <p:cNvSpPr>
             <a:spLocks noGrp="1"/>
           </p:cNvSpPr>
@@ -2513,7 +2513,7 @@
       </p:grpSpPr>
       <p:sp>
         <p:nvSpPr>
-          <p:cNvPr id="99" name="PlaceHolder 1"/>
+          <p:cNvPr id="90" name="PlaceHolder 1"/>
           <p:cNvSpPr>
             <a:spLocks noGrp="1"/>
           </p:cNvSpPr>
@@ -2544,7 +2544,7 @@
       </p:sp>
       <p:sp>
         <p:nvSpPr>
-          <p:cNvPr id="100" name="PlaceHolder 2"/>
+          <p:cNvPr id="91" name="PlaceHolder 2"/>
           <p:cNvSpPr>
             <a:spLocks noGrp="1"/>
           </p:cNvSpPr>
@@ -2574,7 +2574,7 @@
       </p:sp>
       <p:sp>
         <p:nvSpPr>
-          <p:cNvPr id="101" name="PlaceHolder 3"/>
+          <p:cNvPr id="92" name="PlaceHolder 3"/>
           <p:cNvSpPr>
             <a:spLocks noGrp="1"/>
           </p:cNvSpPr>
@@ -2604,7 +2604,7 @@
       </p:sp>
       <p:sp>
         <p:nvSpPr>
-          <p:cNvPr id="102" name="PlaceHolder 4"/>
+          <p:cNvPr id="93" name="PlaceHolder 4"/>
           <p:cNvSpPr>
             <a:spLocks noGrp="1"/>
           </p:cNvSpPr>
@@ -2656,7 +2656,7 @@
       </p:grpSpPr>
       <p:sp>
         <p:nvSpPr>
-          <p:cNvPr id="103" name="PlaceHolder 1"/>
+          <p:cNvPr id="94" name="PlaceHolder 1"/>
           <p:cNvSpPr>
             <a:spLocks noGrp="1"/>
           </p:cNvSpPr>
@@ -2687,7 +2687,7 @@
       </p:sp>
       <p:sp>
         <p:nvSpPr>
-          <p:cNvPr id="104" name="PlaceHolder 2"/>
+          <p:cNvPr id="95" name="PlaceHolder 2"/>
           <p:cNvSpPr>
             <a:spLocks noGrp="1"/>
           </p:cNvSpPr>
@@ -2717,7 +2717,7 @@
       </p:sp>
       <p:sp>
         <p:nvSpPr>
-          <p:cNvPr id="105" name="PlaceHolder 3"/>
+          <p:cNvPr id="96" name="PlaceHolder 3"/>
           <p:cNvSpPr>
             <a:spLocks noGrp="1"/>
           </p:cNvSpPr>
@@ -2747,7 +2747,7 @@
       </p:sp>
       <p:sp>
         <p:nvSpPr>
-          <p:cNvPr id="106" name="PlaceHolder 4"/>
+          <p:cNvPr id="97" name="PlaceHolder 4"/>
           <p:cNvSpPr>
             <a:spLocks noGrp="1"/>
           </p:cNvSpPr>
@@ -2799,7 +2799,7 @@
       </p:grpSpPr>
       <p:sp>
         <p:nvSpPr>
-          <p:cNvPr id="107" name="PlaceHolder 1"/>
+          <p:cNvPr id="98" name="PlaceHolder 1"/>
           <p:cNvSpPr>
             <a:spLocks noGrp="1"/>
           </p:cNvSpPr>
@@ -2830,7 +2830,7 @@
       </p:sp>
       <p:sp>
         <p:nvSpPr>
-          <p:cNvPr id="108" name="PlaceHolder 2"/>
+          <p:cNvPr id="99" name="PlaceHolder 2"/>
           <p:cNvSpPr>
             <a:spLocks noGrp="1"/>
           </p:cNvSpPr>
@@ -2860,7 +2860,7 @@
       </p:sp>
       <p:sp>
         <p:nvSpPr>
-          <p:cNvPr id="109" name="PlaceHolder 3"/>
+          <p:cNvPr id="100" name="PlaceHolder 3"/>
           <p:cNvSpPr>
             <a:spLocks noGrp="1"/>
           </p:cNvSpPr>
@@ -2890,7 +2890,7 @@
       </p:sp>
       <p:sp>
         <p:nvSpPr>
-          <p:cNvPr id="110" name="PlaceHolder 4"/>
+          <p:cNvPr id="101" name="PlaceHolder 4"/>
           <p:cNvSpPr>
             <a:spLocks noGrp="1"/>
           </p:cNvSpPr>
@@ -2942,7 +2942,7 @@
       </p:grpSpPr>
       <p:sp>
         <p:nvSpPr>
-          <p:cNvPr id="111" name="PlaceHolder 1"/>
+          <p:cNvPr id="102" name="PlaceHolder 1"/>
           <p:cNvSpPr>
             <a:spLocks noGrp="1"/>
           </p:cNvSpPr>
@@ -2973,7 +2973,7 @@
       </p:sp>
       <p:sp>
         <p:nvSpPr>
-          <p:cNvPr id="112" name="PlaceHolder 2"/>
+          <p:cNvPr id="103" name="PlaceHolder 2"/>
           <p:cNvSpPr>
             <a:spLocks noGrp="1"/>
           </p:cNvSpPr>
@@ -3003,7 +3003,7 @@
       </p:sp>
       <p:sp>
         <p:nvSpPr>
-          <p:cNvPr id="113" name="PlaceHolder 3"/>
+          <p:cNvPr id="104" name="PlaceHolder 3"/>
           <p:cNvSpPr>
             <a:spLocks noGrp="1"/>
           </p:cNvSpPr>
@@ -3055,7 +3055,7 @@
       </p:grpSpPr>
       <p:sp>
         <p:nvSpPr>
-          <p:cNvPr id="114" name="PlaceHolder 1"/>
+          <p:cNvPr id="105" name="PlaceHolder 1"/>
           <p:cNvSpPr>
             <a:spLocks noGrp="1"/>
           </p:cNvSpPr>
@@ -3086,7 +3086,7 @@
       </p:sp>
       <p:sp>
         <p:nvSpPr>
-          <p:cNvPr id="115" name="PlaceHolder 2"/>
+          <p:cNvPr id="106" name="PlaceHolder 2"/>
           <p:cNvSpPr>
             <a:spLocks noGrp="1"/>
           </p:cNvSpPr>
@@ -3116,7 +3116,7 @@
       </p:sp>
       <p:sp>
         <p:nvSpPr>
-          <p:cNvPr id="116" name="PlaceHolder 3"/>
+          <p:cNvPr id="107" name="PlaceHolder 3"/>
           <p:cNvSpPr>
             <a:spLocks noGrp="1"/>
           </p:cNvSpPr>
@@ -3146,7 +3146,7 @@
       </p:sp>
       <p:sp>
         <p:nvSpPr>
-          <p:cNvPr id="117" name="PlaceHolder 4"/>
+          <p:cNvPr id="108" name="PlaceHolder 4"/>
           <p:cNvSpPr>
             <a:spLocks noGrp="1"/>
           </p:cNvSpPr>
@@ -3176,7 +3176,7 @@
       </p:sp>
       <p:sp>
         <p:nvSpPr>
-          <p:cNvPr id="118" name="PlaceHolder 5"/>
+          <p:cNvPr id="109" name="PlaceHolder 5"/>
           <p:cNvSpPr>
             <a:spLocks noGrp="1"/>
           </p:cNvSpPr>
@@ -3228,7 +3228,7 @@
       </p:grpSpPr>
       <p:sp>
         <p:nvSpPr>
-          <p:cNvPr id="119" name="PlaceHolder 1"/>
+          <p:cNvPr id="110" name="PlaceHolder 1"/>
           <p:cNvSpPr>
             <a:spLocks noGrp="1"/>
           </p:cNvSpPr>
@@ -3259,7 +3259,7 @@
       </p:sp>
       <p:sp>
         <p:nvSpPr>
-          <p:cNvPr id="120" name="PlaceHolder 2"/>
+          <p:cNvPr id="111" name="PlaceHolder 2"/>
           <p:cNvSpPr>
             <a:spLocks noGrp="1"/>
           </p:cNvSpPr>
@@ -3289,7 +3289,7 @@
       </p:sp>
       <p:sp>
         <p:nvSpPr>
-          <p:cNvPr id="121" name="PlaceHolder 3"/>
+          <p:cNvPr id="112" name="PlaceHolder 3"/>
           <p:cNvSpPr>
             <a:spLocks noGrp="1"/>
           </p:cNvSpPr>
@@ -3319,7 +3319,7 @@
       </p:sp>
       <p:sp>
         <p:nvSpPr>
-          <p:cNvPr id="122" name="PlaceHolder 4"/>
+          <p:cNvPr id="113" name="PlaceHolder 4"/>
           <p:cNvSpPr>
             <a:spLocks noGrp="1"/>
           </p:cNvSpPr>
@@ -3349,7 +3349,7 @@
       </p:sp>
       <p:sp>
         <p:nvSpPr>
-          <p:cNvPr id="123" name="PlaceHolder 5"/>
+          <p:cNvPr id="114" name="PlaceHolder 5"/>
           <p:cNvSpPr>
             <a:spLocks noGrp="1"/>
           </p:cNvSpPr>
@@ -3379,7 +3379,7 @@
       </p:sp>
       <p:sp>
         <p:nvSpPr>
-          <p:cNvPr id="124" name="PlaceHolder 6"/>
+          <p:cNvPr id="115" name="PlaceHolder 6"/>
           <p:cNvSpPr>
             <a:spLocks noGrp="1"/>
           </p:cNvSpPr>
@@ -3409,7 +3409,7 @@
       </p:sp>
       <p:sp>
         <p:nvSpPr>
-          <p:cNvPr id="125" name="PlaceHolder 7"/>
+          <p:cNvPr id="116" name="PlaceHolder 7"/>
           <p:cNvSpPr>
             <a:spLocks noGrp="1"/>
           </p:cNvSpPr>
@@ -3483,7 +3483,7 @@
       </p:grpSpPr>
       <p:sp>
         <p:nvSpPr>
-          <p:cNvPr id="128" name="PlaceHolder 1"/>
+          <p:cNvPr id="119" name="PlaceHolder 1"/>
           <p:cNvSpPr>
             <a:spLocks noGrp="1"/>
           </p:cNvSpPr>
@@ -3514,7 +3514,7 @@
       </p:sp>
       <p:sp>
         <p:nvSpPr>
-          <p:cNvPr id="129" name="PlaceHolder 2"/>
+          <p:cNvPr id="120" name="PlaceHolder 2"/>
           <p:cNvSpPr>
             <a:spLocks noGrp="1"/>
           </p:cNvSpPr>
@@ -3567,7 +3567,7 @@
       </p:grpSpPr>
       <p:sp>
         <p:nvSpPr>
-          <p:cNvPr id="130" name="PlaceHolder 1"/>
+          <p:cNvPr id="121" name="PlaceHolder 1"/>
           <p:cNvSpPr>
             <a:spLocks noGrp="1"/>
           </p:cNvSpPr>
@@ -3598,7 +3598,7 @@
       </p:sp>
       <p:sp>
         <p:nvSpPr>
-          <p:cNvPr id="131" name="PlaceHolder 2"/>
+          <p:cNvPr id="122" name="PlaceHolder 2"/>
           <p:cNvSpPr>
             <a:spLocks noGrp="1"/>
           </p:cNvSpPr>
@@ -3650,7 +3650,7 @@
       </p:grpSpPr>
       <p:sp>
         <p:nvSpPr>
-          <p:cNvPr id="10" name="PlaceHolder 1"/>
+          <p:cNvPr id="7" name="PlaceHolder 1"/>
           <p:cNvSpPr>
             <a:spLocks noGrp="1"/>
           </p:cNvSpPr>
@@ -3681,7 +3681,7 @@
       </p:sp>
       <p:sp>
         <p:nvSpPr>
-          <p:cNvPr id="11" name="PlaceHolder 2"/>
+          <p:cNvPr id="8" name="PlaceHolder 2"/>
           <p:cNvSpPr>
             <a:spLocks noGrp="1"/>
           </p:cNvSpPr>
@@ -3711,7 +3711,7 @@
       </p:sp>
       <p:sp>
         <p:nvSpPr>
-          <p:cNvPr id="12" name="PlaceHolder 3"/>
+          <p:cNvPr id="9" name="PlaceHolder 3"/>
           <p:cNvSpPr>
             <a:spLocks noGrp="1"/>
           </p:cNvSpPr>
@@ -3763,7 +3763,7 @@
       </p:grpSpPr>
       <p:sp>
         <p:nvSpPr>
-          <p:cNvPr id="132" name="PlaceHolder 1"/>
+          <p:cNvPr id="123" name="PlaceHolder 1"/>
           <p:cNvSpPr>
             <a:spLocks noGrp="1"/>
           </p:cNvSpPr>
@@ -3794,7 +3794,7 @@
       </p:sp>
       <p:sp>
         <p:nvSpPr>
-          <p:cNvPr id="133" name="PlaceHolder 2"/>
+          <p:cNvPr id="124" name="PlaceHolder 2"/>
           <p:cNvSpPr>
             <a:spLocks noGrp="1"/>
           </p:cNvSpPr>
@@ -3824,7 +3824,7 @@
       </p:sp>
       <p:sp>
         <p:nvSpPr>
-          <p:cNvPr id="134" name="PlaceHolder 3"/>
+          <p:cNvPr id="125" name="PlaceHolder 3"/>
           <p:cNvSpPr>
             <a:spLocks noGrp="1"/>
           </p:cNvSpPr>
@@ -3876,7 +3876,7 @@
       </p:grpSpPr>
       <p:sp>
         <p:nvSpPr>
-          <p:cNvPr id="135" name="PlaceHolder 1"/>
+          <p:cNvPr id="126" name="PlaceHolder 1"/>
           <p:cNvSpPr>
             <a:spLocks noGrp="1"/>
           </p:cNvSpPr>
@@ -3929,7 +3929,7 @@
       </p:grpSpPr>
       <p:sp>
         <p:nvSpPr>
-          <p:cNvPr id="136" name="PlaceHolder 1"/>
+          <p:cNvPr id="127" name="PlaceHolder 1"/>
           <p:cNvSpPr>
             <a:spLocks noGrp="1"/>
           </p:cNvSpPr>
@@ -3982,7 +3982,7 @@
       </p:grpSpPr>
       <p:sp>
         <p:nvSpPr>
-          <p:cNvPr id="137" name="PlaceHolder 1"/>
+          <p:cNvPr id="128" name="PlaceHolder 1"/>
           <p:cNvSpPr>
             <a:spLocks noGrp="1"/>
           </p:cNvSpPr>
@@ -4013,7 +4013,7 @@
       </p:sp>
       <p:sp>
         <p:nvSpPr>
-          <p:cNvPr id="138" name="PlaceHolder 2"/>
+          <p:cNvPr id="129" name="PlaceHolder 2"/>
           <p:cNvSpPr>
             <a:spLocks noGrp="1"/>
           </p:cNvSpPr>
@@ -4043,7 +4043,7 @@
       </p:sp>
       <p:sp>
         <p:nvSpPr>
-          <p:cNvPr id="139" name="PlaceHolder 3"/>
+          <p:cNvPr id="130" name="PlaceHolder 3"/>
           <p:cNvSpPr>
             <a:spLocks noGrp="1"/>
           </p:cNvSpPr>
@@ -4073,7 +4073,7 @@
       </p:sp>
       <p:sp>
         <p:nvSpPr>
-          <p:cNvPr id="140" name="PlaceHolder 4"/>
+          <p:cNvPr id="131" name="PlaceHolder 4"/>
           <p:cNvSpPr>
             <a:spLocks noGrp="1"/>
           </p:cNvSpPr>
@@ -4125,7 +4125,7 @@
       </p:grpSpPr>
       <p:sp>
         <p:nvSpPr>
-          <p:cNvPr id="141" name="PlaceHolder 1"/>
+          <p:cNvPr id="132" name="PlaceHolder 1"/>
           <p:cNvSpPr>
             <a:spLocks noGrp="1"/>
           </p:cNvSpPr>
@@ -4156,7 +4156,7 @@
       </p:sp>
       <p:sp>
         <p:nvSpPr>
-          <p:cNvPr id="142" name="PlaceHolder 2"/>
+          <p:cNvPr id="133" name="PlaceHolder 2"/>
           <p:cNvSpPr>
             <a:spLocks noGrp="1"/>
           </p:cNvSpPr>
@@ -4186,7 +4186,7 @@
       </p:sp>
       <p:sp>
         <p:nvSpPr>
-          <p:cNvPr id="143" name="PlaceHolder 3"/>
+          <p:cNvPr id="134" name="PlaceHolder 3"/>
           <p:cNvSpPr>
             <a:spLocks noGrp="1"/>
           </p:cNvSpPr>
@@ -4216,7 +4216,7 @@
       </p:sp>
       <p:sp>
         <p:nvSpPr>
-          <p:cNvPr id="144" name="PlaceHolder 4"/>
+          <p:cNvPr id="135" name="PlaceHolder 4"/>
           <p:cNvSpPr>
             <a:spLocks noGrp="1"/>
           </p:cNvSpPr>
@@ -4268,7 +4268,7 @@
       </p:grpSpPr>
       <p:sp>
         <p:nvSpPr>
-          <p:cNvPr id="145" name="PlaceHolder 1"/>
+          <p:cNvPr id="136" name="PlaceHolder 1"/>
           <p:cNvSpPr>
             <a:spLocks noGrp="1"/>
           </p:cNvSpPr>
@@ -4299,7 +4299,7 @@
       </p:sp>
       <p:sp>
         <p:nvSpPr>
-          <p:cNvPr id="146" name="PlaceHolder 2"/>
+          <p:cNvPr id="137" name="PlaceHolder 2"/>
           <p:cNvSpPr>
             <a:spLocks noGrp="1"/>
           </p:cNvSpPr>
@@ -4329,7 +4329,7 @@
       </p:sp>
       <p:sp>
         <p:nvSpPr>
-          <p:cNvPr id="147" name="PlaceHolder 3"/>
+          <p:cNvPr id="138" name="PlaceHolder 3"/>
           <p:cNvSpPr>
             <a:spLocks noGrp="1"/>
           </p:cNvSpPr>
@@ -4359,7 +4359,7 @@
       </p:sp>
       <p:sp>
         <p:nvSpPr>
-          <p:cNvPr id="148" name="PlaceHolder 4"/>
+          <p:cNvPr id="139" name="PlaceHolder 4"/>
           <p:cNvSpPr>
             <a:spLocks noGrp="1"/>
           </p:cNvSpPr>
@@ -4411,7 +4411,7 @@
       </p:grpSpPr>
       <p:sp>
         <p:nvSpPr>
-          <p:cNvPr id="149" name="PlaceHolder 1"/>
+          <p:cNvPr id="140" name="PlaceHolder 1"/>
           <p:cNvSpPr>
             <a:spLocks noGrp="1"/>
           </p:cNvSpPr>
@@ -4442,7 +4442,7 @@
       </p:sp>
       <p:sp>
         <p:nvSpPr>
-          <p:cNvPr id="150" name="PlaceHolder 2"/>
+          <p:cNvPr id="141" name="PlaceHolder 2"/>
           <p:cNvSpPr>
             <a:spLocks noGrp="1"/>
           </p:cNvSpPr>
@@ -4472,7 +4472,7 @@
       </p:sp>
       <p:sp>
         <p:nvSpPr>
-          <p:cNvPr id="151" name="PlaceHolder 3"/>
+          <p:cNvPr id="142" name="PlaceHolder 3"/>
           <p:cNvSpPr>
             <a:spLocks noGrp="1"/>
           </p:cNvSpPr>
@@ -4524,7 +4524,7 @@
       </p:grpSpPr>
       <p:sp>
         <p:nvSpPr>
-          <p:cNvPr id="152" name="PlaceHolder 1"/>
+          <p:cNvPr id="143" name="PlaceHolder 1"/>
           <p:cNvSpPr>
             <a:spLocks noGrp="1"/>
           </p:cNvSpPr>
@@ -4555,7 +4555,7 @@
       </p:sp>
       <p:sp>
         <p:nvSpPr>
-          <p:cNvPr id="153" name="PlaceHolder 2"/>
+          <p:cNvPr id="144" name="PlaceHolder 2"/>
           <p:cNvSpPr>
             <a:spLocks noGrp="1"/>
           </p:cNvSpPr>
@@ -4585,7 +4585,7 @@
       </p:sp>
       <p:sp>
         <p:nvSpPr>
-          <p:cNvPr id="154" name="PlaceHolder 3"/>
+          <p:cNvPr id="145" name="PlaceHolder 3"/>
           <p:cNvSpPr>
             <a:spLocks noGrp="1"/>
           </p:cNvSpPr>
@@ -4615,7 +4615,7 @@
       </p:sp>
       <p:sp>
         <p:nvSpPr>
-          <p:cNvPr id="155" name="PlaceHolder 4"/>
+          <p:cNvPr id="146" name="PlaceHolder 4"/>
           <p:cNvSpPr>
             <a:spLocks noGrp="1"/>
           </p:cNvSpPr>
@@ -4645,7 +4645,7 @@
       </p:sp>
       <p:sp>
         <p:nvSpPr>
-          <p:cNvPr id="156" name="PlaceHolder 5"/>
+          <p:cNvPr id="147" name="PlaceHolder 5"/>
           <p:cNvSpPr>
             <a:spLocks noGrp="1"/>
           </p:cNvSpPr>
@@ -4697,7 +4697,7 @@
       </p:grpSpPr>
       <p:sp>
         <p:nvSpPr>
-          <p:cNvPr id="157" name="PlaceHolder 1"/>
+          <p:cNvPr id="148" name="PlaceHolder 1"/>
           <p:cNvSpPr>
             <a:spLocks noGrp="1"/>
           </p:cNvSpPr>
@@ -4728,7 +4728,7 @@
       </p:sp>
       <p:sp>
         <p:nvSpPr>
-          <p:cNvPr id="158" name="PlaceHolder 2"/>
+          <p:cNvPr id="149" name="PlaceHolder 2"/>
           <p:cNvSpPr>
             <a:spLocks noGrp="1"/>
           </p:cNvSpPr>
@@ -4758,7 +4758,7 @@
       </p:sp>
       <p:sp>
         <p:nvSpPr>
-          <p:cNvPr id="159" name="PlaceHolder 3"/>
+          <p:cNvPr id="150" name="PlaceHolder 3"/>
           <p:cNvSpPr>
             <a:spLocks noGrp="1"/>
           </p:cNvSpPr>
@@ -4788,7 +4788,7 @@
       </p:sp>
       <p:sp>
         <p:nvSpPr>
-          <p:cNvPr id="160" name="PlaceHolder 4"/>
+          <p:cNvPr id="151" name="PlaceHolder 4"/>
           <p:cNvSpPr>
             <a:spLocks noGrp="1"/>
           </p:cNvSpPr>
@@ -4818,7 +4818,7 @@
       </p:sp>
       <p:sp>
         <p:nvSpPr>
-          <p:cNvPr id="161" name="PlaceHolder 5"/>
+          <p:cNvPr id="152" name="PlaceHolder 5"/>
           <p:cNvSpPr>
             <a:spLocks noGrp="1"/>
           </p:cNvSpPr>
@@ -4848,7 +4848,7 @@
       </p:sp>
       <p:sp>
         <p:nvSpPr>
-          <p:cNvPr id="162" name="PlaceHolder 6"/>
+          <p:cNvPr id="153" name="PlaceHolder 6"/>
           <p:cNvSpPr>
             <a:spLocks noGrp="1"/>
           </p:cNvSpPr>
@@ -4878,7 +4878,7 @@
       </p:sp>
       <p:sp>
         <p:nvSpPr>
-          <p:cNvPr id="163" name="PlaceHolder 7"/>
+          <p:cNvPr id="154" name="PlaceHolder 7"/>
           <p:cNvSpPr>
             <a:spLocks noGrp="1"/>
           </p:cNvSpPr>
@@ -4930,7 +4930,7 @@
       </p:grpSpPr>
       <p:sp>
         <p:nvSpPr>
-          <p:cNvPr id="13" name="PlaceHolder 1"/>
+          <p:cNvPr id="10" name="PlaceHolder 1"/>
           <p:cNvSpPr>
             <a:spLocks noGrp="1"/>
           </p:cNvSpPr>
@@ -4983,7 +4983,7 @@
       </p:grpSpPr>
       <p:sp>
         <p:nvSpPr>
-          <p:cNvPr id="14" name="PlaceHolder 1"/>
+          <p:cNvPr id="11" name="PlaceHolder 1"/>
           <p:cNvSpPr>
             <a:spLocks noGrp="1"/>
           </p:cNvSpPr>
@@ -5036,7 +5036,7 @@
       </p:grpSpPr>
       <p:sp>
         <p:nvSpPr>
-          <p:cNvPr id="15" name="PlaceHolder 1"/>
+          <p:cNvPr id="12" name="PlaceHolder 1"/>
           <p:cNvSpPr>
             <a:spLocks noGrp="1"/>
           </p:cNvSpPr>
@@ -5067,7 +5067,7 @@
       </p:sp>
       <p:sp>
         <p:nvSpPr>
-          <p:cNvPr id="16" name="PlaceHolder 2"/>
+          <p:cNvPr id="13" name="PlaceHolder 2"/>
           <p:cNvSpPr>
             <a:spLocks noGrp="1"/>
           </p:cNvSpPr>
@@ -5097,7 +5097,7 @@
       </p:sp>
       <p:sp>
         <p:nvSpPr>
-          <p:cNvPr id="17" name="PlaceHolder 3"/>
+          <p:cNvPr id="14" name="PlaceHolder 3"/>
           <p:cNvSpPr>
             <a:spLocks noGrp="1"/>
           </p:cNvSpPr>
@@ -5127,7 +5127,7 @@
       </p:sp>
       <p:sp>
         <p:nvSpPr>
-          <p:cNvPr id="18" name="PlaceHolder 4"/>
+          <p:cNvPr id="15" name="PlaceHolder 4"/>
           <p:cNvSpPr>
             <a:spLocks noGrp="1"/>
           </p:cNvSpPr>
@@ -5179,7 +5179,7 @@
       </p:grpSpPr>
       <p:sp>
         <p:nvSpPr>
-          <p:cNvPr id="19" name="PlaceHolder 1"/>
+          <p:cNvPr id="16" name="PlaceHolder 1"/>
           <p:cNvSpPr>
             <a:spLocks noGrp="1"/>
           </p:cNvSpPr>
@@ -5210,7 +5210,7 @@
       </p:sp>
       <p:sp>
         <p:nvSpPr>
-          <p:cNvPr id="20" name="PlaceHolder 2"/>
+          <p:cNvPr id="17" name="PlaceHolder 2"/>
           <p:cNvSpPr>
             <a:spLocks noGrp="1"/>
           </p:cNvSpPr>
@@ -5240,7 +5240,7 @@
       </p:sp>
       <p:sp>
         <p:nvSpPr>
-          <p:cNvPr id="21" name="PlaceHolder 3"/>
+          <p:cNvPr id="18" name="PlaceHolder 3"/>
           <p:cNvSpPr>
             <a:spLocks noGrp="1"/>
           </p:cNvSpPr>
@@ -5270,7 +5270,7 @@
       </p:sp>
       <p:sp>
         <p:nvSpPr>
-          <p:cNvPr id="22" name="PlaceHolder 4"/>
+          <p:cNvPr id="19" name="PlaceHolder 4"/>
           <p:cNvSpPr>
             <a:spLocks noGrp="1"/>
           </p:cNvSpPr>
@@ -5322,7 +5322,7 @@
       </p:grpSpPr>
       <p:sp>
         <p:nvSpPr>
-          <p:cNvPr id="23" name="PlaceHolder 1"/>
+          <p:cNvPr id="20" name="PlaceHolder 1"/>
           <p:cNvSpPr>
             <a:spLocks noGrp="1"/>
           </p:cNvSpPr>
@@ -5353,7 +5353,7 @@
       </p:sp>
       <p:sp>
         <p:nvSpPr>
-          <p:cNvPr id="24" name="PlaceHolder 2"/>
+          <p:cNvPr id="21" name="PlaceHolder 2"/>
           <p:cNvSpPr>
             <a:spLocks noGrp="1"/>
           </p:cNvSpPr>
@@ -5383,7 +5383,7 @@
       </p:sp>
       <p:sp>
         <p:nvSpPr>
-          <p:cNvPr id="25" name="PlaceHolder 3"/>
+          <p:cNvPr id="22" name="PlaceHolder 3"/>
           <p:cNvSpPr>
             <a:spLocks noGrp="1"/>
           </p:cNvSpPr>
@@ -5413,7 +5413,7 @@
       </p:sp>
       <p:sp>
         <p:nvSpPr>
-          <p:cNvPr id="26" name="PlaceHolder 4"/>
+          <p:cNvPr id="23" name="PlaceHolder 4"/>
           <p:cNvSpPr>
             <a:spLocks noGrp="1"/>
           </p:cNvSpPr>
@@ -5482,7 +5482,7 @@
         <p:spPr>
           <a:xfrm>
             <a:off x="-9000" y="5213880"/>
-            <a:ext cx="8389440" cy="516600"/>
+            <a:ext cx="8389080" cy="516240"/>
           </a:xfrm>
           <a:prstGeom prst="rect">
             <a:avLst/>
@@ -5514,6 +5514,7 @@
                   <a:srgbClr val="a6a6a6"/>
                 </a:solidFill>
                 <a:latin typeface="Calibri"/>
+                <a:ea typeface="DejaVu Sans"/>
               </a:rPr>
               <a:t>This presentation uses a free template provided by FPPT.com</a:t>
             </a:r>
@@ -5533,6 +5534,7 @@
                   <a:srgbClr val="a6a6a6"/>
                 </a:solidFill>
                 <a:latin typeface="Calibri"/>
+                <a:ea typeface="DejaVu Sans"/>
               </a:rPr>
               <a:t>www.free-power-point-templates.com</a:t>
             </a:r>
@@ -5554,47 +5556,26 @@
         </p:nvSpPr>
         <p:spPr>
           <a:xfrm>
-            <a:off x="1059840" y="2419200"/>
-            <a:ext cx="7176600" cy="1374120"/>
-          </a:xfrm>
-          <a:prstGeom prst="rect">
-            <a:avLst/>
-          </a:prstGeom>
-        </p:spPr>
-        <p:txBody>
-          <a:bodyPr anchor="ctr">
-            <a:normAutofit/>
-          </a:bodyPr>
-          <a:p>
-            <a:pPr algn="r">
-              <a:lnSpc>
-                <a:spcPct val="100000"/>
-              </a:lnSpc>
-            </a:pPr>
+            <a:off x="457200" y="205200"/>
+            <a:ext cx="8228880" cy="858240"/>
+          </a:xfrm>
+          <a:prstGeom prst="rect">
+            <a:avLst/>
+          </a:prstGeom>
+        </p:spPr>
+        <p:txBody>
+          <a:bodyPr lIns="0" rIns="0" tIns="0" bIns="0" anchor="ctr">
+            <a:noAutofit/>
+          </a:bodyPr>
+          <a:p>
             <a:r>
-              <a:rPr b="0" lang="en-US" sz="3600" spc="-1" strike="noStrike">
-                <a:solidFill>
-                  <a:srgbClr val="7030a0"/>
-                </a:solidFill>
-                <a:latin typeface="Calibri"/>
+              <a:rPr b="0" lang="en-US" sz="1800" spc="-1" strike="noStrike">
+                <a:latin typeface="Arial"/>
               </a:rPr>
-              <a:t>Click to edit </a:t>
+              <a:t>Click to edit the title text format</a:t>
             </a:r>
-            <a:br/>
-            <a:r>
-              <a:rPr b="0" lang="en-US" sz="3600" spc="-1" strike="noStrike">
-                <a:solidFill>
-                  <a:srgbClr val="7030a0"/>
-                </a:solidFill>
-                <a:latin typeface="Calibri"/>
-              </a:rPr>
-              <a:t>Master title style</a:t>
-            </a:r>
-            <a:endParaRPr b="0" lang="en-US" sz="3600" spc="-1" strike="noStrike">
-              <a:solidFill>
-                <a:srgbClr val="000000"/>
-              </a:solidFill>
-              <a:latin typeface="Calibri"/>
+            <a:endParaRPr b="0" lang="en-US" sz="1800" spc="-1" strike="noStrike">
+              <a:latin typeface="Arial"/>
             </a:endParaRPr>
           </a:p>
         </p:txBody>
@@ -5602,124 +5583,6 @@
       <p:sp>
         <p:nvSpPr>
           <p:cNvPr id="2" name="PlaceHolder 3"/>
-          <p:cNvSpPr>
-            <a:spLocks noGrp="1"/>
-          </p:cNvSpPr>
-          <p:nvPr>
-            <p:ph type="dt"/>
-          </p:nvPr>
-        </p:nvSpPr>
-        <p:spPr>
-          <a:xfrm>
-            <a:off x="457200" y="4767120"/>
-            <a:ext cx="2133360" cy="273600"/>
-          </a:xfrm>
-          <a:prstGeom prst="rect">
-            <a:avLst/>
-          </a:prstGeom>
-        </p:spPr>
-        <p:txBody>
-          <a:bodyPr anchor="ctr">
-            <a:noAutofit/>
-          </a:bodyPr>
-          <a:p>
-            <a:pPr>
-              <a:lnSpc>
-                <a:spcPct val="100000"/>
-              </a:lnSpc>
-            </a:pPr>
-            <a:fld id="{300D9417-F325-4760-983C-DFA8FF593B91}" type="datetime">
-              <a:rPr b="0" lang="en-US" sz="1200" spc="-1" strike="noStrike">
-                <a:solidFill>
-                  <a:srgbClr val="8b8b8b"/>
-                </a:solidFill>
-                <a:latin typeface="Calibri"/>
-              </a:rPr>
-              <a:t>6/6/22</a:t>
-            </a:fld>
-            <a:endParaRPr b="0" lang="en-US" sz="1200" spc="-1" strike="noStrike">
-              <a:latin typeface="Times New Roman"/>
-            </a:endParaRPr>
-          </a:p>
-        </p:txBody>
-      </p:sp>
-      <p:sp>
-        <p:nvSpPr>
-          <p:cNvPr id="3" name="PlaceHolder 4"/>
-          <p:cNvSpPr>
-            <a:spLocks noGrp="1"/>
-          </p:cNvSpPr>
-          <p:nvPr>
-            <p:ph type="ftr"/>
-          </p:nvPr>
-        </p:nvSpPr>
-        <p:spPr>
-          <a:xfrm>
-            <a:off x="3124080" y="4767120"/>
-            <a:ext cx="2895120" cy="273600"/>
-          </a:xfrm>
-          <a:prstGeom prst="rect">
-            <a:avLst/>
-          </a:prstGeom>
-        </p:spPr>
-        <p:txBody>
-          <a:bodyPr anchor="ctr">
-            <a:noAutofit/>
-          </a:bodyPr>
-          <a:p>
-            <a:endParaRPr b="0" lang="en-US" sz="2400" spc="-1" strike="noStrike">
-              <a:latin typeface="Times New Roman"/>
-            </a:endParaRPr>
-          </a:p>
-        </p:txBody>
-      </p:sp>
-      <p:sp>
-        <p:nvSpPr>
-          <p:cNvPr id="4" name="PlaceHolder 5"/>
-          <p:cNvSpPr>
-            <a:spLocks noGrp="1"/>
-          </p:cNvSpPr>
-          <p:nvPr>
-            <p:ph type="sldNum"/>
-          </p:nvPr>
-        </p:nvSpPr>
-        <p:spPr>
-          <a:xfrm>
-            <a:off x="6553080" y="4767120"/>
-            <a:ext cx="2133360" cy="273600"/>
-          </a:xfrm>
-          <a:prstGeom prst="rect">
-            <a:avLst/>
-          </a:prstGeom>
-        </p:spPr>
-        <p:txBody>
-          <a:bodyPr anchor="ctr">
-            <a:noAutofit/>
-          </a:bodyPr>
-          <a:p>
-            <a:pPr algn="r">
-              <a:lnSpc>
-                <a:spcPct val="100000"/>
-              </a:lnSpc>
-            </a:pPr>
-            <a:fld id="{23C30007-CA9E-47A5-8169-5CB135F287D2}" type="slidenum">
-              <a:rPr b="0" lang="en-US" sz="1200" spc="-1" strike="noStrike">
-                <a:solidFill>
-                  <a:srgbClr val="8b8b8b"/>
-                </a:solidFill>
-                <a:latin typeface="Calibri"/>
-              </a:rPr>
-              <a:t>&lt;number&gt;</a:t>
-            </a:fld>
-            <a:endParaRPr b="0" lang="en-US" sz="1200" spc="-1" strike="noStrike">
-              <a:latin typeface="Times New Roman"/>
-            </a:endParaRPr>
-          </a:p>
-        </p:txBody>
-      </p:sp>
-      <p:sp>
-        <p:nvSpPr>
-          <p:cNvPr id="5" name="PlaceHolder 6"/>
           <p:cNvSpPr>
             <a:spLocks noGrp="1"/>
           </p:cNvSpPr>
@@ -5754,18 +5617,12 @@
             </a:pPr>
             <a:r>
               <a:rPr b="0" lang="en-US" sz="3200" spc="-1" strike="noStrike">
-                <a:solidFill>
-                  <a:srgbClr val="000000"/>
-                </a:solidFill>
-                <a:latin typeface="Calibri"/>
+                <a:latin typeface="Arial"/>
               </a:rPr>
               <a:t>Click to edit the outline text format</a:t>
             </a:r>
             <a:endParaRPr b="0" lang="en-US" sz="3200" spc="-1" strike="noStrike">
-              <a:solidFill>
-                <a:srgbClr val="000000"/>
-              </a:solidFill>
-              <a:latin typeface="Calibri"/>
+              <a:latin typeface="Arial"/>
             </a:endParaRPr>
           </a:p>
           <a:p>
@@ -5781,19 +5638,13 @@
               <a:buChar char=""/>
             </a:pPr>
             <a:r>
-              <a:rPr b="0" lang="en-US" sz="2400" spc="-1" strike="noStrike">
-                <a:solidFill>
-                  <a:srgbClr val="000000"/>
-                </a:solidFill>
-                <a:latin typeface="Calibri"/>
+              <a:rPr b="0" lang="en-US" sz="2800" spc="-1" strike="noStrike">
+                <a:latin typeface="Arial"/>
               </a:rPr>
               <a:t>Second Outline Level</a:t>
             </a:r>
-            <a:endParaRPr b="0" lang="en-US" sz="2400" spc="-1" strike="noStrike">
-              <a:solidFill>
-                <a:srgbClr val="000000"/>
-              </a:solidFill>
-              <a:latin typeface="Calibri"/>
+            <a:endParaRPr b="0" lang="en-US" sz="2800" spc="-1" strike="noStrike">
+              <a:latin typeface="Arial"/>
             </a:endParaRPr>
           </a:p>
           <a:p>
@@ -5809,19 +5660,13 @@
               <a:buChar char=""/>
             </a:pPr>
             <a:r>
-              <a:rPr b="0" lang="en-US" sz="2000" spc="-1" strike="noStrike">
-                <a:solidFill>
-                  <a:srgbClr val="000000"/>
-                </a:solidFill>
-                <a:latin typeface="Calibri"/>
+              <a:rPr b="0" lang="en-US" sz="2400" spc="-1" strike="noStrike">
+                <a:latin typeface="Arial"/>
               </a:rPr>
               <a:t>Third Outline Level</a:t>
             </a:r>
-            <a:endParaRPr b="0" lang="en-US" sz="2000" spc="-1" strike="noStrike">
-              <a:solidFill>
-                <a:srgbClr val="000000"/>
-              </a:solidFill>
-              <a:latin typeface="Calibri"/>
+            <a:endParaRPr b="0" lang="en-US" sz="2400" spc="-1" strike="noStrike">
+              <a:latin typeface="Arial"/>
             </a:endParaRPr>
           </a:p>
           <a:p>
@@ -5838,18 +5683,12 @@
             </a:pPr>
             <a:r>
               <a:rPr b="0" lang="en-US" sz="2000" spc="-1" strike="noStrike">
-                <a:solidFill>
-                  <a:srgbClr val="000000"/>
-                </a:solidFill>
-                <a:latin typeface="Calibri"/>
+                <a:latin typeface="Arial"/>
               </a:rPr>
               <a:t>Fourth Outline Level</a:t>
             </a:r>
             <a:endParaRPr b="0" lang="en-US" sz="2000" spc="-1" strike="noStrike">
-              <a:solidFill>
-                <a:srgbClr val="000000"/>
-              </a:solidFill>
-              <a:latin typeface="Calibri"/>
+              <a:latin typeface="Arial"/>
             </a:endParaRPr>
           </a:p>
           <a:p>
@@ -5866,18 +5705,12 @@
             </a:pPr>
             <a:r>
               <a:rPr b="0" lang="en-US" sz="2000" spc="-1" strike="noStrike">
-                <a:solidFill>
-                  <a:srgbClr val="000000"/>
-                </a:solidFill>
-                <a:latin typeface="Calibri"/>
+                <a:latin typeface="Arial"/>
               </a:rPr>
               <a:t>Fifth Outline Level</a:t>
             </a:r>
             <a:endParaRPr b="0" lang="en-US" sz="2000" spc="-1" strike="noStrike">
-              <a:solidFill>
-                <a:srgbClr val="000000"/>
-              </a:solidFill>
-              <a:latin typeface="Calibri"/>
+              <a:latin typeface="Arial"/>
             </a:endParaRPr>
           </a:p>
           <a:p>
@@ -5894,18 +5727,12 @@
             </a:pPr>
             <a:r>
               <a:rPr b="0" lang="en-US" sz="2000" spc="-1" strike="noStrike">
-                <a:solidFill>
-                  <a:srgbClr val="000000"/>
-                </a:solidFill>
-                <a:latin typeface="Calibri"/>
+                <a:latin typeface="Arial"/>
               </a:rPr>
               <a:t>Sixth Outline Level</a:t>
             </a:r>
             <a:endParaRPr b="0" lang="en-US" sz="2000" spc="-1" strike="noStrike">
-              <a:solidFill>
-                <a:srgbClr val="000000"/>
-              </a:solidFill>
-              <a:latin typeface="Calibri"/>
+              <a:latin typeface="Arial"/>
             </a:endParaRPr>
           </a:p>
           <a:p>
@@ -5922,18 +5749,12 @@
             </a:pPr>
             <a:r>
               <a:rPr b="0" lang="en-US" sz="2000" spc="-1" strike="noStrike">
-                <a:solidFill>
-                  <a:srgbClr val="000000"/>
-                </a:solidFill>
-                <a:latin typeface="Calibri"/>
+                <a:latin typeface="Arial"/>
               </a:rPr>
               <a:t>Seventh Outline Level</a:t>
             </a:r>
             <a:endParaRPr b="0" lang="en-US" sz="2000" spc="-1" strike="noStrike">
-              <a:solidFill>
-                <a:srgbClr val="000000"/>
-              </a:solidFill>
-              <a:latin typeface="Calibri"/>
+              <a:latin typeface="Arial"/>
             </a:endParaRPr>
           </a:p>
         </p:txBody>
@@ -5987,14 +5808,14 @@
       </p:grpSpPr>
       <p:sp>
         <p:nvSpPr>
-          <p:cNvPr id="42" name="CustomShape 1"/>
+          <p:cNvPr id="39" name="CustomShape 1"/>
           <p:cNvSpPr/>
           <p:nvPr/>
         </p:nvSpPr>
         <p:spPr>
           <a:xfrm>
             <a:off x="-9000" y="5213880"/>
-            <a:ext cx="8389440" cy="516600"/>
+            <a:ext cx="8389080" cy="516240"/>
           </a:xfrm>
           <a:prstGeom prst="rect">
             <a:avLst/>
@@ -6026,6 +5847,7 @@
                   <a:srgbClr val="a6a6a6"/>
                 </a:solidFill>
                 <a:latin typeface="Calibri"/>
+                <a:ea typeface="DejaVu Sans"/>
               </a:rPr>
               <a:t>This presentation uses a free template provided by FPPT.com</a:t>
             </a:r>
@@ -6045,6 +5867,7 @@
                   <a:srgbClr val="a6a6a6"/>
                 </a:solidFill>
                 <a:latin typeface="Calibri"/>
+                <a:ea typeface="DejaVu Sans"/>
               </a:rPr>
               <a:t>www.free-power-point-templates.com</a:t>
             </a:r>
@@ -6056,7 +5879,7 @@
       </p:sp>
       <p:sp>
         <p:nvSpPr>
-          <p:cNvPr id="43" name="PlaceHolder 2"/>
+          <p:cNvPr id="40" name="PlaceHolder 2"/>
           <p:cNvSpPr>
             <a:spLocks noGrp="1"/>
           </p:cNvSpPr>
@@ -6066,330 +5889,206 @@
         </p:nvSpPr>
         <p:spPr>
           <a:xfrm>
-            <a:off x="2281320" y="433800"/>
-            <a:ext cx="6413400" cy="725040"/>
-          </a:xfrm>
-          <a:prstGeom prst="rect">
-            <a:avLst/>
-          </a:prstGeom>
-        </p:spPr>
-        <p:txBody>
-          <a:bodyPr anchor="ctr">
-            <a:normAutofit fontScale="45000"/>
-          </a:bodyPr>
-          <a:p>
-            <a:pPr>
-              <a:lnSpc>
-                <a:spcPct val="100000"/>
-              </a:lnSpc>
+            <a:off x="457200" y="205200"/>
+            <a:ext cx="8229240" cy="858600"/>
+          </a:xfrm>
+          <a:prstGeom prst="rect">
+            <a:avLst/>
+          </a:prstGeom>
+        </p:spPr>
+        <p:txBody>
+          <a:bodyPr lIns="0" rIns="0" tIns="0" bIns="0" anchor="ctr">
+            <a:noAutofit/>
+          </a:bodyPr>
+          <a:p>
+            <a:pPr algn="ctr"/>
+            <a:r>
+              <a:rPr b="0" lang="en-US" sz="4400" spc="-1" strike="noStrike">
+                <a:latin typeface="Arial"/>
+              </a:rPr>
+              <a:t>Click to edit the title text format</a:t>
+            </a:r>
+            <a:endParaRPr b="0" lang="en-US" sz="4400" spc="-1" strike="noStrike">
+              <a:latin typeface="Arial"/>
+            </a:endParaRPr>
+          </a:p>
+        </p:txBody>
+      </p:sp>
+      <p:sp>
+        <p:nvSpPr>
+          <p:cNvPr id="41" name="PlaceHolder 3"/>
+          <p:cNvSpPr>
+            <a:spLocks noGrp="1"/>
+          </p:cNvSpPr>
+          <p:nvPr>
+            <p:ph type="body"/>
+          </p:nvPr>
+        </p:nvSpPr>
+        <p:spPr>
+          <a:xfrm>
+            <a:off x="457200" y="1203480"/>
+            <a:ext cx="8229240" cy="2982960"/>
+          </a:xfrm>
+          <a:prstGeom prst="rect">
+            <a:avLst/>
+          </a:prstGeom>
+        </p:spPr>
+        <p:txBody>
+          <a:bodyPr lIns="0" rIns="0" tIns="0" bIns="0">
+            <a:normAutofit/>
+          </a:bodyPr>
+          <a:p>
+            <a:pPr marL="432000" indent="-324000">
+              <a:spcBef>
+                <a:spcPts val="1417"/>
+              </a:spcBef>
+              <a:buClr>
+                <a:srgbClr val="000000"/>
+              </a:buClr>
+              <a:buSzPct val="45000"/>
+              <a:buFont typeface="Wingdings" charset="2"/>
+              <a:buChar char=""/>
             </a:pPr>
             <a:r>
-              <a:rPr b="0" lang="en-US" sz="3600" spc="-1" strike="noStrike">
-                <a:solidFill>
-                  <a:srgbClr val="7030a0"/>
-                </a:solidFill>
-                <a:latin typeface="Calibri"/>
+              <a:rPr b="0" lang="en-US" sz="3200" spc="-1" strike="noStrike">
+                <a:latin typeface="Arial"/>
               </a:rPr>
-              <a:t>Click to edit Master title style</a:t>
+              <a:t>Click to edit the outline text format</a:t>
             </a:r>
-            <a:endParaRPr b="0" lang="en-US" sz="3600" spc="-1" strike="noStrike">
-              <a:solidFill>
-                <a:srgbClr val="000000"/>
-              </a:solidFill>
-              <a:latin typeface="Calibri"/>
-            </a:endParaRPr>
-          </a:p>
-        </p:txBody>
-      </p:sp>
-      <p:sp>
-        <p:nvSpPr>
-          <p:cNvPr id="44" name="PlaceHolder 3"/>
-          <p:cNvSpPr>
-            <a:spLocks noGrp="1"/>
-          </p:cNvSpPr>
-          <p:nvPr>
-            <p:ph type="body"/>
-          </p:nvPr>
-        </p:nvSpPr>
-        <p:spPr>
-          <a:xfrm>
-            <a:off x="2281320" y="1197360"/>
-            <a:ext cx="6413400" cy="3510720"/>
-          </a:xfrm>
-          <a:prstGeom prst="rect">
-            <a:avLst/>
-          </a:prstGeom>
-        </p:spPr>
-        <p:txBody>
-          <a:bodyPr>
-            <a:noAutofit/>
-          </a:bodyPr>
-          <a:p>
-            <a:pPr marL="343080" indent="-342720">
-              <a:lnSpc>
-                <a:spcPct val="100000"/>
-              </a:lnSpc>
+            <a:endParaRPr b="0" lang="en-US" sz="3200" spc="-1" strike="noStrike">
+              <a:latin typeface="Arial"/>
+            </a:endParaRPr>
+          </a:p>
+          <a:p>
+            <a:pPr lvl="1" marL="864000" indent="-324000">
               <a:spcBef>
-                <a:spcPts val="561"/>
+                <a:spcPts val="1134"/>
               </a:spcBef>
               <a:buClr>
-                <a:srgbClr val="002060"/>
+                <a:srgbClr val="000000"/>
               </a:buClr>
-              <a:buFont typeface="Arial"/>
-              <a:buChar char="•"/>
+              <a:buSzPct val="75000"/>
+              <a:buFont typeface="Symbol" charset="2"/>
+              <a:buChar char=""/>
             </a:pPr>
             <a:r>
               <a:rPr b="0" lang="en-US" sz="2800" spc="-1" strike="noStrike">
-                <a:solidFill>
-                  <a:srgbClr val="002060"/>
-                </a:solidFill>
-                <a:latin typeface="Calibri"/>
+                <a:latin typeface="Arial"/>
               </a:rPr>
-              <a:t>Click to edit Master text styles</a:t>
+              <a:t>Second Outline Level</a:t>
             </a:r>
             <a:endParaRPr b="0" lang="en-US" sz="2800" spc="-1" strike="noStrike">
-              <a:solidFill>
-                <a:srgbClr val="000000"/>
-              </a:solidFill>
-              <a:latin typeface="Calibri"/>
-            </a:endParaRPr>
-          </a:p>
-          <a:p>
-            <a:pPr lvl="1" marL="743040" indent="-285480">
-              <a:lnSpc>
-                <a:spcPct val="100000"/>
-              </a:lnSpc>
+              <a:latin typeface="Arial"/>
+            </a:endParaRPr>
+          </a:p>
+          <a:p>
+            <a:pPr lvl="2" marL="1296000" indent="-288000">
               <a:spcBef>
-                <a:spcPts val="561"/>
+                <a:spcPts val="850"/>
               </a:spcBef>
               <a:buClr>
-                <a:srgbClr val="002060"/>
+                <a:srgbClr val="000000"/>
               </a:buClr>
-              <a:buFont typeface="Arial"/>
-              <a:buChar char="–"/>
-            </a:pPr>
-            <a:r>
-              <a:rPr b="0" lang="en-US" sz="2800" spc="-1" strike="noStrike">
-                <a:solidFill>
-                  <a:srgbClr val="002060"/>
-                </a:solidFill>
-                <a:latin typeface="Calibri"/>
-              </a:rPr>
-              <a:t>Second level</a:t>
-            </a:r>
-            <a:endParaRPr b="0" lang="en-US" sz="2800" spc="-1" strike="noStrike">
-              <a:solidFill>
-                <a:srgbClr val="000000"/>
-              </a:solidFill>
-              <a:latin typeface="Calibri"/>
-            </a:endParaRPr>
-          </a:p>
-          <a:p>
-            <a:pPr lvl="2" marL="1143000" indent="-228240">
-              <a:lnSpc>
-                <a:spcPct val="100000"/>
-              </a:lnSpc>
-              <a:spcBef>
-                <a:spcPts val="479"/>
-              </a:spcBef>
-              <a:buClr>
-                <a:srgbClr val="002060"/>
-              </a:buClr>
-              <a:buFont typeface="Arial"/>
-              <a:buChar char="•"/>
+              <a:buSzPct val="45000"/>
+              <a:buFont typeface="Wingdings" charset="2"/>
+              <a:buChar char=""/>
             </a:pPr>
             <a:r>
               <a:rPr b="0" lang="en-US" sz="2400" spc="-1" strike="noStrike">
-                <a:solidFill>
-                  <a:srgbClr val="002060"/>
-                </a:solidFill>
-                <a:latin typeface="Calibri"/>
+                <a:latin typeface="Arial"/>
               </a:rPr>
-              <a:t>Third level</a:t>
+              <a:t>Third Outline Level</a:t>
             </a:r>
             <a:endParaRPr b="0" lang="en-US" sz="2400" spc="-1" strike="noStrike">
-              <a:solidFill>
-                <a:srgbClr val="000000"/>
-              </a:solidFill>
-              <a:latin typeface="Calibri"/>
-            </a:endParaRPr>
-          </a:p>
-          <a:p>
-            <a:pPr lvl="3" marL="1600200" indent="-228240">
-              <a:lnSpc>
-                <a:spcPct val="100000"/>
-              </a:lnSpc>
+              <a:latin typeface="Arial"/>
+            </a:endParaRPr>
+          </a:p>
+          <a:p>
+            <a:pPr lvl="3" marL="1728000" indent="-216000">
               <a:spcBef>
-                <a:spcPts val="400"/>
+                <a:spcPts val="567"/>
               </a:spcBef>
               <a:buClr>
-                <a:srgbClr val="002060"/>
+                <a:srgbClr val="000000"/>
               </a:buClr>
-              <a:buFont typeface="Arial"/>
-              <a:buChar char="–"/>
+              <a:buSzPct val="75000"/>
+              <a:buFont typeface="Symbol" charset="2"/>
+              <a:buChar char=""/>
             </a:pPr>
             <a:r>
               <a:rPr b="0" lang="en-US" sz="2000" spc="-1" strike="noStrike">
-                <a:solidFill>
-                  <a:srgbClr val="002060"/>
-                </a:solidFill>
-                <a:latin typeface="Calibri"/>
+                <a:latin typeface="Arial"/>
               </a:rPr>
-              <a:t>Fourth level</a:t>
+              <a:t>Fourth Outline Level</a:t>
             </a:r>
             <a:endParaRPr b="0" lang="en-US" sz="2000" spc="-1" strike="noStrike">
-              <a:solidFill>
-                <a:srgbClr val="000000"/>
-              </a:solidFill>
-              <a:latin typeface="Calibri"/>
-            </a:endParaRPr>
-          </a:p>
-          <a:p>
-            <a:pPr lvl="4" marL="2057400" indent="-228240">
-              <a:lnSpc>
-                <a:spcPct val="100000"/>
-              </a:lnSpc>
+              <a:latin typeface="Arial"/>
+            </a:endParaRPr>
+          </a:p>
+          <a:p>
+            <a:pPr lvl="4" marL="2160000" indent="-216000">
               <a:spcBef>
-                <a:spcPts val="400"/>
+                <a:spcPts val="283"/>
               </a:spcBef>
               <a:buClr>
-                <a:srgbClr val="002060"/>
+                <a:srgbClr val="000000"/>
               </a:buClr>
-              <a:buFont typeface="Arial"/>
-              <a:buChar char="»"/>
+              <a:buSzPct val="45000"/>
+              <a:buFont typeface="Wingdings" charset="2"/>
+              <a:buChar char=""/>
             </a:pPr>
             <a:r>
               <a:rPr b="0" lang="en-US" sz="2000" spc="-1" strike="noStrike">
-                <a:solidFill>
-                  <a:srgbClr val="002060"/>
-                </a:solidFill>
-                <a:latin typeface="Calibri"/>
+                <a:latin typeface="Arial"/>
               </a:rPr>
-              <a:t>Fifth level</a:t>
+              <a:t>Fifth Outline Level</a:t>
             </a:r>
             <a:endParaRPr b="0" lang="en-US" sz="2000" spc="-1" strike="noStrike">
-              <a:solidFill>
+              <a:latin typeface="Arial"/>
+            </a:endParaRPr>
+          </a:p>
+          <a:p>
+            <a:pPr lvl="5" marL="2592000" indent="-216000">
+              <a:spcBef>
+                <a:spcPts val="283"/>
+              </a:spcBef>
+              <a:buClr>
                 <a:srgbClr val="000000"/>
-              </a:solidFill>
-              <a:latin typeface="Calibri"/>
-            </a:endParaRPr>
-          </a:p>
-        </p:txBody>
-      </p:sp>
-      <p:sp>
-        <p:nvSpPr>
-          <p:cNvPr id="45" name="PlaceHolder 4"/>
-          <p:cNvSpPr>
-            <a:spLocks noGrp="1"/>
-          </p:cNvSpPr>
-          <p:nvPr>
-            <p:ph type="dt"/>
-          </p:nvPr>
-        </p:nvSpPr>
-        <p:spPr>
-          <a:xfrm>
-            <a:off x="457200" y="4767120"/>
-            <a:ext cx="2133360" cy="273600"/>
-          </a:xfrm>
-          <a:prstGeom prst="rect">
-            <a:avLst/>
-          </a:prstGeom>
-        </p:spPr>
-        <p:txBody>
-          <a:bodyPr anchor="ctr">
-            <a:noAutofit/>
-          </a:bodyPr>
-          <a:p>
-            <a:pPr>
-              <a:lnSpc>
-                <a:spcPct val="100000"/>
-              </a:lnSpc>
+              </a:buClr>
+              <a:buSzPct val="45000"/>
+              <a:buFont typeface="Wingdings" charset="2"/>
+              <a:buChar char=""/>
             </a:pPr>
-            <a:fld id="{33E426FF-B49F-46EB-97F5-DAF779AE7795}" type="datetime">
-              <a:rPr b="0" lang="en-US" sz="1200" spc="-1" strike="noStrike">
-                <a:solidFill>
-                  <a:srgbClr val="8b8b8b"/>
-                </a:solidFill>
-                <a:latin typeface="Calibri"/>
+            <a:r>
+              <a:rPr b="0" lang="en-US" sz="2000" spc="-1" strike="noStrike">
+                <a:latin typeface="Arial"/>
               </a:rPr>
-              <a:t>6/6/22</a:t>
-            </a:fld>
-            <a:endParaRPr b="0" lang="en-US" sz="1200" spc="-1" strike="noStrike">
-              <a:latin typeface="Times New Roman"/>
-            </a:endParaRPr>
-          </a:p>
-        </p:txBody>
-      </p:sp>
-      <p:sp>
-        <p:nvSpPr>
-          <p:cNvPr id="46" name="PlaceHolder 5"/>
-          <p:cNvSpPr>
-            <a:spLocks noGrp="1"/>
-          </p:cNvSpPr>
-          <p:nvPr>
-            <p:ph type="ftr"/>
-          </p:nvPr>
-        </p:nvSpPr>
-        <p:spPr>
-          <a:xfrm>
-            <a:off x="3124080" y="4767120"/>
-            <a:ext cx="2895120" cy="273600"/>
-          </a:xfrm>
-          <a:prstGeom prst="rect">
-            <a:avLst/>
-          </a:prstGeom>
-        </p:spPr>
-        <p:txBody>
-          <a:bodyPr anchor="ctr">
-            <a:noAutofit/>
-          </a:bodyPr>
-          <a:p>
-            <a:endParaRPr b="0" lang="en-US" sz="2400" spc="-1" strike="noStrike">
-              <a:latin typeface="Times New Roman"/>
-            </a:endParaRPr>
-          </a:p>
-        </p:txBody>
-      </p:sp>
-      <p:sp>
-        <p:nvSpPr>
-          <p:cNvPr id="47" name="PlaceHolder 6"/>
-          <p:cNvSpPr>
-            <a:spLocks noGrp="1"/>
-          </p:cNvSpPr>
-          <p:nvPr>
-            <p:ph type="sldNum"/>
-          </p:nvPr>
-        </p:nvSpPr>
-        <p:spPr>
-          <a:xfrm>
-            <a:off x="6553080" y="4767120"/>
-            <a:ext cx="2133360" cy="273600"/>
-          </a:xfrm>
-          <a:prstGeom prst="rect">
-            <a:avLst/>
-          </a:prstGeom>
-        </p:spPr>
-        <p:txBody>
-          <a:bodyPr anchor="ctr">
-            <a:noAutofit/>
-          </a:bodyPr>
-          <a:p>
-            <a:pPr algn="r">
-              <a:lnSpc>
-                <a:spcPct val="100000"/>
-              </a:lnSpc>
+              <a:t>Sixth Outline Level</a:t>
+            </a:r>
+            <a:endParaRPr b="0" lang="en-US" sz="2000" spc="-1" strike="noStrike">
+              <a:latin typeface="Arial"/>
+            </a:endParaRPr>
+          </a:p>
+          <a:p>
+            <a:pPr lvl="6" marL="3024000" indent="-216000">
+              <a:spcBef>
+                <a:spcPts val="283"/>
+              </a:spcBef>
+              <a:buClr>
+                <a:srgbClr val="000000"/>
+              </a:buClr>
+              <a:buSzPct val="45000"/>
+              <a:buFont typeface="Wingdings" charset="2"/>
+              <a:buChar char=""/>
             </a:pPr>
-            <a:fld id="{A4EFC3E1-D9FC-474F-B2D3-A46242A7579D}" type="slidenum">
-              <a:rPr b="0" lang="en-US" sz="1200" spc="-1" strike="noStrike">
-                <a:solidFill>
-                  <a:srgbClr val="8b8b8b"/>
-                </a:solidFill>
-                <a:latin typeface="Calibri"/>
+            <a:r>
+              <a:rPr b="0" lang="en-US" sz="2000" spc="-1" strike="noStrike">
+                <a:latin typeface="Arial"/>
               </a:rPr>
-              <a:t>&lt;number&gt;</a:t>
-            </a:fld>
-            <a:endParaRPr b="0" lang="en-US" sz="1200" spc="-1" strike="noStrike">
-              <a:latin typeface="Times New Roman"/>
+              <a:t>Seventh Outline Level</a:t>
+            </a:r>
+            <a:endParaRPr b="0" lang="en-US" sz="2000" spc="-1" strike="noStrike">
+              <a:latin typeface="Arial"/>
             </a:endParaRPr>
           </a:p>
         </p:txBody>
@@ -6443,14 +6142,14 @@
       </p:grpSpPr>
       <p:sp>
         <p:nvSpPr>
-          <p:cNvPr id="84" name="CustomShape 1"/>
+          <p:cNvPr id="78" name="CustomShape 1"/>
           <p:cNvSpPr/>
           <p:nvPr/>
         </p:nvSpPr>
         <p:spPr>
           <a:xfrm>
             <a:off x="-9000" y="5213880"/>
-            <a:ext cx="8389440" cy="516600"/>
+            <a:ext cx="8389080" cy="516240"/>
           </a:xfrm>
           <a:prstGeom prst="rect">
             <a:avLst/>
@@ -6482,6 +6181,7 @@
                   <a:srgbClr val="a6a6a6"/>
                 </a:solidFill>
                 <a:latin typeface="Calibri"/>
+                <a:ea typeface="DejaVu Sans"/>
               </a:rPr>
               <a:t>This presentation uses a free template provided by FPPT.com</a:t>
             </a:r>
@@ -6501,6 +6201,7 @@
                   <a:srgbClr val="a6a6a6"/>
                 </a:solidFill>
                 <a:latin typeface="Calibri"/>
+                <a:ea typeface="DejaVu Sans"/>
               </a:rPr>
               <a:t>www.free-power-point-templates.com</a:t>
             </a:r>
@@ -6512,7 +6213,7 @@
       </p:sp>
       <p:sp>
         <p:nvSpPr>
-          <p:cNvPr id="85" name="PlaceHolder 2"/>
+          <p:cNvPr id="79" name="PlaceHolder 2"/>
           <p:cNvSpPr>
             <a:spLocks noGrp="1"/>
           </p:cNvSpPr>
@@ -6522,330 +6223,206 @@
         </p:nvSpPr>
         <p:spPr>
           <a:xfrm>
-            <a:off x="448920" y="586440"/>
-            <a:ext cx="8245800" cy="763200"/>
-          </a:xfrm>
-          <a:prstGeom prst="rect">
-            <a:avLst/>
-          </a:prstGeom>
-        </p:spPr>
-        <p:txBody>
-          <a:bodyPr anchor="ctr">
-            <a:normAutofit/>
-          </a:bodyPr>
-          <a:p>
-            <a:pPr>
-              <a:lnSpc>
-                <a:spcPct val="100000"/>
-              </a:lnSpc>
+            <a:off x="457200" y="205200"/>
+            <a:ext cx="8229240" cy="858600"/>
+          </a:xfrm>
+          <a:prstGeom prst="rect">
+            <a:avLst/>
+          </a:prstGeom>
+        </p:spPr>
+        <p:txBody>
+          <a:bodyPr lIns="0" rIns="0" tIns="0" bIns="0" anchor="ctr">
+            <a:noAutofit/>
+          </a:bodyPr>
+          <a:p>
+            <a:pPr algn="ctr"/>
+            <a:r>
+              <a:rPr b="0" lang="en-US" sz="4400" spc="-1" strike="noStrike">
+                <a:latin typeface="Arial"/>
+              </a:rPr>
+              <a:t>Click to edit the title text format</a:t>
+            </a:r>
+            <a:endParaRPr b="0" lang="en-US" sz="4400" spc="-1" strike="noStrike">
+              <a:latin typeface="Arial"/>
+            </a:endParaRPr>
+          </a:p>
+        </p:txBody>
+      </p:sp>
+      <p:sp>
+        <p:nvSpPr>
+          <p:cNvPr id="80" name="PlaceHolder 3"/>
+          <p:cNvSpPr>
+            <a:spLocks noGrp="1"/>
+          </p:cNvSpPr>
+          <p:nvPr>
+            <p:ph type="body"/>
+          </p:nvPr>
+        </p:nvSpPr>
+        <p:spPr>
+          <a:xfrm>
+            <a:off x="457200" y="1203480"/>
+            <a:ext cx="8229240" cy="2982960"/>
+          </a:xfrm>
+          <a:prstGeom prst="rect">
+            <a:avLst/>
+          </a:prstGeom>
+        </p:spPr>
+        <p:txBody>
+          <a:bodyPr lIns="0" rIns="0" tIns="0" bIns="0">
+            <a:normAutofit/>
+          </a:bodyPr>
+          <a:p>
+            <a:pPr marL="432000" indent="-324000">
+              <a:spcBef>
+                <a:spcPts val="1417"/>
+              </a:spcBef>
+              <a:buClr>
+                <a:srgbClr val="000000"/>
+              </a:buClr>
+              <a:buSzPct val="45000"/>
+              <a:buFont typeface="Wingdings" charset="2"/>
+              <a:buChar char=""/>
             </a:pPr>
             <a:r>
-              <a:rPr b="0" lang="en-US" sz="3600" spc="-1" strike="noStrike">
-                <a:solidFill>
-                  <a:srgbClr val="7030a0"/>
-                </a:solidFill>
-                <a:latin typeface="Calibri"/>
+              <a:rPr b="0" lang="en-US" sz="3200" spc="-1" strike="noStrike">
+                <a:latin typeface="Arial"/>
               </a:rPr>
-              <a:t>Click to edit Master title style</a:t>
+              <a:t>Click to edit the outline text format</a:t>
             </a:r>
-            <a:endParaRPr b="0" lang="en-US" sz="3600" spc="-1" strike="noStrike">
-              <a:solidFill>
-                <a:srgbClr val="000000"/>
-              </a:solidFill>
-              <a:latin typeface="Calibri"/>
-            </a:endParaRPr>
-          </a:p>
-        </p:txBody>
-      </p:sp>
-      <p:sp>
-        <p:nvSpPr>
-          <p:cNvPr id="86" name="PlaceHolder 3"/>
-          <p:cNvSpPr>
-            <a:spLocks noGrp="1"/>
-          </p:cNvSpPr>
-          <p:nvPr>
-            <p:ph type="body"/>
-          </p:nvPr>
-        </p:nvSpPr>
-        <p:spPr>
-          <a:xfrm>
-            <a:off x="448920" y="1502640"/>
-            <a:ext cx="8245800" cy="3206520"/>
-          </a:xfrm>
-          <a:prstGeom prst="rect">
-            <a:avLst/>
-          </a:prstGeom>
-        </p:spPr>
-        <p:txBody>
-          <a:bodyPr>
-            <a:noAutofit/>
-          </a:bodyPr>
-          <a:p>
-            <a:pPr marL="343080" indent="-342720">
-              <a:lnSpc>
-                <a:spcPct val="100000"/>
-              </a:lnSpc>
+            <a:endParaRPr b="0" lang="en-US" sz="3200" spc="-1" strike="noStrike">
+              <a:latin typeface="Arial"/>
+            </a:endParaRPr>
+          </a:p>
+          <a:p>
+            <a:pPr lvl="1" marL="864000" indent="-324000">
               <a:spcBef>
-                <a:spcPts val="561"/>
+                <a:spcPts val="1134"/>
               </a:spcBef>
               <a:buClr>
-                <a:srgbClr val="002060"/>
+                <a:srgbClr val="000000"/>
               </a:buClr>
-              <a:buFont typeface="Arial"/>
-              <a:buChar char="•"/>
+              <a:buSzPct val="75000"/>
+              <a:buFont typeface="Symbol" charset="2"/>
+              <a:buChar char=""/>
             </a:pPr>
             <a:r>
               <a:rPr b="0" lang="en-US" sz="2800" spc="-1" strike="noStrike">
-                <a:solidFill>
-                  <a:srgbClr val="002060"/>
-                </a:solidFill>
-                <a:latin typeface="Calibri"/>
+                <a:latin typeface="Arial"/>
               </a:rPr>
-              <a:t>Click to edit Master text styles</a:t>
+              <a:t>Second Outline Level</a:t>
             </a:r>
             <a:endParaRPr b="0" lang="en-US" sz="2800" spc="-1" strike="noStrike">
-              <a:solidFill>
-                <a:srgbClr val="000000"/>
-              </a:solidFill>
-              <a:latin typeface="Calibri"/>
-            </a:endParaRPr>
-          </a:p>
-          <a:p>
-            <a:pPr lvl="1" marL="743040" indent="-285480">
-              <a:lnSpc>
-                <a:spcPct val="100000"/>
-              </a:lnSpc>
+              <a:latin typeface="Arial"/>
+            </a:endParaRPr>
+          </a:p>
+          <a:p>
+            <a:pPr lvl="2" marL="1296000" indent="-288000">
               <a:spcBef>
-                <a:spcPts val="561"/>
+                <a:spcPts val="850"/>
               </a:spcBef>
               <a:buClr>
-                <a:srgbClr val="002060"/>
+                <a:srgbClr val="000000"/>
               </a:buClr>
-              <a:buFont typeface="Arial"/>
-              <a:buChar char="–"/>
-            </a:pPr>
-            <a:r>
-              <a:rPr b="0" lang="en-US" sz="2800" spc="-1" strike="noStrike">
-                <a:solidFill>
-                  <a:srgbClr val="002060"/>
-                </a:solidFill>
-                <a:latin typeface="Calibri"/>
-              </a:rPr>
-              <a:t>Second level</a:t>
-            </a:r>
-            <a:endParaRPr b="0" lang="en-US" sz="2800" spc="-1" strike="noStrike">
-              <a:solidFill>
-                <a:srgbClr val="000000"/>
-              </a:solidFill>
-              <a:latin typeface="Calibri"/>
-            </a:endParaRPr>
-          </a:p>
-          <a:p>
-            <a:pPr lvl="2" marL="1143000" indent="-228240">
-              <a:lnSpc>
-                <a:spcPct val="100000"/>
-              </a:lnSpc>
-              <a:spcBef>
-                <a:spcPts val="479"/>
-              </a:spcBef>
-              <a:buClr>
-                <a:srgbClr val="002060"/>
-              </a:buClr>
-              <a:buFont typeface="Arial"/>
-              <a:buChar char="•"/>
+              <a:buSzPct val="45000"/>
+              <a:buFont typeface="Wingdings" charset="2"/>
+              <a:buChar char=""/>
             </a:pPr>
             <a:r>
               <a:rPr b="0" lang="en-US" sz="2400" spc="-1" strike="noStrike">
-                <a:solidFill>
-                  <a:srgbClr val="002060"/>
-                </a:solidFill>
-                <a:latin typeface="Calibri"/>
+                <a:latin typeface="Arial"/>
               </a:rPr>
-              <a:t>Third level</a:t>
+              <a:t>Third Outline Level</a:t>
             </a:r>
             <a:endParaRPr b="0" lang="en-US" sz="2400" spc="-1" strike="noStrike">
-              <a:solidFill>
-                <a:srgbClr val="000000"/>
-              </a:solidFill>
-              <a:latin typeface="Calibri"/>
-            </a:endParaRPr>
-          </a:p>
-          <a:p>
-            <a:pPr lvl="3" marL="1600200" indent="-228240">
-              <a:lnSpc>
-                <a:spcPct val="100000"/>
-              </a:lnSpc>
+              <a:latin typeface="Arial"/>
+            </a:endParaRPr>
+          </a:p>
+          <a:p>
+            <a:pPr lvl="3" marL="1728000" indent="-216000">
               <a:spcBef>
-                <a:spcPts val="400"/>
+                <a:spcPts val="567"/>
               </a:spcBef>
               <a:buClr>
-                <a:srgbClr val="002060"/>
+                <a:srgbClr val="000000"/>
               </a:buClr>
-              <a:buFont typeface="Arial"/>
-              <a:buChar char="–"/>
+              <a:buSzPct val="75000"/>
+              <a:buFont typeface="Symbol" charset="2"/>
+              <a:buChar char=""/>
             </a:pPr>
             <a:r>
               <a:rPr b="0" lang="en-US" sz="2000" spc="-1" strike="noStrike">
-                <a:solidFill>
-                  <a:srgbClr val="002060"/>
-                </a:solidFill>
-                <a:latin typeface="Calibri"/>
+                <a:latin typeface="Arial"/>
               </a:rPr>
-              <a:t>Fourth level</a:t>
+              <a:t>Fourth Outline Level</a:t>
             </a:r>
             <a:endParaRPr b="0" lang="en-US" sz="2000" spc="-1" strike="noStrike">
-              <a:solidFill>
-                <a:srgbClr val="000000"/>
-              </a:solidFill>
-              <a:latin typeface="Calibri"/>
-            </a:endParaRPr>
-          </a:p>
-          <a:p>
-            <a:pPr lvl="4" marL="2057400" indent="-228240">
-              <a:lnSpc>
-                <a:spcPct val="100000"/>
-              </a:lnSpc>
+              <a:latin typeface="Arial"/>
+            </a:endParaRPr>
+          </a:p>
+          <a:p>
+            <a:pPr lvl="4" marL="2160000" indent="-216000">
               <a:spcBef>
-                <a:spcPts val="400"/>
+                <a:spcPts val="283"/>
               </a:spcBef>
               <a:buClr>
-                <a:srgbClr val="002060"/>
+                <a:srgbClr val="000000"/>
               </a:buClr>
-              <a:buFont typeface="Arial"/>
-              <a:buChar char="»"/>
+              <a:buSzPct val="45000"/>
+              <a:buFont typeface="Wingdings" charset="2"/>
+              <a:buChar char=""/>
             </a:pPr>
             <a:r>
               <a:rPr b="0" lang="en-US" sz="2000" spc="-1" strike="noStrike">
-                <a:solidFill>
-                  <a:srgbClr val="002060"/>
-                </a:solidFill>
-                <a:latin typeface="Calibri"/>
+                <a:latin typeface="Arial"/>
               </a:rPr>
-              <a:t>Fifth level</a:t>
+              <a:t>Fifth Outline Level</a:t>
             </a:r>
             <a:endParaRPr b="0" lang="en-US" sz="2000" spc="-1" strike="noStrike">
-              <a:solidFill>
+              <a:latin typeface="Arial"/>
+            </a:endParaRPr>
+          </a:p>
+          <a:p>
+            <a:pPr lvl="5" marL="2592000" indent="-216000">
+              <a:spcBef>
+                <a:spcPts val="283"/>
+              </a:spcBef>
+              <a:buClr>
                 <a:srgbClr val="000000"/>
-              </a:solidFill>
-              <a:latin typeface="Calibri"/>
-            </a:endParaRPr>
-          </a:p>
-        </p:txBody>
-      </p:sp>
-      <p:sp>
-        <p:nvSpPr>
-          <p:cNvPr id="87" name="PlaceHolder 4"/>
-          <p:cNvSpPr>
-            <a:spLocks noGrp="1"/>
-          </p:cNvSpPr>
-          <p:nvPr>
-            <p:ph type="dt"/>
-          </p:nvPr>
-        </p:nvSpPr>
-        <p:spPr>
-          <a:xfrm>
-            <a:off x="457200" y="4767120"/>
-            <a:ext cx="2133360" cy="273600"/>
-          </a:xfrm>
-          <a:prstGeom prst="rect">
-            <a:avLst/>
-          </a:prstGeom>
-        </p:spPr>
-        <p:txBody>
-          <a:bodyPr anchor="ctr">
-            <a:noAutofit/>
-          </a:bodyPr>
-          <a:p>
-            <a:pPr>
-              <a:lnSpc>
-                <a:spcPct val="100000"/>
-              </a:lnSpc>
+              </a:buClr>
+              <a:buSzPct val="45000"/>
+              <a:buFont typeface="Wingdings" charset="2"/>
+              <a:buChar char=""/>
             </a:pPr>
-            <a:fld id="{1B5A2E96-9B0C-4BE8-A66A-5A4201F12DF4}" type="datetime">
-              <a:rPr b="0" lang="en-US" sz="1200" spc="-1" strike="noStrike">
-                <a:solidFill>
-                  <a:srgbClr val="8b8b8b"/>
-                </a:solidFill>
-                <a:latin typeface="Calibri"/>
+            <a:r>
+              <a:rPr b="0" lang="en-US" sz="2000" spc="-1" strike="noStrike">
+                <a:latin typeface="Arial"/>
               </a:rPr>
-              <a:t>6/6/22</a:t>
-            </a:fld>
-            <a:endParaRPr b="0" lang="en-US" sz="1200" spc="-1" strike="noStrike">
-              <a:latin typeface="Times New Roman"/>
-            </a:endParaRPr>
-          </a:p>
-        </p:txBody>
-      </p:sp>
-      <p:sp>
-        <p:nvSpPr>
-          <p:cNvPr id="88" name="PlaceHolder 5"/>
-          <p:cNvSpPr>
-            <a:spLocks noGrp="1"/>
-          </p:cNvSpPr>
-          <p:nvPr>
-            <p:ph type="ftr"/>
-          </p:nvPr>
-        </p:nvSpPr>
-        <p:spPr>
-          <a:xfrm>
-            <a:off x="3124080" y="4767120"/>
-            <a:ext cx="2895120" cy="273600"/>
-          </a:xfrm>
-          <a:prstGeom prst="rect">
-            <a:avLst/>
-          </a:prstGeom>
-        </p:spPr>
-        <p:txBody>
-          <a:bodyPr anchor="ctr">
-            <a:noAutofit/>
-          </a:bodyPr>
-          <a:p>
-            <a:endParaRPr b="0" lang="en-US" sz="2400" spc="-1" strike="noStrike">
-              <a:latin typeface="Times New Roman"/>
-            </a:endParaRPr>
-          </a:p>
-        </p:txBody>
-      </p:sp>
-      <p:sp>
-        <p:nvSpPr>
-          <p:cNvPr id="89" name="PlaceHolder 6"/>
-          <p:cNvSpPr>
-            <a:spLocks noGrp="1"/>
-          </p:cNvSpPr>
-          <p:nvPr>
-            <p:ph type="sldNum"/>
-          </p:nvPr>
-        </p:nvSpPr>
-        <p:spPr>
-          <a:xfrm>
-            <a:off x="6553080" y="4767120"/>
-            <a:ext cx="2133360" cy="273600"/>
-          </a:xfrm>
-          <a:prstGeom prst="rect">
-            <a:avLst/>
-          </a:prstGeom>
-        </p:spPr>
-        <p:txBody>
-          <a:bodyPr anchor="ctr">
-            <a:noAutofit/>
-          </a:bodyPr>
-          <a:p>
-            <a:pPr algn="r">
-              <a:lnSpc>
-                <a:spcPct val="100000"/>
-              </a:lnSpc>
+              <a:t>Sixth Outline Level</a:t>
+            </a:r>
+            <a:endParaRPr b="0" lang="en-US" sz="2000" spc="-1" strike="noStrike">
+              <a:latin typeface="Arial"/>
+            </a:endParaRPr>
+          </a:p>
+          <a:p>
+            <a:pPr lvl="6" marL="3024000" indent="-216000">
+              <a:spcBef>
+                <a:spcPts val="283"/>
+              </a:spcBef>
+              <a:buClr>
+                <a:srgbClr val="000000"/>
+              </a:buClr>
+              <a:buSzPct val="45000"/>
+              <a:buFont typeface="Wingdings" charset="2"/>
+              <a:buChar char=""/>
             </a:pPr>
-            <a:fld id="{4B9D80BA-2FA2-442E-B7D4-E157B1E45553}" type="slidenum">
-              <a:rPr b="0" lang="en-US" sz="1200" spc="-1" strike="noStrike">
-                <a:solidFill>
-                  <a:srgbClr val="8b8b8b"/>
-                </a:solidFill>
-                <a:latin typeface="Calibri"/>
+            <a:r>
+              <a:rPr b="0" lang="en-US" sz="2000" spc="-1" strike="noStrike">
+                <a:latin typeface="Arial"/>
               </a:rPr>
-              <a:t>&lt;number&gt;</a:t>
-            </a:fld>
-            <a:endParaRPr b="0" lang="en-US" sz="1200" spc="-1" strike="noStrike">
-              <a:latin typeface="Times New Roman"/>
+              <a:t>Seventh Outline Level</a:t>
+            </a:r>
+            <a:endParaRPr b="0" lang="en-US" sz="2000" spc="-1" strike="noStrike">
+              <a:latin typeface="Arial"/>
             </a:endParaRPr>
           </a:p>
         </p:txBody>
@@ -6899,7 +6476,7 @@
       </p:grpSpPr>
       <p:sp>
         <p:nvSpPr>
-          <p:cNvPr id="126" name="PlaceHolder 1"/>
+          <p:cNvPr id="117" name="PlaceHolder 1"/>
           <p:cNvSpPr>
             <a:spLocks noGrp="1"/>
           </p:cNvSpPr>
@@ -6936,7 +6513,7 @@
       </p:sp>
       <p:sp>
         <p:nvSpPr>
-          <p:cNvPr id="127" name="PlaceHolder 2"/>
+          <p:cNvPr id="118" name="PlaceHolder 2"/>
           <p:cNvSpPr>
             <a:spLocks noGrp="1"/>
           </p:cNvSpPr>
@@ -7152,14 +6729,14 @@
       </p:grpSpPr>
       <p:sp>
         <p:nvSpPr>
-          <p:cNvPr id="164" name="TextShape 1"/>
-          <p:cNvSpPr txBox="1"/>
+          <p:cNvPr id="155" name="CustomShape 1"/>
+          <p:cNvSpPr/>
           <p:nvPr/>
         </p:nvSpPr>
         <p:spPr>
           <a:xfrm>
             <a:off x="754200" y="2877120"/>
-            <a:ext cx="7329600" cy="1844280"/>
+            <a:ext cx="7329240" cy="1843920"/>
           </a:xfrm>
           <a:prstGeom prst="rect">
             <a:avLst/>
@@ -7169,15 +6746,21 @@
             <a:noFill/>
           </a:ln>
           <a:effectLst>
-            <a:outerShdw dist="37674" dir="2700000">
+            <a:outerShdw dir="2700000" dist="37674">
               <a:srgbClr val="000000">
                 <a:alpha val="40000"/>
               </a:srgbClr>
             </a:outerShdw>
           </a:effectLst>
         </p:spPr>
-        <p:txBody>
-          <a:bodyPr anchor="ctr">
+        <p:style>
+          <a:lnRef idx="0"/>
+          <a:fillRef idx="0"/>
+          <a:effectRef idx="0"/>
+          <a:fontRef idx="minor"/>
+        </p:style>
+        <p:txBody>
+          <a:bodyPr lIns="90000" rIns="90000" tIns="45000" bIns="45000" anchor="ctr">
             <a:normAutofit/>
           </a:bodyPr>
           <a:p>
@@ -7206,10 +6789,7 @@
               <a:t>Installation &amp; Configuration</a:t>
             </a:r>
             <a:endParaRPr b="0" lang="en-US" sz="4000" spc="-1" strike="noStrike">
-              <a:solidFill>
-                <a:srgbClr val="000000"/>
-              </a:solidFill>
-              <a:latin typeface="Calibri"/>
+              <a:latin typeface="Arial"/>
             </a:endParaRPr>
           </a:p>
         </p:txBody>
@@ -7246,14 +6826,14 @@
       </p:grpSpPr>
       <p:sp>
         <p:nvSpPr>
-          <p:cNvPr id="165" name="TextShape 1"/>
-          <p:cNvSpPr txBox="1"/>
+          <p:cNvPr id="156" name="CustomShape 1"/>
+          <p:cNvSpPr/>
           <p:nvPr/>
         </p:nvSpPr>
         <p:spPr>
           <a:xfrm>
             <a:off x="2586960" y="128520"/>
-            <a:ext cx="6107760" cy="725040"/>
+            <a:ext cx="6107400" cy="724680"/>
           </a:xfrm>
           <a:prstGeom prst="rect">
             <a:avLst/>
@@ -7263,8 +6843,14 @@
             <a:noFill/>
           </a:ln>
         </p:spPr>
-        <p:txBody>
-          <a:bodyPr anchor="ctr">
+        <p:style>
+          <a:lnRef idx="0"/>
+          <a:fillRef idx="0"/>
+          <a:effectRef idx="0"/>
+          <a:fontRef idx="minor"/>
+        </p:style>
+        <p:txBody>
+          <a:bodyPr lIns="90000" rIns="90000" tIns="45000" bIns="45000" anchor="ctr">
             <a:normAutofit/>
           </a:bodyPr>
           <a:p>
@@ -7283,24 +6869,21 @@
               <a:t>Group members</a:t>
             </a:r>
             <a:endParaRPr b="0" lang="en-US" sz="3600" spc="-1" strike="noStrike">
-              <a:solidFill>
-                <a:srgbClr val="000000"/>
-              </a:solidFill>
-              <a:latin typeface="Calibri"/>
-            </a:endParaRPr>
-          </a:p>
-        </p:txBody>
-      </p:sp>
-      <p:sp>
-        <p:nvSpPr>
-          <p:cNvPr id="166" name="TextShape 2"/>
-          <p:cNvSpPr txBox="1"/>
+              <a:latin typeface="Arial"/>
+            </a:endParaRPr>
+          </a:p>
+        </p:txBody>
+      </p:sp>
+      <p:sp>
+        <p:nvSpPr>
+          <p:cNvPr id="157" name="CustomShape 2"/>
+          <p:cNvSpPr/>
           <p:nvPr/>
         </p:nvSpPr>
         <p:spPr>
           <a:xfrm>
             <a:off x="2433960" y="1502640"/>
-            <a:ext cx="6260400" cy="3206520"/>
+            <a:ext cx="6260040" cy="3206160"/>
           </a:xfrm>
           <a:prstGeom prst="rect">
             <a:avLst/>
@@ -7310,12 +6893,18 @@
             <a:noFill/>
           </a:ln>
         </p:spPr>
-        <p:txBody>
-          <a:bodyPr>
-            <a:normAutofit/>
-          </a:bodyPr>
-          <a:p>
-            <a:pPr marL="343080" indent="-342720">
+        <p:style>
+          <a:lnRef idx="0"/>
+          <a:fillRef idx="0"/>
+          <a:effectRef idx="0"/>
+          <a:fontRef idx="minor"/>
+        </p:style>
+        <p:txBody>
+          <a:bodyPr lIns="90000" rIns="90000" tIns="45000" bIns="45000">
+            <a:normAutofit/>
+          </a:bodyPr>
+          <a:p>
+            <a:pPr marL="343080" indent="-342360">
               <a:lnSpc>
                 <a:spcPct val="100000"/>
               </a:lnSpc>
@@ -7338,14 +6927,11 @@
               <a:t>Mahdi </a:t>
             </a:r>
             <a:endParaRPr b="0" lang="en-US" sz="2800" spc="-1" strike="noStrike">
-              <a:solidFill>
-                <a:srgbClr val="000000"/>
-              </a:solidFill>
-              <a:latin typeface="Calibri"/>
-            </a:endParaRPr>
-          </a:p>
-          <a:p>
-            <a:pPr marL="343080" indent="-342720">
+              <a:latin typeface="Arial"/>
+            </a:endParaRPr>
+          </a:p>
+          <a:p>
+            <a:pPr marL="343080" indent="-342360">
               <a:lnSpc>
                 <a:spcPct val="100000"/>
               </a:lnSpc>
@@ -7368,14 +6954,11 @@
               <a:t>Samiullah Wardak</a:t>
             </a:r>
             <a:endParaRPr b="0" lang="en-US" sz="2800" spc="-1" strike="noStrike">
-              <a:solidFill>
-                <a:srgbClr val="000000"/>
-              </a:solidFill>
-              <a:latin typeface="Calibri"/>
-            </a:endParaRPr>
-          </a:p>
-          <a:p>
-            <a:pPr marL="343080" indent="-342720">
+              <a:latin typeface="Arial"/>
+            </a:endParaRPr>
+          </a:p>
+          <a:p>
+            <a:pPr marL="343080" indent="-342360">
               <a:lnSpc>
                 <a:spcPct val="100000"/>
               </a:lnSpc>
@@ -7398,14 +6981,11 @@
               <a:t>Atiqullah Hamraz</a:t>
             </a:r>
             <a:endParaRPr b="0" lang="en-US" sz="2800" spc="-1" strike="noStrike">
-              <a:solidFill>
-                <a:srgbClr val="000000"/>
-              </a:solidFill>
-              <a:latin typeface="Calibri"/>
-            </a:endParaRPr>
-          </a:p>
-          <a:p>
-            <a:pPr marL="343080" indent="-342720">
+              <a:latin typeface="Arial"/>
+            </a:endParaRPr>
+          </a:p>
+          <a:p>
+            <a:pPr marL="343080" indent="-342360">
               <a:lnSpc>
                 <a:spcPct val="100000"/>
               </a:lnSpc>
@@ -7428,14 +7008,11 @@
               <a:t>Baha-ul-haq Sharifi</a:t>
             </a:r>
             <a:endParaRPr b="0" lang="en-US" sz="2800" spc="-1" strike="noStrike">
-              <a:solidFill>
-                <a:srgbClr val="000000"/>
-              </a:solidFill>
-              <a:latin typeface="Calibri"/>
-            </a:endParaRPr>
-          </a:p>
-          <a:p>
-            <a:pPr marL="343080" indent="-342720">
+              <a:latin typeface="Arial"/>
+            </a:endParaRPr>
+          </a:p>
+          <a:p>
+            <a:pPr marL="343080" indent="-342360">
               <a:lnSpc>
                 <a:spcPct val="100000"/>
               </a:lnSpc>
@@ -7458,10 +7035,7 @@
               <a:t>Hedayatullah Nekzad</a:t>
             </a:r>
             <a:endParaRPr b="0" lang="en-US" sz="2800" spc="-1" strike="noStrike">
-              <a:solidFill>
-                <a:srgbClr val="000000"/>
-              </a:solidFill>
-              <a:latin typeface="Calibri"/>
+              <a:latin typeface="Arial"/>
             </a:endParaRPr>
           </a:p>
           <a:p>
@@ -7474,10 +7048,7 @@
               </a:spcBef>
             </a:pPr>
             <a:endParaRPr b="0" lang="en-US" sz="2800" spc="-1" strike="noStrike">
-              <a:solidFill>
-                <a:srgbClr val="000000"/>
-              </a:solidFill>
-              <a:latin typeface="Calibri"/>
+              <a:latin typeface="Arial"/>
             </a:endParaRPr>
           </a:p>
           <a:p>
@@ -7490,10 +7061,7 @@
               </a:spcBef>
             </a:pPr>
             <a:endParaRPr b="0" lang="en-US" sz="2800" spc="-1" strike="noStrike">
-              <a:solidFill>
-                <a:srgbClr val="000000"/>
-              </a:solidFill>
-              <a:latin typeface="Calibri"/>
+              <a:latin typeface="Arial"/>
             </a:endParaRPr>
           </a:p>
           <a:p>
@@ -7506,10 +7074,7 @@
               </a:spcBef>
             </a:pPr>
             <a:endParaRPr b="0" lang="en-US" sz="2800" spc="-1" strike="noStrike">
-              <a:solidFill>
-                <a:srgbClr val="000000"/>
-              </a:solidFill>
-              <a:latin typeface="Calibri"/>
+              <a:latin typeface="Arial"/>
             </a:endParaRPr>
           </a:p>
         </p:txBody>
@@ -7546,14 +7111,14 @@
       </p:grpSpPr>
       <p:sp>
         <p:nvSpPr>
-          <p:cNvPr id="167" name="TextShape 1"/>
-          <p:cNvSpPr txBox="1"/>
+          <p:cNvPr id="158" name="CustomShape 1"/>
+          <p:cNvSpPr/>
           <p:nvPr/>
         </p:nvSpPr>
         <p:spPr>
           <a:xfrm>
             <a:off x="448920" y="586440"/>
-            <a:ext cx="8245800" cy="763200"/>
+            <a:ext cx="8245440" cy="762840"/>
           </a:xfrm>
           <a:prstGeom prst="rect">
             <a:avLst/>
@@ -7563,8 +7128,14 @@
             <a:noFill/>
           </a:ln>
         </p:spPr>
-        <p:txBody>
-          <a:bodyPr anchor="ctr">
+        <p:style>
+          <a:lnRef idx="0"/>
+          <a:fillRef idx="0"/>
+          <a:effectRef idx="0"/>
+          <a:fontRef idx="minor"/>
+        </p:style>
+        <p:txBody>
+          <a:bodyPr lIns="90000" rIns="90000" tIns="45000" bIns="45000" anchor="ctr">
             <a:normAutofit/>
           </a:bodyPr>
           <a:p>
@@ -7583,24 +7154,21 @@
               <a:t>History of Active Directory</a:t>
             </a:r>
             <a:endParaRPr b="0" lang="en-US" sz="3600" spc="-1" strike="noStrike">
-              <a:solidFill>
-                <a:srgbClr val="000000"/>
-              </a:solidFill>
-              <a:latin typeface="Calibri"/>
-            </a:endParaRPr>
-          </a:p>
-        </p:txBody>
-      </p:sp>
-      <p:sp>
-        <p:nvSpPr>
-          <p:cNvPr id="168" name="TextShape 2"/>
-          <p:cNvSpPr txBox="1"/>
+              <a:latin typeface="Arial"/>
+            </a:endParaRPr>
+          </a:p>
+        </p:txBody>
+      </p:sp>
+      <p:sp>
+        <p:nvSpPr>
+          <p:cNvPr id="159" name="CustomShape 2"/>
+          <p:cNvSpPr/>
           <p:nvPr/>
         </p:nvSpPr>
         <p:spPr>
           <a:xfrm>
             <a:off x="448920" y="1502640"/>
-            <a:ext cx="8245800" cy="3206520"/>
+            <a:ext cx="8245440" cy="3206160"/>
           </a:xfrm>
           <a:prstGeom prst="rect">
             <a:avLst/>
@@ -7610,12 +7178,18 @@
             <a:noFill/>
           </a:ln>
         </p:spPr>
-        <p:txBody>
-          <a:bodyPr>
+        <p:style>
+          <a:lnRef idx="0"/>
+          <a:fillRef idx="0"/>
+          <a:effectRef idx="0"/>
+          <a:fontRef idx="minor"/>
+        </p:style>
+        <p:txBody>
+          <a:bodyPr lIns="90000" rIns="90000" tIns="45000" bIns="45000">
             <a:noAutofit/>
           </a:bodyPr>
           <a:p>
-            <a:pPr marL="343080" indent="-342720">
+            <a:pPr marL="343080" indent="-342360">
               <a:lnSpc>
                 <a:spcPct val="100000"/>
               </a:lnSpc>
@@ -7638,14 +7212,11 @@
               <a:t>Microsoft previewed Active Directory in 1999, released it first with Windows 2000 Server.</a:t>
             </a:r>
             <a:endParaRPr b="0" lang="en-US" sz="2800" spc="-1" strike="noStrike">
-              <a:solidFill>
-                <a:srgbClr val="000000"/>
-              </a:solidFill>
-              <a:latin typeface="Calibri"/>
-            </a:endParaRPr>
-          </a:p>
-          <a:p>
-            <a:pPr marL="343080" indent="-342720">
+              <a:latin typeface="Arial"/>
+            </a:endParaRPr>
+          </a:p>
+          <a:p>
+            <a:pPr marL="343080" indent="-342360">
               <a:lnSpc>
                 <a:spcPct val="100000"/>
               </a:lnSpc>
@@ -7731,10 +7302,7 @@
               <a:t>unsupported.</a:t>
             </a:r>
             <a:endParaRPr b="0" lang="en-US" sz="2800" spc="-1" strike="noStrike">
-              <a:solidFill>
-                <a:srgbClr val="000000"/>
-              </a:solidFill>
-              <a:latin typeface="Calibri"/>
+              <a:latin typeface="Arial"/>
             </a:endParaRPr>
           </a:p>
         </p:txBody>
@@ -7771,14 +7339,14 @@
       </p:grpSpPr>
       <p:sp>
         <p:nvSpPr>
-          <p:cNvPr id="169" name="TextShape 1"/>
-          <p:cNvSpPr txBox="1"/>
+          <p:cNvPr id="160" name="CustomShape 1"/>
+          <p:cNvSpPr/>
           <p:nvPr/>
         </p:nvSpPr>
         <p:spPr>
           <a:xfrm>
             <a:off x="448920" y="586440"/>
-            <a:ext cx="8245800" cy="763200"/>
+            <a:ext cx="8245440" cy="762840"/>
           </a:xfrm>
           <a:prstGeom prst="rect">
             <a:avLst/>
@@ -7788,8 +7356,14 @@
             <a:noFill/>
           </a:ln>
         </p:spPr>
-        <p:txBody>
-          <a:bodyPr anchor="ctr">
+        <p:style>
+          <a:lnRef idx="0"/>
+          <a:fillRef idx="0"/>
+          <a:effectRef idx="0"/>
+          <a:fontRef idx="minor"/>
+        </p:style>
+        <p:txBody>
+          <a:bodyPr lIns="90000" rIns="90000" tIns="45000" bIns="45000" anchor="ctr">
             <a:noAutofit/>
           </a:bodyPr>
           <a:p>
@@ -7808,24 +7382,21 @@
               <a:t>Active Directory (AD)</a:t>
             </a:r>
             <a:endParaRPr b="0" lang="en-US" sz="3600" spc="-1" strike="noStrike">
-              <a:solidFill>
-                <a:srgbClr val="000000"/>
-              </a:solidFill>
-              <a:latin typeface="Calibri"/>
-            </a:endParaRPr>
-          </a:p>
-        </p:txBody>
-      </p:sp>
-      <p:sp>
-        <p:nvSpPr>
-          <p:cNvPr id="170" name="TextShape 2"/>
-          <p:cNvSpPr txBox="1"/>
+              <a:latin typeface="Arial"/>
+            </a:endParaRPr>
+          </a:p>
+        </p:txBody>
+      </p:sp>
+      <p:sp>
+        <p:nvSpPr>
+          <p:cNvPr id="161" name="CustomShape 2"/>
+          <p:cNvSpPr/>
           <p:nvPr/>
         </p:nvSpPr>
         <p:spPr>
           <a:xfrm>
             <a:off x="448920" y="1502640"/>
-            <a:ext cx="8245800" cy="3206520"/>
+            <a:ext cx="8245440" cy="3206160"/>
           </a:xfrm>
           <a:prstGeom prst="rect">
             <a:avLst/>
@@ -7835,12 +7406,18 @@
             <a:noFill/>
           </a:ln>
         </p:spPr>
-        <p:txBody>
-          <a:bodyPr>
+        <p:style>
+          <a:lnRef idx="0"/>
+          <a:fillRef idx="0"/>
+          <a:effectRef idx="0"/>
+          <a:fontRef idx="minor"/>
+        </p:style>
+        <p:txBody>
+          <a:bodyPr lIns="90000" rIns="90000" tIns="45000" bIns="45000">
             <a:noAutofit/>
           </a:bodyPr>
           <a:p>
-            <a:pPr marL="343080" indent="-342720">
+            <a:pPr marL="343080" indent="-342360">
               <a:lnSpc>
                 <a:spcPct val="100000"/>
               </a:lnSpc>
@@ -7863,14 +7440,11 @@
               <a:t>AD is a directory service that runs on MS Windows Server</a:t>
             </a:r>
             <a:endParaRPr b="0" lang="en-US" sz="2800" spc="-1" strike="noStrike">
-              <a:solidFill>
-                <a:srgbClr val="000000"/>
-              </a:solidFill>
-              <a:latin typeface="Calibri"/>
-            </a:endParaRPr>
-          </a:p>
-          <a:p>
-            <a:pPr marL="343080" indent="-342720">
+              <a:latin typeface="Arial"/>
+            </a:endParaRPr>
+          </a:p>
+          <a:p>
+            <a:pPr marL="343080" indent="-342360">
               <a:lnSpc>
                 <a:spcPct val="100000"/>
               </a:lnSpc>
@@ -7893,14 +7467,11 @@
               <a:t>It enables administrators to manage permissions and control access to network resources</a:t>
             </a:r>
             <a:endParaRPr b="0" lang="en-US" sz="2800" spc="-1" strike="noStrike">
-              <a:solidFill>
-                <a:srgbClr val="000000"/>
-              </a:solidFill>
-              <a:latin typeface="Calibri"/>
-            </a:endParaRPr>
-          </a:p>
-          <a:p>
-            <a:pPr marL="343080" indent="-342720">
+              <a:latin typeface="Arial"/>
+            </a:endParaRPr>
+          </a:p>
+          <a:p>
+            <a:pPr marL="343080" indent="-342360">
               <a:lnSpc>
                 <a:spcPct val="100000"/>
               </a:lnSpc>
@@ -7923,10 +7494,7 @@
               <a:t>In AD data is stored in objects</a:t>
             </a:r>
             <a:endParaRPr b="0" lang="en-US" sz="2800" spc="-1" strike="noStrike">
-              <a:solidFill>
-                <a:srgbClr val="000000"/>
-              </a:solidFill>
-              <a:latin typeface="Calibri"/>
+              <a:latin typeface="Arial"/>
             </a:endParaRPr>
           </a:p>
           <a:p>
@@ -7939,10 +7507,7 @@
               </a:spcBef>
             </a:pPr>
             <a:endParaRPr b="0" lang="en-US" sz="2800" spc="-1" strike="noStrike">
-              <a:solidFill>
-                <a:srgbClr val="000000"/>
-              </a:solidFill>
-              <a:latin typeface="Calibri"/>
+              <a:latin typeface="Arial"/>
             </a:endParaRPr>
           </a:p>
         </p:txBody>
@@ -7979,14 +7544,14 @@
       </p:grpSpPr>
       <p:sp>
         <p:nvSpPr>
-          <p:cNvPr id="171" name="CustomShape 1"/>
+          <p:cNvPr id="162" name="CustomShape 1"/>
           <p:cNvSpPr/>
           <p:nvPr/>
         </p:nvSpPr>
         <p:spPr>
           <a:xfrm>
             <a:off x="448920" y="586440"/>
-            <a:ext cx="8245440" cy="915480"/>
+            <a:ext cx="8245080" cy="915120"/>
           </a:xfrm>
           <a:prstGeom prst="rect">
             <a:avLst/>
@@ -8018,6 +7583,7 @@
                   <a:srgbClr val="7030a0"/>
                 </a:solidFill>
                 <a:latin typeface="Calibri"/>
+                <a:ea typeface="DejaVu Sans"/>
               </a:rPr>
               <a:t>Objects includes</a:t>
             </a:r>
@@ -8029,14 +7595,14 @@
       </p:sp>
       <p:sp>
         <p:nvSpPr>
-          <p:cNvPr id="172" name="CustomShape 2"/>
+          <p:cNvPr id="163" name="CustomShape 2"/>
           <p:cNvSpPr/>
           <p:nvPr/>
         </p:nvSpPr>
         <p:spPr>
           <a:xfrm>
             <a:off x="444240" y="1655640"/>
-            <a:ext cx="8245440" cy="3206160"/>
+            <a:ext cx="8245080" cy="3205800"/>
           </a:xfrm>
           <a:prstGeom prst="rect">
             <a:avLst/>
@@ -8057,7 +7623,7 @@
             <a:noAutofit/>
           </a:bodyPr>
           <a:p>
-            <a:pPr marL="343080" indent="-342360">
+            <a:pPr marL="343080" indent="-342000">
               <a:lnSpc>
                 <a:spcPct val="100000"/>
               </a:lnSpc>
@@ -8076,6 +7642,7 @@
                   <a:srgbClr val="002060"/>
                 </a:solidFill>
                 <a:latin typeface="Calibri"/>
+                <a:ea typeface="DejaVu Sans"/>
               </a:rPr>
               <a:t>Users</a:t>
             </a:r>
@@ -8084,7 +7651,7 @@
             </a:endParaRPr>
           </a:p>
           <a:p>
-            <a:pPr marL="343080" indent="-342360">
+            <a:pPr marL="343080" indent="-342000">
               <a:lnSpc>
                 <a:spcPct val="100000"/>
               </a:lnSpc>
@@ -8103,15 +7670,16 @@
                   <a:srgbClr val="002060"/>
                 </a:solidFill>
                 <a:latin typeface="Calibri"/>
+                <a:ea typeface="DejaVu Sans"/>
               </a:rPr>
-              <a:t>Groups</a:t>
+              <a:t>Applications</a:t>
             </a:r>
             <a:endParaRPr b="0" lang="en-US" sz="2800" spc="-1" strike="noStrike">
               <a:latin typeface="Arial"/>
             </a:endParaRPr>
           </a:p>
           <a:p>
-            <a:pPr marL="343080" indent="-342360">
+            <a:pPr marL="343080" indent="-342000">
               <a:lnSpc>
                 <a:spcPct val="100000"/>
               </a:lnSpc>
@@ -8130,15 +7698,16 @@
                   <a:srgbClr val="002060"/>
                 </a:solidFill>
                 <a:latin typeface="Calibri"/>
+                <a:ea typeface="DejaVu Sans"/>
               </a:rPr>
-              <a:t>Applications</a:t>
+              <a:t>Devices</a:t>
             </a:r>
             <a:endParaRPr b="0" lang="en-US" sz="2800" spc="-1" strike="noStrike">
               <a:latin typeface="Arial"/>
             </a:endParaRPr>
           </a:p>
           <a:p>
-            <a:pPr marL="343080" indent="-342360">
+            <a:pPr marL="343080" indent="-342000">
               <a:lnSpc>
                 <a:spcPct val="100000"/>
               </a:lnSpc>
@@ -8157,33 +7726,7 @@
                   <a:srgbClr val="002060"/>
                 </a:solidFill>
                 <a:latin typeface="Calibri"/>
-              </a:rPr>
-              <a:t>Devices</a:t>
-            </a:r>
-            <a:endParaRPr b="0" lang="en-US" sz="2800" spc="-1" strike="noStrike">
-              <a:latin typeface="Arial"/>
-            </a:endParaRPr>
-          </a:p>
-          <a:p>
-            <a:pPr marL="343080" indent="-342360">
-              <a:lnSpc>
-                <a:spcPct val="100000"/>
-              </a:lnSpc>
-              <a:spcBef>
-                <a:spcPts val="561"/>
-              </a:spcBef>
-              <a:buClr>
-                <a:srgbClr val="002060"/>
-              </a:buClr>
-              <a:buFont typeface="Arial"/>
-              <a:buChar char="•"/>
-            </a:pPr>
-            <a:r>
-              <a:rPr b="0" lang="en-US" sz="2800" spc="-1" strike="noStrike">
-                <a:solidFill>
-                  <a:srgbClr val="002060"/>
-                </a:solidFill>
-                <a:latin typeface="Calibri"/>
+                <a:ea typeface="DejaVu Sans"/>
               </a:rPr>
               <a:t>Which categorized according to their name add attributes</a:t>
             </a:r>
@@ -8225,14 +7768,14 @@
       </p:grpSpPr>
       <p:sp>
         <p:nvSpPr>
-          <p:cNvPr id="173" name="CustomShape 1"/>
+          <p:cNvPr id="164" name="CustomShape 1"/>
           <p:cNvSpPr/>
           <p:nvPr/>
         </p:nvSpPr>
         <p:spPr>
           <a:xfrm>
             <a:off x="448920" y="586440"/>
-            <a:ext cx="8245440" cy="762840"/>
+            <a:ext cx="8245080" cy="762480"/>
           </a:xfrm>
           <a:prstGeom prst="rect">
             <a:avLst/>
@@ -8264,6 +7807,7 @@
                   <a:srgbClr val="7030a0"/>
                 </a:solidFill>
                 <a:latin typeface="Calibri"/>
+                <a:ea typeface="DejaVu Sans"/>
               </a:rPr>
               <a:t>Domain Controller</a:t>
             </a:r>
@@ -8275,14 +7819,14 @@
       </p:sp>
       <p:sp>
         <p:nvSpPr>
-          <p:cNvPr id="174" name="CustomShape 2"/>
+          <p:cNvPr id="165" name="CustomShape 2"/>
           <p:cNvSpPr/>
           <p:nvPr/>
         </p:nvSpPr>
         <p:spPr>
           <a:xfrm>
             <a:off x="448920" y="1502640"/>
-            <a:ext cx="8245440" cy="3206160"/>
+            <a:ext cx="8245080" cy="3205800"/>
           </a:xfrm>
           <a:prstGeom prst="rect">
             <a:avLst/>
@@ -8303,7 +7847,7 @@
             <a:normAutofit fontScale="70000"/>
           </a:bodyPr>
           <a:p>
-            <a:pPr marL="343080" indent="-342360">
+            <a:pPr marL="343080" indent="-342000">
               <a:lnSpc>
                 <a:spcPct val="100000"/>
               </a:lnSpc>
@@ -8322,6 +7866,7 @@
                   <a:srgbClr val="002060"/>
                 </a:solidFill>
                 <a:latin typeface="Calibri"/>
+                <a:ea typeface="DejaVu Sans"/>
               </a:rPr>
               <a:t>A server running the AD </a:t>
             </a:r>
@@ -8331,6 +7876,7 @@
                   <a:srgbClr val="002060"/>
                 </a:solidFill>
                 <a:latin typeface="Calibri"/>
+                <a:ea typeface="DejaVu Sans"/>
               </a:rPr>
               <a:t>Domain Service</a:t>
             </a:r>
@@ -8340,6 +7886,7 @@
                   <a:srgbClr val="002060"/>
                 </a:solidFill>
                 <a:latin typeface="Calibri"/>
+                <a:ea typeface="DejaVu Sans"/>
               </a:rPr>
               <a:t> (</a:t>
             </a:r>
@@ -8349,6 +7896,7 @@
                   <a:srgbClr val="002060"/>
                 </a:solidFill>
                 <a:latin typeface="Calibri"/>
+                <a:ea typeface="DejaVu Sans"/>
               </a:rPr>
               <a:t>AD DS</a:t>
             </a:r>
@@ -8358,6 +7906,7 @@
                   <a:srgbClr val="002060"/>
                 </a:solidFill>
                 <a:latin typeface="Calibri"/>
+                <a:ea typeface="DejaVu Sans"/>
               </a:rPr>
               <a:t>) role is called a </a:t>
             </a:r>
@@ -8367,6 +7916,7 @@
                   <a:srgbClr val="002060"/>
                 </a:solidFill>
                 <a:latin typeface="Calibri"/>
+                <a:ea typeface="DejaVu Sans"/>
               </a:rPr>
               <a:t>domain controller</a:t>
             </a:r>
@@ -8376,6 +7926,7 @@
                   <a:srgbClr val="002060"/>
                 </a:solidFill>
                 <a:latin typeface="Calibri"/>
+                <a:ea typeface="DejaVu Sans"/>
               </a:rPr>
               <a:t>.</a:t>
             </a:r>
@@ -8384,7 +7935,7 @@
             </a:endParaRPr>
           </a:p>
           <a:p>
-            <a:pPr marL="343080" indent="-342360">
+            <a:pPr marL="343080" indent="-342000">
               <a:lnSpc>
                 <a:spcPct val="100000"/>
               </a:lnSpc>
@@ -8403,6 +7954,7 @@
                   <a:srgbClr val="002060"/>
                 </a:solidFill>
                 <a:latin typeface="Calibri"/>
+                <a:ea typeface="DejaVu Sans"/>
               </a:rPr>
               <a:t>It authenticates and authorizes all users and computers.</a:t>
             </a:r>
@@ -8411,7 +7963,7 @@
             </a:endParaRPr>
           </a:p>
           <a:p>
-            <a:pPr marL="343080" indent="-342360">
+            <a:pPr marL="343080" indent="-342000">
               <a:lnSpc>
                 <a:spcPct val="100000"/>
               </a:lnSpc>
@@ -8430,6 +7982,7 @@
                   <a:srgbClr val="002060"/>
                 </a:solidFill>
                 <a:latin typeface="Calibri"/>
+                <a:ea typeface="DejaVu Sans"/>
               </a:rPr>
               <a:t>A domain controller is contacted when a user logs into a device.</a:t>
             </a:r>
@@ -8438,7 +7991,7 @@
             </a:endParaRPr>
           </a:p>
           <a:p>
-            <a:pPr marL="343080" indent="-342360">
+            <a:pPr marL="343080" indent="-342000">
               <a:lnSpc>
                 <a:spcPct val="100000"/>
               </a:lnSpc>
@@ -8457,6 +8010,7 @@
                   <a:srgbClr val="002060"/>
                 </a:solidFill>
                 <a:latin typeface="Calibri"/>
+                <a:ea typeface="DejaVu Sans"/>
               </a:rPr>
               <a:t>OR accesses another device across the network.</a:t>
             </a:r>
@@ -8511,14 +8065,14 @@
       </p:grpSpPr>
       <p:sp>
         <p:nvSpPr>
-          <p:cNvPr id="175" name="CustomShape 1"/>
+          <p:cNvPr id="166" name="CustomShape 1"/>
           <p:cNvSpPr/>
           <p:nvPr/>
         </p:nvSpPr>
         <p:spPr>
           <a:xfrm>
             <a:off x="448920" y="586440"/>
-            <a:ext cx="8245440" cy="762840"/>
+            <a:ext cx="8245080" cy="762480"/>
           </a:xfrm>
           <a:prstGeom prst="rect">
             <a:avLst/>
@@ -8550,6 +8104,7 @@
                   <a:srgbClr val="7030a0"/>
                 </a:solidFill>
                 <a:latin typeface="Calibri"/>
+                <a:ea typeface="DejaVu Sans"/>
               </a:rPr>
               <a:t>Domain Services</a:t>
             </a:r>
@@ -8561,14 +8116,14 @@
       </p:sp>
       <p:sp>
         <p:nvSpPr>
-          <p:cNvPr id="176" name="CustomShape 2"/>
+          <p:cNvPr id="167" name="CustomShape 2"/>
           <p:cNvSpPr/>
           <p:nvPr/>
         </p:nvSpPr>
         <p:spPr>
           <a:xfrm>
             <a:off x="448920" y="1502640"/>
-            <a:ext cx="8245440" cy="3206160"/>
+            <a:ext cx="8245080" cy="3205800"/>
           </a:xfrm>
           <a:prstGeom prst="rect">
             <a:avLst/>
@@ -8589,7 +8144,7 @@
             <a:noAutofit/>
           </a:bodyPr>
           <a:p>
-            <a:pPr marL="343080" indent="-342360">
+            <a:pPr marL="343080" indent="-342000">
               <a:lnSpc>
                 <a:spcPct val="100000"/>
               </a:lnSpc>
@@ -8608,6 +8163,7 @@
                   <a:srgbClr val="002060"/>
                 </a:solidFill>
                 <a:latin typeface="Calibri"/>
+                <a:ea typeface="DejaVu Sans"/>
               </a:rPr>
               <a:t>Active Directory Domain Services (AD DS) is the foundation stone of every Windows domain network.</a:t>
             </a:r>
@@ -8616,7 +8172,7 @@
             </a:endParaRPr>
           </a:p>
           <a:p>
-            <a:pPr marL="343080" indent="-342360">
+            <a:pPr marL="343080" indent="-342000">
               <a:lnSpc>
                 <a:spcPct val="100000"/>
               </a:lnSpc>
@@ -8635,6 +8191,7 @@
                   <a:srgbClr val="002060"/>
                 </a:solidFill>
                 <a:latin typeface="Calibri"/>
+                <a:ea typeface="DejaVu Sans"/>
               </a:rPr>
               <a:t>It stores information about members of the domain.</a:t>
             </a:r>
@@ -8643,7 +8200,7 @@
             </a:endParaRPr>
           </a:p>
           <a:p>
-            <a:pPr marL="343080" indent="-342360">
+            <a:pPr marL="343080" indent="-342000">
               <a:lnSpc>
                 <a:spcPct val="100000"/>
               </a:lnSpc>
@@ -8662,6 +8219,7 @@
                   <a:srgbClr val="002060"/>
                 </a:solidFill>
                 <a:latin typeface="Calibri"/>
+                <a:ea typeface="DejaVu Sans"/>
               </a:rPr>
               <a:t>Defines their access rights.</a:t>
             </a:r>
@@ -8670,7 +8228,7 @@
             </a:endParaRPr>
           </a:p>
           <a:p>
-            <a:pPr marL="343080" indent="-342360">
+            <a:pPr marL="343080" indent="-342000">
               <a:lnSpc>
                 <a:spcPct val="100000"/>
               </a:lnSpc>
@@ -8689,6 +8247,7 @@
                   <a:srgbClr val="002060"/>
                 </a:solidFill>
                 <a:latin typeface="Calibri"/>
+                <a:ea typeface="DejaVu Sans"/>
               </a:rPr>
               <a:t>The server running this service is called a </a:t>
             </a:r>
@@ -8698,6 +8257,7 @@
                   <a:srgbClr val="002060"/>
                 </a:solidFill>
                 <a:latin typeface="Calibri"/>
+                <a:ea typeface="DejaVu Sans"/>
               </a:rPr>
               <a:t>domain controller</a:t>
             </a:r>
@@ -8707,6 +8267,7 @@
                   <a:srgbClr val="002060"/>
                 </a:solidFill>
                 <a:latin typeface="Calibri"/>
+                <a:ea typeface="DejaVu Sans"/>
               </a:rPr>
               <a:t>. </a:t>
             </a:r>
@@ -8761,14 +8322,14 @@
       </p:grpSpPr>
       <p:sp>
         <p:nvSpPr>
-          <p:cNvPr id="177" name="CustomShape 1"/>
+          <p:cNvPr id="168" name="CustomShape 1"/>
           <p:cNvSpPr/>
           <p:nvPr/>
         </p:nvSpPr>
         <p:spPr>
           <a:xfrm>
             <a:off x="448920" y="586440"/>
-            <a:ext cx="8245440" cy="762840"/>
+            <a:ext cx="8245080" cy="762480"/>
           </a:xfrm>
           <a:prstGeom prst="rect">
             <a:avLst/>
@@ -8800,6 +8361,7 @@
                   <a:srgbClr val="7030a0"/>
                 </a:solidFill>
                 <a:latin typeface="Calibri"/>
+                <a:ea typeface="DejaVu Sans"/>
               </a:rPr>
               <a:t>Domain Services Examples</a:t>
             </a:r>
@@ -8811,14 +8373,14 @@
       </p:sp>
       <p:sp>
         <p:nvSpPr>
-          <p:cNvPr id="178" name="CustomShape 2"/>
+          <p:cNvPr id="169" name="CustomShape 2"/>
           <p:cNvSpPr/>
           <p:nvPr/>
         </p:nvSpPr>
         <p:spPr>
           <a:xfrm>
             <a:off x="448920" y="1502640"/>
-            <a:ext cx="8245440" cy="3206160"/>
+            <a:ext cx="8245080" cy="3205800"/>
           </a:xfrm>
           <a:prstGeom prst="rect">
             <a:avLst/>
@@ -8839,7 +8401,7 @@
             <a:noAutofit/>
           </a:bodyPr>
           <a:p>
-            <a:pPr marL="343080" indent="-342360">
+            <a:pPr marL="343080" indent="-342000">
               <a:lnSpc>
                 <a:spcPct val="100000"/>
               </a:lnSpc>
@@ -8858,6 +8420,7 @@
                   <a:srgbClr val="002060"/>
                 </a:solidFill>
                 <a:latin typeface="Calibri"/>
+                <a:ea typeface="DejaVu Sans"/>
               </a:rPr>
               <a:t>Group Policy</a:t>
             </a:r>
@@ -8866,7 +8429,7 @@
             </a:endParaRPr>
           </a:p>
           <a:p>
-            <a:pPr marL="343080" indent="-342360">
+            <a:pPr marL="343080" indent="-342000">
               <a:lnSpc>
                 <a:spcPct val="100000"/>
               </a:lnSpc>
@@ -8885,6 +8448,7 @@
                   <a:srgbClr val="002060"/>
                 </a:solidFill>
                 <a:latin typeface="Calibri"/>
+                <a:ea typeface="DejaVu Sans"/>
               </a:rPr>
               <a:t>Encrypting File System</a:t>
             </a:r>
@@ -8893,7 +8457,7 @@
             </a:endParaRPr>
           </a:p>
           <a:p>
-            <a:pPr marL="343080" indent="-342360">
+            <a:pPr marL="343080" indent="-342000">
               <a:lnSpc>
                 <a:spcPct val="100000"/>
               </a:lnSpc>
@@ -8912,6 +8476,7 @@
                   <a:srgbClr val="002060"/>
                 </a:solidFill>
                 <a:latin typeface="Calibri"/>
+                <a:ea typeface="DejaVu Sans"/>
               </a:rPr>
               <a:t>BitLocker</a:t>
             </a:r>
@@ -8920,7 +8485,7 @@
             </a:endParaRPr>
           </a:p>
           <a:p>
-            <a:pPr marL="343080" indent="-342360">
+            <a:pPr marL="343080" indent="-342000">
               <a:lnSpc>
                 <a:spcPct val="100000"/>
               </a:lnSpc>
@@ -8939,6 +8504,7 @@
                   <a:srgbClr val="002060"/>
                 </a:solidFill>
                 <a:latin typeface="Calibri"/>
+                <a:ea typeface="DejaVu Sans"/>
               </a:rPr>
               <a:t>Domain Name Services</a:t>
             </a:r>
@@ -8947,7 +8513,7 @@
             </a:endParaRPr>
           </a:p>
           <a:p>
-            <a:pPr marL="343080" indent="-342360">
+            <a:pPr marL="343080" indent="-342000">
               <a:lnSpc>
                 <a:spcPct val="100000"/>
               </a:lnSpc>
@@ -8966,6 +8532,7 @@
                   <a:srgbClr val="002060"/>
                 </a:solidFill>
                 <a:latin typeface="Calibri"/>
+                <a:ea typeface="DejaVu Sans"/>
               </a:rPr>
               <a:t>Remote Desktop Services</a:t>
             </a:r>

--- a/active.pptx
+++ b/active.pptx
@@ -7645,6 +7645,34 @@
                 <a:ea typeface="DejaVu Sans"/>
               </a:rPr>
               <a:t>Users</a:t>
+            </a:r>
+            <a:endParaRPr b="0" lang="en-US" sz="2800" spc="-1" strike="noStrike">
+              <a:latin typeface="Arial"/>
+            </a:endParaRPr>
+          </a:p>
+          <a:p>
+            <a:pPr marL="343080" indent="-342000">
+              <a:lnSpc>
+                <a:spcPct val="100000"/>
+              </a:lnSpc>
+              <a:spcBef>
+                <a:spcPts val="561"/>
+              </a:spcBef>
+              <a:buClr>
+                <a:srgbClr val="002060"/>
+              </a:buClr>
+              <a:buFont typeface="Arial"/>
+              <a:buChar char="•"/>
+            </a:pPr>
+            <a:r>
+              <a:rPr b="0" lang="en-US" sz="2800" spc="-1" strike="noStrike">
+                <a:solidFill>
+                  <a:srgbClr val="002060"/>
+                </a:solidFill>
+                <a:latin typeface="Calibri"/>
+                <a:ea typeface="DejaVu Sans"/>
+              </a:rPr>
+              <a:t>Groups </a:t>
             </a:r>
             <a:endParaRPr b="0" lang="en-US" sz="2800" spc="-1" strike="noStrike">
               <a:latin typeface="Arial"/>

--- a/active.pptx
+++ b/active.pptx
@@ -1,29 +1,125 @@
 
 <file path=ppt/presentation.xml><?xml version="1.0" encoding="utf-8"?>
-<p:presentation xmlns:a="http://schemas.openxmlformats.org/drawingml/2006/main" xmlns:p="http://schemas.openxmlformats.org/presentationml/2006/main" xmlns:r="http://schemas.openxmlformats.org/officeDocument/2006/relationships" xmlns:p14="http://schemas.microsoft.com/office/powerpoint/2010/main" xmlns:p15="http://schemas.microsoft.com/office/powerpoint/2012/main" xmlns:mc="http://schemas.openxmlformats.org/markup-compatibility/2006">
+<p:presentation xmlns:a="http://schemas.openxmlformats.org/drawingml/2006/main" xmlns:r="http://schemas.openxmlformats.org/officeDocument/2006/relationships" xmlns:p="http://schemas.openxmlformats.org/presentationml/2006/main">
   <p:sldMasterIdLst>
-    <p:sldMasterId id="2147483648" r:id="rId2"/>
-    <p:sldMasterId id="2147483661" r:id="rId3"/>
-    <p:sldMasterId id="2147483674" r:id="rId4"/>
-    <p:sldMasterId id="2147483687" r:id="rId5"/>
+    <p:sldMasterId id="2147483648" r:id="rId1"/>
+    <p:sldMasterId id="2147483661" r:id="rId2"/>
+    <p:sldMasterId id="2147483674" r:id="rId3"/>
+    <p:sldMasterId id="2147483687" r:id="rId4"/>
   </p:sldMasterIdLst>
   <p:sldIdLst>
-    <p:sldId id="256" r:id="rId6"/>
-    <p:sldId id="257" r:id="rId7"/>
-    <p:sldId id="258" r:id="rId8"/>
-    <p:sldId id="259" r:id="rId9"/>
-    <p:sldId id="260" r:id="rId10"/>
-    <p:sldId id="261" r:id="rId11"/>
-    <p:sldId id="262" r:id="rId12"/>
-    <p:sldId id="263" r:id="rId13"/>
+    <p:sldId id="256" r:id="rId5"/>
+    <p:sldId id="257" r:id="rId6"/>
+    <p:sldId id="258" r:id="rId7"/>
+    <p:sldId id="259" r:id="rId8"/>
+    <p:sldId id="260" r:id="rId9"/>
+    <p:sldId id="261" r:id="rId10"/>
+    <p:sldId id="262" r:id="rId11"/>
+    <p:sldId id="263" r:id="rId12"/>
+    <p:sldId id="264" r:id="rId13"/>
   </p:sldIdLst>
-  <p:sldSz cx="9144000" cy="5143500"/>
+  <p:sldSz cx="9144000" cy="5143500" type="screen16x9"/>
   <p:notesSz cx="7772400" cy="10058400"/>
+  <p:defaultTextStyle>
+    <a:defPPr>
+      <a:defRPr lang="en-US"/>
+    </a:defPPr>
+    <a:lvl1pPr marL="0" algn="l" defTabSz="914400" rtl="0" eaLnBrk="1" latinLnBrk="0" hangingPunct="1">
+      <a:defRPr sz="1800" kern="1200">
+        <a:solidFill>
+          <a:schemeClr val="tx1"/>
+        </a:solidFill>
+        <a:latin typeface="+mn-lt"/>
+        <a:ea typeface="+mn-ea"/>
+        <a:cs typeface="+mn-cs"/>
+      </a:defRPr>
+    </a:lvl1pPr>
+    <a:lvl2pPr marL="457200" algn="l" defTabSz="914400" rtl="0" eaLnBrk="1" latinLnBrk="0" hangingPunct="1">
+      <a:defRPr sz="1800" kern="1200">
+        <a:solidFill>
+          <a:schemeClr val="tx1"/>
+        </a:solidFill>
+        <a:latin typeface="+mn-lt"/>
+        <a:ea typeface="+mn-ea"/>
+        <a:cs typeface="+mn-cs"/>
+      </a:defRPr>
+    </a:lvl2pPr>
+    <a:lvl3pPr marL="914400" algn="l" defTabSz="914400" rtl="0" eaLnBrk="1" latinLnBrk="0" hangingPunct="1">
+      <a:defRPr sz="1800" kern="1200">
+        <a:solidFill>
+          <a:schemeClr val="tx1"/>
+        </a:solidFill>
+        <a:latin typeface="+mn-lt"/>
+        <a:ea typeface="+mn-ea"/>
+        <a:cs typeface="+mn-cs"/>
+      </a:defRPr>
+    </a:lvl3pPr>
+    <a:lvl4pPr marL="1371600" algn="l" defTabSz="914400" rtl="0" eaLnBrk="1" latinLnBrk="0" hangingPunct="1">
+      <a:defRPr sz="1800" kern="1200">
+        <a:solidFill>
+          <a:schemeClr val="tx1"/>
+        </a:solidFill>
+        <a:latin typeface="+mn-lt"/>
+        <a:ea typeface="+mn-ea"/>
+        <a:cs typeface="+mn-cs"/>
+      </a:defRPr>
+    </a:lvl4pPr>
+    <a:lvl5pPr marL="1828800" algn="l" defTabSz="914400" rtl="0" eaLnBrk="1" latinLnBrk="0" hangingPunct="1">
+      <a:defRPr sz="1800" kern="1200">
+        <a:solidFill>
+          <a:schemeClr val="tx1"/>
+        </a:solidFill>
+        <a:latin typeface="+mn-lt"/>
+        <a:ea typeface="+mn-ea"/>
+        <a:cs typeface="+mn-cs"/>
+      </a:defRPr>
+    </a:lvl5pPr>
+    <a:lvl6pPr marL="2286000" algn="l" defTabSz="914400" rtl="0" eaLnBrk="1" latinLnBrk="0" hangingPunct="1">
+      <a:defRPr sz="1800" kern="1200">
+        <a:solidFill>
+          <a:schemeClr val="tx1"/>
+        </a:solidFill>
+        <a:latin typeface="+mn-lt"/>
+        <a:ea typeface="+mn-ea"/>
+        <a:cs typeface="+mn-cs"/>
+      </a:defRPr>
+    </a:lvl6pPr>
+    <a:lvl7pPr marL="2743200" algn="l" defTabSz="914400" rtl="0" eaLnBrk="1" latinLnBrk="0" hangingPunct="1">
+      <a:defRPr sz="1800" kern="1200">
+        <a:solidFill>
+          <a:schemeClr val="tx1"/>
+        </a:solidFill>
+        <a:latin typeface="+mn-lt"/>
+        <a:ea typeface="+mn-ea"/>
+        <a:cs typeface="+mn-cs"/>
+      </a:defRPr>
+    </a:lvl7pPr>
+    <a:lvl8pPr marL="3200400" algn="l" defTabSz="914400" rtl="0" eaLnBrk="1" latinLnBrk="0" hangingPunct="1">
+      <a:defRPr sz="1800" kern="1200">
+        <a:solidFill>
+          <a:schemeClr val="tx1"/>
+        </a:solidFill>
+        <a:latin typeface="+mn-lt"/>
+        <a:ea typeface="+mn-ea"/>
+        <a:cs typeface="+mn-cs"/>
+      </a:defRPr>
+    </a:lvl8pPr>
+    <a:lvl9pPr marL="3657600" algn="l" defTabSz="914400" rtl="0" eaLnBrk="1" latinLnBrk="0" hangingPunct="1">
+      <a:defRPr sz="1800" kern="1200">
+        <a:solidFill>
+          <a:schemeClr val="tx1"/>
+        </a:solidFill>
+        <a:latin typeface="+mn-lt"/>
+        <a:ea typeface="+mn-ea"/>
+        <a:cs typeface="+mn-cs"/>
+      </a:defRPr>
+    </a:lvl9pPr>
+  </p:defaultTextStyle>
 </p:presentation>
 </file>
 
 <file path=ppt/slideLayouts/slideLayout1.xml><?xml version="1.0" encoding="utf-8"?>
-<p:sldLayout xmlns:a="http://schemas.openxmlformats.org/drawingml/2006/main" xmlns:p="http://schemas.openxmlformats.org/presentationml/2006/main" xmlns:r="http://schemas.openxmlformats.org/officeDocument/2006/relationships" xmlns:p14="http://schemas.microsoft.com/office/powerpoint/2010/main" xmlns:p15="http://schemas.microsoft.com/office/powerpoint/2012/main" xmlns:mc="http://schemas.openxmlformats.org/markup-compatibility/2006" type="blank" preserve="1">
+<p:sldLayout xmlns:a="http://schemas.openxmlformats.org/drawingml/2006/main" xmlns:r="http://schemas.openxmlformats.org/officeDocument/2006/relationships" xmlns:p="http://schemas.openxmlformats.org/presentationml/2006/main" type="blank" preserve="1">
   <p:cSld name="Blank Slide">
     <p:spTree>
       <p:nvGrpSpPr>
@@ -41,11 +137,14 @@
       </p:grpSpPr>
     </p:spTree>
   </p:cSld>
+  <p:clrMapOvr>
+    <a:masterClrMapping/>
+  </p:clrMapOvr>
 </p:sldLayout>
 </file>
 
 <file path=ppt/slideLayouts/slideLayout10.xml><?xml version="1.0" encoding="utf-8"?>
-<p:sldLayout xmlns:a="http://schemas.openxmlformats.org/drawingml/2006/main" xmlns:p="http://schemas.openxmlformats.org/presentationml/2006/main" xmlns:r="http://schemas.openxmlformats.org/officeDocument/2006/relationships" xmlns:p14="http://schemas.microsoft.com/office/powerpoint/2010/main" xmlns:p15="http://schemas.microsoft.com/office/powerpoint/2012/main" xmlns:mc="http://schemas.openxmlformats.org/markup-compatibility/2006" type="objOverTx" preserve="1">
+<p:sldLayout xmlns:a="http://schemas.openxmlformats.org/drawingml/2006/main" xmlns:r="http://schemas.openxmlformats.org/officeDocument/2006/relationships" xmlns:p="http://schemas.openxmlformats.org/presentationml/2006/main" type="objOverTx" preserve="1">
   <p:cSld name="Title, Content over Content">
     <p:spTree>
       <p:nvGrpSpPr>
@@ -81,12 +180,13 @@
           </a:prstGeom>
         </p:spPr>
         <p:txBody>
-          <a:bodyPr lIns="0" rIns="0" tIns="0" bIns="0" anchor="ctr">
+          <a:bodyPr lIns="0" tIns="0" rIns="0" bIns="0" anchor="ctr">
             <a:noAutofit/>
           </a:bodyPr>
+          <a:lstStyle/>
           <a:p>
             <a:pPr algn="ctr"/>
-            <a:endParaRPr b="0" lang="en-US" sz="4400" spc="-1" strike="noStrike">
+            <a:endParaRPr lang="en-US" sz="4400" b="0" strike="noStrike" spc="-1">
               <a:latin typeface="Arial"/>
             </a:endParaRPr>
           </a:p>
@@ -112,11 +212,12 @@
           </a:prstGeom>
         </p:spPr>
         <p:txBody>
-          <a:bodyPr lIns="0" rIns="0" tIns="0" bIns="0">
+          <a:bodyPr lIns="0" tIns="0" rIns="0" bIns="0">
             <a:normAutofit/>
           </a:bodyPr>
-          <a:p>
-            <a:endParaRPr b="0" lang="en-US" sz="3200" spc="-1" strike="noStrike">
+          <a:lstStyle/>
+          <a:p>
+            <a:endParaRPr lang="en-US" sz="3200" b="0" strike="noStrike" spc="-1">
               <a:latin typeface="Arial"/>
             </a:endParaRPr>
           </a:p>
@@ -142,11 +243,12 @@
           </a:prstGeom>
         </p:spPr>
         <p:txBody>
-          <a:bodyPr lIns="0" rIns="0" tIns="0" bIns="0">
+          <a:bodyPr lIns="0" tIns="0" rIns="0" bIns="0">
             <a:normAutofit/>
           </a:bodyPr>
-          <a:p>
-            <a:endParaRPr b="0" lang="en-US" sz="3200" spc="-1" strike="noStrike">
+          <a:lstStyle/>
+          <a:p>
+            <a:endParaRPr lang="en-US" sz="3200" b="0" strike="noStrike" spc="-1">
               <a:latin typeface="Arial"/>
             </a:endParaRPr>
           </a:p>
@@ -154,11 +256,14 @@
       </p:sp>
     </p:spTree>
   </p:cSld>
+  <p:clrMapOvr>
+    <a:masterClrMapping/>
+  </p:clrMapOvr>
 </p:sldLayout>
 </file>
 
 <file path=ppt/slideLayouts/slideLayout11.xml><?xml version="1.0" encoding="utf-8"?>
-<p:sldLayout xmlns:a="http://schemas.openxmlformats.org/drawingml/2006/main" xmlns:p="http://schemas.openxmlformats.org/presentationml/2006/main" xmlns:r="http://schemas.openxmlformats.org/officeDocument/2006/relationships" xmlns:p14="http://schemas.microsoft.com/office/powerpoint/2010/main" xmlns:p15="http://schemas.microsoft.com/office/powerpoint/2012/main" xmlns:mc="http://schemas.openxmlformats.org/markup-compatibility/2006" type="fourObj" preserve="1">
+<p:sldLayout xmlns:a="http://schemas.openxmlformats.org/drawingml/2006/main" xmlns:r="http://schemas.openxmlformats.org/officeDocument/2006/relationships" xmlns:p="http://schemas.openxmlformats.org/presentationml/2006/main" type="fourObj" preserve="1">
   <p:cSld name="Title, 4 Content">
     <p:spTree>
       <p:nvGrpSpPr>
@@ -194,12 +299,13 @@
           </a:prstGeom>
         </p:spPr>
         <p:txBody>
-          <a:bodyPr lIns="0" rIns="0" tIns="0" bIns="0" anchor="ctr">
+          <a:bodyPr lIns="0" tIns="0" rIns="0" bIns="0" anchor="ctr">
             <a:noAutofit/>
           </a:bodyPr>
+          <a:lstStyle/>
           <a:p>
             <a:pPr algn="ctr"/>
-            <a:endParaRPr b="0" lang="en-US" sz="4400" spc="-1" strike="noStrike">
+            <a:endParaRPr lang="en-US" sz="4400" b="0" strike="noStrike" spc="-1">
               <a:latin typeface="Arial"/>
             </a:endParaRPr>
           </a:p>
@@ -225,11 +331,12 @@
           </a:prstGeom>
         </p:spPr>
         <p:txBody>
-          <a:bodyPr lIns="0" rIns="0" tIns="0" bIns="0">
+          <a:bodyPr lIns="0" tIns="0" rIns="0" bIns="0">
             <a:normAutofit/>
           </a:bodyPr>
-          <a:p>
-            <a:endParaRPr b="0" lang="en-US" sz="3200" spc="-1" strike="noStrike">
+          <a:lstStyle/>
+          <a:p>
+            <a:endParaRPr lang="en-US" sz="3200" b="0" strike="noStrike" spc="-1">
               <a:latin typeface="Arial"/>
             </a:endParaRPr>
           </a:p>
@@ -255,11 +362,12 @@
           </a:prstGeom>
         </p:spPr>
         <p:txBody>
-          <a:bodyPr lIns="0" rIns="0" tIns="0" bIns="0">
+          <a:bodyPr lIns="0" tIns="0" rIns="0" bIns="0">
             <a:normAutofit/>
           </a:bodyPr>
-          <a:p>
-            <a:endParaRPr b="0" lang="en-US" sz="3200" spc="-1" strike="noStrike">
+          <a:lstStyle/>
+          <a:p>
+            <a:endParaRPr lang="en-US" sz="3200" b="0" strike="noStrike" spc="-1">
               <a:latin typeface="Arial"/>
             </a:endParaRPr>
           </a:p>
@@ -285,11 +393,12 @@
           </a:prstGeom>
         </p:spPr>
         <p:txBody>
-          <a:bodyPr lIns="0" rIns="0" tIns="0" bIns="0">
+          <a:bodyPr lIns="0" tIns="0" rIns="0" bIns="0">
             <a:normAutofit/>
           </a:bodyPr>
-          <a:p>
-            <a:endParaRPr b="0" lang="en-US" sz="3200" spc="-1" strike="noStrike">
+          <a:lstStyle/>
+          <a:p>
+            <a:endParaRPr lang="en-US" sz="3200" b="0" strike="noStrike" spc="-1">
               <a:latin typeface="Arial"/>
             </a:endParaRPr>
           </a:p>
@@ -315,11 +424,12 @@
           </a:prstGeom>
         </p:spPr>
         <p:txBody>
-          <a:bodyPr lIns="0" rIns="0" tIns="0" bIns="0">
+          <a:bodyPr lIns="0" tIns="0" rIns="0" bIns="0">
             <a:normAutofit/>
           </a:bodyPr>
-          <a:p>
-            <a:endParaRPr b="0" lang="en-US" sz="3200" spc="-1" strike="noStrike">
+          <a:lstStyle/>
+          <a:p>
+            <a:endParaRPr lang="en-US" sz="3200" b="0" strike="noStrike" spc="-1">
               <a:latin typeface="Arial"/>
             </a:endParaRPr>
           </a:p>
@@ -327,11 +437,14 @@
       </p:sp>
     </p:spTree>
   </p:cSld>
+  <p:clrMapOvr>
+    <a:masterClrMapping/>
+  </p:clrMapOvr>
 </p:sldLayout>
 </file>
 
 <file path=ppt/slideLayouts/slideLayout12.xml><?xml version="1.0" encoding="utf-8"?>
-<p:sldLayout xmlns:a="http://schemas.openxmlformats.org/drawingml/2006/main" xmlns:p="http://schemas.openxmlformats.org/presentationml/2006/main" xmlns:r="http://schemas.openxmlformats.org/officeDocument/2006/relationships" xmlns:p14="http://schemas.microsoft.com/office/powerpoint/2010/main" xmlns:p15="http://schemas.microsoft.com/office/powerpoint/2012/main" xmlns:mc="http://schemas.openxmlformats.org/markup-compatibility/2006" type="blank" preserve="1">
+<p:sldLayout xmlns:a="http://schemas.openxmlformats.org/drawingml/2006/main" xmlns:r="http://schemas.openxmlformats.org/officeDocument/2006/relationships" xmlns:p="http://schemas.openxmlformats.org/presentationml/2006/main" type="blank" preserve="1">
   <p:cSld name="Title, 6 Content">
     <p:spTree>
       <p:nvGrpSpPr>
@@ -367,12 +480,13 @@
           </a:prstGeom>
         </p:spPr>
         <p:txBody>
-          <a:bodyPr lIns="0" rIns="0" tIns="0" bIns="0" anchor="ctr">
+          <a:bodyPr lIns="0" tIns="0" rIns="0" bIns="0" anchor="ctr">
             <a:noAutofit/>
           </a:bodyPr>
+          <a:lstStyle/>
           <a:p>
             <a:pPr algn="ctr"/>
-            <a:endParaRPr b="0" lang="en-US" sz="4400" spc="-1" strike="noStrike">
+            <a:endParaRPr lang="en-US" sz="4400" b="0" strike="noStrike" spc="-1">
               <a:latin typeface="Arial"/>
             </a:endParaRPr>
           </a:p>
@@ -398,11 +512,12 @@
           </a:prstGeom>
         </p:spPr>
         <p:txBody>
-          <a:bodyPr lIns="0" rIns="0" tIns="0" bIns="0">
+          <a:bodyPr lIns="0" tIns="0" rIns="0" bIns="0">
             <a:normAutofit/>
           </a:bodyPr>
-          <a:p>
-            <a:endParaRPr b="0" lang="en-US" sz="3200" spc="-1" strike="noStrike">
+          <a:lstStyle/>
+          <a:p>
+            <a:endParaRPr lang="en-US" sz="3200" b="0" strike="noStrike" spc="-1">
               <a:latin typeface="Arial"/>
             </a:endParaRPr>
           </a:p>
@@ -428,11 +543,12 @@
           </a:prstGeom>
         </p:spPr>
         <p:txBody>
-          <a:bodyPr lIns="0" rIns="0" tIns="0" bIns="0">
+          <a:bodyPr lIns="0" tIns="0" rIns="0" bIns="0">
             <a:normAutofit/>
           </a:bodyPr>
-          <a:p>
-            <a:endParaRPr b="0" lang="en-US" sz="3200" spc="-1" strike="noStrike">
+          <a:lstStyle/>
+          <a:p>
+            <a:endParaRPr lang="en-US" sz="3200" b="0" strike="noStrike" spc="-1">
               <a:latin typeface="Arial"/>
             </a:endParaRPr>
           </a:p>
@@ -458,11 +574,12 @@
           </a:prstGeom>
         </p:spPr>
         <p:txBody>
-          <a:bodyPr lIns="0" rIns="0" tIns="0" bIns="0">
+          <a:bodyPr lIns="0" tIns="0" rIns="0" bIns="0">
             <a:normAutofit/>
           </a:bodyPr>
-          <a:p>
-            <a:endParaRPr b="0" lang="en-US" sz="3200" spc="-1" strike="noStrike">
+          <a:lstStyle/>
+          <a:p>
+            <a:endParaRPr lang="en-US" sz="3200" b="0" strike="noStrike" spc="-1">
               <a:latin typeface="Arial"/>
             </a:endParaRPr>
           </a:p>
@@ -488,11 +605,12 @@
           </a:prstGeom>
         </p:spPr>
         <p:txBody>
-          <a:bodyPr lIns="0" rIns="0" tIns="0" bIns="0">
+          <a:bodyPr lIns="0" tIns="0" rIns="0" bIns="0">
             <a:normAutofit/>
           </a:bodyPr>
-          <a:p>
-            <a:endParaRPr b="0" lang="en-US" sz="3200" spc="-1" strike="noStrike">
+          <a:lstStyle/>
+          <a:p>
+            <a:endParaRPr lang="en-US" sz="3200" b="0" strike="noStrike" spc="-1">
               <a:latin typeface="Arial"/>
             </a:endParaRPr>
           </a:p>
@@ -518,11 +636,12 @@
           </a:prstGeom>
         </p:spPr>
         <p:txBody>
-          <a:bodyPr lIns="0" rIns="0" tIns="0" bIns="0">
+          <a:bodyPr lIns="0" tIns="0" rIns="0" bIns="0">
             <a:normAutofit/>
           </a:bodyPr>
-          <a:p>
-            <a:endParaRPr b="0" lang="en-US" sz="3200" spc="-1" strike="noStrike">
+          <a:lstStyle/>
+          <a:p>
+            <a:endParaRPr lang="en-US" sz="3200" b="0" strike="noStrike" spc="-1">
               <a:latin typeface="Arial"/>
             </a:endParaRPr>
           </a:p>
@@ -548,11 +667,12 @@
           </a:prstGeom>
         </p:spPr>
         <p:txBody>
-          <a:bodyPr lIns="0" rIns="0" tIns="0" bIns="0">
+          <a:bodyPr lIns="0" tIns="0" rIns="0" bIns="0">
             <a:normAutofit/>
           </a:bodyPr>
-          <a:p>
-            <a:endParaRPr b="0" lang="en-US" sz="3200" spc="-1" strike="noStrike">
+          <a:lstStyle/>
+          <a:p>
+            <a:endParaRPr lang="en-US" sz="3200" b="0" strike="noStrike" spc="-1">
               <a:latin typeface="Arial"/>
             </a:endParaRPr>
           </a:p>
@@ -560,11 +680,14 @@
       </p:sp>
     </p:spTree>
   </p:cSld>
+  <p:clrMapOvr>
+    <a:masterClrMapping/>
+  </p:clrMapOvr>
 </p:sldLayout>
 </file>
 
 <file path=ppt/slideLayouts/slideLayout13.xml><?xml version="1.0" encoding="utf-8"?>
-<p:sldLayout xmlns:a="http://schemas.openxmlformats.org/drawingml/2006/main" xmlns:p="http://schemas.openxmlformats.org/presentationml/2006/main" xmlns:r="http://schemas.openxmlformats.org/officeDocument/2006/relationships" xmlns:p14="http://schemas.microsoft.com/office/powerpoint/2010/main" xmlns:p15="http://schemas.microsoft.com/office/powerpoint/2012/main" xmlns:mc="http://schemas.openxmlformats.org/markup-compatibility/2006" type="blank" preserve="1">
+<p:sldLayout xmlns:a="http://schemas.openxmlformats.org/drawingml/2006/main" xmlns:r="http://schemas.openxmlformats.org/officeDocument/2006/relationships" xmlns:p="http://schemas.openxmlformats.org/presentationml/2006/main" type="blank" preserve="1">
   <p:cSld name="Blank Slide">
     <p:spTree>
       <p:nvGrpSpPr>
@@ -582,11 +705,14 @@
       </p:grpSpPr>
     </p:spTree>
   </p:cSld>
+  <p:clrMapOvr>
+    <a:masterClrMapping/>
+  </p:clrMapOvr>
 </p:sldLayout>
 </file>
 
 <file path=ppt/slideLayouts/slideLayout14.xml><?xml version="1.0" encoding="utf-8"?>
-<p:sldLayout xmlns:a="http://schemas.openxmlformats.org/drawingml/2006/main" xmlns:p="http://schemas.openxmlformats.org/presentationml/2006/main" xmlns:r="http://schemas.openxmlformats.org/officeDocument/2006/relationships" xmlns:p14="http://schemas.microsoft.com/office/powerpoint/2010/main" xmlns:p15="http://schemas.microsoft.com/office/powerpoint/2012/main" xmlns:mc="http://schemas.openxmlformats.org/markup-compatibility/2006" type="tx" preserve="1">
+<p:sldLayout xmlns:a="http://schemas.openxmlformats.org/drawingml/2006/main" xmlns:r="http://schemas.openxmlformats.org/officeDocument/2006/relationships" xmlns:p="http://schemas.openxmlformats.org/presentationml/2006/main" type="tx" preserve="1">
   <p:cSld name="Title Slide">
     <p:spTree>
       <p:nvGrpSpPr>
@@ -622,12 +748,13 @@
           </a:prstGeom>
         </p:spPr>
         <p:txBody>
-          <a:bodyPr lIns="0" rIns="0" tIns="0" bIns="0" anchor="ctr">
+          <a:bodyPr lIns="0" tIns="0" rIns="0" bIns="0" anchor="ctr">
             <a:noAutofit/>
           </a:bodyPr>
+          <a:lstStyle/>
           <a:p>
             <a:pPr algn="ctr"/>
-            <a:endParaRPr b="0" lang="en-US" sz="4400" spc="-1" strike="noStrike">
+            <a:endParaRPr lang="en-US" sz="4400" b="0" strike="noStrike" spc="-1">
               <a:latin typeface="Arial"/>
             </a:endParaRPr>
           </a:p>
@@ -653,12 +780,13 @@
           </a:prstGeom>
         </p:spPr>
         <p:txBody>
-          <a:bodyPr lIns="0" rIns="0" tIns="0" bIns="0" anchor="ctr">
+          <a:bodyPr lIns="0" tIns="0" rIns="0" bIns="0" anchor="ctr">
             <a:noAutofit/>
           </a:bodyPr>
+          <a:lstStyle/>
           <a:p>
             <a:pPr algn="ctr"/>
-            <a:endParaRPr b="0" lang="en-US" sz="3200" spc="-1" strike="noStrike">
+            <a:endParaRPr lang="en-US" sz="3200" b="0" strike="noStrike" spc="-1">
               <a:latin typeface="Arial"/>
             </a:endParaRPr>
           </a:p>
@@ -666,11 +794,14 @@
       </p:sp>
     </p:spTree>
   </p:cSld>
+  <p:clrMapOvr>
+    <a:masterClrMapping/>
+  </p:clrMapOvr>
 </p:sldLayout>
 </file>
 
 <file path=ppt/slideLayouts/slideLayout15.xml><?xml version="1.0" encoding="utf-8"?>
-<p:sldLayout xmlns:a="http://schemas.openxmlformats.org/drawingml/2006/main" xmlns:p="http://schemas.openxmlformats.org/presentationml/2006/main" xmlns:r="http://schemas.openxmlformats.org/officeDocument/2006/relationships" xmlns:p14="http://schemas.microsoft.com/office/powerpoint/2010/main" xmlns:p15="http://schemas.microsoft.com/office/powerpoint/2012/main" xmlns:mc="http://schemas.openxmlformats.org/markup-compatibility/2006" type="obj" preserve="1">
+<p:sldLayout xmlns:a="http://schemas.openxmlformats.org/drawingml/2006/main" xmlns:r="http://schemas.openxmlformats.org/officeDocument/2006/relationships" xmlns:p="http://schemas.openxmlformats.org/presentationml/2006/main" type="obj" preserve="1">
   <p:cSld name="Title, Content">
     <p:spTree>
       <p:nvGrpSpPr>
@@ -706,12 +837,13 @@
           </a:prstGeom>
         </p:spPr>
         <p:txBody>
-          <a:bodyPr lIns="0" rIns="0" tIns="0" bIns="0" anchor="ctr">
+          <a:bodyPr lIns="0" tIns="0" rIns="0" bIns="0" anchor="ctr">
             <a:noAutofit/>
           </a:bodyPr>
+          <a:lstStyle/>
           <a:p>
             <a:pPr algn="ctr"/>
-            <a:endParaRPr b="0" lang="en-US" sz="4400" spc="-1" strike="noStrike">
+            <a:endParaRPr lang="en-US" sz="4400" b="0" strike="noStrike" spc="-1">
               <a:latin typeface="Arial"/>
             </a:endParaRPr>
           </a:p>
@@ -737,11 +869,12 @@
           </a:prstGeom>
         </p:spPr>
         <p:txBody>
-          <a:bodyPr lIns="0" rIns="0" tIns="0" bIns="0">
+          <a:bodyPr lIns="0" tIns="0" rIns="0" bIns="0">
             <a:normAutofit/>
           </a:bodyPr>
-          <a:p>
-            <a:endParaRPr b="0" lang="en-US" sz="3200" spc="-1" strike="noStrike">
+          <a:lstStyle/>
+          <a:p>
+            <a:endParaRPr lang="en-US" sz="3200" b="0" strike="noStrike" spc="-1">
               <a:latin typeface="Arial"/>
             </a:endParaRPr>
           </a:p>
@@ -749,11 +882,14 @@
       </p:sp>
     </p:spTree>
   </p:cSld>
+  <p:clrMapOvr>
+    <a:masterClrMapping/>
+  </p:clrMapOvr>
 </p:sldLayout>
 </file>
 
 <file path=ppt/slideLayouts/slideLayout16.xml><?xml version="1.0" encoding="utf-8"?>
-<p:sldLayout xmlns:a="http://schemas.openxmlformats.org/drawingml/2006/main" xmlns:p="http://schemas.openxmlformats.org/presentationml/2006/main" xmlns:r="http://schemas.openxmlformats.org/officeDocument/2006/relationships" xmlns:p14="http://schemas.microsoft.com/office/powerpoint/2010/main" xmlns:p15="http://schemas.microsoft.com/office/powerpoint/2012/main" xmlns:mc="http://schemas.openxmlformats.org/markup-compatibility/2006" type="twoObj" preserve="1">
+<p:sldLayout xmlns:a="http://schemas.openxmlformats.org/drawingml/2006/main" xmlns:r="http://schemas.openxmlformats.org/officeDocument/2006/relationships" xmlns:p="http://schemas.openxmlformats.org/presentationml/2006/main" type="twoObj" preserve="1">
   <p:cSld name="Title, 2 Content">
     <p:spTree>
       <p:nvGrpSpPr>
@@ -789,12 +925,13 @@
           </a:prstGeom>
         </p:spPr>
         <p:txBody>
-          <a:bodyPr lIns="0" rIns="0" tIns="0" bIns="0" anchor="ctr">
+          <a:bodyPr lIns="0" tIns="0" rIns="0" bIns="0" anchor="ctr">
             <a:noAutofit/>
           </a:bodyPr>
+          <a:lstStyle/>
           <a:p>
             <a:pPr algn="ctr"/>
-            <a:endParaRPr b="0" lang="en-US" sz="4400" spc="-1" strike="noStrike">
+            <a:endParaRPr lang="en-US" sz="4400" b="0" strike="noStrike" spc="-1">
               <a:latin typeface="Arial"/>
             </a:endParaRPr>
           </a:p>
@@ -820,11 +957,12 @@
           </a:prstGeom>
         </p:spPr>
         <p:txBody>
-          <a:bodyPr lIns="0" rIns="0" tIns="0" bIns="0">
+          <a:bodyPr lIns="0" tIns="0" rIns="0" bIns="0">
             <a:normAutofit/>
           </a:bodyPr>
-          <a:p>
-            <a:endParaRPr b="0" lang="en-US" sz="3200" spc="-1" strike="noStrike">
+          <a:lstStyle/>
+          <a:p>
+            <a:endParaRPr lang="en-US" sz="3200" b="0" strike="noStrike" spc="-1">
               <a:latin typeface="Arial"/>
             </a:endParaRPr>
           </a:p>
@@ -850,11 +988,12 @@
           </a:prstGeom>
         </p:spPr>
         <p:txBody>
-          <a:bodyPr lIns="0" rIns="0" tIns="0" bIns="0">
+          <a:bodyPr lIns="0" tIns="0" rIns="0" bIns="0">
             <a:normAutofit/>
           </a:bodyPr>
-          <a:p>
-            <a:endParaRPr b="0" lang="en-US" sz="3200" spc="-1" strike="noStrike">
+          <a:lstStyle/>
+          <a:p>
+            <a:endParaRPr lang="en-US" sz="3200" b="0" strike="noStrike" spc="-1">
               <a:latin typeface="Arial"/>
             </a:endParaRPr>
           </a:p>
@@ -862,11 +1001,14 @@
       </p:sp>
     </p:spTree>
   </p:cSld>
+  <p:clrMapOvr>
+    <a:masterClrMapping/>
+  </p:clrMapOvr>
 </p:sldLayout>
 </file>
 
 <file path=ppt/slideLayouts/slideLayout17.xml><?xml version="1.0" encoding="utf-8"?>
-<p:sldLayout xmlns:a="http://schemas.openxmlformats.org/drawingml/2006/main" xmlns:p="http://schemas.openxmlformats.org/presentationml/2006/main" xmlns:r="http://schemas.openxmlformats.org/officeDocument/2006/relationships" xmlns:p14="http://schemas.microsoft.com/office/powerpoint/2010/main" xmlns:p15="http://schemas.microsoft.com/office/powerpoint/2012/main" xmlns:mc="http://schemas.openxmlformats.org/markup-compatibility/2006" type="titleOnly" preserve="1">
+<p:sldLayout xmlns:a="http://schemas.openxmlformats.org/drawingml/2006/main" xmlns:r="http://schemas.openxmlformats.org/officeDocument/2006/relationships" xmlns:p="http://schemas.openxmlformats.org/presentationml/2006/main" type="titleOnly" preserve="1">
   <p:cSld name="Title Only">
     <p:spTree>
       <p:nvGrpSpPr>
@@ -902,12 +1044,13 @@
           </a:prstGeom>
         </p:spPr>
         <p:txBody>
-          <a:bodyPr lIns="0" rIns="0" tIns="0" bIns="0" anchor="ctr">
+          <a:bodyPr lIns="0" tIns="0" rIns="0" bIns="0" anchor="ctr">
             <a:noAutofit/>
           </a:bodyPr>
+          <a:lstStyle/>
           <a:p>
             <a:pPr algn="ctr"/>
-            <a:endParaRPr b="0" lang="en-US" sz="4400" spc="-1" strike="noStrike">
+            <a:endParaRPr lang="en-US" sz="4400" b="0" strike="noStrike" spc="-1">
               <a:latin typeface="Arial"/>
             </a:endParaRPr>
           </a:p>
@@ -915,11 +1058,14 @@
       </p:sp>
     </p:spTree>
   </p:cSld>
+  <p:clrMapOvr>
+    <a:masterClrMapping/>
+  </p:clrMapOvr>
 </p:sldLayout>
 </file>
 
 <file path=ppt/slideLayouts/slideLayout18.xml><?xml version="1.0" encoding="utf-8"?>
-<p:sldLayout xmlns:a="http://schemas.openxmlformats.org/drawingml/2006/main" xmlns:p="http://schemas.openxmlformats.org/presentationml/2006/main" xmlns:r="http://schemas.openxmlformats.org/officeDocument/2006/relationships" xmlns:p14="http://schemas.microsoft.com/office/powerpoint/2010/main" xmlns:p15="http://schemas.microsoft.com/office/powerpoint/2012/main" xmlns:mc="http://schemas.openxmlformats.org/markup-compatibility/2006" type="objOnly" preserve="1">
+<p:sldLayout xmlns:a="http://schemas.openxmlformats.org/drawingml/2006/main" xmlns:r="http://schemas.openxmlformats.org/officeDocument/2006/relationships" xmlns:p="http://schemas.openxmlformats.org/presentationml/2006/main" type="objOnly" preserve="1">
   <p:cSld name="Centered Text">
     <p:spTree>
       <p:nvGrpSpPr>
@@ -955,12 +1101,13 @@
           </a:prstGeom>
         </p:spPr>
         <p:txBody>
-          <a:bodyPr lIns="0" rIns="0" tIns="0" bIns="0" anchor="ctr">
+          <a:bodyPr lIns="0" tIns="0" rIns="0" bIns="0" anchor="ctr">
             <a:noAutofit/>
           </a:bodyPr>
+          <a:lstStyle/>
           <a:p>
             <a:pPr algn="ctr"/>
-            <a:endParaRPr b="0" lang="en-US" sz="3200" spc="-1" strike="noStrike">
+            <a:endParaRPr lang="en-US" sz="3200" b="0" strike="noStrike" spc="-1">
               <a:latin typeface="Arial"/>
             </a:endParaRPr>
           </a:p>
@@ -968,11 +1115,14 @@
       </p:sp>
     </p:spTree>
   </p:cSld>
+  <p:clrMapOvr>
+    <a:masterClrMapping/>
+  </p:clrMapOvr>
 </p:sldLayout>
 </file>
 
 <file path=ppt/slideLayouts/slideLayout19.xml><?xml version="1.0" encoding="utf-8"?>
-<p:sldLayout xmlns:a="http://schemas.openxmlformats.org/drawingml/2006/main" xmlns:p="http://schemas.openxmlformats.org/presentationml/2006/main" xmlns:r="http://schemas.openxmlformats.org/officeDocument/2006/relationships" xmlns:p14="http://schemas.microsoft.com/office/powerpoint/2010/main" xmlns:p15="http://schemas.microsoft.com/office/powerpoint/2012/main" xmlns:mc="http://schemas.openxmlformats.org/markup-compatibility/2006" type="twoObjAndObj" preserve="1">
+<p:sldLayout xmlns:a="http://schemas.openxmlformats.org/drawingml/2006/main" xmlns:r="http://schemas.openxmlformats.org/officeDocument/2006/relationships" xmlns:p="http://schemas.openxmlformats.org/presentationml/2006/main" type="twoObjAndObj" preserve="1">
   <p:cSld name="Title, 2 Content and Content">
     <p:spTree>
       <p:nvGrpSpPr>
@@ -1008,12 +1158,13 @@
           </a:prstGeom>
         </p:spPr>
         <p:txBody>
-          <a:bodyPr lIns="0" rIns="0" tIns="0" bIns="0" anchor="ctr">
+          <a:bodyPr lIns="0" tIns="0" rIns="0" bIns="0" anchor="ctr">
             <a:noAutofit/>
           </a:bodyPr>
+          <a:lstStyle/>
           <a:p>
             <a:pPr algn="ctr"/>
-            <a:endParaRPr b="0" lang="en-US" sz="4400" spc="-1" strike="noStrike">
+            <a:endParaRPr lang="en-US" sz="4400" b="0" strike="noStrike" spc="-1">
               <a:latin typeface="Arial"/>
             </a:endParaRPr>
           </a:p>
@@ -1039,11 +1190,12 @@
           </a:prstGeom>
         </p:spPr>
         <p:txBody>
-          <a:bodyPr lIns="0" rIns="0" tIns="0" bIns="0">
+          <a:bodyPr lIns="0" tIns="0" rIns="0" bIns="0">
             <a:normAutofit/>
           </a:bodyPr>
-          <a:p>
-            <a:endParaRPr b="0" lang="en-US" sz="3200" spc="-1" strike="noStrike">
+          <a:lstStyle/>
+          <a:p>
+            <a:endParaRPr lang="en-US" sz="3200" b="0" strike="noStrike" spc="-1">
               <a:latin typeface="Arial"/>
             </a:endParaRPr>
           </a:p>
@@ -1069,11 +1221,12 @@
           </a:prstGeom>
         </p:spPr>
         <p:txBody>
-          <a:bodyPr lIns="0" rIns="0" tIns="0" bIns="0">
+          <a:bodyPr lIns="0" tIns="0" rIns="0" bIns="0">
             <a:normAutofit/>
           </a:bodyPr>
-          <a:p>
-            <a:endParaRPr b="0" lang="en-US" sz="3200" spc="-1" strike="noStrike">
+          <a:lstStyle/>
+          <a:p>
+            <a:endParaRPr lang="en-US" sz="3200" b="0" strike="noStrike" spc="-1">
               <a:latin typeface="Arial"/>
             </a:endParaRPr>
           </a:p>
@@ -1099,11 +1252,12 @@
           </a:prstGeom>
         </p:spPr>
         <p:txBody>
-          <a:bodyPr lIns="0" rIns="0" tIns="0" bIns="0">
+          <a:bodyPr lIns="0" tIns="0" rIns="0" bIns="0">
             <a:normAutofit/>
           </a:bodyPr>
-          <a:p>
-            <a:endParaRPr b="0" lang="en-US" sz="3200" spc="-1" strike="noStrike">
+          <a:lstStyle/>
+          <a:p>
+            <a:endParaRPr lang="en-US" sz="3200" b="0" strike="noStrike" spc="-1">
               <a:latin typeface="Arial"/>
             </a:endParaRPr>
           </a:p>
@@ -1111,11 +1265,14 @@
       </p:sp>
     </p:spTree>
   </p:cSld>
+  <p:clrMapOvr>
+    <a:masterClrMapping/>
+  </p:clrMapOvr>
 </p:sldLayout>
 </file>
 
 <file path=ppt/slideLayouts/slideLayout2.xml><?xml version="1.0" encoding="utf-8"?>
-<p:sldLayout xmlns:a="http://schemas.openxmlformats.org/drawingml/2006/main" xmlns:p="http://schemas.openxmlformats.org/presentationml/2006/main" xmlns:r="http://schemas.openxmlformats.org/officeDocument/2006/relationships" xmlns:p14="http://schemas.microsoft.com/office/powerpoint/2010/main" xmlns:p15="http://schemas.microsoft.com/office/powerpoint/2012/main" xmlns:mc="http://schemas.openxmlformats.org/markup-compatibility/2006" type="tx" preserve="1">
+<p:sldLayout xmlns:a="http://schemas.openxmlformats.org/drawingml/2006/main" xmlns:r="http://schemas.openxmlformats.org/officeDocument/2006/relationships" xmlns:p="http://schemas.openxmlformats.org/presentationml/2006/main" type="tx" preserve="1">
   <p:cSld name="Title Slide">
     <p:spTree>
       <p:nvGrpSpPr>
@@ -1151,12 +1308,13 @@
           </a:prstGeom>
         </p:spPr>
         <p:txBody>
-          <a:bodyPr lIns="0" rIns="0" tIns="0" bIns="0" anchor="ctr">
+          <a:bodyPr lIns="0" tIns="0" rIns="0" bIns="0" anchor="ctr">
             <a:noAutofit/>
           </a:bodyPr>
+          <a:lstStyle/>
           <a:p>
             <a:pPr algn="ctr"/>
-            <a:endParaRPr b="0" lang="en-US" sz="4400" spc="-1" strike="noStrike">
+            <a:endParaRPr lang="en-US" sz="4400" b="0" strike="noStrike" spc="-1">
               <a:latin typeface="Arial"/>
             </a:endParaRPr>
           </a:p>
@@ -1182,12 +1340,13 @@
           </a:prstGeom>
         </p:spPr>
         <p:txBody>
-          <a:bodyPr lIns="0" rIns="0" tIns="0" bIns="0" anchor="ctr">
+          <a:bodyPr lIns="0" tIns="0" rIns="0" bIns="0" anchor="ctr">
             <a:noAutofit/>
           </a:bodyPr>
+          <a:lstStyle/>
           <a:p>
             <a:pPr algn="ctr"/>
-            <a:endParaRPr b="0" lang="en-US" sz="3200" spc="-1" strike="noStrike">
+            <a:endParaRPr lang="en-US" sz="3200" b="0" strike="noStrike" spc="-1">
               <a:latin typeface="Arial"/>
             </a:endParaRPr>
           </a:p>
@@ -1195,11 +1354,14 @@
       </p:sp>
     </p:spTree>
   </p:cSld>
+  <p:clrMapOvr>
+    <a:masterClrMapping/>
+  </p:clrMapOvr>
 </p:sldLayout>
 </file>
 
 <file path=ppt/slideLayouts/slideLayout20.xml><?xml version="1.0" encoding="utf-8"?>
-<p:sldLayout xmlns:a="http://schemas.openxmlformats.org/drawingml/2006/main" xmlns:p="http://schemas.openxmlformats.org/presentationml/2006/main" xmlns:r="http://schemas.openxmlformats.org/officeDocument/2006/relationships" xmlns:p14="http://schemas.microsoft.com/office/powerpoint/2010/main" xmlns:p15="http://schemas.microsoft.com/office/powerpoint/2012/main" xmlns:mc="http://schemas.openxmlformats.org/markup-compatibility/2006" type="objAndTwoObj" preserve="1">
+<p:sldLayout xmlns:a="http://schemas.openxmlformats.org/drawingml/2006/main" xmlns:r="http://schemas.openxmlformats.org/officeDocument/2006/relationships" xmlns:p="http://schemas.openxmlformats.org/presentationml/2006/main" type="objAndTwoObj" preserve="1">
   <p:cSld name="Title Content and 2 Content">
     <p:spTree>
       <p:nvGrpSpPr>
@@ -1235,12 +1397,13 @@
           </a:prstGeom>
         </p:spPr>
         <p:txBody>
-          <a:bodyPr lIns="0" rIns="0" tIns="0" bIns="0" anchor="ctr">
+          <a:bodyPr lIns="0" tIns="0" rIns="0" bIns="0" anchor="ctr">
             <a:noAutofit/>
           </a:bodyPr>
+          <a:lstStyle/>
           <a:p>
             <a:pPr algn="ctr"/>
-            <a:endParaRPr b="0" lang="en-US" sz="4400" spc="-1" strike="noStrike">
+            <a:endParaRPr lang="en-US" sz="4400" b="0" strike="noStrike" spc="-1">
               <a:latin typeface="Arial"/>
             </a:endParaRPr>
           </a:p>
@@ -1266,11 +1429,12 @@
           </a:prstGeom>
         </p:spPr>
         <p:txBody>
-          <a:bodyPr lIns="0" rIns="0" tIns="0" bIns="0">
+          <a:bodyPr lIns="0" tIns="0" rIns="0" bIns="0">
             <a:normAutofit/>
           </a:bodyPr>
-          <a:p>
-            <a:endParaRPr b="0" lang="en-US" sz="3200" spc="-1" strike="noStrike">
+          <a:lstStyle/>
+          <a:p>
+            <a:endParaRPr lang="en-US" sz="3200" b="0" strike="noStrike" spc="-1">
               <a:latin typeface="Arial"/>
             </a:endParaRPr>
           </a:p>
@@ -1296,11 +1460,12 @@
           </a:prstGeom>
         </p:spPr>
         <p:txBody>
-          <a:bodyPr lIns="0" rIns="0" tIns="0" bIns="0">
+          <a:bodyPr lIns="0" tIns="0" rIns="0" bIns="0">
             <a:normAutofit/>
           </a:bodyPr>
-          <a:p>
-            <a:endParaRPr b="0" lang="en-US" sz="3200" spc="-1" strike="noStrike">
+          <a:lstStyle/>
+          <a:p>
+            <a:endParaRPr lang="en-US" sz="3200" b="0" strike="noStrike" spc="-1">
               <a:latin typeface="Arial"/>
             </a:endParaRPr>
           </a:p>
@@ -1326,11 +1491,12 @@
           </a:prstGeom>
         </p:spPr>
         <p:txBody>
-          <a:bodyPr lIns="0" rIns="0" tIns="0" bIns="0">
+          <a:bodyPr lIns="0" tIns="0" rIns="0" bIns="0">
             <a:normAutofit/>
           </a:bodyPr>
-          <a:p>
-            <a:endParaRPr b="0" lang="en-US" sz="3200" spc="-1" strike="noStrike">
+          <a:lstStyle/>
+          <a:p>
+            <a:endParaRPr lang="en-US" sz="3200" b="0" strike="noStrike" spc="-1">
               <a:latin typeface="Arial"/>
             </a:endParaRPr>
           </a:p>
@@ -1338,11 +1504,14 @@
       </p:sp>
     </p:spTree>
   </p:cSld>
+  <p:clrMapOvr>
+    <a:masterClrMapping/>
+  </p:clrMapOvr>
 </p:sldLayout>
 </file>
 
 <file path=ppt/slideLayouts/slideLayout21.xml><?xml version="1.0" encoding="utf-8"?>
-<p:sldLayout xmlns:a="http://schemas.openxmlformats.org/drawingml/2006/main" xmlns:p="http://schemas.openxmlformats.org/presentationml/2006/main" xmlns:r="http://schemas.openxmlformats.org/officeDocument/2006/relationships" xmlns:p14="http://schemas.microsoft.com/office/powerpoint/2010/main" xmlns:p15="http://schemas.microsoft.com/office/powerpoint/2012/main" xmlns:mc="http://schemas.openxmlformats.org/markup-compatibility/2006" type="twoObjOverTx" preserve="1">
+<p:sldLayout xmlns:a="http://schemas.openxmlformats.org/drawingml/2006/main" xmlns:r="http://schemas.openxmlformats.org/officeDocument/2006/relationships" xmlns:p="http://schemas.openxmlformats.org/presentationml/2006/main" type="twoObjOverTx" preserve="1">
   <p:cSld name="Title, 2 Content over Content">
     <p:spTree>
       <p:nvGrpSpPr>
@@ -1378,12 +1547,13 @@
           </a:prstGeom>
         </p:spPr>
         <p:txBody>
-          <a:bodyPr lIns="0" rIns="0" tIns="0" bIns="0" anchor="ctr">
+          <a:bodyPr lIns="0" tIns="0" rIns="0" bIns="0" anchor="ctr">
             <a:noAutofit/>
           </a:bodyPr>
+          <a:lstStyle/>
           <a:p>
             <a:pPr algn="ctr"/>
-            <a:endParaRPr b="0" lang="en-US" sz="4400" spc="-1" strike="noStrike">
+            <a:endParaRPr lang="en-US" sz="4400" b="0" strike="noStrike" spc="-1">
               <a:latin typeface="Arial"/>
             </a:endParaRPr>
           </a:p>
@@ -1409,11 +1579,12 @@
           </a:prstGeom>
         </p:spPr>
         <p:txBody>
-          <a:bodyPr lIns="0" rIns="0" tIns="0" bIns="0">
+          <a:bodyPr lIns="0" tIns="0" rIns="0" bIns="0">
             <a:normAutofit/>
           </a:bodyPr>
-          <a:p>
-            <a:endParaRPr b="0" lang="en-US" sz="3200" spc="-1" strike="noStrike">
+          <a:lstStyle/>
+          <a:p>
+            <a:endParaRPr lang="en-US" sz="3200" b="0" strike="noStrike" spc="-1">
               <a:latin typeface="Arial"/>
             </a:endParaRPr>
           </a:p>
@@ -1439,11 +1610,12 @@
           </a:prstGeom>
         </p:spPr>
         <p:txBody>
-          <a:bodyPr lIns="0" rIns="0" tIns="0" bIns="0">
+          <a:bodyPr lIns="0" tIns="0" rIns="0" bIns="0">
             <a:normAutofit/>
           </a:bodyPr>
-          <a:p>
-            <a:endParaRPr b="0" lang="en-US" sz="3200" spc="-1" strike="noStrike">
+          <a:lstStyle/>
+          <a:p>
+            <a:endParaRPr lang="en-US" sz="3200" b="0" strike="noStrike" spc="-1">
               <a:latin typeface="Arial"/>
             </a:endParaRPr>
           </a:p>
@@ -1469,11 +1641,12 @@
           </a:prstGeom>
         </p:spPr>
         <p:txBody>
-          <a:bodyPr lIns="0" rIns="0" tIns="0" bIns="0">
+          <a:bodyPr lIns="0" tIns="0" rIns="0" bIns="0">
             <a:normAutofit/>
           </a:bodyPr>
-          <a:p>
-            <a:endParaRPr b="0" lang="en-US" sz="3200" spc="-1" strike="noStrike">
+          <a:lstStyle/>
+          <a:p>
+            <a:endParaRPr lang="en-US" sz="3200" b="0" strike="noStrike" spc="-1">
               <a:latin typeface="Arial"/>
             </a:endParaRPr>
           </a:p>
@@ -1481,11 +1654,14 @@
       </p:sp>
     </p:spTree>
   </p:cSld>
+  <p:clrMapOvr>
+    <a:masterClrMapping/>
+  </p:clrMapOvr>
 </p:sldLayout>
 </file>
 
 <file path=ppt/slideLayouts/slideLayout22.xml><?xml version="1.0" encoding="utf-8"?>
-<p:sldLayout xmlns:a="http://schemas.openxmlformats.org/drawingml/2006/main" xmlns:p="http://schemas.openxmlformats.org/presentationml/2006/main" xmlns:r="http://schemas.openxmlformats.org/officeDocument/2006/relationships" xmlns:p14="http://schemas.microsoft.com/office/powerpoint/2010/main" xmlns:p15="http://schemas.microsoft.com/office/powerpoint/2012/main" xmlns:mc="http://schemas.openxmlformats.org/markup-compatibility/2006" type="objOverTx" preserve="1">
+<p:sldLayout xmlns:a="http://schemas.openxmlformats.org/drawingml/2006/main" xmlns:r="http://schemas.openxmlformats.org/officeDocument/2006/relationships" xmlns:p="http://schemas.openxmlformats.org/presentationml/2006/main" type="objOverTx" preserve="1">
   <p:cSld name="Title, Content over Content">
     <p:spTree>
       <p:nvGrpSpPr>
@@ -1521,12 +1697,13 @@
           </a:prstGeom>
         </p:spPr>
         <p:txBody>
-          <a:bodyPr lIns="0" rIns="0" tIns="0" bIns="0" anchor="ctr">
+          <a:bodyPr lIns="0" tIns="0" rIns="0" bIns="0" anchor="ctr">
             <a:noAutofit/>
           </a:bodyPr>
+          <a:lstStyle/>
           <a:p>
             <a:pPr algn="ctr"/>
-            <a:endParaRPr b="0" lang="en-US" sz="4400" spc="-1" strike="noStrike">
+            <a:endParaRPr lang="en-US" sz="4400" b="0" strike="noStrike" spc="-1">
               <a:latin typeface="Arial"/>
             </a:endParaRPr>
           </a:p>
@@ -1552,11 +1729,12 @@
           </a:prstGeom>
         </p:spPr>
         <p:txBody>
-          <a:bodyPr lIns="0" rIns="0" tIns="0" bIns="0">
+          <a:bodyPr lIns="0" tIns="0" rIns="0" bIns="0">
             <a:normAutofit/>
           </a:bodyPr>
-          <a:p>
-            <a:endParaRPr b="0" lang="en-US" sz="3200" spc="-1" strike="noStrike">
+          <a:lstStyle/>
+          <a:p>
+            <a:endParaRPr lang="en-US" sz="3200" b="0" strike="noStrike" spc="-1">
               <a:latin typeface="Arial"/>
             </a:endParaRPr>
           </a:p>
@@ -1582,11 +1760,12 @@
           </a:prstGeom>
         </p:spPr>
         <p:txBody>
-          <a:bodyPr lIns="0" rIns="0" tIns="0" bIns="0">
+          <a:bodyPr lIns="0" tIns="0" rIns="0" bIns="0">
             <a:normAutofit/>
           </a:bodyPr>
-          <a:p>
-            <a:endParaRPr b="0" lang="en-US" sz="3200" spc="-1" strike="noStrike">
+          <a:lstStyle/>
+          <a:p>
+            <a:endParaRPr lang="en-US" sz="3200" b="0" strike="noStrike" spc="-1">
               <a:latin typeface="Arial"/>
             </a:endParaRPr>
           </a:p>
@@ -1594,11 +1773,14 @@
       </p:sp>
     </p:spTree>
   </p:cSld>
+  <p:clrMapOvr>
+    <a:masterClrMapping/>
+  </p:clrMapOvr>
 </p:sldLayout>
 </file>
 
 <file path=ppt/slideLayouts/slideLayout23.xml><?xml version="1.0" encoding="utf-8"?>
-<p:sldLayout xmlns:a="http://schemas.openxmlformats.org/drawingml/2006/main" xmlns:p="http://schemas.openxmlformats.org/presentationml/2006/main" xmlns:r="http://schemas.openxmlformats.org/officeDocument/2006/relationships" xmlns:p14="http://schemas.microsoft.com/office/powerpoint/2010/main" xmlns:p15="http://schemas.microsoft.com/office/powerpoint/2012/main" xmlns:mc="http://schemas.openxmlformats.org/markup-compatibility/2006" type="fourObj" preserve="1">
+<p:sldLayout xmlns:a="http://schemas.openxmlformats.org/drawingml/2006/main" xmlns:r="http://schemas.openxmlformats.org/officeDocument/2006/relationships" xmlns:p="http://schemas.openxmlformats.org/presentationml/2006/main" type="fourObj" preserve="1">
   <p:cSld name="Title, 4 Content">
     <p:spTree>
       <p:nvGrpSpPr>
@@ -1634,12 +1816,13 @@
           </a:prstGeom>
         </p:spPr>
         <p:txBody>
-          <a:bodyPr lIns="0" rIns="0" tIns="0" bIns="0" anchor="ctr">
+          <a:bodyPr lIns="0" tIns="0" rIns="0" bIns="0" anchor="ctr">
             <a:noAutofit/>
           </a:bodyPr>
+          <a:lstStyle/>
           <a:p>
             <a:pPr algn="ctr"/>
-            <a:endParaRPr b="0" lang="en-US" sz="4400" spc="-1" strike="noStrike">
+            <a:endParaRPr lang="en-US" sz="4400" b="0" strike="noStrike" spc="-1">
               <a:latin typeface="Arial"/>
             </a:endParaRPr>
           </a:p>
@@ -1665,11 +1848,12 @@
           </a:prstGeom>
         </p:spPr>
         <p:txBody>
-          <a:bodyPr lIns="0" rIns="0" tIns="0" bIns="0">
+          <a:bodyPr lIns="0" tIns="0" rIns="0" bIns="0">
             <a:normAutofit/>
           </a:bodyPr>
-          <a:p>
-            <a:endParaRPr b="0" lang="en-US" sz="3200" spc="-1" strike="noStrike">
+          <a:lstStyle/>
+          <a:p>
+            <a:endParaRPr lang="en-US" sz="3200" b="0" strike="noStrike" spc="-1">
               <a:latin typeface="Arial"/>
             </a:endParaRPr>
           </a:p>
@@ -1695,11 +1879,12 @@
           </a:prstGeom>
         </p:spPr>
         <p:txBody>
-          <a:bodyPr lIns="0" rIns="0" tIns="0" bIns="0">
+          <a:bodyPr lIns="0" tIns="0" rIns="0" bIns="0">
             <a:normAutofit/>
           </a:bodyPr>
-          <a:p>
-            <a:endParaRPr b="0" lang="en-US" sz="3200" spc="-1" strike="noStrike">
+          <a:lstStyle/>
+          <a:p>
+            <a:endParaRPr lang="en-US" sz="3200" b="0" strike="noStrike" spc="-1">
               <a:latin typeface="Arial"/>
             </a:endParaRPr>
           </a:p>
@@ -1725,11 +1910,12 @@
           </a:prstGeom>
         </p:spPr>
         <p:txBody>
-          <a:bodyPr lIns="0" rIns="0" tIns="0" bIns="0">
+          <a:bodyPr lIns="0" tIns="0" rIns="0" bIns="0">
             <a:normAutofit/>
           </a:bodyPr>
-          <a:p>
-            <a:endParaRPr b="0" lang="en-US" sz="3200" spc="-1" strike="noStrike">
+          <a:lstStyle/>
+          <a:p>
+            <a:endParaRPr lang="en-US" sz="3200" b="0" strike="noStrike" spc="-1">
               <a:latin typeface="Arial"/>
             </a:endParaRPr>
           </a:p>
@@ -1755,11 +1941,12 @@
           </a:prstGeom>
         </p:spPr>
         <p:txBody>
-          <a:bodyPr lIns="0" rIns="0" tIns="0" bIns="0">
+          <a:bodyPr lIns="0" tIns="0" rIns="0" bIns="0">
             <a:normAutofit/>
           </a:bodyPr>
-          <a:p>
-            <a:endParaRPr b="0" lang="en-US" sz="3200" spc="-1" strike="noStrike">
+          <a:lstStyle/>
+          <a:p>
+            <a:endParaRPr lang="en-US" sz="3200" b="0" strike="noStrike" spc="-1">
               <a:latin typeface="Arial"/>
             </a:endParaRPr>
           </a:p>
@@ -1767,11 +1954,14 @@
       </p:sp>
     </p:spTree>
   </p:cSld>
+  <p:clrMapOvr>
+    <a:masterClrMapping/>
+  </p:clrMapOvr>
 </p:sldLayout>
 </file>
 
 <file path=ppt/slideLayouts/slideLayout24.xml><?xml version="1.0" encoding="utf-8"?>
-<p:sldLayout xmlns:a="http://schemas.openxmlformats.org/drawingml/2006/main" xmlns:p="http://schemas.openxmlformats.org/presentationml/2006/main" xmlns:r="http://schemas.openxmlformats.org/officeDocument/2006/relationships" xmlns:p14="http://schemas.microsoft.com/office/powerpoint/2010/main" xmlns:p15="http://schemas.microsoft.com/office/powerpoint/2012/main" xmlns:mc="http://schemas.openxmlformats.org/markup-compatibility/2006" type="blank" preserve="1">
+<p:sldLayout xmlns:a="http://schemas.openxmlformats.org/drawingml/2006/main" xmlns:r="http://schemas.openxmlformats.org/officeDocument/2006/relationships" xmlns:p="http://schemas.openxmlformats.org/presentationml/2006/main" type="blank" preserve="1">
   <p:cSld name="Title, 6 Content">
     <p:spTree>
       <p:nvGrpSpPr>
@@ -1807,12 +1997,13 @@
           </a:prstGeom>
         </p:spPr>
         <p:txBody>
-          <a:bodyPr lIns="0" rIns="0" tIns="0" bIns="0" anchor="ctr">
+          <a:bodyPr lIns="0" tIns="0" rIns="0" bIns="0" anchor="ctr">
             <a:noAutofit/>
           </a:bodyPr>
+          <a:lstStyle/>
           <a:p>
             <a:pPr algn="ctr"/>
-            <a:endParaRPr b="0" lang="en-US" sz="4400" spc="-1" strike="noStrike">
+            <a:endParaRPr lang="en-US" sz="4400" b="0" strike="noStrike" spc="-1">
               <a:latin typeface="Arial"/>
             </a:endParaRPr>
           </a:p>
@@ -1838,11 +2029,12 @@
           </a:prstGeom>
         </p:spPr>
         <p:txBody>
-          <a:bodyPr lIns="0" rIns="0" tIns="0" bIns="0">
+          <a:bodyPr lIns="0" tIns="0" rIns="0" bIns="0">
             <a:normAutofit/>
           </a:bodyPr>
-          <a:p>
-            <a:endParaRPr b="0" lang="en-US" sz="3200" spc="-1" strike="noStrike">
+          <a:lstStyle/>
+          <a:p>
+            <a:endParaRPr lang="en-US" sz="3200" b="0" strike="noStrike" spc="-1">
               <a:latin typeface="Arial"/>
             </a:endParaRPr>
           </a:p>
@@ -1868,11 +2060,12 @@
           </a:prstGeom>
         </p:spPr>
         <p:txBody>
-          <a:bodyPr lIns="0" rIns="0" tIns="0" bIns="0">
+          <a:bodyPr lIns="0" tIns="0" rIns="0" bIns="0">
             <a:normAutofit/>
           </a:bodyPr>
-          <a:p>
-            <a:endParaRPr b="0" lang="en-US" sz="3200" spc="-1" strike="noStrike">
+          <a:lstStyle/>
+          <a:p>
+            <a:endParaRPr lang="en-US" sz="3200" b="0" strike="noStrike" spc="-1">
               <a:latin typeface="Arial"/>
             </a:endParaRPr>
           </a:p>
@@ -1898,11 +2091,12 @@
           </a:prstGeom>
         </p:spPr>
         <p:txBody>
-          <a:bodyPr lIns="0" rIns="0" tIns="0" bIns="0">
+          <a:bodyPr lIns="0" tIns="0" rIns="0" bIns="0">
             <a:normAutofit/>
           </a:bodyPr>
-          <a:p>
-            <a:endParaRPr b="0" lang="en-US" sz="3200" spc="-1" strike="noStrike">
+          <a:lstStyle/>
+          <a:p>
+            <a:endParaRPr lang="en-US" sz="3200" b="0" strike="noStrike" spc="-1">
               <a:latin typeface="Arial"/>
             </a:endParaRPr>
           </a:p>
@@ -1928,11 +2122,12 @@
           </a:prstGeom>
         </p:spPr>
         <p:txBody>
-          <a:bodyPr lIns="0" rIns="0" tIns="0" bIns="0">
+          <a:bodyPr lIns="0" tIns="0" rIns="0" bIns="0">
             <a:normAutofit/>
           </a:bodyPr>
-          <a:p>
-            <a:endParaRPr b="0" lang="en-US" sz="3200" spc="-1" strike="noStrike">
+          <a:lstStyle/>
+          <a:p>
+            <a:endParaRPr lang="en-US" sz="3200" b="0" strike="noStrike" spc="-1">
               <a:latin typeface="Arial"/>
             </a:endParaRPr>
           </a:p>
@@ -1958,11 +2153,12 @@
           </a:prstGeom>
         </p:spPr>
         <p:txBody>
-          <a:bodyPr lIns="0" rIns="0" tIns="0" bIns="0">
+          <a:bodyPr lIns="0" tIns="0" rIns="0" bIns="0">
             <a:normAutofit/>
           </a:bodyPr>
-          <a:p>
-            <a:endParaRPr b="0" lang="en-US" sz="3200" spc="-1" strike="noStrike">
+          <a:lstStyle/>
+          <a:p>
+            <a:endParaRPr lang="en-US" sz="3200" b="0" strike="noStrike" spc="-1">
               <a:latin typeface="Arial"/>
             </a:endParaRPr>
           </a:p>
@@ -1988,11 +2184,12 @@
           </a:prstGeom>
         </p:spPr>
         <p:txBody>
-          <a:bodyPr lIns="0" rIns="0" tIns="0" bIns="0">
+          <a:bodyPr lIns="0" tIns="0" rIns="0" bIns="0">
             <a:normAutofit/>
           </a:bodyPr>
-          <a:p>
-            <a:endParaRPr b="0" lang="en-US" sz="3200" spc="-1" strike="noStrike">
+          <a:lstStyle/>
+          <a:p>
+            <a:endParaRPr lang="en-US" sz="3200" b="0" strike="noStrike" spc="-1">
               <a:latin typeface="Arial"/>
             </a:endParaRPr>
           </a:p>
@@ -2000,11 +2197,14 @@
       </p:sp>
     </p:spTree>
   </p:cSld>
+  <p:clrMapOvr>
+    <a:masterClrMapping/>
+  </p:clrMapOvr>
 </p:sldLayout>
 </file>
 
 <file path=ppt/slideLayouts/slideLayout25.xml><?xml version="1.0" encoding="utf-8"?>
-<p:sldLayout xmlns:a="http://schemas.openxmlformats.org/drawingml/2006/main" xmlns:p="http://schemas.openxmlformats.org/presentationml/2006/main" xmlns:r="http://schemas.openxmlformats.org/officeDocument/2006/relationships" xmlns:p14="http://schemas.microsoft.com/office/powerpoint/2010/main" xmlns:p15="http://schemas.microsoft.com/office/powerpoint/2012/main" xmlns:mc="http://schemas.openxmlformats.org/markup-compatibility/2006" type="blank" preserve="1">
+<p:sldLayout xmlns:a="http://schemas.openxmlformats.org/drawingml/2006/main" xmlns:r="http://schemas.openxmlformats.org/officeDocument/2006/relationships" xmlns:p="http://schemas.openxmlformats.org/presentationml/2006/main" type="blank" preserve="1">
   <p:cSld name="Blank Slide">
     <p:spTree>
       <p:nvGrpSpPr>
@@ -2022,11 +2222,14 @@
       </p:grpSpPr>
     </p:spTree>
   </p:cSld>
+  <p:clrMapOvr>
+    <a:masterClrMapping/>
+  </p:clrMapOvr>
 </p:sldLayout>
 </file>
 
 <file path=ppt/slideLayouts/slideLayout26.xml><?xml version="1.0" encoding="utf-8"?>
-<p:sldLayout xmlns:a="http://schemas.openxmlformats.org/drawingml/2006/main" xmlns:p="http://schemas.openxmlformats.org/presentationml/2006/main" xmlns:r="http://schemas.openxmlformats.org/officeDocument/2006/relationships" xmlns:p14="http://schemas.microsoft.com/office/powerpoint/2010/main" xmlns:p15="http://schemas.microsoft.com/office/powerpoint/2012/main" xmlns:mc="http://schemas.openxmlformats.org/markup-compatibility/2006" type="tx" preserve="1">
+<p:sldLayout xmlns:a="http://schemas.openxmlformats.org/drawingml/2006/main" xmlns:r="http://schemas.openxmlformats.org/officeDocument/2006/relationships" xmlns:p="http://schemas.openxmlformats.org/presentationml/2006/main" type="tx" preserve="1">
   <p:cSld name="Title Slide">
     <p:spTree>
       <p:nvGrpSpPr>
@@ -2062,12 +2265,13 @@
           </a:prstGeom>
         </p:spPr>
         <p:txBody>
-          <a:bodyPr lIns="0" rIns="0" tIns="0" bIns="0" anchor="ctr">
+          <a:bodyPr lIns="0" tIns="0" rIns="0" bIns="0" anchor="ctr">
             <a:noAutofit/>
           </a:bodyPr>
+          <a:lstStyle/>
           <a:p>
             <a:pPr algn="ctr"/>
-            <a:endParaRPr b="0" lang="en-US" sz="4400" spc="-1" strike="noStrike">
+            <a:endParaRPr lang="en-US" sz="4400" b="0" strike="noStrike" spc="-1">
               <a:latin typeface="Arial"/>
             </a:endParaRPr>
           </a:p>
@@ -2093,12 +2297,13 @@
           </a:prstGeom>
         </p:spPr>
         <p:txBody>
-          <a:bodyPr lIns="0" rIns="0" tIns="0" bIns="0" anchor="ctr">
+          <a:bodyPr lIns="0" tIns="0" rIns="0" bIns="0" anchor="ctr">
             <a:noAutofit/>
           </a:bodyPr>
+          <a:lstStyle/>
           <a:p>
             <a:pPr algn="ctr"/>
-            <a:endParaRPr b="0" lang="en-US" sz="3200" spc="-1" strike="noStrike">
+            <a:endParaRPr lang="en-US" sz="3200" b="0" strike="noStrike" spc="-1">
               <a:latin typeface="Arial"/>
             </a:endParaRPr>
           </a:p>
@@ -2106,11 +2311,14 @@
       </p:sp>
     </p:spTree>
   </p:cSld>
+  <p:clrMapOvr>
+    <a:masterClrMapping/>
+  </p:clrMapOvr>
 </p:sldLayout>
 </file>
 
 <file path=ppt/slideLayouts/slideLayout27.xml><?xml version="1.0" encoding="utf-8"?>
-<p:sldLayout xmlns:a="http://schemas.openxmlformats.org/drawingml/2006/main" xmlns:p="http://schemas.openxmlformats.org/presentationml/2006/main" xmlns:r="http://schemas.openxmlformats.org/officeDocument/2006/relationships" xmlns:p14="http://schemas.microsoft.com/office/powerpoint/2010/main" xmlns:p15="http://schemas.microsoft.com/office/powerpoint/2012/main" xmlns:mc="http://schemas.openxmlformats.org/markup-compatibility/2006" type="obj" preserve="1">
+<p:sldLayout xmlns:a="http://schemas.openxmlformats.org/drawingml/2006/main" xmlns:r="http://schemas.openxmlformats.org/officeDocument/2006/relationships" xmlns:p="http://schemas.openxmlformats.org/presentationml/2006/main" type="obj" preserve="1">
   <p:cSld name="Title, Content">
     <p:spTree>
       <p:nvGrpSpPr>
@@ -2146,12 +2354,13 @@
           </a:prstGeom>
         </p:spPr>
         <p:txBody>
-          <a:bodyPr lIns="0" rIns="0" tIns="0" bIns="0" anchor="ctr">
+          <a:bodyPr lIns="0" tIns="0" rIns="0" bIns="0" anchor="ctr">
             <a:noAutofit/>
           </a:bodyPr>
+          <a:lstStyle/>
           <a:p>
             <a:pPr algn="ctr"/>
-            <a:endParaRPr b="0" lang="en-US" sz="4400" spc="-1" strike="noStrike">
+            <a:endParaRPr lang="en-US" sz="4400" b="0" strike="noStrike" spc="-1">
               <a:latin typeface="Arial"/>
             </a:endParaRPr>
           </a:p>
@@ -2177,11 +2386,12 @@
           </a:prstGeom>
         </p:spPr>
         <p:txBody>
-          <a:bodyPr lIns="0" rIns="0" tIns="0" bIns="0">
+          <a:bodyPr lIns="0" tIns="0" rIns="0" bIns="0">
             <a:normAutofit/>
           </a:bodyPr>
-          <a:p>
-            <a:endParaRPr b="0" lang="en-US" sz="3200" spc="-1" strike="noStrike">
+          <a:lstStyle/>
+          <a:p>
+            <a:endParaRPr lang="en-US" sz="3200" b="0" strike="noStrike" spc="-1">
               <a:latin typeface="Arial"/>
             </a:endParaRPr>
           </a:p>
@@ -2189,11 +2399,14 @@
       </p:sp>
     </p:spTree>
   </p:cSld>
+  <p:clrMapOvr>
+    <a:masterClrMapping/>
+  </p:clrMapOvr>
 </p:sldLayout>
 </file>
 
 <file path=ppt/slideLayouts/slideLayout28.xml><?xml version="1.0" encoding="utf-8"?>
-<p:sldLayout xmlns:a="http://schemas.openxmlformats.org/drawingml/2006/main" xmlns:p="http://schemas.openxmlformats.org/presentationml/2006/main" xmlns:r="http://schemas.openxmlformats.org/officeDocument/2006/relationships" xmlns:p14="http://schemas.microsoft.com/office/powerpoint/2010/main" xmlns:p15="http://schemas.microsoft.com/office/powerpoint/2012/main" xmlns:mc="http://schemas.openxmlformats.org/markup-compatibility/2006" type="twoObj" preserve="1">
+<p:sldLayout xmlns:a="http://schemas.openxmlformats.org/drawingml/2006/main" xmlns:r="http://schemas.openxmlformats.org/officeDocument/2006/relationships" xmlns:p="http://schemas.openxmlformats.org/presentationml/2006/main" type="twoObj" preserve="1">
   <p:cSld name="Title, 2 Content">
     <p:spTree>
       <p:nvGrpSpPr>
@@ -2229,12 +2442,13 @@
           </a:prstGeom>
         </p:spPr>
         <p:txBody>
-          <a:bodyPr lIns="0" rIns="0" tIns="0" bIns="0" anchor="ctr">
+          <a:bodyPr lIns="0" tIns="0" rIns="0" bIns="0" anchor="ctr">
             <a:noAutofit/>
           </a:bodyPr>
+          <a:lstStyle/>
           <a:p>
             <a:pPr algn="ctr"/>
-            <a:endParaRPr b="0" lang="en-US" sz="4400" spc="-1" strike="noStrike">
+            <a:endParaRPr lang="en-US" sz="4400" b="0" strike="noStrike" spc="-1">
               <a:latin typeface="Arial"/>
             </a:endParaRPr>
           </a:p>
@@ -2260,11 +2474,12 @@
           </a:prstGeom>
         </p:spPr>
         <p:txBody>
-          <a:bodyPr lIns="0" rIns="0" tIns="0" bIns="0">
+          <a:bodyPr lIns="0" tIns="0" rIns="0" bIns="0">
             <a:normAutofit/>
           </a:bodyPr>
-          <a:p>
-            <a:endParaRPr b="0" lang="en-US" sz="3200" spc="-1" strike="noStrike">
+          <a:lstStyle/>
+          <a:p>
+            <a:endParaRPr lang="en-US" sz="3200" b="0" strike="noStrike" spc="-1">
               <a:latin typeface="Arial"/>
             </a:endParaRPr>
           </a:p>
@@ -2290,11 +2505,12 @@
           </a:prstGeom>
         </p:spPr>
         <p:txBody>
-          <a:bodyPr lIns="0" rIns="0" tIns="0" bIns="0">
+          <a:bodyPr lIns="0" tIns="0" rIns="0" bIns="0">
             <a:normAutofit/>
           </a:bodyPr>
-          <a:p>
-            <a:endParaRPr b="0" lang="en-US" sz="3200" spc="-1" strike="noStrike">
+          <a:lstStyle/>
+          <a:p>
+            <a:endParaRPr lang="en-US" sz="3200" b="0" strike="noStrike" spc="-1">
               <a:latin typeface="Arial"/>
             </a:endParaRPr>
           </a:p>
@@ -2302,11 +2518,14 @@
       </p:sp>
     </p:spTree>
   </p:cSld>
+  <p:clrMapOvr>
+    <a:masterClrMapping/>
+  </p:clrMapOvr>
 </p:sldLayout>
 </file>
 
 <file path=ppt/slideLayouts/slideLayout29.xml><?xml version="1.0" encoding="utf-8"?>
-<p:sldLayout xmlns:a="http://schemas.openxmlformats.org/drawingml/2006/main" xmlns:p="http://schemas.openxmlformats.org/presentationml/2006/main" xmlns:r="http://schemas.openxmlformats.org/officeDocument/2006/relationships" xmlns:p14="http://schemas.microsoft.com/office/powerpoint/2010/main" xmlns:p15="http://schemas.microsoft.com/office/powerpoint/2012/main" xmlns:mc="http://schemas.openxmlformats.org/markup-compatibility/2006" type="titleOnly" preserve="1">
+<p:sldLayout xmlns:a="http://schemas.openxmlformats.org/drawingml/2006/main" xmlns:r="http://schemas.openxmlformats.org/officeDocument/2006/relationships" xmlns:p="http://schemas.openxmlformats.org/presentationml/2006/main" type="titleOnly" preserve="1">
   <p:cSld name="Title Only">
     <p:spTree>
       <p:nvGrpSpPr>
@@ -2342,12 +2561,13 @@
           </a:prstGeom>
         </p:spPr>
         <p:txBody>
-          <a:bodyPr lIns="0" rIns="0" tIns="0" bIns="0" anchor="ctr">
+          <a:bodyPr lIns="0" tIns="0" rIns="0" bIns="0" anchor="ctr">
             <a:noAutofit/>
           </a:bodyPr>
+          <a:lstStyle/>
           <a:p>
             <a:pPr algn="ctr"/>
-            <a:endParaRPr b="0" lang="en-US" sz="4400" spc="-1" strike="noStrike">
+            <a:endParaRPr lang="en-US" sz="4400" b="0" strike="noStrike" spc="-1">
               <a:latin typeface="Arial"/>
             </a:endParaRPr>
           </a:p>
@@ -2355,11 +2575,14 @@
       </p:sp>
     </p:spTree>
   </p:cSld>
+  <p:clrMapOvr>
+    <a:masterClrMapping/>
+  </p:clrMapOvr>
 </p:sldLayout>
 </file>
 
 <file path=ppt/slideLayouts/slideLayout3.xml><?xml version="1.0" encoding="utf-8"?>
-<p:sldLayout xmlns:a="http://schemas.openxmlformats.org/drawingml/2006/main" xmlns:p="http://schemas.openxmlformats.org/presentationml/2006/main" xmlns:r="http://schemas.openxmlformats.org/officeDocument/2006/relationships" xmlns:p14="http://schemas.microsoft.com/office/powerpoint/2010/main" xmlns:p15="http://schemas.microsoft.com/office/powerpoint/2012/main" xmlns:mc="http://schemas.openxmlformats.org/markup-compatibility/2006" type="obj" preserve="1">
+<p:sldLayout xmlns:a="http://schemas.openxmlformats.org/drawingml/2006/main" xmlns:r="http://schemas.openxmlformats.org/officeDocument/2006/relationships" xmlns:p="http://schemas.openxmlformats.org/presentationml/2006/main" type="obj" preserve="1">
   <p:cSld name="Title, Content">
     <p:spTree>
       <p:nvGrpSpPr>
@@ -2395,12 +2618,13 @@
           </a:prstGeom>
         </p:spPr>
         <p:txBody>
-          <a:bodyPr lIns="0" rIns="0" tIns="0" bIns="0" anchor="ctr">
+          <a:bodyPr lIns="0" tIns="0" rIns="0" bIns="0" anchor="ctr">
             <a:noAutofit/>
           </a:bodyPr>
+          <a:lstStyle/>
           <a:p>
             <a:pPr algn="ctr"/>
-            <a:endParaRPr b="0" lang="en-US" sz="4400" spc="-1" strike="noStrike">
+            <a:endParaRPr lang="en-US" sz="4400" b="0" strike="noStrike" spc="-1">
               <a:latin typeface="Arial"/>
             </a:endParaRPr>
           </a:p>
@@ -2426,11 +2650,12 @@
           </a:prstGeom>
         </p:spPr>
         <p:txBody>
-          <a:bodyPr lIns="0" rIns="0" tIns="0" bIns="0">
+          <a:bodyPr lIns="0" tIns="0" rIns="0" bIns="0">
             <a:normAutofit/>
           </a:bodyPr>
-          <a:p>
-            <a:endParaRPr b="0" lang="en-US" sz="3200" spc="-1" strike="noStrike">
+          <a:lstStyle/>
+          <a:p>
+            <a:endParaRPr lang="en-US" sz="3200" b="0" strike="noStrike" spc="-1">
               <a:latin typeface="Arial"/>
             </a:endParaRPr>
           </a:p>
@@ -2438,11 +2663,14 @@
       </p:sp>
     </p:spTree>
   </p:cSld>
+  <p:clrMapOvr>
+    <a:masterClrMapping/>
+  </p:clrMapOvr>
 </p:sldLayout>
 </file>
 
 <file path=ppt/slideLayouts/slideLayout30.xml><?xml version="1.0" encoding="utf-8"?>
-<p:sldLayout xmlns:a="http://schemas.openxmlformats.org/drawingml/2006/main" xmlns:p="http://schemas.openxmlformats.org/presentationml/2006/main" xmlns:r="http://schemas.openxmlformats.org/officeDocument/2006/relationships" xmlns:p14="http://schemas.microsoft.com/office/powerpoint/2010/main" xmlns:p15="http://schemas.microsoft.com/office/powerpoint/2012/main" xmlns:mc="http://schemas.openxmlformats.org/markup-compatibility/2006" type="objOnly" preserve="1">
+<p:sldLayout xmlns:a="http://schemas.openxmlformats.org/drawingml/2006/main" xmlns:r="http://schemas.openxmlformats.org/officeDocument/2006/relationships" xmlns:p="http://schemas.openxmlformats.org/presentationml/2006/main" type="objOnly" preserve="1">
   <p:cSld name="Centered Text">
     <p:spTree>
       <p:nvGrpSpPr>
@@ -2478,12 +2706,13 @@
           </a:prstGeom>
         </p:spPr>
         <p:txBody>
-          <a:bodyPr lIns="0" rIns="0" tIns="0" bIns="0" anchor="ctr">
+          <a:bodyPr lIns="0" tIns="0" rIns="0" bIns="0" anchor="ctr">
             <a:noAutofit/>
           </a:bodyPr>
+          <a:lstStyle/>
           <a:p>
             <a:pPr algn="ctr"/>
-            <a:endParaRPr b="0" lang="en-US" sz="3200" spc="-1" strike="noStrike">
+            <a:endParaRPr lang="en-US" sz="3200" b="0" strike="noStrike" spc="-1">
               <a:latin typeface="Arial"/>
             </a:endParaRPr>
           </a:p>
@@ -2491,11 +2720,14 @@
       </p:sp>
     </p:spTree>
   </p:cSld>
+  <p:clrMapOvr>
+    <a:masterClrMapping/>
+  </p:clrMapOvr>
 </p:sldLayout>
 </file>
 
 <file path=ppt/slideLayouts/slideLayout31.xml><?xml version="1.0" encoding="utf-8"?>
-<p:sldLayout xmlns:a="http://schemas.openxmlformats.org/drawingml/2006/main" xmlns:p="http://schemas.openxmlformats.org/presentationml/2006/main" xmlns:r="http://schemas.openxmlformats.org/officeDocument/2006/relationships" xmlns:p14="http://schemas.microsoft.com/office/powerpoint/2010/main" xmlns:p15="http://schemas.microsoft.com/office/powerpoint/2012/main" xmlns:mc="http://schemas.openxmlformats.org/markup-compatibility/2006" type="twoObjAndObj" preserve="1">
+<p:sldLayout xmlns:a="http://schemas.openxmlformats.org/drawingml/2006/main" xmlns:r="http://schemas.openxmlformats.org/officeDocument/2006/relationships" xmlns:p="http://schemas.openxmlformats.org/presentationml/2006/main" type="twoObjAndObj" preserve="1">
   <p:cSld name="Title, 2 Content and Content">
     <p:spTree>
       <p:nvGrpSpPr>
@@ -2531,12 +2763,13 @@
           </a:prstGeom>
         </p:spPr>
         <p:txBody>
-          <a:bodyPr lIns="0" rIns="0" tIns="0" bIns="0" anchor="ctr">
+          <a:bodyPr lIns="0" tIns="0" rIns="0" bIns="0" anchor="ctr">
             <a:noAutofit/>
           </a:bodyPr>
+          <a:lstStyle/>
           <a:p>
             <a:pPr algn="ctr"/>
-            <a:endParaRPr b="0" lang="en-US" sz="4400" spc="-1" strike="noStrike">
+            <a:endParaRPr lang="en-US" sz="4400" b="0" strike="noStrike" spc="-1">
               <a:latin typeface="Arial"/>
             </a:endParaRPr>
           </a:p>
@@ -2562,11 +2795,12 @@
           </a:prstGeom>
         </p:spPr>
         <p:txBody>
-          <a:bodyPr lIns="0" rIns="0" tIns="0" bIns="0">
+          <a:bodyPr lIns="0" tIns="0" rIns="0" bIns="0">
             <a:normAutofit/>
           </a:bodyPr>
-          <a:p>
-            <a:endParaRPr b="0" lang="en-US" sz="3200" spc="-1" strike="noStrike">
+          <a:lstStyle/>
+          <a:p>
+            <a:endParaRPr lang="en-US" sz="3200" b="0" strike="noStrike" spc="-1">
               <a:latin typeface="Arial"/>
             </a:endParaRPr>
           </a:p>
@@ -2592,11 +2826,12 @@
           </a:prstGeom>
         </p:spPr>
         <p:txBody>
-          <a:bodyPr lIns="0" rIns="0" tIns="0" bIns="0">
+          <a:bodyPr lIns="0" tIns="0" rIns="0" bIns="0">
             <a:normAutofit/>
           </a:bodyPr>
-          <a:p>
-            <a:endParaRPr b="0" lang="en-US" sz="3200" spc="-1" strike="noStrike">
+          <a:lstStyle/>
+          <a:p>
+            <a:endParaRPr lang="en-US" sz="3200" b="0" strike="noStrike" spc="-1">
               <a:latin typeface="Arial"/>
             </a:endParaRPr>
           </a:p>
@@ -2622,11 +2857,12 @@
           </a:prstGeom>
         </p:spPr>
         <p:txBody>
-          <a:bodyPr lIns="0" rIns="0" tIns="0" bIns="0">
+          <a:bodyPr lIns="0" tIns="0" rIns="0" bIns="0">
             <a:normAutofit/>
           </a:bodyPr>
-          <a:p>
-            <a:endParaRPr b="0" lang="en-US" sz="3200" spc="-1" strike="noStrike">
+          <a:lstStyle/>
+          <a:p>
+            <a:endParaRPr lang="en-US" sz="3200" b="0" strike="noStrike" spc="-1">
               <a:latin typeface="Arial"/>
             </a:endParaRPr>
           </a:p>
@@ -2634,11 +2870,14 @@
       </p:sp>
     </p:spTree>
   </p:cSld>
+  <p:clrMapOvr>
+    <a:masterClrMapping/>
+  </p:clrMapOvr>
 </p:sldLayout>
 </file>
 
 <file path=ppt/slideLayouts/slideLayout32.xml><?xml version="1.0" encoding="utf-8"?>
-<p:sldLayout xmlns:a="http://schemas.openxmlformats.org/drawingml/2006/main" xmlns:p="http://schemas.openxmlformats.org/presentationml/2006/main" xmlns:r="http://schemas.openxmlformats.org/officeDocument/2006/relationships" xmlns:p14="http://schemas.microsoft.com/office/powerpoint/2010/main" xmlns:p15="http://schemas.microsoft.com/office/powerpoint/2012/main" xmlns:mc="http://schemas.openxmlformats.org/markup-compatibility/2006" type="objAndTwoObj" preserve="1">
+<p:sldLayout xmlns:a="http://schemas.openxmlformats.org/drawingml/2006/main" xmlns:r="http://schemas.openxmlformats.org/officeDocument/2006/relationships" xmlns:p="http://schemas.openxmlformats.org/presentationml/2006/main" type="objAndTwoObj" preserve="1">
   <p:cSld name="Title Content and 2 Content">
     <p:spTree>
       <p:nvGrpSpPr>
@@ -2674,12 +2913,13 @@
           </a:prstGeom>
         </p:spPr>
         <p:txBody>
-          <a:bodyPr lIns="0" rIns="0" tIns="0" bIns="0" anchor="ctr">
+          <a:bodyPr lIns="0" tIns="0" rIns="0" bIns="0" anchor="ctr">
             <a:noAutofit/>
           </a:bodyPr>
+          <a:lstStyle/>
           <a:p>
             <a:pPr algn="ctr"/>
-            <a:endParaRPr b="0" lang="en-US" sz="4400" spc="-1" strike="noStrike">
+            <a:endParaRPr lang="en-US" sz="4400" b="0" strike="noStrike" spc="-1">
               <a:latin typeface="Arial"/>
             </a:endParaRPr>
           </a:p>
@@ -2705,11 +2945,12 @@
           </a:prstGeom>
         </p:spPr>
         <p:txBody>
-          <a:bodyPr lIns="0" rIns="0" tIns="0" bIns="0">
+          <a:bodyPr lIns="0" tIns="0" rIns="0" bIns="0">
             <a:normAutofit/>
           </a:bodyPr>
-          <a:p>
-            <a:endParaRPr b="0" lang="en-US" sz="3200" spc="-1" strike="noStrike">
+          <a:lstStyle/>
+          <a:p>
+            <a:endParaRPr lang="en-US" sz="3200" b="0" strike="noStrike" spc="-1">
               <a:latin typeface="Arial"/>
             </a:endParaRPr>
           </a:p>
@@ -2735,11 +2976,12 @@
           </a:prstGeom>
         </p:spPr>
         <p:txBody>
-          <a:bodyPr lIns="0" rIns="0" tIns="0" bIns="0">
+          <a:bodyPr lIns="0" tIns="0" rIns="0" bIns="0">
             <a:normAutofit/>
           </a:bodyPr>
-          <a:p>
-            <a:endParaRPr b="0" lang="en-US" sz="3200" spc="-1" strike="noStrike">
+          <a:lstStyle/>
+          <a:p>
+            <a:endParaRPr lang="en-US" sz="3200" b="0" strike="noStrike" spc="-1">
               <a:latin typeface="Arial"/>
             </a:endParaRPr>
           </a:p>
@@ -2765,11 +3007,12 @@
           </a:prstGeom>
         </p:spPr>
         <p:txBody>
-          <a:bodyPr lIns="0" rIns="0" tIns="0" bIns="0">
+          <a:bodyPr lIns="0" tIns="0" rIns="0" bIns="0">
             <a:normAutofit/>
           </a:bodyPr>
-          <a:p>
-            <a:endParaRPr b="0" lang="en-US" sz="3200" spc="-1" strike="noStrike">
+          <a:lstStyle/>
+          <a:p>
+            <a:endParaRPr lang="en-US" sz="3200" b="0" strike="noStrike" spc="-1">
               <a:latin typeface="Arial"/>
             </a:endParaRPr>
           </a:p>
@@ -2777,11 +3020,14 @@
       </p:sp>
     </p:spTree>
   </p:cSld>
+  <p:clrMapOvr>
+    <a:masterClrMapping/>
+  </p:clrMapOvr>
 </p:sldLayout>
 </file>
 
 <file path=ppt/slideLayouts/slideLayout33.xml><?xml version="1.0" encoding="utf-8"?>
-<p:sldLayout xmlns:a="http://schemas.openxmlformats.org/drawingml/2006/main" xmlns:p="http://schemas.openxmlformats.org/presentationml/2006/main" xmlns:r="http://schemas.openxmlformats.org/officeDocument/2006/relationships" xmlns:p14="http://schemas.microsoft.com/office/powerpoint/2010/main" xmlns:p15="http://schemas.microsoft.com/office/powerpoint/2012/main" xmlns:mc="http://schemas.openxmlformats.org/markup-compatibility/2006" type="twoObjOverTx" preserve="1">
+<p:sldLayout xmlns:a="http://schemas.openxmlformats.org/drawingml/2006/main" xmlns:r="http://schemas.openxmlformats.org/officeDocument/2006/relationships" xmlns:p="http://schemas.openxmlformats.org/presentationml/2006/main" type="twoObjOverTx" preserve="1">
   <p:cSld name="Title, 2 Content over Content">
     <p:spTree>
       <p:nvGrpSpPr>
@@ -2817,12 +3063,13 @@
           </a:prstGeom>
         </p:spPr>
         <p:txBody>
-          <a:bodyPr lIns="0" rIns="0" tIns="0" bIns="0" anchor="ctr">
+          <a:bodyPr lIns="0" tIns="0" rIns="0" bIns="0" anchor="ctr">
             <a:noAutofit/>
           </a:bodyPr>
+          <a:lstStyle/>
           <a:p>
             <a:pPr algn="ctr"/>
-            <a:endParaRPr b="0" lang="en-US" sz="4400" spc="-1" strike="noStrike">
+            <a:endParaRPr lang="en-US" sz="4400" b="0" strike="noStrike" spc="-1">
               <a:latin typeface="Arial"/>
             </a:endParaRPr>
           </a:p>
@@ -2848,11 +3095,12 @@
           </a:prstGeom>
         </p:spPr>
         <p:txBody>
-          <a:bodyPr lIns="0" rIns="0" tIns="0" bIns="0">
+          <a:bodyPr lIns="0" tIns="0" rIns="0" bIns="0">
             <a:normAutofit/>
           </a:bodyPr>
-          <a:p>
-            <a:endParaRPr b="0" lang="en-US" sz="3200" spc="-1" strike="noStrike">
+          <a:lstStyle/>
+          <a:p>
+            <a:endParaRPr lang="en-US" sz="3200" b="0" strike="noStrike" spc="-1">
               <a:latin typeface="Arial"/>
             </a:endParaRPr>
           </a:p>
@@ -2878,11 +3126,12 @@
           </a:prstGeom>
         </p:spPr>
         <p:txBody>
-          <a:bodyPr lIns="0" rIns="0" tIns="0" bIns="0">
+          <a:bodyPr lIns="0" tIns="0" rIns="0" bIns="0">
             <a:normAutofit/>
           </a:bodyPr>
-          <a:p>
-            <a:endParaRPr b="0" lang="en-US" sz="3200" spc="-1" strike="noStrike">
+          <a:lstStyle/>
+          <a:p>
+            <a:endParaRPr lang="en-US" sz="3200" b="0" strike="noStrike" spc="-1">
               <a:latin typeface="Arial"/>
             </a:endParaRPr>
           </a:p>
@@ -2908,11 +3157,12 @@
           </a:prstGeom>
         </p:spPr>
         <p:txBody>
-          <a:bodyPr lIns="0" rIns="0" tIns="0" bIns="0">
+          <a:bodyPr lIns="0" tIns="0" rIns="0" bIns="0">
             <a:normAutofit/>
           </a:bodyPr>
-          <a:p>
-            <a:endParaRPr b="0" lang="en-US" sz="3200" spc="-1" strike="noStrike">
+          <a:lstStyle/>
+          <a:p>
+            <a:endParaRPr lang="en-US" sz="3200" b="0" strike="noStrike" spc="-1">
               <a:latin typeface="Arial"/>
             </a:endParaRPr>
           </a:p>
@@ -2920,11 +3170,14 @@
       </p:sp>
     </p:spTree>
   </p:cSld>
+  <p:clrMapOvr>
+    <a:masterClrMapping/>
+  </p:clrMapOvr>
 </p:sldLayout>
 </file>
 
 <file path=ppt/slideLayouts/slideLayout34.xml><?xml version="1.0" encoding="utf-8"?>
-<p:sldLayout xmlns:a="http://schemas.openxmlformats.org/drawingml/2006/main" xmlns:p="http://schemas.openxmlformats.org/presentationml/2006/main" xmlns:r="http://schemas.openxmlformats.org/officeDocument/2006/relationships" xmlns:p14="http://schemas.microsoft.com/office/powerpoint/2010/main" xmlns:p15="http://schemas.microsoft.com/office/powerpoint/2012/main" xmlns:mc="http://schemas.openxmlformats.org/markup-compatibility/2006" type="objOverTx" preserve="1">
+<p:sldLayout xmlns:a="http://schemas.openxmlformats.org/drawingml/2006/main" xmlns:r="http://schemas.openxmlformats.org/officeDocument/2006/relationships" xmlns:p="http://schemas.openxmlformats.org/presentationml/2006/main" type="objOverTx" preserve="1">
   <p:cSld name="Title, Content over Content">
     <p:spTree>
       <p:nvGrpSpPr>
@@ -2960,12 +3213,13 @@
           </a:prstGeom>
         </p:spPr>
         <p:txBody>
-          <a:bodyPr lIns="0" rIns="0" tIns="0" bIns="0" anchor="ctr">
+          <a:bodyPr lIns="0" tIns="0" rIns="0" bIns="0" anchor="ctr">
             <a:noAutofit/>
           </a:bodyPr>
+          <a:lstStyle/>
           <a:p>
             <a:pPr algn="ctr"/>
-            <a:endParaRPr b="0" lang="en-US" sz="4400" spc="-1" strike="noStrike">
+            <a:endParaRPr lang="en-US" sz="4400" b="0" strike="noStrike" spc="-1">
               <a:latin typeface="Arial"/>
             </a:endParaRPr>
           </a:p>
@@ -2991,11 +3245,12 @@
           </a:prstGeom>
         </p:spPr>
         <p:txBody>
-          <a:bodyPr lIns="0" rIns="0" tIns="0" bIns="0">
+          <a:bodyPr lIns="0" tIns="0" rIns="0" bIns="0">
             <a:normAutofit/>
           </a:bodyPr>
-          <a:p>
-            <a:endParaRPr b="0" lang="en-US" sz="3200" spc="-1" strike="noStrike">
+          <a:lstStyle/>
+          <a:p>
+            <a:endParaRPr lang="en-US" sz="3200" b="0" strike="noStrike" spc="-1">
               <a:latin typeface="Arial"/>
             </a:endParaRPr>
           </a:p>
@@ -3021,11 +3276,12 @@
           </a:prstGeom>
         </p:spPr>
         <p:txBody>
-          <a:bodyPr lIns="0" rIns="0" tIns="0" bIns="0">
+          <a:bodyPr lIns="0" tIns="0" rIns="0" bIns="0">
             <a:normAutofit/>
           </a:bodyPr>
-          <a:p>
-            <a:endParaRPr b="0" lang="en-US" sz="3200" spc="-1" strike="noStrike">
+          <a:lstStyle/>
+          <a:p>
+            <a:endParaRPr lang="en-US" sz="3200" b="0" strike="noStrike" spc="-1">
               <a:latin typeface="Arial"/>
             </a:endParaRPr>
           </a:p>
@@ -3033,11 +3289,14 @@
       </p:sp>
     </p:spTree>
   </p:cSld>
+  <p:clrMapOvr>
+    <a:masterClrMapping/>
+  </p:clrMapOvr>
 </p:sldLayout>
 </file>
 
 <file path=ppt/slideLayouts/slideLayout35.xml><?xml version="1.0" encoding="utf-8"?>
-<p:sldLayout xmlns:a="http://schemas.openxmlformats.org/drawingml/2006/main" xmlns:p="http://schemas.openxmlformats.org/presentationml/2006/main" xmlns:r="http://schemas.openxmlformats.org/officeDocument/2006/relationships" xmlns:p14="http://schemas.microsoft.com/office/powerpoint/2010/main" xmlns:p15="http://schemas.microsoft.com/office/powerpoint/2012/main" xmlns:mc="http://schemas.openxmlformats.org/markup-compatibility/2006" type="fourObj" preserve="1">
+<p:sldLayout xmlns:a="http://schemas.openxmlformats.org/drawingml/2006/main" xmlns:r="http://schemas.openxmlformats.org/officeDocument/2006/relationships" xmlns:p="http://schemas.openxmlformats.org/presentationml/2006/main" type="fourObj" preserve="1">
   <p:cSld name="Title, 4 Content">
     <p:spTree>
       <p:nvGrpSpPr>
@@ -3073,12 +3332,13 @@
           </a:prstGeom>
         </p:spPr>
         <p:txBody>
-          <a:bodyPr lIns="0" rIns="0" tIns="0" bIns="0" anchor="ctr">
+          <a:bodyPr lIns="0" tIns="0" rIns="0" bIns="0" anchor="ctr">
             <a:noAutofit/>
           </a:bodyPr>
+          <a:lstStyle/>
           <a:p>
             <a:pPr algn="ctr"/>
-            <a:endParaRPr b="0" lang="en-US" sz="4400" spc="-1" strike="noStrike">
+            <a:endParaRPr lang="en-US" sz="4400" b="0" strike="noStrike" spc="-1">
               <a:latin typeface="Arial"/>
             </a:endParaRPr>
           </a:p>
@@ -3104,11 +3364,12 @@
           </a:prstGeom>
         </p:spPr>
         <p:txBody>
-          <a:bodyPr lIns="0" rIns="0" tIns="0" bIns="0">
+          <a:bodyPr lIns="0" tIns="0" rIns="0" bIns="0">
             <a:normAutofit/>
           </a:bodyPr>
-          <a:p>
-            <a:endParaRPr b="0" lang="en-US" sz="3200" spc="-1" strike="noStrike">
+          <a:lstStyle/>
+          <a:p>
+            <a:endParaRPr lang="en-US" sz="3200" b="0" strike="noStrike" spc="-1">
               <a:latin typeface="Arial"/>
             </a:endParaRPr>
           </a:p>
@@ -3134,11 +3395,12 @@
           </a:prstGeom>
         </p:spPr>
         <p:txBody>
-          <a:bodyPr lIns="0" rIns="0" tIns="0" bIns="0">
+          <a:bodyPr lIns="0" tIns="0" rIns="0" bIns="0">
             <a:normAutofit/>
           </a:bodyPr>
-          <a:p>
-            <a:endParaRPr b="0" lang="en-US" sz="3200" spc="-1" strike="noStrike">
+          <a:lstStyle/>
+          <a:p>
+            <a:endParaRPr lang="en-US" sz="3200" b="0" strike="noStrike" spc="-1">
               <a:latin typeface="Arial"/>
             </a:endParaRPr>
           </a:p>
@@ -3164,11 +3426,12 @@
           </a:prstGeom>
         </p:spPr>
         <p:txBody>
-          <a:bodyPr lIns="0" rIns="0" tIns="0" bIns="0">
+          <a:bodyPr lIns="0" tIns="0" rIns="0" bIns="0">
             <a:normAutofit/>
           </a:bodyPr>
-          <a:p>
-            <a:endParaRPr b="0" lang="en-US" sz="3200" spc="-1" strike="noStrike">
+          <a:lstStyle/>
+          <a:p>
+            <a:endParaRPr lang="en-US" sz="3200" b="0" strike="noStrike" spc="-1">
               <a:latin typeface="Arial"/>
             </a:endParaRPr>
           </a:p>
@@ -3194,11 +3457,12 @@
           </a:prstGeom>
         </p:spPr>
         <p:txBody>
-          <a:bodyPr lIns="0" rIns="0" tIns="0" bIns="0">
+          <a:bodyPr lIns="0" tIns="0" rIns="0" bIns="0">
             <a:normAutofit/>
           </a:bodyPr>
-          <a:p>
-            <a:endParaRPr b="0" lang="en-US" sz="3200" spc="-1" strike="noStrike">
+          <a:lstStyle/>
+          <a:p>
+            <a:endParaRPr lang="en-US" sz="3200" b="0" strike="noStrike" spc="-1">
               <a:latin typeface="Arial"/>
             </a:endParaRPr>
           </a:p>
@@ -3206,11 +3470,14 @@
       </p:sp>
     </p:spTree>
   </p:cSld>
+  <p:clrMapOvr>
+    <a:masterClrMapping/>
+  </p:clrMapOvr>
 </p:sldLayout>
 </file>
 
 <file path=ppt/slideLayouts/slideLayout36.xml><?xml version="1.0" encoding="utf-8"?>
-<p:sldLayout xmlns:a="http://schemas.openxmlformats.org/drawingml/2006/main" xmlns:p="http://schemas.openxmlformats.org/presentationml/2006/main" xmlns:r="http://schemas.openxmlformats.org/officeDocument/2006/relationships" xmlns:p14="http://schemas.microsoft.com/office/powerpoint/2010/main" xmlns:p15="http://schemas.microsoft.com/office/powerpoint/2012/main" xmlns:mc="http://schemas.openxmlformats.org/markup-compatibility/2006" type="blank" preserve="1">
+<p:sldLayout xmlns:a="http://schemas.openxmlformats.org/drawingml/2006/main" xmlns:r="http://schemas.openxmlformats.org/officeDocument/2006/relationships" xmlns:p="http://schemas.openxmlformats.org/presentationml/2006/main" type="blank" preserve="1">
   <p:cSld name="Title, 6 Content">
     <p:spTree>
       <p:nvGrpSpPr>
@@ -3246,12 +3513,13 @@
           </a:prstGeom>
         </p:spPr>
         <p:txBody>
-          <a:bodyPr lIns="0" rIns="0" tIns="0" bIns="0" anchor="ctr">
+          <a:bodyPr lIns="0" tIns="0" rIns="0" bIns="0" anchor="ctr">
             <a:noAutofit/>
           </a:bodyPr>
+          <a:lstStyle/>
           <a:p>
             <a:pPr algn="ctr"/>
-            <a:endParaRPr b="0" lang="en-US" sz="4400" spc="-1" strike="noStrike">
+            <a:endParaRPr lang="en-US" sz="4400" b="0" strike="noStrike" spc="-1">
               <a:latin typeface="Arial"/>
             </a:endParaRPr>
           </a:p>
@@ -3277,11 +3545,12 @@
           </a:prstGeom>
         </p:spPr>
         <p:txBody>
-          <a:bodyPr lIns="0" rIns="0" tIns="0" bIns="0">
+          <a:bodyPr lIns="0" tIns="0" rIns="0" bIns="0">
             <a:normAutofit/>
           </a:bodyPr>
-          <a:p>
-            <a:endParaRPr b="0" lang="en-US" sz="3200" spc="-1" strike="noStrike">
+          <a:lstStyle/>
+          <a:p>
+            <a:endParaRPr lang="en-US" sz="3200" b="0" strike="noStrike" spc="-1">
               <a:latin typeface="Arial"/>
             </a:endParaRPr>
           </a:p>
@@ -3307,11 +3576,12 @@
           </a:prstGeom>
         </p:spPr>
         <p:txBody>
-          <a:bodyPr lIns="0" rIns="0" tIns="0" bIns="0">
+          <a:bodyPr lIns="0" tIns="0" rIns="0" bIns="0">
             <a:normAutofit/>
           </a:bodyPr>
-          <a:p>
-            <a:endParaRPr b="0" lang="en-US" sz="3200" spc="-1" strike="noStrike">
+          <a:lstStyle/>
+          <a:p>
+            <a:endParaRPr lang="en-US" sz="3200" b="0" strike="noStrike" spc="-1">
               <a:latin typeface="Arial"/>
             </a:endParaRPr>
           </a:p>
@@ -3337,11 +3607,12 @@
           </a:prstGeom>
         </p:spPr>
         <p:txBody>
-          <a:bodyPr lIns="0" rIns="0" tIns="0" bIns="0">
+          <a:bodyPr lIns="0" tIns="0" rIns="0" bIns="0">
             <a:normAutofit/>
           </a:bodyPr>
-          <a:p>
-            <a:endParaRPr b="0" lang="en-US" sz="3200" spc="-1" strike="noStrike">
+          <a:lstStyle/>
+          <a:p>
+            <a:endParaRPr lang="en-US" sz="3200" b="0" strike="noStrike" spc="-1">
               <a:latin typeface="Arial"/>
             </a:endParaRPr>
           </a:p>
@@ -3367,11 +3638,12 @@
           </a:prstGeom>
         </p:spPr>
         <p:txBody>
-          <a:bodyPr lIns="0" rIns="0" tIns="0" bIns="0">
+          <a:bodyPr lIns="0" tIns="0" rIns="0" bIns="0">
             <a:normAutofit/>
           </a:bodyPr>
-          <a:p>
-            <a:endParaRPr b="0" lang="en-US" sz="3200" spc="-1" strike="noStrike">
+          <a:lstStyle/>
+          <a:p>
+            <a:endParaRPr lang="en-US" sz="3200" b="0" strike="noStrike" spc="-1">
               <a:latin typeface="Arial"/>
             </a:endParaRPr>
           </a:p>
@@ -3397,11 +3669,12 @@
           </a:prstGeom>
         </p:spPr>
         <p:txBody>
-          <a:bodyPr lIns="0" rIns="0" tIns="0" bIns="0">
+          <a:bodyPr lIns="0" tIns="0" rIns="0" bIns="0">
             <a:normAutofit/>
           </a:bodyPr>
-          <a:p>
-            <a:endParaRPr b="0" lang="en-US" sz="3200" spc="-1" strike="noStrike">
+          <a:lstStyle/>
+          <a:p>
+            <a:endParaRPr lang="en-US" sz="3200" b="0" strike="noStrike" spc="-1">
               <a:latin typeface="Arial"/>
             </a:endParaRPr>
           </a:p>
@@ -3427,11 +3700,12 @@
           </a:prstGeom>
         </p:spPr>
         <p:txBody>
-          <a:bodyPr lIns="0" rIns="0" tIns="0" bIns="0">
+          <a:bodyPr lIns="0" tIns="0" rIns="0" bIns="0">
             <a:normAutofit/>
           </a:bodyPr>
-          <a:p>
-            <a:endParaRPr b="0" lang="en-US" sz="3200" spc="-1" strike="noStrike">
+          <a:lstStyle/>
+          <a:p>
+            <a:endParaRPr lang="en-US" sz="3200" b="0" strike="noStrike" spc="-1">
               <a:latin typeface="Arial"/>
             </a:endParaRPr>
           </a:p>
@@ -3439,11 +3713,14 @@
       </p:sp>
     </p:spTree>
   </p:cSld>
+  <p:clrMapOvr>
+    <a:masterClrMapping/>
+  </p:clrMapOvr>
 </p:sldLayout>
 </file>
 
 <file path=ppt/slideLayouts/slideLayout37.xml><?xml version="1.0" encoding="utf-8"?>
-<p:sldLayout xmlns:a="http://schemas.openxmlformats.org/drawingml/2006/main" xmlns:p="http://schemas.openxmlformats.org/presentationml/2006/main" xmlns:r="http://schemas.openxmlformats.org/officeDocument/2006/relationships" xmlns:p14="http://schemas.microsoft.com/office/powerpoint/2010/main" xmlns:p15="http://schemas.microsoft.com/office/powerpoint/2012/main" xmlns:mc="http://schemas.openxmlformats.org/markup-compatibility/2006" type="blank" preserve="1">
+<p:sldLayout xmlns:a="http://schemas.openxmlformats.org/drawingml/2006/main" xmlns:r="http://schemas.openxmlformats.org/officeDocument/2006/relationships" xmlns:p="http://schemas.openxmlformats.org/presentationml/2006/main" type="blank" preserve="1">
   <p:cSld name="Blank Slide">
     <p:spTree>
       <p:nvGrpSpPr>
@@ -3461,11 +3738,14 @@
       </p:grpSpPr>
     </p:spTree>
   </p:cSld>
+  <p:clrMapOvr>
+    <a:masterClrMapping/>
+  </p:clrMapOvr>
 </p:sldLayout>
 </file>
 
 <file path=ppt/slideLayouts/slideLayout38.xml><?xml version="1.0" encoding="utf-8"?>
-<p:sldLayout xmlns:a="http://schemas.openxmlformats.org/drawingml/2006/main" xmlns:p="http://schemas.openxmlformats.org/presentationml/2006/main" xmlns:r="http://schemas.openxmlformats.org/officeDocument/2006/relationships" xmlns:p14="http://schemas.microsoft.com/office/powerpoint/2010/main" xmlns:p15="http://schemas.microsoft.com/office/powerpoint/2012/main" xmlns:mc="http://schemas.openxmlformats.org/markup-compatibility/2006" type="tx" preserve="1">
+<p:sldLayout xmlns:a="http://schemas.openxmlformats.org/drawingml/2006/main" xmlns:r="http://schemas.openxmlformats.org/officeDocument/2006/relationships" xmlns:p="http://schemas.openxmlformats.org/presentationml/2006/main" type="tx" preserve="1">
   <p:cSld name="Title Slide">
     <p:spTree>
       <p:nvGrpSpPr>
@@ -3501,12 +3781,13 @@
           </a:prstGeom>
         </p:spPr>
         <p:txBody>
-          <a:bodyPr lIns="0" rIns="0" tIns="0" bIns="0" anchor="ctr">
+          <a:bodyPr lIns="0" tIns="0" rIns="0" bIns="0" anchor="ctr">
             <a:noAutofit/>
           </a:bodyPr>
+          <a:lstStyle/>
           <a:p>
             <a:pPr algn="ctr"/>
-            <a:endParaRPr b="0" lang="en-US" sz="4400" spc="-1" strike="noStrike">
+            <a:endParaRPr lang="en-US" sz="4400" b="0" strike="noStrike" spc="-1">
               <a:latin typeface="Arial"/>
             </a:endParaRPr>
           </a:p>
@@ -3532,12 +3813,13 @@
           </a:prstGeom>
         </p:spPr>
         <p:txBody>
-          <a:bodyPr lIns="0" rIns="0" tIns="0" bIns="0" anchor="ctr">
+          <a:bodyPr lIns="0" tIns="0" rIns="0" bIns="0" anchor="ctr">
             <a:noAutofit/>
           </a:bodyPr>
+          <a:lstStyle/>
           <a:p>
             <a:pPr algn="ctr"/>
-            <a:endParaRPr b="0" lang="en-US" sz="3200" spc="-1" strike="noStrike">
+            <a:endParaRPr lang="en-US" sz="3200" b="0" strike="noStrike" spc="-1">
               <a:latin typeface="Arial"/>
             </a:endParaRPr>
           </a:p>
@@ -3545,11 +3827,14 @@
       </p:sp>
     </p:spTree>
   </p:cSld>
+  <p:clrMapOvr>
+    <a:masterClrMapping/>
+  </p:clrMapOvr>
 </p:sldLayout>
 </file>
 
 <file path=ppt/slideLayouts/slideLayout39.xml><?xml version="1.0" encoding="utf-8"?>
-<p:sldLayout xmlns:a="http://schemas.openxmlformats.org/drawingml/2006/main" xmlns:p="http://schemas.openxmlformats.org/presentationml/2006/main" xmlns:r="http://schemas.openxmlformats.org/officeDocument/2006/relationships" xmlns:p14="http://schemas.microsoft.com/office/powerpoint/2010/main" xmlns:p15="http://schemas.microsoft.com/office/powerpoint/2012/main" xmlns:mc="http://schemas.openxmlformats.org/markup-compatibility/2006" type="obj" preserve="1">
+<p:sldLayout xmlns:a="http://schemas.openxmlformats.org/drawingml/2006/main" xmlns:r="http://schemas.openxmlformats.org/officeDocument/2006/relationships" xmlns:p="http://schemas.openxmlformats.org/presentationml/2006/main" type="obj" preserve="1">
   <p:cSld name="Title, Content">
     <p:spTree>
       <p:nvGrpSpPr>
@@ -3585,12 +3870,13 @@
           </a:prstGeom>
         </p:spPr>
         <p:txBody>
-          <a:bodyPr lIns="0" rIns="0" tIns="0" bIns="0" anchor="ctr">
+          <a:bodyPr lIns="0" tIns="0" rIns="0" bIns="0" anchor="ctr">
             <a:noAutofit/>
           </a:bodyPr>
+          <a:lstStyle/>
           <a:p>
             <a:pPr algn="ctr"/>
-            <a:endParaRPr b="0" lang="en-US" sz="4400" spc="-1" strike="noStrike">
+            <a:endParaRPr lang="en-US" sz="4400" b="0" strike="noStrike" spc="-1">
               <a:latin typeface="Arial"/>
             </a:endParaRPr>
           </a:p>
@@ -3616,11 +3902,12 @@
           </a:prstGeom>
         </p:spPr>
         <p:txBody>
-          <a:bodyPr lIns="0" rIns="0" tIns="0" bIns="0">
+          <a:bodyPr lIns="0" tIns="0" rIns="0" bIns="0">
             <a:normAutofit/>
           </a:bodyPr>
-          <a:p>
-            <a:endParaRPr b="0" lang="en-US" sz="3200" spc="-1" strike="noStrike">
+          <a:lstStyle/>
+          <a:p>
+            <a:endParaRPr lang="en-US" sz="3200" b="0" strike="noStrike" spc="-1">
               <a:latin typeface="Arial"/>
             </a:endParaRPr>
           </a:p>
@@ -3628,11 +3915,14 @@
       </p:sp>
     </p:spTree>
   </p:cSld>
+  <p:clrMapOvr>
+    <a:masterClrMapping/>
+  </p:clrMapOvr>
 </p:sldLayout>
 </file>
 
 <file path=ppt/slideLayouts/slideLayout4.xml><?xml version="1.0" encoding="utf-8"?>
-<p:sldLayout xmlns:a="http://schemas.openxmlformats.org/drawingml/2006/main" xmlns:p="http://schemas.openxmlformats.org/presentationml/2006/main" xmlns:r="http://schemas.openxmlformats.org/officeDocument/2006/relationships" xmlns:p14="http://schemas.microsoft.com/office/powerpoint/2010/main" xmlns:p15="http://schemas.microsoft.com/office/powerpoint/2012/main" xmlns:mc="http://schemas.openxmlformats.org/markup-compatibility/2006" type="twoObj" preserve="1">
+<p:sldLayout xmlns:a="http://schemas.openxmlformats.org/drawingml/2006/main" xmlns:r="http://schemas.openxmlformats.org/officeDocument/2006/relationships" xmlns:p="http://schemas.openxmlformats.org/presentationml/2006/main" type="twoObj" preserve="1">
   <p:cSld name="Title, 2 Content">
     <p:spTree>
       <p:nvGrpSpPr>
@@ -3668,12 +3958,13 @@
           </a:prstGeom>
         </p:spPr>
         <p:txBody>
-          <a:bodyPr lIns="0" rIns="0" tIns="0" bIns="0" anchor="ctr">
+          <a:bodyPr lIns="0" tIns="0" rIns="0" bIns="0" anchor="ctr">
             <a:noAutofit/>
           </a:bodyPr>
+          <a:lstStyle/>
           <a:p>
             <a:pPr algn="ctr"/>
-            <a:endParaRPr b="0" lang="en-US" sz="4400" spc="-1" strike="noStrike">
+            <a:endParaRPr lang="en-US" sz="4400" b="0" strike="noStrike" spc="-1">
               <a:latin typeface="Arial"/>
             </a:endParaRPr>
           </a:p>
@@ -3699,11 +3990,12 @@
           </a:prstGeom>
         </p:spPr>
         <p:txBody>
-          <a:bodyPr lIns="0" rIns="0" tIns="0" bIns="0">
+          <a:bodyPr lIns="0" tIns="0" rIns="0" bIns="0">
             <a:normAutofit/>
           </a:bodyPr>
-          <a:p>
-            <a:endParaRPr b="0" lang="en-US" sz="3200" spc="-1" strike="noStrike">
+          <a:lstStyle/>
+          <a:p>
+            <a:endParaRPr lang="en-US" sz="3200" b="0" strike="noStrike" spc="-1">
               <a:latin typeface="Arial"/>
             </a:endParaRPr>
           </a:p>
@@ -3729,11 +4021,12 @@
           </a:prstGeom>
         </p:spPr>
         <p:txBody>
-          <a:bodyPr lIns="0" rIns="0" tIns="0" bIns="0">
+          <a:bodyPr lIns="0" tIns="0" rIns="0" bIns="0">
             <a:normAutofit/>
           </a:bodyPr>
-          <a:p>
-            <a:endParaRPr b="0" lang="en-US" sz="3200" spc="-1" strike="noStrike">
+          <a:lstStyle/>
+          <a:p>
+            <a:endParaRPr lang="en-US" sz="3200" b="0" strike="noStrike" spc="-1">
               <a:latin typeface="Arial"/>
             </a:endParaRPr>
           </a:p>
@@ -3741,11 +4034,14 @@
       </p:sp>
     </p:spTree>
   </p:cSld>
+  <p:clrMapOvr>
+    <a:masterClrMapping/>
+  </p:clrMapOvr>
 </p:sldLayout>
 </file>
 
 <file path=ppt/slideLayouts/slideLayout40.xml><?xml version="1.0" encoding="utf-8"?>
-<p:sldLayout xmlns:a="http://schemas.openxmlformats.org/drawingml/2006/main" xmlns:p="http://schemas.openxmlformats.org/presentationml/2006/main" xmlns:r="http://schemas.openxmlformats.org/officeDocument/2006/relationships" xmlns:p14="http://schemas.microsoft.com/office/powerpoint/2010/main" xmlns:p15="http://schemas.microsoft.com/office/powerpoint/2012/main" xmlns:mc="http://schemas.openxmlformats.org/markup-compatibility/2006" type="twoObj" preserve="1">
+<p:sldLayout xmlns:a="http://schemas.openxmlformats.org/drawingml/2006/main" xmlns:r="http://schemas.openxmlformats.org/officeDocument/2006/relationships" xmlns:p="http://schemas.openxmlformats.org/presentationml/2006/main" type="twoObj" preserve="1">
   <p:cSld name="Title, 2 Content">
     <p:spTree>
       <p:nvGrpSpPr>
@@ -3781,12 +4077,13 @@
           </a:prstGeom>
         </p:spPr>
         <p:txBody>
-          <a:bodyPr lIns="0" rIns="0" tIns="0" bIns="0" anchor="ctr">
+          <a:bodyPr lIns="0" tIns="0" rIns="0" bIns="0" anchor="ctr">
             <a:noAutofit/>
           </a:bodyPr>
+          <a:lstStyle/>
           <a:p>
             <a:pPr algn="ctr"/>
-            <a:endParaRPr b="0" lang="en-US" sz="4400" spc="-1" strike="noStrike">
+            <a:endParaRPr lang="en-US" sz="4400" b="0" strike="noStrike" spc="-1">
               <a:latin typeface="Arial"/>
             </a:endParaRPr>
           </a:p>
@@ -3812,11 +4109,12 @@
           </a:prstGeom>
         </p:spPr>
         <p:txBody>
-          <a:bodyPr lIns="0" rIns="0" tIns="0" bIns="0">
+          <a:bodyPr lIns="0" tIns="0" rIns="0" bIns="0">
             <a:normAutofit/>
           </a:bodyPr>
-          <a:p>
-            <a:endParaRPr b="0" lang="en-US" sz="3200" spc="-1" strike="noStrike">
+          <a:lstStyle/>
+          <a:p>
+            <a:endParaRPr lang="en-US" sz="3200" b="0" strike="noStrike" spc="-1">
               <a:latin typeface="Arial"/>
             </a:endParaRPr>
           </a:p>
@@ -3842,11 +4140,12 @@
           </a:prstGeom>
         </p:spPr>
         <p:txBody>
-          <a:bodyPr lIns="0" rIns="0" tIns="0" bIns="0">
+          <a:bodyPr lIns="0" tIns="0" rIns="0" bIns="0">
             <a:normAutofit/>
           </a:bodyPr>
-          <a:p>
-            <a:endParaRPr b="0" lang="en-US" sz="3200" spc="-1" strike="noStrike">
+          <a:lstStyle/>
+          <a:p>
+            <a:endParaRPr lang="en-US" sz="3200" b="0" strike="noStrike" spc="-1">
               <a:latin typeface="Arial"/>
             </a:endParaRPr>
           </a:p>
@@ -3854,11 +4153,14 @@
       </p:sp>
     </p:spTree>
   </p:cSld>
+  <p:clrMapOvr>
+    <a:masterClrMapping/>
+  </p:clrMapOvr>
 </p:sldLayout>
 </file>
 
 <file path=ppt/slideLayouts/slideLayout41.xml><?xml version="1.0" encoding="utf-8"?>
-<p:sldLayout xmlns:a="http://schemas.openxmlformats.org/drawingml/2006/main" xmlns:p="http://schemas.openxmlformats.org/presentationml/2006/main" xmlns:r="http://schemas.openxmlformats.org/officeDocument/2006/relationships" xmlns:p14="http://schemas.microsoft.com/office/powerpoint/2010/main" xmlns:p15="http://schemas.microsoft.com/office/powerpoint/2012/main" xmlns:mc="http://schemas.openxmlformats.org/markup-compatibility/2006" type="titleOnly" preserve="1">
+<p:sldLayout xmlns:a="http://schemas.openxmlformats.org/drawingml/2006/main" xmlns:r="http://schemas.openxmlformats.org/officeDocument/2006/relationships" xmlns:p="http://schemas.openxmlformats.org/presentationml/2006/main" type="titleOnly" preserve="1">
   <p:cSld name="Title Only">
     <p:spTree>
       <p:nvGrpSpPr>
@@ -3894,12 +4196,13 @@
           </a:prstGeom>
         </p:spPr>
         <p:txBody>
-          <a:bodyPr lIns="0" rIns="0" tIns="0" bIns="0" anchor="ctr">
+          <a:bodyPr lIns="0" tIns="0" rIns="0" bIns="0" anchor="ctr">
             <a:noAutofit/>
           </a:bodyPr>
+          <a:lstStyle/>
           <a:p>
             <a:pPr algn="ctr"/>
-            <a:endParaRPr b="0" lang="en-US" sz="4400" spc="-1" strike="noStrike">
+            <a:endParaRPr lang="en-US" sz="4400" b="0" strike="noStrike" spc="-1">
               <a:latin typeface="Arial"/>
             </a:endParaRPr>
           </a:p>
@@ -3907,11 +4210,14 @@
       </p:sp>
     </p:spTree>
   </p:cSld>
+  <p:clrMapOvr>
+    <a:masterClrMapping/>
+  </p:clrMapOvr>
 </p:sldLayout>
 </file>
 
 <file path=ppt/slideLayouts/slideLayout42.xml><?xml version="1.0" encoding="utf-8"?>
-<p:sldLayout xmlns:a="http://schemas.openxmlformats.org/drawingml/2006/main" xmlns:p="http://schemas.openxmlformats.org/presentationml/2006/main" xmlns:r="http://schemas.openxmlformats.org/officeDocument/2006/relationships" xmlns:p14="http://schemas.microsoft.com/office/powerpoint/2010/main" xmlns:p15="http://schemas.microsoft.com/office/powerpoint/2012/main" xmlns:mc="http://schemas.openxmlformats.org/markup-compatibility/2006" type="objOnly" preserve="1">
+<p:sldLayout xmlns:a="http://schemas.openxmlformats.org/drawingml/2006/main" xmlns:r="http://schemas.openxmlformats.org/officeDocument/2006/relationships" xmlns:p="http://schemas.openxmlformats.org/presentationml/2006/main" type="objOnly" preserve="1">
   <p:cSld name="Centered Text">
     <p:spTree>
       <p:nvGrpSpPr>
@@ -3947,12 +4253,13 @@
           </a:prstGeom>
         </p:spPr>
         <p:txBody>
-          <a:bodyPr lIns="0" rIns="0" tIns="0" bIns="0" anchor="ctr">
+          <a:bodyPr lIns="0" tIns="0" rIns="0" bIns="0" anchor="ctr">
             <a:noAutofit/>
           </a:bodyPr>
+          <a:lstStyle/>
           <a:p>
             <a:pPr algn="ctr"/>
-            <a:endParaRPr b="0" lang="en-US" sz="3200" spc="-1" strike="noStrike">
+            <a:endParaRPr lang="en-US" sz="3200" b="0" strike="noStrike" spc="-1">
               <a:latin typeface="Arial"/>
             </a:endParaRPr>
           </a:p>
@@ -3960,11 +4267,14 @@
       </p:sp>
     </p:spTree>
   </p:cSld>
+  <p:clrMapOvr>
+    <a:masterClrMapping/>
+  </p:clrMapOvr>
 </p:sldLayout>
 </file>
 
 <file path=ppt/slideLayouts/slideLayout43.xml><?xml version="1.0" encoding="utf-8"?>
-<p:sldLayout xmlns:a="http://schemas.openxmlformats.org/drawingml/2006/main" xmlns:p="http://schemas.openxmlformats.org/presentationml/2006/main" xmlns:r="http://schemas.openxmlformats.org/officeDocument/2006/relationships" xmlns:p14="http://schemas.microsoft.com/office/powerpoint/2010/main" xmlns:p15="http://schemas.microsoft.com/office/powerpoint/2012/main" xmlns:mc="http://schemas.openxmlformats.org/markup-compatibility/2006" type="twoObjAndObj" preserve="1">
+<p:sldLayout xmlns:a="http://schemas.openxmlformats.org/drawingml/2006/main" xmlns:r="http://schemas.openxmlformats.org/officeDocument/2006/relationships" xmlns:p="http://schemas.openxmlformats.org/presentationml/2006/main" type="twoObjAndObj" preserve="1">
   <p:cSld name="Title, 2 Content and Content">
     <p:spTree>
       <p:nvGrpSpPr>
@@ -4000,12 +4310,13 @@
           </a:prstGeom>
         </p:spPr>
         <p:txBody>
-          <a:bodyPr lIns="0" rIns="0" tIns="0" bIns="0" anchor="ctr">
+          <a:bodyPr lIns="0" tIns="0" rIns="0" bIns="0" anchor="ctr">
             <a:noAutofit/>
           </a:bodyPr>
+          <a:lstStyle/>
           <a:p>
             <a:pPr algn="ctr"/>
-            <a:endParaRPr b="0" lang="en-US" sz="4400" spc="-1" strike="noStrike">
+            <a:endParaRPr lang="en-US" sz="4400" b="0" strike="noStrike" spc="-1">
               <a:latin typeface="Arial"/>
             </a:endParaRPr>
           </a:p>
@@ -4031,11 +4342,12 @@
           </a:prstGeom>
         </p:spPr>
         <p:txBody>
-          <a:bodyPr lIns="0" rIns="0" tIns="0" bIns="0">
+          <a:bodyPr lIns="0" tIns="0" rIns="0" bIns="0">
             <a:normAutofit/>
           </a:bodyPr>
-          <a:p>
-            <a:endParaRPr b="0" lang="en-US" sz="3200" spc="-1" strike="noStrike">
+          <a:lstStyle/>
+          <a:p>
+            <a:endParaRPr lang="en-US" sz="3200" b="0" strike="noStrike" spc="-1">
               <a:latin typeface="Arial"/>
             </a:endParaRPr>
           </a:p>
@@ -4061,11 +4373,12 @@
           </a:prstGeom>
         </p:spPr>
         <p:txBody>
-          <a:bodyPr lIns="0" rIns="0" tIns="0" bIns="0">
+          <a:bodyPr lIns="0" tIns="0" rIns="0" bIns="0">
             <a:normAutofit/>
           </a:bodyPr>
-          <a:p>
-            <a:endParaRPr b="0" lang="en-US" sz="3200" spc="-1" strike="noStrike">
+          <a:lstStyle/>
+          <a:p>
+            <a:endParaRPr lang="en-US" sz="3200" b="0" strike="noStrike" spc="-1">
               <a:latin typeface="Arial"/>
             </a:endParaRPr>
           </a:p>
@@ -4091,11 +4404,12 @@
           </a:prstGeom>
         </p:spPr>
         <p:txBody>
-          <a:bodyPr lIns="0" rIns="0" tIns="0" bIns="0">
+          <a:bodyPr lIns="0" tIns="0" rIns="0" bIns="0">
             <a:normAutofit/>
           </a:bodyPr>
-          <a:p>
-            <a:endParaRPr b="0" lang="en-US" sz="3200" spc="-1" strike="noStrike">
+          <a:lstStyle/>
+          <a:p>
+            <a:endParaRPr lang="en-US" sz="3200" b="0" strike="noStrike" spc="-1">
               <a:latin typeface="Arial"/>
             </a:endParaRPr>
           </a:p>
@@ -4103,11 +4417,14 @@
       </p:sp>
     </p:spTree>
   </p:cSld>
+  <p:clrMapOvr>
+    <a:masterClrMapping/>
+  </p:clrMapOvr>
 </p:sldLayout>
 </file>
 
 <file path=ppt/slideLayouts/slideLayout44.xml><?xml version="1.0" encoding="utf-8"?>
-<p:sldLayout xmlns:a="http://schemas.openxmlformats.org/drawingml/2006/main" xmlns:p="http://schemas.openxmlformats.org/presentationml/2006/main" xmlns:r="http://schemas.openxmlformats.org/officeDocument/2006/relationships" xmlns:p14="http://schemas.microsoft.com/office/powerpoint/2010/main" xmlns:p15="http://schemas.microsoft.com/office/powerpoint/2012/main" xmlns:mc="http://schemas.openxmlformats.org/markup-compatibility/2006" type="objAndTwoObj" preserve="1">
+<p:sldLayout xmlns:a="http://schemas.openxmlformats.org/drawingml/2006/main" xmlns:r="http://schemas.openxmlformats.org/officeDocument/2006/relationships" xmlns:p="http://schemas.openxmlformats.org/presentationml/2006/main" type="objAndTwoObj" preserve="1">
   <p:cSld name="Title Content and 2 Content">
     <p:spTree>
       <p:nvGrpSpPr>
@@ -4143,12 +4460,13 @@
           </a:prstGeom>
         </p:spPr>
         <p:txBody>
-          <a:bodyPr lIns="0" rIns="0" tIns="0" bIns="0" anchor="ctr">
+          <a:bodyPr lIns="0" tIns="0" rIns="0" bIns="0" anchor="ctr">
             <a:noAutofit/>
           </a:bodyPr>
+          <a:lstStyle/>
           <a:p>
             <a:pPr algn="ctr"/>
-            <a:endParaRPr b="0" lang="en-US" sz="4400" spc="-1" strike="noStrike">
+            <a:endParaRPr lang="en-US" sz="4400" b="0" strike="noStrike" spc="-1">
               <a:latin typeface="Arial"/>
             </a:endParaRPr>
           </a:p>
@@ -4174,11 +4492,12 @@
           </a:prstGeom>
         </p:spPr>
         <p:txBody>
-          <a:bodyPr lIns="0" rIns="0" tIns="0" bIns="0">
+          <a:bodyPr lIns="0" tIns="0" rIns="0" bIns="0">
             <a:normAutofit/>
           </a:bodyPr>
-          <a:p>
-            <a:endParaRPr b="0" lang="en-US" sz="3200" spc="-1" strike="noStrike">
+          <a:lstStyle/>
+          <a:p>
+            <a:endParaRPr lang="en-US" sz="3200" b="0" strike="noStrike" spc="-1">
               <a:latin typeface="Arial"/>
             </a:endParaRPr>
           </a:p>
@@ -4204,11 +4523,12 @@
           </a:prstGeom>
         </p:spPr>
         <p:txBody>
-          <a:bodyPr lIns="0" rIns="0" tIns="0" bIns="0">
+          <a:bodyPr lIns="0" tIns="0" rIns="0" bIns="0">
             <a:normAutofit/>
           </a:bodyPr>
-          <a:p>
-            <a:endParaRPr b="0" lang="en-US" sz="3200" spc="-1" strike="noStrike">
+          <a:lstStyle/>
+          <a:p>
+            <a:endParaRPr lang="en-US" sz="3200" b="0" strike="noStrike" spc="-1">
               <a:latin typeface="Arial"/>
             </a:endParaRPr>
           </a:p>
@@ -4234,11 +4554,12 @@
           </a:prstGeom>
         </p:spPr>
         <p:txBody>
-          <a:bodyPr lIns="0" rIns="0" tIns="0" bIns="0">
+          <a:bodyPr lIns="0" tIns="0" rIns="0" bIns="0">
             <a:normAutofit/>
           </a:bodyPr>
-          <a:p>
-            <a:endParaRPr b="0" lang="en-US" sz="3200" spc="-1" strike="noStrike">
+          <a:lstStyle/>
+          <a:p>
+            <a:endParaRPr lang="en-US" sz="3200" b="0" strike="noStrike" spc="-1">
               <a:latin typeface="Arial"/>
             </a:endParaRPr>
           </a:p>
@@ -4246,11 +4567,14 @@
       </p:sp>
     </p:spTree>
   </p:cSld>
+  <p:clrMapOvr>
+    <a:masterClrMapping/>
+  </p:clrMapOvr>
 </p:sldLayout>
 </file>
 
 <file path=ppt/slideLayouts/slideLayout45.xml><?xml version="1.0" encoding="utf-8"?>
-<p:sldLayout xmlns:a="http://schemas.openxmlformats.org/drawingml/2006/main" xmlns:p="http://schemas.openxmlformats.org/presentationml/2006/main" xmlns:r="http://schemas.openxmlformats.org/officeDocument/2006/relationships" xmlns:p14="http://schemas.microsoft.com/office/powerpoint/2010/main" xmlns:p15="http://schemas.microsoft.com/office/powerpoint/2012/main" xmlns:mc="http://schemas.openxmlformats.org/markup-compatibility/2006" type="twoObjOverTx" preserve="1">
+<p:sldLayout xmlns:a="http://schemas.openxmlformats.org/drawingml/2006/main" xmlns:r="http://schemas.openxmlformats.org/officeDocument/2006/relationships" xmlns:p="http://schemas.openxmlformats.org/presentationml/2006/main" type="twoObjOverTx" preserve="1">
   <p:cSld name="Title, 2 Content over Content">
     <p:spTree>
       <p:nvGrpSpPr>
@@ -4286,12 +4610,13 @@
           </a:prstGeom>
         </p:spPr>
         <p:txBody>
-          <a:bodyPr lIns="0" rIns="0" tIns="0" bIns="0" anchor="ctr">
+          <a:bodyPr lIns="0" tIns="0" rIns="0" bIns="0" anchor="ctr">
             <a:noAutofit/>
           </a:bodyPr>
+          <a:lstStyle/>
           <a:p>
             <a:pPr algn="ctr"/>
-            <a:endParaRPr b="0" lang="en-US" sz="4400" spc="-1" strike="noStrike">
+            <a:endParaRPr lang="en-US" sz="4400" b="0" strike="noStrike" spc="-1">
               <a:latin typeface="Arial"/>
             </a:endParaRPr>
           </a:p>
@@ -4317,11 +4642,12 @@
           </a:prstGeom>
         </p:spPr>
         <p:txBody>
-          <a:bodyPr lIns="0" rIns="0" tIns="0" bIns="0">
+          <a:bodyPr lIns="0" tIns="0" rIns="0" bIns="0">
             <a:normAutofit/>
           </a:bodyPr>
-          <a:p>
-            <a:endParaRPr b="0" lang="en-US" sz="3200" spc="-1" strike="noStrike">
+          <a:lstStyle/>
+          <a:p>
+            <a:endParaRPr lang="en-US" sz="3200" b="0" strike="noStrike" spc="-1">
               <a:latin typeface="Arial"/>
             </a:endParaRPr>
           </a:p>
@@ -4347,11 +4673,12 @@
           </a:prstGeom>
         </p:spPr>
         <p:txBody>
-          <a:bodyPr lIns="0" rIns="0" tIns="0" bIns="0">
+          <a:bodyPr lIns="0" tIns="0" rIns="0" bIns="0">
             <a:normAutofit/>
           </a:bodyPr>
-          <a:p>
-            <a:endParaRPr b="0" lang="en-US" sz="3200" spc="-1" strike="noStrike">
+          <a:lstStyle/>
+          <a:p>
+            <a:endParaRPr lang="en-US" sz="3200" b="0" strike="noStrike" spc="-1">
               <a:latin typeface="Arial"/>
             </a:endParaRPr>
           </a:p>
@@ -4377,11 +4704,12 @@
           </a:prstGeom>
         </p:spPr>
         <p:txBody>
-          <a:bodyPr lIns="0" rIns="0" tIns="0" bIns="0">
+          <a:bodyPr lIns="0" tIns="0" rIns="0" bIns="0">
             <a:normAutofit/>
           </a:bodyPr>
-          <a:p>
-            <a:endParaRPr b="0" lang="en-US" sz="3200" spc="-1" strike="noStrike">
+          <a:lstStyle/>
+          <a:p>
+            <a:endParaRPr lang="en-US" sz="3200" b="0" strike="noStrike" spc="-1">
               <a:latin typeface="Arial"/>
             </a:endParaRPr>
           </a:p>
@@ -4389,11 +4717,14 @@
       </p:sp>
     </p:spTree>
   </p:cSld>
+  <p:clrMapOvr>
+    <a:masterClrMapping/>
+  </p:clrMapOvr>
 </p:sldLayout>
 </file>
 
 <file path=ppt/slideLayouts/slideLayout46.xml><?xml version="1.0" encoding="utf-8"?>
-<p:sldLayout xmlns:a="http://schemas.openxmlformats.org/drawingml/2006/main" xmlns:p="http://schemas.openxmlformats.org/presentationml/2006/main" xmlns:r="http://schemas.openxmlformats.org/officeDocument/2006/relationships" xmlns:p14="http://schemas.microsoft.com/office/powerpoint/2010/main" xmlns:p15="http://schemas.microsoft.com/office/powerpoint/2012/main" xmlns:mc="http://schemas.openxmlformats.org/markup-compatibility/2006" type="objOverTx" preserve="1">
+<p:sldLayout xmlns:a="http://schemas.openxmlformats.org/drawingml/2006/main" xmlns:r="http://schemas.openxmlformats.org/officeDocument/2006/relationships" xmlns:p="http://schemas.openxmlformats.org/presentationml/2006/main" type="objOverTx" preserve="1">
   <p:cSld name="Title, Content over Content">
     <p:spTree>
       <p:nvGrpSpPr>
@@ -4429,12 +4760,13 @@
           </a:prstGeom>
         </p:spPr>
         <p:txBody>
-          <a:bodyPr lIns="0" rIns="0" tIns="0" bIns="0" anchor="ctr">
+          <a:bodyPr lIns="0" tIns="0" rIns="0" bIns="0" anchor="ctr">
             <a:noAutofit/>
           </a:bodyPr>
+          <a:lstStyle/>
           <a:p>
             <a:pPr algn="ctr"/>
-            <a:endParaRPr b="0" lang="en-US" sz="4400" spc="-1" strike="noStrike">
+            <a:endParaRPr lang="en-US" sz="4400" b="0" strike="noStrike" spc="-1">
               <a:latin typeface="Arial"/>
             </a:endParaRPr>
           </a:p>
@@ -4460,11 +4792,12 @@
           </a:prstGeom>
         </p:spPr>
         <p:txBody>
-          <a:bodyPr lIns="0" rIns="0" tIns="0" bIns="0">
+          <a:bodyPr lIns="0" tIns="0" rIns="0" bIns="0">
             <a:normAutofit/>
           </a:bodyPr>
-          <a:p>
-            <a:endParaRPr b="0" lang="en-US" sz="3200" spc="-1" strike="noStrike">
+          <a:lstStyle/>
+          <a:p>
+            <a:endParaRPr lang="en-US" sz="3200" b="0" strike="noStrike" spc="-1">
               <a:latin typeface="Arial"/>
             </a:endParaRPr>
           </a:p>
@@ -4490,11 +4823,12 @@
           </a:prstGeom>
         </p:spPr>
         <p:txBody>
-          <a:bodyPr lIns="0" rIns="0" tIns="0" bIns="0">
+          <a:bodyPr lIns="0" tIns="0" rIns="0" bIns="0">
             <a:normAutofit/>
           </a:bodyPr>
-          <a:p>
-            <a:endParaRPr b="0" lang="en-US" sz="3200" spc="-1" strike="noStrike">
+          <a:lstStyle/>
+          <a:p>
+            <a:endParaRPr lang="en-US" sz="3200" b="0" strike="noStrike" spc="-1">
               <a:latin typeface="Arial"/>
             </a:endParaRPr>
           </a:p>
@@ -4502,11 +4836,14 @@
       </p:sp>
     </p:spTree>
   </p:cSld>
+  <p:clrMapOvr>
+    <a:masterClrMapping/>
+  </p:clrMapOvr>
 </p:sldLayout>
 </file>
 
 <file path=ppt/slideLayouts/slideLayout47.xml><?xml version="1.0" encoding="utf-8"?>
-<p:sldLayout xmlns:a="http://schemas.openxmlformats.org/drawingml/2006/main" xmlns:p="http://schemas.openxmlformats.org/presentationml/2006/main" xmlns:r="http://schemas.openxmlformats.org/officeDocument/2006/relationships" xmlns:p14="http://schemas.microsoft.com/office/powerpoint/2010/main" xmlns:p15="http://schemas.microsoft.com/office/powerpoint/2012/main" xmlns:mc="http://schemas.openxmlformats.org/markup-compatibility/2006" type="fourObj" preserve="1">
+<p:sldLayout xmlns:a="http://schemas.openxmlformats.org/drawingml/2006/main" xmlns:r="http://schemas.openxmlformats.org/officeDocument/2006/relationships" xmlns:p="http://schemas.openxmlformats.org/presentationml/2006/main" type="fourObj" preserve="1">
   <p:cSld name="Title, 4 Content">
     <p:spTree>
       <p:nvGrpSpPr>
@@ -4542,12 +4879,13 @@
           </a:prstGeom>
         </p:spPr>
         <p:txBody>
-          <a:bodyPr lIns="0" rIns="0" tIns="0" bIns="0" anchor="ctr">
+          <a:bodyPr lIns="0" tIns="0" rIns="0" bIns="0" anchor="ctr">
             <a:noAutofit/>
           </a:bodyPr>
+          <a:lstStyle/>
           <a:p>
             <a:pPr algn="ctr"/>
-            <a:endParaRPr b="0" lang="en-US" sz="4400" spc="-1" strike="noStrike">
+            <a:endParaRPr lang="en-US" sz="4400" b="0" strike="noStrike" spc="-1">
               <a:latin typeface="Arial"/>
             </a:endParaRPr>
           </a:p>
@@ -4573,11 +4911,12 @@
           </a:prstGeom>
         </p:spPr>
         <p:txBody>
-          <a:bodyPr lIns="0" rIns="0" tIns="0" bIns="0">
+          <a:bodyPr lIns="0" tIns="0" rIns="0" bIns="0">
             <a:normAutofit/>
           </a:bodyPr>
-          <a:p>
-            <a:endParaRPr b="0" lang="en-US" sz="3200" spc="-1" strike="noStrike">
+          <a:lstStyle/>
+          <a:p>
+            <a:endParaRPr lang="en-US" sz="3200" b="0" strike="noStrike" spc="-1">
               <a:latin typeface="Arial"/>
             </a:endParaRPr>
           </a:p>
@@ -4603,11 +4942,12 @@
           </a:prstGeom>
         </p:spPr>
         <p:txBody>
-          <a:bodyPr lIns="0" rIns="0" tIns="0" bIns="0">
+          <a:bodyPr lIns="0" tIns="0" rIns="0" bIns="0">
             <a:normAutofit/>
           </a:bodyPr>
-          <a:p>
-            <a:endParaRPr b="0" lang="en-US" sz="3200" spc="-1" strike="noStrike">
+          <a:lstStyle/>
+          <a:p>
+            <a:endParaRPr lang="en-US" sz="3200" b="0" strike="noStrike" spc="-1">
               <a:latin typeface="Arial"/>
             </a:endParaRPr>
           </a:p>
@@ -4633,11 +4973,12 @@
           </a:prstGeom>
         </p:spPr>
         <p:txBody>
-          <a:bodyPr lIns="0" rIns="0" tIns="0" bIns="0">
+          <a:bodyPr lIns="0" tIns="0" rIns="0" bIns="0">
             <a:normAutofit/>
           </a:bodyPr>
-          <a:p>
-            <a:endParaRPr b="0" lang="en-US" sz="3200" spc="-1" strike="noStrike">
+          <a:lstStyle/>
+          <a:p>
+            <a:endParaRPr lang="en-US" sz="3200" b="0" strike="noStrike" spc="-1">
               <a:latin typeface="Arial"/>
             </a:endParaRPr>
           </a:p>
@@ -4663,11 +5004,12 @@
           </a:prstGeom>
         </p:spPr>
         <p:txBody>
-          <a:bodyPr lIns="0" rIns="0" tIns="0" bIns="0">
+          <a:bodyPr lIns="0" tIns="0" rIns="0" bIns="0">
             <a:normAutofit/>
           </a:bodyPr>
-          <a:p>
-            <a:endParaRPr b="0" lang="en-US" sz="3200" spc="-1" strike="noStrike">
+          <a:lstStyle/>
+          <a:p>
+            <a:endParaRPr lang="en-US" sz="3200" b="0" strike="noStrike" spc="-1">
               <a:latin typeface="Arial"/>
             </a:endParaRPr>
           </a:p>
@@ -4675,11 +5017,14 @@
       </p:sp>
     </p:spTree>
   </p:cSld>
+  <p:clrMapOvr>
+    <a:masterClrMapping/>
+  </p:clrMapOvr>
 </p:sldLayout>
 </file>
 
 <file path=ppt/slideLayouts/slideLayout48.xml><?xml version="1.0" encoding="utf-8"?>
-<p:sldLayout xmlns:a="http://schemas.openxmlformats.org/drawingml/2006/main" xmlns:p="http://schemas.openxmlformats.org/presentationml/2006/main" xmlns:r="http://schemas.openxmlformats.org/officeDocument/2006/relationships" xmlns:p14="http://schemas.microsoft.com/office/powerpoint/2010/main" xmlns:p15="http://schemas.microsoft.com/office/powerpoint/2012/main" xmlns:mc="http://schemas.openxmlformats.org/markup-compatibility/2006" type="blank" preserve="1">
+<p:sldLayout xmlns:a="http://schemas.openxmlformats.org/drawingml/2006/main" xmlns:r="http://schemas.openxmlformats.org/officeDocument/2006/relationships" xmlns:p="http://schemas.openxmlformats.org/presentationml/2006/main" type="blank" preserve="1">
   <p:cSld name="Title, 6 Content">
     <p:spTree>
       <p:nvGrpSpPr>
@@ -4715,12 +5060,13 @@
           </a:prstGeom>
         </p:spPr>
         <p:txBody>
-          <a:bodyPr lIns="0" rIns="0" tIns="0" bIns="0" anchor="ctr">
+          <a:bodyPr lIns="0" tIns="0" rIns="0" bIns="0" anchor="ctr">
             <a:noAutofit/>
           </a:bodyPr>
+          <a:lstStyle/>
           <a:p>
             <a:pPr algn="ctr"/>
-            <a:endParaRPr b="0" lang="en-US" sz="4400" spc="-1" strike="noStrike">
+            <a:endParaRPr lang="en-US" sz="4400" b="0" strike="noStrike" spc="-1">
               <a:latin typeface="Arial"/>
             </a:endParaRPr>
           </a:p>
@@ -4746,11 +5092,12 @@
           </a:prstGeom>
         </p:spPr>
         <p:txBody>
-          <a:bodyPr lIns="0" rIns="0" tIns="0" bIns="0">
+          <a:bodyPr lIns="0" tIns="0" rIns="0" bIns="0">
             <a:normAutofit/>
           </a:bodyPr>
-          <a:p>
-            <a:endParaRPr b="0" lang="en-US" sz="3200" spc="-1" strike="noStrike">
+          <a:lstStyle/>
+          <a:p>
+            <a:endParaRPr lang="en-US" sz="3200" b="0" strike="noStrike" spc="-1">
               <a:latin typeface="Arial"/>
             </a:endParaRPr>
           </a:p>
@@ -4776,11 +5123,12 @@
           </a:prstGeom>
         </p:spPr>
         <p:txBody>
-          <a:bodyPr lIns="0" rIns="0" tIns="0" bIns="0">
+          <a:bodyPr lIns="0" tIns="0" rIns="0" bIns="0">
             <a:normAutofit/>
           </a:bodyPr>
-          <a:p>
-            <a:endParaRPr b="0" lang="en-US" sz="3200" spc="-1" strike="noStrike">
+          <a:lstStyle/>
+          <a:p>
+            <a:endParaRPr lang="en-US" sz="3200" b="0" strike="noStrike" spc="-1">
               <a:latin typeface="Arial"/>
             </a:endParaRPr>
           </a:p>
@@ -4806,11 +5154,12 @@
           </a:prstGeom>
         </p:spPr>
         <p:txBody>
-          <a:bodyPr lIns="0" rIns="0" tIns="0" bIns="0">
+          <a:bodyPr lIns="0" tIns="0" rIns="0" bIns="0">
             <a:normAutofit/>
           </a:bodyPr>
-          <a:p>
-            <a:endParaRPr b="0" lang="en-US" sz="3200" spc="-1" strike="noStrike">
+          <a:lstStyle/>
+          <a:p>
+            <a:endParaRPr lang="en-US" sz="3200" b="0" strike="noStrike" spc="-1">
               <a:latin typeface="Arial"/>
             </a:endParaRPr>
           </a:p>
@@ -4836,11 +5185,12 @@
           </a:prstGeom>
         </p:spPr>
         <p:txBody>
-          <a:bodyPr lIns="0" rIns="0" tIns="0" bIns="0">
+          <a:bodyPr lIns="0" tIns="0" rIns="0" bIns="0">
             <a:normAutofit/>
           </a:bodyPr>
-          <a:p>
-            <a:endParaRPr b="0" lang="en-US" sz="3200" spc="-1" strike="noStrike">
+          <a:lstStyle/>
+          <a:p>
+            <a:endParaRPr lang="en-US" sz="3200" b="0" strike="noStrike" spc="-1">
               <a:latin typeface="Arial"/>
             </a:endParaRPr>
           </a:p>
@@ -4866,11 +5216,12 @@
           </a:prstGeom>
         </p:spPr>
         <p:txBody>
-          <a:bodyPr lIns="0" rIns="0" tIns="0" bIns="0">
+          <a:bodyPr lIns="0" tIns="0" rIns="0" bIns="0">
             <a:normAutofit/>
           </a:bodyPr>
-          <a:p>
-            <a:endParaRPr b="0" lang="en-US" sz="3200" spc="-1" strike="noStrike">
+          <a:lstStyle/>
+          <a:p>
+            <a:endParaRPr lang="en-US" sz="3200" b="0" strike="noStrike" spc="-1">
               <a:latin typeface="Arial"/>
             </a:endParaRPr>
           </a:p>
@@ -4896,11 +5247,12 @@
           </a:prstGeom>
         </p:spPr>
         <p:txBody>
-          <a:bodyPr lIns="0" rIns="0" tIns="0" bIns="0">
+          <a:bodyPr lIns="0" tIns="0" rIns="0" bIns="0">
             <a:normAutofit/>
           </a:bodyPr>
-          <a:p>
-            <a:endParaRPr b="0" lang="en-US" sz="3200" spc="-1" strike="noStrike">
+          <a:lstStyle/>
+          <a:p>
+            <a:endParaRPr lang="en-US" sz="3200" b="0" strike="noStrike" spc="-1">
               <a:latin typeface="Arial"/>
             </a:endParaRPr>
           </a:p>
@@ -4908,11 +5260,14 @@
       </p:sp>
     </p:spTree>
   </p:cSld>
+  <p:clrMapOvr>
+    <a:masterClrMapping/>
+  </p:clrMapOvr>
 </p:sldLayout>
 </file>
 
 <file path=ppt/slideLayouts/slideLayout5.xml><?xml version="1.0" encoding="utf-8"?>
-<p:sldLayout xmlns:a="http://schemas.openxmlformats.org/drawingml/2006/main" xmlns:p="http://schemas.openxmlformats.org/presentationml/2006/main" xmlns:r="http://schemas.openxmlformats.org/officeDocument/2006/relationships" xmlns:p14="http://schemas.microsoft.com/office/powerpoint/2010/main" xmlns:p15="http://schemas.microsoft.com/office/powerpoint/2012/main" xmlns:mc="http://schemas.openxmlformats.org/markup-compatibility/2006" type="titleOnly" preserve="1">
+<p:sldLayout xmlns:a="http://schemas.openxmlformats.org/drawingml/2006/main" xmlns:r="http://schemas.openxmlformats.org/officeDocument/2006/relationships" xmlns:p="http://schemas.openxmlformats.org/presentationml/2006/main" type="titleOnly" preserve="1">
   <p:cSld name="Title Only">
     <p:spTree>
       <p:nvGrpSpPr>
@@ -4948,12 +5303,13 @@
           </a:prstGeom>
         </p:spPr>
         <p:txBody>
-          <a:bodyPr lIns="0" rIns="0" tIns="0" bIns="0" anchor="ctr">
+          <a:bodyPr lIns="0" tIns="0" rIns="0" bIns="0" anchor="ctr">
             <a:noAutofit/>
           </a:bodyPr>
+          <a:lstStyle/>
           <a:p>
             <a:pPr algn="ctr"/>
-            <a:endParaRPr b="0" lang="en-US" sz="4400" spc="-1" strike="noStrike">
+            <a:endParaRPr lang="en-US" sz="4400" b="0" strike="noStrike" spc="-1">
               <a:latin typeface="Arial"/>
             </a:endParaRPr>
           </a:p>
@@ -4961,11 +5317,14 @@
       </p:sp>
     </p:spTree>
   </p:cSld>
+  <p:clrMapOvr>
+    <a:masterClrMapping/>
+  </p:clrMapOvr>
 </p:sldLayout>
 </file>
 
 <file path=ppt/slideLayouts/slideLayout6.xml><?xml version="1.0" encoding="utf-8"?>
-<p:sldLayout xmlns:a="http://schemas.openxmlformats.org/drawingml/2006/main" xmlns:p="http://schemas.openxmlformats.org/presentationml/2006/main" xmlns:r="http://schemas.openxmlformats.org/officeDocument/2006/relationships" xmlns:p14="http://schemas.microsoft.com/office/powerpoint/2010/main" xmlns:p15="http://schemas.microsoft.com/office/powerpoint/2012/main" xmlns:mc="http://schemas.openxmlformats.org/markup-compatibility/2006" type="objOnly" preserve="1">
+<p:sldLayout xmlns:a="http://schemas.openxmlformats.org/drawingml/2006/main" xmlns:r="http://schemas.openxmlformats.org/officeDocument/2006/relationships" xmlns:p="http://schemas.openxmlformats.org/presentationml/2006/main" type="objOnly" preserve="1">
   <p:cSld name="Centered Text">
     <p:spTree>
       <p:nvGrpSpPr>
@@ -5001,12 +5360,13 @@
           </a:prstGeom>
         </p:spPr>
         <p:txBody>
-          <a:bodyPr lIns="0" rIns="0" tIns="0" bIns="0" anchor="ctr">
+          <a:bodyPr lIns="0" tIns="0" rIns="0" bIns="0" anchor="ctr">
             <a:noAutofit/>
           </a:bodyPr>
+          <a:lstStyle/>
           <a:p>
             <a:pPr algn="ctr"/>
-            <a:endParaRPr b="0" lang="en-US" sz="3200" spc="-1" strike="noStrike">
+            <a:endParaRPr lang="en-US" sz="3200" b="0" strike="noStrike" spc="-1">
               <a:latin typeface="Arial"/>
             </a:endParaRPr>
           </a:p>
@@ -5014,11 +5374,14 @@
       </p:sp>
     </p:spTree>
   </p:cSld>
+  <p:clrMapOvr>
+    <a:masterClrMapping/>
+  </p:clrMapOvr>
 </p:sldLayout>
 </file>
 
 <file path=ppt/slideLayouts/slideLayout7.xml><?xml version="1.0" encoding="utf-8"?>
-<p:sldLayout xmlns:a="http://schemas.openxmlformats.org/drawingml/2006/main" xmlns:p="http://schemas.openxmlformats.org/presentationml/2006/main" xmlns:r="http://schemas.openxmlformats.org/officeDocument/2006/relationships" xmlns:p14="http://schemas.microsoft.com/office/powerpoint/2010/main" xmlns:p15="http://schemas.microsoft.com/office/powerpoint/2012/main" xmlns:mc="http://schemas.openxmlformats.org/markup-compatibility/2006" type="twoObjAndObj" preserve="1">
+<p:sldLayout xmlns:a="http://schemas.openxmlformats.org/drawingml/2006/main" xmlns:r="http://schemas.openxmlformats.org/officeDocument/2006/relationships" xmlns:p="http://schemas.openxmlformats.org/presentationml/2006/main" type="twoObjAndObj" preserve="1">
   <p:cSld name="Title, 2 Content and Content">
     <p:spTree>
       <p:nvGrpSpPr>
@@ -5054,12 +5417,13 @@
           </a:prstGeom>
         </p:spPr>
         <p:txBody>
-          <a:bodyPr lIns="0" rIns="0" tIns="0" bIns="0" anchor="ctr">
+          <a:bodyPr lIns="0" tIns="0" rIns="0" bIns="0" anchor="ctr">
             <a:noAutofit/>
           </a:bodyPr>
+          <a:lstStyle/>
           <a:p>
             <a:pPr algn="ctr"/>
-            <a:endParaRPr b="0" lang="en-US" sz="4400" spc="-1" strike="noStrike">
+            <a:endParaRPr lang="en-US" sz="4400" b="0" strike="noStrike" spc="-1">
               <a:latin typeface="Arial"/>
             </a:endParaRPr>
           </a:p>
@@ -5085,11 +5449,12 @@
           </a:prstGeom>
         </p:spPr>
         <p:txBody>
-          <a:bodyPr lIns="0" rIns="0" tIns="0" bIns="0">
+          <a:bodyPr lIns="0" tIns="0" rIns="0" bIns="0">
             <a:normAutofit/>
           </a:bodyPr>
-          <a:p>
-            <a:endParaRPr b="0" lang="en-US" sz="3200" spc="-1" strike="noStrike">
+          <a:lstStyle/>
+          <a:p>
+            <a:endParaRPr lang="en-US" sz="3200" b="0" strike="noStrike" spc="-1">
               <a:latin typeface="Arial"/>
             </a:endParaRPr>
           </a:p>
@@ -5115,11 +5480,12 @@
           </a:prstGeom>
         </p:spPr>
         <p:txBody>
-          <a:bodyPr lIns="0" rIns="0" tIns="0" bIns="0">
+          <a:bodyPr lIns="0" tIns="0" rIns="0" bIns="0">
             <a:normAutofit/>
           </a:bodyPr>
-          <a:p>
-            <a:endParaRPr b="0" lang="en-US" sz="3200" spc="-1" strike="noStrike">
+          <a:lstStyle/>
+          <a:p>
+            <a:endParaRPr lang="en-US" sz="3200" b="0" strike="noStrike" spc="-1">
               <a:latin typeface="Arial"/>
             </a:endParaRPr>
           </a:p>
@@ -5145,11 +5511,12 @@
           </a:prstGeom>
         </p:spPr>
         <p:txBody>
-          <a:bodyPr lIns="0" rIns="0" tIns="0" bIns="0">
+          <a:bodyPr lIns="0" tIns="0" rIns="0" bIns="0">
             <a:normAutofit/>
           </a:bodyPr>
-          <a:p>
-            <a:endParaRPr b="0" lang="en-US" sz="3200" spc="-1" strike="noStrike">
+          <a:lstStyle/>
+          <a:p>
+            <a:endParaRPr lang="en-US" sz="3200" b="0" strike="noStrike" spc="-1">
               <a:latin typeface="Arial"/>
             </a:endParaRPr>
           </a:p>
@@ -5157,11 +5524,14 @@
       </p:sp>
     </p:spTree>
   </p:cSld>
+  <p:clrMapOvr>
+    <a:masterClrMapping/>
+  </p:clrMapOvr>
 </p:sldLayout>
 </file>
 
 <file path=ppt/slideLayouts/slideLayout8.xml><?xml version="1.0" encoding="utf-8"?>
-<p:sldLayout xmlns:a="http://schemas.openxmlformats.org/drawingml/2006/main" xmlns:p="http://schemas.openxmlformats.org/presentationml/2006/main" xmlns:r="http://schemas.openxmlformats.org/officeDocument/2006/relationships" xmlns:p14="http://schemas.microsoft.com/office/powerpoint/2010/main" xmlns:p15="http://schemas.microsoft.com/office/powerpoint/2012/main" xmlns:mc="http://schemas.openxmlformats.org/markup-compatibility/2006" type="objAndTwoObj" preserve="1">
+<p:sldLayout xmlns:a="http://schemas.openxmlformats.org/drawingml/2006/main" xmlns:r="http://schemas.openxmlformats.org/officeDocument/2006/relationships" xmlns:p="http://schemas.openxmlformats.org/presentationml/2006/main" type="objAndTwoObj" preserve="1">
   <p:cSld name="Title Content and 2 Content">
     <p:spTree>
       <p:nvGrpSpPr>
@@ -5197,12 +5567,13 @@
           </a:prstGeom>
         </p:spPr>
         <p:txBody>
-          <a:bodyPr lIns="0" rIns="0" tIns="0" bIns="0" anchor="ctr">
+          <a:bodyPr lIns="0" tIns="0" rIns="0" bIns="0" anchor="ctr">
             <a:noAutofit/>
           </a:bodyPr>
+          <a:lstStyle/>
           <a:p>
             <a:pPr algn="ctr"/>
-            <a:endParaRPr b="0" lang="en-US" sz="4400" spc="-1" strike="noStrike">
+            <a:endParaRPr lang="en-US" sz="4400" b="0" strike="noStrike" spc="-1">
               <a:latin typeface="Arial"/>
             </a:endParaRPr>
           </a:p>
@@ -5228,11 +5599,12 @@
           </a:prstGeom>
         </p:spPr>
         <p:txBody>
-          <a:bodyPr lIns="0" rIns="0" tIns="0" bIns="0">
+          <a:bodyPr lIns="0" tIns="0" rIns="0" bIns="0">
             <a:normAutofit/>
           </a:bodyPr>
-          <a:p>
-            <a:endParaRPr b="0" lang="en-US" sz="3200" spc="-1" strike="noStrike">
+          <a:lstStyle/>
+          <a:p>
+            <a:endParaRPr lang="en-US" sz="3200" b="0" strike="noStrike" spc="-1">
               <a:latin typeface="Arial"/>
             </a:endParaRPr>
           </a:p>
@@ -5258,11 +5630,12 @@
           </a:prstGeom>
         </p:spPr>
         <p:txBody>
-          <a:bodyPr lIns="0" rIns="0" tIns="0" bIns="0">
+          <a:bodyPr lIns="0" tIns="0" rIns="0" bIns="0">
             <a:normAutofit/>
           </a:bodyPr>
-          <a:p>
-            <a:endParaRPr b="0" lang="en-US" sz="3200" spc="-1" strike="noStrike">
+          <a:lstStyle/>
+          <a:p>
+            <a:endParaRPr lang="en-US" sz="3200" b="0" strike="noStrike" spc="-1">
               <a:latin typeface="Arial"/>
             </a:endParaRPr>
           </a:p>
@@ -5288,11 +5661,12 @@
           </a:prstGeom>
         </p:spPr>
         <p:txBody>
-          <a:bodyPr lIns="0" rIns="0" tIns="0" bIns="0">
+          <a:bodyPr lIns="0" tIns="0" rIns="0" bIns="0">
             <a:normAutofit/>
           </a:bodyPr>
-          <a:p>
-            <a:endParaRPr b="0" lang="en-US" sz="3200" spc="-1" strike="noStrike">
+          <a:lstStyle/>
+          <a:p>
+            <a:endParaRPr lang="en-US" sz="3200" b="0" strike="noStrike" spc="-1">
               <a:latin typeface="Arial"/>
             </a:endParaRPr>
           </a:p>
@@ -5300,11 +5674,14 @@
       </p:sp>
     </p:spTree>
   </p:cSld>
+  <p:clrMapOvr>
+    <a:masterClrMapping/>
+  </p:clrMapOvr>
 </p:sldLayout>
 </file>
 
 <file path=ppt/slideLayouts/slideLayout9.xml><?xml version="1.0" encoding="utf-8"?>
-<p:sldLayout xmlns:a="http://schemas.openxmlformats.org/drawingml/2006/main" xmlns:p="http://schemas.openxmlformats.org/presentationml/2006/main" xmlns:r="http://schemas.openxmlformats.org/officeDocument/2006/relationships" xmlns:p14="http://schemas.microsoft.com/office/powerpoint/2010/main" xmlns:p15="http://schemas.microsoft.com/office/powerpoint/2012/main" xmlns:mc="http://schemas.openxmlformats.org/markup-compatibility/2006" type="twoObjOverTx" preserve="1">
+<p:sldLayout xmlns:a="http://schemas.openxmlformats.org/drawingml/2006/main" xmlns:r="http://schemas.openxmlformats.org/officeDocument/2006/relationships" xmlns:p="http://schemas.openxmlformats.org/presentationml/2006/main" type="twoObjOverTx" preserve="1">
   <p:cSld name="Title, 2 Content over Content">
     <p:spTree>
       <p:nvGrpSpPr>
@@ -5340,12 +5717,13 @@
           </a:prstGeom>
         </p:spPr>
         <p:txBody>
-          <a:bodyPr lIns="0" rIns="0" tIns="0" bIns="0" anchor="ctr">
+          <a:bodyPr lIns="0" tIns="0" rIns="0" bIns="0" anchor="ctr">
             <a:noAutofit/>
           </a:bodyPr>
+          <a:lstStyle/>
           <a:p>
             <a:pPr algn="ctr"/>
-            <a:endParaRPr b="0" lang="en-US" sz="4400" spc="-1" strike="noStrike">
+            <a:endParaRPr lang="en-US" sz="4400" b="0" strike="noStrike" spc="-1">
               <a:latin typeface="Arial"/>
             </a:endParaRPr>
           </a:p>
@@ -5371,11 +5749,12 @@
           </a:prstGeom>
         </p:spPr>
         <p:txBody>
-          <a:bodyPr lIns="0" rIns="0" tIns="0" bIns="0">
+          <a:bodyPr lIns="0" tIns="0" rIns="0" bIns="0">
             <a:normAutofit/>
           </a:bodyPr>
-          <a:p>
-            <a:endParaRPr b="0" lang="en-US" sz="3200" spc="-1" strike="noStrike">
+          <a:lstStyle/>
+          <a:p>
+            <a:endParaRPr lang="en-US" sz="3200" b="0" strike="noStrike" spc="-1">
               <a:latin typeface="Arial"/>
             </a:endParaRPr>
           </a:p>
@@ -5401,11 +5780,12 @@
           </a:prstGeom>
         </p:spPr>
         <p:txBody>
-          <a:bodyPr lIns="0" rIns="0" tIns="0" bIns="0">
+          <a:bodyPr lIns="0" tIns="0" rIns="0" bIns="0">
             <a:normAutofit/>
           </a:bodyPr>
-          <a:p>
-            <a:endParaRPr b="0" lang="en-US" sz="3200" spc="-1" strike="noStrike">
+          <a:lstStyle/>
+          <a:p>
+            <a:endParaRPr lang="en-US" sz="3200" b="0" strike="noStrike" spc="-1">
               <a:latin typeface="Arial"/>
             </a:endParaRPr>
           </a:p>
@@ -5431,11 +5811,12 @@
           </a:prstGeom>
         </p:spPr>
         <p:txBody>
-          <a:bodyPr lIns="0" rIns="0" tIns="0" bIns="0">
+          <a:bodyPr lIns="0" tIns="0" rIns="0" bIns="0">
             <a:normAutofit/>
           </a:bodyPr>
-          <a:p>
-            <a:endParaRPr b="0" lang="en-US" sz="3200" spc="-1" strike="noStrike">
+          <a:lstStyle/>
+          <a:p>
+            <a:endParaRPr lang="en-US" sz="3200" b="0" strike="noStrike" spc="-1">
               <a:latin typeface="Arial"/>
             </a:endParaRPr>
           </a:p>
@@ -5443,20 +5824,24 @@
       </p:sp>
     </p:spTree>
   </p:cSld>
+  <p:clrMapOvr>
+    <a:masterClrMapping/>
+  </p:clrMapOvr>
 </p:sldLayout>
 </file>
 
 <file path=ppt/slideMasters/slideMaster1.xml><?xml version="1.0" encoding="utf-8"?>
-<p:sldMaster xmlns:a="http://schemas.openxmlformats.org/drawingml/2006/main" xmlns:p="http://schemas.openxmlformats.org/presentationml/2006/main" xmlns:r="http://schemas.openxmlformats.org/officeDocument/2006/relationships" xmlns:p14="http://schemas.microsoft.com/office/powerpoint/2010/main" xmlns:p15="http://schemas.microsoft.com/office/powerpoint/2012/main" xmlns:mc="http://schemas.openxmlformats.org/markup-compatibility/2006">
+<p:sldMaster xmlns:a="http://schemas.openxmlformats.org/drawingml/2006/main" xmlns:r="http://schemas.openxmlformats.org/officeDocument/2006/relationships" xmlns:p="http://schemas.openxmlformats.org/presentationml/2006/main">
   <p:cSld>
     <p:bg>
       <p:bgPr>
         <a:blipFill rotWithShape="0">
-          <a:blip r:embed="rId2"/>
+          <a:blip r:embed="rId14"/>
           <a:stretch>
             <a:fillRect/>
           </a:stretch>
         </a:blipFill>
+        <a:effectLst/>
       </p:bgPr>
     </p:bg>
     <p:spTree>
@@ -5475,7 +5860,7 @@
       </p:grpSpPr>
       <p:sp>
         <p:nvSpPr>
-          <p:cNvPr id="0" name="CustomShape 1"/>
+          <p:cNvPr id="3" name="CustomShape 1"/>
           <p:cNvSpPr/>
           <p:nvPr/>
         </p:nvSpPr>
@@ -5493,15 +5878,22 @@
           </a:ln>
         </p:spPr>
         <p:style>
-          <a:lnRef idx="0"/>
-          <a:fillRef idx="0"/>
-          <a:effectRef idx="0"/>
+          <a:lnRef idx="0">
+            <a:scrgbClr r="0" g="0" b="0"/>
+          </a:lnRef>
+          <a:fillRef idx="0">
+            <a:scrgbClr r="0" g="0" b="0"/>
+          </a:fillRef>
+          <a:effectRef idx="0">
+            <a:scrgbClr r="0" g="0" b="0"/>
+          </a:effectRef>
           <a:fontRef idx="minor"/>
         </p:style>
         <p:txBody>
-          <a:bodyPr lIns="90000" rIns="90000" tIns="45000" bIns="45000">
+          <a:bodyPr lIns="90000" tIns="45000" rIns="90000" bIns="45000">
             <a:spAutoFit/>
           </a:bodyPr>
+          <a:lstStyle/>
           <a:p>
             <a:pPr>
               <a:lnSpc>
@@ -5509,16 +5901,16 @@
               </a:lnSpc>
             </a:pPr>
             <a:r>
-              <a:rPr b="0" lang="en-US" sz="1400" spc="-1" strike="noStrike">
+              <a:rPr lang="en-US" sz="1400" b="0" strike="noStrike" spc="-1">
                 <a:solidFill>
-                  <a:srgbClr val="a6a6a6"/>
+                  <a:srgbClr val="A6A6A6"/>
                 </a:solidFill>
                 <a:latin typeface="Calibri"/>
                 <a:ea typeface="DejaVu Sans"/>
               </a:rPr>
               <a:t>This presentation uses a free template provided by FPPT.com</a:t>
             </a:r>
-            <a:endParaRPr b="0" lang="en-US" sz="1400" spc="-1" strike="noStrike">
+            <a:endParaRPr lang="en-US" sz="1400" b="0" strike="noStrike" spc="-1">
               <a:latin typeface="Arial"/>
             </a:endParaRPr>
           </a:p>
@@ -5529,24 +5921,24 @@
               </a:lnSpc>
             </a:pPr>
             <a:r>
-              <a:rPr b="0" lang="en-US" sz="1400" spc="-1" strike="noStrike">
+              <a:rPr lang="en-US" sz="1400" b="0" strike="noStrike" spc="-1">
                 <a:solidFill>
-                  <a:srgbClr val="a6a6a6"/>
+                  <a:srgbClr val="A6A6A6"/>
                 </a:solidFill>
                 <a:latin typeface="Calibri"/>
                 <a:ea typeface="DejaVu Sans"/>
               </a:rPr>
               <a:t>www.free-power-point-templates.com</a:t>
             </a:r>
-            <a:endParaRPr b="0" lang="en-US" sz="1400" spc="-1" strike="noStrike">
-              <a:latin typeface="Arial"/>
-            </a:endParaRPr>
-          </a:p>
-        </p:txBody>
-      </p:sp>
-      <p:sp>
-        <p:nvSpPr>
-          <p:cNvPr id="1" name="PlaceHolder 2"/>
+            <a:endParaRPr lang="en-US" sz="1400" b="0" strike="noStrike" spc="-1">
+              <a:latin typeface="Arial"/>
+            </a:endParaRPr>
+          </a:p>
+        </p:txBody>
+      </p:sp>
+      <p:sp>
+        <p:nvSpPr>
+          <p:cNvPr id="4" name="PlaceHolder 2"/>
           <p:cNvSpPr>
             <a:spLocks noGrp="1"/>
           </p:cNvSpPr>
@@ -5564,19 +5956,17 @@
           </a:prstGeom>
         </p:spPr>
         <p:txBody>
-          <a:bodyPr lIns="0" rIns="0" tIns="0" bIns="0" anchor="ctr">
+          <a:bodyPr lIns="0" tIns="0" rIns="0" bIns="0" anchor="ctr">
             <a:noAutofit/>
           </a:bodyPr>
+          <a:lstStyle/>
           <a:p>
             <a:r>
-              <a:rPr b="0" lang="en-US" sz="1800" spc="-1" strike="noStrike">
+              <a:rPr lang="en-US" sz="1800" b="0" strike="noStrike" spc="-1">
                 <a:latin typeface="Arial"/>
               </a:rPr>
               <a:t>Click to edit the title text format</a:t>
             </a:r>
-            <a:endParaRPr b="0" lang="en-US" sz="1800" spc="-1" strike="noStrike">
-              <a:latin typeface="Arial"/>
-            </a:endParaRPr>
           </a:p>
         </p:txBody>
       </p:sp>
@@ -5600,9 +5990,10 @@
           </a:prstGeom>
         </p:spPr>
         <p:txBody>
-          <a:bodyPr lIns="0" rIns="0" tIns="0" bIns="0">
+          <a:bodyPr lIns="0" tIns="0" rIns="0" bIns="0">
             <a:normAutofit/>
           </a:bodyPr>
+          <a:lstStyle/>
           <a:p>
             <a:pPr marL="432000" indent="-324000">
               <a:spcBef>
@@ -5616,17 +6007,14 @@
               <a:buChar char=""/>
             </a:pPr>
             <a:r>
-              <a:rPr b="0" lang="en-US" sz="3200" spc="-1" strike="noStrike">
+              <a:rPr lang="en-US" sz="3200" b="0" strike="noStrike" spc="-1">
                 <a:latin typeface="Arial"/>
               </a:rPr>
               <a:t>Click to edit the outline text format</a:t>
             </a:r>
-            <a:endParaRPr b="0" lang="en-US" sz="3200" spc="-1" strike="noStrike">
-              <a:latin typeface="Arial"/>
-            </a:endParaRPr>
-          </a:p>
-          <a:p>
-            <a:pPr lvl="1" marL="864000" indent="-324000">
+          </a:p>
+          <a:p>
+            <a:pPr marL="864000" lvl="1" indent="-324000">
               <a:spcBef>
                 <a:spcPts val="1134"/>
               </a:spcBef>
@@ -5638,17 +6026,14 @@
               <a:buChar char=""/>
             </a:pPr>
             <a:r>
-              <a:rPr b="0" lang="en-US" sz="2800" spc="-1" strike="noStrike">
+              <a:rPr lang="en-US" sz="2800" b="0" strike="noStrike" spc="-1">
                 <a:latin typeface="Arial"/>
               </a:rPr>
               <a:t>Second Outline Level</a:t>
             </a:r>
-            <a:endParaRPr b="0" lang="en-US" sz="2800" spc="-1" strike="noStrike">
-              <a:latin typeface="Arial"/>
-            </a:endParaRPr>
-          </a:p>
-          <a:p>
-            <a:pPr lvl="2" marL="1296000" indent="-288000">
+          </a:p>
+          <a:p>
+            <a:pPr marL="1296000" lvl="2" indent="-288000">
               <a:spcBef>
                 <a:spcPts val="850"/>
               </a:spcBef>
@@ -5660,17 +6045,14 @@
               <a:buChar char=""/>
             </a:pPr>
             <a:r>
-              <a:rPr b="0" lang="en-US" sz="2400" spc="-1" strike="noStrike">
+              <a:rPr lang="en-US" sz="2400" b="0" strike="noStrike" spc="-1">
                 <a:latin typeface="Arial"/>
               </a:rPr>
               <a:t>Third Outline Level</a:t>
             </a:r>
-            <a:endParaRPr b="0" lang="en-US" sz="2400" spc="-1" strike="noStrike">
-              <a:latin typeface="Arial"/>
-            </a:endParaRPr>
-          </a:p>
-          <a:p>
-            <a:pPr lvl="3" marL="1728000" indent="-216000">
+          </a:p>
+          <a:p>
+            <a:pPr marL="1728000" lvl="3" indent="-216000">
               <a:spcBef>
                 <a:spcPts val="567"/>
               </a:spcBef>
@@ -5682,17 +6064,14 @@
               <a:buChar char=""/>
             </a:pPr>
             <a:r>
-              <a:rPr b="0" lang="en-US" sz="2000" spc="-1" strike="noStrike">
+              <a:rPr lang="en-US" sz="2000" b="0" strike="noStrike" spc="-1">
                 <a:latin typeface="Arial"/>
               </a:rPr>
               <a:t>Fourth Outline Level</a:t>
             </a:r>
-            <a:endParaRPr b="0" lang="en-US" sz="2000" spc="-1" strike="noStrike">
-              <a:latin typeface="Arial"/>
-            </a:endParaRPr>
-          </a:p>
-          <a:p>
-            <a:pPr lvl="4" marL="2160000" indent="-216000">
+          </a:p>
+          <a:p>
+            <a:pPr marL="2160000" lvl="4" indent="-216000">
               <a:spcBef>
                 <a:spcPts val="283"/>
               </a:spcBef>
@@ -5704,17 +6083,14 @@
               <a:buChar char=""/>
             </a:pPr>
             <a:r>
-              <a:rPr b="0" lang="en-US" sz="2000" spc="-1" strike="noStrike">
+              <a:rPr lang="en-US" sz="2000" b="0" strike="noStrike" spc="-1">
                 <a:latin typeface="Arial"/>
               </a:rPr>
               <a:t>Fifth Outline Level</a:t>
             </a:r>
-            <a:endParaRPr b="0" lang="en-US" sz="2000" spc="-1" strike="noStrike">
-              <a:latin typeface="Arial"/>
-            </a:endParaRPr>
-          </a:p>
-          <a:p>
-            <a:pPr lvl="5" marL="2592000" indent="-216000">
+          </a:p>
+          <a:p>
+            <a:pPr marL="2592000" lvl="5" indent="-216000">
               <a:spcBef>
                 <a:spcPts val="283"/>
               </a:spcBef>
@@ -5726,17 +6102,14 @@
               <a:buChar char=""/>
             </a:pPr>
             <a:r>
-              <a:rPr b="0" lang="en-US" sz="2000" spc="-1" strike="noStrike">
+              <a:rPr lang="en-US" sz="2000" b="0" strike="noStrike" spc="-1">
                 <a:latin typeface="Arial"/>
               </a:rPr>
               <a:t>Sixth Outline Level</a:t>
             </a:r>
-            <a:endParaRPr b="0" lang="en-US" sz="2000" spc="-1" strike="noStrike">
-              <a:latin typeface="Arial"/>
-            </a:endParaRPr>
-          </a:p>
-          <a:p>
-            <a:pPr lvl="6" marL="3024000" indent="-216000">
+          </a:p>
+          <a:p>
+            <a:pPr marL="3024000" lvl="6" indent="-216000">
               <a:spcBef>
                 <a:spcPts val="283"/>
               </a:spcBef>
@@ -5748,48 +6121,326 @@
               <a:buChar char=""/>
             </a:pPr>
             <a:r>
-              <a:rPr b="0" lang="en-US" sz="2000" spc="-1" strike="noStrike">
+              <a:rPr lang="en-US" sz="2000" b="0" strike="noStrike" spc="-1">
                 <a:latin typeface="Arial"/>
               </a:rPr>
               <a:t>Seventh Outline Level</a:t>
             </a:r>
-            <a:endParaRPr b="0" lang="en-US" sz="2000" spc="-1" strike="noStrike">
-              <a:latin typeface="Arial"/>
-            </a:endParaRPr>
           </a:p>
         </p:txBody>
       </p:sp>
     </p:spTree>
   </p:cSld>
-  <p:clrMap bg1="lt1" bg2="lt2" tx1="dk1" tx2="dk2" accent1="accent1" accent2="accent2" accent3="accent3" accent4="accent4" accent5="accent5" accent6="accent6" hlink="hlink" folHlink="folHlink"/>
+  <p:clrMap bg1="lt1" tx1="dk1" bg2="lt2" tx2="dk2" accent1="accent1" accent2="accent2" accent3="accent3" accent4="accent4" accent5="accent5" accent6="accent6" hlink="hlink" folHlink="folHlink"/>
   <p:sldLayoutIdLst>
-    <p:sldLayoutId id="2147483649" r:id="rId3"/>
-    <p:sldLayoutId id="2147483650" r:id="rId4"/>
-    <p:sldLayoutId id="2147483651" r:id="rId5"/>
-    <p:sldLayoutId id="2147483652" r:id="rId6"/>
-    <p:sldLayoutId id="2147483653" r:id="rId7"/>
-    <p:sldLayoutId id="2147483654" r:id="rId8"/>
-    <p:sldLayoutId id="2147483655" r:id="rId9"/>
-    <p:sldLayoutId id="2147483656" r:id="rId10"/>
-    <p:sldLayoutId id="2147483657" r:id="rId11"/>
-    <p:sldLayoutId id="2147483658" r:id="rId12"/>
-    <p:sldLayoutId id="2147483659" r:id="rId13"/>
-    <p:sldLayoutId id="2147483660" r:id="rId14"/>
+    <p:sldLayoutId id="2147483649" r:id="rId1"/>
+    <p:sldLayoutId id="2147483650" r:id="rId2"/>
+    <p:sldLayoutId id="2147483651" r:id="rId3"/>
+    <p:sldLayoutId id="2147483652" r:id="rId4"/>
+    <p:sldLayoutId id="2147483653" r:id="rId5"/>
+    <p:sldLayoutId id="2147483654" r:id="rId6"/>
+    <p:sldLayoutId id="2147483655" r:id="rId7"/>
+    <p:sldLayoutId id="2147483656" r:id="rId8"/>
+    <p:sldLayoutId id="2147483657" r:id="rId9"/>
+    <p:sldLayoutId id="2147483658" r:id="rId10"/>
+    <p:sldLayoutId id="2147483659" r:id="rId11"/>
+    <p:sldLayoutId id="2147483660" r:id="rId12"/>
   </p:sldLayoutIdLst>
+  <p:txStyles>
+    <p:titleStyle>
+      <a:lvl1pPr algn="l" defTabSz="914400" rtl="0" eaLnBrk="1" latinLnBrk="0" hangingPunct="1">
+        <a:lnSpc>
+          <a:spcPct val="90000"/>
+        </a:lnSpc>
+        <a:spcBef>
+          <a:spcPct val="0"/>
+        </a:spcBef>
+        <a:buNone/>
+        <a:defRPr sz="4400" kern="1200">
+          <a:solidFill>
+            <a:schemeClr val="tx1"/>
+          </a:solidFill>
+          <a:latin typeface="+mj-lt"/>
+          <a:ea typeface="+mj-ea"/>
+          <a:cs typeface="+mj-cs"/>
+        </a:defRPr>
+      </a:lvl1pPr>
+    </p:titleStyle>
+    <p:bodyStyle>
+      <a:lvl1pPr marL="228600" indent="-228600" algn="l" defTabSz="914400" rtl="0" eaLnBrk="1" latinLnBrk="0" hangingPunct="1">
+        <a:lnSpc>
+          <a:spcPct val="90000"/>
+        </a:lnSpc>
+        <a:spcBef>
+          <a:spcPts val="1000"/>
+        </a:spcBef>
+        <a:buFont typeface="Arial" panose="020B0604020202020204" pitchFamily="34" charset="0"/>
+        <a:buChar char="•"/>
+        <a:defRPr sz="2800" kern="1200">
+          <a:solidFill>
+            <a:schemeClr val="tx1"/>
+          </a:solidFill>
+          <a:latin typeface="+mn-lt"/>
+          <a:ea typeface="+mn-ea"/>
+          <a:cs typeface="+mn-cs"/>
+        </a:defRPr>
+      </a:lvl1pPr>
+      <a:lvl2pPr marL="685800" indent="-228600" algn="l" defTabSz="914400" rtl="0" eaLnBrk="1" latinLnBrk="0" hangingPunct="1">
+        <a:lnSpc>
+          <a:spcPct val="90000"/>
+        </a:lnSpc>
+        <a:spcBef>
+          <a:spcPts val="500"/>
+        </a:spcBef>
+        <a:buFont typeface="Arial" panose="020B0604020202020204" pitchFamily="34" charset="0"/>
+        <a:buChar char="•"/>
+        <a:defRPr sz="2400" kern="1200">
+          <a:solidFill>
+            <a:schemeClr val="tx1"/>
+          </a:solidFill>
+          <a:latin typeface="+mn-lt"/>
+          <a:ea typeface="+mn-ea"/>
+          <a:cs typeface="+mn-cs"/>
+        </a:defRPr>
+      </a:lvl2pPr>
+      <a:lvl3pPr marL="1143000" indent="-228600" algn="l" defTabSz="914400" rtl="0" eaLnBrk="1" latinLnBrk="0" hangingPunct="1">
+        <a:lnSpc>
+          <a:spcPct val="90000"/>
+        </a:lnSpc>
+        <a:spcBef>
+          <a:spcPts val="500"/>
+        </a:spcBef>
+        <a:buFont typeface="Arial" panose="020B0604020202020204" pitchFamily="34" charset="0"/>
+        <a:buChar char="•"/>
+        <a:defRPr sz="2000" kern="1200">
+          <a:solidFill>
+            <a:schemeClr val="tx1"/>
+          </a:solidFill>
+          <a:latin typeface="+mn-lt"/>
+          <a:ea typeface="+mn-ea"/>
+          <a:cs typeface="+mn-cs"/>
+        </a:defRPr>
+      </a:lvl3pPr>
+      <a:lvl4pPr marL="1600200" indent="-228600" algn="l" defTabSz="914400" rtl="0" eaLnBrk="1" latinLnBrk="0" hangingPunct="1">
+        <a:lnSpc>
+          <a:spcPct val="90000"/>
+        </a:lnSpc>
+        <a:spcBef>
+          <a:spcPts val="500"/>
+        </a:spcBef>
+        <a:buFont typeface="Arial" panose="020B0604020202020204" pitchFamily="34" charset="0"/>
+        <a:buChar char="•"/>
+        <a:defRPr sz="1800" kern="1200">
+          <a:solidFill>
+            <a:schemeClr val="tx1"/>
+          </a:solidFill>
+          <a:latin typeface="+mn-lt"/>
+          <a:ea typeface="+mn-ea"/>
+          <a:cs typeface="+mn-cs"/>
+        </a:defRPr>
+      </a:lvl4pPr>
+      <a:lvl5pPr marL="2057400" indent="-228600" algn="l" defTabSz="914400" rtl="0" eaLnBrk="1" latinLnBrk="0" hangingPunct="1">
+        <a:lnSpc>
+          <a:spcPct val="90000"/>
+        </a:lnSpc>
+        <a:spcBef>
+          <a:spcPts val="500"/>
+        </a:spcBef>
+        <a:buFont typeface="Arial" panose="020B0604020202020204" pitchFamily="34" charset="0"/>
+        <a:buChar char="•"/>
+        <a:defRPr sz="1800" kern="1200">
+          <a:solidFill>
+            <a:schemeClr val="tx1"/>
+          </a:solidFill>
+          <a:latin typeface="+mn-lt"/>
+          <a:ea typeface="+mn-ea"/>
+          <a:cs typeface="+mn-cs"/>
+        </a:defRPr>
+      </a:lvl5pPr>
+      <a:lvl6pPr marL="2514600" indent="-228600" algn="l" defTabSz="914400" rtl="0" eaLnBrk="1" latinLnBrk="0" hangingPunct="1">
+        <a:lnSpc>
+          <a:spcPct val="90000"/>
+        </a:lnSpc>
+        <a:spcBef>
+          <a:spcPts val="500"/>
+        </a:spcBef>
+        <a:buFont typeface="Arial" panose="020B0604020202020204" pitchFamily="34" charset="0"/>
+        <a:buChar char="•"/>
+        <a:defRPr sz="1800" kern="1200">
+          <a:solidFill>
+            <a:schemeClr val="tx1"/>
+          </a:solidFill>
+          <a:latin typeface="+mn-lt"/>
+          <a:ea typeface="+mn-ea"/>
+          <a:cs typeface="+mn-cs"/>
+        </a:defRPr>
+      </a:lvl6pPr>
+      <a:lvl7pPr marL="2971800" indent="-228600" algn="l" defTabSz="914400" rtl="0" eaLnBrk="1" latinLnBrk="0" hangingPunct="1">
+        <a:lnSpc>
+          <a:spcPct val="90000"/>
+        </a:lnSpc>
+        <a:spcBef>
+          <a:spcPts val="500"/>
+        </a:spcBef>
+        <a:buFont typeface="Arial" panose="020B0604020202020204" pitchFamily="34" charset="0"/>
+        <a:buChar char="•"/>
+        <a:defRPr sz="1800" kern="1200">
+          <a:solidFill>
+            <a:schemeClr val="tx1"/>
+          </a:solidFill>
+          <a:latin typeface="+mn-lt"/>
+          <a:ea typeface="+mn-ea"/>
+          <a:cs typeface="+mn-cs"/>
+        </a:defRPr>
+      </a:lvl7pPr>
+      <a:lvl8pPr marL="3429000" indent="-228600" algn="l" defTabSz="914400" rtl="0" eaLnBrk="1" latinLnBrk="0" hangingPunct="1">
+        <a:lnSpc>
+          <a:spcPct val="90000"/>
+        </a:lnSpc>
+        <a:spcBef>
+          <a:spcPts val="500"/>
+        </a:spcBef>
+        <a:buFont typeface="Arial" panose="020B0604020202020204" pitchFamily="34" charset="0"/>
+        <a:buChar char="•"/>
+        <a:defRPr sz="1800" kern="1200">
+          <a:solidFill>
+            <a:schemeClr val="tx1"/>
+          </a:solidFill>
+          <a:latin typeface="+mn-lt"/>
+          <a:ea typeface="+mn-ea"/>
+          <a:cs typeface="+mn-cs"/>
+        </a:defRPr>
+      </a:lvl8pPr>
+      <a:lvl9pPr marL="3886200" indent="-228600" algn="l" defTabSz="914400" rtl="0" eaLnBrk="1" latinLnBrk="0" hangingPunct="1">
+        <a:lnSpc>
+          <a:spcPct val="90000"/>
+        </a:lnSpc>
+        <a:spcBef>
+          <a:spcPts val="500"/>
+        </a:spcBef>
+        <a:buFont typeface="Arial" panose="020B0604020202020204" pitchFamily="34" charset="0"/>
+        <a:buChar char="•"/>
+        <a:defRPr sz="1800" kern="1200">
+          <a:solidFill>
+            <a:schemeClr val="tx1"/>
+          </a:solidFill>
+          <a:latin typeface="+mn-lt"/>
+          <a:ea typeface="+mn-ea"/>
+          <a:cs typeface="+mn-cs"/>
+        </a:defRPr>
+      </a:lvl9pPr>
+    </p:bodyStyle>
+    <p:otherStyle>
+      <a:defPPr>
+        <a:defRPr lang="en-US"/>
+      </a:defPPr>
+      <a:lvl1pPr marL="0" algn="l" defTabSz="914400" rtl="0" eaLnBrk="1" latinLnBrk="0" hangingPunct="1">
+        <a:defRPr sz="1800" kern="1200">
+          <a:solidFill>
+            <a:schemeClr val="tx1"/>
+          </a:solidFill>
+          <a:latin typeface="+mn-lt"/>
+          <a:ea typeface="+mn-ea"/>
+          <a:cs typeface="+mn-cs"/>
+        </a:defRPr>
+      </a:lvl1pPr>
+      <a:lvl2pPr marL="457200" algn="l" defTabSz="914400" rtl="0" eaLnBrk="1" latinLnBrk="0" hangingPunct="1">
+        <a:defRPr sz="1800" kern="1200">
+          <a:solidFill>
+            <a:schemeClr val="tx1"/>
+          </a:solidFill>
+          <a:latin typeface="+mn-lt"/>
+          <a:ea typeface="+mn-ea"/>
+          <a:cs typeface="+mn-cs"/>
+        </a:defRPr>
+      </a:lvl2pPr>
+      <a:lvl3pPr marL="914400" algn="l" defTabSz="914400" rtl="0" eaLnBrk="1" latinLnBrk="0" hangingPunct="1">
+        <a:defRPr sz="1800" kern="1200">
+          <a:solidFill>
+            <a:schemeClr val="tx1"/>
+          </a:solidFill>
+          <a:latin typeface="+mn-lt"/>
+          <a:ea typeface="+mn-ea"/>
+          <a:cs typeface="+mn-cs"/>
+        </a:defRPr>
+      </a:lvl3pPr>
+      <a:lvl4pPr marL="1371600" algn="l" defTabSz="914400" rtl="0" eaLnBrk="1" latinLnBrk="0" hangingPunct="1">
+        <a:defRPr sz="1800" kern="1200">
+          <a:solidFill>
+            <a:schemeClr val="tx1"/>
+          </a:solidFill>
+          <a:latin typeface="+mn-lt"/>
+          <a:ea typeface="+mn-ea"/>
+          <a:cs typeface="+mn-cs"/>
+        </a:defRPr>
+      </a:lvl4pPr>
+      <a:lvl5pPr marL="1828800" algn="l" defTabSz="914400" rtl="0" eaLnBrk="1" latinLnBrk="0" hangingPunct="1">
+        <a:defRPr sz="1800" kern="1200">
+          <a:solidFill>
+            <a:schemeClr val="tx1"/>
+          </a:solidFill>
+          <a:latin typeface="+mn-lt"/>
+          <a:ea typeface="+mn-ea"/>
+          <a:cs typeface="+mn-cs"/>
+        </a:defRPr>
+      </a:lvl5pPr>
+      <a:lvl6pPr marL="2286000" algn="l" defTabSz="914400" rtl="0" eaLnBrk="1" latinLnBrk="0" hangingPunct="1">
+        <a:defRPr sz="1800" kern="1200">
+          <a:solidFill>
+            <a:schemeClr val="tx1"/>
+          </a:solidFill>
+          <a:latin typeface="+mn-lt"/>
+          <a:ea typeface="+mn-ea"/>
+          <a:cs typeface="+mn-cs"/>
+        </a:defRPr>
+      </a:lvl6pPr>
+      <a:lvl7pPr marL="2743200" algn="l" defTabSz="914400" rtl="0" eaLnBrk="1" latinLnBrk="0" hangingPunct="1">
+        <a:defRPr sz="1800" kern="1200">
+          <a:solidFill>
+            <a:schemeClr val="tx1"/>
+          </a:solidFill>
+          <a:latin typeface="+mn-lt"/>
+          <a:ea typeface="+mn-ea"/>
+          <a:cs typeface="+mn-cs"/>
+        </a:defRPr>
+      </a:lvl7pPr>
+      <a:lvl8pPr marL="3200400" algn="l" defTabSz="914400" rtl="0" eaLnBrk="1" latinLnBrk="0" hangingPunct="1">
+        <a:defRPr sz="1800" kern="1200">
+          <a:solidFill>
+            <a:schemeClr val="tx1"/>
+          </a:solidFill>
+          <a:latin typeface="+mn-lt"/>
+          <a:ea typeface="+mn-ea"/>
+          <a:cs typeface="+mn-cs"/>
+        </a:defRPr>
+      </a:lvl8pPr>
+      <a:lvl9pPr marL="3657600" algn="l" defTabSz="914400" rtl="0" eaLnBrk="1" latinLnBrk="0" hangingPunct="1">
+        <a:defRPr sz="1800" kern="1200">
+          <a:solidFill>
+            <a:schemeClr val="tx1"/>
+          </a:solidFill>
+          <a:latin typeface="+mn-lt"/>
+          <a:ea typeface="+mn-ea"/>
+          <a:cs typeface="+mn-cs"/>
+        </a:defRPr>
+      </a:lvl9pPr>
+    </p:otherStyle>
+  </p:txStyles>
 </p:sldMaster>
 </file>
 
 <file path=ppt/slideMasters/slideMaster2.xml><?xml version="1.0" encoding="utf-8"?>
-<p:sldMaster xmlns:a="http://schemas.openxmlformats.org/drawingml/2006/main" xmlns:p="http://schemas.openxmlformats.org/presentationml/2006/main" xmlns:r="http://schemas.openxmlformats.org/officeDocument/2006/relationships" xmlns:p14="http://schemas.microsoft.com/office/powerpoint/2010/main" xmlns:p15="http://schemas.microsoft.com/office/powerpoint/2012/main" xmlns:mc="http://schemas.openxmlformats.org/markup-compatibility/2006">
+<p:sldMaster xmlns:a="http://schemas.openxmlformats.org/drawingml/2006/main" xmlns:r="http://schemas.openxmlformats.org/officeDocument/2006/relationships" xmlns:p="http://schemas.openxmlformats.org/presentationml/2006/main">
   <p:cSld>
     <p:bg>
       <p:bgPr>
         <a:blipFill rotWithShape="0">
-          <a:blip r:embed="rId2"/>
+          <a:blip r:embed="rId14"/>
           <a:stretch>
             <a:fillRect/>
           </a:stretch>
         </a:blipFill>
+        <a:effectLst/>
       </p:bgPr>
     </p:bg>
     <p:spTree>
@@ -5826,15 +6477,22 @@
           </a:ln>
         </p:spPr>
         <p:style>
-          <a:lnRef idx="0"/>
-          <a:fillRef idx="0"/>
-          <a:effectRef idx="0"/>
+          <a:lnRef idx="0">
+            <a:scrgbClr r="0" g="0" b="0"/>
+          </a:lnRef>
+          <a:fillRef idx="0">
+            <a:scrgbClr r="0" g="0" b="0"/>
+          </a:fillRef>
+          <a:effectRef idx="0">
+            <a:scrgbClr r="0" g="0" b="0"/>
+          </a:effectRef>
           <a:fontRef idx="minor"/>
         </p:style>
         <p:txBody>
-          <a:bodyPr lIns="90000" rIns="90000" tIns="45000" bIns="45000">
+          <a:bodyPr lIns="90000" tIns="45000" rIns="90000" bIns="45000">
             <a:spAutoFit/>
           </a:bodyPr>
+          <a:lstStyle/>
           <a:p>
             <a:pPr>
               <a:lnSpc>
@@ -5842,16 +6500,16 @@
               </a:lnSpc>
             </a:pPr>
             <a:r>
-              <a:rPr b="0" lang="en-US" sz="1400" spc="-1" strike="noStrike">
+              <a:rPr lang="en-US" sz="1400" b="0" strike="noStrike" spc="-1">
                 <a:solidFill>
-                  <a:srgbClr val="a6a6a6"/>
+                  <a:srgbClr val="A6A6A6"/>
                 </a:solidFill>
                 <a:latin typeface="Calibri"/>
                 <a:ea typeface="DejaVu Sans"/>
               </a:rPr>
               <a:t>This presentation uses a free template provided by FPPT.com</a:t>
             </a:r>
-            <a:endParaRPr b="0" lang="en-US" sz="1400" spc="-1" strike="noStrike">
+            <a:endParaRPr lang="en-US" sz="1400" b="0" strike="noStrike" spc="-1">
               <a:latin typeface="Arial"/>
             </a:endParaRPr>
           </a:p>
@@ -5862,16 +6520,16 @@
               </a:lnSpc>
             </a:pPr>
             <a:r>
-              <a:rPr b="0" lang="en-US" sz="1400" spc="-1" strike="noStrike">
+              <a:rPr lang="en-US" sz="1400" b="0" strike="noStrike" spc="-1">
                 <a:solidFill>
-                  <a:srgbClr val="a6a6a6"/>
+                  <a:srgbClr val="A6A6A6"/>
                 </a:solidFill>
                 <a:latin typeface="Calibri"/>
                 <a:ea typeface="DejaVu Sans"/>
               </a:rPr>
               <a:t>www.free-power-point-templates.com</a:t>
             </a:r>
-            <a:endParaRPr b="0" lang="en-US" sz="1400" spc="-1" strike="noStrike">
+            <a:endParaRPr lang="en-US" sz="1400" b="0" strike="noStrike" spc="-1">
               <a:latin typeface="Arial"/>
             </a:endParaRPr>
           </a:p>
@@ -5897,20 +6555,18 @@
           </a:prstGeom>
         </p:spPr>
         <p:txBody>
-          <a:bodyPr lIns="0" rIns="0" tIns="0" bIns="0" anchor="ctr">
+          <a:bodyPr lIns="0" tIns="0" rIns="0" bIns="0" anchor="ctr">
             <a:noAutofit/>
           </a:bodyPr>
+          <a:lstStyle/>
           <a:p>
             <a:pPr algn="ctr"/>
             <a:r>
-              <a:rPr b="0" lang="en-US" sz="4400" spc="-1" strike="noStrike">
+              <a:rPr lang="en-US" sz="4400" b="0" strike="noStrike" spc="-1">
                 <a:latin typeface="Arial"/>
               </a:rPr>
               <a:t>Click to edit the title text format</a:t>
             </a:r>
-            <a:endParaRPr b="0" lang="en-US" sz="4400" spc="-1" strike="noStrike">
-              <a:latin typeface="Arial"/>
-            </a:endParaRPr>
           </a:p>
         </p:txBody>
       </p:sp>
@@ -5934,9 +6590,10 @@
           </a:prstGeom>
         </p:spPr>
         <p:txBody>
-          <a:bodyPr lIns="0" rIns="0" tIns="0" bIns="0">
+          <a:bodyPr lIns="0" tIns="0" rIns="0" bIns="0">
             <a:normAutofit/>
           </a:bodyPr>
+          <a:lstStyle/>
           <a:p>
             <a:pPr marL="432000" indent="-324000">
               <a:spcBef>
@@ -5950,17 +6607,14 @@
               <a:buChar char=""/>
             </a:pPr>
             <a:r>
-              <a:rPr b="0" lang="en-US" sz="3200" spc="-1" strike="noStrike">
+              <a:rPr lang="en-US" sz="3200" b="0" strike="noStrike" spc="-1">
                 <a:latin typeface="Arial"/>
               </a:rPr>
               <a:t>Click to edit the outline text format</a:t>
             </a:r>
-            <a:endParaRPr b="0" lang="en-US" sz="3200" spc="-1" strike="noStrike">
-              <a:latin typeface="Arial"/>
-            </a:endParaRPr>
-          </a:p>
-          <a:p>
-            <a:pPr lvl="1" marL="864000" indent="-324000">
+          </a:p>
+          <a:p>
+            <a:pPr marL="864000" lvl="1" indent="-324000">
               <a:spcBef>
                 <a:spcPts val="1134"/>
               </a:spcBef>
@@ -5972,17 +6626,14 @@
               <a:buChar char=""/>
             </a:pPr>
             <a:r>
-              <a:rPr b="0" lang="en-US" sz="2800" spc="-1" strike="noStrike">
+              <a:rPr lang="en-US" sz="2800" b="0" strike="noStrike" spc="-1">
                 <a:latin typeface="Arial"/>
               </a:rPr>
               <a:t>Second Outline Level</a:t>
             </a:r>
-            <a:endParaRPr b="0" lang="en-US" sz="2800" spc="-1" strike="noStrike">
-              <a:latin typeface="Arial"/>
-            </a:endParaRPr>
-          </a:p>
-          <a:p>
-            <a:pPr lvl="2" marL="1296000" indent="-288000">
+          </a:p>
+          <a:p>
+            <a:pPr marL="1296000" lvl="2" indent="-288000">
               <a:spcBef>
                 <a:spcPts val="850"/>
               </a:spcBef>
@@ -5994,17 +6645,14 @@
               <a:buChar char=""/>
             </a:pPr>
             <a:r>
-              <a:rPr b="0" lang="en-US" sz="2400" spc="-1" strike="noStrike">
+              <a:rPr lang="en-US" sz="2400" b="0" strike="noStrike" spc="-1">
                 <a:latin typeface="Arial"/>
               </a:rPr>
               <a:t>Third Outline Level</a:t>
             </a:r>
-            <a:endParaRPr b="0" lang="en-US" sz="2400" spc="-1" strike="noStrike">
-              <a:latin typeface="Arial"/>
-            </a:endParaRPr>
-          </a:p>
-          <a:p>
-            <a:pPr lvl="3" marL="1728000" indent="-216000">
+          </a:p>
+          <a:p>
+            <a:pPr marL="1728000" lvl="3" indent="-216000">
               <a:spcBef>
                 <a:spcPts val="567"/>
               </a:spcBef>
@@ -6016,17 +6664,14 @@
               <a:buChar char=""/>
             </a:pPr>
             <a:r>
-              <a:rPr b="0" lang="en-US" sz="2000" spc="-1" strike="noStrike">
+              <a:rPr lang="en-US" sz="2000" b="0" strike="noStrike" spc="-1">
                 <a:latin typeface="Arial"/>
               </a:rPr>
               <a:t>Fourth Outline Level</a:t>
             </a:r>
-            <a:endParaRPr b="0" lang="en-US" sz="2000" spc="-1" strike="noStrike">
-              <a:latin typeface="Arial"/>
-            </a:endParaRPr>
-          </a:p>
-          <a:p>
-            <a:pPr lvl="4" marL="2160000" indent="-216000">
+          </a:p>
+          <a:p>
+            <a:pPr marL="2160000" lvl="4" indent="-216000">
               <a:spcBef>
                 <a:spcPts val="283"/>
               </a:spcBef>
@@ -6038,17 +6683,14 @@
               <a:buChar char=""/>
             </a:pPr>
             <a:r>
-              <a:rPr b="0" lang="en-US" sz="2000" spc="-1" strike="noStrike">
+              <a:rPr lang="en-US" sz="2000" b="0" strike="noStrike" spc="-1">
                 <a:latin typeface="Arial"/>
               </a:rPr>
               <a:t>Fifth Outline Level</a:t>
             </a:r>
-            <a:endParaRPr b="0" lang="en-US" sz="2000" spc="-1" strike="noStrike">
-              <a:latin typeface="Arial"/>
-            </a:endParaRPr>
-          </a:p>
-          <a:p>
-            <a:pPr lvl="5" marL="2592000" indent="-216000">
+          </a:p>
+          <a:p>
+            <a:pPr marL="2592000" lvl="5" indent="-216000">
               <a:spcBef>
                 <a:spcPts val="283"/>
               </a:spcBef>
@@ -6060,17 +6702,14 @@
               <a:buChar char=""/>
             </a:pPr>
             <a:r>
-              <a:rPr b="0" lang="en-US" sz="2000" spc="-1" strike="noStrike">
+              <a:rPr lang="en-US" sz="2000" b="0" strike="noStrike" spc="-1">
                 <a:latin typeface="Arial"/>
               </a:rPr>
               <a:t>Sixth Outline Level</a:t>
             </a:r>
-            <a:endParaRPr b="0" lang="en-US" sz="2000" spc="-1" strike="noStrike">
-              <a:latin typeface="Arial"/>
-            </a:endParaRPr>
-          </a:p>
-          <a:p>
-            <a:pPr lvl="6" marL="3024000" indent="-216000">
+          </a:p>
+          <a:p>
+            <a:pPr marL="3024000" lvl="6" indent="-216000">
               <a:spcBef>
                 <a:spcPts val="283"/>
               </a:spcBef>
@@ -6082,48 +6721,326 @@
               <a:buChar char=""/>
             </a:pPr>
             <a:r>
-              <a:rPr b="0" lang="en-US" sz="2000" spc="-1" strike="noStrike">
+              <a:rPr lang="en-US" sz="2000" b="0" strike="noStrike" spc="-1">
                 <a:latin typeface="Arial"/>
               </a:rPr>
               <a:t>Seventh Outline Level</a:t>
             </a:r>
-            <a:endParaRPr b="0" lang="en-US" sz="2000" spc="-1" strike="noStrike">
-              <a:latin typeface="Arial"/>
-            </a:endParaRPr>
           </a:p>
         </p:txBody>
       </p:sp>
     </p:spTree>
   </p:cSld>
-  <p:clrMap bg1="lt1" bg2="lt2" tx1="dk1" tx2="dk2" accent1="accent1" accent2="accent2" accent3="accent3" accent4="accent4" accent5="accent5" accent6="accent6" hlink="hlink" folHlink="folHlink"/>
+  <p:clrMap bg1="lt1" tx1="dk1" bg2="lt2" tx2="dk2" accent1="accent1" accent2="accent2" accent3="accent3" accent4="accent4" accent5="accent5" accent6="accent6" hlink="hlink" folHlink="folHlink"/>
   <p:sldLayoutIdLst>
-    <p:sldLayoutId id="2147483662" r:id="rId3"/>
-    <p:sldLayoutId id="2147483663" r:id="rId4"/>
-    <p:sldLayoutId id="2147483664" r:id="rId5"/>
-    <p:sldLayoutId id="2147483665" r:id="rId6"/>
-    <p:sldLayoutId id="2147483666" r:id="rId7"/>
-    <p:sldLayoutId id="2147483667" r:id="rId8"/>
-    <p:sldLayoutId id="2147483668" r:id="rId9"/>
-    <p:sldLayoutId id="2147483669" r:id="rId10"/>
-    <p:sldLayoutId id="2147483670" r:id="rId11"/>
-    <p:sldLayoutId id="2147483671" r:id="rId12"/>
-    <p:sldLayoutId id="2147483672" r:id="rId13"/>
-    <p:sldLayoutId id="2147483673" r:id="rId14"/>
+    <p:sldLayoutId id="2147483662" r:id="rId1"/>
+    <p:sldLayoutId id="2147483663" r:id="rId2"/>
+    <p:sldLayoutId id="2147483664" r:id="rId3"/>
+    <p:sldLayoutId id="2147483665" r:id="rId4"/>
+    <p:sldLayoutId id="2147483666" r:id="rId5"/>
+    <p:sldLayoutId id="2147483667" r:id="rId6"/>
+    <p:sldLayoutId id="2147483668" r:id="rId7"/>
+    <p:sldLayoutId id="2147483669" r:id="rId8"/>
+    <p:sldLayoutId id="2147483670" r:id="rId9"/>
+    <p:sldLayoutId id="2147483671" r:id="rId10"/>
+    <p:sldLayoutId id="2147483672" r:id="rId11"/>
+    <p:sldLayoutId id="2147483673" r:id="rId12"/>
   </p:sldLayoutIdLst>
+  <p:txStyles>
+    <p:titleStyle>
+      <a:lvl1pPr algn="l" defTabSz="914400" rtl="0" eaLnBrk="1" latinLnBrk="0" hangingPunct="1">
+        <a:lnSpc>
+          <a:spcPct val="90000"/>
+        </a:lnSpc>
+        <a:spcBef>
+          <a:spcPct val="0"/>
+        </a:spcBef>
+        <a:buNone/>
+        <a:defRPr sz="4400" kern="1200">
+          <a:solidFill>
+            <a:schemeClr val="tx1"/>
+          </a:solidFill>
+          <a:latin typeface="+mj-lt"/>
+          <a:ea typeface="+mj-ea"/>
+          <a:cs typeface="+mj-cs"/>
+        </a:defRPr>
+      </a:lvl1pPr>
+    </p:titleStyle>
+    <p:bodyStyle>
+      <a:lvl1pPr marL="228600" indent="-228600" algn="l" defTabSz="914400" rtl="0" eaLnBrk="1" latinLnBrk="0" hangingPunct="1">
+        <a:lnSpc>
+          <a:spcPct val="90000"/>
+        </a:lnSpc>
+        <a:spcBef>
+          <a:spcPts val="1000"/>
+        </a:spcBef>
+        <a:buFont typeface="Arial" panose="020B0604020202020204" pitchFamily="34" charset="0"/>
+        <a:buChar char="•"/>
+        <a:defRPr sz="2800" kern="1200">
+          <a:solidFill>
+            <a:schemeClr val="tx1"/>
+          </a:solidFill>
+          <a:latin typeface="+mn-lt"/>
+          <a:ea typeface="+mn-ea"/>
+          <a:cs typeface="+mn-cs"/>
+        </a:defRPr>
+      </a:lvl1pPr>
+      <a:lvl2pPr marL="685800" indent="-228600" algn="l" defTabSz="914400" rtl="0" eaLnBrk="1" latinLnBrk="0" hangingPunct="1">
+        <a:lnSpc>
+          <a:spcPct val="90000"/>
+        </a:lnSpc>
+        <a:spcBef>
+          <a:spcPts val="500"/>
+        </a:spcBef>
+        <a:buFont typeface="Arial" panose="020B0604020202020204" pitchFamily="34" charset="0"/>
+        <a:buChar char="•"/>
+        <a:defRPr sz="2400" kern="1200">
+          <a:solidFill>
+            <a:schemeClr val="tx1"/>
+          </a:solidFill>
+          <a:latin typeface="+mn-lt"/>
+          <a:ea typeface="+mn-ea"/>
+          <a:cs typeface="+mn-cs"/>
+        </a:defRPr>
+      </a:lvl2pPr>
+      <a:lvl3pPr marL="1143000" indent="-228600" algn="l" defTabSz="914400" rtl="0" eaLnBrk="1" latinLnBrk="0" hangingPunct="1">
+        <a:lnSpc>
+          <a:spcPct val="90000"/>
+        </a:lnSpc>
+        <a:spcBef>
+          <a:spcPts val="500"/>
+        </a:spcBef>
+        <a:buFont typeface="Arial" panose="020B0604020202020204" pitchFamily="34" charset="0"/>
+        <a:buChar char="•"/>
+        <a:defRPr sz="2000" kern="1200">
+          <a:solidFill>
+            <a:schemeClr val="tx1"/>
+          </a:solidFill>
+          <a:latin typeface="+mn-lt"/>
+          <a:ea typeface="+mn-ea"/>
+          <a:cs typeface="+mn-cs"/>
+        </a:defRPr>
+      </a:lvl3pPr>
+      <a:lvl4pPr marL="1600200" indent="-228600" algn="l" defTabSz="914400" rtl="0" eaLnBrk="1" latinLnBrk="0" hangingPunct="1">
+        <a:lnSpc>
+          <a:spcPct val="90000"/>
+        </a:lnSpc>
+        <a:spcBef>
+          <a:spcPts val="500"/>
+        </a:spcBef>
+        <a:buFont typeface="Arial" panose="020B0604020202020204" pitchFamily="34" charset="0"/>
+        <a:buChar char="•"/>
+        <a:defRPr sz="1800" kern="1200">
+          <a:solidFill>
+            <a:schemeClr val="tx1"/>
+          </a:solidFill>
+          <a:latin typeface="+mn-lt"/>
+          <a:ea typeface="+mn-ea"/>
+          <a:cs typeface="+mn-cs"/>
+        </a:defRPr>
+      </a:lvl4pPr>
+      <a:lvl5pPr marL="2057400" indent="-228600" algn="l" defTabSz="914400" rtl="0" eaLnBrk="1" latinLnBrk="0" hangingPunct="1">
+        <a:lnSpc>
+          <a:spcPct val="90000"/>
+        </a:lnSpc>
+        <a:spcBef>
+          <a:spcPts val="500"/>
+        </a:spcBef>
+        <a:buFont typeface="Arial" panose="020B0604020202020204" pitchFamily="34" charset="0"/>
+        <a:buChar char="•"/>
+        <a:defRPr sz="1800" kern="1200">
+          <a:solidFill>
+            <a:schemeClr val="tx1"/>
+          </a:solidFill>
+          <a:latin typeface="+mn-lt"/>
+          <a:ea typeface="+mn-ea"/>
+          <a:cs typeface="+mn-cs"/>
+        </a:defRPr>
+      </a:lvl5pPr>
+      <a:lvl6pPr marL="2514600" indent="-228600" algn="l" defTabSz="914400" rtl="0" eaLnBrk="1" latinLnBrk="0" hangingPunct="1">
+        <a:lnSpc>
+          <a:spcPct val="90000"/>
+        </a:lnSpc>
+        <a:spcBef>
+          <a:spcPts val="500"/>
+        </a:spcBef>
+        <a:buFont typeface="Arial" panose="020B0604020202020204" pitchFamily="34" charset="0"/>
+        <a:buChar char="•"/>
+        <a:defRPr sz="1800" kern="1200">
+          <a:solidFill>
+            <a:schemeClr val="tx1"/>
+          </a:solidFill>
+          <a:latin typeface="+mn-lt"/>
+          <a:ea typeface="+mn-ea"/>
+          <a:cs typeface="+mn-cs"/>
+        </a:defRPr>
+      </a:lvl6pPr>
+      <a:lvl7pPr marL="2971800" indent="-228600" algn="l" defTabSz="914400" rtl="0" eaLnBrk="1" latinLnBrk="0" hangingPunct="1">
+        <a:lnSpc>
+          <a:spcPct val="90000"/>
+        </a:lnSpc>
+        <a:spcBef>
+          <a:spcPts val="500"/>
+        </a:spcBef>
+        <a:buFont typeface="Arial" panose="020B0604020202020204" pitchFamily="34" charset="0"/>
+        <a:buChar char="•"/>
+        <a:defRPr sz="1800" kern="1200">
+          <a:solidFill>
+            <a:schemeClr val="tx1"/>
+          </a:solidFill>
+          <a:latin typeface="+mn-lt"/>
+          <a:ea typeface="+mn-ea"/>
+          <a:cs typeface="+mn-cs"/>
+        </a:defRPr>
+      </a:lvl7pPr>
+      <a:lvl8pPr marL="3429000" indent="-228600" algn="l" defTabSz="914400" rtl="0" eaLnBrk="1" latinLnBrk="0" hangingPunct="1">
+        <a:lnSpc>
+          <a:spcPct val="90000"/>
+        </a:lnSpc>
+        <a:spcBef>
+          <a:spcPts val="500"/>
+        </a:spcBef>
+        <a:buFont typeface="Arial" panose="020B0604020202020204" pitchFamily="34" charset="0"/>
+        <a:buChar char="•"/>
+        <a:defRPr sz="1800" kern="1200">
+          <a:solidFill>
+            <a:schemeClr val="tx1"/>
+          </a:solidFill>
+          <a:latin typeface="+mn-lt"/>
+          <a:ea typeface="+mn-ea"/>
+          <a:cs typeface="+mn-cs"/>
+        </a:defRPr>
+      </a:lvl8pPr>
+      <a:lvl9pPr marL="3886200" indent="-228600" algn="l" defTabSz="914400" rtl="0" eaLnBrk="1" latinLnBrk="0" hangingPunct="1">
+        <a:lnSpc>
+          <a:spcPct val="90000"/>
+        </a:lnSpc>
+        <a:spcBef>
+          <a:spcPts val="500"/>
+        </a:spcBef>
+        <a:buFont typeface="Arial" panose="020B0604020202020204" pitchFamily="34" charset="0"/>
+        <a:buChar char="•"/>
+        <a:defRPr sz="1800" kern="1200">
+          <a:solidFill>
+            <a:schemeClr val="tx1"/>
+          </a:solidFill>
+          <a:latin typeface="+mn-lt"/>
+          <a:ea typeface="+mn-ea"/>
+          <a:cs typeface="+mn-cs"/>
+        </a:defRPr>
+      </a:lvl9pPr>
+    </p:bodyStyle>
+    <p:otherStyle>
+      <a:defPPr>
+        <a:defRPr lang="en-US"/>
+      </a:defPPr>
+      <a:lvl1pPr marL="0" algn="l" defTabSz="914400" rtl="0" eaLnBrk="1" latinLnBrk="0" hangingPunct="1">
+        <a:defRPr sz="1800" kern="1200">
+          <a:solidFill>
+            <a:schemeClr val="tx1"/>
+          </a:solidFill>
+          <a:latin typeface="+mn-lt"/>
+          <a:ea typeface="+mn-ea"/>
+          <a:cs typeface="+mn-cs"/>
+        </a:defRPr>
+      </a:lvl1pPr>
+      <a:lvl2pPr marL="457200" algn="l" defTabSz="914400" rtl="0" eaLnBrk="1" latinLnBrk="0" hangingPunct="1">
+        <a:defRPr sz="1800" kern="1200">
+          <a:solidFill>
+            <a:schemeClr val="tx1"/>
+          </a:solidFill>
+          <a:latin typeface="+mn-lt"/>
+          <a:ea typeface="+mn-ea"/>
+          <a:cs typeface="+mn-cs"/>
+        </a:defRPr>
+      </a:lvl2pPr>
+      <a:lvl3pPr marL="914400" algn="l" defTabSz="914400" rtl="0" eaLnBrk="1" latinLnBrk="0" hangingPunct="1">
+        <a:defRPr sz="1800" kern="1200">
+          <a:solidFill>
+            <a:schemeClr val="tx1"/>
+          </a:solidFill>
+          <a:latin typeface="+mn-lt"/>
+          <a:ea typeface="+mn-ea"/>
+          <a:cs typeface="+mn-cs"/>
+        </a:defRPr>
+      </a:lvl3pPr>
+      <a:lvl4pPr marL="1371600" algn="l" defTabSz="914400" rtl="0" eaLnBrk="1" latinLnBrk="0" hangingPunct="1">
+        <a:defRPr sz="1800" kern="1200">
+          <a:solidFill>
+            <a:schemeClr val="tx1"/>
+          </a:solidFill>
+          <a:latin typeface="+mn-lt"/>
+          <a:ea typeface="+mn-ea"/>
+          <a:cs typeface="+mn-cs"/>
+        </a:defRPr>
+      </a:lvl4pPr>
+      <a:lvl5pPr marL="1828800" algn="l" defTabSz="914400" rtl="0" eaLnBrk="1" latinLnBrk="0" hangingPunct="1">
+        <a:defRPr sz="1800" kern="1200">
+          <a:solidFill>
+            <a:schemeClr val="tx1"/>
+          </a:solidFill>
+          <a:latin typeface="+mn-lt"/>
+          <a:ea typeface="+mn-ea"/>
+          <a:cs typeface="+mn-cs"/>
+        </a:defRPr>
+      </a:lvl5pPr>
+      <a:lvl6pPr marL="2286000" algn="l" defTabSz="914400" rtl="0" eaLnBrk="1" latinLnBrk="0" hangingPunct="1">
+        <a:defRPr sz="1800" kern="1200">
+          <a:solidFill>
+            <a:schemeClr val="tx1"/>
+          </a:solidFill>
+          <a:latin typeface="+mn-lt"/>
+          <a:ea typeface="+mn-ea"/>
+          <a:cs typeface="+mn-cs"/>
+        </a:defRPr>
+      </a:lvl6pPr>
+      <a:lvl7pPr marL="2743200" algn="l" defTabSz="914400" rtl="0" eaLnBrk="1" latinLnBrk="0" hangingPunct="1">
+        <a:defRPr sz="1800" kern="1200">
+          <a:solidFill>
+            <a:schemeClr val="tx1"/>
+          </a:solidFill>
+          <a:latin typeface="+mn-lt"/>
+          <a:ea typeface="+mn-ea"/>
+          <a:cs typeface="+mn-cs"/>
+        </a:defRPr>
+      </a:lvl7pPr>
+      <a:lvl8pPr marL="3200400" algn="l" defTabSz="914400" rtl="0" eaLnBrk="1" latinLnBrk="0" hangingPunct="1">
+        <a:defRPr sz="1800" kern="1200">
+          <a:solidFill>
+            <a:schemeClr val="tx1"/>
+          </a:solidFill>
+          <a:latin typeface="+mn-lt"/>
+          <a:ea typeface="+mn-ea"/>
+          <a:cs typeface="+mn-cs"/>
+        </a:defRPr>
+      </a:lvl8pPr>
+      <a:lvl9pPr marL="3657600" algn="l" defTabSz="914400" rtl="0" eaLnBrk="1" latinLnBrk="0" hangingPunct="1">
+        <a:defRPr sz="1800" kern="1200">
+          <a:solidFill>
+            <a:schemeClr val="tx1"/>
+          </a:solidFill>
+          <a:latin typeface="+mn-lt"/>
+          <a:ea typeface="+mn-ea"/>
+          <a:cs typeface="+mn-cs"/>
+        </a:defRPr>
+      </a:lvl9pPr>
+    </p:otherStyle>
+  </p:txStyles>
 </p:sldMaster>
 </file>
 
 <file path=ppt/slideMasters/slideMaster3.xml><?xml version="1.0" encoding="utf-8"?>
-<p:sldMaster xmlns:a="http://schemas.openxmlformats.org/drawingml/2006/main" xmlns:p="http://schemas.openxmlformats.org/presentationml/2006/main" xmlns:r="http://schemas.openxmlformats.org/officeDocument/2006/relationships" xmlns:p14="http://schemas.microsoft.com/office/powerpoint/2010/main" xmlns:p15="http://schemas.microsoft.com/office/powerpoint/2012/main" xmlns:mc="http://schemas.openxmlformats.org/markup-compatibility/2006">
+<p:sldMaster xmlns:a="http://schemas.openxmlformats.org/drawingml/2006/main" xmlns:r="http://schemas.openxmlformats.org/officeDocument/2006/relationships" xmlns:p="http://schemas.openxmlformats.org/presentationml/2006/main">
   <p:cSld>
     <p:bg>
       <p:bgPr>
         <a:blipFill rotWithShape="0">
-          <a:blip r:embed="rId2"/>
+          <a:blip r:embed="rId14"/>
           <a:stretch>
             <a:fillRect/>
           </a:stretch>
         </a:blipFill>
+        <a:effectLst/>
       </p:bgPr>
     </p:bg>
     <p:spTree>
@@ -6160,15 +7077,22 @@
           </a:ln>
         </p:spPr>
         <p:style>
-          <a:lnRef idx="0"/>
-          <a:fillRef idx="0"/>
-          <a:effectRef idx="0"/>
+          <a:lnRef idx="0">
+            <a:scrgbClr r="0" g="0" b="0"/>
+          </a:lnRef>
+          <a:fillRef idx="0">
+            <a:scrgbClr r="0" g="0" b="0"/>
+          </a:fillRef>
+          <a:effectRef idx="0">
+            <a:scrgbClr r="0" g="0" b="0"/>
+          </a:effectRef>
           <a:fontRef idx="minor"/>
         </p:style>
         <p:txBody>
-          <a:bodyPr lIns="90000" rIns="90000" tIns="45000" bIns="45000">
+          <a:bodyPr lIns="90000" tIns="45000" rIns="90000" bIns="45000">
             <a:spAutoFit/>
           </a:bodyPr>
+          <a:lstStyle/>
           <a:p>
             <a:pPr>
               <a:lnSpc>
@@ -6176,16 +7100,16 @@
               </a:lnSpc>
             </a:pPr>
             <a:r>
-              <a:rPr b="0" lang="en-US" sz="1400" spc="-1" strike="noStrike">
+              <a:rPr lang="en-US" sz="1400" b="0" strike="noStrike" spc="-1">
                 <a:solidFill>
-                  <a:srgbClr val="a6a6a6"/>
+                  <a:srgbClr val="A6A6A6"/>
                 </a:solidFill>
                 <a:latin typeface="Calibri"/>
                 <a:ea typeface="DejaVu Sans"/>
               </a:rPr>
               <a:t>This presentation uses a free template provided by FPPT.com</a:t>
             </a:r>
-            <a:endParaRPr b="0" lang="en-US" sz="1400" spc="-1" strike="noStrike">
+            <a:endParaRPr lang="en-US" sz="1400" b="0" strike="noStrike" spc="-1">
               <a:latin typeface="Arial"/>
             </a:endParaRPr>
           </a:p>
@@ -6196,16 +7120,16 @@
               </a:lnSpc>
             </a:pPr>
             <a:r>
-              <a:rPr b="0" lang="en-US" sz="1400" spc="-1" strike="noStrike">
+              <a:rPr lang="en-US" sz="1400" b="0" strike="noStrike" spc="-1">
                 <a:solidFill>
-                  <a:srgbClr val="a6a6a6"/>
+                  <a:srgbClr val="A6A6A6"/>
                 </a:solidFill>
                 <a:latin typeface="Calibri"/>
                 <a:ea typeface="DejaVu Sans"/>
               </a:rPr>
               <a:t>www.free-power-point-templates.com</a:t>
             </a:r>
-            <a:endParaRPr b="0" lang="en-US" sz="1400" spc="-1" strike="noStrike">
+            <a:endParaRPr lang="en-US" sz="1400" b="0" strike="noStrike" spc="-1">
               <a:latin typeface="Arial"/>
             </a:endParaRPr>
           </a:p>
@@ -6231,20 +7155,18 @@
           </a:prstGeom>
         </p:spPr>
         <p:txBody>
-          <a:bodyPr lIns="0" rIns="0" tIns="0" bIns="0" anchor="ctr">
+          <a:bodyPr lIns="0" tIns="0" rIns="0" bIns="0" anchor="ctr">
             <a:noAutofit/>
           </a:bodyPr>
+          <a:lstStyle/>
           <a:p>
             <a:pPr algn="ctr"/>
             <a:r>
-              <a:rPr b="0" lang="en-US" sz="4400" spc="-1" strike="noStrike">
+              <a:rPr lang="en-US" sz="4400" b="0" strike="noStrike" spc="-1">
                 <a:latin typeface="Arial"/>
               </a:rPr>
               <a:t>Click to edit the title text format</a:t>
             </a:r>
-            <a:endParaRPr b="0" lang="en-US" sz="4400" spc="-1" strike="noStrike">
-              <a:latin typeface="Arial"/>
-            </a:endParaRPr>
           </a:p>
         </p:txBody>
       </p:sp>
@@ -6268,9 +7190,10 @@
           </a:prstGeom>
         </p:spPr>
         <p:txBody>
-          <a:bodyPr lIns="0" rIns="0" tIns="0" bIns="0">
+          <a:bodyPr lIns="0" tIns="0" rIns="0" bIns="0">
             <a:normAutofit/>
           </a:bodyPr>
+          <a:lstStyle/>
           <a:p>
             <a:pPr marL="432000" indent="-324000">
               <a:spcBef>
@@ -6284,17 +7207,14 @@
               <a:buChar char=""/>
             </a:pPr>
             <a:r>
-              <a:rPr b="0" lang="en-US" sz="3200" spc="-1" strike="noStrike">
+              <a:rPr lang="en-US" sz="3200" b="0" strike="noStrike" spc="-1">
                 <a:latin typeface="Arial"/>
               </a:rPr>
               <a:t>Click to edit the outline text format</a:t>
             </a:r>
-            <a:endParaRPr b="0" lang="en-US" sz="3200" spc="-1" strike="noStrike">
-              <a:latin typeface="Arial"/>
-            </a:endParaRPr>
-          </a:p>
-          <a:p>
-            <a:pPr lvl="1" marL="864000" indent="-324000">
+          </a:p>
+          <a:p>
+            <a:pPr marL="864000" lvl="1" indent="-324000">
               <a:spcBef>
                 <a:spcPts val="1134"/>
               </a:spcBef>
@@ -6306,17 +7226,14 @@
               <a:buChar char=""/>
             </a:pPr>
             <a:r>
-              <a:rPr b="0" lang="en-US" sz="2800" spc="-1" strike="noStrike">
+              <a:rPr lang="en-US" sz="2800" b="0" strike="noStrike" spc="-1">
                 <a:latin typeface="Arial"/>
               </a:rPr>
               <a:t>Second Outline Level</a:t>
             </a:r>
-            <a:endParaRPr b="0" lang="en-US" sz="2800" spc="-1" strike="noStrike">
-              <a:latin typeface="Arial"/>
-            </a:endParaRPr>
-          </a:p>
-          <a:p>
-            <a:pPr lvl="2" marL="1296000" indent="-288000">
+          </a:p>
+          <a:p>
+            <a:pPr marL="1296000" lvl="2" indent="-288000">
               <a:spcBef>
                 <a:spcPts val="850"/>
               </a:spcBef>
@@ -6328,17 +7245,14 @@
               <a:buChar char=""/>
             </a:pPr>
             <a:r>
-              <a:rPr b="0" lang="en-US" sz="2400" spc="-1" strike="noStrike">
+              <a:rPr lang="en-US" sz="2400" b="0" strike="noStrike" spc="-1">
                 <a:latin typeface="Arial"/>
               </a:rPr>
               <a:t>Third Outline Level</a:t>
             </a:r>
-            <a:endParaRPr b="0" lang="en-US" sz="2400" spc="-1" strike="noStrike">
-              <a:latin typeface="Arial"/>
-            </a:endParaRPr>
-          </a:p>
-          <a:p>
-            <a:pPr lvl="3" marL="1728000" indent="-216000">
+          </a:p>
+          <a:p>
+            <a:pPr marL="1728000" lvl="3" indent="-216000">
               <a:spcBef>
                 <a:spcPts val="567"/>
               </a:spcBef>
@@ -6350,17 +7264,14 @@
               <a:buChar char=""/>
             </a:pPr>
             <a:r>
-              <a:rPr b="0" lang="en-US" sz="2000" spc="-1" strike="noStrike">
+              <a:rPr lang="en-US" sz="2000" b="0" strike="noStrike" spc="-1">
                 <a:latin typeface="Arial"/>
               </a:rPr>
               <a:t>Fourth Outline Level</a:t>
             </a:r>
-            <a:endParaRPr b="0" lang="en-US" sz="2000" spc="-1" strike="noStrike">
-              <a:latin typeface="Arial"/>
-            </a:endParaRPr>
-          </a:p>
-          <a:p>
-            <a:pPr lvl="4" marL="2160000" indent="-216000">
+          </a:p>
+          <a:p>
+            <a:pPr marL="2160000" lvl="4" indent="-216000">
               <a:spcBef>
                 <a:spcPts val="283"/>
               </a:spcBef>
@@ -6372,17 +7283,14 @@
               <a:buChar char=""/>
             </a:pPr>
             <a:r>
-              <a:rPr b="0" lang="en-US" sz="2000" spc="-1" strike="noStrike">
+              <a:rPr lang="en-US" sz="2000" b="0" strike="noStrike" spc="-1">
                 <a:latin typeface="Arial"/>
               </a:rPr>
               <a:t>Fifth Outline Level</a:t>
             </a:r>
-            <a:endParaRPr b="0" lang="en-US" sz="2000" spc="-1" strike="noStrike">
-              <a:latin typeface="Arial"/>
-            </a:endParaRPr>
-          </a:p>
-          <a:p>
-            <a:pPr lvl="5" marL="2592000" indent="-216000">
+          </a:p>
+          <a:p>
+            <a:pPr marL="2592000" lvl="5" indent="-216000">
               <a:spcBef>
                 <a:spcPts val="283"/>
               </a:spcBef>
@@ -6394,17 +7302,14 @@
               <a:buChar char=""/>
             </a:pPr>
             <a:r>
-              <a:rPr b="0" lang="en-US" sz="2000" spc="-1" strike="noStrike">
+              <a:rPr lang="en-US" sz="2000" b="0" strike="noStrike" spc="-1">
                 <a:latin typeface="Arial"/>
               </a:rPr>
               <a:t>Sixth Outline Level</a:t>
             </a:r>
-            <a:endParaRPr b="0" lang="en-US" sz="2000" spc="-1" strike="noStrike">
-              <a:latin typeface="Arial"/>
-            </a:endParaRPr>
-          </a:p>
-          <a:p>
-            <a:pPr lvl="6" marL="3024000" indent="-216000">
+          </a:p>
+          <a:p>
+            <a:pPr marL="3024000" lvl="6" indent="-216000">
               <a:spcBef>
                 <a:spcPts val="283"/>
               </a:spcBef>
@@ -6416,48 +7321,326 @@
               <a:buChar char=""/>
             </a:pPr>
             <a:r>
-              <a:rPr b="0" lang="en-US" sz="2000" spc="-1" strike="noStrike">
+              <a:rPr lang="en-US" sz="2000" b="0" strike="noStrike" spc="-1">
                 <a:latin typeface="Arial"/>
               </a:rPr>
               <a:t>Seventh Outline Level</a:t>
             </a:r>
-            <a:endParaRPr b="0" lang="en-US" sz="2000" spc="-1" strike="noStrike">
-              <a:latin typeface="Arial"/>
-            </a:endParaRPr>
           </a:p>
         </p:txBody>
       </p:sp>
     </p:spTree>
   </p:cSld>
-  <p:clrMap bg1="lt1" bg2="lt2" tx1="dk1" tx2="dk2" accent1="accent1" accent2="accent2" accent3="accent3" accent4="accent4" accent5="accent5" accent6="accent6" hlink="hlink" folHlink="folHlink"/>
+  <p:clrMap bg1="lt1" tx1="dk1" bg2="lt2" tx2="dk2" accent1="accent1" accent2="accent2" accent3="accent3" accent4="accent4" accent5="accent5" accent6="accent6" hlink="hlink" folHlink="folHlink"/>
   <p:sldLayoutIdLst>
-    <p:sldLayoutId id="2147483675" r:id="rId3"/>
-    <p:sldLayoutId id="2147483676" r:id="rId4"/>
-    <p:sldLayoutId id="2147483677" r:id="rId5"/>
-    <p:sldLayoutId id="2147483678" r:id="rId6"/>
-    <p:sldLayoutId id="2147483679" r:id="rId7"/>
-    <p:sldLayoutId id="2147483680" r:id="rId8"/>
-    <p:sldLayoutId id="2147483681" r:id="rId9"/>
-    <p:sldLayoutId id="2147483682" r:id="rId10"/>
-    <p:sldLayoutId id="2147483683" r:id="rId11"/>
-    <p:sldLayoutId id="2147483684" r:id="rId12"/>
-    <p:sldLayoutId id="2147483685" r:id="rId13"/>
-    <p:sldLayoutId id="2147483686" r:id="rId14"/>
+    <p:sldLayoutId id="2147483675" r:id="rId1"/>
+    <p:sldLayoutId id="2147483676" r:id="rId2"/>
+    <p:sldLayoutId id="2147483677" r:id="rId3"/>
+    <p:sldLayoutId id="2147483678" r:id="rId4"/>
+    <p:sldLayoutId id="2147483679" r:id="rId5"/>
+    <p:sldLayoutId id="2147483680" r:id="rId6"/>
+    <p:sldLayoutId id="2147483681" r:id="rId7"/>
+    <p:sldLayoutId id="2147483682" r:id="rId8"/>
+    <p:sldLayoutId id="2147483683" r:id="rId9"/>
+    <p:sldLayoutId id="2147483684" r:id="rId10"/>
+    <p:sldLayoutId id="2147483685" r:id="rId11"/>
+    <p:sldLayoutId id="2147483686" r:id="rId12"/>
   </p:sldLayoutIdLst>
+  <p:txStyles>
+    <p:titleStyle>
+      <a:lvl1pPr algn="l" defTabSz="914400" rtl="0" eaLnBrk="1" latinLnBrk="0" hangingPunct="1">
+        <a:lnSpc>
+          <a:spcPct val="90000"/>
+        </a:lnSpc>
+        <a:spcBef>
+          <a:spcPct val="0"/>
+        </a:spcBef>
+        <a:buNone/>
+        <a:defRPr sz="4400" kern="1200">
+          <a:solidFill>
+            <a:schemeClr val="tx1"/>
+          </a:solidFill>
+          <a:latin typeface="+mj-lt"/>
+          <a:ea typeface="+mj-ea"/>
+          <a:cs typeface="+mj-cs"/>
+        </a:defRPr>
+      </a:lvl1pPr>
+    </p:titleStyle>
+    <p:bodyStyle>
+      <a:lvl1pPr marL="228600" indent="-228600" algn="l" defTabSz="914400" rtl="0" eaLnBrk="1" latinLnBrk="0" hangingPunct="1">
+        <a:lnSpc>
+          <a:spcPct val="90000"/>
+        </a:lnSpc>
+        <a:spcBef>
+          <a:spcPts val="1000"/>
+        </a:spcBef>
+        <a:buFont typeface="Arial" panose="020B0604020202020204" pitchFamily="34" charset="0"/>
+        <a:buChar char="•"/>
+        <a:defRPr sz="2800" kern="1200">
+          <a:solidFill>
+            <a:schemeClr val="tx1"/>
+          </a:solidFill>
+          <a:latin typeface="+mn-lt"/>
+          <a:ea typeface="+mn-ea"/>
+          <a:cs typeface="+mn-cs"/>
+        </a:defRPr>
+      </a:lvl1pPr>
+      <a:lvl2pPr marL="685800" indent="-228600" algn="l" defTabSz="914400" rtl="0" eaLnBrk="1" latinLnBrk="0" hangingPunct="1">
+        <a:lnSpc>
+          <a:spcPct val="90000"/>
+        </a:lnSpc>
+        <a:spcBef>
+          <a:spcPts val="500"/>
+        </a:spcBef>
+        <a:buFont typeface="Arial" panose="020B0604020202020204" pitchFamily="34" charset="0"/>
+        <a:buChar char="•"/>
+        <a:defRPr sz="2400" kern="1200">
+          <a:solidFill>
+            <a:schemeClr val="tx1"/>
+          </a:solidFill>
+          <a:latin typeface="+mn-lt"/>
+          <a:ea typeface="+mn-ea"/>
+          <a:cs typeface="+mn-cs"/>
+        </a:defRPr>
+      </a:lvl2pPr>
+      <a:lvl3pPr marL="1143000" indent="-228600" algn="l" defTabSz="914400" rtl="0" eaLnBrk="1" latinLnBrk="0" hangingPunct="1">
+        <a:lnSpc>
+          <a:spcPct val="90000"/>
+        </a:lnSpc>
+        <a:spcBef>
+          <a:spcPts val="500"/>
+        </a:spcBef>
+        <a:buFont typeface="Arial" panose="020B0604020202020204" pitchFamily="34" charset="0"/>
+        <a:buChar char="•"/>
+        <a:defRPr sz="2000" kern="1200">
+          <a:solidFill>
+            <a:schemeClr val="tx1"/>
+          </a:solidFill>
+          <a:latin typeface="+mn-lt"/>
+          <a:ea typeface="+mn-ea"/>
+          <a:cs typeface="+mn-cs"/>
+        </a:defRPr>
+      </a:lvl3pPr>
+      <a:lvl4pPr marL="1600200" indent="-228600" algn="l" defTabSz="914400" rtl="0" eaLnBrk="1" latinLnBrk="0" hangingPunct="1">
+        <a:lnSpc>
+          <a:spcPct val="90000"/>
+        </a:lnSpc>
+        <a:spcBef>
+          <a:spcPts val="500"/>
+        </a:spcBef>
+        <a:buFont typeface="Arial" panose="020B0604020202020204" pitchFamily="34" charset="0"/>
+        <a:buChar char="•"/>
+        <a:defRPr sz="1800" kern="1200">
+          <a:solidFill>
+            <a:schemeClr val="tx1"/>
+          </a:solidFill>
+          <a:latin typeface="+mn-lt"/>
+          <a:ea typeface="+mn-ea"/>
+          <a:cs typeface="+mn-cs"/>
+        </a:defRPr>
+      </a:lvl4pPr>
+      <a:lvl5pPr marL="2057400" indent="-228600" algn="l" defTabSz="914400" rtl="0" eaLnBrk="1" latinLnBrk="0" hangingPunct="1">
+        <a:lnSpc>
+          <a:spcPct val="90000"/>
+        </a:lnSpc>
+        <a:spcBef>
+          <a:spcPts val="500"/>
+        </a:spcBef>
+        <a:buFont typeface="Arial" panose="020B0604020202020204" pitchFamily="34" charset="0"/>
+        <a:buChar char="•"/>
+        <a:defRPr sz="1800" kern="1200">
+          <a:solidFill>
+            <a:schemeClr val="tx1"/>
+          </a:solidFill>
+          <a:latin typeface="+mn-lt"/>
+          <a:ea typeface="+mn-ea"/>
+          <a:cs typeface="+mn-cs"/>
+        </a:defRPr>
+      </a:lvl5pPr>
+      <a:lvl6pPr marL="2514600" indent="-228600" algn="l" defTabSz="914400" rtl="0" eaLnBrk="1" latinLnBrk="0" hangingPunct="1">
+        <a:lnSpc>
+          <a:spcPct val="90000"/>
+        </a:lnSpc>
+        <a:spcBef>
+          <a:spcPts val="500"/>
+        </a:spcBef>
+        <a:buFont typeface="Arial" panose="020B0604020202020204" pitchFamily="34" charset="0"/>
+        <a:buChar char="•"/>
+        <a:defRPr sz="1800" kern="1200">
+          <a:solidFill>
+            <a:schemeClr val="tx1"/>
+          </a:solidFill>
+          <a:latin typeface="+mn-lt"/>
+          <a:ea typeface="+mn-ea"/>
+          <a:cs typeface="+mn-cs"/>
+        </a:defRPr>
+      </a:lvl6pPr>
+      <a:lvl7pPr marL="2971800" indent="-228600" algn="l" defTabSz="914400" rtl="0" eaLnBrk="1" latinLnBrk="0" hangingPunct="1">
+        <a:lnSpc>
+          <a:spcPct val="90000"/>
+        </a:lnSpc>
+        <a:spcBef>
+          <a:spcPts val="500"/>
+        </a:spcBef>
+        <a:buFont typeface="Arial" panose="020B0604020202020204" pitchFamily="34" charset="0"/>
+        <a:buChar char="•"/>
+        <a:defRPr sz="1800" kern="1200">
+          <a:solidFill>
+            <a:schemeClr val="tx1"/>
+          </a:solidFill>
+          <a:latin typeface="+mn-lt"/>
+          <a:ea typeface="+mn-ea"/>
+          <a:cs typeface="+mn-cs"/>
+        </a:defRPr>
+      </a:lvl7pPr>
+      <a:lvl8pPr marL="3429000" indent="-228600" algn="l" defTabSz="914400" rtl="0" eaLnBrk="1" latinLnBrk="0" hangingPunct="1">
+        <a:lnSpc>
+          <a:spcPct val="90000"/>
+        </a:lnSpc>
+        <a:spcBef>
+          <a:spcPts val="500"/>
+        </a:spcBef>
+        <a:buFont typeface="Arial" panose="020B0604020202020204" pitchFamily="34" charset="0"/>
+        <a:buChar char="•"/>
+        <a:defRPr sz="1800" kern="1200">
+          <a:solidFill>
+            <a:schemeClr val="tx1"/>
+          </a:solidFill>
+          <a:latin typeface="+mn-lt"/>
+          <a:ea typeface="+mn-ea"/>
+          <a:cs typeface="+mn-cs"/>
+        </a:defRPr>
+      </a:lvl8pPr>
+      <a:lvl9pPr marL="3886200" indent="-228600" algn="l" defTabSz="914400" rtl="0" eaLnBrk="1" latinLnBrk="0" hangingPunct="1">
+        <a:lnSpc>
+          <a:spcPct val="90000"/>
+        </a:lnSpc>
+        <a:spcBef>
+          <a:spcPts val="500"/>
+        </a:spcBef>
+        <a:buFont typeface="Arial" panose="020B0604020202020204" pitchFamily="34" charset="0"/>
+        <a:buChar char="•"/>
+        <a:defRPr sz="1800" kern="1200">
+          <a:solidFill>
+            <a:schemeClr val="tx1"/>
+          </a:solidFill>
+          <a:latin typeface="+mn-lt"/>
+          <a:ea typeface="+mn-ea"/>
+          <a:cs typeface="+mn-cs"/>
+        </a:defRPr>
+      </a:lvl9pPr>
+    </p:bodyStyle>
+    <p:otherStyle>
+      <a:defPPr>
+        <a:defRPr lang="en-US"/>
+      </a:defPPr>
+      <a:lvl1pPr marL="0" algn="l" defTabSz="914400" rtl="0" eaLnBrk="1" latinLnBrk="0" hangingPunct="1">
+        <a:defRPr sz="1800" kern="1200">
+          <a:solidFill>
+            <a:schemeClr val="tx1"/>
+          </a:solidFill>
+          <a:latin typeface="+mn-lt"/>
+          <a:ea typeface="+mn-ea"/>
+          <a:cs typeface="+mn-cs"/>
+        </a:defRPr>
+      </a:lvl1pPr>
+      <a:lvl2pPr marL="457200" algn="l" defTabSz="914400" rtl="0" eaLnBrk="1" latinLnBrk="0" hangingPunct="1">
+        <a:defRPr sz="1800" kern="1200">
+          <a:solidFill>
+            <a:schemeClr val="tx1"/>
+          </a:solidFill>
+          <a:latin typeface="+mn-lt"/>
+          <a:ea typeface="+mn-ea"/>
+          <a:cs typeface="+mn-cs"/>
+        </a:defRPr>
+      </a:lvl2pPr>
+      <a:lvl3pPr marL="914400" algn="l" defTabSz="914400" rtl="0" eaLnBrk="1" latinLnBrk="0" hangingPunct="1">
+        <a:defRPr sz="1800" kern="1200">
+          <a:solidFill>
+            <a:schemeClr val="tx1"/>
+          </a:solidFill>
+          <a:latin typeface="+mn-lt"/>
+          <a:ea typeface="+mn-ea"/>
+          <a:cs typeface="+mn-cs"/>
+        </a:defRPr>
+      </a:lvl3pPr>
+      <a:lvl4pPr marL="1371600" algn="l" defTabSz="914400" rtl="0" eaLnBrk="1" latinLnBrk="0" hangingPunct="1">
+        <a:defRPr sz="1800" kern="1200">
+          <a:solidFill>
+            <a:schemeClr val="tx1"/>
+          </a:solidFill>
+          <a:latin typeface="+mn-lt"/>
+          <a:ea typeface="+mn-ea"/>
+          <a:cs typeface="+mn-cs"/>
+        </a:defRPr>
+      </a:lvl4pPr>
+      <a:lvl5pPr marL="1828800" algn="l" defTabSz="914400" rtl="0" eaLnBrk="1" latinLnBrk="0" hangingPunct="1">
+        <a:defRPr sz="1800" kern="1200">
+          <a:solidFill>
+            <a:schemeClr val="tx1"/>
+          </a:solidFill>
+          <a:latin typeface="+mn-lt"/>
+          <a:ea typeface="+mn-ea"/>
+          <a:cs typeface="+mn-cs"/>
+        </a:defRPr>
+      </a:lvl5pPr>
+      <a:lvl6pPr marL="2286000" algn="l" defTabSz="914400" rtl="0" eaLnBrk="1" latinLnBrk="0" hangingPunct="1">
+        <a:defRPr sz="1800" kern="1200">
+          <a:solidFill>
+            <a:schemeClr val="tx1"/>
+          </a:solidFill>
+          <a:latin typeface="+mn-lt"/>
+          <a:ea typeface="+mn-ea"/>
+          <a:cs typeface="+mn-cs"/>
+        </a:defRPr>
+      </a:lvl6pPr>
+      <a:lvl7pPr marL="2743200" algn="l" defTabSz="914400" rtl="0" eaLnBrk="1" latinLnBrk="0" hangingPunct="1">
+        <a:defRPr sz="1800" kern="1200">
+          <a:solidFill>
+            <a:schemeClr val="tx1"/>
+          </a:solidFill>
+          <a:latin typeface="+mn-lt"/>
+          <a:ea typeface="+mn-ea"/>
+          <a:cs typeface="+mn-cs"/>
+        </a:defRPr>
+      </a:lvl7pPr>
+      <a:lvl8pPr marL="3200400" algn="l" defTabSz="914400" rtl="0" eaLnBrk="1" latinLnBrk="0" hangingPunct="1">
+        <a:defRPr sz="1800" kern="1200">
+          <a:solidFill>
+            <a:schemeClr val="tx1"/>
+          </a:solidFill>
+          <a:latin typeface="+mn-lt"/>
+          <a:ea typeface="+mn-ea"/>
+          <a:cs typeface="+mn-cs"/>
+        </a:defRPr>
+      </a:lvl8pPr>
+      <a:lvl9pPr marL="3657600" algn="l" defTabSz="914400" rtl="0" eaLnBrk="1" latinLnBrk="0" hangingPunct="1">
+        <a:defRPr sz="1800" kern="1200">
+          <a:solidFill>
+            <a:schemeClr val="tx1"/>
+          </a:solidFill>
+          <a:latin typeface="+mn-lt"/>
+          <a:ea typeface="+mn-ea"/>
+          <a:cs typeface="+mn-cs"/>
+        </a:defRPr>
+      </a:lvl9pPr>
+    </p:otherStyle>
+  </p:txStyles>
 </p:sldMaster>
 </file>
 
 <file path=ppt/slideMasters/slideMaster4.xml><?xml version="1.0" encoding="utf-8"?>
-<p:sldMaster xmlns:a="http://schemas.openxmlformats.org/drawingml/2006/main" xmlns:p="http://schemas.openxmlformats.org/presentationml/2006/main" xmlns:r="http://schemas.openxmlformats.org/officeDocument/2006/relationships" xmlns:p14="http://schemas.microsoft.com/office/powerpoint/2010/main" xmlns:p15="http://schemas.microsoft.com/office/powerpoint/2012/main" xmlns:mc="http://schemas.openxmlformats.org/markup-compatibility/2006">
+<p:sldMaster xmlns:a="http://schemas.openxmlformats.org/drawingml/2006/main" xmlns:r="http://schemas.openxmlformats.org/officeDocument/2006/relationships" xmlns:p="http://schemas.openxmlformats.org/presentationml/2006/main">
   <p:cSld>
     <p:bg>
       <p:bgPr>
         <a:blipFill rotWithShape="0">
-          <a:blip r:embed="rId2"/>
+          <a:blip r:embed="rId14"/>
           <a:stretch>
             <a:fillRect/>
           </a:stretch>
         </a:blipFill>
+        <a:effectLst/>
       </p:bgPr>
     </p:bg>
     <p:spTree>
@@ -6494,20 +7677,18 @@
           </a:prstGeom>
         </p:spPr>
         <p:txBody>
-          <a:bodyPr lIns="0" rIns="0" tIns="0" bIns="0" anchor="ctr">
+          <a:bodyPr lIns="0" tIns="0" rIns="0" bIns="0" anchor="ctr">
             <a:noAutofit/>
           </a:bodyPr>
+          <a:lstStyle/>
           <a:p>
             <a:pPr algn="ctr"/>
             <a:r>
-              <a:rPr b="0" lang="en-US" sz="4400" spc="-1" strike="noStrike">
+              <a:rPr lang="en-US" sz="4400" b="0" strike="noStrike" spc="-1">
                 <a:latin typeface="Arial"/>
               </a:rPr>
               <a:t>Click to edit the title text format</a:t>
             </a:r>
-            <a:endParaRPr b="0" lang="en-US" sz="4400" spc="-1" strike="noStrike">
-              <a:latin typeface="Arial"/>
-            </a:endParaRPr>
           </a:p>
         </p:txBody>
       </p:sp>
@@ -6531,9 +7712,10 @@
           </a:prstGeom>
         </p:spPr>
         <p:txBody>
-          <a:bodyPr lIns="0" rIns="0" tIns="0" bIns="0">
+          <a:bodyPr lIns="0" tIns="0" rIns="0" bIns="0">
             <a:normAutofit/>
           </a:bodyPr>
+          <a:lstStyle/>
           <a:p>
             <a:pPr marL="432000" indent="-324000">
               <a:spcBef>
@@ -6547,17 +7729,14 @@
               <a:buChar char=""/>
             </a:pPr>
             <a:r>
-              <a:rPr b="0" lang="en-US" sz="3200" spc="-1" strike="noStrike">
+              <a:rPr lang="en-US" sz="3200" b="0" strike="noStrike" spc="-1">
                 <a:latin typeface="Arial"/>
               </a:rPr>
               <a:t>Click to edit the outline text format</a:t>
             </a:r>
-            <a:endParaRPr b="0" lang="en-US" sz="3200" spc="-1" strike="noStrike">
-              <a:latin typeface="Arial"/>
-            </a:endParaRPr>
-          </a:p>
-          <a:p>
-            <a:pPr lvl="1" marL="864000" indent="-324000">
+          </a:p>
+          <a:p>
+            <a:pPr marL="864000" lvl="1" indent="-324000">
               <a:spcBef>
                 <a:spcPts val="1134"/>
               </a:spcBef>
@@ -6569,17 +7748,14 @@
               <a:buChar char=""/>
             </a:pPr>
             <a:r>
-              <a:rPr b="0" lang="en-US" sz="2800" spc="-1" strike="noStrike">
+              <a:rPr lang="en-US" sz="2800" b="0" strike="noStrike" spc="-1">
                 <a:latin typeface="Arial"/>
               </a:rPr>
               <a:t>Second Outline Level</a:t>
             </a:r>
-            <a:endParaRPr b="0" lang="en-US" sz="2800" spc="-1" strike="noStrike">
-              <a:latin typeface="Arial"/>
-            </a:endParaRPr>
-          </a:p>
-          <a:p>
-            <a:pPr lvl="2" marL="1296000" indent="-288000">
+          </a:p>
+          <a:p>
+            <a:pPr marL="1296000" lvl="2" indent="-288000">
               <a:spcBef>
                 <a:spcPts val="850"/>
               </a:spcBef>
@@ -6591,17 +7767,14 @@
               <a:buChar char=""/>
             </a:pPr>
             <a:r>
-              <a:rPr b="0" lang="en-US" sz="2400" spc="-1" strike="noStrike">
+              <a:rPr lang="en-US" sz="2400" b="0" strike="noStrike" spc="-1">
                 <a:latin typeface="Arial"/>
               </a:rPr>
               <a:t>Third Outline Level</a:t>
             </a:r>
-            <a:endParaRPr b="0" lang="en-US" sz="2400" spc="-1" strike="noStrike">
-              <a:latin typeface="Arial"/>
-            </a:endParaRPr>
-          </a:p>
-          <a:p>
-            <a:pPr lvl="3" marL="1728000" indent="-216000">
+          </a:p>
+          <a:p>
+            <a:pPr marL="1728000" lvl="3" indent="-216000">
               <a:spcBef>
                 <a:spcPts val="567"/>
               </a:spcBef>
@@ -6613,17 +7786,14 @@
               <a:buChar char=""/>
             </a:pPr>
             <a:r>
-              <a:rPr b="0" lang="en-US" sz="2000" spc="-1" strike="noStrike">
+              <a:rPr lang="en-US" sz="2000" b="0" strike="noStrike" spc="-1">
                 <a:latin typeface="Arial"/>
               </a:rPr>
               <a:t>Fourth Outline Level</a:t>
             </a:r>
-            <a:endParaRPr b="0" lang="en-US" sz="2000" spc="-1" strike="noStrike">
-              <a:latin typeface="Arial"/>
-            </a:endParaRPr>
-          </a:p>
-          <a:p>
-            <a:pPr lvl="4" marL="2160000" indent="-216000">
+          </a:p>
+          <a:p>
+            <a:pPr marL="2160000" lvl="4" indent="-216000">
               <a:spcBef>
                 <a:spcPts val="283"/>
               </a:spcBef>
@@ -6635,17 +7805,14 @@
               <a:buChar char=""/>
             </a:pPr>
             <a:r>
-              <a:rPr b="0" lang="en-US" sz="2000" spc="-1" strike="noStrike">
+              <a:rPr lang="en-US" sz="2000" b="0" strike="noStrike" spc="-1">
                 <a:latin typeface="Arial"/>
               </a:rPr>
               <a:t>Fifth Outline Level</a:t>
             </a:r>
-            <a:endParaRPr b="0" lang="en-US" sz="2000" spc="-1" strike="noStrike">
-              <a:latin typeface="Arial"/>
-            </a:endParaRPr>
-          </a:p>
-          <a:p>
-            <a:pPr lvl="5" marL="2592000" indent="-216000">
+          </a:p>
+          <a:p>
+            <a:pPr marL="2592000" lvl="5" indent="-216000">
               <a:spcBef>
                 <a:spcPts val="283"/>
               </a:spcBef>
@@ -6657,17 +7824,14 @@
               <a:buChar char=""/>
             </a:pPr>
             <a:r>
-              <a:rPr b="0" lang="en-US" sz="2000" spc="-1" strike="noStrike">
+              <a:rPr lang="en-US" sz="2000" b="0" strike="noStrike" spc="-1">
                 <a:latin typeface="Arial"/>
               </a:rPr>
               <a:t>Sixth Outline Level</a:t>
             </a:r>
-            <a:endParaRPr b="0" lang="en-US" sz="2000" spc="-1" strike="noStrike">
-              <a:latin typeface="Arial"/>
-            </a:endParaRPr>
-          </a:p>
-          <a:p>
-            <a:pPr lvl="6" marL="3024000" indent="-216000">
+          </a:p>
+          <a:p>
+            <a:pPr marL="3024000" lvl="6" indent="-216000">
               <a:spcBef>
                 <a:spcPts val="283"/>
               </a:spcBef>
@@ -6679,39 +7843,316 @@
               <a:buChar char=""/>
             </a:pPr>
             <a:r>
-              <a:rPr b="0" lang="en-US" sz="2000" spc="-1" strike="noStrike">
+              <a:rPr lang="en-US" sz="2000" b="0" strike="noStrike" spc="-1">
                 <a:latin typeface="Arial"/>
               </a:rPr>
               <a:t>Seventh Outline Level</a:t>
             </a:r>
-            <a:endParaRPr b="0" lang="en-US" sz="2000" spc="-1" strike="noStrike">
-              <a:latin typeface="Arial"/>
-            </a:endParaRPr>
           </a:p>
         </p:txBody>
       </p:sp>
     </p:spTree>
   </p:cSld>
-  <p:clrMap bg1="lt1" bg2="lt2" tx1="dk1" tx2="dk2" accent1="accent1" accent2="accent2" accent3="accent3" accent4="accent4" accent5="accent5" accent6="accent6" hlink="hlink" folHlink="folHlink"/>
+  <p:clrMap bg1="lt1" tx1="dk1" bg2="lt2" tx2="dk2" accent1="accent1" accent2="accent2" accent3="accent3" accent4="accent4" accent5="accent5" accent6="accent6" hlink="hlink" folHlink="folHlink"/>
   <p:sldLayoutIdLst>
-    <p:sldLayoutId id="2147483688" r:id="rId3"/>
-    <p:sldLayoutId id="2147483689" r:id="rId4"/>
-    <p:sldLayoutId id="2147483690" r:id="rId5"/>
-    <p:sldLayoutId id="2147483691" r:id="rId6"/>
-    <p:sldLayoutId id="2147483692" r:id="rId7"/>
-    <p:sldLayoutId id="2147483693" r:id="rId8"/>
-    <p:sldLayoutId id="2147483694" r:id="rId9"/>
-    <p:sldLayoutId id="2147483695" r:id="rId10"/>
-    <p:sldLayoutId id="2147483696" r:id="rId11"/>
-    <p:sldLayoutId id="2147483697" r:id="rId12"/>
-    <p:sldLayoutId id="2147483698" r:id="rId13"/>
-    <p:sldLayoutId id="2147483699" r:id="rId14"/>
+    <p:sldLayoutId id="2147483688" r:id="rId1"/>
+    <p:sldLayoutId id="2147483689" r:id="rId2"/>
+    <p:sldLayoutId id="2147483690" r:id="rId3"/>
+    <p:sldLayoutId id="2147483691" r:id="rId4"/>
+    <p:sldLayoutId id="2147483692" r:id="rId5"/>
+    <p:sldLayoutId id="2147483693" r:id="rId6"/>
+    <p:sldLayoutId id="2147483694" r:id="rId7"/>
+    <p:sldLayoutId id="2147483695" r:id="rId8"/>
+    <p:sldLayoutId id="2147483696" r:id="rId9"/>
+    <p:sldLayoutId id="2147483697" r:id="rId10"/>
+    <p:sldLayoutId id="2147483698" r:id="rId11"/>
+    <p:sldLayoutId id="2147483699" r:id="rId12"/>
   </p:sldLayoutIdLst>
+  <p:txStyles>
+    <p:titleStyle>
+      <a:lvl1pPr algn="l" defTabSz="914400" rtl="0" eaLnBrk="1" latinLnBrk="0" hangingPunct="1">
+        <a:lnSpc>
+          <a:spcPct val="90000"/>
+        </a:lnSpc>
+        <a:spcBef>
+          <a:spcPct val="0"/>
+        </a:spcBef>
+        <a:buNone/>
+        <a:defRPr sz="4400" kern="1200">
+          <a:solidFill>
+            <a:schemeClr val="tx1"/>
+          </a:solidFill>
+          <a:latin typeface="+mj-lt"/>
+          <a:ea typeface="+mj-ea"/>
+          <a:cs typeface="+mj-cs"/>
+        </a:defRPr>
+      </a:lvl1pPr>
+    </p:titleStyle>
+    <p:bodyStyle>
+      <a:lvl1pPr marL="228600" indent="-228600" algn="l" defTabSz="914400" rtl="0" eaLnBrk="1" latinLnBrk="0" hangingPunct="1">
+        <a:lnSpc>
+          <a:spcPct val="90000"/>
+        </a:lnSpc>
+        <a:spcBef>
+          <a:spcPts val="1000"/>
+        </a:spcBef>
+        <a:buFont typeface="Arial" panose="020B0604020202020204" pitchFamily="34" charset="0"/>
+        <a:buChar char="•"/>
+        <a:defRPr sz="2800" kern="1200">
+          <a:solidFill>
+            <a:schemeClr val="tx1"/>
+          </a:solidFill>
+          <a:latin typeface="+mn-lt"/>
+          <a:ea typeface="+mn-ea"/>
+          <a:cs typeface="+mn-cs"/>
+        </a:defRPr>
+      </a:lvl1pPr>
+      <a:lvl2pPr marL="685800" indent="-228600" algn="l" defTabSz="914400" rtl="0" eaLnBrk="1" latinLnBrk="0" hangingPunct="1">
+        <a:lnSpc>
+          <a:spcPct val="90000"/>
+        </a:lnSpc>
+        <a:spcBef>
+          <a:spcPts val="500"/>
+        </a:spcBef>
+        <a:buFont typeface="Arial" panose="020B0604020202020204" pitchFamily="34" charset="0"/>
+        <a:buChar char="•"/>
+        <a:defRPr sz="2400" kern="1200">
+          <a:solidFill>
+            <a:schemeClr val="tx1"/>
+          </a:solidFill>
+          <a:latin typeface="+mn-lt"/>
+          <a:ea typeface="+mn-ea"/>
+          <a:cs typeface="+mn-cs"/>
+        </a:defRPr>
+      </a:lvl2pPr>
+      <a:lvl3pPr marL="1143000" indent="-228600" algn="l" defTabSz="914400" rtl="0" eaLnBrk="1" latinLnBrk="0" hangingPunct="1">
+        <a:lnSpc>
+          <a:spcPct val="90000"/>
+        </a:lnSpc>
+        <a:spcBef>
+          <a:spcPts val="500"/>
+        </a:spcBef>
+        <a:buFont typeface="Arial" panose="020B0604020202020204" pitchFamily="34" charset="0"/>
+        <a:buChar char="•"/>
+        <a:defRPr sz="2000" kern="1200">
+          <a:solidFill>
+            <a:schemeClr val="tx1"/>
+          </a:solidFill>
+          <a:latin typeface="+mn-lt"/>
+          <a:ea typeface="+mn-ea"/>
+          <a:cs typeface="+mn-cs"/>
+        </a:defRPr>
+      </a:lvl3pPr>
+      <a:lvl4pPr marL="1600200" indent="-228600" algn="l" defTabSz="914400" rtl="0" eaLnBrk="1" latinLnBrk="0" hangingPunct="1">
+        <a:lnSpc>
+          <a:spcPct val="90000"/>
+        </a:lnSpc>
+        <a:spcBef>
+          <a:spcPts val="500"/>
+        </a:spcBef>
+        <a:buFont typeface="Arial" panose="020B0604020202020204" pitchFamily="34" charset="0"/>
+        <a:buChar char="•"/>
+        <a:defRPr sz="1800" kern="1200">
+          <a:solidFill>
+            <a:schemeClr val="tx1"/>
+          </a:solidFill>
+          <a:latin typeface="+mn-lt"/>
+          <a:ea typeface="+mn-ea"/>
+          <a:cs typeface="+mn-cs"/>
+        </a:defRPr>
+      </a:lvl4pPr>
+      <a:lvl5pPr marL="2057400" indent="-228600" algn="l" defTabSz="914400" rtl="0" eaLnBrk="1" latinLnBrk="0" hangingPunct="1">
+        <a:lnSpc>
+          <a:spcPct val="90000"/>
+        </a:lnSpc>
+        <a:spcBef>
+          <a:spcPts val="500"/>
+        </a:spcBef>
+        <a:buFont typeface="Arial" panose="020B0604020202020204" pitchFamily="34" charset="0"/>
+        <a:buChar char="•"/>
+        <a:defRPr sz="1800" kern="1200">
+          <a:solidFill>
+            <a:schemeClr val="tx1"/>
+          </a:solidFill>
+          <a:latin typeface="+mn-lt"/>
+          <a:ea typeface="+mn-ea"/>
+          <a:cs typeface="+mn-cs"/>
+        </a:defRPr>
+      </a:lvl5pPr>
+      <a:lvl6pPr marL="2514600" indent="-228600" algn="l" defTabSz="914400" rtl="0" eaLnBrk="1" latinLnBrk="0" hangingPunct="1">
+        <a:lnSpc>
+          <a:spcPct val="90000"/>
+        </a:lnSpc>
+        <a:spcBef>
+          <a:spcPts val="500"/>
+        </a:spcBef>
+        <a:buFont typeface="Arial" panose="020B0604020202020204" pitchFamily="34" charset="0"/>
+        <a:buChar char="•"/>
+        <a:defRPr sz="1800" kern="1200">
+          <a:solidFill>
+            <a:schemeClr val="tx1"/>
+          </a:solidFill>
+          <a:latin typeface="+mn-lt"/>
+          <a:ea typeface="+mn-ea"/>
+          <a:cs typeface="+mn-cs"/>
+        </a:defRPr>
+      </a:lvl6pPr>
+      <a:lvl7pPr marL="2971800" indent="-228600" algn="l" defTabSz="914400" rtl="0" eaLnBrk="1" latinLnBrk="0" hangingPunct="1">
+        <a:lnSpc>
+          <a:spcPct val="90000"/>
+        </a:lnSpc>
+        <a:spcBef>
+          <a:spcPts val="500"/>
+        </a:spcBef>
+        <a:buFont typeface="Arial" panose="020B0604020202020204" pitchFamily="34" charset="0"/>
+        <a:buChar char="•"/>
+        <a:defRPr sz="1800" kern="1200">
+          <a:solidFill>
+            <a:schemeClr val="tx1"/>
+          </a:solidFill>
+          <a:latin typeface="+mn-lt"/>
+          <a:ea typeface="+mn-ea"/>
+          <a:cs typeface="+mn-cs"/>
+        </a:defRPr>
+      </a:lvl7pPr>
+      <a:lvl8pPr marL="3429000" indent="-228600" algn="l" defTabSz="914400" rtl="0" eaLnBrk="1" latinLnBrk="0" hangingPunct="1">
+        <a:lnSpc>
+          <a:spcPct val="90000"/>
+        </a:lnSpc>
+        <a:spcBef>
+          <a:spcPts val="500"/>
+        </a:spcBef>
+        <a:buFont typeface="Arial" panose="020B0604020202020204" pitchFamily="34" charset="0"/>
+        <a:buChar char="•"/>
+        <a:defRPr sz="1800" kern="1200">
+          <a:solidFill>
+            <a:schemeClr val="tx1"/>
+          </a:solidFill>
+          <a:latin typeface="+mn-lt"/>
+          <a:ea typeface="+mn-ea"/>
+          <a:cs typeface="+mn-cs"/>
+        </a:defRPr>
+      </a:lvl8pPr>
+      <a:lvl9pPr marL="3886200" indent="-228600" algn="l" defTabSz="914400" rtl="0" eaLnBrk="1" latinLnBrk="0" hangingPunct="1">
+        <a:lnSpc>
+          <a:spcPct val="90000"/>
+        </a:lnSpc>
+        <a:spcBef>
+          <a:spcPts val="500"/>
+        </a:spcBef>
+        <a:buFont typeface="Arial" panose="020B0604020202020204" pitchFamily="34" charset="0"/>
+        <a:buChar char="•"/>
+        <a:defRPr sz="1800" kern="1200">
+          <a:solidFill>
+            <a:schemeClr val="tx1"/>
+          </a:solidFill>
+          <a:latin typeface="+mn-lt"/>
+          <a:ea typeface="+mn-ea"/>
+          <a:cs typeface="+mn-cs"/>
+        </a:defRPr>
+      </a:lvl9pPr>
+    </p:bodyStyle>
+    <p:otherStyle>
+      <a:defPPr>
+        <a:defRPr lang="en-US"/>
+      </a:defPPr>
+      <a:lvl1pPr marL="0" algn="l" defTabSz="914400" rtl="0" eaLnBrk="1" latinLnBrk="0" hangingPunct="1">
+        <a:defRPr sz="1800" kern="1200">
+          <a:solidFill>
+            <a:schemeClr val="tx1"/>
+          </a:solidFill>
+          <a:latin typeface="+mn-lt"/>
+          <a:ea typeface="+mn-ea"/>
+          <a:cs typeface="+mn-cs"/>
+        </a:defRPr>
+      </a:lvl1pPr>
+      <a:lvl2pPr marL="457200" algn="l" defTabSz="914400" rtl="0" eaLnBrk="1" latinLnBrk="0" hangingPunct="1">
+        <a:defRPr sz="1800" kern="1200">
+          <a:solidFill>
+            <a:schemeClr val="tx1"/>
+          </a:solidFill>
+          <a:latin typeface="+mn-lt"/>
+          <a:ea typeface="+mn-ea"/>
+          <a:cs typeface="+mn-cs"/>
+        </a:defRPr>
+      </a:lvl2pPr>
+      <a:lvl3pPr marL="914400" algn="l" defTabSz="914400" rtl="0" eaLnBrk="1" latinLnBrk="0" hangingPunct="1">
+        <a:defRPr sz="1800" kern="1200">
+          <a:solidFill>
+            <a:schemeClr val="tx1"/>
+          </a:solidFill>
+          <a:latin typeface="+mn-lt"/>
+          <a:ea typeface="+mn-ea"/>
+          <a:cs typeface="+mn-cs"/>
+        </a:defRPr>
+      </a:lvl3pPr>
+      <a:lvl4pPr marL="1371600" algn="l" defTabSz="914400" rtl="0" eaLnBrk="1" latinLnBrk="0" hangingPunct="1">
+        <a:defRPr sz="1800" kern="1200">
+          <a:solidFill>
+            <a:schemeClr val="tx1"/>
+          </a:solidFill>
+          <a:latin typeface="+mn-lt"/>
+          <a:ea typeface="+mn-ea"/>
+          <a:cs typeface="+mn-cs"/>
+        </a:defRPr>
+      </a:lvl4pPr>
+      <a:lvl5pPr marL="1828800" algn="l" defTabSz="914400" rtl="0" eaLnBrk="1" latinLnBrk="0" hangingPunct="1">
+        <a:defRPr sz="1800" kern="1200">
+          <a:solidFill>
+            <a:schemeClr val="tx1"/>
+          </a:solidFill>
+          <a:latin typeface="+mn-lt"/>
+          <a:ea typeface="+mn-ea"/>
+          <a:cs typeface="+mn-cs"/>
+        </a:defRPr>
+      </a:lvl5pPr>
+      <a:lvl6pPr marL="2286000" algn="l" defTabSz="914400" rtl="0" eaLnBrk="1" latinLnBrk="0" hangingPunct="1">
+        <a:defRPr sz="1800" kern="1200">
+          <a:solidFill>
+            <a:schemeClr val="tx1"/>
+          </a:solidFill>
+          <a:latin typeface="+mn-lt"/>
+          <a:ea typeface="+mn-ea"/>
+          <a:cs typeface="+mn-cs"/>
+        </a:defRPr>
+      </a:lvl6pPr>
+      <a:lvl7pPr marL="2743200" algn="l" defTabSz="914400" rtl="0" eaLnBrk="1" latinLnBrk="0" hangingPunct="1">
+        <a:defRPr sz="1800" kern="1200">
+          <a:solidFill>
+            <a:schemeClr val="tx1"/>
+          </a:solidFill>
+          <a:latin typeface="+mn-lt"/>
+          <a:ea typeface="+mn-ea"/>
+          <a:cs typeface="+mn-cs"/>
+        </a:defRPr>
+      </a:lvl7pPr>
+      <a:lvl8pPr marL="3200400" algn="l" defTabSz="914400" rtl="0" eaLnBrk="1" latinLnBrk="0" hangingPunct="1">
+        <a:defRPr sz="1800" kern="1200">
+          <a:solidFill>
+            <a:schemeClr val="tx1"/>
+          </a:solidFill>
+          <a:latin typeface="+mn-lt"/>
+          <a:ea typeface="+mn-ea"/>
+          <a:cs typeface="+mn-cs"/>
+        </a:defRPr>
+      </a:lvl8pPr>
+      <a:lvl9pPr marL="3657600" algn="l" defTabSz="914400" rtl="0" eaLnBrk="1" latinLnBrk="0" hangingPunct="1">
+        <a:defRPr sz="1800" kern="1200">
+          <a:solidFill>
+            <a:schemeClr val="tx1"/>
+          </a:solidFill>
+          <a:latin typeface="+mn-lt"/>
+          <a:ea typeface="+mn-ea"/>
+          <a:cs typeface="+mn-cs"/>
+        </a:defRPr>
+      </a:lvl9pPr>
+    </p:otherStyle>
+  </p:txStyles>
 </p:sldMaster>
 </file>
 
 <file path=ppt/slides/slide1.xml><?xml version="1.0" encoding="utf-8"?>
-<p:sld xmlns:a="http://schemas.openxmlformats.org/drawingml/2006/main" xmlns:p="http://schemas.openxmlformats.org/presentationml/2006/main" xmlns:r="http://schemas.openxmlformats.org/officeDocument/2006/relationships" xmlns:p14="http://schemas.microsoft.com/office/powerpoint/2010/main" xmlns:p15="http://schemas.microsoft.com/office/powerpoint/2012/main" xmlns:mc="http://schemas.openxmlformats.org/markup-compatibility/2006">
+<p:sld xmlns:a="http://schemas.openxmlformats.org/drawingml/2006/main" xmlns:r="http://schemas.openxmlformats.org/officeDocument/2006/relationships" xmlns:p="http://schemas.openxmlformats.org/presentationml/2006/main">
   <p:cSld>
     <p:spTree>
       <p:nvGrpSpPr>
@@ -6746,7 +8187,7 @@
             <a:noFill/>
           </a:ln>
           <a:effectLst>
-            <a:outerShdw dir="2700000" dist="37674">
+            <a:outerShdw dist="37674" dir="2700000">
               <a:srgbClr val="000000">
                 <a:alpha val="40000"/>
               </a:srgbClr>
@@ -6754,15 +8195,22 @@
           </a:effectLst>
         </p:spPr>
         <p:style>
-          <a:lnRef idx="0"/>
-          <a:fillRef idx="0"/>
-          <a:effectRef idx="0"/>
+          <a:lnRef idx="0">
+            <a:scrgbClr r="0" g="0" b="0"/>
+          </a:lnRef>
+          <a:fillRef idx="0">
+            <a:scrgbClr r="0" g="0" b="0"/>
+          </a:fillRef>
+          <a:effectRef idx="0">
+            <a:scrgbClr r="0" g="0" b="0"/>
+          </a:effectRef>
           <a:fontRef idx="minor"/>
         </p:style>
         <p:txBody>
-          <a:bodyPr lIns="90000" rIns="90000" tIns="45000" bIns="45000" anchor="ctr">
+          <a:bodyPr lIns="90000" tIns="45000" rIns="90000" bIns="45000" anchor="ctr">
             <a:normAutofit/>
           </a:bodyPr>
+          <a:lstStyle/>
           <a:p>
             <a:pPr algn="ctr">
               <a:lnSpc>
@@ -6770,25 +8218,28 @@
               </a:lnSpc>
             </a:pPr>
             <a:r>
-              <a:rPr b="0" lang="en-US" sz="4000" spc="-1" strike="noStrike">
+              <a:rPr lang="en-US" sz="4000" b="0" strike="noStrike" spc="-1">
                 <a:solidFill>
-                  <a:srgbClr val="7030a0"/>
+                  <a:srgbClr val="7030A0"/>
                 </a:solidFill>
                 <a:latin typeface="Calibri"/>
               </a:rPr>
               <a:t>Active Directory</a:t>
             </a:r>
+            <a:r>
+              <a:t/>
+            </a:r>
             <a:br/>
             <a:r>
-              <a:rPr b="0" lang="en-US" sz="4000" spc="-1" strike="noStrike">
+              <a:rPr lang="en-US" sz="4000" b="0" strike="noStrike" spc="-1">
                 <a:solidFill>
-                  <a:srgbClr val="7030a0"/>
+                  <a:srgbClr val="7030A0"/>
                 </a:solidFill>
                 <a:latin typeface="Calibri"/>
               </a:rPr>
               <a:t>Installation &amp; Configuration</a:t>
             </a:r>
-            <a:endParaRPr b="0" lang="en-US" sz="4000" spc="-1" strike="noStrike">
+            <a:endParaRPr lang="en-US" sz="4000" b="0" strike="noStrike" spc="-1">
               <a:latin typeface="Arial"/>
             </a:endParaRPr>
           </a:p>
@@ -6796,11 +8247,14 @@
       </p:sp>
     </p:spTree>
   </p:cSld>
-  <mc:AlternateContent>
+  <p:clrMapOvr>
+    <a:masterClrMapping/>
+  </p:clrMapOvr>
+  <mc:AlternateContent xmlns:mc="http://schemas.openxmlformats.org/markup-compatibility/2006" xmlns:p14="http://schemas.microsoft.com/office/powerpoint/2010/main">
     <mc:Choice Requires="p14">
       <p:transition spd="slow" p14:dur="2000"/>
     </mc:Choice>
-    <mc:Fallback>
+    <mc:Fallback xmlns:p15="http://schemas.microsoft.com/office/powerpoint/2012/main" xmlns="">
       <p:transition spd="slow"/>
     </mc:Fallback>
   </mc:AlternateContent>
@@ -6808,7 +8262,7 @@
 </file>
 
 <file path=ppt/slides/slide2.xml><?xml version="1.0" encoding="utf-8"?>
-<p:sld xmlns:a="http://schemas.openxmlformats.org/drawingml/2006/main" xmlns:p="http://schemas.openxmlformats.org/presentationml/2006/main" xmlns:r="http://schemas.openxmlformats.org/officeDocument/2006/relationships" xmlns:p14="http://schemas.microsoft.com/office/powerpoint/2010/main" xmlns:p15="http://schemas.microsoft.com/office/powerpoint/2012/main" xmlns:mc="http://schemas.openxmlformats.org/markup-compatibility/2006">
+<p:sld xmlns:a="http://schemas.openxmlformats.org/drawingml/2006/main" xmlns:r="http://schemas.openxmlformats.org/officeDocument/2006/relationships" xmlns:p="http://schemas.openxmlformats.org/presentationml/2006/main">
   <p:cSld>
     <p:spTree>
       <p:nvGrpSpPr>
@@ -6844,15 +8298,22 @@
           </a:ln>
         </p:spPr>
         <p:style>
-          <a:lnRef idx="0"/>
-          <a:fillRef idx="0"/>
-          <a:effectRef idx="0"/>
+          <a:lnRef idx="0">
+            <a:scrgbClr r="0" g="0" b="0"/>
+          </a:lnRef>
+          <a:fillRef idx="0">
+            <a:scrgbClr r="0" g="0" b="0"/>
+          </a:fillRef>
+          <a:effectRef idx="0">
+            <a:scrgbClr r="0" g="0" b="0"/>
+          </a:effectRef>
           <a:fontRef idx="minor"/>
         </p:style>
         <p:txBody>
-          <a:bodyPr lIns="90000" rIns="90000" tIns="45000" bIns="45000" anchor="ctr">
+          <a:bodyPr lIns="90000" tIns="45000" rIns="90000" bIns="45000" anchor="ctr">
             <a:normAutofit/>
           </a:bodyPr>
+          <a:lstStyle/>
           <a:p>
             <a:pPr>
               <a:lnSpc>
@@ -6860,15 +8321,15 @@
               </a:lnSpc>
             </a:pPr>
             <a:r>
-              <a:rPr b="0" lang="en-US" sz="3600" spc="-1" strike="noStrike">
+              <a:rPr lang="en-US" sz="3600" b="0" strike="noStrike" spc="-1">
                 <a:solidFill>
-                  <a:srgbClr val="7030a0"/>
+                  <a:srgbClr val="7030A0"/>
                 </a:solidFill>
                 <a:latin typeface="Calibri"/>
               </a:rPr>
               <a:t>Group members</a:t>
             </a:r>
-            <a:endParaRPr b="0" lang="en-US" sz="3600" spc="-1" strike="noStrike">
+            <a:endParaRPr lang="en-US" sz="3600" b="0" strike="noStrike" spc="-1">
               <a:latin typeface="Arial"/>
             </a:endParaRPr>
           </a:p>
@@ -6894,15 +8355,22 @@
           </a:ln>
         </p:spPr>
         <p:style>
-          <a:lnRef idx="0"/>
-          <a:fillRef idx="0"/>
-          <a:effectRef idx="0"/>
+          <a:lnRef idx="0">
+            <a:scrgbClr r="0" g="0" b="0"/>
+          </a:lnRef>
+          <a:fillRef idx="0">
+            <a:scrgbClr r="0" g="0" b="0"/>
+          </a:fillRef>
+          <a:effectRef idx="0">
+            <a:scrgbClr r="0" g="0" b="0"/>
+          </a:effectRef>
           <a:fontRef idx="minor"/>
         </p:style>
         <p:txBody>
-          <a:bodyPr lIns="90000" rIns="90000" tIns="45000" bIns="45000">
+          <a:bodyPr lIns="90000" tIns="45000" rIns="90000" bIns="45000">
             <a:normAutofit/>
           </a:bodyPr>
+          <a:lstStyle/>
           <a:p>
             <a:pPr marL="343080" indent="-342360">
               <a:lnSpc>
@@ -6918,7 +8386,7 @@
               <a:buChar char="•"/>
             </a:pPr>
             <a:r>
-              <a:rPr b="0" lang="en-US" sz="2800" spc="-1" strike="noStrike">
+              <a:rPr lang="en-US" sz="2800" b="0" strike="noStrike" spc="-1">
                 <a:solidFill>
                   <a:srgbClr val="002060"/>
                 </a:solidFill>
@@ -6926,7 +8394,7 @@
               </a:rPr>
               <a:t>Mahdi </a:t>
             </a:r>
-            <a:endParaRPr b="0" lang="en-US" sz="2800" spc="-1" strike="noStrike">
+            <a:endParaRPr lang="en-US" sz="2800" b="0" strike="noStrike" spc="-1">
               <a:latin typeface="Arial"/>
             </a:endParaRPr>
           </a:p>
@@ -6945,7 +8413,7 @@
               <a:buChar char="•"/>
             </a:pPr>
             <a:r>
-              <a:rPr b="0" lang="en-US" sz="2800" spc="-1" strike="noStrike">
+              <a:rPr lang="en-US" sz="2800" b="0" strike="noStrike" spc="-1">
                 <a:solidFill>
                   <a:srgbClr val="002060"/>
                 </a:solidFill>
@@ -6953,7 +8421,7 @@
               </a:rPr>
               <a:t>Samiullah Wardak</a:t>
             </a:r>
-            <a:endParaRPr b="0" lang="en-US" sz="2800" spc="-1" strike="noStrike">
+            <a:endParaRPr lang="en-US" sz="2800" b="0" strike="noStrike" spc="-1">
               <a:latin typeface="Arial"/>
             </a:endParaRPr>
           </a:p>
@@ -6972,7 +8440,7 @@
               <a:buChar char="•"/>
             </a:pPr>
             <a:r>
-              <a:rPr b="0" lang="en-US" sz="2800" spc="-1" strike="noStrike">
+              <a:rPr lang="en-US" sz="2800" b="0" strike="noStrike" spc="-1">
                 <a:solidFill>
                   <a:srgbClr val="002060"/>
                 </a:solidFill>
@@ -6980,7 +8448,7 @@
               </a:rPr>
               <a:t>Atiqullah Hamraz</a:t>
             </a:r>
-            <a:endParaRPr b="0" lang="en-US" sz="2800" spc="-1" strike="noStrike">
+            <a:endParaRPr lang="en-US" sz="2800" b="0" strike="noStrike" spc="-1">
               <a:latin typeface="Arial"/>
             </a:endParaRPr>
           </a:p>
@@ -6999,7 +8467,7 @@
               <a:buChar char="•"/>
             </a:pPr>
             <a:r>
-              <a:rPr b="0" lang="en-US" sz="2800" spc="-1" strike="noStrike">
+              <a:rPr lang="en-US" sz="2800" b="0" strike="noStrike" spc="-1">
                 <a:solidFill>
                   <a:srgbClr val="002060"/>
                 </a:solidFill>
@@ -7007,7 +8475,7 @@
               </a:rPr>
               <a:t>Baha-ul-haq Sharifi</a:t>
             </a:r>
-            <a:endParaRPr b="0" lang="en-US" sz="2800" spc="-1" strike="noStrike">
+            <a:endParaRPr lang="en-US" sz="2800" b="0" strike="noStrike" spc="-1">
               <a:latin typeface="Arial"/>
             </a:endParaRPr>
           </a:p>
@@ -7026,7 +8494,7 @@
               <a:buChar char="•"/>
             </a:pPr>
             <a:r>
-              <a:rPr b="0" lang="en-US" sz="2800" spc="-1" strike="noStrike">
+              <a:rPr lang="en-US" sz="2800" b="0" strike="noStrike" spc="-1">
                 <a:solidFill>
                   <a:srgbClr val="002060"/>
                 </a:solidFill>
@@ -7034,7 +8502,7 @@
               </a:rPr>
               <a:t>Hedayatullah Nekzad</a:t>
             </a:r>
-            <a:endParaRPr b="0" lang="en-US" sz="2800" spc="-1" strike="noStrike">
+            <a:endParaRPr lang="en-US" sz="2800" b="0" strike="noStrike" spc="-1">
               <a:latin typeface="Arial"/>
             </a:endParaRPr>
           </a:p>
@@ -7047,7 +8515,7 @@
                 <a:spcPts val="561"/>
               </a:spcBef>
             </a:pPr>
-            <a:endParaRPr b="0" lang="en-US" sz="2800" spc="-1" strike="noStrike">
+            <a:endParaRPr lang="en-US" sz="2800" b="0" strike="noStrike" spc="-1">
               <a:latin typeface="Arial"/>
             </a:endParaRPr>
           </a:p>
@@ -7060,7 +8528,7 @@
                 <a:spcPts val="561"/>
               </a:spcBef>
             </a:pPr>
-            <a:endParaRPr b="0" lang="en-US" sz="2800" spc="-1" strike="noStrike">
+            <a:endParaRPr lang="en-US" sz="2800" b="0" strike="noStrike" spc="-1">
               <a:latin typeface="Arial"/>
             </a:endParaRPr>
           </a:p>
@@ -7073,7 +8541,7 @@
                 <a:spcPts val="561"/>
               </a:spcBef>
             </a:pPr>
-            <a:endParaRPr b="0" lang="en-US" sz="2800" spc="-1" strike="noStrike">
+            <a:endParaRPr lang="en-US" sz="2800" b="0" strike="noStrike" spc="-1">
               <a:latin typeface="Arial"/>
             </a:endParaRPr>
           </a:p>
@@ -7081,11 +8549,14 @@
       </p:sp>
     </p:spTree>
   </p:cSld>
-  <mc:AlternateContent>
+  <p:clrMapOvr>
+    <a:masterClrMapping/>
+  </p:clrMapOvr>
+  <mc:AlternateContent xmlns:mc="http://schemas.openxmlformats.org/markup-compatibility/2006" xmlns:p14="http://schemas.microsoft.com/office/powerpoint/2010/main">
     <mc:Choice Requires="p14">
       <p:transition spd="slow" p14:dur="2000"/>
     </mc:Choice>
-    <mc:Fallback>
+    <mc:Fallback xmlns:p15="http://schemas.microsoft.com/office/powerpoint/2012/main" xmlns="">
       <p:transition spd="slow"/>
     </mc:Fallback>
   </mc:AlternateContent>
@@ -7093,7 +8564,7 @@
 </file>
 
 <file path=ppt/slides/slide3.xml><?xml version="1.0" encoding="utf-8"?>
-<p:sld xmlns:a="http://schemas.openxmlformats.org/drawingml/2006/main" xmlns:p="http://schemas.openxmlformats.org/presentationml/2006/main" xmlns:r="http://schemas.openxmlformats.org/officeDocument/2006/relationships" xmlns:p14="http://schemas.microsoft.com/office/powerpoint/2010/main" xmlns:p15="http://schemas.microsoft.com/office/powerpoint/2012/main" xmlns:mc="http://schemas.openxmlformats.org/markup-compatibility/2006">
+<p:sld xmlns:a="http://schemas.openxmlformats.org/drawingml/2006/main" xmlns:r="http://schemas.openxmlformats.org/officeDocument/2006/relationships" xmlns:p="http://schemas.openxmlformats.org/presentationml/2006/main">
   <p:cSld>
     <p:spTree>
       <p:nvGrpSpPr>
@@ -7129,15 +8600,22 @@
           </a:ln>
         </p:spPr>
         <p:style>
-          <a:lnRef idx="0"/>
-          <a:fillRef idx="0"/>
-          <a:effectRef idx="0"/>
+          <a:lnRef idx="0">
+            <a:scrgbClr r="0" g="0" b="0"/>
+          </a:lnRef>
+          <a:fillRef idx="0">
+            <a:scrgbClr r="0" g="0" b="0"/>
+          </a:fillRef>
+          <a:effectRef idx="0">
+            <a:scrgbClr r="0" g="0" b="0"/>
+          </a:effectRef>
           <a:fontRef idx="minor"/>
         </p:style>
         <p:txBody>
-          <a:bodyPr lIns="90000" rIns="90000" tIns="45000" bIns="45000" anchor="ctr">
+          <a:bodyPr lIns="90000" tIns="45000" rIns="90000" bIns="45000" anchor="ctr">
             <a:normAutofit/>
           </a:bodyPr>
+          <a:lstStyle/>
           <a:p>
             <a:pPr>
               <a:lnSpc>
@@ -7145,15 +8623,15 @@
               </a:lnSpc>
             </a:pPr>
             <a:r>
-              <a:rPr b="0" lang="en-US" sz="3600" spc="-1" strike="noStrike">
+              <a:rPr lang="en-US" sz="3600" b="0" strike="noStrike" spc="-1">
                 <a:solidFill>
-                  <a:srgbClr val="7030a0"/>
+                  <a:srgbClr val="7030A0"/>
                 </a:solidFill>
                 <a:latin typeface="Calibri"/>
               </a:rPr>
               <a:t>History of Active Directory</a:t>
             </a:r>
-            <a:endParaRPr b="0" lang="en-US" sz="3600" spc="-1" strike="noStrike">
+            <a:endParaRPr lang="en-US" sz="3600" b="0" strike="noStrike" spc="-1">
               <a:latin typeface="Arial"/>
             </a:endParaRPr>
           </a:p>
@@ -7179,15 +8657,22 @@
           </a:ln>
         </p:spPr>
         <p:style>
-          <a:lnRef idx="0"/>
-          <a:fillRef idx="0"/>
-          <a:effectRef idx="0"/>
+          <a:lnRef idx="0">
+            <a:scrgbClr r="0" g="0" b="0"/>
+          </a:lnRef>
+          <a:fillRef idx="0">
+            <a:scrgbClr r="0" g="0" b="0"/>
+          </a:fillRef>
+          <a:effectRef idx="0">
+            <a:scrgbClr r="0" g="0" b="0"/>
+          </a:effectRef>
           <a:fontRef idx="minor"/>
         </p:style>
         <p:txBody>
-          <a:bodyPr lIns="90000" rIns="90000" tIns="45000" bIns="45000">
+          <a:bodyPr lIns="90000" tIns="45000" rIns="90000" bIns="45000">
             <a:noAutofit/>
           </a:bodyPr>
+          <a:lstStyle/>
           <a:p>
             <a:pPr marL="343080" indent="-342360">
               <a:lnSpc>
@@ -7203,7 +8688,7 @@
               <a:buChar char="•"/>
             </a:pPr>
             <a:r>
-              <a:rPr b="0" lang="en-US" sz="2800" spc="-1" strike="noStrike">
+              <a:rPr lang="en-US" sz="2800" b="0" strike="noStrike" spc="-1">
                 <a:solidFill>
                   <a:srgbClr val="002060"/>
                 </a:solidFill>
@@ -7211,7 +8696,7 @@
               </a:rPr>
               <a:t>Microsoft previewed Active Directory in 1999, released it first with Windows 2000 Server.</a:t>
             </a:r>
-            <a:endParaRPr b="0" lang="en-US" sz="2800" spc="-1" strike="noStrike">
+            <a:endParaRPr lang="en-US" sz="2800" b="0" strike="noStrike" spc="-1">
               <a:latin typeface="Arial"/>
             </a:endParaRPr>
           </a:p>
@@ -7230,7 +8715,7 @@
               <a:buChar char="•"/>
             </a:pPr>
             <a:r>
-              <a:rPr b="0" lang="en-US" sz="2800" spc="-1" strike="noStrike">
+              <a:rPr lang="en-US" sz="2800" b="0" strike="noStrike" spc="-1">
                 <a:solidFill>
                   <a:srgbClr val="002060"/>
                 </a:solidFill>
@@ -7239,7 +8724,7 @@
               <a:t>Active Directory support was also added to </a:t>
             </a:r>
             <a:r>
-              <a:rPr b="1" lang="en-US" sz="2800" spc="-1" strike="noStrike">
+              <a:rPr lang="en-US" sz="2800" b="1" strike="noStrike" spc="-1">
                 <a:solidFill>
                   <a:srgbClr val="002060"/>
                 </a:solidFill>
@@ -7248,7 +8733,7 @@
               <a:t>Windows 95</a:t>
             </a:r>
             <a:r>
-              <a:rPr b="0" lang="en-US" sz="2800" spc="-1" strike="noStrike">
+              <a:rPr lang="en-US" sz="2800" b="0" strike="noStrike" spc="-1">
                 <a:solidFill>
                   <a:srgbClr val="002060"/>
                 </a:solidFill>
@@ -7257,7 +8742,7 @@
               <a:t>, </a:t>
             </a:r>
             <a:r>
-              <a:rPr b="1" lang="en-US" sz="2800" spc="-1" strike="noStrike">
+              <a:rPr lang="en-US" sz="2800" b="1" strike="noStrike" spc="-1">
                 <a:solidFill>
                   <a:srgbClr val="002060"/>
                 </a:solidFill>
@@ -7266,7 +8751,7 @@
               <a:t>Windows 98 </a:t>
             </a:r>
             <a:r>
-              <a:rPr b="0" lang="en-US" sz="2800" spc="-1" strike="noStrike">
+              <a:rPr lang="en-US" sz="2800" b="0" strike="noStrike" spc="-1">
                 <a:solidFill>
                   <a:srgbClr val="002060"/>
                 </a:solidFill>
@@ -7275,7 +8760,7 @@
               <a:t>and </a:t>
             </a:r>
             <a:r>
-              <a:rPr b="1" lang="en-US" sz="2800" spc="-1" strike="noStrike">
+              <a:rPr lang="en-US" sz="2800" b="1" strike="noStrike" spc="-1">
                 <a:solidFill>
                   <a:srgbClr val="002060"/>
                 </a:solidFill>
@@ -7284,7 +8769,7 @@
               <a:t>Windows NT 4.0</a:t>
             </a:r>
             <a:r>
-              <a:rPr b="0" lang="en-US" sz="2800" spc="-1" strike="noStrike">
+              <a:rPr lang="en-US" sz="2800" b="0" strike="noStrike" spc="-1">
                 <a:solidFill>
                   <a:srgbClr val="002060"/>
                 </a:solidFill>
@@ -7293,7 +8778,7 @@
               <a:t>, with some features being </a:t>
             </a:r>
             <a:r>
-              <a:rPr b="1" i="1" lang="en-US" sz="2800" spc="-1" strike="noStrike">
+              <a:rPr lang="en-US" sz="2800" b="1" i="1" strike="noStrike" spc="-1">
                 <a:solidFill>
                   <a:srgbClr val="002060"/>
                 </a:solidFill>
@@ -7301,7 +8786,7 @@
               </a:rPr>
               <a:t>unsupported.</a:t>
             </a:r>
-            <a:endParaRPr b="0" lang="en-US" sz="2800" spc="-1" strike="noStrike">
+            <a:endParaRPr lang="en-US" sz="2800" b="0" strike="noStrike" spc="-1">
               <a:latin typeface="Arial"/>
             </a:endParaRPr>
           </a:p>
@@ -7309,11 +8794,14 @@
       </p:sp>
     </p:spTree>
   </p:cSld>
-  <mc:AlternateContent>
+  <p:clrMapOvr>
+    <a:masterClrMapping/>
+  </p:clrMapOvr>
+  <mc:AlternateContent xmlns:mc="http://schemas.openxmlformats.org/markup-compatibility/2006" xmlns:p14="http://schemas.microsoft.com/office/powerpoint/2010/main">
     <mc:Choice Requires="p14">
       <p:transition spd="slow" p14:dur="2000"/>
     </mc:Choice>
-    <mc:Fallback>
+    <mc:Fallback xmlns:p15="http://schemas.microsoft.com/office/powerpoint/2012/main" xmlns="">
       <p:transition spd="slow"/>
     </mc:Fallback>
   </mc:AlternateContent>
@@ -7321,7 +8809,7 @@
 </file>
 
 <file path=ppt/slides/slide4.xml><?xml version="1.0" encoding="utf-8"?>
-<p:sld xmlns:a="http://schemas.openxmlformats.org/drawingml/2006/main" xmlns:p="http://schemas.openxmlformats.org/presentationml/2006/main" xmlns:r="http://schemas.openxmlformats.org/officeDocument/2006/relationships" xmlns:p14="http://schemas.microsoft.com/office/powerpoint/2010/main" xmlns:p15="http://schemas.microsoft.com/office/powerpoint/2012/main" xmlns:mc="http://schemas.openxmlformats.org/markup-compatibility/2006">
+<p:sld xmlns:a="http://schemas.openxmlformats.org/drawingml/2006/main" xmlns:r="http://schemas.openxmlformats.org/officeDocument/2006/relationships" xmlns:p="http://schemas.openxmlformats.org/presentationml/2006/main">
   <p:cSld>
     <p:spTree>
       <p:nvGrpSpPr>
@@ -7357,15 +8845,22 @@
           </a:ln>
         </p:spPr>
         <p:style>
-          <a:lnRef idx="0"/>
-          <a:fillRef idx="0"/>
-          <a:effectRef idx="0"/>
+          <a:lnRef idx="0">
+            <a:scrgbClr r="0" g="0" b="0"/>
+          </a:lnRef>
+          <a:fillRef idx="0">
+            <a:scrgbClr r="0" g="0" b="0"/>
+          </a:fillRef>
+          <a:effectRef idx="0">
+            <a:scrgbClr r="0" g="0" b="0"/>
+          </a:effectRef>
           <a:fontRef idx="minor"/>
         </p:style>
         <p:txBody>
-          <a:bodyPr lIns="90000" rIns="90000" tIns="45000" bIns="45000" anchor="ctr">
+          <a:bodyPr lIns="90000" tIns="45000" rIns="90000" bIns="45000" anchor="ctr">
             <a:noAutofit/>
           </a:bodyPr>
+          <a:lstStyle/>
           <a:p>
             <a:pPr>
               <a:lnSpc>
@@ -7373,15 +8868,15 @@
               </a:lnSpc>
             </a:pPr>
             <a:r>
-              <a:rPr b="0" lang="en-US" sz="3600" spc="-1" strike="noStrike">
+              <a:rPr lang="en-US" sz="3600" b="0" strike="noStrike" spc="-1">
                 <a:solidFill>
-                  <a:srgbClr val="7030a0"/>
+                  <a:srgbClr val="7030A0"/>
                 </a:solidFill>
                 <a:latin typeface="Calibri"/>
               </a:rPr>
               <a:t>Active Directory (AD)</a:t>
             </a:r>
-            <a:endParaRPr b="0" lang="en-US" sz="3600" spc="-1" strike="noStrike">
+            <a:endParaRPr lang="en-US" sz="3600" b="0" strike="noStrike" spc="-1">
               <a:latin typeface="Arial"/>
             </a:endParaRPr>
           </a:p>
@@ -7407,15 +8902,22 @@
           </a:ln>
         </p:spPr>
         <p:style>
-          <a:lnRef idx="0"/>
-          <a:fillRef idx="0"/>
-          <a:effectRef idx="0"/>
+          <a:lnRef idx="0">
+            <a:scrgbClr r="0" g="0" b="0"/>
+          </a:lnRef>
+          <a:fillRef idx="0">
+            <a:scrgbClr r="0" g="0" b="0"/>
+          </a:fillRef>
+          <a:effectRef idx="0">
+            <a:scrgbClr r="0" g="0" b="0"/>
+          </a:effectRef>
           <a:fontRef idx="minor"/>
         </p:style>
         <p:txBody>
-          <a:bodyPr lIns="90000" rIns="90000" tIns="45000" bIns="45000">
+          <a:bodyPr lIns="90000" tIns="45000" rIns="90000" bIns="45000">
             <a:noAutofit/>
           </a:bodyPr>
+          <a:lstStyle/>
           <a:p>
             <a:pPr marL="343080" indent="-342360">
               <a:lnSpc>
@@ -7431,7 +8933,7 @@
               <a:buChar char="•"/>
             </a:pPr>
             <a:r>
-              <a:rPr b="0" lang="en-US" sz="2800" spc="-1" strike="noStrike">
+              <a:rPr lang="en-US" sz="2800" b="0" strike="noStrike" spc="-1">
                 <a:solidFill>
                   <a:srgbClr val="002060"/>
                 </a:solidFill>
@@ -7439,7 +8941,7 @@
               </a:rPr>
               <a:t>AD is a directory service that runs on MS Windows Server</a:t>
             </a:r>
-            <a:endParaRPr b="0" lang="en-US" sz="2800" spc="-1" strike="noStrike">
+            <a:endParaRPr lang="en-US" sz="2800" b="0" strike="noStrike" spc="-1">
               <a:latin typeface="Arial"/>
             </a:endParaRPr>
           </a:p>
@@ -7458,7 +8960,7 @@
               <a:buChar char="•"/>
             </a:pPr>
             <a:r>
-              <a:rPr b="0" lang="en-US" sz="2800" spc="-1" strike="noStrike">
+              <a:rPr lang="en-US" sz="2800" b="0" strike="noStrike" spc="-1">
                 <a:solidFill>
                   <a:srgbClr val="002060"/>
                 </a:solidFill>
@@ -7466,7 +8968,7 @@
               </a:rPr>
               <a:t>It enables administrators to manage permissions and control access to network resources</a:t>
             </a:r>
-            <a:endParaRPr b="0" lang="en-US" sz="2800" spc="-1" strike="noStrike">
+            <a:endParaRPr lang="en-US" sz="2800" b="0" strike="noStrike" spc="-1">
               <a:latin typeface="Arial"/>
             </a:endParaRPr>
           </a:p>
@@ -7485,7 +8987,7 @@
               <a:buChar char="•"/>
             </a:pPr>
             <a:r>
-              <a:rPr b="0" lang="en-US" sz="2800" spc="-1" strike="noStrike">
+              <a:rPr lang="en-US" sz="2800" b="0" strike="noStrike" spc="-1">
                 <a:solidFill>
                   <a:srgbClr val="002060"/>
                 </a:solidFill>
@@ -7493,7 +8995,7 @@
               </a:rPr>
               <a:t>In AD data is stored in objects</a:t>
             </a:r>
-            <a:endParaRPr b="0" lang="en-US" sz="2800" spc="-1" strike="noStrike">
+            <a:endParaRPr lang="en-US" sz="2800" b="0" strike="noStrike" spc="-1">
               <a:latin typeface="Arial"/>
             </a:endParaRPr>
           </a:p>
@@ -7506,7 +9008,7 @@
                 <a:spcPts val="561"/>
               </a:spcBef>
             </a:pPr>
-            <a:endParaRPr b="0" lang="en-US" sz="2800" spc="-1" strike="noStrike">
+            <a:endParaRPr lang="en-US" sz="2800" b="0" strike="noStrike" spc="-1">
               <a:latin typeface="Arial"/>
             </a:endParaRPr>
           </a:p>
@@ -7514,11 +9016,14 @@
       </p:sp>
     </p:spTree>
   </p:cSld>
-  <mc:AlternateContent>
+  <p:clrMapOvr>
+    <a:masterClrMapping/>
+  </p:clrMapOvr>
+  <mc:AlternateContent xmlns:mc="http://schemas.openxmlformats.org/markup-compatibility/2006" xmlns:p14="http://schemas.microsoft.com/office/powerpoint/2010/main">
     <mc:Choice Requires="p14">
       <p:transition spd="slow" p14:dur="2000"/>
     </mc:Choice>
-    <mc:Fallback>
+    <mc:Fallback xmlns:p15="http://schemas.microsoft.com/office/powerpoint/2012/main" xmlns="">
       <p:transition spd="slow"/>
     </mc:Fallback>
   </mc:AlternateContent>
@@ -7526,7 +9031,7 @@
 </file>
 
 <file path=ppt/slides/slide5.xml><?xml version="1.0" encoding="utf-8"?>
-<p:sld xmlns:a="http://schemas.openxmlformats.org/drawingml/2006/main" xmlns:p="http://schemas.openxmlformats.org/presentationml/2006/main" xmlns:r="http://schemas.openxmlformats.org/officeDocument/2006/relationships" xmlns:p14="http://schemas.microsoft.com/office/powerpoint/2010/main" xmlns:p15="http://schemas.microsoft.com/office/powerpoint/2012/main" xmlns:mc="http://schemas.openxmlformats.org/markup-compatibility/2006">
+<p:sld xmlns:a="http://schemas.openxmlformats.org/drawingml/2006/main" xmlns:r="http://schemas.openxmlformats.org/officeDocument/2006/relationships" xmlns:p="http://schemas.openxmlformats.org/presentationml/2006/main">
   <p:cSld>
     <p:spTree>
       <p:nvGrpSpPr>
@@ -7562,15 +9067,22 @@
           </a:ln>
         </p:spPr>
         <p:style>
-          <a:lnRef idx="0"/>
-          <a:fillRef idx="0"/>
-          <a:effectRef idx="0"/>
+          <a:lnRef idx="0">
+            <a:scrgbClr r="0" g="0" b="0"/>
+          </a:lnRef>
+          <a:fillRef idx="0">
+            <a:scrgbClr r="0" g="0" b="0"/>
+          </a:fillRef>
+          <a:effectRef idx="0">
+            <a:scrgbClr r="0" g="0" b="0"/>
+          </a:effectRef>
           <a:fontRef idx="minor"/>
         </p:style>
         <p:txBody>
-          <a:bodyPr lIns="90000" rIns="90000" tIns="45000" bIns="45000" anchor="ctr">
+          <a:bodyPr lIns="90000" tIns="45000" rIns="90000" bIns="45000" anchor="ctr">
             <a:normAutofit/>
           </a:bodyPr>
+          <a:lstStyle/>
           <a:p>
             <a:pPr>
               <a:lnSpc>
@@ -7578,16 +9090,16 @@
               </a:lnSpc>
             </a:pPr>
             <a:r>
-              <a:rPr b="0" lang="en-US" sz="3600" spc="-1" strike="noStrike">
+              <a:rPr lang="en-US" sz="3600" b="0" strike="noStrike" spc="-1">
                 <a:solidFill>
-                  <a:srgbClr val="7030a0"/>
+                  <a:srgbClr val="7030A0"/>
                 </a:solidFill>
                 <a:latin typeface="Calibri"/>
                 <a:ea typeface="DejaVu Sans"/>
               </a:rPr>
               <a:t>Objects includes</a:t>
             </a:r>
-            <a:endParaRPr b="0" lang="en-US" sz="3600" spc="-1" strike="noStrike">
+            <a:endParaRPr lang="en-US" sz="3600" b="0" strike="noStrike" spc="-1">
               <a:latin typeface="Arial"/>
             </a:endParaRPr>
           </a:p>
@@ -7613,15 +9125,22 @@
           </a:ln>
         </p:spPr>
         <p:style>
-          <a:lnRef idx="0"/>
-          <a:fillRef idx="0"/>
-          <a:effectRef idx="0"/>
+          <a:lnRef idx="0">
+            <a:scrgbClr r="0" g="0" b="0"/>
+          </a:lnRef>
+          <a:fillRef idx="0">
+            <a:scrgbClr r="0" g="0" b="0"/>
+          </a:fillRef>
+          <a:effectRef idx="0">
+            <a:scrgbClr r="0" g="0" b="0"/>
+          </a:effectRef>
           <a:fontRef idx="minor"/>
         </p:style>
         <p:txBody>
-          <a:bodyPr lIns="90000" rIns="90000" tIns="45000" bIns="45000">
+          <a:bodyPr lIns="90000" tIns="45000" rIns="90000" bIns="45000">
             <a:noAutofit/>
           </a:bodyPr>
+          <a:lstStyle/>
           <a:p>
             <a:pPr marL="343080" indent="-342000">
               <a:lnSpc>
@@ -7637,7 +9156,7 @@
               <a:buChar char="•"/>
             </a:pPr>
             <a:r>
-              <a:rPr b="0" lang="en-US" sz="2800" spc="-1" strike="noStrike">
+              <a:rPr lang="en-US" sz="2800" b="0" strike="noStrike" spc="-1">
                 <a:solidFill>
                   <a:srgbClr val="002060"/>
                 </a:solidFill>
@@ -7646,7 +9165,7 @@
               </a:rPr>
               <a:t>Users</a:t>
             </a:r>
-            <a:endParaRPr b="0" lang="en-US" sz="2800" spc="-1" strike="noStrike">
+            <a:endParaRPr lang="en-US" sz="2800" b="0" strike="noStrike" spc="-1">
               <a:latin typeface="Arial"/>
             </a:endParaRPr>
           </a:p>
@@ -7665,7 +9184,7 @@
               <a:buChar char="•"/>
             </a:pPr>
             <a:r>
-              <a:rPr b="0" lang="en-US" sz="2800" spc="-1" strike="noStrike">
+              <a:rPr lang="en-US" sz="2800" b="0" strike="noStrike" spc="-1">
                 <a:solidFill>
                   <a:srgbClr val="002060"/>
                 </a:solidFill>
@@ -7674,7 +9193,7 @@
               </a:rPr>
               <a:t>Groups </a:t>
             </a:r>
-            <a:endParaRPr b="0" lang="en-US" sz="2800" spc="-1" strike="noStrike">
+            <a:endParaRPr lang="en-US" sz="2800" b="0" strike="noStrike" spc="-1">
               <a:latin typeface="Arial"/>
             </a:endParaRPr>
           </a:p>
@@ -7693,7 +9212,7 @@
               <a:buChar char="•"/>
             </a:pPr>
             <a:r>
-              <a:rPr b="0" lang="en-US" sz="2800" spc="-1" strike="noStrike">
+              <a:rPr lang="en-US" sz="2800" b="0" strike="noStrike" spc="-1">
                 <a:solidFill>
                   <a:srgbClr val="002060"/>
                 </a:solidFill>
@@ -7702,7 +9221,7 @@
               </a:rPr>
               <a:t>Applications</a:t>
             </a:r>
-            <a:endParaRPr b="0" lang="en-US" sz="2800" spc="-1" strike="noStrike">
+            <a:endParaRPr lang="en-US" sz="2800" b="0" strike="noStrike" spc="-1">
               <a:latin typeface="Arial"/>
             </a:endParaRPr>
           </a:p>
@@ -7721,7 +9240,7 @@
               <a:buChar char="•"/>
             </a:pPr>
             <a:r>
-              <a:rPr b="0" lang="en-US" sz="2800" spc="-1" strike="noStrike">
+              <a:rPr lang="en-US" sz="2800" b="0" strike="noStrike" spc="-1">
                 <a:solidFill>
                   <a:srgbClr val="002060"/>
                 </a:solidFill>
@@ -7730,7 +9249,7 @@
               </a:rPr>
               <a:t>Devices</a:t>
             </a:r>
-            <a:endParaRPr b="0" lang="en-US" sz="2800" spc="-1" strike="noStrike">
+            <a:endParaRPr lang="en-US" sz="2800" b="0" strike="noStrike" spc="-1">
               <a:latin typeface="Arial"/>
             </a:endParaRPr>
           </a:p>
@@ -7749,7 +9268,7 @@
               <a:buChar char="•"/>
             </a:pPr>
             <a:r>
-              <a:rPr b="0" lang="en-US" sz="2800" spc="-1" strike="noStrike">
+              <a:rPr lang="en-US" sz="2800" b="0" strike="noStrike" spc="-1">
                 <a:solidFill>
                   <a:srgbClr val="002060"/>
                 </a:solidFill>
@@ -7758,7 +9277,7 @@
               </a:rPr>
               <a:t>Which categorized according to their name add attributes</a:t>
             </a:r>
-            <a:endParaRPr b="0" lang="en-US" sz="2800" spc="-1" strike="noStrike">
+            <a:endParaRPr lang="en-US" sz="2800" b="0" strike="noStrike" spc="-1">
               <a:latin typeface="Arial"/>
             </a:endParaRPr>
           </a:p>
@@ -7766,11 +9285,14 @@
       </p:sp>
     </p:spTree>
   </p:cSld>
-  <mc:AlternateContent>
+  <p:clrMapOvr>
+    <a:masterClrMapping/>
+  </p:clrMapOvr>
+  <mc:AlternateContent xmlns:mc="http://schemas.openxmlformats.org/markup-compatibility/2006" xmlns:p14="http://schemas.microsoft.com/office/powerpoint/2010/main">
     <mc:Choice Requires="p14">
       <p:transition spd="slow" p14:dur="2000"/>
     </mc:Choice>
-    <mc:Fallback>
+    <mc:Fallback xmlns:p15="http://schemas.microsoft.com/office/powerpoint/2012/main" xmlns="">
       <p:transition spd="slow"/>
     </mc:Fallback>
   </mc:AlternateContent>
@@ -7778,7 +9300,7 @@
 </file>
 
 <file path=ppt/slides/slide6.xml><?xml version="1.0" encoding="utf-8"?>
-<p:sld xmlns:a="http://schemas.openxmlformats.org/drawingml/2006/main" xmlns:p="http://schemas.openxmlformats.org/presentationml/2006/main" xmlns:r="http://schemas.openxmlformats.org/officeDocument/2006/relationships" xmlns:p14="http://schemas.microsoft.com/office/powerpoint/2010/main" xmlns:p15="http://schemas.microsoft.com/office/powerpoint/2012/main" xmlns:mc="http://schemas.openxmlformats.org/markup-compatibility/2006">
+<p:sld xmlns:a="http://schemas.openxmlformats.org/drawingml/2006/main" xmlns:r="http://schemas.openxmlformats.org/officeDocument/2006/relationships" xmlns:p="http://schemas.openxmlformats.org/presentationml/2006/main">
   <p:cSld>
     <p:spTree>
       <p:nvGrpSpPr>
@@ -7814,15 +9336,22 @@
           </a:ln>
         </p:spPr>
         <p:style>
-          <a:lnRef idx="0"/>
-          <a:fillRef idx="0"/>
-          <a:effectRef idx="0"/>
+          <a:lnRef idx="0">
+            <a:scrgbClr r="0" g="0" b="0"/>
+          </a:lnRef>
+          <a:fillRef idx="0">
+            <a:scrgbClr r="0" g="0" b="0"/>
+          </a:fillRef>
+          <a:effectRef idx="0">
+            <a:scrgbClr r="0" g="0" b="0"/>
+          </a:effectRef>
           <a:fontRef idx="minor"/>
         </p:style>
         <p:txBody>
-          <a:bodyPr lIns="90000" rIns="90000" tIns="45000" bIns="45000" anchor="ctr">
+          <a:bodyPr lIns="90000" tIns="45000" rIns="90000" bIns="45000" anchor="ctr">
             <a:noAutofit/>
           </a:bodyPr>
+          <a:lstStyle/>
           <a:p>
             <a:pPr>
               <a:lnSpc>
@@ -7830,16 +9359,16 @@
               </a:lnSpc>
             </a:pPr>
             <a:r>
-              <a:rPr b="0" lang="en-US" sz="3600" spc="-1" strike="noStrike">
+              <a:rPr lang="en-US" sz="3600" b="0" strike="noStrike" spc="-1">
                 <a:solidFill>
-                  <a:srgbClr val="7030a0"/>
+                  <a:srgbClr val="7030A0"/>
                 </a:solidFill>
                 <a:latin typeface="Calibri"/>
                 <a:ea typeface="DejaVu Sans"/>
               </a:rPr>
               <a:t>Domain Controller</a:t>
             </a:r>
-            <a:endParaRPr b="0" lang="en-US" sz="3600" spc="-1" strike="noStrike">
+            <a:endParaRPr lang="en-US" sz="3600" b="0" strike="noStrike" spc="-1">
               <a:latin typeface="Arial"/>
             </a:endParaRPr>
           </a:p>
@@ -7865,15 +9394,22 @@
           </a:ln>
         </p:spPr>
         <p:style>
-          <a:lnRef idx="0"/>
-          <a:fillRef idx="0"/>
-          <a:effectRef idx="0"/>
+          <a:lnRef idx="0">
+            <a:scrgbClr r="0" g="0" b="0"/>
+          </a:lnRef>
+          <a:fillRef idx="0">
+            <a:scrgbClr r="0" g="0" b="0"/>
+          </a:fillRef>
+          <a:effectRef idx="0">
+            <a:scrgbClr r="0" g="0" b="0"/>
+          </a:effectRef>
           <a:fontRef idx="minor"/>
         </p:style>
         <p:txBody>
-          <a:bodyPr lIns="90000" rIns="90000" tIns="45000" bIns="45000">
-            <a:normAutofit fontScale="70000"/>
-          </a:bodyPr>
+          <a:bodyPr lIns="90000" tIns="45000" rIns="90000" bIns="45000">
+            <a:normAutofit lnSpcReduction="10000"/>
+          </a:bodyPr>
+          <a:lstStyle/>
           <a:p>
             <a:pPr marL="343080" indent="-342000">
               <a:lnSpc>
@@ -7889,7 +9425,7 @@
               <a:buChar char="•"/>
             </a:pPr>
             <a:r>
-              <a:rPr b="0" lang="en-US" sz="2800" spc="-1" strike="noStrike">
+              <a:rPr lang="en-US" sz="2800" b="0" strike="noStrike" spc="-1">
                 <a:solidFill>
                   <a:srgbClr val="002060"/>
                 </a:solidFill>
@@ -7899,7 +9435,7 @@
               <a:t>A server running the AD </a:t>
             </a:r>
             <a:r>
-              <a:rPr b="1" lang="en-US" sz="2800" spc="-1" strike="noStrike">
+              <a:rPr lang="en-US" sz="2800" b="1" strike="noStrike" spc="-1">
                 <a:solidFill>
                   <a:srgbClr val="002060"/>
                 </a:solidFill>
@@ -7909,7 +9445,7 @@
               <a:t>Domain Service</a:t>
             </a:r>
             <a:r>
-              <a:rPr b="0" lang="en-US" sz="2800" spc="-1" strike="noStrike">
+              <a:rPr lang="en-US" sz="2800" b="0" strike="noStrike" spc="-1">
                 <a:solidFill>
                   <a:srgbClr val="002060"/>
                 </a:solidFill>
@@ -7919,7 +9455,7 @@
               <a:t> (</a:t>
             </a:r>
             <a:r>
-              <a:rPr b="1" lang="en-US" sz="2800" spc="-1" strike="noStrike">
+              <a:rPr lang="en-US" sz="2800" b="1" strike="noStrike" spc="-1">
                 <a:solidFill>
                   <a:srgbClr val="002060"/>
                 </a:solidFill>
@@ -7929,7 +9465,7 @@
               <a:t>AD DS</a:t>
             </a:r>
             <a:r>
-              <a:rPr b="0" lang="en-US" sz="2800" spc="-1" strike="noStrike">
+              <a:rPr lang="en-US" sz="2800" b="0" strike="noStrike" spc="-1">
                 <a:solidFill>
                   <a:srgbClr val="002060"/>
                 </a:solidFill>
@@ -7939,7 +9475,7 @@
               <a:t>) role is called a </a:t>
             </a:r>
             <a:r>
-              <a:rPr b="1" lang="en-US" sz="2800" spc="-1" strike="noStrike">
+              <a:rPr lang="en-US" sz="2800" b="1" strike="noStrike" spc="-1">
                 <a:solidFill>
                   <a:srgbClr val="002060"/>
                 </a:solidFill>
@@ -7949,7 +9485,7 @@
               <a:t>domain controller</a:t>
             </a:r>
             <a:r>
-              <a:rPr b="0" lang="en-US" sz="2800" spc="-1" strike="noStrike">
+              <a:rPr lang="en-US" sz="2800" b="0" strike="noStrike" spc="-1">
                 <a:solidFill>
                   <a:srgbClr val="002060"/>
                 </a:solidFill>
@@ -7958,7 +9494,7 @@
               </a:rPr>
               <a:t>.</a:t>
             </a:r>
-            <a:endParaRPr b="0" lang="en-US" sz="2800" spc="-1" strike="noStrike">
+            <a:endParaRPr lang="en-US" sz="2800" b="0" strike="noStrike" spc="-1">
               <a:latin typeface="Arial"/>
             </a:endParaRPr>
           </a:p>
@@ -7977,7 +9513,7 @@
               <a:buChar char="•"/>
             </a:pPr>
             <a:r>
-              <a:rPr b="0" lang="en-US" sz="2800" spc="-1" strike="noStrike">
+              <a:rPr lang="en-US" sz="2800" b="0" strike="noStrike" spc="-1">
                 <a:solidFill>
                   <a:srgbClr val="002060"/>
                 </a:solidFill>
@@ -7986,7 +9522,7 @@
               </a:rPr>
               <a:t>It authenticates and authorizes all users and computers.</a:t>
             </a:r>
-            <a:endParaRPr b="0" lang="en-US" sz="2800" spc="-1" strike="noStrike">
+            <a:endParaRPr lang="en-US" sz="2800" b="0" strike="noStrike" spc="-1">
               <a:latin typeface="Arial"/>
             </a:endParaRPr>
           </a:p>
@@ -8005,7 +9541,7 @@
               <a:buChar char="•"/>
             </a:pPr>
             <a:r>
-              <a:rPr b="0" lang="en-US" sz="2800" spc="-1" strike="noStrike">
+              <a:rPr lang="en-US" sz="2800" b="0" strike="noStrike" spc="-1">
                 <a:solidFill>
                   <a:srgbClr val="002060"/>
                 </a:solidFill>
@@ -8014,7 +9550,7 @@
               </a:rPr>
               <a:t>A domain controller is contacted when a user logs into a device.</a:t>
             </a:r>
-            <a:endParaRPr b="0" lang="en-US" sz="2800" spc="-1" strike="noStrike">
+            <a:endParaRPr lang="en-US" sz="2800" b="0" strike="noStrike" spc="-1">
               <a:latin typeface="Arial"/>
             </a:endParaRPr>
           </a:p>
@@ -8033,7 +9569,7 @@
               <a:buChar char="•"/>
             </a:pPr>
             <a:r>
-              <a:rPr b="0" lang="en-US" sz="2800" spc="-1" strike="noStrike">
+              <a:rPr lang="en-US" sz="2800" b="0" strike="noStrike" spc="-1">
                 <a:solidFill>
                   <a:srgbClr val="002060"/>
                 </a:solidFill>
@@ -8042,7 +9578,7 @@
               </a:rPr>
               <a:t>OR accesses another device across the network.</a:t>
             </a:r>
-            <a:endParaRPr b="0" lang="en-US" sz="2800" spc="-1" strike="noStrike">
+            <a:endParaRPr lang="en-US" sz="2800" b="0" strike="noStrike" spc="-1">
               <a:latin typeface="Arial"/>
             </a:endParaRPr>
           </a:p>
@@ -8055,7 +9591,7 @@
                 <a:spcPts val="561"/>
               </a:spcBef>
             </a:pPr>
-            <a:endParaRPr b="0" lang="en-US" sz="2800" spc="-1" strike="noStrike">
+            <a:endParaRPr lang="en-US" sz="2800" b="0" strike="noStrike" spc="-1">
               <a:latin typeface="Arial"/>
             </a:endParaRPr>
           </a:p>
@@ -8063,11 +9599,14 @@
       </p:sp>
     </p:spTree>
   </p:cSld>
-  <mc:AlternateContent>
+  <p:clrMapOvr>
+    <a:masterClrMapping/>
+  </p:clrMapOvr>
+  <mc:AlternateContent xmlns:mc="http://schemas.openxmlformats.org/markup-compatibility/2006" xmlns:p14="http://schemas.microsoft.com/office/powerpoint/2010/main">
     <mc:Choice Requires="p14">
       <p:transition spd="slow" p14:dur="2000"/>
     </mc:Choice>
-    <mc:Fallback>
+    <mc:Fallback xmlns:p15="http://schemas.microsoft.com/office/powerpoint/2012/main" xmlns="">
       <p:transition spd="slow"/>
     </mc:Fallback>
   </mc:AlternateContent>
@@ -8075,7 +9614,7 @@
 </file>
 
 <file path=ppt/slides/slide7.xml><?xml version="1.0" encoding="utf-8"?>
-<p:sld xmlns:a="http://schemas.openxmlformats.org/drawingml/2006/main" xmlns:p="http://schemas.openxmlformats.org/presentationml/2006/main" xmlns:r="http://schemas.openxmlformats.org/officeDocument/2006/relationships" xmlns:p14="http://schemas.microsoft.com/office/powerpoint/2010/main" xmlns:p15="http://schemas.microsoft.com/office/powerpoint/2012/main" xmlns:mc="http://schemas.openxmlformats.org/markup-compatibility/2006">
+<p:sld xmlns:a="http://schemas.openxmlformats.org/drawingml/2006/main" xmlns:r="http://schemas.openxmlformats.org/officeDocument/2006/relationships" xmlns:p="http://schemas.openxmlformats.org/presentationml/2006/main">
   <p:cSld>
     <p:spTree>
       <p:nvGrpSpPr>
@@ -8111,15 +9650,22 @@
           </a:ln>
         </p:spPr>
         <p:style>
-          <a:lnRef idx="0"/>
-          <a:fillRef idx="0"/>
-          <a:effectRef idx="0"/>
+          <a:lnRef idx="0">
+            <a:scrgbClr r="0" g="0" b="0"/>
+          </a:lnRef>
+          <a:fillRef idx="0">
+            <a:scrgbClr r="0" g="0" b="0"/>
+          </a:fillRef>
+          <a:effectRef idx="0">
+            <a:scrgbClr r="0" g="0" b="0"/>
+          </a:effectRef>
           <a:fontRef idx="minor"/>
         </p:style>
         <p:txBody>
-          <a:bodyPr lIns="90000" rIns="90000" tIns="45000" bIns="45000" anchor="ctr">
+          <a:bodyPr lIns="90000" tIns="45000" rIns="90000" bIns="45000" anchor="ctr">
             <a:noAutofit/>
           </a:bodyPr>
+          <a:lstStyle/>
           <a:p>
             <a:pPr>
               <a:lnSpc>
@@ -8127,16 +9673,16 @@
               </a:lnSpc>
             </a:pPr>
             <a:r>
-              <a:rPr b="0" lang="en-US" sz="3600" spc="-1" strike="noStrike">
+              <a:rPr lang="en-US" sz="3600" b="0" strike="noStrike" spc="-1">
                 <a:solidFill>
-                  <a:srgbClr val="7030a0"/>
+                  <a:srgbClr val="7030A0"/>
                 </a:solidFill>
                 <a:latin typeface="Calibri"/>
                 <a:ea typeface="DejaVu Sans"/>
               </a:rPr>
               <a:t>Domain Services</a:t>
             </a:r>
-            <a:endParaRPr b="0" lang="en-US" sz="3600" spc="-1" strike="noStrike">
+            <a:endParaRPr lang="en-US" sz="3600" b="0" strike="noStrike" spc="-1">
               <a:latin typeface="Arial"/>
             </a:endParaRPr>
           </a:p>
@@ -8162,15 +9708,22 @@
           </a:ln>
         </p:spPr>
         <p:style>
-          <a:lnRef idx="0"/>
-          <a:fillRef idx="0"/>
-          <a:effectRef idx="0"/>
+          <a:lnRef idx="0">
+            <a:scrgbClr r="0" g="0" b="0"/>
+          </a:lnRef>
+          <a:fillRef idx="0">
+            <a:scrgbClr r="0" g="0" b="0"/>
+          </a:fillRef>
+          <a:effectRef idx="0">
+            <a:scrgbClr r="0" g="0" b="0"/>
+          </a:effectRef>
           <a:fontRef idx="minor"/>
         </p:style>
         <p:txBody>
-          <a:bodyPr lIns="90000" rIns="90000" tIns="45000" bIns="45000">
+          <a:bodyPr lIns="90000" tIns="45000" rIns="90000" bIns="45000">
             <a:noAutofit/>
           </a:bodyPr>
+          <a:lstStyle/>
           <a:p>
             <a:pPr marL="343080" indent="-342000">
               <a:lnSpc>
@@ -8186,7 +9739,7 @@
               <a:buChar char="•"/>
             </a:pPr>
             <a:r>
-              <a:rPr b="0" lang="en-US" sz="2800" spc="-1" strike="noStrike">
+              <a:rPr lang="en-US" sz="2800" b="0" strike="noStrike" spc="-1">
                 <a:solidFill>
                   <a:srgbClr val="002060"/>
                 </a:solidFill>
@@ -8195,7 +9748,7 @@
               </a:rPr>
               <a:t>Active Directory Domain Services (AD DS) is the foundation stone of every Windows domain network.</a:t>
             </a:r>
-            <a:endParaRPr b="0" lang="en-US" sz="2800" spc="-1" strike="noStrike">
+            <a:endParaRPr lang="en-US" sz="2800" b="0" strike="noStrike" spc="-1">
               <a:latin typeface="Arial"/>
             </a:endParaRPr>
           </a:p>
@@ -8214,7 +9767,7 @@
               <a:buChar char="•"/>
             </a:pPr>
             <a:r>
-              <a:rPr b="0" lang="en-US" sz="2800" spc="-1" strike="noStrike">
+              <a:rPr lang="en-US" sz="2800" b="0" strike="noStrike" spc="-1">
                 <a:solidFill>
                   <a:srgbClr val="002060"/>
                 </a:solidFill>
@@ -8223,7 +9776,7 @@
               </a:rPr>
               <a:t>It stores information about members of the domain.</a:t>
             </a:r>
-            <a:endParaRPr b="0" lang="en-US" sz="2800" spc="-1" strike="noStrike">
+            <a:endParaRPr lang="en-US" sz="2800" b="0" strike="noStrike" spc="-1">
               <a:latin typeface="Arial"/>
             </a:endParaRPr>
           </a:p>
@@ -8242,7 +9795,7 @@
               <a:buChar char="•"/>
             </a:pPr>
             <a:r>
-              <a:rPr b="0" lang="en-US" sz="2800" spc="-1" strike="noStrike">
+              <a:rPr lang="en-US" sz="2800" b="0" strike="noStrike" spc="-1">
                 <a:solidFill>
                   <a:srgbClr val="002060"/>
                 </a:solidFill>
@@ -8251,7 +9804,7 @@
               </a:rPr>
               <a:t>Defines their access rights.</a:t>
             </a:r>
-            <a:endParaRPr b="0" lang="en-US" sz="2800" spc="-1" strike="noStrike">
+            <a:endParaRPr lang="en-US" sz="2800" b="0" strike="noStrike" spc="-1">
               <a:latin typeface="Arial"/>
             </a:endParaRPr>
           </a:p>
@@ -8270,7 +9823,7 @@
               <a:buChar char="•"/>
             </a:pPr>
             <a:r>
-              <a:rPr b="0" lang="en-US" sz="2800" spc="-1" strike="noStrike">
+              <a:rPr lang="en-US" sz="2800" b="0" strike="noStrike" spc="-1">
                 <a:solidFill>
                   <a:srgbClr val="002060"/>
                 </a:solidFill>
@@ -8280,7 +9833,7 @@
               <a:t>The server running this service is called a </a:t>
             </a:r>
             <a:r>
-              <a:rPr b="1" lang="en-US" sz="2800" spc="-1" strike="noStrike">
+              <a:rPr lang="en-US" sz="2800" b="1" strike="noStrike" spc="-1">
                 <a:solidFill>
                   <a:srgbClr val="002060"/>
                 </a:solidFill>
@@ -8290,7 +9843,7 @@
               <a:t>domain controller</a:t>
             </a:r>
             <a:r>
-              <a:rPr b="0" lang="en-US" sz="2800" spc="-1" strike="noStrike">
+              <a:rPr lang="en-US" sz="2800" b="0" strike="noStrike" spc="-1">
                 <a:solidFill>
                   <a:srgbClr val="002060"/>
                 </a:solidFill>
@@ -8299,7 +9852,7 @@
               </a:rPr>
               <a:t>. </a:t>
             </a:r>
-            <a:endParaRPr b="0" lang="en-US" sz="2800" spc="-1" strike="noStrike">
+            <a:endParaRPr lang="en-US" sz="2800" b="0" strike="noStrike" spc="-1">
               <a:latin typeface="Arial"/>
             </a:endParaRPr>
           </a:p>
@@ -8312,7 +9865,7 @@
                 <a:spcPts val="561"/>
               </a:spcBef>
             </a:pPr>
-            <a:endParaRPr b="0" lang="en-US" sz="2800" spc="-1" strike="noStrike">
+            <a:endParaRPr lang="en-US" sz="2800" b="0" strike="noStrike" spc="-1">
               <a:latin typeface="Arial"/>
             </a:endParaRPr>
           </a:p>
@@ -8320,11 +9873,14 @@
       </p:sp>
     </p:spTree>
   </p:cSld>
-  <mc:AlternateContent>
+  <p:clrMapOvr>
+    <a:masterClrMapping/>
+  </p:clrMapOvr>
+  <mc:AlternateContent xmlns:mc="http://schemas.openxmlformats.org/markup-compatibility/2006" xmlns:p14="http://schemas.microsoft.com/office/powerpoint/2010/main">
     <mc:Choice Requires="p14">
       <p:transition spd="slow" p14:dur="2000"/>
     </mc:Choice>
-    <mc:Fallback>
+    <mc:Fallback xmlns:p15="http://schemas.microsoft.com/office/powerpoint/2012/main" xmlns="">
       <p:transition spd="slow"/>
     </mc:Fallback>
   </mc:AlternateContent>
@@ -8332,7 +9888,7 @@
 </file>
 
 <file path=ppt/slides/slide8.xml><?xml version="1.0" encoding="utf-8"?>
-<p:sld xmlns:a="http://schemas.openxmlformats.org/drawingml/2006/main" xmlns:p="http://schemas.openxmlformats.org/presentationml/2006/main" xmlns:r="http://schemas.openxmlformats.org/officeDocument/2006/relationships" xmlns:p14="http://schemas.microsoft.com/office/powerpoint/2010/main" xmlns:p15="http://schemas.microsoft.com/office/powerpoint/2012/main" xmlns:mc="http://schemas.openxmlformats.org/markup-compatibility/2006">
+<p:sld xmlns:a="http://schemas.openxmlformats.org/drawingml/2006/main" xmlns:r="http://schemas.openxmlformats.org/officeDocument/2006/relationships" xmlns:p="http://schemas.openxmlformats.org/presentationml/2006/main">
   <p:cSld>
     <p:spTree>
       <p:nvGrpSpPr>
@@ -8368,15 +9924,22 @@
           </a:ln>
         </p:spPr>
         <p:style>
-          <a:lnRef idx="0"/>
-          <a:fillRef idx="0"/>
-          <a:effectRef idx="0"/>
+          <a:lnRef idx="0">
+            <a:scrgbClr r="0" g="0" b="0"/>
+          </a:lnRef>
+          <a:fillRef idx="0">
+            <a:scrgbClr r="0" g="0" b="0"/>
+          </a:fillRef>
+          <a:effectRef idx="0">
+            <a:scrgbClr r="0" g="0" b="0"/>
+          </a:effectRef>
           <a:fontRef idx="minor"/>
         </p:style>
         <p:txBody>
-          <a:bodyPr lIns="90000" rIns="90000" tIns="45000" bIns="45000" anchor="ctr">
+          <a:bodyPr lIns="90000" tIns="45000" rIns="90000" bIns="45000" anchor="ctr">
             <a:noAutofit/>
           </a:bodyPr>
+          <a:lstStyle/>
           <a:p>
             <a:pPr>
               <a:lnSpc>
@@ -8384,16 +9947,16 @@
               </a:lnSpc>
             </a:pPr>
             <a:r>
-              <a:rPr b="0" lang="en-US" sz="3600" spc="-1" strike="noStrike">
+              <a:rPr lang="en-US" sz="3600" b="0" strike="noStrike" spc="-1">
                 <a:solidFill>
-                  <a:srgbClr val="7030a0"/>
+                  <a:srgbClr val="7030A0"/>
                 </a:solidFill>
                 <a:latin typeface="Calibri"/>
                 <a:ea typeface="DejaVu Sans"/>
               </a:rPr>
               <a:t>Domain Services Examples</a:t>
             </a:r>
-            <a:endParaRPr b="0" lang="en-US" sz="3600" spc="-1" strike="noStrike">
+            <a:endParaRPr lang="en-US" sz="3600" b="0" strike="noStrike" spc="-1">
               <a:latin typeface="Arial"/>
             </a:endParaRPr>
           </a:p>
@@ -8419,15 +9982,22 @@
           </a:ln>
         </p:spPr>
         <p:style>
-          <a:lnRef idx="0"/>
-          <a:fillRef idx="0"/>
-          <a:effectRef idx="0"/>
+          <a:lnRef idx="0">
+            <a:scrgbClr r="0" g="0" b="0"/>
+          </a:lnRef>
+          <a:fillRef idx="0">
+            <a:scrgbClr r="0" g="0" b="0"/>
+          </a:fillRef>
+          <a:effectRef idx="0">
+            <a:scrgbClr r="0" g="0" b="0"/>
+          </a:effectRef>
           <a:fontRef idx="minor"/>
         </p:style>
         <p:txBody>
-          <a:bodyPr lIns="90000" rIns="90000" tIns="45000" bIns="45000">
+          <a:bodyPr lIns="90000" tIns="45000" rIns="90000" bIns="45000">
             <a:noAutofit/>
           </a:bodyPr>
+          <a:lstStyle/>
           <a:p>
             <a:pPr marL="343080" indent="-342000">
               <a:lnSpc>
@@ -8443,7 +10013,7 @@
               <a:buChar char="•"/>
             </a:pPr>
             <a:r>
-              <a:rPr b="0" lang="en-US" sz="2800" spc="-1" strike="noStrike">
+              <a:rPr lang="en-US" sz="2800" b="0" strike="noStrike" spc="-1">
                 <a:solidFill>
                   <a:srgbClr val="002060"/>
                 </a:solidFill>
@@ -8452,7 +10022,7 @@
               </a:rPr>
               <a:t>Group Policy</a:t>
             </a:r>
-            <a:endParaRPr b="0" lang="en-US" sz="2800" spc="-1" strike="noStrike">
+            <a:endParaRPr lang="en-US" sz="2800" b="0" strike="noStrike" spc="-1">
               <a:latin typeface="Arial"/>
             </a:endParaRPr>
           </a:p>
@@ -8471,7 +10041,7 @@
               <a:buChar char="•"/>
             </a:pPr>
             <a:r>
-              <a:rPr b="0" lang="en-US" sz="2800" spc="-1" strike="noStrike">
+              <a:rPr lang="en-US" sz="2800" b="0" strike="noStrike" spc="-1">
                 <a:solidFill>
                   <a:srgbClr val="002060"/>
                 </a:solidFill>
@@ -8480,7 +10050,7 @@
               </a:rPr>
               <a:t>Encrypting File System</a:t>
             </a:r>
-            <a:endParaRPr b="0" lang="en-US" sz="2800" spc="-1" strike="noStrike">
+            <a:endParaRPr lang="en-US" sz="2800" b="0" strike="noStrike" spc="-1">
               <a:latin typeface="Arial"/>
             </a:endParaRPr>
           </a:p>
@@ -8499,7 +10069,7 @@
               <a:buChar char="•"/>
             </a:pPr>
             <a:r>
-              <a:rPr b="0" lang="en-US" sz="2800" spc="-1" strike="noStrike">
+              <a:rPr lang="en-US" sz="2800" b="0" strike="noStrike" spc="-1">
                 <a:solidFill>
                   <a:srgbClr val="002060"/>
                 </a:solidFill>
@@ -8508,7 +10078,7 @@
               </a:rPr>
               <a:t>BitLocker</a:t>
             </a:r>
-            <a:endParaRPr b="0" lang="en-US" sz="2800" spc="-1" strike="noStrike">
+            <a:endParaRPr lang="en-US" sz="2800" b="0" strike="noStrike" spc="-1">
               <a:latin typeface="Arial"/>
             </a:endParaRPr>
           </a:p>
@@ -8527,7 +10097,7 @@
               <a:buChar char="•"/>
             </a:pPr>
             <a:r>
-              <a:rPr b="0" lang="en-US" sz="2800" spc="-1" strike="noStrike">
+              <a:rPr lang="en-US" sz="2800" b="0" strike="noStrike" spc="-1">
                 <a:solidFill>
                   <a:srgbClr val="002060"/>
                 </a:solidFill>
@@ -8536,7 +10106,7 @@
               </a:rPr>
               <a:t>Domain Name Services</a:t>
             </a:r>
-            <a:endParaRPr b="0" lang="en-US" sz="2800" spc="-1" strike="noStrike">
+            <a:endParaRPr lang="en-US" sz="2800" b="0" strike="noStrike" spc="-1">
               <a:latin typeface="Arial"/>
             </a:endParaRPr>
           </a:p>
@@ -8555,7 +10125,7 @@
               <a:buChar char="•"/>
             </a:pPr>
             <a:r>
-              <a:rPr b="0" lang="en-US" sz="2800" spc="-1" strike="noStrike">
+              <a:rPr lang="en-US" sz="2800" b="0" strike="noStrike" spc="-1">
                 <a:solidFill>
                   <a:srgbClr val="002060"/>
                 </a:solidFill>
@@ -8564,7 +10134,7 @@
               </a:rPr>
               <a:t>Remote Desktop Services</a:t>
             </a:r>
-            <a:endParaRPr b="0" lang="en-US" sz="2800" spc="-1" strike="noStrike">
+            <a:endParaRPr lang="en-US" sz="2800" b="0" strike="noStrike" spc="-1">
               <a:latin typeface="Arial"/>
             </a:endParaRPr>
           </a:p>
@@ -8577,7 +10147,7 @@
                 <a:spcPts val="561"/>
               </a:spcBef>
             </a:pPr>
-            <a:endParaRPr b="0" lang="en-US" sz="2800" spc="-1" strike="noStrike">
+            <a:endParaRPr lang="en-US" sz="2800" b="0" strike="noStrike" spc="-1">
               <a:latin typeface="Arial"/>
             </a:endParaRPr>
           </a:p>
@@ -8585,14 +10155,123 @@
       </p:sp>
     </p:spTree>
   </p:cSld>
-  <mc:AlternateContent>
+  <p:clrMapOvr>
+    <a:masterClrMapping/>
+  </p:clrMapOvr>
+  <mc:AlternateContent xmlns:mc="http://schemas.openxmlformats.org/markup-compatibility/2006" xmlns:p14="http://schemas.microsoft.com/office/powerpoint/2010/main">
     <mc:Choice Requires="p14">
       <p:transition spd="slow" p14:dur="2000"/>
     </mc:Choice>
-    <mc:Fallback>
+    <mc:Fallback xmlns:p15="http://schemas.microsoft.com/office/powerpoint/2012/main" xmlns="">
       <p:transition spd="slow"/>
     </mc:Fallback>
   </mc:AlternateContent>
+</p:sld>
+</file>
+
+<file path=ppt/slides/slide9.xml><?xml version="1.0" encoding="utf-8"?>
+<p:sld xmlns:a="http://schemas.openxmlformats.org/drawingml/2006/main" xmlns:r="http://schemas.openxmlformats.org/officeDocument/2006/relationships" xmlns:p="http://schemas.openxmlformats.org/presentationml/2006/main">
+  <p:cSld>
+    <p:spTree>
+      <p:nvGrpSpPr>
+        <p:cNvPr id="1" name=""/>
+        <p:cNvGrpSpPr/>
+        <p:nvPr/>
+      </p:nvGrpSpPr>
+      <p:grpSpPr>
+        <a:xfrm>
+          <a:off x="0" y="0"/>
+          <a:ext cx="0" cy="0"/>
+          <a:chOff x="0" y="0"/>
+          <a:chExt cx="0" cy="0"/>
+        </a:xfrm>
+      </p:grpSpPr>
+      <p:sp>
+        <p:nvSpPr>
+          <p:cNvPr id="2" name="Title 1"/>
+          <p:cNvSpPr>
+            <a:spLocks noGrp="1"/>
+          </p:cNvSpPr>
+          <p:nvPr>
+            <p:ph type="title"/>
+          </p:nvPr>
+        </p:nvSpPr>
+        <p:spPr>
+          <a:xfrm>
+            <a:off x="448965" y="1197405"/>
+            <a:ext cx="8246070" cy="763525"/>
+          </a:xfrm>
+        </p:spPr>
+        <p:txBody>
+          <a:bodyPr/>
+          <a:lstStyle/>
+          <a:p>
+            <a:r>
+              <a:rPr lang="en-US" dirty="0"/>
+              <a:t>Lightweight Directory Services</a:t>
+            </a:r>
+          </a:p>
+        </p:txBody>
+      </p:sp>
+      <p:sp>
+        <p:nvSpPr>
+          <p:cNvPr id="3" name="Content Placeholder 2"/>
+          <p:cNvSpPr>
+            <a:spLocks noGrp="1"/>
+          </p:cNvSpPr>
+          <p:nvPr>
+            <p:ph idx="4294967295"/>
+          </p:nvPr>
+        </p:nvSpPr>
+        <p:spPr>
+          <a:xfrm>
+            <a:off x="448965" y="2419045"/>
+            <a:ext cx="8246070" cy="3206806"/>
+          </a:xfrm>
+        </p:spPr>
+        <p:txBody>
+          <a:bodyPr/>
+          <a:lstStyle/>
+          <a:p>
+            <a:r>
+              <a:rPr lang="en-US" dirty="0" smtClean="0"/>
+              <a:t>It </a:t>
+            </a:r>
+            <a:r>
+              <a:rPr lang="en-US" dirty="0"/>
+              <a:t>provides a </a:t>
+            </a:r>
+            <a:r>
+              <a:rPr lang="en-US" i="1" dirty="0"/>
+              <a:t>Data Store</a:t>
+            </a:r>
+            <a:r>
+              <a:rPr lang="en-US" dirty="0"/>
+              <a:t> for the storage of directory data.</a:t>
+            </a:r>
+          </a:p>
+          <a:p>
+            <a:endParaRPr lang="en-US" dirty="0"/>
+          </a:p>
+        </p:txBody>
+      </p:sp>
+    </p:spTree>
+    <p:extLst>
+      <p:ext uri="{BB962C8B-B14F-4D97-AF65-F5344CB8AC3E}">
+        <p14:creationId xmlns:p14="http://schemas.microsoft.com/office/powerpoint/2010/main" val="3984948452"/>
+      </p:ext>
+    </p:extLst>
+  </p:cSld>
+  <p:clrMapOvr>
+    <a:masterClrMapping/>
+  </p:clrMapOvr>
+  <p:timing>
+    <p:tnLst>
+      <p:par>
+        <p:cTn id="1" dur="indefinite" restart="never" nodeType="tmRoot"/>
+      </p:par>
+    </p:tnLst>
+  </p:timing>
 </p:sld>
 </file>
 
@@ -8607,31 +10286,31 @@
         <a:sysClr val="window" lastClr="FFFFFF"/>
       </a:lt1>
       <a:dk2>
-        <a:srgbClr val="1f497d"/>
+        <a:srgbClr val="1F497D"/>
       </a:dk2>
       <a:lt2>
-        <a:srgbClr val="eeece1"/>
+        <a:srgbClr val="EEECE1"/>
       </a:lt2>
       <a:accent1>
-        <a:srgbClr val="4f81bd"/>
+        <a:srgbClr val="4F81BD"/>
       </a:accent1>
       <a:accent2>
-        <a:srgbClr val="c0504d"/>
+        <a:srgbClr val="C0504D"/>
       </a:accent2>
       <a:accent3>
-        <a:srgbClr val="9bbb59"/>
+        <a:srgbClr val="9BBB59"/>
       </a:accent3>
       <a:accent4>
-        <a:srgbClr val="8064a2"/>
+        <a:srgbClr val="8064A2"/>
       </a:accent4>
       <a:accent5>
-        <a:srgbClr val="4bacc6"/>
+        <a:srgbClr val="4BACC6"/>
       </a:accent5>
       <a:accent6>
-        <a:srgbClr val="f79646"/>
+        <a:srgbClr val="F79646"/>
       </a:accent6>
       <a:hlink>
-        <a:srgbClr val="0000ff"/>
+        <a:srgbClr val="0000FF"/>
       </a:hlink>
       <a:folHlink>
         <a:srgbClr val="800080"/>
@@ -8819,6 +10498,8 @@
       </a:bgFillStyleLst>
     </a:fmtScheme>
   </a:themeElements>
+  <a:objectDefaults/>
+  <a:extraClrSchemeLst/>
 </a:theme>
 </file>
 
@@ -8833,31 +10514,31 @@
         <a:sysClr val="window" lastClr="FFFFFF"/>
       </a:lt1>
       <a:dk2>
-        <a:srgbClr val="1f497d"/>
+        <a:srgbClr val="1F497D"/>
       </a:dk2>
       <a:lt2>
-        <a:srgbClr val="eeece1"/>
+        <a:srgbClr val="EEECE1"/>
       </a:lt2>
       <a:accent1>
-        <a:srgbClr val="4f81bd"/>
+        <a:srgbClr val="4F81BD"/>
       </a:accent1>
       <a:accent2>
-        <a:srgbClr val="c0504d"/>
+        <a:srgbClr val="C0504D"/>
       </a:accent2>
       <a:accent3>
-        <a:srgbClr val="9bbb59"/>
+        <a:srgbClr val="9BBB59"/>
       </a:accent3>
       <a:accent4>
-        <a:srgbClr val="8064a2"/>
+        <a:srgbClr val="8064A2"/>
       </a:accent4>
       <a:accent5>
-        <a:srgbClr val="4bacc6"/>
+        <a:srgbClr val="4BACC6"/>
       </a:accent5>
       <a:accent6>
-        <a:srgbClr val="f79646"/>
+        <a:srgbClr val="F79646"/>
       </a:accent6>
       <a:hlink>
-        <a:srgbClr val="0000ff"/>
+        <a:srgbClr val="0000FF"/>
       </a:hlink>
       <a:folHlink>
         <a:srgbClr val="800080"/>
@@ -9045,6 +10726,8 @@
       </a:bgFillStyleLst>
     </a:fmtScheme>
   </a:themeElements>
+  <a:objectDefaults/>
+  <a:extraClrSchemeLst/>
 </a:theme>
 </file>
 
@@ -9059,31 +10742,31 @@
         <a:sysClr val="window" lastClr="FFFFFF"/>
       </a:lt1>
       <a:dk2>
-        <a:srgbClr val="1f497d"/>
+        <a:srgbClr val="1F497D"/>
       </a:dk2>
       <a:lt2>
-        <a:srgbClr val="eeece1"/>
+        <a:srgbClr val="EEECE1"/>
       </a:lt2>
       <a:accent1>
-        <a:srgbClr val="4f81bd"/>
+        <a:srgbClr val="4F81BD"/>
       </a:accent1>
       <a:accent2>
-        <a:srgbClr val="c0504d"/>
+        <a:srgbClr val="C0504D"/>
       </a:accent2>
       <a:accent3>
-        <a:srgbClr val="9bbb59"/>
+        <a:srgbClr val="9BBB59"/>
       </a:accent3>
       <a:accent4>
-        <a:srgbClr val="8064a2"/>
+        <a:srgbClr val="8064A2"/>
       </a:accent4>
       <a:accent5>
-        <a:srgbClr val="4bacc6"/>
+        <a:srgbClr val="4BACC6"/>
       </a:accent5>
       <a:accent6>
-        <a:srgbClr val="f79646"/>
+        <a:srgbClr val="F79646"/>
       </a:accent6>
       <a:hlink>
-        <a:srgbClr val="0000ff"/>
+        <a:srgbClr val="0000FF"/>
       </a:hlink>
       <a:folHlink>
         <a:srgbClr val="800080"/>
@@ -9271,6 +10954,8 @@
       </a:bgFillStyleLst>
     </a:fmtScheme>
   </a:themeElements>
+  <a:objectDefaults/>
+  <a:extraClrSchemeLst/>
 </a:theme>
 </file>
 
@@ -9285,31 +10970,31 @@
         <a:sysClr val="window" lastClr="FFFFFF"/>
       </a:lt1>
       <a:dk2>
-        <a:srgbClr val="1f497d"/>
+        <a:srgbClr val="1F497D"/>
       </a:dk2>
       <a:lt2>
-        <a:srgbClr val="eeece1"/>
+        <a:srgbClr val="EEECE1"/>
       </a:lt2>
       <a:accent1>
-        <a:srgbClr val="4f81bd"/>
+        <a:srgbClr val="4F81BD"/>
       </a:accent1>
       <a:accent2>
-        <a:srgbClr val="c0504d"/>
+        <a:srgbClr val="C0504D"/>
       </a:accent2>
       <a:accent3>
-        <a:srgbClr val="9bbb59"/>
+        <a:srgbClr val="9BBB59"/>
       </a:accent3>
       <a:accent4>
-        <a:srgbClr val="8064a2"/>
+        <a:srgbClr val="8064A2"/>
       </a:accent4>
       <a:accent5>
-        <a:srgbClr val="4bacc6"/>
+        <a:srgbClr val="4BACC6"/>
       </a:accent5>
       <a:accent6>
-        <a:srgbClr val="f79646"/>
+        <a:srgbClr val="F79646"/>
       </a:accent6>
       <a:hlink>
-        <a:srgbClr val="0000ff"/>
+        <a:srgbClr val="0000FF"/>
       </a:hlink>
       <a:folHlink>
         <a:srgbClr val="800080"/>
@@ -9497,5 +11182,7 @@
       </a:bgFillStyleLst>
     </a:fmtScheme>
   </a:themeElements>
+  <a:objectDefaults/>
+  <a:extraClrSchemeLst/>
 </a:theme>
 </file>
--- a/active.pptx
+++ b/active.pptx
@@ -17,6 +17,7 @@
     <p:sldId id="262" r:id="rId11"/>
     <p:sldId id="263" r:id="rId12"/>
     <p:sldId id="264" r:id="rId13"/>
+    <p:sldId id="265" r:id="rId14"/>
   </p:sldIdLst>
   <p:sldSz cx="9144000" cy="5143500" type="screen16x9"/>
   <p:notesSz cx="7772400" cy="10058400"/>
@@ -8258,6 +8259,143 @@
       <p:transition spd="slow"/>
     </mc:Fallback>
   </mc:AlternateContent>
+</p:sld>
+</file>
+
+<file path=ppt/slides/slide10.xml><?xml version="1.0" encoding="utf-8"?>
+<p:sld xmlns:a="http://schemas.openxmlformats.org/drawingml/2006/main" xmlns:r="http://schemas.openxmlformats.org/officeDocument/2006/relationships" xmlns:p="http://schemas.openxmlformats.org/presentationml/2006/main">
+  <p:cSld>
+    <p:spTree>
+      <p:nvGrpSpPr>
+        <p:cNvPr id="1" name=""/>
+        <p:cNvGrpSpPr/>
+        <p:nvPr/>
+      </p:nvGrpSpPr>
+      <p:grpSpPr>
+        <a:xfrm>
+          <a:off x="0" y="0"/>
+          <a:ext cx="0" cy="0"/>
+          <a:chOff x="0" y="0"/>
+          <a:chExt cx="0" cy="0"/>
+        </a:xfrm>
+      </p:grpSpPr>
+      <p:sp>
+        <p:nvSpPr>
+          <p:cNvPr id="2" name="Title 1"/>
+          <p:cNvSpPr>
+            <a:spLocks noGrp="1"/>
+          </p:cNvSpPr>
+          <p:nvPr>
+            <p:ph type="title"/>
+          </p:nvPr>
+        </p:nvSpPr>
+        <p:spPr/>
+        <p:txBody>
+          <a:bodyPr>
+            <a:normAutofit/>
+          </a:bodyPr>
+          <a:lstStyle/>
+          <a:p>
+            <a:r>
+              <a:rPr lang="en-US" dirty="0"/>
+              <a:t>Certificate </a:t>
+            </a:r>
+            <a:r>
+              <a:rPr lang="en-US" dirty="0" smtClean="0"/>
+              <a:t>Services</a:t>
+            </a:r>
+            <a:endParaRPr lang="en-US" dirty="0"/>
+          </a:p>
+        </p:txBody>
+      </p:sp>
+      <p:sp>
+        <p:nvSpPr>
+          <p:cNvPr id="3" name="Content Placeholder 2"/>
+          <p:cNvSpPr>
+            <a:spLocks noGrp="1"/>
+          </p:cNvSpPr>
+          <p:nvPr>
+            <p:ph idx="4294967295"/>
+          </p:nvPr>
+        </p:nvSpPr>
+        <p:spPr/>
+        <p:txBody>
+          <a:bodyPr/>
+          <a:lstStyle/>
+          <a:p>
+            <a:r>
+              <a:rPr lang="en-US" dirty="0"/>
+              <a:t> It can create, validate and revoke public key certificates for internal uses of an </a:t>
+            </a:r>
+            <a:r>
+              <a:rPr lang="en-US" dirty="0" smtClean="0"/>
+              <a:t>organization.</a:t>
+            </a:r>
+          </a:p>
+          <a:p>
+            <a:r>
+              <a:rPr lang="en-US" dirty="0" smtClean="0"/>
+              <a:t>These </a:t>
+            </a:r>
+            <a:r>
+              <a:rPr lang="en-US" dirty="0"/>
+              <a:t>certificates can be used to </a:t>
+            </a:r>
+            <a:r>
+              <a:rPr lang="en-US" dirty="0" smtClean="0"/>
+              <a:t>encrypt:</a:t>
+            </a:r>
+          </a:p>
+          <a:p>
+            <a:pPr lvl="1">
+              <a:buFont typeface="Wingdings" panose="05000000000000000000" pitchFamily="2" charset="2"/>
+              <a:buChar char="Ø"/>
+            </a:pPr>
+            <a:r>
+              <a:rPr lang="en-US" dirty="0" smtClean="0"/>
+              <a:t>Files</a:t>
+            </a:r>
+          </a:p>
+          <a:p>
+            <a:pPr lvl="1">
+              <a:buFont typeface="Wingdings" panose="05000000000000000000" pitchFamily="2" charset="2"/>
+              <a:buChar char="Ø"/>
+            </a:pPr>
+            <a:r>
+              <a:rPr lang="en-US" dirty="0" smtClean="0"/>
+              <a:t>Emails</a:t>
+            </a:r>
+          </a:p>
+          <a:p>
+            <a:pPr lvl="1">
+              <a:buFont typeface="Wingdings" panose="05000000000000000000" pitchFamily="2" charset="2"/>
+              <a:buChar char="Ø"/>
+            </a:pPr>
+            <a:r>
+              <a:rPr lang="en-US" dirty="0" smtClean="0"/>
+              <a:t>Network traffic</a:t>
+            </a:r>
+            <a:endParaRPr lang="en-US" dirty="0"/>
+          </a:p>
+        </p:txBody>
+      </p:sp>
+    </p:spTree>
+    <p:extLst>
+      <p:ext uri="{BB962C8B-B14F-4D97-AF65-F5344CB8AC3E}">
+        <p14:creationId xmlns:p14="http://schemas.microsoft.com/office/powerpoint/2010/main" val="3964479366"/>
+      </p:ext>
+    </p:extLst>
+  </p:cSld>
+  <p:clrMapOvr>
+    <a:masterClrMapping/>
+  </p:clrMapOvr>
+  <p:timing>
+    <p:tnLst>
+      <p:par>
+        <p:cTn id="1" dur="indefinite" restart="never" nodeType="tmRoot"/>
+      </p:par>
+    </p:tnLst>
+  </p:timing>
 </p:sld>
 </file>
 

--- a/active.pptx
+++ b/active.pptx
@@ -18,6 +18,7 @@
     <p:sldId id="263" r:id="rId12"/>
     <p:sldId id="264" r:id="rId13"/>
     <p:sldId id="265" r:id="rId14"/>
+    <p:sldId id="266" r:id="rId15"/>
   </p:sldIdLst>
   <p:sldSz cx="9144000" cy="5143500" type="screen16x9"/>
   <p:notesSz cx="7772400" cy="10058400"/>
@@ -8383,6 +8384,111 @@
     <p:extLst>
       <p:ext uri="{BB962C8B-B14F-4D97-AF65-F5344CB8AC3E}">
         <p14:creationId xmlns:p14="http://schemas.microsoft.com/office/powerpoint/2010/main" val="3964479366"/>
+      </p:ext>
+    </p:extLst>
+  </p:cSld>
+  <p:clrMapOvr>
+    <a:masterClrMapping/>
+  </p:clrMapOvr>
+  <p:timing>
+    <p:tnLst>
+      <p:par>
+        <p:cTn id="1" dur="indefinite" restart="never" nodeType="tmRoot"/>
+      </p:par>
+    </p:tnLst>
+  </p:timing>
+</p:sld>
+</file>
+
+<file path=ppt/slides/slide11.xml><?xml version="1.0" encoding="utf-8"?>
+<p:sld xmlns:a="http://schemas.openxmlformats.org/drawingml/2006/main" xmlns:r="http://schemas.openxmlformats.org/officeDocument/2006/relationships" xmlns:p="http://schemas.openxmlformats.org/presentationml/2006/main">
+  <p:cSld>
+    <p:spTree>
+      <p:nvGrpSpPr>
+        <p:cNvPr id="1" name=""/>
+        <p:cNvGrpSpPr/>
+        <p:nvPr/>
+      </p:nvGrpSpPr>
+      <p:grpSpPr>
+        <a:xfrm>
+          <a:off x="0" y="0"/>
+          <a:ext cx="0" cy="0"/>
+          <a:chOff x="0" y="0"/>
+          <a:chExt cx="0" cy="0"/>
+        </a:xfrm>
+      </p:grpSpPr>
+      <p:sp>
+        <p:nvSpPr>
+          <p:cNvPr id="2" name="Title 1"/>
+          <p:cNvSpPr>
+            <a:spLocks noGrp="1"/>
+          </p:cNvSpPr>
+          <p:nvPr>
+            <p:ph type="title"/>
+          </p:nvPr>
+        </p:nvSpPr>
+        <p:spPr/>
+        <p:txBody>
+          <a:bodyPr>
+            <a:normAutofit/>
+          </a:bodyPr>
+          <a:lstStyle/>
+          <a:p>
+            <a:r>
+              <a:rPr lang="en-US" dirty="0"/>
+              <a:t>Federation </a:t>
+            </a:r>
+            <a:r>
+              <a:rPr lang="en-US" dirty="0" smtClean="0"/>
+              <a:t>Services</a:t>
+            </a:r>
+            <a:endParaRPr lang="en-US" dirty="0"/>
+          </a:p>
+        </p:txBody>
+      </p:sp>
+      <p:sp>
+        <p:nvSpPr>
+          <p:cNvPr id="3" name="Content Placeholder 2"/>
+          <p:cNvSpPr>
+            <a:spLocks noGrp="1"/>
+          </p:cNvSpPr>
+          <p:nvPr>
+            <p:ph idx="4294967295"/>
+          </p:nvPr>
+        </p:nvSpPr>
+        <p:spPr/>
+        <p:txBody>
+          <a:bodyPr/>
+          <a:lstStyle/>
+          <a:p>
+            <a:r>
+              <a:rPr lang="en-US" dirty="0" smtClean="0"/>
+              <a:t>The </a:t>
+            </a:r>
+            <a:r>
+              <a:rPr lang="en-US" dirty="0"/>
+              <a:t>part of the directory </a:t>
+            </a:r>
+            <a:r>
+              <a:rPr lang="en-US" dirty="0" smtClean="0"/>
+              <a:t>which is working for management </a:t>
+            </a:r>
+            <a:r>
+              <a:rPr lang="en-US" dirty="0"/>
+              <a:t>of </a:t>
+            </a:r>
+            <a:r>
+              <a:rPr lang="en-US" dirty="0" smtClean="0"/>
+              <a:t>domains.</a:t>
+            </a:r>
+            <a:endParaRPr lang="en-US" dirty="0"/>
+          </a:p>
+        </p:txBody>
+      </p:sp>
+    </p:spTree>
+    <p:extLst>
+      <p:ext uri="{BB962C8B-B14F-4D97-AF65-F5344CB8AC3E}">
+        <p14:creationId xmlns:p14="http://schemas.microsoft.com/office/powerpoint/2010/main" val="492071843"/>
       </p:ext>
     </p:extLst>
   </p:cSld>

--- a/active.pptx
+++ b/active.pptx
@@ -19,6 +19,7 @@
     <p:sldId id="264" r:id="rId13"/>
     <p:sldId id="265" r:id="rId14"/>
     <p:sldId id="266" r:id="rId15"/>
+    <p:sldId id="267" r:id="rId16"/>
   </p:sldIdLst>
   <p:sldSz cx="9144000" cy="5143500" type="screen16x9"/>
   <p:notesSz cx="7772400" cy="10058400"/>
@@ -8489,6 +8490,168 @@
     <p:extLst>
       <p:ext uri="{BB962C8B-B14F-4D97-AF65-F5344CB8AC3E}">
         <p14:creationId xmlns:p14="http://schemas.microsoft.com/office/powerpoint/2010/main" val="492071843"/>
+      </p:ext>
+    </p:extLst>
+  </p:cSld>
+  <p:clrMapOvr>
+    <a:masterClrMapping/>
+  </p:clrMapOvr>
+  <p:timing>
+    <p:tnLst>
+      <p:par>
+        <p:cTn id="1" dur="indefinite" restart="never" nodeType="tmRoot"/>
+      </p:par>
+    </p:tnLst>
+  </p:timing>
+</p:sld>
+</file>
+
+<file path=ppt/slides/slide12.xml><?xml version="1.0" encoding="utf-8"?>
+<p:sld xmlns:a="http://schemas.openxmlformats.org/drawingml/2006/main" xmlns:r="http://schemas.openxmlformats.org/officeDocument/2006/relationships" xmlns:p="http://schemas.openxmlformats.org/presentationml/2006/main">
+  <p:cSld>
+    <p:spTree>
+      <p:nvGrpSpPr>
+        <p:cNvPr id="1" name=""/>
+        <p:cNvGrpSpPr/>
+        <p:nvPr/>
+      </p:nvGrpSpPr>
+      <p:grpSpPr>
+        <a:xfrm>
+          <a:off x="0" y="0"/>
+          <a:ext cx="0" cy="0"/>
+          <a:chOff x="0" y="0"/>
+          <a:chExt cx="0" cy="0"/>
+        </a:xfrm>
+      </p:grpSpPr>
+      <p:sp>
+        <p:nvSpPr>
+          <p:cNvPr id="2" name="Title 1"/>
+          <p:cNvSpPr>
+            <a:spLocks noGrp="1"/>
+          </p:cNvSpPr>
+          <p:nvPr>
+            <p:ph type="title"/>
+          </p:nvPr>
+        </p:nvSpPr>
+        <p:spPr/>
+        <p:txBody>
+          <a:bodyPr>
+            <a:normAutofit fontScale="90000"/>
+          </a:bodyPr>
+          <a:lstStyle/>
+          <a:p>
+            <a:r>
+              <a:rPr lang="en-US" dirty="0">
+                <a:effectLst/>
+              </a:rPr>
+              <a:t>Levels of Active Directory </a:t>
+            </a:r>
+            <a:r>
+              <a:rPr lang="en-US" dirty="0" smtClean="0">
+                <a:effectLst/>
+              </a:rPr>
+              <a:t>framework</a:t>
+            </a:r>
+            <a:endParaRPr lang="en-US" dirty="0"/>
+          </a:p>
+        </p:txBody>
+      </p:sp>
+      <p:sp>
+        <p:nvSpPr>
+          <p:cNvPr id="3" name="Content Placeholder 2"/>
+          <p:cNvSpPr>
+            <a:spLocks noGrp="1"/>
+          </p:cNvSpPr>
+          <p:nvPr>
+            <p:ph idx="4294967295"/>
+          </p:nvPr>
+        </p:nvSpPr>
+        <p:spPr/>
+        <p:txBody>
+          <a:bodyPr/>
+          <a:lstStyle/>
+          <a:p>
+            <a:r>
+              <a:rPr lang="en-US" dirty="0"/>
+              <a:t>A </a:t>
+            </a:r>
+            <a:r>
+              <a:rPr lang="en-US" b="1" dirty="0"/>
+              <a:t>domain</a:t>
+            </a:r>
+            <a:r>
+              <a:rPr lang="en-US" dirty="0"/>
+              <a:t> </a:t>
+            </a:r>
+            <a:r>
+              <a:rPr lang="en-US" dirty="0" smtClean="0"/>
+              <a:t>that shares </a:t>
+            </a:r>
+            <a:r>
+              <a:rPr lang="en-US" dirty="0"/>
+              <a:t>the same Active Directory database</a:t>
+            </a:r>
+            <a:r>
+              <a:rPr lang="en-US" dirty="0" smtClean="0"/>
+              <a:t>.</a:t>
+            </a:r>
+          </a:p>
+          <a:p>
+            <a:r>
+              <a:rPr lang="en-US" dirty="0"/>
+              <a:t>A </a:t>
+            </a:r>
+            <a:r>
+              <a:rPr lang="en-US" b="1" dirty="0"/>
+              <a:t>tree</a:t>
+            </a:r>
+            <a:r>
+              <a:rPr lang="en-US" dirty="0"/>
+              <a:t> is a collection of one or more </a:t>
+            </a:r>
+            <a:r>
+              <a:rPr lang="en-US" dirty="0" smtClean="0"/>
+              <a:t>domains.</a:t>
+            </a:r>
+          </a:p>
+          <a:p>
+            <a:r>
+              <a:rPr lang="en-US" dirty="0" smtClean="0"/>
+              <a:t>A </a:t>
+            </a:r>
+            <a:r>
+              <a:rPr lang="en-US" b="1" dirty="0"/>
+              <a:t>forest</a:t>
+            </a:r>
+            <a:r>
+              <a:rPr lang="en-US" dirty="0"/>
+              <a:t> is a collection of </a:t>
+            </a:r>
+            <a:r>
+              <a:rPr lang="en-US" dirty="0" smtClean="0"/>
+              <a:t>trees</a:t>
+            </a:r>
+          </a:p>
+          <a:p>
+            <a:r>
+              <a:rPr lang="en-US" dirty="0"/>
+              <a:t>At the top of the structure is the forest</a:t>
+            </a:r>
+            <a:r>
+              <a:rPr lang="en-US" i="1" dirty="0"/>
+              <a:t>.</a:t>
+            </a:r>
+            <a:r>
+              <a:rPr lang="en-US" dirty="0"/>
+              <a:t> </a:t>
+            </a:r>
+          </a:p>
+        </p:txBody>
+      </p:sp>
+    </p:spTree>
+    <p:extLst>
+      <p:ext uri="{BB962C8B-B14F-4D97-AF65-F5344CB8AC3E}">
+        <p14:creationId xmlns:p14="http://schemas.microsoft.com/office/powerpoint/2010/main" val="2063894695"/>
       </p:ext>
     </p:extLst>
   </p:cSld>

--- a/active.pptx
+++ b/active.pptx
@@ -1,29 +1,141 @@
 
 <file path=ppt/presentation.xml><?xml version="1.0" encoding="utf-8"?>
-<p:presentation xmlns:a="http://schemas.openxmlformats.org/drawingml/2006/main" xmlns:p="http://schemas.openxmlformats.org/presentationml/2006/main" xmlns:r="http://schemas.openxmlformats.org/officeDocument/2006/relationships" xmlns:p14="http://schemas.microsoft.com/office/powerpoint/2010/main" xmlns:p15="http://schemas.microsoft.com/office/powerpoint/2012/main" xmlns:mc="http://schemas.openxmlformats.org/markup-compatibility/2006">
+<p:presentation xmlns:a="http://schemas.openxmlformats.org/drawingml/2006/main" xmlns:r="http://schemas.openxmlformats.org/officeDocument/2006/relationships" xmlns:p="http://schemas.openxmlformats.org/presentationml/2006/main">
   <p:sldMasterIdLst>
-    <p:sldMasterId id="2147483648" r:id="rId2"/>
-    <p:sldMasterId id="2147483661" r:id="rId3"/>
-    <p:sldMasterId id="2147483674" r:id="rId4"/>
-    <p:sldMasterId id="2147483687" r:id="rId5"/>
+    <p:sldMasterId id="2147483648" r:id="rId1"/>
+    <p:sldMasterId id="2147483661" r:id="rId2"/>
+    <p:sldMasterId id="2147483674" r:id="rId3"/>
+    <p:sldMasterId id="2147483687" r:id="rId4"/>
   </p:sldMasterIdLst>
   <p:sldIdLst>
-    <p:sldId id="256" r:id="rId6"/>
-    <p:sldId id="257" r:id="rId7"/>
-    <p:sldId id="258" r:id="rId8"/>
-    <p:sldId id="259" r:id="rId9"/>
-    <p:sldId id="260" r:id="rId10"/>
-    <p:sldId id="261" r:id="rId11"/>
-    <p:sldId id="262" r:id="rId12"/>
-    <p:sldId id="263" r:id="rId13"/>
+    <p:sldId id="256" r:id="rId5"/>
+    <p:sldId id="257" r:id="rId6"/>
+    <p:sldId id="258" r:id="rId7"/>
+    <p:sldId id="259" r:id="rId8"/>
+    <p:sldId id="260" r:id="rId9"/>
+    <p:sldId id="261" r:id="rId10"/>
+    <p:sldId id="262" r:id="rId11"/>
+    <p:sldId id="263" r:id="rId12"/>
+    <p:sldId id="264" r:id="rId13"/>
   </p:sldIdLst>
-  <p:sldSz cx="9144000" cy="5143500"/>
+  <p:sldSz cx="9144000" cy="5143500" type="screen16x9"/>
   <p:notesSz cx="7772400" cy="10058400"/>
+  <p:defaultTextStyle>
+    <a:defPPr>
+      <a:defRPr lang="en-US"/>
+    </a:defPPr>
+    <a:lvl1pPr marL="0" algn="l" defTabSz="914400" rtl="0" eaLnBrk="1" latinLnBrk="0" hangingPunct="1">
+      <a:defRPr sz="1800" kern="1200">
+        <a:solidFill>
+          <a:schemeClr val="tx1"/>
+        </a:solidFill>
+        <a:latin typeface="+mn-lt"/>
+        <a:ea typeface="+mn-ea"/>
+        <a:cs typeface="+mn-cs"/>
+      </a:defRPr>
+    </a:lvl1pPr>
+    <a:lvl2pPr marL="457200" algn="l" defTabSz="914400" rtl="0" eaLnBrk="1" latinLnBrk="0" hangingPunct="1">
+      <a:defRPr sz="1800" kern="1200">
+        <a:solidFill>
+          <a:schemeClr val="tx1"/>
+        </a:solidFill>
+        <a:latin typeface="+mn-lt"/>
+        <a:ea typeface="+mn-ea"/>
+        <a:cs typeface="+mn-cs"/>
+      </a:defRPr>
+    </a:lvl2pPr>
+    <a:lvl3pPr marL="914400" algn="l" defTabSz="914400" rtl="0" eaLnBrk="1" latinLnBrk="0" hangingPunct="1">
+      <a:defRPr sz="1800" kern="1200">
+        <a:solidFill>
+          <a:schemeClr val="tx1"/>
+        </a:solidFill>
+        <a:latin typeface="+mn-lt"/>
+        <a:ea typeface="+mn-ea"/>
+        <a:cs typeface="+mn-cs"/>
+      </a:defRPr>
+    </a:lvl3pPr>
+    <a:lvl4pPr marL="1371600" algn="l" defTabSz="914400" rtl="0" eaLnBrk="1" latinLnBrk="0" hangingPunct="1">
+      <a:defRPr sz="1800" kern="1200">
+        <a:solidFill>
+          <a:schemeClr val="tx1"/>
+        </a:solidFill>
+        <a:latin typeface="+mn-lt"/>
+        <a:ea typeface="+mn-ea"/>
+        <a:cs typeface="+mn-cs"/>
+      </a:defRPr>
+    </a:lvl4pPr>
+    <a:lvl5pPr marL="1828800" algn="l" defTabSz="914400" rtl="0" eaLnBrk="1" latinLnBrk="0" hangingPunct="1">
+      <a:defRPr sz="1800" kern="1200">
+        <a:solidFill>
+          <a:schemeClr val="tx1"/>
+        </a:solidFill>
+        <a:latin typeface="+mn-lt"/>
+        <a:ea typeface="+mn-ea"/>
+        <a:cs typeface="+mn-cs"/>
+      </a:defRPr>
+    </a:lvl5pPr>
+    <a:lvl6pPr marL="2286000" algn="l" defTabSz="914400" rtl="0" eaLnBrk="1" latinLnBrk="0" hangingPunct="1">
+      <a:defRPr sz="1800" kern="1200">
+        <a:solidFill>
+          <a:schemeClr val="tx1"/>
+        </a:solidFill>
+        <a:latin typeface="+mn-lt"/>
+        <a:ea typeface="+mn-ea"/>
+        <a:cs typeface="+mn-cs"/>
+      </a:defRPr>
+    </a:lvl6pPr>
+    <a:lvl7pPr marL="2743200" algn="l" defTabSz="914400" rtl="0" eaLnBrk="1" latinLnBrk="0" hangingPunct="1">
+      <a:defRPr sz="1800" kern="1200">
+        <a:solidFill>
+          <a:schemeClr val="tx1"/>
+        </a:solidFill>
+        <a:latin typeface="+mn-lt"/>
+        <a:ea typeface="+mn-ea"/>
+        <a:cs typeface="+mn-cs"/>
+      </a:defRPr>
+    </a:lvl7pPr>
+    <a:lvl8pPr marL="3200400" algn="l" defTabSz="914400" rtl="0" eaLnBrk="1" latinLnBrk="0" hangingPunct="1">
+      <a:defRPr sz="1800" kern="1200">
+        <a:solidFill>
+          <a:schemeClr val="tx1"/>
+        </a:solidFill>
+        <a:latin typeface="+mn-lt"/>
+        <a:ea typeface="+mn-ea"/>
+        <a:cs typeface="+mn-cs"/>
+      </a:defRPr>
+    </a:lvl8pPr>
+    <a:lvl9pPr marL="3657600" algn="l" defTabSz="914400" rtl="0" eaLnBrk="1" latinLnBrk="0" hangingPunct="1">
+      <a:defRPr sz="1800" kern="1200">
+        <a:solidFill>
+          <a:schemeClr val="tx1"/>
+        </a:solidFill>
+        <a:latin typeface="+mn-lt"/>
+        <a:ea typeface="+mn-ea"/>
+        <a:cs typeface="+mn-cs"/>
+      </a:defRPr>
+    </a:lvl9pPr>
+  </p:defaultTextStyle>
+  <p:extLst>
+    <p:ext uri="{EFAFB233-063F-42B5-8137-9DF3F51BA10A}">
+      <p15:sldGuideLst xmlns:p15="http://schemas.microsoft.com/office/powerpoint/2012/main">
+        <p15:guide id="1" orient="horz" pos="1620" userDrawn="1">
+          <p15:clr>
+            <a:srgbClr val="A4A3A4"/>
+          </p15:clr>
+        </p15:guide>
+        <p15:guide id="2" pos="2880" userDrawn="1">
+          <p15:clr>
+            <a:srgbClr val="A4A3A4"/>
+          </p15:clr>
+        </p15:guide>
+      </p15:sldGuideLst>
+    </p:ext>
+  </p:extLst>
 </p:presentation>
 </file>
 
 <file path=ppt/slideLayouts/slideLayout1.xml><?xml version="1.0" encoding="utf-8"?>
-<p:sldLayout xmlns:a="http://schemas.openxmlformats.org/drawingml/2006/main" xmlns:p="http://schemas.openxmlformats.org/presentationml/2006/main" xmlns:r="http://schemas.openxmlformats.org/officeDocument/2006/relationships" xmlns:p14="http://schemas.microsoft.com/office/powerpoint/2010/main" xmlns:p15="http://schemas.microsoft.com/office/powerpoint/2012/main" xmlns:mc="http://schemas.openxmlformats.org/markup-compatibility/2006" type="blank" preserve="1">
+<p:sldLayout xmlns:a="http://schemas.openxmlformats.org/drawingml/2006/main" xmlns:r="http://schemas.openxmlformats.org/officeDocument/2006/relationships" xmlns:p="http://schemas.openxmlformats.org/presentationml/2006/main" type="blank" preserve="1">
   <p:cSld name="Blank Slide">
     <p:spTree>
       <p:nvGrpSpPr>
@@ -41,11 +153,14 @@
       </p:grpSpPr>
     </p:spTree>
   </p:cSld>
+  <p:clrMapOvr>
+    <a:masterClrMapping/>
+  </p:clrMapOvr>
 </p:sldLayout>
 </file>
 
 <file path=ppt/slideLayouts/slideLayout10.xml><?xml version="1.0" encoding="utf-8"?>
-<p:sldLayout xmlns:a="http://schemas.openxmlformats.org/drawingml/2006/main" xmlns:p="http://schemas.openxmlformats.org/presentationml/2006/main" xmlns:r="http://schemas.openxmlformats.org/officeDocument/2006/relationships" xmlns:p14="http://schemas.microsoft.com/office/powerpoint/2010/main" xmlns:p15="http://schemas.microsoft.com/office/powerpoint/2012/main" xmlns:mc="http://schemas.openxmlformats.org/markup-compatibility/2006" type="objOverTx" preserve="1">
+<p:sldLayout xmlns:a="http://schemas.openxmlformats.org/drawingml/2006/main" xmlns:r="http://schemas.openxmlformats.org/officeDocument/2006/relationships" xmlns:p="http://schemas.openxmlformats.org/presentationml/2006/main" type="objOverTx" preserve="1">
   <p:cSld name="Title, Content over Content">
     <p:spTree>
       <p:nvGrpSpPr>
@@ -81,12 +196,13 @@
           </a:prstGeom>
         </p:spPr>
         <p:txBody>
-          <a:bodyPr lIns="0" rIns="0" tIns="0" bIns="0" anchor="ctr">
+          <a:bodyPr lIns="0" tIns="0" rIns="0" bIns="0" anchor="ctr">
             <a:noAutofit/>
           </a:bodyPr>
+          <a:lstStyle/>
           <a:p>
             <a:pPr algn="ctr"/>
-            <a:endParaRPr b="0" lang="en-US" sz="4400" spc="-1" strike="noStrike">
+            <a:endParaRPr lang="en-US" sz="4400" b="0" strike="noStrike" spc="-1">
               <a:latin typeface="Arial"/>
             </a:endParaRPr>
           </a:p>
@@ -112,11 +228,12 @@
           </a:prstGeom>
         </p:spPr>
         <p:txBody>
-          <a:bodyPr lIns="0" rIns="0" tIns="0" bIns="0">
+          <a:bodyPr lIns="0" tIns="0" rIns="0" bIns="0">
             <a:normAutofit/>
           </a:bodyPr>
-          <a:p>
-            <a:endParaRPr b="0" lang="en-US" sz="3200" spc="-1" strike="noStrike">
+          <a:lstStyle/>
+          <a:p>
+            <a:endParaRPr lang="en-US" sz="3200" b="0" strike="noStrike" spc="-1">
               <a:latin typeface="Arial"/>
             </a:endParaRPr>
           </a:p>
@@ -142,11 +259,12 @@
           </a:prstGeom>
         </p:spPr>
         <p:txBody>
-          <a:bodyPr lIns="0" rIns="0" tIns="0" bIns="0">
+          <a:bodyPr lIns="0" tIns="0" rIns="0" bIns="0">
             <a:normAutofit/>
           </a:bodyPr>
-          <a:p>
-            <a:endParaRPr b="0" lang="en-US" sz="3200" spc="-1" strike="noStrike">
+          <a:lstStyle/>
+          <a:p>
+            <a:endParaRPr lang="en-US" sz="3200" b="0" strike="noStrike" spc="-1">
               <a:latin typeface="Arial"/>
             </a:endParaRPr>
           </a:p>
@@ -154,11 +272,14 @@
       </p:sp>
     </p:spTree>
   </p:cSld>
+  <p:clrMapOvr>
+    <a:masterClrMapping/>
+  </p:clrMapOvr>
 </p:sldLayout>
 </file>
 
 <file path=ppt/slideLayouts/slideLayout11.xml><?xml version="1.0" encoding="utf-8"?>
-<p:sldLayout xmlns:a="http://schemas.openxmlformats.org/drawingml/2006/main" xmlns:p="http://schemas.openxmlformats.org/presentationml/2006/main" xmlns:r="http://schemas.openxmlformats.org/officeDocument/2006/relationships" xmlns:p14="http://schemas.microsoft.com/office/powerpoint/2010/main" xmlns:p15="http://schemas.microsoft.com/office/powerpoint/2012/main" xmlns:mc="http://schemas.openxmlformats.org/markup-compatibility/2006" type="fourObj" preserve="1">
+<p:sldLayout xmlns:a="http://schemas.openxmlformats.org/drawingml/2006/main" xmlns:r="http://schemas.openxmlformats.org/officeDocument/2006/relationships" xmlns:p="http://schemas.openxmlformats.org/presentationml/2006/main" type="fourObj" preserve="1">
   <p:cSld name="Title, 4 Content">
     <p:spTree>
       <p:nvGrpSpPr>
@@ -194,12 +315,13 @@
           </a:prstGeom>
         </p:spPr>
         <p:txBody>
-          <a:bodyPr lIns="0" rIns="0" tIns="0" bIns="0" anchor="ctr">
+          <a:bodyPr lIns="0" tIns="0" rIns="0" bIns="0" anchor="ctr">
             <a:noAutofit/>
           </a:bodyPr>
+          <a:lstStyle/>
           <a:p>
             <a:pPr algn="ctr"/>
-            <a:endParaRPr b="0" lang="en-US" sz="4400" spc="-1" strike="noStrike">
+            <a:endParaRPr lang="en-US" sz="4400" b="0" strike="noStrike" spc="-1">
               <a:latin typeface="Arial"/>
             </a:endParaRPr>
           </a:p>
@@ -225,11 +347,12 @@
           </a:prstGeom>
         </p:spPr>
         <p:txBody>
-          <a:bodyPr lIns="0" rIns="0" tIns="0" bIns="0">
+          <a:bodyPr lIns="0" tIns="0" rIns="0" bIns="0">
             <a:normAutofit/>
           </a:bodyPr>
-          <a:p>
-            <a:endParaRPr b="0" lang="en-US" sz="3200" spc="-1" strike="noStrike">
+          <a:lstStyle/>
+          <a:p>
+            <a:endParaRPr lang="en-US" sz="3200" b="0" strike="noStrike" spc="-1">
               <a:latin typeface="Arial"/>
             </a:endParaRPr>
           </a:p>
@@ -255,11 +378,12 @@
           </a:prstGeom>
         </p:spPr>
         <p:txBody>
-          <a:bodyPr lIns="0" rIns="0" tIns="0" bIns="0">
+          <a:bodyPr lIns="0" tIns="0" rIns="0" bIns="0">
             <a:normAutofit/>
           </a:bodyPr>
-          <a:p>
-            <a:endParaRPr b="0" lang="en-US" sz="3200" spc="-1" strike="noStrike">
+          <a:lstStyle/>
+          <a:p>
+            <a:endParaRPr lang="en-US" sz="3200" b="0" strike="noStrike" spc="-1">
               <a:latin typeface="Arial"/>
             </a:endParaRPr>
           </a:p>
@@ -285,11 +409,12 @@
           </a:prstGeom>
         </p:spPr>
         <p:txBody>
-          <a:bodyPr lIns="0" rIns="0" tIns="0" bIns="0">
+          <a:bodyPr lIns="0" tIns="0" rIns="0" bIns="0">
             <a:normAutofit/>
           </a:bodyPr>
-          <a:p>
-            <a:endParaRPr b="0" lang="en-US" sz="3200" spc="-1" strike="noStrike">
+          <a:lstStyle/>
+          <a:p>
+            <a:endParaRPr lang="en-US" sz="3200" b="0" strike="noStrike" spc="-1">
               <a:latin typeface="Arial"/>
             </a:endParaRPr>
           </a:p>
@@ -315,11 +440,12 @@
           </a:prstGeom>
         </p:spPr>
         <p:txBody>
-          <a:bodyPr lIns="0" rIns="0" tIns="0" bIns="0">
+          <a:bodyPr lIns="0" tIns="0" rIns="0" bIns="0">
             <a:normAutofit/>
           </a:bodyPr>
-          <a:p>
-            <a:endParaRPr b="0" lang="en-US" sz="3200" spc="-1" strike="noStrike">
+          <a:lstStyle/>
+          <a:p>
+            <a:endParaRPr lang="en-US" sz="3200" b="0" strike="noStrike" spc="-1">
               <a:latin typeface="Arial"/>
             </a:endParaRPr>
           </a:p>
@@ -327,11 +453,14 @@
       </p:sp>
     </p:spTree>
   </p:cSld>
+  <p:clrMapOvr>
+    <a:masterClrMapping/>
+  </p:clrMapOvr>
 </p:sldLayout>
 </file>
 
 <file path=ppt/slideLayouts/slideLayout12.xml><?xml version="1.0" encoding="utf-8"?>
-<p:sldLayout xmlns:a="http://schemas.openxmlformats.org/drawingml/2006/main" xmlns:p="http://schemas.openxmlformats.org/presentationml/2006/main" xmlns:r="http://schemas.openxmlformats.org/officeDocument/2006/relationships" xmlns:p14="http://schemas.microsoft.com/office/powerpoint/2010/main" xmlns:p15="http://schemas.microsoft.com/office/powerpoint/2012/main" xmlns:mc="http://schemas.openxmlformats.org/markup-compatibility/2006" type="blank" preserve="1">
+<p:sldLayout xmlns:a="http://schemas.openxmlformats.org/drawingml/2006/main" xmlns:r="http://schemas.openxmlformats.org/officeDocument/2006/relationships" xmlns:p="http://schemas.openxmlformats.org/presentationml/2006/main" type="blank" preserve="1">
   <p:cSld name="Title, 6 Content">
     <p:spTree>
       <p:nvGrpSpPr>
@@ -367,12 +496,13 @@
           </a:prstGeom>
         </p:spPr>
         <p:txBody>
-          <a:bodyPr lIns="0" rIns="0" tIns="0" bIns="0" anchor="ctr">
+          <a:bodyPr lIns="0" tIns="0" rIns="0" bIns="0" anchor="ctr">
             <a:noAutofit/>
           </a:bodyPr>
+          <a:lstStyle/>
           <a:p>
             <a:pPr algn="ctr"/>
-            <a:endParaRPr b="0" lang="en-US" sz="4400" spc="-1" strike="noStrike">
+            <a:endParaRPr lang="en-US" sz="4400" b="0" strike="noStrike" spc="-1">
               <a:latin typeface="Arial"/>
             </a:endParaRPr>
           </a:p>
@@ -398,11 +528,12 @@
           </a:prstGeom>
         </p:spPr>
         <p:txBody>
-          <a:bodyPr lIns="0" rIns="0" tIns="0" bIns="0">
+          <a:bodyPr lIns="0" tIns="0" rIns="0" bIns="0">
             <a:normAutofit/>
           </a:bodyPr>
-          <a:p>
-            <a:endParaRPr b="0" lang="en-US" sz="3200" spc="-1" strike="noStrike">
+          <a:lstStyle/>
+          <a:p>
+            <a:endParaRPr lang="en-US" sz="3200" b="0" strike="noStrike" spc="-1">
               <a:latin typeface="Arial"/>
             </a:endParaRPr>
           </a:p>
@@ -428,11 +559,12 @@
           </a:prstGeom>
         </p:spPr>
         <p:txBody>
-          <a:bodyPr lIns="0" rIns="0" tIns="0" bIns="0">
+          <a:bodyPr lIns="0" tIns="0" rIns="0" bIns="0">
             <a:normAutofit/>
           </a:bodyPr>
-          <a:p>
-            <a:endParaRPr b="0" lang="en-US" sz="3200" spc="-1" strike="noStrike">
+          <a:lstStyle/>
+          <a:p>
+            <a:endParaRPr lang="en-US" sz="3200" b="0" strike="noStrike" spc="-1">
               <a:latin typeface="Arial"/>
             </a:endParaRPr>
           </a:p>
@@ -458,11 +590,12 @@
           </a:prstGeom>
         </p:spPr>
         <p:txBody>
-          <a:bodyPr lIns="0" rIns="0" tIns="0" bIns="0">
+          <a:bodyPr lIns="0" tIns="0" rIns="0" bIns="0">
             <a:normAutofit/>
           </a:bodyPr>
-          <a:p>
-            <a:endParaRPr b="0" lang="en-US" sz="3200" spc="-1" strike="noStrike">
+          <a:lstStyle/>
+          <a:p>
+            <a:endParaRPr lang="en-US" sz="3200" b="0" strike="noStrike" spc="-1">
               <a:latin typeface="Arial"/>
             </a:endParaRPr>
           </a:p>
@@ -488,11 +621,12 @@
           </a:prstGeom>
         </p:spPr>
         <p:txBody>
-          <a:bodyPr lIns="0" rIns="0" tIns="0" bIns="0">
+          <a:bodyPr lIns="0" tIns="0" rIns="0" bIns="0">
             <a:normAutofit/>
           </a:bodyPr>
-          <a:p>
-            <a:endParaRPr b="0" lang="en-US" sz="3200" spc="-1" strike="noStrike">
+          <a:lstStyle/>
+          <a:p>
+            <a:endParaRPr lang="en-US" sz="3200" b="0" strike="noStrike" spc="-1">
               <a:latin typeface="Arial"/>
             </a:endParaRPr>
           </a:p>
@@ -518,11 +652,12 @@
           </a:prstGeom>
         </p:spPr>
         <p:txBody>
-          <a:bodyPr lIns="0" rIns="0" tIns="0" bIns="0">
+          <a:bodyPr lIns="0" tIns="0" rIns="0" bIns="0">
             <a:normAutofit/>
           </a:bodyPr>
-          <a:p>
-            <a:endParaRPr b="0" lang="en-US" sz="3200" spc="-1" strike="noStrike">
+          <a:lstStyle/>
+          <a:p>
+            <a:endParaRPr lang="en-US" sz="3200" b="0" strike="noStrike" spc="-1">
               <a:latin typeface="Arial"/>
             </a:endParaRPr>
           </a:p>
@@ -548,11 +683,12 @@
           </a:prstGeom>
         </p:spPr>
         <p:txBody>
-          <a:bodyPr lIns="0" rIns="0" tIns="0" bIns="0">
+          <a:bodyPr lIns="0" tIns="0" rIns="0" bIns="0">
             <a:normAutofit/>
           </a:bodyPr>
-          <a:p>
-            <a:endParaRPr b="0" lang="en-US" sz="3200" spc="-1" strike="noStrike">
+          <a:lstStyle/>
+          <a:p>
+            <a:endParaRPr lang="en-US" sz="3200" b="0" strike="noStrike" spc="-1">
               <a:latin typeface="Arial"/>
             </a:endParaRPr>
           </a:p>
@@ -560,11 +696,14 @@
       </p:sp>
     </p:spTree>
   </p:cSld>
+  <p:clrMapOvr>
+    <a:masterClrMapping/>
+  </p:clrMapOvr>
 </p:sldLayout>
 </file>
 
 <file path=ppt/slideLayouts/slideLayout13.xml><?xml version="1.0" encoding="utf-8"?>
-<p:sldLayout xmlns:a="http://schemas.openxmlformats.org/drawingml/2006/main" xmlns:p="http://schemas.openxmlformats.org/presentationml/2006/main" xmlns:r="http://schemas.openxmlformats.org/officeDocument/2006/relationships" xmlns:p14="http://schemas.microsoft.com/office/powerpoint/2010/main" xmlns:p15="http://schemas.microsoft.com/office/powerpoint/2012/main" xmlns:mc="http://schemas.openxmlformats.org/markup-compatibility/2006" type="blank" preserve="1">
+<p:sldLayout xmlns:a="http://schemas.openxmlformats.org/drawingml/2006/main" xmlns:r="http://schemas.openxmlformats.org/officeDocument/2006/relationships" xmlns:p="http://schemas.openxmlformats.org/presentationml/2006/main" type="blank" preserve="1">
   <p:cSld name="Blank Slide">
     <p:spTree>
       <p:nvGrpSpPr>
@@ -582,11 +721,14 @@
       </p:grpSpPr>
     </p:spTree>
   </p:cSld>
+  <p:clrMapOvr>
+    <a:masterClrMapping/>
+  </p:clrMapOvr>
 </p:sldLayout>
 </file>
 
 <file path=ppt/slideLayouts/slideLayout14.xml><?xml version="1.0" encoding="utf-8"?>
-<p:sldLayout xmlns:a="http://schemas.openxmlformats.org/drawingml/2006/main" xmlns:p="http://schemas.openxmlformats.org/presentationml/2006/main" xmlns:r="http://schemas.openxmlformats.org/officeDocument/2006/relationships" xmlns:p14="http://schemas.microsoft.com/office/powerpoint/2010/main" xmlns:p15="http://schemas.microsoft.com/office/powerpoint/2012/main" xmlns:mc="http://schemas.openxmlformats.org/markup-compatibility/2006" type="tx" preserve="1">
+<p:sldLayout xmlns:a="http://schemas.openxmlformats.org/drawingml/2006/main" xmlns:r="http://schemas.openxmlformats.org/officeDocument/2006/relationships" xmlns:p="http://schemas.openxmlformats.org/presentationml/2006/main" type="tx" preserve="1">
   <p:cSld name="Title Slide">
     <p:spTree>
       <p:nvGrpSpPr>
@@ -622,12 +764,13 @@
           </a:prstGeom>
         </p:spPr>
         <p:txBody>
-          <a:bodyPr lIns="0" rIns="0" tIns="0" bIns="0" anchor="ctr">
+          <a:bodyPr lIns="0" tIns="0" rIns="0" bIns="0" anchor="ctr">
             <a:noAutofit/>
           </a:bodyPr>
+          <a:lstStyle/>
           <a:p>
             <a:pPr algn="ctr"/>
-            <a:endParaRPr b="0" lang="en-US" sz="4400" spc="-1" strike="noStrike">
+            <a:endParaRPr lang="en-US" sz="4400" b="0" strike="noStrike" spc="-1">
               <a:latin typeface="Arial"/>
             </a:endParaRPr>
           </a:p>
@@ -653,12 +796,13 @@
           </a:prstGeom>
         </p:spPr>
         <p:txBody>
-          <a:bodyPr lIns="0" rIns="0" tIns="0" bIns="0" anchor="ctr">
+          <a:bodyPr lIns="0" tIns="0" rIns="0" bIns="0" anchor="ctr">
             <a:noAutofit/>
           </a:bodyPr>
+          <a:lstStyle/>
           <a:p>
             <a:pPr algn="ctr"/>
-            <a:endParaRPr b="0" lang="en-US" sz="3200" spc="-1" strike="noStrike">
+            <a:endParaRPr lang="en-US" sz="3200" b="0" strike="noStrike" spc="-1">
               <a:latin typeface="Arial"/>
             </a:endParaRPr>
           </a:p>
@@ -666,11 +810,14 @@
       </p:sp>
     </p:spTree>
   </p:cSld>
+  <p:clrMapOvr>
+    <a:masterClrMapping/>
+  </p:clrMapOvr>
 </p:sldLayout>
 </file>
 
 <file path=ppt/slideLayouts/slideLayout15.xml><?xml version="1.0" encoding="utf-8"?>
-<p:sldLayout xmlns:a="http://schemas.openxmlformats.org/drawingml/2006/main" xmlns:p="http://schemas.openxmlformats.org/presentationml/2006/main" xmlns:r="http://schemas.openxmlformats.org/officeDocument/2006/relationships" xmlns:p14="http://schemas.microsoft.com/office/powerpoint/2010/main" xmlns:p15="http://schemas.microsoft.com/office/powerpoint/2012/main" xmlns:mc="http://schemas.openxmlformats.org/markup-compatibility/2006" type="obj" preserve="1">
+<p:sldLayout xmlns:a="http://schemas.openxmlformats.org/drawingml/2006/main" xmlns:r="http://schemas.openxmlformats.org/officeDocument/2006/relationships" xmlns:p="http://schemas.openxmlformats.org/presentationml/2006/main" type="obj" preserve="1">
   <p:cSld name="Title, Content">
     <p:spTree>
       <p:nvGrpSpPr>
@@ -706,12 +853,13 @@
           </a:prstGeom>
         </p:spPr>
         <p:txBody>
-          <a:bodyPr lIns="0" rIns="0" tIns="0" bIns="0" anchor="ctr">
+          <a:bodyPr lIns="0" tIns="0" rIns="0" bIns="0" anchor="ctr">
             <a:noAutofit/>
           </a:bodyPr>
+          <a:lstStyle/>
           <a:p>
             <a:pPr algn="ctr"/>
-            <a:endParaRPr b="0" lang="en-US" sz="4400" spc="-1" strike="noStrike">
+            <a:endParaRPr lang="en-US" sz="4400" b="0" strike="noStrike" spc="-1">
               <a:latin typeface="Arial"/>
             </a:endParaRPr>
           </a:p>
@@ -737,11 +885,12 @@
           </a:prstGeom>
         </p:spPr>
         <p:txBody>
-          <a:bodyPr lIns="0" rIns="0" tIns="0" bIns="0">
+          <a:bodyPr lIns="0" tIns="0" rIns="0" bIns="0">
             <a:normAutofit/>
           </a:bodyPr>
-          <a:p>
-            <a:endParaRPr b="0" lang="en-US" sz="3200" spc="-1" strike="noStrike">
+          <a:lstStyle/>
+          <a:p>
+            <a:endParaRPr lang="en-US" sz="3200" b="0" strike="noStrike" spc="-1">
               <a:latin typeface="Arial"/>
             </a:endParaRPr>
           </a:p>
@@ -749,11 +898,14 @@
       </p:sp>
     </p:spTree>
   </p:cSld>
+  <p:clrMapOvr>
+    <a:masterClrMapping/>
+  </p:clrMapOvr>
 </p:sldLayout>
 </file>
 
 <file path=ppt/slideLayouts/slideLayout16.xml><?xml version="1.0" encoding="utf-8"?>
-<p:sldLayout xmlns:a="http://schemas.openxmlformats.org/drawingml/2006/main" xmlns:p="http://schemas.openxmlformats.org/presentationml/2006/main" xmlns:r="http://schemas.openxmlformats.org/officeDocument/2006/relationships" xmlns:p14="http://schemas.microsoft.com/office/powerpoint/2010/main" xmlns:p15="http://schemas.microsoft.com/office/powerpoint/2012/main" xmlns:mc="http://schemas.openxmlformats.org/markup-compatibility/2006" type="twoObj" preserve="1">
+<p:sldLayout xmlns:a="http://schemas.openxmlformats.org/drawingml/2006/main" xmlns:r="http://schemas.openxmlformats.org/officeDocument/2006/relationships" xmlns:p="http://schemas.openxmlformats.org/presentationml/2006/main" type="twoObj" preserve="1">
   <p:cSld name="Title, 2 Content">
     <p:spTree>
       <p:nvGrpSpPr>
@@ -789,12 +941,13 @@
           </a:prstGeom>
         </p:spPr>
         <p:txBody>
-          <a:bodyPr lIns="0" rIns="0" tIns="0" bIns="0" anchor="ctr">
+          <a:bodyPr lIns="0" tIns="0" rIns="0" bIns="0" anchor="ctr">
             <a:noAutofit/>
           </a:bodyPr>
+          <a:lstStyle/>
           <a:p>
             <a:pPr algn="ctr"/>
-            <a:endParaRPr b="0" lang="en-US" sz="4400" spc="-1" strike="noStrike">
+            <a:endParaRPr lang="en-US" sz="4400" b="0" strike="noStrike" spc="-1">
               <a:latin typeface="Arial"/>
             </a:endParaRPr>
           </a:p>
@@ -820,11 +973,12 @@
           </a:prstGeom>
         </p:spPr>
         <p:txBody>
-          <a:bodyPr lIns="0" rIns="0" tIns="0" bIns="0">
+          <a:bodyPr lIns="0" tIns="0" rIns="0" bIns="0">
             <a:normAutofit/>
           </a:bodyPr>
-          <a:p>
-            <a:endParaRPr b="0" lang="en-US" sz="3200" spc="-1" strike="noStrike">
+          <a:lstStyle/>
+          <a:p>
+            <a:endParaRPr lang="en-US" sz="3200" b="0" strike="noStrike" spc="-1">
               <a:latin typeface="Arial"/>
             </a:endParaRPr>
           </a:p>
@@ -850,11 +1004,12 @@
           </a:prstGeom>
         </p:spPr>
         <p:txBody>
-          <a:bodyPr lIns="0" rIns="0" tIns="0" bIns="0">
+          <a:bodyPr lIns="0" tIns="0" rIns="0" bIns="0">
             <a:normAutofit/>
           </a:bodyPr>
-          <a:p>
-            <a:endParaRPr b="0" lang="en-US" sz="3200" spc="-1" strike="noStrike">
+          <a:lstStyle/>
+          <a:p>
+            <a:endParaRPr lang="en-US" sz="3200" b="0" strike="noStrike" spc="-1">
               <a:latin typeface="Arial"/>
             </a:endParaRPr>
           </a:p>
@@ -862,11 +1017,14 @@
       </p:sp>
     </p:spTree>
   </p:cSld>
+  <p:clrMapOvr>
+    <a:masterClrMapping/>
+  </p:clrMapOvr>
 </p:sldLayout>
 </file>
 
 <file path=ppt/slideLayouts/slideLayout17.xml><?xml version="1.0" encoding="utf-8"?>
-<p:sldLayout xmlns:a="http://schemas.openxmlformats.org/drawingml/2006/main" xmlns:p="http://schemas.openxmlformats.org/presentationml/2006/main" xmlns:r="http://schemas.openxmlformats.org/officeDocument/2006/relationships" xmlns:p14="http://schemas.microsoft.com/office/powerpoint/2010/main" xmlns:p15="http://schemas.microsoft.com/office/powerpoint/2012/main" xmlns:mc="http://schemas.openxmlformats.org/markup-compatibility/2006" type="titleOnly" preserve="1">
+<p:sldLayout xmlns:a="http://schemas.openxmlformats.org/drawingml/2006/main" xmlns:r="http://schemas.openxmlformats.org/officeDocument/2006/relationships" xmlns:p="http://schemas.openxmlformats.org/presentationml/2006/main" type="titleOnly" preserve="1">
   <p:cSld name="Title Only">
     <p:spTree>
       <p:nvGrpSpPr>
@@ -902,12 +1060,13 @@
           </a:prstGeom>
         </p:spPr>
         <p:txBody>
-          <a:bodyPr lIns="0" rIns="0" tIns="0" bIns="0" anchor="ctr">
+          <a:bodyPr lIns="0" tIns="0" rIns="0" bIns="0" anchor="ctr">
             <a:noAutofit/>
           </a:bodyPr>
+          <a:lstStyle/>
           <a:p>
             <a:pPr algn="ctr"/>
-            <a:endParaRPr b="0" lang="en-US" sz="4400" spc="-1" strike="noStrike">
+            <a:endParaRPr lang="en-US" sz="4400" b="0" strike="noStrike" spc="-1">
               <a:latin typeface="Arial"/>
             </a:endParaRPr>
           </a:p>
@@ -915,11 +1074,14 @@
       </p:sp>
     </p:spTree>
   </p:cSld>
+  <p:clrMapOvr>
+    <a:masterClrMapping/>
+  </p:clrMapOvr>
 </p:sldLayout>
 </file>
 
 <file path=ppt/slideLayouts/slideLayout18.xml><?xml version="1.0" encoding="utf-8"?>
-<p:sldLayout xmlns:a="http://schemas.openxmlformats.org/drawingml/2006/main" xmlns:p="http://schemas.openxmlformats.org/presentationml/2006/main" xmlns:r="http://schemas.openxmlformats.org/officeDocument/2006/relationships" xmlns:p14="http://schemas.microsoft.com/office/powerpoint/2010/main" xmlns:p15="http://schemas.microsoft.com/office/powerpoint/2012/main" xmlns:mc="http://schemas.openxmlformats.org/markup-compatibility/2006" type="objOnly" preserve="1">
+<p:sldLayout xmlns:a="http://schemas.openxmlformats.org/drawingml/2006/main" xmlns:r="http://schemas.openxmlformats.org/officeDocument/2006/relationships" xmlns:p="http://schemas.openxmlformats.org/presentationml/2006/main" type="objOnly" preserve="1">
   <p:cSld name="Centered Text">
     <p:spTree>
       <p:nvGrpSpPr>
@@ -955,12 +1117,13 @@
           </a:prstGeom>
         </p:spPr>
         <p:txBody>
-          <a:bodyPr lIns="0" rIns="0" tIns="0" bIns="0" anchor="ctr">
+          <a:bodyPr lIns="0" tIns="0" rIns="0" bIns="0" anchor="ctr">
             <a:noAutofit/>
           </a:bodyPr>
+          <a:lstStyle/>
           <a:p>
             <a:pPr algn="ctr"/>
-            <a:endParaRPr b="0" lang="en-US" sz="3200" spc="-1" strike="noStrike">
+            <a:endParaRPr lang="en-US" sz="3200" b="0" strike="noStrike" spc="-1">
               <a:latin typeface="Arial"/>
             </a:endParaRPr>
           </a:p>
@@ -968,11 +1131,14 @@
       </p:sp>
     </p:spTree>
   </p:cSld>
+  <p:clrMapOvr>
+    <a:masterClrMapping/>
+  </p:clrMapOvr>
 </p:sldLayout>
 </file>
 
 <file path=ppt/slideLayouts/slideLayout19.xml><?xml version="1.0" encoding="utf-8"?>
-<p:sldLayout xmlns:a="http://schemas.openxmlformats.org/drawingml/2006/main" xmlns:p="http://schemas.openxmlformats.org/presentationml/2006/main" xmlns:r="http://schemas.openxmlformats.org/officeDocument/2006/relationships" xmlns:p14="http://schemas.microsoft.com/office/powerpoint/2010/main" xmlns:p15="http://schemas.microsoft.com/office/powerpoint/2012/main" xmlns:mc="http://schemas.openxmlformats.org/markup-compatibility/2006" type="twoObjAndObj" preserve="1">
+<p:sldLayout xmlns:a="http://schemas.openxmlformats.org/drawingml/2006/main" xmlns:r="http://schemas.openxmlformats.org/officeDocument/2006/relationships" xmlns:p="http://schemas.openxmlformats.org/presentationml/2006/main" type="twoObjAndObj" preserve="1">
   <p:cSld name="Title, 2 Content and Content">
     <p:spTree>
       <p:nvGrpSpPr>
@@ -1008,12 +1174,13 @@
           </a:prstGeom>
         </p:spPr>
         <p:txBody>
-          <a:bodyPr lIns="0" rIns="0" tIns="0" bIns="0" anchor="ctr">
+          <a:bodyPr lIns="0" tIns="0" rIns="0" bIns="0" anchor="ctr">
             <a:noAutofit/>
           </a:bodyPr>
+          <a:lstStyle/>
           <a:p>
             <a:pPr algn="ctr"/>
-            <a:endParaRPr b="0" lang="en-US" sz="4400" spc="-1" strike="noStrike">
+            <a:endParaRPr lang="en-US" sz="4400" b="0" strike="noStrike" spc="-1">
               <a:latin typeface="Arial"/>
             </a:endParaRPr>
           </a:p>
@@ -1039,11 +1206,12 @@
           </a:prstGeom>
         </p:spPr>
         <p:txBody>
-          <a:bodyPr lIns="0" rIns="0" tIns="0" bIns="0">
+          <a:bodyPr lIns="0" tIns="0" rIns="0" bIns="0">
             <a:normAutofit/>
           </a:bodyPr>
-          <a:p>
-            <a:endParaRPr b="0" lang="en-US" sz="3200" spc="-1" strike="noStrike">
+          <a:lstStyle/>
+          <a:p>
+            <a:endParaRPr lang="en-US" sz="3200" b="0" strike="noStrike" spc="-1">
               <a:latin typeface="Arial"/>
             </a:endParaRPr>
           </a:p>
@@ -1069,11 +1237,12 @@
           </a:prstGeom>
         </p:spPr>
         <p:txBody>
-          <a:bodyPr lIns="0" rIns="0" tIns="0" bIns="0">
+          <a:bodyPr lIns="0" tIns="0" rIns="0" bIns="0">
             <a:normAutofit/>
           </a:bodyPr>
-          <a:p>
-            <a:endParaRPr b="0" lang="en-US" sz="3200" spc="-1" strike="noStrike">
+          <a:lstStyle/>
+          <a:p>
+            <a:endParaRPr lang="en-US" sz="3200" b="0" strike="noStrike" spc="-1">
               <a:latin typeface="Arial"/>
             </a:endParaRPr>
           </a:p>
@@ -1099,11 +1268,12 @@
           </a:prstGeom>
         </p:spPr>
         <p:txBody>
-          <a:bodyPr lIns="0" rIns="0" tIns="0" bIns="0">
+          <a:bodyPr lIns="0" tIns="0" rIns="0" bIns="0">
             <a:normAutofit/>
           </a:bodyPr>
-          <a:p>
-            <a:endParaRPr b="0" lang="en-US" sz="3200" spc="-1" strike="noStrike">
+          <a:lstStyle/>
+          <a:p>
+            <a:endParaRPr lang="en-US" sz="3200" b="0" strike="noStrike" spc="-1">
               <a:latin typeface="Arial"/>
             </a:endParaRPr>
           </a:p>
@@ -1111,11 +1281,14 @@
       </p:sp>
     </p:spTree>
   </p:cSld>
+  <p:clrMapOvr>
+    <a:masterClrMapping/>
+  </p:clrMapOvr>
 </p:sldLayout>
 </file>
 
 <file path=ppt/slideLayouts/slideLayout2.xml><?xml version="1.0" encoding="utf-8"?>
-<p:sldLayout xmlns:a="http://schemas.openxmlformats.org/drawingml/2006/main" xmlns:p="http://schemas.openxmlformats.org/presentationml/2006/main" xmlns:r="http://schemas.openxmlformats.org/officeDocument/2006/relationships" xmlns:p14="http://schemas.microsoft.com/office/powerpoint/2010/main" xmlns:p15="http://schemas.microsoft.com/office/powerpoint/2012/main" xmlns:mc="http://schemas.openxmlformats.org/markup-compatibility/2006" type="tx" preserve="1">
+<p:sldLayout xmlns:a="http://schemas.openxmlformats.org/drawingml/2006/main" xmlns:r="http://schemas.openxmlformats.org/officeDocument/2006/relationships" xmlns:p="http://schemas.openxmlformats.org/presentationml/2006/main" type="tx" preserve="1">
   <p:cSld name="Title Slide">
     <p:spTree>
       <p:nvGrpSpPr>
@@ -1151,12 +1324,13 @@
           </a:prstGeom>
         </p:spPr>
         <p:txBody>
-          <a:bodyPr lIns="0" rIns="0" tIns="0" bIns="0" anchor="ctr">
+          <a:bodyPr lIns="0" tIns="0" rIns="0" bIns="0" anchor="ctr">
             <a:noAutofit/>
           </a:bodyPr>
+          <a:lstStyle/>
           <a:p>
             <a:pPr algn="ctr"/>
-            <a:endParaRPr b="0" lang="en-US" sz="4400" spc="-1" strike="noStrike">
+            <a:endParaRPr lang="en-US" sz="4400" b="0" strike="noStrike" spc="-1">
               <a:latin typeface="Arial"/>
             </a:endParaRPr>
           </a:p>
@@ -1182,12 +1356,13 @@
           </a:prstGeom>
         </p:spPr>
         <p:txBody>
-          <a:bodyPr lIns="0" rIns="0" tIns="0" bIns="0" anchor="ctr">
+          <a:bodyPr lIns="0" tIns="0" rIns="0" bIns="0" anchor="ctr">
             <a:noAutofit/>
           </a:bodyPr>
+          <a:lstStyle/>
           <a:p>
             <a:pPr algn="ctr"/>
-            <a:endParaRPr b="0" lang="en-US" sz="3200" spc="-1" strike="noStrike">
+            <a:endParaRPr lang="en-US" sz="3200" b="0" strike="noStrike" spc="-1">
               <a:latin typeface="Arial"/>
             </a:endParaRPr>
           </a:p>
@@ -1195,11 +1370,14 @@
       </p:sp>
     </p:spTree>
   </p:cSld>
+  <p:clrMapOvr>
+    <a:masterClrMapping/>
+  </p:clrMapOvr>
 </p:sldLayout>
 </file>
 
 <file path=ppt/slideLayouts/slideLayout20.xml><?xml version="1.0" encoding="utf-8"?>
-<p:sldLayout xmlns:a="http://schemas.openxmlformats.org/drawingml/2006/main" xmlns:p="http://schemas.openxmlformats.org/presentationml/2006/main" xmlns:r="http://schemas.openxmlformats.org/officeDocument/2006/relationships" xmlns:p14="http://schemas.microsoft.com/office/powerpoint/2010/main" xmlns:p15="http://schemas.microsoft.com/office/powerpoint/2012/main" xmlns:mc="http://schemas.openxmlformats.org/markup-compatibility/2006" type="objAndTwoObj" preserve="1">
+<p:sldLayout xmlns:a="http://schemas.openxmlformats.org/drawingml/2006/main" xmlns:r="http://schemas.openxmlformats.org/officeDocument/2006/relationships" xmlns:p="http://schemas.openxmlformats.org/presentationml/2006/main" type="objAndTwoObj" preserve="1">
   <p:cSld name="Title Content and 2 Content">
     <p:spTree>
       <p:nvGrpSpPr>
@@ -1235,12 +1413,13 @@
           </a:prstGeom>
         </p:spPr>
         <p:txBody>
-          <a:bodyPr lIns="0" rIns="0" tIns="0" bIns="0" anchor="ctr">
+          <a:bodyPr lIns="0" tIns="0" rIns="0" bIns="0" anchor="ctr">
             <a:noAutofit/>
           </a:bodyPr>
+          <a:lstStyle/>
           <a:p>
             <a:pPr algn="ctr"/>
-            <a:endParaRPr b="0" lang="en-US" sz="4400" spc="-1" strike="noStrike">
+            <a:endParaRPr lang="en-US" sz="4400" b="0" strike="noStrike" spc="-1">
               <a:latin typeface="Arial"/>
             </a:endParaRPr>
           </a:p>
@@ -1266,11 +1445,12 @@
           </a:prstGeom>
         </p:spPr>
         <p:txBody>
-          <a:bodyPr lIns="0" rIns="0" tIns="0" bIns="0">
+          <a:bodyPr lIns="0" tIns="0" rIns="0" bIns="0">
             <a:normAutofit/>
           </a:bodyPr>
-          <a:p>
-            <a:endParaRPr b="0" lang="en-US" sz="3200" spc="-1" strike="noStrike">
+          <a:lstStyle/>
+          <a:p>
+            <a:endParaRPr lang="en-US" sz="3200" b="0" strike="noStrike" spc="-1">
               <a:latin typeface="Arial"/>
             </a:endParaRPr>
           </a:p>
@@ -1296,11 +1476,12 @@
           </a:prstGeom>
         </p:spPr>
         <p:txBody>
-          <a:bodyPr lIns="0" rIns="0" tIns="0" bIns="0">
+          <a:bodyPr lIns="0" tIns="0" rIns="0" bIns="0">
             <a:normAutofit/>
           </a:bodyPr>
-          <a:p>
-            <a:endParaRPr b="0" lang="en-US" sz="3200" spc="-1" strike="noStrike">
+          <a:lstStyle/>
+          <a:p>
+            <a:endParaRPr lang="en-US" sz="3200" b="0" strike="noStrike" spc="-1">
               <a:latin typeface="Arial"/>
             </a:endParaRPr>
           </a:p>
@@ -1326,11 +1507,12 @@
           </a:prstGeom>
         </p:spPr>
         <p:txBody>
-          <a:bodyPr lIns="0" rIns="0" tIns="0" bIns="0">
+          <a:bodyPr lIns="0" tIns="0" rIns="0" bIns="0">
             <a:normAutofit/>
           </a:bodyPr>
-          <a:p>
-            <a:endParaRPr b="0" lang="en-US" sz="3200" spc="-1" strike="noStrike">
+          <a:lstStyle/>
+          <a:p>
+            <a:endParaRPr lang="en-US" sz="3200" b="0" strike="noStrike" spc="-1">
               <a:latin typeface="Arial"/>
             </a:endParaRPr>
           </a:p>
@@ -1338,11 +1520,14 @@
       </p:sp>
     </p:spTree>
   </p:cSld>
+  <p:clrMapOvr>
+    <a:masterClrMapping/>
+  </p:clrMapOvr>
 </p:sldLayout>
 </file>
 
 <file path=ppt/slideLayouts/slideLayout21.xml><?xml version="1.0" encoding="utf-8"?>
-<p:sldLayout xmlns:a="http://schemas.openxmlformats.org/drawingml/2006/main" xmlns:p="http://schemas.openxmlformats.org/presentationml/2006/main" xmlns:r="http://schemas.openxmlformats.org/officeDocument/2006/relationships" xmlns:p14="http://schemas.microsoft.com/office/powerpoint/2010/main" xmlns:p15="http://schemas.microsoft.com/office/powerpoint/2012/main" xmlns:mc="http://schemas.openxmlformats.org/markup-compatibility/2006" type="twoObjOverTx" preserve="1">
+<p:sldLayout xmlns:a="http://schemas.openxmlformats.org/drawingml/2006/main" xmlns:r="http://schemas.openxmlformats.org/officeDocument/2006/relationships" xmlns:p="http://schemas.openxmlformats.org/presentationml/2006/main" type="twoObjOverTx" preserve="1">
   <p:cSld name="Title, 2 Content over Content">
     <p:spTree>
       <p:nvGrpSpPr>
@@ -1378,12 +1563,13 @@
           </a:prstGeom>
         </p:spPr>
         <p:txBody>
-          <a:bodyPr lIns="0" rIns="0" tIns="0" bIns="0" anchor="ctr">
+          <a:bodyPr lIns="0" tIns="0" rIns="0" bIns="0" anchor="ctr">
             <a:noAutofit/>
           </a:bodyPr>
+          <a:lstStyle/>
           <a:p>
             <a:pPr algn="ctr"/>
-            <a:endParaRPr b="0" lang="en-US" sz="4400" spc="-1" strike="noStrike">
+            <a:endParaRPr lang="en-US" sz="4400" b="0" strike="noStrike" spc="-1">
               <a:latin typeface="Arial"/>
             </a:endParaRPr>
           </a:p>
@@ -1409,11 +1595,12 @@
           </a:prstGeom>
         </p:spPr>
         <p:txBody>
-          <a:bodyPr lIns="0" rIns="0" tIns="0" bIns="0">
+          <a:bodyPr lIns="0" tIns="0" rIns="0" bIns="0">
             <a:normAutofit/>
           </a:bodyPr>
-          <a:p>
-            <a:endParaRPr b="0" lang="en-US" sz="3200" spc="-1" strike="noStrike">
+          <a:lstStyle/>
+          <a:p>
+            <a:endParaRPr lang="en-US" sz="3200" b="0" strike="noStrike" spc="-1">
               <a:latin typeface="Arial"/>
             </a:endParaRPr>
           </a:p>
@@ -1439,11 +1626,12 @@
           </a:prstGeom>
         </p:spPr>
         <p:txBody>
-          <a:bodyPr lIns="0" rIns="0" tIns="0" bIns="0">
+          <a:bodyPr lIns="0" tIns="0" rIns="0" bIns="0">
             <a:normAutofit/>
           </a:bodyPr>
-          <a:p>
-            <a:endParaRPr b="0" lang="en-US" sz="3200" spc="-1" strike="noStrike">
+          <a:lstStyle/>
+          <a:p>
+            <a:endParaRPr lang="en-US" sz="3200" b="0" strike="noStrike" spc="-1">
               <a:latin typeface="Arial"/>
             </a:endParaRPr>
           </a:p>
@@ -1469,11 +1657,12 @@
           </a:prstGeom>
         </p:spPr>
         <p:txBody>
-          <a:bodyPr lIns="0" rIns="0" tIns="0" bIns="0">
+          <a:bodyPr lIns="0" tIns="0" rIns="0" bIns="0">
             <a:normAutofit/>
           </a:bodyPr>
-          <a:p>
-            <a:endParaRPr b="0" lang="en-US" sz="3200" spc="-1" strike="noStrike">
+          <a:lstStyle/>
+          <a:p>
+            <a:endParaRPr lang="en-US" sz="3200" b="0" strike="noStrike" spc="-1">
               <a:latin typeface="Arial"/>
             </a:endParaRPr>
           </a:p>
@@ -1481,11 +1670,14 @@
       </p:sp>
     </p:spTree>
   </p:cSld>
+  <p:clrMapOvr>
+    <a:masterClrMapping/>
+  </p:clrMapOvr>
 </p:sldLayout>
 </file>
 
 <file path=ppt/slideLayouts/slideLayout22.xml><?xml version="1.0" encoding="utf-8"?>
-<p:sldLayout xmlns:a="http://schemas.openxmlformats.org/drawingml/2006/main" xmlns:p="http://schemas.openxmlformats.org/presentationml/2006/main" xmlns:r="http://schemas.openxmlformats.org/officeDocument/2006/relationships" xmlns:p14="http://schemas.microsoft.com/office/powerpoint/2010/main" xmlns:p15="http://schemas.microsoft.com/office/powerpoint/2012/main" xmlns:mc="http://schemas.openxmlformats.org/markup-compatibility/2006" type="objOverTx" preserve="1">
+<p:sldLayout xmlns:a="http://schemas.openxmlformats.org/drawingml/2006/main" xmlns:r="http://schemas.openxmlformats.org/officeDocument/2006/relationships" xmlns:p="http://schemas.openxmlformats.org/presentationml/2006/main" type="objOverTx" preserve="1">
   <p:cSld name="Title, Content over Content">
     <p:spTree>
       <p:nvGrpSpPr>
@@ -1521,12 +1713,13 @@
           </a:prstGeom>
         </p:spPr>
         <p:txBody>
-          <a:bodyPr lIns="0" rIns="0" tIns="0" bIns="0" anchor="ctr">
+          <a:bodyPr lIns="0" tIns="0" rIns="0" bIns="0" anchor="ctr">
             <a:noAutofit/>
           </a:bodyPr>
+          <a:lstStyle/>
           <a:p>
             <a:pPr algn="ctr"/>
-            <a:endParaRPr b="0" lang="en-US" sz="4400" spc="-1" strike="noStrike">
+            <a:endParaRPr lang="en-US" sz="4400" b="0" strike="noStrike" spc="-1">
               <a:latin typeface="Arial"/>
             </a:endParaRPr>
           </a:p>
@@ -1552,11 +1745,12 @@
           </a:prstGeom>
         </p:spPr>
         <p:txBody>
-          <a:bodyPr lIns="0" rIns="0" tIns="0" bIns="0">
+          <a:bodyPr lIns="0" tIns="0" rIns="0" bIns="0">
             <a:normAutofit/>
           </a:bodyPr>
-          <a:p>
-            <a:endParaRPr b="0" lang="en-US" sz="3200" spc="-1" strike="noStrike">
+          <a:lstStyle/>
+          <a:p>
+            <a:endParaRPr lang="en-US" sz="3200" b="0" strike="noStrike" spc="-1">
               <a:latin typeface="Arial"/>
             </a:endParaRPr>
           </a:p>
@@ -1582,11 +1776,12 @@
           </a:prstGeom>
         </p:spPr>
         <p:txBody>
-          <a:bodyPr lIns="0" rIns="0" tIns="0" bIns="0">
+          <a:bodyPr lIns="0" tIns="0" rIns="0" bIns="0">
             <a:normAutofit/>
           </a:bodyPr>
-          <a:p>
-            <a:endParaRPr b="0" lang="en-US" sz="3200" spc="-1" strike="noStrike">
+          <a:lstStyle/>
+          <a:p>
+            <a:endParaRPr lang="en-US" sz="3200" b="0" strike="noStrike" spc="-1">
               <a:latin typeface="Arial"/>
             </a:endParaRPr>
           </a:p>
@@ -1594,11 +1789,14 @@
       </p:sp>
     </p:spTree>
   </p:cSld>
+  <p:clrMapOvr>
+    <a:masterClrMapping/>
+  </p:clrMapOvr>
 </p:sldLayout>
 </file>
 
 <file path=ppt/slideLayouts/slideLayout23.xml><?xml version="1.0" encoding="utf-8"?>
-<p:sldLayout xmlns:a="http://schemas.openxmlformats.org/drawingml/2006/main" xmlns:p="http://schemas.openxmlformats.org/presentationml/2006/main" xmlns:r="http://schemas.openxmlformats.org/officeDocument/2006/relationships" xmlns:p14="http://schemas.microsoft.com/office/powerpoint/2010/main" xmlns:p15="http://schemas.microsoft.com/office/powerpoint/2012/main" xmlns:mc="http://schemas.openxmlformats.org/markup-compatibility/2006" type="fourObj" preserve="1">
+<p:sldLayout xmlns:a="http://schemas.openxmlformats.org/drawingml/2006/main" xmlns:r="http://schemas.openxmlformats.org/officeDocument/2006/relationships" xmlns:p="http://schemas.openxmlformats.org/presentationml/2006/main" type="fourObj" preserve="1">
   <p:cSld name="Title, 4 Content">
     <p:spTree>
       <p:nvGrpSpPr>
@@ -1634,12 +1832,13 @@
           </a:prstGeom>
         </p:spPr>
         <p:txBody>
-          <a:bodyPr lIns="0" rIns="0" tIns="0" bIns="0" anchor="ctr">
+          <a:bodyPr lIns="0" tIns="0" rIns="0" bIns="0" anchor="ctr">
             <a:noAutofit/>
           </a:bodyPr>
+          <a:lstStyle/>
           <a:p>
             <a:pPr algn="ctr"/>
-            <a:endParaRPr b="0" lang="en-US" sz="4400" spc="-1" strike="noStrike">
+            <a:endParaRPr lang="en-US" sz="4400" b="0" strike="noStrike" spc="-1">
               <a:latin typeface="Arial"/>
             </a:endParaRPr>
           </a:p>
@@ -1665,11 +1864,12 @@
           </a:prstGeom>
         </p:spPr>
         <p:txBody>
-          <a:bodyPr lIns="0" rIns="0" tIns="0" bIns="0">
+          <a:bodyPr lIns="0" tIns="0" rIns="0" bIns="0">
             <a:normAutofit/>
           </a:bodyPr>
-          <a:p>
-            <a:endParaRPr b="0" lang="en-US" sz="3200" spc="-1" strike="noStrike">
+          <a:lstStyle/>
+          <a:p>
+            <a:endParaRPr lang="en-US" sz="3200" b="0" strike="noStrike" spc="-1">
               <a:latin typeface="Arial"/>
             </a:endParaRPr>
           </a:p>
@@ -1695,11 +1895,12 @@
           </a:prstGeom>
         </p:spPr>
         <p:txBody>
-          <a:bodyPr lIns="0" rIns="0" tIns="0" bIns="0">
+          <a:bodyPr lIns="0" tIns="0" rIns="0" bIns="0">
             <a:normAutofit/>
           </a:bodyPr>
-          <a:p>
-            <a:endParaRPr b="0" lang="en-US" sz="3200" spc="-1" strike="noStrike">
+          <a:lstStyle/>
+          <a:p>
+            <a:endParaRPr lang="en-US" sz="3200" b="0" strike="noStrike" spc="-1">
               <a:latin typeface="Arial"/>
             </a:endParaRPr>
           </a:p>
@@ -1725,11 +1926,12 @@
           </a:prstGeom>
         </p:spPr>
         <p:txBody>
-          <a:bodyPr lIns="0" rIns="0" tIns="0" bIns="0">
+          <a:bodyPr lIns="0" tIns="0" rIns="0" bIns="0">
             <a:normAutofit/>
           </a:bodyPr>
-          <a:p>
-            <a:endParaRPr b="0" lang="en-US" sz="3200" spc="-1" strike="noStrike">
+          <a:lstStyle/>
+          <a:p>
+            <a:endParaRPr lang="en-US" sz="3200" b="0" strike="noStrike" spc="-1">
               <a:latin typeface="Arial"/>
             </a:endParaRPr>
           </a:p>
@@ -1755,11 +1957,12 @@
           </a:prstGeom>
         </p:spPr>
         <p:txBody>
-          <a:bodyPr lIns="0" rIns="0" tIns="0" bIns="0">
+          <a:bodyPr lIns="0" tIns="0" rIns="0" bIns="0">
             <a:normAutofit/>
           </a:bodyPr>
-          <a:p>
-            <a:endParaRPr b="0" lang="en-US" sz="3200" spc="-1" strike="noStrike">
+          <a:lstStyle/>
+          <a:p>
+            <a:endParaRPr lang="en-US" sz="3200" b="0" strike="noStrike" spc="-1">
               <a:latin typeface="Arial"/>
             </a:endParaRPr>
           </a:p>
@@ -1767,11 +1970,14 @@
       </p:sp>
     </p:spTree>
   </p:cSld>
+  <p:clrMapOvr>
+    <a:masterClrMapping/>
+  </p:clrMapOvr>
 </p:sldLayout>
 </file>
 
 <file path=ppt/slideLayouts/slideLayout24.xml><?xml version="1.0" encoding="utf-8"?>
-<p:sldLayout xmlns:a="http://schemas.openxmlformats.org/drawingml/2006/main" xmlns:p="http://schemas.openxmlformats.org/presentationml/2006/main" xmlns:r="http://schemas.openxmlformats.org/officeDocument/2006/relationships" xmlns:p14="http://schemas.microsoft.com/office/powerpoint/2010/main" xmlns:p15="http://schemas.microsoft.com/office/powerpoint/2012/main" xmlns:mc="http://schemas.openxmlformats.org/markup-compatibility/2006" type="blank" preserve="1">
+<p:sldLayout xmlns:a="http://schemas.openxmlformats.org/drawingml/2006/main" xmlns:r="http://schemas.openxmlformats.org/officeDocument/2006/relationships" xmlns:p="http://schemas.openxmlformats.org/presentationml/2006/main" type="blank" preserve="1">
   <p:cSld name="Title, 6 Content">
     <p:spTree>
       <p:nvGrpSpPr>
@@ -1807,12 +2013,13 @@
           </a:prstGeom>
         </p:spPr>
         <p:txBody>
-          <a:bodyPr lIns="0" rIns="0" tIns="0" bIns="0" anchor="ctr">
+          <a:bodyPr lIns="0" tIns="0" rIns="0" bIns="0" anchor="ctr">
             <a:noAutofit/>
           </a:bodyPr>
+          <a:lstStyle/>
           <a:p>
             <a:pPr algn="ctr"/>
-            <a:endParaRPr b="0" lang="en-US" sz="4400" spc="-1" strike="noStrike">
+            <a:endParaRPr lang="en-US" sz="4400" b="0" strike="noStrike" spc="-1">
               <a:latin typeface="Arial"/>
             </a:endParaRPr>
           </a:p>
@@ -1838,11 +2045,12 @@
           </a:prstGeom>
         </p:spPr>
         <p:txBody>
-          <a:bodyPr lIns="0" rIns="0" tIns="0" bIns="0">
+          <a:bodyPr lIns="0" tIns="0" rIns="0" bIns="0">
             <a:normAutofit/>
           </a:bodyPr>
-          <a:p>
-            <a:endParaRPr b="0" lang="en-US" sz="3200" spc="-1" strike="noStrike">
+          <a:lstStyle/>
+          <a:p>
+            <a:endParaRPr lang="en-US" sz="3200" b="0" strike="noStrike" spc="-1">
               <a:latin typeface="Arial"/>
             </a:endParaRPr>
           </a:p>
@@ -1868,11 +2076,12 @@
           </a:prstGeom>
         </p:spPr>
         <p:txBody>
-          <a:bodyPr lIns="0" rIns="0" tIns="0" bIns="0">
+          <a:bodyPr lIns="0" tIns="0" rIns="0" bIns="0">
             <a:normAutofit/>
           </a:bodyPr>
-          <a:p>
-            <a:endParaRPr b="0" lang="en-US" sz="3200" spc="-1" strike="noStrike">
+          <a:lstStyle/>
+          <a:p>
+            <a:endParaRPr lang="en-US" sz="3200" b="0" strike="noStrike" spc="-1">
               <a:latin typeface="Arial"/>
             </a:endParaRPr>
           </a:p>
@@ -1898,11 +2107,12 @@
           </a:prstGeom>
         </p:spPr>
         <p:txBody>
-          <a:bodyPr lIns="0" rIns="0" tIns="0" bIns="0">
+          <a:bodyPr lIns="0" tIns="0" rIns="0" bIns="0">
             <a:normAutofit/>
           </a:bodyPr>
-          <a:p>
-            <a:endParaRPr b="0" lang="en-US" sz="3200" spc="-1" strike="noStrike">
+          <a:lstStyle/>
+          <a:p>
+            <a:endParaRPr lang="en-US" sz="3200" b="0" strike="noStrike" spc="-1">
               <a:latin typeface="Arial"/>
             </a:endParaRPr>
           </a:p>
@@ -1928,11 +2138,12 @@
           </a:prstGeom>
         </p:spPr>
         <p:txBody>
-          <a:bodyPr lIns="0" rIns="0" tIns="0" bIns="0">
+          <a:bodyPr lIns="0" tIns="0" rIns="0" bIns="0">
             <a:normAutofit/>
           </a:bodyPr>
-          <a:p>
-            <a:endParaRPr b="0" lang="en-US" sz="3200" spc="-1" strike="noStrike">
+          <a:lstStyle/>
+          <a:p>
+            <a:endParaRPr lang="en-US" sz="3200" b="0" strike="noStrike" spc="-1">
               <a:latin typeface="Arial"/>
             </a:endParaRPr>
           </a:p>
@@ -1958,11 +2169,12 @@
           </a:prstGeom>
         </p:spPr>
         <p:txBody>
-          <a:bodyPr lIns="0" rIns="0" tIns="0" bIns="0">
+          <a:bodyPr lIns="0" tIns="0" rIns="0" bIns="0">
             <a:normAutofit/>
           </a:bodyPr>
-          <a:p>
-            <a:endParaRPr b="0" lang="en-US" sz="3200" spc="-1" strike="noStrike">
+          <a:lstStyle/>
+          <a:p>
+            <a:endParaRPr lang="en-US" sz="3200" b="0" strike="noStrike" spc="-1">
               <a:latin typeface="Arial"/>
             </a:endParaRPr>
           </a:p>
@@ -1988,11 +2200,12 @@
           </a:prstGeom>
         </p:spPr>
         <p:txBody>
-          <a:bodyPr lIns="0" rIns="0" tIns="0" bIns="0">
+          <a:bodyPr lIns="0" tIns="0" rIns="0" bIns="0">
             <a:normAutofit/>
           </a:bodyPr>
-          <a:p>
-            <a:endParaRPr b="0" lang="en-US" sz="3200" spc="-1" strike="noStrike">
+          <a:lstStyle/>
+          <a:p>
+            <a:endParaRPr lang="en-US" sz="3200" b="0" strike="noStrike" spc="-1">
               <a:latin typeface="Arial"/>
             </a:endParaRPr>
           </a:p>
@@ -2000,11 +2213,14 @@
       </p:sp>
     </p:spTree>
   </p:cSld>
+  <p:clrMapOvr>
+    <a:masterClrMapping/>
+  </p:clrMapOvr>
 </p:sldLayout>
 </file>
 
 <file path=ppt/slideLayouts/slideLayout25.xml><?xml version="1.0" encoding="utf-8"?>
-<p:sldLayout xmlns:a="http://schemas.openxmlformats.org/drawingml/2006/main" xmlns:p="http://schemas.openxmlformats.org/presentationml/2006/main" xmlns:r="http://schemas.openxmlformats.org/officeDocument/2006/relationships" xmlns:p14="http://schemas.microsoft.com/office/powerpoint/2010/main" xmlns:p15="http://schemas.microsoft.com/office/powerpoint/2012/main" xmlns:mc="http://schemas.openxmlformats.org/markup-compatibility/2006" type="blank" preserve="1">
+<p:sldLayout xmlns:a="http://schemas.openxmlformats.org/drawingml/2006/main" xmlns:r="http://schemas.openxmlformats.org/officeDocument/2006/relationships" xmlns:p="http://schemas.openxmlformats.org/presentationml/2006/main" type="blank" preserve="1">
   <p:cSld name="Blank Slide">
     <p:spTree>
       <p:nvGrpSpPr>
@@ -2022,11 +2238,14 @@
       </p:grpSpPr>
     </p:spTree>
   </p:cSld>
+  <p:clrMapOvr>
+    <a:masterClrMapping/>
+  </p:clrMapOvr>
 </p:sldLayout>
 </file>
 
 <file path=ppt/slideLayouts/slideLayout26.xml><?xml version="1.0" encoding="utf-8"?>
-<p:sldLayout xmlns:a="http://schemas.openxmlformats.org/drawingml/2006/main" xmlns:p="http://schemas.openxmlformats.org/presentationml/2006/main" xmlns:r="http://schemas.openxmlformats.org/officeDocument/2006/relationships" xmlns:p14="http://schemas.microsoft.com/office/powerpoint/2010/main" xmlns:p15="http://schemas.microsoft.com/office/powerpoint/2012/main" xmlns:mc="http://schemas.openxmlformats.org/markup-compatibility/2006" type="tx" preserve="1">
+<p:sldLayout xmlns:a="http://schemas.openxmlformats.org/drawingml/2006/main" xmlns:r="http://schemas.openxmlformats.org/officeDocument/2006/relationships" xmlns:p="http://schemas.openxmlformats.org/presentationml/2006/main" type="tx" preserve="1">
   <p:cSld name="Title Slide">
     <p:spTree>
       <p:nvGrpSpPr>
@@ -2062,12 +2281,13 @@
           </a:prstGeom>
         </p:spPr>
         <p:txBody>
-          <a:bodyPr lIns="0" rIns="0" tIns="0" bIns="0" anchor="ctr">
+          <a:bodyPr lIns="0" tIns="0" rIns="0" bIns="0" anchor="ctr">
             <a:noAutofit/>
           </a:bodyPr>
+          <a:lstStyle/>
           <a:p>
             <a:pPr algn="ctr"/>
-            <a:endParaRPr b="0" lang="en-US" sz="4400" spc="-1" strike="noStrike">
+            <a:endParaRPr lang="en-US" sz="4400" b="0" strike="noStrike" spc="-1">
               <a:latin typeface="Arial"/>
             </a:endParaRPr>
           </a:p>
@@ -2093,12 +2313,13 @@
           </a:prstGeom>
         </p:spPr>
         <p:txBody>
-          <a:bodyPr lIns="0" rIns="0" tIns="0" bIns="0" anchor="ctr">
+          <a:bodyPr lIns="0" tIns="0" rIns="0" bIns="0" anchor="ctr">
             <a:noAutofit/>
           </a:bodyPr>
+          <a:lstStyle/>
           <a:p>
             <a:pPr algn="ctr"/>
-            <a:endParaRPr b="0" lang="en-US" sz="3200" spc="-1" strike="noStrike">
+            <a:endParaRPr lang="en-US" sz="3200" b="0" strike="noStrike" spc="-1">
               <a:latin typeface="Arial"/>
             </a:endParaRPr>
           </a:p>
@@ -2106,11 +2327,14 @@
       </p:sp>
     </p:spTree>
   </p:cSld>
+  <p:clrMapOvr>
+    <a:masterClrMapping/>
+  </p:clrMapOvr>
 </p:sldLayout>
 </file>
 
 <file path=ppt/slideLayouts/slideLayout27.xml><?xml version="1.0" encoding="utf-8"?>
-<p:sldLayout xmlns:a="http://schemas.openxmlformats.org/drawingml/2006/main" xmlns:p="http://schemas.openxmlformats.org/presentationml/2006/main" xmlns:r="http://schemas.openxmlformats.org/officeDocument/2006/relationships" xmlns:p14="http://schemas.microsoft.com/office/powerpoint/2010/main" xmlns:p15="http://schemas.microsoft.com/office/powerpoint/2012/main" xmlns:mc="http://schemas.openxmlformats.org/markup-compatibility/2006" type="obj" preserve="1">
+<p:sldLayout xmlns:a="http://schemas.openxmlformats.org/drawingml/2006/main" xmlns:r="http://schemas.openxmlformats.org/officeDocument/2006/relationships" xmlns:p="http://schemas.openxmlformats.org/presentationml/2006/main" type="obj" preserve="1">
   <p:cSld name="Title, Content">
     <p:spTree>
       <p:nvGrpSpPr>
@@ -2146,12 +2370,13 @@
           </a:prstGeom>
         </p:spPr>
         <p:txBody>
-          <a:bodyPr lIns="0" rIns="0" tIns="0" bIns="0" anchor="ctr">
+          <a:bodyPr lIns="0" tIns="0" rIns="0" bIns="0" anchor="ctr">
             <a:noAutofit/>
           </a:bodyPr>
+          <a:lstStyle/>
           <a:p>
             <a:pPr algn="ctr"/>
-            <a:endParaRPr b="0" lang="en-US" sz="4400" spc="-1" strike="noStrike">
+            <a:endParaRPr lang="en-US" sz="4400" b="0" strike="noStrike" spc="-1">
               <a:latin typeface="Arial"/>
             </a:endParaRPr>
           </a:p>
@@ -2177,11 +2402,12 @@
           </a:prstGeom>
         </p:spPr>
         <p:txBody>
-          <a:bodyPr lIns="0" rIns="0" tIns="0" bIns="0">
+          <a:bodyPr lIns="0" tIns="0" rIns="0" bIns="0">
             <a:normAutofit/>
           </a:bodyPr>
-          <a:p>
-            <a:endParaRPr b="0" lang="en-US" sz="3200" spc="-1" strike="noStrike">
+          <a:lstStyle/>
+          <a:p>
+            <a:endParaRPr lang="en-US" sz="3200" b="0" strike="noStrike" spc="-1">
               <a:latin typeface="Arial"/>
             </a:endParaRPr>
           </a:p>
@@ -2189,11 +2415,14 @@
       </p:sp>
     </p:spTree>
   </p:cSld>
+  <p:clrMapOvr>
+    <a:masterClrMapping/>
+  </p:clrMapOvr>
 </p:sldLayout>
 </file>
 
 <file path=ppt/slideLayouts/slideLayout28.xml><?xml version="1.0" encoding="utf-8"?>
-<p:sldLayout xmlns:a="http://schemas.openxmlformats.org/drawingml/2006/main" xmlns:p="http://schemas.openxmlformats.org/presentationml/2006/main" xmlns:r="http://schemas.openxmlformats.org/officeDocument/2006/relationships" xmlns:p14="http://schemas.microsoft.com/office/powerpoint/2010/main" xmlns:p15="http://schemas.microsoft.com/office/powerpoint/2012/main" xmlns:mc="http://schemas.openxmlformats.org/markup-compatibility/2006" type="twoObj" preserve="1">
+<p:sldLayout xmlns:a="http://schemas.openxmlformats.org/drawingml/2006/main" xmlns:r="http://schemas.openxmlformats.org/officeDocument/2006/relationships" xmlns:p="http://schemas.openxmlformats.org/presentationml/2006/main" type="twoObj" preserve="1">
   <p:cSld name="Title, 2 Content">
     <p:spTree>
       <p:nvGrpSpPr>
@@ -2229,12 +2458,13 @@
           </a:prstGeom>
         </p:spPr>
         <p:txBody>
-          <a:bodyPr lIns="0" rIns="0" tIns="0" bIns="0" anchor="ctr">
+          <a:bodyPr lIns="0" tIns="0" rIns="0" bIns="0" anchor="ctr">
             <a:noAutofit/>
           </a:bodyPr>
+          <a:lstStyle/>
           <a:p>
             <a:pPr algn="ctr"/>
-            <a:endParaRPr b="0" lang="en-US" sz="4400" spc="-1" strike="noStrike">
+            <a:endParaRPr lang="en-US" sz="4400" b="0" strike="noStrike" spc="-1">
               <a:latin typeface="Arial"/>
             </a:endParaRPr>
           </a:p>
@@ -2260,11 +2490,12 @@
           </a:prstGeom>
         </p:spPr>
         <p:txBody>
-          <a:bodyPr lIns="0" rIns="0" tIns="0" bIns="0">
+          <a:bodyPr lIns="0" tIns="0" rIns="0" bIns="0">
             <a:normAutofit/>
           </a:bodyPr>
-          <a:p>
-            <a:endParaRPr b="0" lang="en-US" sz="3200" spc="-1" strike="noStrike">
+          <a:lstStyle/>
+          <a:p>
+            <a:endParaRPr lang="en-US" sz="3200" b="0" strike="noStrike" spc="-1">
               <a:latin typeface="Arial"/>
             </a:endParaRPr>
           </a:p>
@@ -2290,11 +2521,12 @@
           </a:prstGeom>
         </p:spPr>
         <p:txBody>
-          <a:bodyPr lIns="0" rIns="0" tIns="0" bIns="0">
+          <a:bodyPr lIns="0" tIns="0" rIns="0" bIns="0">
             <a:normAutofit/>
           </a:bodyPr>
-          <a:p>
-            <a:endParaRPr b="0" lang="en-US" sz="3200" spc="-1" strike="noStrike">
+          <a:lstStyle/>
+          <a:p>
+            <a:endParaRPr lang="en-US" sz="3200" b="0" strike="noStrike" spc="-1">
               <a:latin typeface="Arial"/>
             </a:endParaRPr>
           </a:p>
@@ -2302,11 +2534,14 @@
       </p:sp>
     </p:spTree>
   </p:cSld>
+  <p:clrMapOvr>
+    <a:masterClrMapping/>
+  </p:clrMapOvr>
 </p:sldLayout>
 </file>
 
 <file path=ppt/slideLayouts/slideLayout29.xml><?xml version="1.0" encoding="utf-8"?>
-<p:sldLayout xmlns:a="http://schemas.openxmlformats.org/drawingml/2006/main" xmlns:p="http://schemas.openxmlformats.org/presentationml/2006/main" xmlns:r="http://schemas.openxmlformats.org/officeDocument/2006/relationships" xmlns:p14="http://schemas.microsoft.com/office/powerpoint/2010/main" xmlns:p15="http://schemas.microsoft.com/office/powerpoint/2012/main" xmlns:mc="http://schemas.openxmlformats.org/markup-compatibility/2006" type="titleOnly" preserve="1">
+<p:sldLayout xmlns:a="http://schemas.openxmlformats.org/drawingml/2006/main" xmlns:r="http://schemas.openxmlformats.org/officeDocument/2006/relationships" xmlns:p="http://schemas.openxmlformats.org/presentationml/2006/main" type="titleOnly" preserve="1">
   <p:cSld name="Title Only">
     <p:spTree>
       <p:nvGrpSpPr>
@@ -2342,12 +2577,13 @@
           </a:prstGeom>
         </p:spPr>
         <p:txBody>
-          <a:bodyPr lIns="0" rIns="0" tIns="0" bIns="0" anchor="ctr">
+          <a:bodyPr lIns="0" tIns="0" rIns="0" bIns="0" anchor="ctr">
             <a:noAutofit/>
           </a:bodyPr>
+          <a:lstStyle/>
           <a:p>
             <a:pPr algn="ctr"/>
-            <a:endParaRPr b="0" lang="en-US" sz="4400" spc="-1" strike="noStrike">
+            <a:endParaRPr lang="en-US" sz="4400" b="0" strike="noStrike" spc="-1">
               <a:latin typeface="Arial"/>
             </a:endParaRPr>
           </a:p>
@@ -2355,11 +2591,14 @@
       </p:sp>
     </p:spTree>
   </p:cSld>
+  <p:clrMapOvr>
+    <a:masterClrMapping/>
+  </p:clrMapOvr>
 </p:sldLayout>
 </file>
 
 <file path=ppt/slideLayouts/slideLayout3.xml><?xml version="1.0" encoding="utf-8"?>
-<p:sldLayout xmlns:a="http://schemas.openxmlformats.org/drawingml/2006/main" xmlns:p="http://schemas.openxmlformats.org/presentationml/2006/main" xmlns:r="http://schemas.openxmlformats.org/officeDocument/2006/relationships" xmlns:p14="http://schemas.microsoft.com/office/powerpoint/2010/main" xmlns:p15="http://schemas.microsoft.com/office/powerpoint/2012/main" xmlns:mc="http://schemas.openxmlformats.org/markup-compatibility/2006" type="obj" preserve="1">
+<p:sldLayout xmlns:a="http://schemas.openxmlformats.org/drawingml/2006/main" xmlns:r="http://schemas.openxmlformats.org/officeDocument/2006/relationships" xmlns:p="http://schemas.openxmlformats.org/presentationml/2006/main" type="obj" preserve="1">
   <p:cSld name="Title, Content">
     <p:spTree>
       <p:nvGrpSpPr>
@@ -2395,12 +2634,13 @@
           </a:prstGeom>
         </p:spPr>
         <p:txBody>
-          <a:bodyPr lIns="0" rIns="0" tIns="0" bIns="0" anchor="ctr">
+          <a:bodyPr lIns="0" tIns="0" rIns="0" bIns="0" anchor="ctr">
             <a:noAutofit/>
           </a:bodyPr>
+          <a:lstStyle/>
           <a:p>
             <a:pPr algn="ctr"/>
-            <a:endParaRPr b="0" lang="en-US" sz="4400" spc="-1" strike="noStrike">
+            <a:endParaRPr lang="en-US" sz="4400" b="0" strike="noStrike" spc="-1">
               <a:latin typeface="Arial"/>
             </a:endParaRPr>
           </a:p>
@@ -2426,11 +2666,12 @@
           </a:prstGeom>
         </p:spPr>
         <p:txBody>
-          <a:bodyPr lIns="0" rIns="0" tIns="0" bIns="0">
+          <a:bodyPr lIns="0" tIns="0" rIns="0" bIns="0">
             <a:normAutofit/>
           </a:bodyPr>
-          <a:p>
-            <a:endParaRPr b="0" lang="en-US" sz="3200" spc="-1" strike="noStrike">
+          <a:lstStyle/>
+          <a:p>
+            <a:endParaRPr lang="en-US" sz="3200" b="0" strike="noStrike" spc="-1">
               <a:latin typeface="Arial"/>
             </a:endParaRPr>
           </a:p>
@@ -2438,11 +2679,14 @@
       </p:sp>
     </p:spTree>
   </p:cSld>
+  <p:clrMapOvr>
+    <a:masterClrMapping/>
+  </p:clrMapOvr>
 </p:sldLayout>
 </file>
 
 <file path=ppt/slideLayouts/slideLayout30.xml><?xml version="1.0" encoding="utf-8"?>
-<p:sldLayout xmlns:a="http://schemas.openxmlformats.org/drawingml/2006/main" xmlns:p="http://schemas.openxmlformats.org/presentationml/2006/main" xmlns:r="http://schemas.openxmlformats.org/officeDocument/2006/relationships" xmlns:p14="http://schemas.microsoft.com/office/powerpoint/2010/main" xmlns:p15="http://schemas.microsoft.com/office/powerpoint/2012/main" xmlns:mc="http://schemas.openxmlformats.org/markup-compatibility/2006" type="objOnly" preserve="1">
+<p:sldLayout xmlns:a="http://schemas.openxmlformats.org/drawingml/2006/main" xmlns:r="http://schemas.openxmlformats.org/officeDocument/2006/relationships" xmlns:p="http://schemas.openxmlformats.org/presentationml/2006/main" type="objOnly" preserve="1">
   <p:cSld name="Centered Text">
     <p:spTree>
       <p:nvGrpSpPr>
@@ -2478,12 +2722,13 @@
           </a:prstGeom>
         </p:spPr>
         <p:txBody>
-          <a:bodyPr lIns="0" rIns="0" tIns="0" bIns="0" anchor="ctr">
+          <a:bodyPr lIns="0" tIns="0" rIns="0" bIns="0" anchor="ctr">
             <a:noAutofit/>
           </a:bodyPr>
+          <a:lstStyle/>
           <a:p>
             <a:pPr algn="ctr"/>
-            <a:endParaRPr b="0" lang="en-US" sz="3200" spc="-1" strike="noStrike">
+            <a:endParaRPr lang="en-US" sz="3200" b="0" strike="noStrike" spc="-1">
               <a:latin typeface="Arial"/>
             </a:endParaRPr>
           </a:p>
@@ -2491,11 +2736,14 @@
       </p:sp>
     </p:spTree>
   </p:cSld>
+  <p:clrMapOvr>
+    <a:masterClrMapping/>
+  </p:clrMapOvr>
 </p:sldLayout>
 </file>
 
 <file path=ppt/slideLayouts/slideLayout31.xml><?xml version="1.0" encoding="utf-8"?>
-<p:sldLayout xmlns:a="http://schemas.openxmlformats.org/drawingml/2006/main" xmlns:p="http://schemas.openxmlformats.org/presentationml/2006/main" xmlns:r="http://schemas.openxmlformats.org/officeDocument/2006/relationships" xmlns:p14="http://schemas.microsoft.com/office/powerpoint/2010/main" xmlns:p15="http://schemas.microsoft.com/office/powerpoint/2012/main" xmlns:mc="http://schemas.openxmlformats.org/markup-compatibility/2006" type="twoObjAndObj" preserve="1">
+<p:sldLayout xmlns:a="http://schemas.openxmlformats.org/drawingml/2006/main" xmlns:r="http://schemas.openxmlformats.org/officeDocument/2006/relationships" xmlns:p="http://schemas.openxmlformats.org/presentationml/2006/main" type="twoObjAndObj" preserve="1">
   <p:cSld name="Title, 2 Content and Content">
     <p:spTree>
       <p:nvGrpSpPr>
@@ -2531,12 +2779,13 @@
           </a:prstGeom>
         </p:spPr>
         <p:txBody>
-          <a:bodyPr lIns="0" rIns="0" tIns="0" bIns="0" anchor="ctr">
+          <a:bodyPr lIns="0" tIns="0" rIns="0" bIns="0" anchor="ctr">
             <a:noAutofit/>
           </a:bodyPr>
+          <a:lstStyle/>
           <a:p>
             <a:pPr algn="ctr"/>
-            <a:endParaRPr b="0" lang="en-US" sz="4400" spc="-1" strike="noStrike">
+            <a:endParaRPr lang="en-US" sz="4400" b="0" strike="noStrike" spc="-1">
               <a:latin typeface="Arial"/>
             </a:endParaRPr>
           </a:p>
@@ -2562,11 +2811,12 @@
           </a:prstGeom>
         </p:spPr>
         <p:txBody>
-          <a:bodyPr lIns="0" rIns="0" tIns="0" bIns="0">
+          <a:bodyPr lIns="0" tIns="0" rIns="0" bIns="0">
             <a:normAutofit/>
           </a:bodyPr>
-          <a:p>
-            <a:endParaRPr b="0" lang="en-US" sz="3200" spc="-1" strike="noStrike">
+          <a:lstStyle/>
+          <a:p>
+            <a:endParaRPr lang="en-US" sz="3200" b="0" strike="noStrike" spc="-1">
               <a:latin typeface="Arial"/>
             </a:endParaRPr>
           </a:p>
@@ -2592,11 +2842,12 @@
           </a:prstGeom>
         </p:spPr>
         <p:txBody>
-          <a:bodyPr lIns="0" rIns="0" tIns="0" bIns="0">
+          <a:bodyPr lIns="0" tIns="0" rIns="0" bIns="0">
             <a:normAutofit/>
           </a:bodyPr>
-          <a:p>
-            <a:endParaRPr b="0" lang="en-US" sz="3200" spc="-1" strike="noStrike">
+          <a:lstStyle/>
+          <a:p>
+            <a:endParaRPr lang="en-US" sz="3200" b="0" strike="noStrike" spc="-1">
               <a:latin typeface="Arial"/>
             </a:endParaRPr>
           </a:p>
@@ -2622,11 +2873,12 @@
           </a:prstGeom>
         </p:spPr>
         <p:txBody>
-          <a:bodyPr lIns="0" rIns="0" tIns="0" bIns="0">
+          <a:bodyPr lIns="0" tIns="0" rIns="0" bIns="0">
             <a:normAutofit/>
           </a:bodyPr>
-          <a:p>
-            <a:endParaRPr b="0" lang="en-US" sz="3200" spc="-1" strike="noStrike">
+          <a:lstStyle/>
+          <a:p>
+            <a:endParaRPr lang="en-US" sz="3200" b="0" strike="noStrike" spc="-1">
               <a:latin typeface="Arial"/>
             </a:endParaRPr>
           </a:p>
@@ -2634,11 +2886,14 @@
       </p:sp>
     </p:spTree>
   </p:cSld>
+  <p:clrMapOvr>
+    <a:masterClrMapping/>
+  </p:clrMapOvr>
 </p:sldLayout>
 </file>
 
 <file path=ppt/slideLayouts/slideLayout32.xml><?xml version="1.0" encoding="utf-8"?>
-<p:sldLayout xmlns:a="http://schemas.openxmlformats.org/drawingml/2006/main" xmlns:p="http://schemas.openxmlformats.org/presentationml/2006/main" xmlns:r="http://schemas.openxmlformats.org/officeDocument/2006/relationships" xmlns:p14="http://schemas.microsoft.com/office/powerpoint/2010/main" xmlns:p15="http://schemas.microsoft.com/office/powerpoint/2012/main" xmlns:mc="http://schemas.openxmlformats.org/markup-compatibility/2006" type="objAndTwoObj" preserve="1">
+<p:sldLayout xmlns:a="http://schemas.openxmlformats.org/drawingml/2006/main" xmlns:r="http://schemas.openxmlformats.org/officeDocument/2006/relationships" xmlns:p="http://schemas.openxmlformats.org/presentationml/2006/main" type="objAndTwoObj" preserve="1">
   <p:cSld name="Title Content and 2 Content">
     <p:spTree>
       <p:nvGrpSpPr>
@@ -2674,12 +2929,13 @@
           </a:prstGeom>
         </p:spPr>
         <p:txBody>
-          <a:bodyPr lIns="0" rIns="0" tIns="0" bIns="0" anchor="ctr">
+          <a:bodyPr lIns="0" tIns="0" rIns="0" bIns="0" anchor="ctr">
             <a:noAutofit/>
           </a:bodyPr>
+          <a:lstStyle/>
           <a:p>
             <a:pPr algn="ctr"/>
-            <a:endParaRPr b="0" lang="en-US" sz="4400" spc="-1" strike="noStrike">
+            <a:endParaRPr lang="en-US" sz="4400" b="0" strike="noStrike" spc="-1">
               <a:latin typeface="Arial"/>
             </a:endParaRPr>
           </a:p>
@@ -2705,11 +2961,12 @@
           </a:prstGeom>
         </p:spPr>
         <p:txBody>
-          <a:bodyPr lIns="0" rIns="0" tIns="0" bIns="0">
+          <a:bodyPr lIns="0" tIns="0" rIns="0" bIns="0">
             <a:normAutofit/>
           </a:bodyPr>
-          <a:p>
-            <a:endParaRPr b="0" lang="en-US" sz="3200" spc="-1" strike="noStrike">
+          <a:lstStyle/>
+          <a:p>
+            <a:endParaRPr lang="en-US" sz="3200" b="0" strike="noStrike" spc="-1">
               <a:latin typeface="Arial"/>
             </a:endParaRPr>
           </a:p>
@@ -2735,11 +2992,12 @@
           </a:prstGeom>
         </p:spPr>
         <p:txBody>
-          <a:bodyPr lIns="0" rIns="0" tIns="0" bIns="0">
+          <a:bodyPr lIns="0" tIns="0" rIns="0" bIns="0">
             <a:normAutofit/>
           </a:bodyPr>
-          <a:p>
-            <a:endParaRPr b="0" lang="en-US" sz="3200" spc="-1" strike="noStrike">
+          <a:lstStyle/>
+          <a:p>
+            <a:endParaRPr lang="en-US" sz="3200" b="0" strike="noStrike" spc="-1">
               <a:latin typeface="Arial"/>
             </a:endParaRPr>
           </a:p>
@@ -2765,11 +3023,12 @@
           </a:prstGeom>
         </p:spPr>
         <p:txBody>
-          <a:bodyPr lIns="0" rIns="0" tIns="0" bIns="0">
+          <a:bodyPr lIns="0" tIns="0" rIns="0" bIns="0">
             <a:normAutofit/>
           </a:bodyPr>
-          <a:p>
-            <a:endParaRPr b="0" lang="en-US" sz="3200" spc="-1" strike="noStrike">
+          <a:lstStyle/>
+          <a:p>
+            <a:endParaRPr lang="en-US" sz="3200" b="0" strike="noStrike" spc="-1">
               <a:latin typeface="Arial"/>
             </a:endParaRPr>
           </a:p>
@@ -2777,11 +3036,14 @@
       </p:sp>
     </p:spTree>
   </p:cSld>
+  <p:clrMapOvr>
+    <a:masterClrMapping/>
+  </p:clrMapOvr>
 </p:sldLayout>
 </file>
 
 <file path=ppt/slideLayouts/slideLayout33.xml><?xml version="1.0" encoding="utf-8"?>
-<p:sldLayout xmlns:a="http://schemas.openxmlformats.org/drawingml/2006/main" xmlns:p="http://schemas.openxmlformats.org/presentationml/2006/main" xmlns:r="http://schemas.openxmlformats.org/officeDocument/2006/relationships" xmlns:p14="http://schemas.microsoft.com/office/powerpoint/2010/main" xmlns:p15="http://schemas.microsoft.com/office/powerpoint/2012/main" xmlns:mc="http://schemas.openxmlformats.org/markup-compatibility/2006" type="twoObjOverTx" preserve="1">
+<p:sldLayout xmlns:a="http://schemas.openxmlformats.org/drawingml/2006/main" xmlns:r="http://schemas.openxmlformats.org/officeDocument/2006/relationships" xmlns:p="http://schemas.openxmlformats.org/presentationml/2006/main" type="twoObjOverTx" preserve="1">
   <p:cSld name="Title, 2 Content over Content">
     <p:spTree>
       <p:nvGrpSpPr>
@@ -2817,12 +3079,13 @@
           </a:prstGeom>
         </p:spPr>
         <p:txBody>
-          <a:bodyPr lIns="0" rIns="0" tIns="0" bIns="0" anchor="ctr">
+          <a:bodyPr lIns="0" tIns="0" rIns="0" bIns="0" anchor="ctr">
             <a:noAutofit/>
           </a:bodyPr>
+          <a:lstStyle/>
           <a:p>
             <a:pPr algn="ctr"/>
-            <a:endParaRPr b="0" lang="en-US" sz="4400" spc="-1" strike="noStrike">
+            <a:endParaRPr lang="en-US" sz="4400" b="0" strike="noStrike" spc="-1">
               <a:latin typeface="Arial"/>
             </a:endParaRPr>
           </a:p>
@@ -2848,11 +3111,12 @@
           </a:prstGeom>
         </p:spPr>
         <p:txBody>
-          <a:bodyPr lIns="0" rIns="0" tIns="0" bIns="0">
+          <a:bodyPr lIns="0" tIns="0" rIns="0" bIns="0">
             <a:normAutofit/>
           </a:bodyPr>
-          <a:p>
-            <a:endParaRPr b="0" lang="en-US" sz="3200" spc="-1" strike="noStrike">
+          <a:lstStyle/>
+          <a:p>
+            <a:endParaRPr lang="en-US" sz="3200" b="0" strike="noStrike" spc="-1">
               <a:latin typeface="Arial"/>
             </a:endParaRPr>
           </a:p>
@@ -2878,11 +3142,12 @@
           </a:prstGeom>
         </p:spPr>
         <p:txBody>
-          <a:bodyPr lIns="0" rIns="0" tIns="0" bIns="0">
+          <a:bodyPr lIns="0" tIns="0" rIns="0" bIns="0">
             <a:normAutofit/>
           </a:bodyPr>
-          <a:p>
-            <a:endParaRPr b="0" lang="en-US" sz="3200" spc="-1" strike="noStrike">
+          <a:lstStyle/>
+          <a:p>
+            <a:endParaRPr lang="en-US" sz="3200" b="0" strike="noStrike" spc="-1">
               <a:latin typeface="Arial"/>
             </a:endParaRPr>
           </a:p>
@@ -2908,11 +3173,12 @@
           </a:prstGeom>
         </p:spPr>
         <p:txBody>
-          <a:bodyPr lIns="0" rIns="0" tIns="0" bIns="0">
+          <a:bodyPr lIns="0" tIns="0" rIns="0" bIns="0">
             <a:normAutofit/>
           </a:bodyPr>
-          <a:p>
-            <a:endParaRPr b="0" lang="en-US" sz="3200" spc="-1" strike="noStrike">
+          <a:lstStyle/>
+          <a:p>
+            <a:endParaRPr lang="en-US" sz="3200" b="0" strike="noStrike" spc="-1">
               <a:latin typeface="Arial"/>
             </a:endParaRPr>
           </a:p>
@@ -2920,11 +3186,14 @@
       </p:sp>
     </p:spTree>
   </p:cSld>
+  <p:clrMapOvr>
+    <a:masterClrMapping/>
+  </p:clrMapOvr>
 </p:sldLayout>
 </file>
 
 <file path=ppt/slideLayouts/slideLayout34.xml><?xml version="1.0" encoding="utf-8"?>
-<p:sldLayout xmlns:a="http://schemas.openxmlformats.org/drawingml/2006/main" xmlns:p="http://schemas.openxmlformats.org/presentationml/2006/main" xmlns:r="http://schemas.openxmlformats.org/officeDocument/2006/relationships" xmlns:p14="http://schemas.microsoft.com/office/powerpoint/2010/main" xmlns:p15="http://schemas.microsoft.com/office/powerpoint/2012/main" xmlns:mc="http://schemas.openxmlformats.org/markup-compatibility/2006" type="objOverTx" preserve="1">
+<p:sldLayout xmlns:a="http://schemas.openxmlformats.org/drawingml/2006/main" xmlns:r="http://schemas.openxmlformats.org/officeDocument/2006/relationships" xmlns:p="http://schemas.openxmlformats.org/presentationml/2006/main" type="objOverTx" preserve="1">
   <p:cSld name="Title, Content over Content">
     <p:spTree>
       <p:nvGrpSpPr>
@@ -2960,12 +3229,13 @@
           </a:prstGeom>
         </p:spPr>
         <p:txBody>
-          <a:bodyPr lIns="0" rIns="0" tIns="0" bIns="0" anchor="ctr">
+          <a:bodyPr lIns="0" tIns="0" rIns="0" bIns="0" anchor="ctr">
             <a:noAutofit/>
           </a:bodyPr>
+          <a:lstStyle/>
           <a:p>
             <a:pPr algn="ctr"/>
-            <a:endParaRPr b="0" lang="en-US" sz="4400" spc="-1" strike="noStrike">
+            <a:endParaRPr lang="en-US" sz="4400" b="0" strike="noStrike" spc="-1">
               <a:latin typeface="Arial"/>
             </a:endParaRPr>
           </a:p>
@@ -2991,11 +3261,12 @@
           </a:prstGeom>
         </p:spPr>
         <p:txBody>
-          <a:bodyPr lIns="0" rIns="0" tIns="0" bIns="0">
+          <a:bodyPr lIns="0" tIns="0" rIns="0" bIns="0">
             <a:normAutofit/>
           </a:bodyPr>
-          <a:p>
-            <a:endParaRPr b="0" lang="en-US" sz="3200" spc="-1" strike="noStrike">
+          <a:lstStyle/>
+          <a:p>
+            <a:endParaRPr lang="en-US" sz="3200" b="0" strike="noStrike" spc="-1">
               <a:latin typeface="Arial"/>
             </a:endParaRPr>
           </a:p>
@@ -3021,11 +3292,12 @@
           </a:prstGeom>
         </p:spPr>
         <p:txBody>
-          <a:bodyPr lIns="0" rIns="0" tIns="0" bIns="0">
+          <a:bodyPr lIns="0" tIns="0" rIns="0" bIns="0">
             <a:normAutofit/>
           </a:bodyPr>
-          <a:p>
-            <a:endParaRPr b="0" lang="en-US" sz="3200" spc="-1" strike="noStrike">
+          <a:lstStyle/>
+          <a:p>
+            <a:endParaRPr lang="en-US" sz="3200" b="0" strike="noStrike" spc="-1">
               <a:latin typeface="Arial"/>
             </a:endParaRPr>
           </a:p>
@@ -3033,11 +3305,14 @@
       </p:sp>
     </p:spTree>
   </p:cSld>
+  <p:clrMapOvr>
+    <a:masterClrMapping/>
+  </p:clrMapOvr>
 </p:sldLayout>
 </file>
 
 <file path=ppt/slideLayouts/slideLayout35.xml><?xml version="1.0" encoding="utf-8"?>
-<p:sldLayout xmlns:a="http://schemas.openxmlformats.org/drawingml/2006/main" xmlns:p="http://schemas.openxmlformats.org/presentationml/2006/main" xmlns:r="http://schemas.openxmlformats.org/officeDocument/2006/relationships" xmlns:p14="http://schemas.microsoft.com/office/powerpoint/2010/main" xmlns:p15="http://schemas.microsoft.com/office/powerpoint/2012/main" xmlns:mc="http://schemas.openxmlformats.org/markup-compatibility/2006" type="fourObj" preserve="1">
+<p:sldLayout xmlns:a="http://schemas.openxmlformats.org/drawingml/2006/main" xmlns:r="http://schemas.openxmlformats.org/officeDocument/2006/relationships" xmlns:p="http://schemas.openxmlformats.org/presentationml/2006/main" type="fourObj" preserve="1">
   <p:cSld name="Title, 4 Content">
     <p:spTree>
       <p:nvGrpSpPr>
@@ -3073,12 +3348,13 @@
           </a:prstGeom>
         </p:spPr>
         <p:txBody>
-          <a:bodyPr lIns="0" rIns="0" tIns="0" bIns="0" anchor="ctr">
+          <a:bodyPr lIns="0" tIns="0" rIns="0" bIns="0" anchor="ctr">
             <a:noAutofit/>
           </a:bodyPr>
+          <a:lstStyle/>
           <a:p>
             <a:pPr algn="ctr"/>
-            <a:endParaRPr b="0" lang="en-US" sz="4400" spc="-1" strike="noStrike">
+            <a:endParaRPr lang="en-US" sz="4400" b="0" strike="noStrike" spc="-1">
               <a:latin typeface="Arial"/>
             </a:endParaRPr>
           </a:p>
@@ -3104,11 +3380,12 @@
           </a:prstGeom>
         </p:spPr>
         <p:txBody>
-          <a:bodyPr lIns="0" rIns="0" tIns="0" bIns="0">
+          <a:bodyPr lIns="0" tIns="0" rIns="0" bIns="0">
             <a:normAutofit/>
           </a:bodyPr>
-          <a:p>
-            <a:endParaRPr b="0" lang="en-US" sz="3200" spc="-1" strike="noStrike">
+          <a:lstStyle/>
+          <a:p>
+            <a:endParaRPr lang="en-US" sz="3200" b="0" strike="noStrike" spc="-1">
               <a:latin typeface="Arial"/>
             </a:endParaRPr>
           </a:p>
@@ -3134,11 +3411,12 @@
           </a:prstGeom>
         </p:spPr>
         <p:txBody>
-          <a:bodyPr lIns="0" rIns="0" tIns="0" bIns="0">
+          <a:bodyPr lIns="0" tIns="0" rIns="0" bIns="0">
             <a:normAutofit/>
           </a:bodyPr>
-          <a:p>
-            <a:endParaRPr b="0" lang="en-US" sz="3200" spc="-1" strike="noStrike">
+          <a:lstStyle/>
+          <a:p>
+            <a:endParaRPr lang="en-US" sz="3200" b="0" strike="noStrike" spc="-1">
               <a:latin typeface="Arial"/>
             </a:endParaRPr>
           </a:p>
@@ -3164,11 +3442,12 @@
           </a:prstGeom>
         </p:spPr>
         <p:txBody>
-          <a:bodyPr lIns="0" rIns="0" tIns="0" bIns="0">
+          <a:bodyPr lIns="0" tIns="0" rIns="0" bIns="0">
             <a:normAutofit/>
           </a:bodyPr>
-          <a:p>
-            <a:endParaRPr b="0" lang="en-US" sz="3200" spc="-1" strike="noStrike">
+          <a:lstStyle/>
+          <a:p>
+            <a:endParaRPr lang="en-US" sz="3200" b="0" strike="noStrike" spc="-1">
               <a:latin typeface="Arial"/>
             </a:endParaRPr>
           </a:p>
@@ -3194,11 +3473,12 @@
           </a:prstGeom>
         </p:spPr>
         <p:txBody>
-          <a:bodyPr lIns="0" rIns="0" tIns="0" bIns="0">
+          <a:bodyPr lIns="0" tIns="0" rIns="0" bIns="0">
             <a:normAutofit/>
           </a:bodyPr>
-          <a:p>
-            <a:endParaRPr b="0" lang="en-US" sz="3200" spc="-1" strike="noStrike">
+          <a:lstStyle/>
+          <a:p>
+            <a:endParaRPr lang="en-US" sz="3200" b="0" strike="noStrike" spc="-1">
               <a:latin typeface="Arial"/>
             </a:endParaRPr>
           </a:p>
@@ -3206,11 +3486,14 @@
       </p:sp>
     </p:spTree>
   </p:cSld>
+  <p:clrMapOvr>
+    <a:masterClrMapping/>
+  </p:clrMapOvr>
 </p:sldLayout>
 </file>
 
 <file path=ppt/slideLayouts/slideLayout36.xml><?xml version="1.0" encoding="utf-8"?>
-<p:sldLayout xmlns:a="http://schemas.openxmlformats.org/drawingml/2006/main" xmlns:p="http://schemas.openxmlformats.org/presentationml/2006/main" xmlns:r="http://schemas.openxmlformats.org/officeDocument/2006/relationships" xmlns:p14="http://schemas.microsoft.com/office/powerpoint/2010/main" xmlns:p15="http://schemas.microsoft.com/office/powerpoint/2012/main" xmlns:mc="http://schemas.openxmlformats.org/markup-compatibility/2006" type="blank" preserve="1">
+<p:sldLayout xmlns:a="http://schemas.openxmlformats.org/drawingml/2006/main" xmlns:r="http://schemas.openxmlformats.org/officeDocument/2006/relationships" xmlns:p="http://schemas.openxmlformats.org/presentationml/2006/main" type="blank" preserve="1">
   <p:cSld name="Title, 6 Content">
     <p:spTree>
       <p:nvGrpSpPr>
@@ -3246,12 +3529,13 @@
           </a:prstGeom>
         </p:spPr>
         <p:txBody>
-          <a:bodyPr lIns="0" rIns="0" tIns="0" bIns="0" anchor="ctr">
+          <a:bodyPr lIns="0" tIns="0" rIns="0" bIns="0" anchor="ctr">
             <a:noAutofit/>
           </a:bodyPr>
+          <a:lstStyle/>
           <a:p>
             <a:pPr algn="ctr"/>
-            <a:endParaRPr b="0" lang="en-US" sz="4400" spc="-1" strike="noStrike">
+            <a:endParaRPr lang="en-US" sz="4400" b="0" strike="noStrike" spc="-1">
               <a:latin typeface="Arial"/>
             </a:endParaRPr>
           </a:p>
@@ -3277,11 +3561,12 @@
           </a:prstGeom>
         </p:spPr>
         <p:txBody>
-          <a:bodyPr lIns="0" rIns="0" tIns="0" bIns="0">
+          <a:bodyPr lIns="0" tIns="0" rIns="0" bIns="0">
             <a:normAutofit/>
           </a:bodyPr>
-          <a:p>
-            <a:endParaRPr b="0" lang="en-US" sz="3200" spc="-1" strike="noStrike">
+          <a:lstStyle/>
+          <a:p>
+            <a:endParaRPr lang="en-US" sz="3200" b="0" strike="noStrike" spc="-1">
               <a:latin typeface="Arial"/>
             </a:endParaRPr>
           </a:p>
@@ -3307,11 +3592,12 @@
           </a:prstGeom>
         </p:spPr>
         <p:txBody>
-          <a:bodyPr lIns="0" rIns="0" tIns="0" bIns="0">
+          <a:bodyPr lIns="0" tIns="0" rIns="0" bIns="0">
             <a:normAutofit/>
           </a:bodyPr>
-          <a:p>
-            <a:endParaRPr b="0" lang="en-US" sz="3200" spc="-1" strike="noStrike">
+          <a:lstStyle/>
+          <a:p>
+            <a:endParaRPr lang="en-US" sz="3200" b="0" strike="noStrike" spc="-1">
               <a:latin typeface="Arial"/>
             </a:endParaRPr>
           </a:p>
@@ -3337,11 +3623,12 @@
           </a:prstGeom>
         </p:spPr>
         <p:txBody>
-          <a:bodyPr lIns="0" rIns="0" tIns="0" bIns="0">
+          <a:bodyPr lIns="0" tIns="0" rIns="0" bIns="0">
             <a:normAutofit/>
           </a:bodyPr>
-          <a:p>
-            <a:endParaRPr b="0" lang="en-US" sz="3200" spc="-1" strike="noStrike">
+          <a:lstStyle/>
+          <a:p>
+            <a:endParaRPr lang="en-US" sz="3200" b="0" strike="noStrike" spc="-1">
               <a:latin typeface="Arial"/>
             </a:endParaRPr>
           </a:p>
@@ -3367,11 +3654,12 @@
           </a:prstGeom>
         </p:spPr>
         <p:txBody>
-          <a:bodyPr lIns="0" rIns="0" tIns="0" bIns="0">
+          <a:bodyPr lIns="0" tIns="0" rIns="0" bIns="0">
             <a:normAutofit/>
           </a:bodyPr>
-          <a:p>
-            <a:endParaRPr b="0" lang="en-US" sz="3200" spc="-1" strike="noStrike">
+          <a:lstStyle/>
+          <a:p>
+            <a:endParaRPr lang="en-US" sz="3200" b="0" strike="noStrike" spc="-1">
               <a:latin typeface="Arial"/>
             </a:endParaRPr>
           </a:p>
@@ -3397,11 +3685,12 @@
           </a:prstGeom>
         </p:spPr>
         <p:txBody>
-          <a:bodyPr lIns="0" rIns="0" tIns="0" bIns="0">
+          <a:bodyPr lIns="0" tIns="0" rIns="0" bIns="0">
             <a:normAutofit/>
           </a:bodyPr>
-          <a:p>
-            <a:endParaRPr b="0" lang="en-US" sz="3200" spc="-1" strike="noStrike">
+          <a:lstStyle/>
+          <a:p>
+            <a:endParaRPr lang="en-US" sz="3200" b="0" strike="noStrike" spc="-1">
               <a:latin typeface="Arial"/>
             </a:endParaRPr>
           </a:p>
@@ -3427,11 +3716,12 @@
           </a:prstGeom>
         </p:spPr>
         <p:txBody>
-          <a:bodyPr lIns="0" rIns="0" tIns="0" bIns="0">
+          <a:bodyPr lIns="0" tIns="0" rIns="0" bIns="0">
             <a:normAutofit/>
           </a:bodyPr>
-          <a:p>
-            <a:endParaRPr b="0" lang="en-US" sz="3200" spc="-1" strike="noStrike">
+          <a:lstStyle/>
+          <a:p>
+            <a:endParaRPr lang="en-US" sz="3200" b="0" strike="noStrike" spc="-1">
               <a:latin typeface="Arial"/>
             </a:endParaRPr>
           </a:p>
@@ -3439,11 +3729,14 @@
       </p:sp>
     </p:spTree>
   </p:cSld>
+  <p:clrMapOvr>
+    <a:masterClrMapping/>
+  </p:clrMapOvr>
 </p:sldLayout>
 </file>
 
 <file path=ppt/slideLayouts/slideLayout37.xml><?xml version="1.0" encoding="utf-8"?>
-<p:sldLayout xmlns:a="http://schemas.openxmlformats.org/drawingml/2006/main" xmlns:p="http://schemas.openxmlformats.org/presentationml/2006/main" xmlns:r="http://schemas.openxmlformats.org/officeDocument/2006/relationships" xmlns:p14="http://schemas.microsoft.com/office/powerpoint/2010/main" xmlns:p15="http://schemas.microsoft.com/office/powerpoint/2012/main" xmlns:mc="http://schemas.openxmlformats.org/markup-compatibility/2006" type="blank" preserve="1">
+<p:sldLayout xmlns:a="http://schemas.openxmlformats.org/drawingml/2006/main" xmlns:r="http://schemas.openxmlformats.org/officeDocument/2006/relationships" xmlns:p="http://schemas.openxmlformats.org/presentationml/2006/main" type="blank" preserve="1">
   <p:cSld name="Blank Slide">
     <p:spTree>
       <p:nvGrpSpPr>
@@ -3461,11 +3754,14 @@
       </p:grpSpPr>
     </p:spTree>
   </p:cSld>
+  <p:clrMapOvr>
+    <a:masterClrMapping/>
+  </p:clrMapOvr>
 </p:sldLayout>
 </file>
 
 <file path=ppt/slideLayouts/slideLayout38.xml><?xml version="1.0" encoding="utf-8"?>
-<p:sldLayout xmlns:a="http://schemas.openxmlformats.org/drawingml/2006/main" xmlns:p="http://schemas.openxmlformats.org/presentationml/2006/main" xmlns:r="http://schemas.openxmlformats.org/officeDocument/2006/relationships" xmlns:p14="http://schemas.microsoft.com/office/powerpoint/2010/main" xmlns:p15="http://schemas.microsoft.com/office/powerpoint/2012/main" xmlns:mc="http://schemas.openxmlformats.org/markup-compatibility/2006" type="tx" preserve="1">
+<p:sldLayout xmlns:a="http://schemas.openxmlformats.org/drawingml/2006/main" xmlns:r="http://schemas.openxmlformats.org/officeDocument/2006/relationships" xmlns:p="http://schemas.openxmlformats.org/presentationml/2006/main" type="tx" preserve="1">
   <p:cSld name="Title Slide">
     <p:spTree>
       <p:nvGrpSpPr>
@@ -3501,12 +3797,13 @@
           </a:prstGeom>
         </p:spPr>
         <p:txBody>
-          <a:bodyPr lIns="0" rIns="0" tIns="0" bIns="0" anchor="ctr">
+          <a:bodyPr lIns="0" tIns="0" rIns="0" bIns="0" anchor="ctr">
             <a:noAutofit/>
           </a:bodyPr>
+          <a:lstStyle/>
           <a:p>
             <a:pPr algn="ctr"/>
-            <a:endParaRPr b="0" lang="en-US" sz="4400" spc="-1" strike="noStrike">
+            <a:endParaRPr lang="en-US" sz="4400" b="0" strike="noStrike" spc="-1">
               <a:latin typeface="Arial"/>
             </a:endParaRPr>
           </a:p>
@@ -3532,12 +3829,13 @@
           </a:prstGeom>
         </p:spPr>
         <p:txBody>
-          <a:bodyPr lIns="0" rIns="0" tIns="0" bIns="0" anchor="ctr">
+          <a:bodyPr lIns="0" tIns="0" rIns="0" bIns="0" anchor="ctr">
             <a:noAutofit/>
           </a:bodyPr>
+          <a:lstStyle/>
           <a:p>
             <a:pPr algn="ctr"/>
-            <a:endParaRPr b="0" lang="en-US" sz="3200" spc="-1" strike="noStrike">
+            <a:endParaRPr lang="en-US" sz="3200" b="0" strike="noStrike" spc="-1">
               <a:latin typeface="Arial"/>
             </a:endParaRPr>
           </a:p>
@@ -3545,11 +3843,14 @@
       </p:sp>
     </p:spTree>
   </p:cSld>
+  <p:clrMapOvr>
+    <a:masterClrMapping/>
+  </p:clrMapOvr>
 </p:sldLayout>
 </file>
 
 <file path=ppt/slideLayouts/slideLayout39.xml><?xml version="1.0" encoding="utf-8"?>
-<p:sldLayout xmlns:a="http://schemas.openxmlformats.org/drawingml/2006/main" xmlns:p="http://schemas.openxmlformats.org/presentationml/2006/main" xmlns:r="http://schemas.openxmlformats.org/officeDocument/2006/relationships" xmlns:p14="http://schemas.microsoft.com/office/powerpoint/2010/main" xmlns:p15="http://schemas.microsoft.com/office/powerpoint/2012/main" xmlns:mc="http://schemas.openxmlformats.org/markup-compatibility/2006" type="obj" preserve="1">
+<p:sldLayout xmlns:a="http://schemas.openxmlformats.org/drawingml/2006/main" xmlns:r="http://schemas.openxmlformats.org/officeDocument/2006/relationships" xmlns:p="http://schemas.openxmlformats.org/presentationml/2006/main" type="obj" preserve="1">
   <p:cSld name="Title, Content">
     <p:spTree>
       <p:nvGrpSpPr>
@@ -3585,12 +3886,13 @@
           </a:prstGeom>
         </p:spPr>
         <p:txBody>
-          <a:bodyPr lIns="0" rIns="0" tIns="0" bIns="0" anchor="ctr">
+          <a:bodyPr lIns="0" tIns="0" rIns="0" bIns="0" anchor="ctr">
             <a:noAutofit/>
           </a:bodyPr>
+          <a:lstStyle/>
           <a:p>
             <a:pPr algn="ctr"/>
-            <a:endParaRPr b="0" lang="en-US" sz="4400" spc="-1" strike="noStrike">
+            <a:endParaRPr lang="en-US" sz="4400" b="0" strike="noStrike" spc="-1">
               <a:latin typeface="Arial"/>
             </a:endParaRPr>
           </a:p>
@@ -3616,11 +3918,12 @@
           </a:prstGeom>
         </p:spPr>
         <p:txBody>
-          <a:bodyPr lIns="0" rIns="0" tIns="0" bIns="0">
+          <a:bodyPr lIns="0" tIns="0" rIns="0" bIns="0">
             <a:normAutofit/>
           </a:bodyPr>
-          <a:p>
-            <a:endParaRPr b="0" lang="en-US" sz="3200" spc="-1" strike="noStrike">
+          <a:lstStyle/>
+          <a:p>
+            <a:endParaRPr lang="en-US" sz="3200" b="0" strike="noStrike" spc="-1">
               <a:latin typeface="Arial"/>
             </a:endParaRPr>
           </a:p>
@@ -3628,11 +3931,14 @@
       </p:sp>
     </p:spTree>
   </p:cSld>
+  <p:clrMapOvr>
+    <a:masterClrMapping/>
+  </p:clrMapOvr>
 </p:sldLayout>
 </file>
 
 <file path=ppt/slideLayouts/slideLayout4.xml><?xml version="1.0" encoding="utf-8"?>
-<p:sldLayout xmlns:a="http://schemas.openxmlformats.org/drawingml/2006/main" xmlns:p="http://schemas.openxmlformats.org/presentationml/2006/main" xmlns:r="http://schemas.openxmlformats.org/officeDocument/2006/relationships" xmlns:p14="http://schemas.microsoft.com/office/powerpoint/2010/main" xmlns:p15="http://schemas.microsoft.com/office/powerpoint/2012/main" xmlns:mc="http://schemas.openxmlformats.org/markup-compatibility/2006" type="twoObj" preserve="1">
+<p:sldLayout xmlns:a="http://schemas.openxmlformats.org/drawingml/2006/main" xmlns:r="http://schemas.openxmlformats.org/officeDocument/2006/relationships" xmlns:p="http://schemas.openxmlformats.org/presentationml/2006/main" type="twoObj" preserve="1">
   <p:cSld name="Title, 2 Content">
     <p:spTree>
       <p:nvGrpSpPr>
@@ -3668,12 +3974,13 @@
           </a:prstGeom>
         </p:spPr>
         <p:txBody>
-          <a:bodyPr lIns="0" rIns="0" tIns="0" bIns="0" anchor="ctr">
+          <a:bodyPr lIns="0" tIns="0" rIns="0" bIns="0" anchor="ctr">
             <a:noAutofit/>
           </a:bodyPr>
+          <a:lstStyle/>
           <a:p>
             <a:pPr algn="ctr"/>
-            <a:endParaRPr b="0" lang="en-US" sz="4400" spc="-1" strike="noStrike">
+            <a:endParaRPr lang="en-US" sz="4400" b="0" strike="noStrike" spc="-1">
               <a:latin typeface="Arial"/>
             </a:endParaRPr>
           </a:p>
@@ -3699,11 +4006,12 @@
           </a:prstGeom>
         </p:spPr>
         <p:txBody>
-          <a:bodyPr lIns="0" rIns="0" tIns="0" bIns="0">
+          <a:bodyPr lIns="0" tIns="0" rIns="0" bIns="0">
             <a:normAutofit/>
           </a:bodyPr>
-          <a:p>
-            <a:endParaRPr b="0" lang="en-US" sz="3200" spc="-1" strike="noStrike">
+          <a:lstStyle/>
+          <a:p>
+            <a:endParaRPr lang="en-US" sz="3200" b="0" strike="noStrike" spc="-1">
               <a:latin typeface="Arial"/>
             </a:endParaRPr>
           </a:p>
@@ -3729,11 +4037,12 @@
           </a:prstGeom>
         </p:spPr>
         <p:txBody>
-          <a:bodyPr lIns="0" rIns="0" tIns="0" bIns="0">
+          <a:bodyPr lIns="0" tIns="0" rIns="0" bIns="0">
             <a:normAutofit/>
           </a:bodyPr>
-          <a:p>
-            <a:endParaRPr b="0" lang="en-US" sz="3200" spc="-1" strike="noStrike">
+          <a:lstStyle/>
+          <a:p>
+            <a:endParaRPr lang="en-US" sz="3200" b="0" strike="noStrike" spc="-1">
               <a:latin typeface="Arial"/>
             </a:endParaRPr>
           </a:p>
@@ -3741,11 +4050,14 @@
       </p:sp>
     </p:spTree>
   </p:cSld>
+  <p:clrMapOvr>
+    <a:masterClrMapping/>
+  </p:clrMapOvr>
 </p:sldLayout>
 </file>
 
 <file path=ppt/slideLayouts/slideLayout40.xml><?xml version="1.0" encoding="utf-8"?>
-<p:sldLayout xmlns:a="http://schemas.openxmlformats.org/drawingml/2006/main" xmlns:p="http://schemas.openxmlformats.org/presentationml/2006/main" xmlns:r="http://schemas.openxmlformats.org/officeDocument/2006/relationships" xmlns:p14="http://schemas.microsoft.com/office/powerpoint/2010/main" xmlns:p15="http://schemas.microsoft.com/office/powerpoint/2012/main" xmlns:mc="http://schemas.openxmlformats.org/markup-compatibility/2006" type="twoObj" preserve="1">
+<p:sldLayout xmlns:a="http://schemas.openxmlformats.org/drawingml/2006/main" xmlns:r="http://schemas.openxmlformats.org/officeDocument/2006/relationships" xmlns:p="http://schemas.openxmlformats.org/presentationml/2006/main" type="twoObj" preserve="1">
   <p:cSld name="Title, 2 Content">
     <p:spTree>
       <p:nvGrpSpPr>
@@ -3781,12 +4093,13 @@
           </a:prstGeom>
         </p:spPr>
         <p:txBody>
-          <a:bodyPr lIns="0" rIns="0" tIns="0" bIns="0" anchor="ctr">
+          <a:bodyPr lIns="0" tIns="0" rIns="0" bIns="0" anchor="ctr">
             <a:noAutofit/>
           </a:bodyPr>
+          <a:lstStyle/>
           <a:p>
             <a:pPr algn="ctr"/>
-            <a:endParaRPr b="0" lang="en-US" sz="4400" spc="-1" strike="noStrike">
+            <a:endParaRPr lang="en-US" sz="4400" b="0" strike="noStrike" spc="-1">
               <a:latin typeface="Arial"/>
             </a:endParaRPr>
           </a:p>
@@ -3812,11 +4125,12 @@
           </a:prstGeom>
         </p:spPr>
         <p:txBody>
-          <a:bodyPr lIns="0" rIns="0" tIns="0" bIns="0">
+          <a:bodyPr lIns="0" tIns="0" rIns="0" bIns="0">
             <a:normAutofit/>
           </a:bodyPr>
-          <a:p>
-            <a:endParaRPr b="0" lang="en-US" sz="3200" spc="-1" strike="noStrike">
+          <a:lstStyle/>
+          <a:p>
+            <a:endParaRPr lang="en-US" sz="3200" b="0" strike="noStrike" spc="-1">
               <a:latin typeface="Arial"/>
             </a:endParaRPr>
           </a:p>
@@ -3842,11 +4156,12 @@
           </a:prstGeom>
         </p:spPr>
         <p:txBody>
-          <a:bodyPr lIns="0" rIns="0" tIns="0" bIns="0">
+          <a:bodyPr lIns="0" tIns="0" rIns="0" bIns="0">
             <a:normAutofit/>
           </a:bodyPr>
-          <a:p>
-            <a:endParaRPr b="0" lang="en-US" sz="3200" spc="-1" strike="noStrike">
+          <a:lstStyle/>
+          <a:p>
+            <a:endParaRPr lang="en-US" sz="3200" b="0" strike="noStrike" spc="-1">
               <a:latin typeface="Arial"/>
             </a:endParaRPr>
           </a:p>
@@ -3854,11 +4169,14 @@
       </p:sp>
     </p:spTree>
   </p:cSld>
+  <p:clrMapOvr>
+    <a:masterClrMapping/>
+  </p:clrMapOvr>
 </p:sldLayout>
 </file>
 
 <file path=ppt/slideLayouts/slideLayout41.xml><?xml version="1.0" encoding="utf-8"?>
-<p:sldLayout xmlns:a="http://schemas.openxmlformats.org/drawingml/2006/main" xmlns:p="http://schemas.openxmlformats.org/presentationml/2006/main" xmlns:r="http://schemas.openxmlformats.org/officeDocument/2006/relationships" xmlns:p14="http://schemas.microsoft.com/office/powerpoint/2010/main" xmlns:p15="http://schemas.microsoft.com/office/powerpoint/2012/main" xmlns:mc="http://schemas.openxmlformats.org/markup-compatibility/2006" type="titleOnly" preserve="1">
+<p:sldLayout xmlns:a="http://schemas.openxmlformats.org/drawingml/2006/main" xmlns:r="http://schemas.openxmlformats.org/officeDocument/2006/relationships" xmlns:p="http://schemas.openxmlformats.org/presentationml/2006/main" type="titleOnly" preserve="1">
   <p:cSld name="Title Only">
     <p:spTree>
       <p:nvGrpSpPr>
@@ -3894,12 +4212,13 @@
           </a:prstGeom>
         </p:spPr>
         <p:txBody>
-          <a:bodyPr lIns="0" rIns="0" tIns="0" bIns="0" anchor="ctr">
+          <a:bodyPr lIns="0" tIns="0" rIns="0" bIns="0" anchor="ctr">
             <a:noAutofit/>
           </a:bodyPr>
+          <a:lstStyle/>
           <a:p>
             <a:pPr algn="ctr"/>
-            <a:endParaRPr b="0" lang="en-US" sz="4400" spc="-1" strike="noStrike">
+            <a:endParaRPr lang="en-US" sz="4400" b="0" strike="noStrike" spc="-1">
               <a:latin typeface="Arial"/>
             </a:endParaRPr>
           </a:p>
@@ -3907,11 +4226,14 @@
       </p:sp>
     </p:spTree>
   </p:cSld>
+  <p:clrMapOvr>
+    <a:masterClrMapping/>
+  </p:clrMapOvr>
 </p:sldLayout>
 </file>
 
 <file path=ppt/slideLayouts/slideLayout42.xml><?xml version="1.0" encoding="utf-8"?>
-<p:sldLayout xmlns:a="http://schemas.openxmlformats.org/drawingml/2006/main" xmlns:p="http://schemas.openxmlformats.org/presentationml/2006/main" xmlns:r="http://schemas.openxmlformats.org/officeDocument/2006/relationships" xmlns:p14="http://schemas.microsoft.com/office/powerpoint/2010/main" xmlns:p15="http://schemas.microsoft.com/office/powerpoint/2012/main" xmlns:mc="http://schemas.openxmlformats.org/markup-compatibility/2006" type="objOnly" preserve="1">
+<p:sldLayout xmlns:a="http://schemas.openxmlformats.org/drawingml/2006/main" xmlns:r="http://schemas.openxmlformats.org/officeDocument/2006/relationships" xmlns:p="http://schemas.openxmlformats.org/presentationml/2006/main" type="objOnly" preserve="1">
   <p:cSld name="Centered Text">
     <p:spTree>
       <p:nvGrpSpPr>
@@ -3947,12 +4269,13 @@
           </a:prstGeom>
         </p:spPr>
         <p:txBody>
-          <a:bodyPr lIns="0" rIns="0" tIns="0" bIns="0" anchor="ctr">
+          <a:bodyPr lIns="0" tIns="0" rIns="0" bIns="0" anchor="ctr">
             <a:noAutofit/>
           </a:bodyPr>
+          <a:lstStyle/>
           <a:p>
             <a:pPr algn="ctr"/>
-            <a:endParaRPr b="0" lang="en-US" sz="3200" spc="-1" strike="noStrike">
+            <a:endParaRPr lang="en-US" sz="3200" b="0" strike="noStrike" spc="-1">
               <a:latin typeface="Arial"/>
             </a:endParaRPr>
           </a:p>
@@ -3960,11 +4283,14 @@
       </p:sp>
     </p:spTree>
   </p:cSld>
+  <p:clrMapOvr>
+    <a:masterClrMapping/>
+  </p:clrMapOvr>
 </p:sldLayout>
 </file>
 
 <file path=ppt/slideLayouts/slideLayout43.xml><?xml version="1.0" encoding="utf-8"?>
-<p:sldLayout xmlns:a="http://schemas.openxmlformats.org/drawingml/2006/main" xmlns:p="http://schemas.openxmlformats.org/presentationml/2006/main" xmlns:r="http://schemas.openxmlformats.org/officeDocument/2006/relationships" xmlns:p14="http://schemas.microsoft.com/office/powerpoint/2010/main" xmlns:p15="http://schemas.microsoft.com/office/powerpoint/2012/main" xmlns:mc="http://schemas.openxmlformats.org/markup-compatibility/2006" type="twoObjAndObj" preserve="1">
+<p:sldLayout xmlns:a="http://schemas.openxmlformats.org/drawingml/2006/main" xmlns:r="http://schemas.openxmlformats.org/officeDocument/2006/relationships" xmlns:p="http://schemas.openxmlformats.org/presentationml/2006/main" type="twoObjAndObj" preserve="1">
   <p:cSld name="Title, 2 Content and Content">
     <p:spTree>
       <p:nvGrpSpPr>
@@ -4000,12 +4326,13 @@
           </a:prstGeom>
         </p:spPr>
         <p:txBody>
-          <a:bodyPr lIns="0" rIns="0" tIns="0" bIns="0" anchor="ctr">
+          <a:bodyPr lIns="0" tIns="0" rIns="0" bIns="0" anchor="ctr">
             <a:noAutofit/>
           </a:bodyPr>
+          <a:lstStyle/>
           <a:p>
             <a:pPr algn="ctr"/>
-            <a:endParaRPr b="0" lang="en-US" sz="4400" spc="-1" strike="noStrike">
+            <a:endParaRPr lang="en-US" sz="4400" b="0" strike="noStrike" spc="-1">
               <a:latin typeface="Arial"/>
             </a:endParaRPr>
           </a:p>
@@ -4031,11 +4358,12 @@
           </a:prstGeom>
         </p:spPr>
         <p:txBody>
-          <a:bodyPr lIns="0" rIns="0" tIns="0" bIns="0">
+          <a:bodyPr lIns="0" tIns="0" rIns="0" bIns="0">
             <a:normAutofit/>
           </a:bodyPr>
-          <a:p>
-            <a:endParaRPr b="0" lang="en-US" sz="3200" spc="-1" strike="noStrike">
+          <a:lstStyle/>
+          <a:p>
+            <a:endParaRPr lang="en-US" sz="3200" b="0" strike="noStrike" spc="-1">
               <a:latin typeface="Arial"/>
             </a:endParaRPr>
           </a:p>
@@ -4061,11 +4389,12 @@
           </a:prstGeom>
         </p:spPr>
         <p:txBody>
-          <a:bodyPr lIns="0" rIns="0" tIns="0" bIns="0">
+          <a:bodyPr lIns="0" tIns="0" rIns="0" bIns="0">
             <a:normAutofit/>
           </a:bodyPr>
-          <a:p>
-            <a:endParaRPr b="0" lang="en-US" sz="3200" spc="-1" strike="noStrike">
+          <a:lstStyle/>
+          <a:p>
+            <a:endParaRPr lang="en-US" sz="3200" b="0" strike="noStrike" spc="-1">
               <a:latin typeface="Arial"/>
             </a:endParaRPr>
           </a:p>
@@ -4091,11 +4420,12 @@
           </a:prstGeom>
         </p:spPr>
         <p:txBody>
-          <a:bodyPr lIns="0" rIns="0" tIns="0" bIns="0">
+          <a:bodyPr lIns="0" tIns="0" rIns="0" bIns="0">
             <a:normAutofit/>
           </a:bodyPr>
-          <a:p>
-            <a:endParaRPr b="0" lang="en-US" sz="3200" spc="-1" strike="noStrike">
+          <a:lstStyle/>
+          <a:p>
+            <a:endParaRPr lang="en-US" sz="3200" b="0" strike="noStrike" spc="-1">
               <a:latin typeface="Arial"/>
             </a:endParaRPr>
           </a:p>
@@ -4103,11 +4433,14 @@
       </p:sp>
     </p:spTree>
   </p:cSld>
+  <p:clrMapOvr>
+    <a:masterClrMapping/>
+  </p:clrMapOvr>
 </p:sldLayout>
 </file>
 
 <file path=ppt/slideLayouts/slideLayout44.xml><?xml version="1.0" encoding="utf-8"?>
-<p:sldLayout xmlns:a="http://schemas.openxmlformats.org/drawingml/2006/main" xmlns:p="http://schemas.openxmlformats.org/presentationml/2006/main" xmlns:r="http://schemas.openxmlformats.org/officeDocument/2006/relationships" xmlns:p14="http://schemas.microsoft.com/office/powerpoint/2010/main" xmlns:p15="http://schemas.microsoft.com/office/powerpoint/2012/main" xmlns:mc="http://schemas.openxmlformats.org/markup-compatibility/2006" type="objAndTwoObj" preserve="1">
+<p:sldLayout xmlns:a="http://schemas.openxmlformats.org/drawingml/2006/main" xmlns:r="http://schemas.openxmlformats.org/officeDocument/2006/relationships" xmlns:p="http://schemas.openxmlformats.org/presentationml/2006/main" type="objAndTwoObj" preserve="1">
   <p:cSld name="Title Content and 2 Content">
     <p:spTree>
       <p:nvGrpSpPr>
@@ -4143,12 +4476,13 @@
           </a:prstGeom>
         </p:spPr>
         <p:txBody>
-          <a:bodyPr lIns="0" rIns="0" tIns="0" bIns="0" anchor="ctr">
+          <a:bodyPr lIns="0" tIns="0" rIns="0" bIns="0" anchor="ctr">
             <a:noAutofit/>
           </a:bodyPr>
+          <a:lstStyle/>
           <a:p>
             <a:pPr algn="ctr"/>
-            <a:endParaRPr b="0" lang="en-US" sz="4400" spc="-1" strike="noStrike">
+            <a:endParaRPr lang="en-US" sz="4400" b="0" strike="noStrike" spc="-1">
               <a:latin typeface="Arial"/>
             </a:endParaRPr>
           </a:p>
@@ -4174,11 +4508,12 @@
           </a:prstGeom>
         </p:spPr>
         <p:txBody>
-          <a:bodyPr lIns="0" rIns="0" tIns="0" bIns="0">
+          <a:bodyPr lIns="0" tIns="0" rIns="0" bIns="0">
             <a:normAutofit/>
           </a:bodyPr>
-          <a:p>
-            <a:endParaRPr b="0" lang="en-US" sz="3200" spc="-1" strike="noStrike">
+          <a:lstStyle/>
+          <a:p>
+            <a:endParaRPr lang="en-US" sz="3200" b="0" strike="noStrike" spc="-1">
               <a:latin typeface="Arial"/>
             </a:endParaRPr>
           </a:p>
@@ -4204,11 +4539,12 @@
           </a:prstGeom>
         </p:spPr>
         <p:txBody>
-          <a:bodyPr lIns="0" rIns="0" tIns="0" bIns="0">
+          <a:bodyPr lIns="0" tIns="0" rIns="0" bIns="0">
             <a:normAutofit/>
           </a:bodyPr>
-          <a:p>
-            <a:endParaRPr b="0" lang="en-US" sz="3200" spc="-1" strike="noStrike">
+          <a:lstStyle/>
+          <a:p>
+            <a:endParaRPr lang="en-US" sz="3200" b="0" strike="noStrike" spc="-1">
               <a:latin typeface="Arial"/>
             </a:endParaRPr>
           </a:p>
@@ -4234,11 +4570,12 @@
           </a:prstGeom>
         </p:spPr>
         <p:txBody>
-          <a:bodyPr lIns="0" rIns="0" tIns="0" bIns="0">
+          <a:bodyPr lIns="0" tIns="0" rIns="0" bIns="0">
             <a:normAutofit/>
           </a:bodyPr>
-          <a:p>
-            <a:endParaRPr b="0" lang="en-US" sz="3200" spc="-1" strike="noStrike">
+          <a:lstStyle/>
+          <a:p>
+            <a:endParaRPr lang="en-US" sz="3200" b="0" strike="noStrike" spc="-1">
               <a:latin typeface="Arial"/>
             </a:endParaRPr>
           </a:p>
@@ -4246,11 +4583,14 @@
       </p:sp>
     </p:spTree>
   </p:cSld>
+  <p:clrMapOvr>
+    <a:masterClrMapping/>
+  </p:clrMapOvr>
 </p:sldLayout>
 </file>
 
 <file path=ppt/slideLayouts/slideLayout45.xml><?xml version="1.0" encoding="utf-8"?>
-<p:sldLayout xmlns:a="http://schemas.openxmlformats.org/drawingml/2006/main" xmlns:p="http://schemas.openxmlformats.org/presentationml/2006/main" xmlns:r="http://schemas.openxmlformats.org/officeDocument/2006/relationships" xmlns:p14="http://schemas.microsoft.com/office/powerpoint/2010/main" xmlns:p15="http://schemas.microsoft.com/office/powerpoint/2012/main" xmlns:mc="http://schemas.openxmlformats.org/markup-compatibility/2006" type="twoObjOverTx" preserve="1">
+<p:sldLayout xmlns:a="http://schemas.openxmlformats.org/drawingml/2006/main" xmlns:r="http://schemas.openxmlformats.org/officeDocument/2006/relationships" xmlns:p="http://schemas.openxmlformats.org/presentationml/2006/main" type="twoObjOverTx" preserve="1">
   <p:cSld name="Title, 2 Content over Content">
     <p:spTree>
       <p:nvGrpSpPr>
@@ -4286,12 +4626,13 @@
           </a:prstGeom>
         </p:spPr>
         <p:txBody>
-          <a:bodyPr lIns="0" rIns="0" tIns="0" bIns="0" anchor="ctr">
+          <a:bodyPr lIns="0" tIns="0" rIns="0" bIns="0" anchor="ctr">
             <a:noAutofit/>
           </a:bodyPr>
+          <a:lstStyle/>
           <a:p>
             <a:pPr algn="ctr"/>
-            <a:endParaRPr b="0" lang="en-US" sz="4400" spc="-1" strike="noStrike">
+            <a:endParaRPr lang="en-US" sz="4400" b="0" strike="noStrike" spc="-1">
               <a:latin typeface="Arial"/>
             </a:endParaRPr>
           </a:p>
@@ -4317,11 +4658,12 @@
           </a:prstGeom>
         </p:spPr>
         <p:txBody>
-          <a:bodyPr lIns="0" rIns="0" tIns="0" bIns="0">
+          <a:bodyPr lIns="0" tIns="0" rIns="0" bIns="0">
             <a:normAutofit/>
           </a:bodyPr>
-          <a:p>
-            <a:endParaRPr b="0" lang="en-US" sz="3200" spc="-1" strike="noStrike">
+          <a:lstStyle/>
+          <a:p>
+            <a:endParaRPr lang="en-US" sz="3200" b="0" strike="noStrike" spc="-1">
               <a:latin typeface="Arial"/>
             </a:endParaRPr>
           </a:p>
@@ -4347,11 +4689,12 @@
           </a:prstGeom>
         </p:spPr>
         <p:txBody>
-          <a:bodyPr lIns="0" rIns="0" tIns="0" bIns="0">
+          <a:bodyPr lIns="0" tIns="0" rIns="0" bIns="0">
             <a:normAutofit/>
           </a:bodyPr>
-          <a:p>
-            <a:endParaRPr b="0" lang="en-US" sz="3200" spc="-1" strike="noStrike">
+          <a:lstStyle/>
+          <a:p>
+            <a:endParaRPr lang="en-US" sz="3200" b="0" strike="noStrike" spc="-1">
               <a:latin typeface="Arial"/>
             </a:endParaRPr>
           </a:p>
@@ -4377,11 +4720,12 @@
           </a:prstGeom>
         </p:spPr>
         <p:txBody>
-          <a:bodyPr lIns="0" rIns="0" tIns="0" bIns="0">
+          <a:bodyPr lIns="0" tIns="0" rIns="0" bIns="0">
             <a:normAutofit/>
           </a:bodyPr>
-          <a:p>
-            <a:endParaRPr b="0" lang="en-US" sz="3200" spc="-1" strike="noStrike">
+          <a:lstStyle/>
+          <a:p>
+            <a:endParaRPr lang="en-US" sz="3200" b="0" strike="noStrike" spc="-1">
               <a:latin typeface="Arial"/>
             </a:endParaRPr>
           </a:p>
@@ -4389,11 +4733,14 @@
       </p:sp>
     </p:spTree>
   </p:cSld>
+  <p:clrMapOvr>
+    <a:masterClrMapping/>
+  </p:clrMapOvr>
 </p:sldLayout>
 </file>
 
 <file path=ppt/slideLayouts/slideLayout46.xml><?xml version="1.0" encoding="utf-8"?>
-<p:sldLayout xmlns:a="http://schemas.openxmlformats.org/drawingml/2006/main" xmlns:p="http://schemas.openxmlformats.org/presentationml/2006/main" xmlns:r="http://schemas.openxmlformats.org/officeDocument/2006/relationships" xmlns:p14="http://schemas.microsoft.com/office/powerpoint/2010/main" xmlns:p15="http://schemas.microsoft.com/office/powerpoint/2012/main" xmlns:mc="http://schemas.openxmlformats.org/markup-compatibility/2006" type="objOverTx" preserve="1">
+<p:sldLayout xmlns:a="http://schemas.openxmlformats.org/drawingml/2006/main" xmlns:r="http://schemas.openxmlformats.org/officeDocument/2006/relationships" xmlns:p="http://schemas.openxmlformats.org/presentationml/2006/main" type="objOverTx" preserve="1">
   <p:cSld name="Title, Content over Content">
     <p:spTree>
       <p:nvGrpSpPr>
@@ -4429,12 +4776,13 @@
           </a:prstGeom>
         </p:spPr>
         <p:txBody>
-          <a:bodyPr lIns="0" rIns="0" tIns="0" bIns="0" anchor="ctr">
+          <a:bodyPr lIns="0" tIns="0" rIns="0" bIns="0" anchor="ctr">
             <a:noAutofit/>
           </a:bodyPr>
+          <a:lstStyle/>
           <a:p>
             <a:pPr algn="ctr"/>
-            <a:endParaRPr b="0" lang="en-US" sz="4400" spc="-1" strike="noStrike">
+            <a:endParaRPr lang="en-US" sz="4400" b="0" strike="noStrike" spc="-1">
               <a:latin typeface="Arial"/>
             </a:endParaRPr>
           </a:p>
@@ -4460,11 +4808,12 @@
           </a:prstGeom>
         </p:spPr>
         <p:txBody>
-          <a:bodyPr lIns="0" rIns="0" tIns="0" bIns="0">
+          <a:bodyPr lIns="0" tIns="0" rIns="0" bIns="0">
             <a:normAutofit/>
           </a:bodyPr>
-          <a:p>
-            <a:endParaRPr b="0" lang="en-US" sz="3200" spc="-1" strike="noStrike">
+          <a:lstStyle/>
+          <a:p>
+            <a:endParaRPr lang="en-US" sz="3200" b="0" strike="noStrike" spc="-1">
               <a:latin typeface="Arial"/>
             </a:endParaRPr>
           </a:p>
@@ -4490,11 +4839,12 @@
           </a:prstGeom>
         </p:spPr>
         <p:txBody>
-          <a:bodyPr lIns="0" rIns="0" tIns="0" bIns="0">
+          <a:bodyPr lIns="0" tIns="0" rIns="0" bIns="0">
             <a:normAutofit/>
           </a:bodyPr>
-          <a:p>
-            <a:endParaRPr b="0" lang="en-US" sz="3200" spc="-1" strike="noStrike">
+          <a:lstStyle/>
+          <a:p>
+            <a:endParaRPr lang="en-US" sz="3200" b="0" strike="noStrike" spc="-1">
               <a:latin typeface="Arial"/>
             </a:endParaRPr>
           </a:p>
@@ -4502,11 +4852,14 @@
       </p:sp>
     </p:spTree>
   </p:cSld>
+  <p:clrMapOvr>
+    <a:masterClrMapping/>
+  </p:clrMapOvr>
 </p:sldLayout>
 </file>
 
 <file path=ppt/slideLayouts/slideLayout47.xml><?xml version="1.0" encoding="utf-8"?>
-<p:sldLayout xmlns:a="http://schemas.openxmlformats.org/drawingml/2006/main" xmlns:p="http://schemas.openxmlformats.org/presentationml/2006/main" xmlns:r="http://schemas.openxmlformats.org/officeDocument/2006/relationships" xmlns:p14="http://schemas.microsoft.com/office/powerpoint/2010/main" xmlns:p15="http://schemas.microsoft.com/office/powerpoint/2012/main" xmlns:mc="http://schemas.openxmlformats.org/markup-compatibility/2006" type="fourObj" preserve="1">
+<p:sldLayout xmlns:a="http://schemas.openxmlformats.org/drawingml/2006/main" xmlns:r="http://schemas.openxmlformats.org/officeDocument/2006/relationships" xmlns:p="http://schemas.openxmlformats.org/presentationml/2006/main" type="fourObj" preserve="1">
   <p:cSld name="Title, 4 Content">
     <p:spTree>
       <p:nvGrpSpPr>
@@ -4542,12 +4895,13 @@
           </a:prstGeom>
         </p:spPr>
         <p:txBody>
-          <a:bodyPr lIns="0" rIns="0" tIns="0" bIns="0" anchor="ctr">
+          <a:bodyPr lIns="0" tIns="0" rIns="0" bIns="0" anchor="ctr">
             <a:noAutofit/>
           </a:bodyPr>
+          <a:lstStyle/>
           <a:p>
             <a:pPr algn="ctr"/>
-            <a:endParaRPr b="0" lang="en-US" sz="4400" spc="-1" strike="noStrike">
+            <a:endParaRPr lang="en-US" sz="4400" b="0" strike="noStrike" spc="-1">
               <a:latin typeface="Arial"/>
             </a:endParaRPr>
           </a:p>
@@ -4573,11 +4927,12 @@
           </a:prstGeom>
         </p:spPr>
         <p:txBody>
-          <a:bodyPr lIns="0" rIns="0" tIns="0" bIns="0">
+          <a:bodyPr lIns="0" tIns="0" rIns="0" bIns="0">
             <a:normAutofit/>
           </a:bodyPr>
-          <a:p>
-            <a:endParaRPr b="0" lang="en-US" sz="3200" spc="-1" strike="noStrike">
+          <a:lstStyle/>
+          <a:p>
+            <a:endParaRPr lang="en-US" sz="3200" b="0" strike="noStrike" spc="-1">
               <a:latin typeface="Arial"/>
             </a:endParaRPr>
           </a:p>
@@ -4603,11 +4958,12 @@
           </a:prstGeom>
         </p:spPr>
         <p:txBody>
-          <a:bodyPr lIns="0" rIns="0" tIns="0" bIns="0">
+          <a:bodyPr lIns="0" tIns="0" rIns="0" bIns="0">
             <a:normAutofit/>
           </a:bodyPr>
-          <a:p>
-            <a:endParaRPr b="0" lang="en-US" sz="3200" spc="-1" strike="noStrike">
+          <a:lstStyle/>
+          <a:p>
+            <a:endParaRPr lang="en-US" sz="3200" b="0" strike="noStrike" spc="-1">
               <a:latin typeface="Arial"/>
             </a:endParaRPr>
           </a:p>
@@ -4633,11 +4989,12 @@
           </a:prstGeom>
         </p:spPr>
         <p:txBody>
-          <a:bodyPr lIns="0" rIns="0" tIns="0" bIns="0">
+          <a:bodyPr lIns="0" tIns="0" rIns="0" bIns="0">
             <a:normAutofit/>
           </a:bodyPr>
-          <a:p>
-            <a:endParaRPr b="0" lang="en-US" sz="3200" spc="-1" strike="noStrike">
+          <a:lstStyle/>
+          <a:p>
+            <a:endParaRPr lang="en-US" sz="3200" b="0" strike="noStrike" spc="-1">
               <a:latin typeface="Arial"/>
             </a:endParaRPr>
           </a:p>
@@ -4663,11 +5020,12 @@
           </a:prstGeom>
         </p:spPr>
         <p:txBody>
-          <a:bodyPr lIns="0" rIns="0" tIns="0" bIns="0">
+          <a:bodyPr lIns="0" tIns="0" rIns="0" bIns="0">
             <a:normAutofit/>
           </a:bodyPr>
-          <a:p>
-            <a:endParaRPr b="0" lang="en-US" sz="3200" spc="-1" strike="noStrike">
+          <a:lstStyle/>
+          <a:p>
+            <a:endParaRPr lang="en-US" sz="3200" b="0" strike="noStrike" spc="-1">
               <a:latin typeface="Arial"/>
             </a:endParaRPr>
           </a:p>
@@ -4675,11 +5033,14 @@
       </p:sp>
     </p:spTree>
   </p:cSld>
+  <p:clrMapOvr>
+    <a:masterClrMapping/>
+  </p:clrMapOvr>
 </p:sldLayout>
 </file>
 
 <file path=ppt/slideLayouts/slideLayout48.xml><?xml version="1.0" encoding="utf-8"?>
-<p:sldLayout xmlns:a="http://schemas.openxmlformats.org/drawingml/2006/main" xmlns:p="http://schemas.openxmlformats.org/presentationml/2006/main" xmlns:r="http://schemas.openxmlformats.org/officeDocument/2006/relationships" xmlns:p14="http://schemas.microsoft.com/office/powerpoint/2010/main" xmlns:p15="http://schemas.microsoft.com/office/powerpoint/2012/main" xmlns:mc="http://schemas.openxmlformats.org/markup-compatibility/2006" type="blank" preserve="1">
+<p:sldLayout xmlns:a="http://schemas.openxmlformats.org/drawingml/2006/main" xmlns:r="http://schemas.openxmlformats.org/officeDocument/2006/relationships" xmlns:p="http://schemas.openxmlformats.org/presentationml/2006/main" type="blank" preserve="1">
   <p:cSld name="Title, 6 Content">
     <p:spTree>
       <p:nvGrpSpPr>
@@ -4715,12 +5076,13 @@
           </a:prstGeom>
         </p:spPr>
         <p:txBody>
-          <a:bodyPr lIns="0" rIns="0" tIns="0" bIns="0" anchor="ctr">
+          <a:bodyPr lIns="0" tIns="0" rIns="0" bIns="0" anchor="ctr">
             <a:noAutofit/>
           </a:bodyPr>
+          <a:lstStyle/>
           <a:p>
             <a:pPr algn="ctr"/>
-            <a:endParaRPr b="0" lang="en-US" sz="4400" spc="-1" strike="noStrike">
+            <a:endParaRPr lang="en-US" sz="4400" b="0" strike="noStrike" spc="-1">
               <a:latin typeface="Arial"/>
             </a:endParaRPr>
           </a:p>
@@ -4746,11 +5108,12 @@
           </a:prstGeom>
         </p:spPr>
         <p:txBody>
-          <a:bodyPr lIns="0" rIns="0" tIns="0" bIns="0">
+          <a:bodyPr lIns="0" tIns="0" rIns="0" bIns="0">
             <a:normAutofit/>
           </a:bodyPr>
-          <a:p>
-            <a:endParaRPr b="0" lang="en-US" sz="3200" spc="-1" strike="noStrike">
+          <a:lstStyle/>
+          <a:p>
+            <a:endParaRPr lang="en-US" sz="3200" b="0" strike="noStrike" spc="-1">
               <a:latin typeface="Arial"/>
             </a:endParaRPr>
           </a:p>
@@ -4776,11 +5139,12 @@
           </a:prstGeom>
         </p:spPr>
         <p:txBody>
-          <a:bodyPr lIns="0" rIns="0" tIns="0" bIns="0">
+          <a:bodyPr lIns="0" tIns="0" rIns="0" bIns="0">
             <a:normAutofit/>
           </a:bodyPr>
-          <a:p>
-            <a:endParaRPr b="0" lang="en-US" sz="3200" spc="-1" strike="noStrike">
+          <a:lstStyle/>
+          <a:p>
+            <a:endParaRPr lang="en-US" sz="3200" b="0" strike="noStrike" spc="-1">
               <a:latin typeface="Arial"/>
             </a:endParaRPr>
           </a:p>
@@ -4806,11 +5170,12 @@
           </a:prstGeom>
         </p:spPr>
         <p:txBody>
-          <a:bodyPr lIns="0" rIns="0" tIns="0" bIns="0">
+          <a:bodyPr lIns="0" tIns="0" rIns="0" bIns="0">
             <a:normAutofit/>
           </a:bodyPr>
-          <a:p>
-            <a:endParaRPr b="0" lang="en-US" sz="3200" spc="-1" strike="noStrike">
+          <a:lstStyle/>
+          <a:p>
+            <a:endParaRPr lang="en-US" sz="3200" b="0" strike="noStrike" spc="-1">
               <a:latin typeface="Arial"/>
             </a:endParaRPr>
           </a:p>
@@ -4836,11 +5201,12 @@
           </a:prstGeom>
         </p:spPr>
         <p:txBody>
-          <a:bodyPr lIns="0" rIns="0" tIns="0" bIns="0">
+          <a:bodyPr lIns="0" tIns="0" rIns="0" bIns="0">
             <a:normAutofit/>
           </a:bodyPr>
-          <a:p>
-            <a:endParaRPr b="0" lang="en-US" sz="3200" spc="-1" strike="noStrike">
+          <a:lstStyle/>
+          <a:p>
+            <a:endParaRPr lang="en-US" sz="3200" b="0" strike="noStrike" spc="-1">
               <a:latin typeface="Arial"/>
             </a:endParaRPr>
           </a:p>
@@ -4866,11 +5232,12 @@
           </a:prstGeom>
         </p:spPr>
         <p:txBody>
-          <a:bodyPr lIns="0" rIns="0" tIns="0" bIns="0">
+          <a:bodyPr lIns="0" tIns="0" rIns="0" bIns="0">
             <a:normAutofit/>
           </a:bodyPr>
-          <a:p>
-            <a:endParaRPr b="0" lang="en-US" sz="3200" spc="-1" strike="noStrike">
+          <a:lstStyle/>
+          <a:p>
+            <a:endParaRPr lang="en-US" sz="3200" b="0" strike="noStrike" spc="-1">
               <a:latin typeface="Arial"/>
             </a:endParaRPr>
           </a:p>
@@ -4896,11 +5263,12 @@
           </a:prstGeom>
         </p:spPr>
         <p:txBody>
-          <a:bodyPr lIns="0" rIns="0" tIns="0" bIns="0">
+          <a:bodyPr lIns="0" tIns="0" rIns="0" bIns="0">
             <a:normAutofit/>
           </a:bodyPr>
-          <a:p>
-            <a:endParaRPr b="0" lang="en-US" sz="3200" spc="-1" strike="noStrike">
+          <a:lstStyle/>
+          <a:p>
+            <a:endParaRPr lang="en-US" sz="3200" b="0" strike="noStrike" spc="-1">
               <a:latin typeface="Arial"/>
             </a:endParaRPr>
           </a:p>
@@ -4908,11 +5276,14 @@
       </p:sp>
     </p:spTree>
   </p:cSld>
+  <p:clrMapOvr>
+    <a:masterClrMapping/>
+  </p:clrMapOvr>
 </p:sldLayout>
 </file>
 
 <file path=ppt/slideLayouts/slideLayout5.xml><?xml version="1.0" encoding="utf-8"?>
-<p:sldLayout xmlns:a="http://schemas.openxmlformats.org/drawingml/2006/main" xmlns:p="http://schemas.openxmlformats.org/presentationml/2006/main" xmlns:r="http://schemas.openxmlformats.org/officeDocument/2006/relationships" xmlns:p14="http://schemas.microsoft.com/office/powerpoint/2010/main" xmlns:p15="http://schemas.microsoft.com/office/powerpoint/2012/main" xmlns:mc="http://schemas.openxmlformats.org/markup-compatibility/2006" type="titleOnly" preserve="1">
+<p:sldLayout xmlns:a="http://schemas.openxmlformats.org/drawingml/2006/main" xmlns:r="http://schemas.openxmlformats.org/officeDocument/2006/relationships" xmlns:p="http://schemas.openxmlformats.org/presentationml/2006/main" type="titleOnly" preserve="1">
   <p:cSld name="Title Only">
     <p:spTree>
       <p:nvGrpSpPr>
@@ -4948,12 +5319,13 @@
           </a:prstGeom>
         </p:spPr>
         <p:txBody>
-          <a:bodyPr lIns="0" rIns="0" tIns="0" bIns="0" anchor="ctr">
+          <a:bodyPr lIns="0" tIns="0" rIns="0" bIns="0" anchor="ctr">
             <a:noAutofit/>
           </a:bodyPr>
+          <a:lstStyle/>
           <a:p>
             <a:pPr algn="ctr"/>
-            <a:endParaRPr b="0" lang="en-US" sz="4400" spc="-1" strike="noStrike">
+            <a:endParaRPr lang="en-US" sz="4400" b="0" strike="noStrike" spc="-1">
               <a:latin typeface="Arial"/>
             </a:endParaRPr>
           </a:p>
@@ -4961,11 +5333,14 @@
       </p:sp>
     </p:spTree>
   </p:cSld>
+  <p:clrMapOvr>
+    <a:masterClrMapping/>
+  </p:clrMapOvr>
 </p:sldLayout>
 </file>
 
 <file path=ppt/slideLayouts/slideLayout6.xml><?xml version="1.0" encoding="utf-8"?>
-<p:sldLayout xmlns:a="http://schemas.openxmlformats.org/drawingml/2006/main" xmlns:p="http://schemas.openxmlformats.org/presentationml/2006/main" xmlns:r="http://schemas.openxmlformats.org/officeDocument/2006/relationships" xmlns:p14="http://schemas.microsoft.com/office/powerpoint/2010/main" xmlns:p15="http://schemas.microsoft.com/office/powerpoint/2012/main" xmlns:mc="http://schemas.openxmlformats.org/markup-compatibility/2006" type="objOnly" preserve="1">
+<p:sldLayout xmlns:a="http://schemas.openxmlformats.org/drawingml/2006/main" xmlns:r="http://schemas.openxmlformats.org/officeDocument/2006/relationships" xmlns:p="http://schemas.openxmlformats.org/presentationml/2006/main" type="objOnly" preserve="1">
   <p:cSld name="Centered Text">
     <p:spTree>
       <p:nvGrpSpPr>
@@ -5001,12 +5376,13 @@
           </a:prstGeom>
         </p:spPr>
         <p:txBody>
-          <a:bodyPr lIns="0" rIns="0" tIns="0" bIns="0" anchor="ctr">
+          <a:bodyPr lIns="0" tIns="0" rIns="0" bIns="0" anchor="ctr">
             <a:noAutofit/>
           </a:bodyPr>
+          <a:lstStyle/>
           <a:p>
             <a:pPr algn="ctr"/>
-            <a:endParaRPr b="0" lang="en-US" sz="3200" spc="-1" strike="noStrike">
+            <a:endParaRPr lang="en-US" sz="3200" b="0" strike="noStrike" spc="-1">
               <a:latin typeface="Arial"/>
             </a:endParaRPr>
           </a:p>
@@ -5014,11 +5390,14 @@
       </p:sp>
     </p:spTree>
   </p:cSld>
+  <p:clrMapOvr>
+    <a:masterClrMapping/>
+  </p:clrMapOvr>
 </p:sldLayout>
 </file>
 
 <file path=ppt/slideLayouts/slideLayout7.xml><?xml version="1.0" encoding="utf-8"?>
-<p:sldLayout xmlns:a="http://schemas.openxmlformats.org/drawingml/2006/main" xmlns:p="http://schemas.openxmlformats.org/presentationml/2006/main" xmlns:r="http://schemas.openxmlformats.org/officeDocument/2006/relationships" xmlns:p14="http://schemas.microsoft.com/office/powerpoint/2010/main" xmlns:p15="http://schemas.microsoft.com/office/powerpoint/2012/main" xmlns:mc="http://schemas.openxmlformats.org/markup-compatibility/2006" type="twoObjAndObj" preserve="1">
+<p:sldLayout xmlns:a="http://schemas.openxmlformats.org/drawingml/2006/main" xmlns:r="http://schemas.openxmlformats.org/officeDocument/2006/relationships" xmlns:p="http://schemas.openxmlformats.org/presentationml/2006/main" type="twoObjAndObj" preserve="1">
   <p:cSld name="Title, 2 Content and Content">
     <p:spTree>
       <p:nvGrpSpPr>
@@ -5054,12 +5433,13 @@
           </a:prstGeom>
         </p:spPr>
         <p:txBody>
-          <a:bodyPr lIns="0" rIns="0" tIns="0" bIns="0" anchor="ctr">
+          <a:bodyPr lIns="0" tIns="0" rIns="0" bIns="0" anchor="ctr">
             <a:noAutofit/>
           </a:bodyPr>
+          <a:lstStyle/>
           <a:p>
             <a:pPr algn="ctr"/>
-            <a:endParaRPr b="0" lang="en-US" sz="4400" spc="-1" strike="noStrike">
+            <a:endParaRPr lang="en-US" sz="4400" b="0" strike="noStrike" spc="-1">
               <a:latin typeface="Arial"/>
             </a:endParaRPr>
           </a:p>
@@ -5085,11 +5465,12 @@
           </a:prstGeom>
         </p:spPr>
         <p:txBody>
-          <a:bodyPr lIns="0" rIns="0" tIns="0" bIns="0">
+          <a:bodyPr lIns="0" tIns="0" rIns="0" bIns="0">
             <a:normAutofit/>
           </a:bodyPr>
-          <a:p>
-            <a:endParaRPr b="0" lang="en-US" sz="3200" spc="-1" strike="noStrike">
+          <a:lstStyle/>
+          <a:p>
+            <a:endParaRPr lang="en-US" sz="3200" b="0" strike="noStrike" spc="-1">
               <a:latin typeface="Arial"/>
             </a:endParaRPr>
           </a:p>
@@ -5115,11 +5496,12 @@
           </a:prstGeom>
         </p:spPr>
         <p:txBody>
-          <a:bodyPr lIns="0" rIns="0" tIns="0" bIns="0">
+          <a:bodyPr lIns="0" tIns="0" rIns="0" bIns="0">
             <a:normAutofit/>
           </a:bodyPr>
-          <a:p>
-            <a:endParaRPr b="0" lang="en-US" sz="3200" spc="-1" strike="noStrike">
+          <a:lstStyle/>
+          <a:p>
+            <a:endParaRPr lang="en-US" sz="3200" b="0" strike="noStrike" spc="-1">
               <a:latin typeface="Arial"/>
             </a:endParaRPr>
           </a:p>
@@ -5145,11 +5527,12 @@
           </a:prstGeom>
         </p:spPr>
         <p:txBody>
-          <a:bodyPr lIns="0" rIns="0" tIns="0" bIns="0">
+          <a:bodyPr lIns="0" tIns="0" rIns="0" bIns="0">
             <a:normAutofit/>
           </a:bodyPr>
-          <a:p>
-            <a:endParaRPr b="0" lang="en-US" sz="3200" spc="-1" strike="noStrike">
+          <a:lstStyle/>
+          <a:p>
+            <a:endParaRPr lang="en-US" sz="3200" b="0" strike="noStrike" spc="-1">
               <a:latin typeface="Arial"/>
             </a:endParaRPr>
           </a:p>
@@ -5157,11 +5540,14 @@
       </p:sp>
     </p:spTree>
   </p:cSld>
+  <p:clrMapOvr>
+    <a:masterClrMapping/>
+  </p:clrMapOvr>
 </p:sldLayout>
 </file>
 
 <file path=ppt/slideLayouts/slideLayout8.xml><?xml version="1.0" encoding="utf-8"?>
-<p:sldLayout xmlns:a="http://schemas.openxmlformats.org/drawingml/2006/main" xmlns:p="http://schemas.openxmlformats.org/presentationml/2006/main" xmlns:r="http://schemas.openxmlformats.org/officeDocument/2006/relationships" xmlns:p14="http://schemas.microsoft.com/office/powerpoint/2010/main" xmlns:p15="http://schemas.microsoft.com/office/powerpoint/2012/main" xmlns:mc="http://schemas.openxmlformats.org/markup-compatibility/2006" type="objAndTwoObj" preserve="1">
+<p:sldLayout xmlns:a="http://schemas.openxmlformats.org/drawingml/2006/main" xmlns:r="http://schemas.openxmlformats.org/officeDocument/2006/relationships" xmlns:p="http://schemas.openxmlformats.org/presentationml/2006/main" type="objAndTwoObj" preserve="1">
   <p:cSld name="Title Content and 2 Content">
     <p:spTree>
       <p:nvGrpSpPr>
@@ -5197,12 +5583,13 @@
           </a:prstGeom>
         </p:spPr>
         <p:txBody>
-          <a:bodyPr lIns="0" rIns="0" tIns="0" bIns="0" anchor="ctr">
+          <a:bodyPr lIns="0" tIns="0" rIns="0" bIns="0" anchor="ctr">
             <a:noAutofit/>
           </a:bodyPr>
+          <a:lstStyle/>
           <a:p>
             <a:pPr algn="ctr"/>
-            <a:endParaRPr b="0" lang="en-US" sz="4400" spc="-1" strike="noStrike">
+            <a:endParaRPr lang="en-US" sz="4400" b="0" strike="noStrike" spc="-1">
               <a:latin typeface="Arial"/>
             </a:endParaRPr>
           </a:p>
@@ -5228,11 +5615,12 @@
           </a:prstGeom>
         </p:spPr>
         <p:txBody>
-          <a:bodyPr lIns="0" rIns="0" tIns="0" bIns="0">
+          <a:bodyPr lIns="0" tIns="0" rIns="0" bIns="0">
             <a:normAutofit/>
           </a:bodyPr>
-          <a:p>
-            <a:endParaRPr b="0" lang="en-US" sz="3200" spc="-1" strike="noStrike">
+          <a:lstStyle/>
+          <a:p>
+            <a:endParaRPr lang="en-US" sz="3200" b="0" strike="noStrike" spc="-1">
               <a:latin typeface="Arial"/>
             </a:endParaRPr>
           </a:p>
@@ -5258,11 +5646,12 @@
           </a:prstGeom>
         </p:spPr>
         <p:txBody>
-          <a:bodyPr lIns="0" rIns="0" tIns="0" bIns="0">
+          <a:bodyPr lIns="0" tIns="0" rIns="0" bIns="0">
             <a:normAutofit/>
           </a:bodyPr>
-          <a:p>
-            <a:endParaRPr b="0" lang="en-US" sz="3200" spc="-1" strike="noStrike">
+          <a:lstStyle/>
+          <a:p>
+            <a:endParaRPr lang="en-US" sz="3200" b="0" strike="noStrike" spc="-1">
               <a:latin typeface="Arial"/>
             </a:endParaRPr>
           </a:p>
@@ -5288,11 +5677,12 @@
           </a:prstGeom>
         </p:spPr>
         <p:txBody>
-          <a:bodyPr lIns="0" rIns="0" tIns="0" bIns="0">
+          <a:bodyPr lIns="0" tIns="0" rIns="0" bIns="0">
             <a:normAutofit/>
           </a:bodyPr>
-          <a:p>
-            <a:endParaRPr b="0" lang="en-US" sz="3200" spc="-1" strike="noStrike">
+          <a:lstStyle/>
+          <a:p>
+            <a:endParaRPr lang="en-US" sz="3200" b="0" strike="noStrike" spc="-1">
               <a:latin typeface="Arial"/>
             </a:endParaRPr>
           </a:p>
@@ -5300,11 +5690,14 @@
       </p:sp>
     </p:spTree>
   </p:cSld>
+  <p:clrMapOvr>
+    <a:masterClrMapping/>
+  </p:clrMapOvr>
 </p:sldLayout>
 </file>
 
 <file path=ppt/slideLayouts/slideLayout9.xml><?xml version="1.0" encoding="utf-8"?>
-<p:sldLayout xmlns:a="http://schemas.openxmlformats.org/drawingml/2006/main" xmlns:p="http://schemas.openxmlformats.org/presentationml/2006/main" xmlns:r="http://schemas.openxmlformats.org/officeDocument/2006/relationships" xmlns:p14="http://schemas.microsoft.com/office/powerpoint/2010/main" xmlns:p15="http://schemas.microsoft.com/office/powerpoint/2012/main" xmlns:mc="http://schemas.openxmlformats.org/markup-compatibility/2006" type="twoObjOverTx" preserve="1">
+<p:sldLayout xmlns:a="http://schemas.openxmlformats.org/drawingml/2006/main" xmlns:r="http://schemas.openxmlformats.org/officeDocument/2006/relationships" xmlns:p="http://schemas.openxmlformats.org/presentationml/2006/main" type="twoObjOverTx" preserve="1">
   <p:cSld name="Title, 2 Content over Content">
     <p:spTree>
       <p:nvGrpSpPr>
@@ -5340,12 +5733,13 @@
           </a:prstGeom>
         </p:spPr>
         <p:txBody>
-          <a:bodyPr lIns="0" rIns="0" tIns="0" bIns="0" anchor="ctr">
+          <a:bodyPr lIns="0" tIns="0" rIns="0" bIns="0" anchor="ctr">
             <a:noAutofit/>
           </a:bodyPr>
+          <a:lstStyle/>
           <a:p>
             <a:pPr algn="ctr"/>
-            <a:endParaRPr b="0" lang="en-US" sz="4400" spc="-1" strike="noStrike">
+            <a:endParaRPr lang="en-US" sz="4400" b="0" strike="noStrike" spc="-1">
               <a:latin typeface="Arial"/>
             </a:endParaRPr>
           </a:p>
@@ -5371,11 +5765,12 @@
           </a:prstGeom>
         </p:spPr>
         <p:txBody>
-          <a:bodyPr lIns="0" rIns="0" tIns="0" bIns="0">
+          <a:bodyPr lIns="0" tIns="0" rIns="0" bIns="0">
             <a:normAutofit/>
           </a:bodyPr>
-          <a:p>
-            <a:endParaRPr b="0" lang="en-US" sz="3200" spc="-1" strike="noStrike">
+          <a:lstStyle/>
+          <a:p>
+            <a:endParaRPr lang="en-US" sz="3200" b="0" strike="noStrike" spc="-1">
               <a:latin typeface="Arial"/>
             </a:endParaRPr>
           </a:p>
@@ -5401,11 +5796,12 @@
           </a:prstGeom>
         </p:spPr>
         <p:txBody>
-          <a:bodyPr lIns="0" rIns="0" tIns="0" bIns="0">
+          <a:bodyPr lIns="0" tIns="0" rIns="0" bIns="0">
             <a:normAutofit/>
           </a:bodyPr>
-          <a:p>
-            <a:endParaRPr b="0" lang="en-US" sz="3200" spc="-1" strike="noStrike">
+          <a:lstStyle/>
+          <a:p>
+            <a:endParaRPr lang="en-US" sz="3200" b="0" strike="noStrike" spc="-1">
               <a:latin typeface="Arial"/>
             </a:endParaRPr>
           </a:p>
@@ -5431,11 +5827,12 @@
           </a:prstGeom>
         </p:spPr>
         <p:txBody>
-          <a:bodyPr lIns="0" rIns="0" tIns="0" bIns="0">
+          <a:bodyPr lIns="0" tIns="0" rIns="0" bIns="0">
             <a:normAutofit/>
           </a:bodyPr>
-          <a:p>
-            <a:endParaRPr b="0" lang="en-US" sz="3200" spc="-1" strike="noStrike">
+          <a:lstStyle/>
+          <a:p>
+            <a:endParaRPr lang="en-US" sz="3200" b="0" strike="noStrike" spc="-1">
               <a:latin typeface="Arial"/>
             </a:endParaRPr>
           </a:p>
@@ -5443,20 +5840,24 @@
       </p:sp>
     </p:spTree>
   </p:cSld>
+  <p:clrMapOvr>
+    <a:masterClrMapping/>
+  </p:clrMapOvr>
 </p:sldLayout>
 </file>
 
 <file path=ppt/slideMasters/slideMaster1.xml><?xml version="1.0" encoding="utf-8"?>
-<p:sldMaster xmlns:a="http://schemas.openxmlformats.org/drawingml/2006/main" xmlns:p="http://schemas.openxmlformats.org/presentationml/2006/main" xmlns:r="http://schemas.openxmlformats.org/officeDocument/2006/relationships" xmlns:p14="http://schemas.microsoft.com/office/powerpoint/2010/main" xmlns:p15="http://schemas.microsoft.com/office/powerpoint/2012/main" xmlns:mc="http://schemas.openxmlformats.org/markup-compatibility/2006">
+<p:sldMaster xmlns:a="http://schemas.openxmlformats.org/drawingml/2006/main" xmlns:r="http://schemas.openxmlformats.org/officeDocument/2006/relationships" xmlns:p="http://schemas.openxmlformats.org/presentationml/2006/main">
   <p:cSld>
     <p:bg>
       <p:bgPr>
         <a:blipFill rotWithShape="0">
-          <a:blip r:embed="rId2"/>
+          <a:blip r:embed="rId14"/>
           <a:stretch>
             <a:fillRect/>
           </a:stretch>
         </a:blipFill>
+        <a:effectLst/>
       </p:bgPr>
     </p:bg>
     <p:spTree>
@@ -5475,7 +5876,7 @@
       </p:grpSpPr>
       <p:sp>
         <p:nvSpPr>
-          <p:cNvPr id="0" name="CustomShape 1"/>
+          <p:cNvPr id="3" name="CustomShape 1"/>
           <p:cNvSpPr/>
           <p:nvPr/>
         </p:nvSpPr>
@@ -5493,15 +5894,22 @@
           </a:ln>
         </p:spPr>
         <p:style>
-          <a:lnRef idx="0"/>
-          <a:fillRef idx="0"/>
-          <a:effectRef idx="0"/>
+          <a:lnRef idx="0">
+            <a:scrgbClr r="0" g="0" b="0"/>
+          </a:lnRef>
+          <a:fillRef idx="0">
+            <a:scrgbClr r="0" g="0" b="0"/>
+          </a:fillRef>
+          <a:effectRef idx="0">
+            <a:scrgbClr r="0" g="0" b="0"/>
+          </a:effectRef>
           <a:fontRef idx="minor"/>
         </p:style>
         <p:txBody>
-          <a:bodyPr lIns="90000" rIns="90000" tIns="45000" bIns="45000">
+          <a:bodyPr lIns="90000" tIns="45000" rIns="90000" bIns="45000">
             <a:spAutoFit/>
           </a:bodyPr>
+          <a:lstStyle/>
           <a:p>
             <a:pPr>
               <a:lnSpc>
@@ -5509,16 +5917,16 @@
               </a:lnSpc>
             </a:pPr>
             <a:r>
-              <a:rPr b="0" lang="en-US" sz="1400" spc="-1" strike="noStrike">
+              <a:rPr lang="en-US" sz="1400" b="0" strike="noStrike" spc="-1">
                 <a:solidFill>
-                  <a:srgbClr val="a6a6a6"/>
+                  <a:srgbClr val="A6A6A6"/>
                 </a:solidFill>
                 <a:latin typeface="Calibri"/>
                 <a:ea typeface="DejaVu Sans"/>
               </a:rPr>
               <a:t>This presentation uses a free template provided by FPPT.com</a:t>
             </a:r>
-            <a:endParaRPr b="0" lang="en-US" sz="1400" spc="-1" strike="noStrike">
+            <a:endParaRPr lang="en-US" sz="1400" b="0" strike="noStrike" spc="-1">
               <a:latin typeface="Arial"/>
             </a:endParaRPr>
           </a:p>
@@ -5529,24 +5937,24 @@
               </a:lnSpc>
             </a:pPr>
             <a:r>
-              <a:rPr b="0" lang="en-US" sz="1400" spc="-1" strike="noStrike">
+              <a:rPr lang="en-US" sz="1400" b="0" strike="noStrike" spc="-1">
                 <a:solidFill>
-                  <a:srgbClr val="a6a6a6"/>
+                  <a:srgbClr val="A6A6A6"/>
                 </a:solidFill>
                 <a:latin typeface="Calibri"/>
                 <a:ea typeface="DejaVu Sans"/>
               </a:rPr>
               <a:t>www.free-power-point-templates.com</a:t>
             </a:r>
-            <a:endParaRPr b="0" lang="en-US" sz="1400" spc="-1" strike="noStrike">
-              <a:latin typeface="Arial"/>
-            </a:endParaRPr>
-          </a:p>
-        </p:txBody>
-      </p:sp>
-      <p:sp>
-        <p:nvSpPr>
-          <p:cNvPr id="1" name="PlaceHolder 2"/>
+            <a:endParaRPr lang="en-US" sz="1400" b="0" strike="noStrike" spc="-1">
+              <a:latin typeface="Arial"/>
+            </a:endParaRPr>
+          </a:p>
+        </p:txBody>
+      </p:sp>
+      <p:sp>
+        <p:nvSpPr>
+          <p:cNvPr id="4" name="PlaceHolder 2"/>
           <p:cNvSpPr>
             <a:spLocks noGrp="1"/>
           </p:cNvSpPr>
@@ -5564,19 +5972,17 @@
           </a:prstGeom>
         </p:spPr>
         <p:txBody>
-          <a:bodyPr lIns="0" rIns="0" tIns="0" bIns="0" anchor="ctr">
+          <a:bodyPr lIns="0" tIns="0" rIns="0" bIns="0" anchor="ctr">
             <a:noAutofit/>
           </a:bodyPr>
+          <a:lstStyle/>
           <a:p>
             <a:r>
-              <a:rPr b="0" lang="en-US" sz="1800" spc="-1" strike="noStrike">
+              <a:rPr lang="en-US" sz="1800" b="0" strike="noStrike" spc="-1">
                 <a:latin typeface="Arial"/>
               </a:rPr>
               <a:t>Click to edit the title text format</a:t>
             </a:r>
-            <a:endParaRPr b="0" lang="en-US" sz="1800" spc="-1" strike="noStrike">
-              <a:latin typeface="Arial"/>
-            </a:endParaRPr>
           </a:p>
         </p:txBody>
       </p:sp>
@@ -5600,9 +6006,10 @@
           </a:prstGeom>
         </p:spPr>
         <p:txBody>
-          <a:bodyPr lIns="0" rIns="0" tIns="0" bIns="0">
+          <a:bodyPr lIns="0" tIns="0" rIns="0" bIns="0">
             <a:normAutofit/>
           </a:bodyPr>
+          <a:lstStyle/>
           <a:p>
             <a:pPr marL="432000" indent="-324000">
               <a:spcBef>
@@ -5616,17 +6023,14 @@
               <a:buChar char=""/>
             </a:pPr>
             <a:r>
-              <a:rPr b="0" lang="en-US" sz="3200" spc="-1" strike="noStrike">
+              <a:rPr lang="en-US" sz="3200" b="0" strike="noStrike" spc="-1">
                 <a:latin typeface="Arial"/>
               </a:rPr>
               <a:t>Click to edit the outline text format</a:t>
             </a:r>
-            <a:endParaRPr b="0" lang="en-US" sz="3200" spc="-1" strike="noStrike">
-              <a:latin typeface="Arial"/>
-            </a:endParaRPr>
-          </a:p>
-          <a:p>
-            <a:pPr lvl="1" marL="864000" indent="-324000">
+          </a:p>
+          <a:p>
+            <a:pPr marL="864000" lvl="1" indent="-324000">
               <a:spcBef>
                 <a:spcPts val="1134"/>
               </a:spcBef>
@@ -5638,17 +6042,14 @@
               <a:buChar char=""/>
             </a:pPr>
             <a:r>
-              <a:rPr b="0" lang="en-US" sz="2800" spc="-1" strike="noStrike">
+              <a:rPr lang="en-US" sz="2800" b="0" strike="noStrike" spc="-1">
                 <a:latin typeface="Arial"/>
               </a:rPr>
               <a:t>Second Outline Level</a:t>
             </a:r>
-            <a:endParaRPr b="0" lang="en-US" sz="2800" spc="-1" strike="noStrike">
-              <a:latin typeface="Arial"/>
-            </a:endParaRPr>
-          </a:p>
-          <a:p>
-            <a:pPr lvl="2" marL="1296000" indent="-288000">
+          </a:p>
+          <a:p>
+            <a:pPr marL="1296000" lvl="2" indent="-288000">
               <a:spcBef>
                 <a:spcPts val="850"/>
               </a:spcBef>
@@ -5660,17 +6061,14 @@
               <a:buChar char=""/>
             </a:pPr>
             <a:r>
-              <a:rPr b="0" lang="en-US" sz="2400" spc="-1" strike="noStrike">
+              <a:rPr lang="en-US" sz="2400" b="0" strike="noStrike" spc="-1">
                 <a:latin typeface="Arial"/>
               </a:rPr>
               <a:t>Third Outline Level</a:t>
             </a:r>
-            <a:endParaRPr b="0" lang="en-US" sz="2400" spc="-1" strike="noStrike">
-              <a:latin typeface="Arial"/>
-            </a:endParaRPr>
-          </a:p>
-          <a:p>
-            <a:pPr lvl="3" marL="1728000" indent="-216000">
+          </a:p>
+          <a:p>
+            <a:pPr marL="1728000" lvl="3" indent="-216000">
               <a:spcBef>
                 <a:spcPts val="567"/>
               </a:spcBef>
@@ -5682,17 +6080,14 @@
               <a:buChar char=""/>
             </a:pPr>
             <a:r>
-              <a:rPr b="0" lang="en-US" sz="2000" spc="-1" strike="noStrike">
+              <a:rPr lang="en-US" sz="2000" b="0" strike="noStrike" spc="-1">
                 <a:latin typeface="Arial"/>
               </a:rPr>
               <a:t>Fourth Outline Level</a:t>
             </a:r>
-            <a:endParaRPr b="0" lang="en-US" sz="2000" spc="-1" strike="noStrike">
-              <a:latin typeface="Arial"/>
-            </a:endParaRPr>
-          </a:p>
-          <a:p>
-            <a:pPr lvl="4" marL="2160000" indent="-216000">
+          </a:p>
+          <a:p>
+            <a:pPr marL="2160000" lvl="4" indent="-216000">
               <a:spcBef>
                 <a:spcPts val="283"/>
               </a:spcBef>
@@ -5704,17 +6099,14 @@
               <a:buChar char=""/>
             </a:pPr>
             <a:r>
-              <a:rPr b="0" lang="en-US" sz="2000" spc="-1" strike="noStrike">
+              <a:rPr lang="en-US" sz="2000" b="0" strike="noStrike" spc="-1">
                 <a:latin typeface="Arial"/>
               </a:rPr>
               <a:t>Fifth Outline Level</a:t>
             </a:r>
-            <a:endParaRPr b="0" lang="en-US" sz="2000" spc="-1" strike="noStrike">
-              <a:latin typeface="Arial"/>
-            </a:endParaRPr>
-          </a:p>
-          <a:p>
-            <a:pPr lvl="5" marL="2592000" indent="-216000">
+          </a:p>
+          <a:p>
+            <a:pPr marL="2592000" lvl="5" indent="-216000">
               <a:spcBef>
                 <a:spcPts val="283"/>
               </a:spcBef>
@@ -5726,17 +6118,14 @@
               <a:buChar char=""/>
             </a:pPr>
             <a:r>
-              <a:rPr b="0" lang="en-US" sz="2000" spc="-1" strike="noStrike">
+              <a:rPr lang="en-US" sz="2000" b="0" strike="noStrike" spc="-1">
                 <a:latin typeface="Arial"/>
               </a:rPr>
               <a:t>Sixth Outline Level</a:t>
             </a:r>
-            <a:endParaRPr b="0" lang="en-US" sz="2000" spc="-1" strike="noStrike">
-              <a:latin typeface="Arial"/>
-            </a:endParaRPr>
-          </a:p>
-          <a:p>
-            <a:pPr lvl="6" marL="3024000" indent="-216000">
+          </a:p>
+          <a:p>
+            <a:pPr marL="3024000" lvl="6" indent="-216000">
               <a:spcBef>
                 <a:spcPts val="283"/>
               </a:spcBef>
@@ -5748,48 +6137,326 @@
               <a:buChar char=""/>
             </a:pPr>
             <a:r>
-              <a:rPr b="0" lang="en-US" sz="2000" spc="-1" strike="noStrike">
+              <a:rPr lang="en-US" sz="2000" b="0" strike="noStrike" spc="-1">
                 <a:latin typeface="Arial"/>
               </a:rPr>
               <a:t>Seventh Outline Level</a:t>
             </a:r>
-            <a:endParaRPr b="0" lang="en-US" sz="2000" spc="-1" strike="noStrike">
-              <a:latin typeface="Arial"/>
-            </a:endParaRPr>
           </a:p>
         </p:txBody>
       </p:sp>
     </p:spTree>
   </p:cSld>
-  <p:clrMap bg1="lt1" bg2="lt2" tx1="dk1" tx2="dk2" accent1="accent1" accent2="accent2" accent3="accent3" accent4="accent4" accent5="accent5" accent6="accent6" hlink="hlink" folHlink="folHlink"/>
+  <p:clrMap bg1="lt1" tx1="dk1" bg2="lt2" tx2="dk2" accent1="accent1" accent2="accent2" accent3="accent3" accent4="accent4" accent5="accent5" accent6="accent6" hlink="hlink" folHlink="folHlink"/>
   <p:sldLayoutIdLst>
-    <p:sldLayoutId id="2147483649" r:id="rId3"/>
-    <p:sldLayoutId id="2147483650" r:id="rId4"/>
-    <p:sldLayoutId id="2147483651" r:id="rId5"/>
-    <p:sldLayoutId id="2147483652" r:id="rId6"/>
-    <p:sldLayoutId id="2147483653" r:id="rId7"/>
-    <p:sldLayoutId id="2147483654" r:id="rId8"/>
-    <p:sldLayoutId id="2147483655" r:id="rId9"/>
-    <p:sldLayoutId id="2147483656" r:id="rId10"/>
-    <p:sldLayoutId id="2147483657" r:id="rId11"/>
-    <p:sldLayoutId id="2147483658" r:id="rId12"/>
-    <p:sldLayoutId id="2147483659" r:id="rId13"/>
-    <p:sldLayoutId id="2147483660" r:id="rId14"/>
+    <p:sldLayoutId id="2147483649" r:id="rId1"/>
+    <p:sldLayoutId id="2147483650" r:id="rId2"/>
+    <p:sldLayoutId id="2147483651" r:id="rId3"/>
+    <p:sldLayoutId id="2147483652" r:id="rId4"/>
+    <p:sldLayoutId id="2147483653" r:id="rId5"/>
+    <p:sldLayoutId id="2147483654" r:id="rId6"/>
+    <p:sldLayoutId id="2147483655" r:id="rId7"/>
+    <p:sldLayoutId id="2147483656" r:id="rId8"/>
+    <p:sldLayoutId id="2147483657" r:id="rId9"/>
+    <p:sldLayoutId id="2147483658" r:id="rId10"/>
+    <p:sldLayoutId id="2147483659" r:id="rId11"/>
+    <p:sldLayoutId id="2147483660" r:id="rId12"/>
   </p:sldLayoutIdLst>
+  <p:txStyles>
+    <p:titleStyle>
+      <a:lvl1pPr algn="l" defTabSz="914400" rtl="0" eaLnBrk="1" latinLnBrk="0" hangingPunct="1">
+        <a:lnSpc>
+          <a:spcPct val="90000"/>
+        </a:lnSpc>
+        <a:spcBef>
+          <a:spcPct val="0"/>
+        </a:spcBef>
+        <a:buNone/>
+        <a:defRPr sz="4400" kern="1200">
+          <a:solidFill>
+            <a:schemeClr val="tx1"/>
+          </a:solidFill>
+          <a:latin typeface="+mj-lt"/>
+          <a:ea typeface="+mj-ea"/>
+          <a:cs typeface="+mj-cs"/>
+        </a:defRPr>
+      </a:lvl1pPr>
+    </p:titleStyle>
+    <p:bodyStyle>
+      <a:lvl1pPr marL="228600" indent="-228600" algn="l" defTabSz="914400" rtl="0" eaLnBrk="1" latinLnBrk="0" hangingPunct="1">
+        <a:lnSpc>
+          <a:spcPct val="90000"/>
+        </a:lnSpc>
+        <a:spcBef>
+          <a:spcPts val="1000"/>
+        </a:spcBef>
+        <a:buFont typeface="Arial" panose="020B0604020202020204" pitchFamily="34" charset="0"/>
+        <a:buChar char="•"/>
+        <a:defRPr sz="2800" kern="1200">
+          <a:solidFill>
+            <a:schemeClr val="tx1"/>
+          </a:solidFill>
+          <a:latin typeface="+mn-lt"/>
+          <a:ea typeface="+mn-ea"/>
+          <a:cs typeface="+mn-cs"/>
+        </a:defRPr>
+      </a:lvl1pPr>
+      <a:lvl2pPr marL="685800" indent="-228600" algn="l" defTabSz="914400" rtl="0" eaLnBrk="1" latinLnBrk="0" hangingPunct="1">
+        <a:lnSpc>
+          <a:spcPct val="90000"/>
+        </a:lnSpc>
+        <a:spcBef>
+          <a:spcPts val="500"/>
+        </a:spcBef>
+        <a:buFont typeface="Arial" panose="020B0604020202020204" pitchFamily="34" charset="0"/>
+        <a:buChar char="•"/>
+        <a:defRPr sz="2400" kern="1200">
+          <a:solidFill>
+            <a:schemeClr val="tx1"/>
+          </a:solidFill>
+          <a:latin typeface="+mn-lt"/>
+          <a:ea typeface="+mn-ea"/>
+          <a:cs typeface="+mn-cs"/>
+        </a:defRPr>
+      </a:lvl2pPr>
+      <a:lvl3pPr marL="1143000" indent="-228600" algn="l" defTabSz="914400" rtl="0" eaLnBrk="1" latinLnBrk="0" hangingPunct="1">
+        <a:lnSpc>
+          <a:spcPct val="90000"/>
+        </a:lnSpc>
+        <a:spcBef>
+          <a:spcPts val="500"/>
+        </a:spcBef>
+        <a:buFont typeface="Arial" panose="020B0604020202020204" pitchFamily="34" charset="0"/>
+        <a:buChar char="•"/>
+        <a:defRPr sz="2000" kern="1200">
+          <a:solidFill>
+            <a:schemeClr val="tx1"/>
+          </a:solidFill>
+          <a:latin typeface="+mn-lt"/>
+          <a:ea typeface="+mn-ea"/>
+          <a:cs typeface="+mn-cs"/>
+        </a:defRPr>
+      </a:lvl3pPr>
+      <a:lvl4pPr marL="1600200" indent="-228600" algn="l" defTabSz="914400" rtl="0" eaLnBrk="1" latinLnBrk="0" hangingPunct="1">
+        <a:lnSpc>
+          <a:spcPct val="90000"/>
+        </a:lnSpc>
+        <a:spcBef>
+          <a:spcPts val="500"/>
+        </a:spcBef>
+        <a:buFont typeface="Arial" panose="020B0604020202020204" pitchFamily="34" charset="0"/>
+        <a:buChar char="•"/>
+        <a:defRPr sz="1800" kern="1200">
+          <a:solidFill>
+            <a:schemeClr val="tx1"/>
+          </a:solidFill>
+          <a:latin typeface="+mn-lt"/>
+          <a:ea typeface="+mn-ea"/>
+          <a:cs typeface="+mn-cs"/>
+        </a:defRPr>
+      </a:lvl4pPr>
+      <a:lvl5pPr marL="2057400" indent="-228600" algn="l" defTabSz="914400" rtl="0" eaLnBrk="1" latinLnBrk="0" hangingPunct="1">
+        <a:lnSpc>
+          <a:spcPct val="90000"/>
+        </a:lnSpc>
+        <a:spcBef>
+          <a:spcPts val="500"/>
+        </a:spcBef>
+        <a:buFont typeface="Arial" panose="020B0604020202020204" pitchFamily="34" charset="0"/>
+        <a:buChar char="•"/>
+        <a:defRPr sz="1800" kern="1200">
+          <a:solidFill>
+            <a:schemeClr val="tx1"/>
+          </a:solidFill>
+          <a:latin typeface="+mn-lt"/>
+          <a:ea typeface="+mn-ea"/>
+          <a:cs typeface="+mn-cs"/>
+        </a:defRPr>
+      </a:lvl5pPr>
+      <a:lvl6pPr marL="2514600" indent="-228600" algn="l" defTabSz="914400" rtl="0" eaLnBrk="1" latinLnBrk="0" hangingPunct="1">
+        <a:lnSpc>
+          <a:spcPct val="90000"/>
+        </a:lnSpc>
+        <a:spcBef>
+          <a:spcPts val="500"/>
+        </a:spcBef>
+        <a:buFont typeface="Arial" panose="020B0604020202020204" pitchFamily="34" charset="0"/>
+        <a:buChar char="•"/>
+        <a:defRPr sz="1800" kern="1200">
+          <a:solidFill>
+            <a:schemeClr val="tx1"/>
+          </a:solidFill>
+          <a:latin typeface="+mn-lt"/>
+          <a:ea typeface="+mn-ea"/>
+          <a:cs typeface="+mn-cs"/>
+        </a:defRPr>
+      </a:lvl6pPr>
+      <a:lvl7pPr marL="2971800" indent="-228600" algn="l" defTabSz="914400" rtl="0" eaLnBrk="1" latinLnBrk="0" hangingPunct="1">
+        <a:lnSpc>
+          <a:spcPct val="90000"/>
+        </a:lnSpc>
+        <a:spcBef>
+          <a:spcPts val="500"/>
+        </a:spcBef>
+        <a:buFont typeface="Arial" panose="020B0604020202020204" pitchFamily="34" charset="0"/>
+        <a:buChar char="•"/>
+        <a:defRPr sz="1800" kern="1200">
+          <a:solidFill>
+            <a:schemeClr val="tx1"/>
+          </a:solidFill>
+          <a:latin typeface="+mn-lt"/>
+          <a:ea typeface="+mn-ea"/>
+          <a:cs typeface="+mn-cs"/>
+        </a:defRPr>
+      </a:lvl7pPr>
+      <a:lvl8pPr marL="3429000" indent="-228600" algn="l" defTabSz="914400" rtl="0" eaLnBrk="1" latinLnBrk="0" hangingPunct="1">
+        <a:lnSpc>
+          <a:spcPct val="90000"/>
+        </a:lnSpc>
+        <a:spcBef>
+          <a:spcPts val="500"/>
+        </a:spcBef>
+        <a:buFont typeface="Arial" panose="020B0604020202020204" pitchFamily="34" charset="0"/>
+        <a:buChar char="•"/>
+        <a:defRPr sz="1800" kern="1200">
+          <a:solidFill>
+            <a:schemeClr val="tx1"/>
+          </a:solidFill>
+          <a:latin typeface="+mn-lt"/>
+          <a:ea typeface="+mn-ea"/>
+          <a:cs typeface="+mn-cs"/>
+        </a:defRPr>
+      </a:lvl8pPr>
+      <a:lvl9pPr marL="3886200" indent="-228600" algn="l" defTabSz="914400" rtl="0" eaLnBrk="1" latinLnBrk="0" hangingPunct="1">
+        <a:lnSpc>
+          <a:spcPct val="90000"/>
+        </a:lnSpc>
+        <a:spcBef>
+          <a:spcPts val="500"/>
+        </a:spcBef>
+        <a:buFont typeface="Arial" panose="020B0604020202020204" pitchFamily="34" charset="0"/>
+        <a:buChar char="•"/>
+        <a:defRPr sz="1800" kern="1200">
+          <a:solidFill>
+            <a:schemeClr val="tx1"/>
+          </a:solidFill>
+          <a:latin typeface="+mn-lt"/>
+          <a:ea typeface="+mn-ea"/>
+          <a:cs typeface="+mn-cs"/>
+        </a:defRPr>
+      </a:lvl9pPr>
+    </p:bodyStyle>
+    <p:otherStyle>
+      <a:defPPr>
+        <a:defRPr lang="en-US"/>
+      </a:defPPr>
+      <a:lvl1pPr marL="0" algn="l" defTabSz="914400" rtl="0" eaLnBrk="1" latinLnBrk="0" hangingPunct="1">
+        <a:defRPr sz="1800" kern="1200">
+          <a:solidFill>
+            <a:schemeClr val="tx1"/>
+          </a:solidFill>
+          <a:latin typeface="+mn-lt"/>
+          <a:ea typeface="+mn-ea"/>
+          <a:cs typeface="+mn-cs"/>
+        </a:defRPr>
+      </a:lvl1pPr>
+      <a:lvl2pPr marL="457200" algn="l" defTabSz="914400" rtl="0" eaLnBrk="1" latinLnBrk="0" hangingPunct="1">
+        <a:defRPr sz="1800" kern="1200">
+          <a:solidFill>
+            <a:schemeClr val="tx1"/>
+          </a:solidFill>
+          <a:latin typeface="+mn-lt"/>
+          <a:ea typeface="+mn-ea"/>
+          <a:cs typeface="+mn-cs"/>
+        </a:defRPr>
+      </a:lvl2pPr>
+      <a:lvl3pPr marL="914400" algn="l" defTabSz="914400" rtl="0" eaLnBrk="1" latinLnBrk="0" hangingPunct="1">
+        <a:defRPr sz="1800" kern="1200">
+          <a:solidFill>
+            <a:schemeClr val="tx1"/>
+          </a:solidFill>
+          <a:latin typeface="+mn-lt"/>
+          <a:ea typeface="+mn-ea"/>
+          <a:cs typeface="+mn-cs"/>
+        </a:defRPr>
+      </a:lvl3pPr>
+      <a:lvl4pPr marL="1371600" algn="l" defTabSz="914400" rtl="0" eaLnBrk="1" latinLnBrk="0" hangingPunct="1">
+        <a:defRPr sz="1800" kern="1200">
+          <a:solidFill>
+            <a:schemeClr val="tx1"/>
+          </a:solidFill>
+          <a:latin typeface="+mn-lt"/>
+          <a:ea typeface="+mn-ea"/>
+          <a:cs typeface="+mn-cs"/>
+        </a:defRPr>
+      </a:lvl4pPr>
+      <a:lvl5pPr marL="1828800" algn="l" defTabSz="914400" rtl="0" eaLnBrk="1" latinLnBrk="0" hangingPunct="1">
+        <a:defRPr sz="1800" kern="1200">
+          <a:solidFill>
+            <a:schemeClr val="tx1"/>
+          </a:solidFill>
+          <a:latin typeface="+mn-lt"/>
+          <a:ea typeface="+mn-ea"/>
+          <a:cs typeface="+mn-cs"/>
+        </a:defRPr>
+      </a:lvl5pPr>
+      <a:lvl6pPr marL="2286000" algn="l" defTabSz="914400" rtl="0" eaLnBrk="1" latinLnBrk="0" hangingPunct="1">
+        <a:defRPr sz="1800" kern="1200">
+          <a:solidFill>
+            <a:schemeClr val="tx1"/>
+          </a:solidFill>
+          <a:latin typeface="+mn-lt"/>
+          <a:ea typeface="+mn-ea"/>
+          <a:cs typeface="+mn-cs"/>
+        </a:defRPr>
+      </a:lvl6pPr>
+      <a:lvl7pPr marL="2743200" algn="l" defTabSz="914400" rtl="0" eaLnBrk="1" latinLnBrk="0" hangingPunct="1">
+        <a:defRPr sz="1800" kern="1200">
+          <a:solidFill>
+            <a:schemeClr val="tx1"/>
+          </a:solidFill>
+          <a:latin typeface="+mn-lt"/>
+          <a:ea typeface="+mn-ea"/>
+          <a:cs typeface="+mn-cs"/>
+        </a:defRPr>
+      </a:lvl7pPr>
+      <a:lvl8pPr marL="3200400" algn="l" defTabSz="914400" rtl="0" eaLnBrk="1" latinLnBrk="0" hangingPunct="1">
+        <a:defRPr sz="1800" kern="1200">
+          <a:solidFill>
+            <a:schemeClr val="tx1"/>
+          </a:solidFill>
+          <a:latin typeface="+mn-lt"/>
+          <a:ea typeface="+mn-ea"/>
+          <a:cs typeface="+mn-cs"/>
+        </a:defRPr>
+      </a:lvl8pPr>
+      <a:lvl9pPr marL="3657600" algn="l" defTabSz="914400" rtl="0" eaLnBrk="1" latinLnBrk="0" hangingPunct="1">
+        <a:defRPr sz="1800" kern="1200">
+          <a:solidFill>
+            <a:schemeClr val="tx1"/>
+          </a:solidFill>
+          <a:latin typeface="+mn-lt"/>
+          <a:ea typeface="+mn-ea"/>
+          <a:cs typeface="+mn-cs"/>
+        </a:defRPr>
+      </a:lvl9pPr>
+    </p:otherStyle>
+  </p:txStyles>
 </p:sldMaster>
 </file>
 
 <file path=ppt/slideMasters/slideMaster2.xml><?xml version="1.0" encoding="utf-8"?>
-<p:sldMaster xmlns:a="http://schemas.openxmlformats.org/drawingml/2006/main" xmlns:p="http://schemas.openxmlformats.org/presentationml/2006/main" xmlns:r="http://schemas.openxmlformats.org/officeDocument/2006/relationships" xmlns:p14="http://schemas.microsoft.com/office/powerpoint/2010/main" xmlns:p15="http://schemas.microsoft.com/office/powerpoint/2012/main" xmlns:mc="http://schemas.openxmlformats.org/markup-compatibility/2006">
+<p:sldMaster xmlns:a="http://schemas.openxmlformats.org/drawingml/2006/main" xmlns:r="http://schemas.openxmlformats.org/officeDocument/2006/relationships" xmlns:p="http://schemas.openxmlformats.org/presentationml/2006/main">
   <p:cSld>
     <p:bg>
       <p:bgPr>
         <a:blipFill rotWithShape="0">
-          <a:blip r:embed="rId2"/>
+          <a:blip r:embed="rId14"/>
           <a:stretch>
             <a:fillRect/>
           </a:stretch>
         </a:blipFill>
+        <a:effectLst/>
       </p:bgPr>
     </p:bg>
     <p:spTree>
@@ -5826,15 +6493,22 @@
           </a:ln>
         </p:spPr>
         <p:style>
-          <a:lnRef idx="0"/>
-          <a:fillRef idx="0"/>
-          <a:effectRef idx="0"/>
+          <a:lnRef idx="0">
+            <a:scrgbClr r="0" g="0" b="0"/>
+          </a:lnRef>
+          <a:fillRef idx="0">
+            <a:scrgbClr r="0" g="0" b="0"/>
+          </a:fillRef>
+          <a:effectRef idx="0">
+            <a:scrgbClr r="0" g="0" b="0"/>
+          </a:effectRef>
           <a:fontRef idx="minor"/>
         </p:style>
         <p:txBody>
-          <a:bodyPr lIns="90000" rIns="90000" tIns="45000" bIns="45000">
+          <a:bodyPr lIns="90000" tIns="45000" rIns="90000" bIns="45000">
             <a:spAutoFit/>
           </a:bodyPr>
+          <a:lstStyle/>
           <a:p>
             <a:pPr>
               <a:lnSpc>
@@ -5842,16 +6516,16 @@
               </a:lnSpc>
             </a:pPr>
             <a:r>
-              <a:rPr b="0" lang="en-US" sz="1400" spc="-1" strike="noStrike">
+              <a:rPr lang="en-US" sz="1400" b="0" strike="noStrike" spc="-1">
                 <a:solidFill>
-                  <a:srgbClr val="a6a6a6"/>
+                  <a:srgbClr val="A6A6A6"/>
                 </a:solidFill>
                 <a:latin typeface="Calibri"/>
                 <a:ea typeface="DejaVu Sans"/>
               </a:rPr>
               <a:t>This presentation uses a free template provided by FPPT.com</a:t>
             </a:r>
-            <a:endParaRPr b="0" lang="en-US" sz="1400" spc="-1" strike="noStrike">
+            <a:endParaRPr lang="en-US" sz="1400" b="0" strike="noStrike" spc="-1">
               <a:latin typeface="Arial"/>
             </a:endParaRPr>
           </a:p>
@@ -5862,16 +6536,16 @@
               </a:lnSpc>
             </a:pPr>
             <a:r>
-              <a:rPr b="0" lang="en-US" sz="1400" spc="-1" strike="noStrike">
+              <a:rPr lang="en-US" sz="1400" b="0" strike="noStrike" spc="-1">
                 <a:solidFill>
-                  <a:srgbClr val="a6a6a6"/>
+                  <a:srgbClr val="A6A6A6"/>
                 </a:solidFill>
                 <a:latin typeface="Calibri"/>
                 <a:ea typeface="DejaVu Sans"/>
               </a:rPr>
               <a:t>www.free-power-point-templates.com</a:t>
             </a:r>
-            <a:endParaRPr b="0" lang="en-US" sz="1400" spc="-1" strike="noStrike">
+            <a:endParaRPr lang="en-US" sz="1400" b="0" strike="noStrike" spc="-1">
               <a:latin typeface="Arial"/>
             </a:endParaRPr>
           </a:p>
@@ -5897,20 +6571,18 @@
           </a:prstGeom>
         </p:spPr>
         <p:txBody>
-          <a:bodyPr lIns="0" rIns="0" tIns="0" bIns="0" anchor="ctr">
+          <a:bodyPr lIns="0" tIns="0" rIns="0" bIns="0" anchor="ctr">
             <a:noAutofit/>
           </a:bodyPr>
+          <a:lstStyle/>
           <a:p>
             <a:pPr algn="ctr"/>
             <a:r>
-              <a:rPr b="0" lang="en-US" sz="4400" spc="-1" strike="noStrike">
+              <a:rPr lang="en-US" sz="4400" b="0" strike="noStrike" spc="-1">
                 <a:latin typeface="Arial"/>
               </a:rPr>
               <a:t>Click to edit the title text format</a:t>
             </a:r>
-            <a:endParaRPr b="0" lang="en-US" sz="4400" spc="-1" strike="noStrike">
-              <a:latin typeface="Arial"/>
-            </a:endParaRPr>
           </a:p>
         </p:txBody>
       </p:sp>
@@ -5934,9 +6606,10 @@
           </a:prstGeom>
         </p:spPr>
         <p:txBody>
-          <a:bodyPr lIns="0" rIns="0" tIns="0" bIns="0">
+          <a:bodyPr lIns="0" tIns="0" rIns="0" bIns="0">
             <a:normAutofit/>
           </a:bodyPr>
+          <a:lstStyle/>
           <a:p>
             <a:pPr marL="432000" indent="-324000">
               <a:spcBef>
@@ -5950,17 +6623,14 @@
               <a:buChar char=""/>
             </a:pPr>
             <a:r>
-              <a:rPr b="0" lang="en-US" sz="3200" spc="-1" strike="noStrike">
+              <a:rPr lang="en-US" sz="3200" b="0" strike="noStrike" spc="-1">
                 <a:latin typeface="Arial"/>
               </a:rPr>
               <a:t>Click to edit the outline text format</a:t>
             </a:r>
-            <a:endParaRPr b="0" lang="en-US" sz="3200" spc="-1" strike="noStrike">
-              <a:latin typeface="Arial"/>
-            </a:endParaRPr>
-          </a:p>
-          <a:p>
-            <a:pPr lvl="1" marL="864000" indent="-324000">
+          </a:p>
+          <a:p>
+            <a:pPr marL="864000" lvl="1" indent="-324000">
               <a:spcBef>
                 <a:spcPts val="1134"/>
               </a:spcBef>
@@ -5972,17 +6642,14 @@
               <a:buChar char=""/>
             </a:pPr>
             <a:r>
-              <a:rPr b="0" lang="en-US" sz="2800" spc="-1" strike="noStrike">
+              <a:rPr lang="en-US" sz="2800" b="0" strike="noStrike" spc="-1">
                 <a:latin typeface="Arial"/>
               </a:rPr>
               <a:t>Second Outline Level</a:t>
             </a:r>
-            <a:endParaRPr b="0" lang="en-US" sz="2800" spc="-1" strike="noStrike">
-              <a:latin typeface="Arial"/>
-            </a:endParaRPr>
-          </a:p>
-          <a:p>
-            <a:pPr lvl="2" marL="1296000" indent="-288000">
+          </a:p>
+          <a:p>
+            <a:pPr marL="1296000" lvl="2" indent="-288000">
               <a:spcBef>
                 <a:spcPts val="850"/>
               </a:spcBef>
@@ -5994,17 +6661,14 @@
               <a:buChar char=""/>
             </a:pPr>
             <a:r>
-              <a:rPr b="0" lang="en-US" sz="2400" spc="-1" strike="noStrike">
+              <a:rPr lang="en-US" sz="2400" b="0" strike="noStrike" spc="-1">
                 <a:latin typeface="Arial"/>
               </a:rPr>
               <a:t>Third Outline Level</a:t>
             </a:r>
-            <a:endParaRPr b="0" lang="en-US" sz="2400" spc="-1" strike="noStrike">
-              <a:latin typeface="Arial"/>
-            </a:endParaRPr>
-          </a:p>
-          <a:p>
-            <a:pPr lvl="3" marL="1728000" indent="-216000">
+          </a:p>
+          <a:p>
+            <a:pPr marL="1728000" lvl="3" indent="-216000">
               <a:spcBef>
                 <a:spcPts val="567"/>
               </a:spcBef>
@@ -6016,17 +6680,14 @@
               <a:buChar char=""/>
             </a:pPr>
             <a:r>
-              <a:rPr b="0" lang="en-US" sz="2000" spc="-1" strike="noStrike">
+              <a:rPr lang="en-US" sz="2000" b="0" strike="noStrike" spc="-1">
                 <a:latin typeface="Arial"/>
               </a:rPr>
               <a:t>Fourth Outline Level</a:t>
             </a:r>
-            <a:endParaRPr b="0" lang="en-US" sz="2000" spc="-1" strike="noStrike">
-              <a:latin typeface="Arial"/>
-            </a:endParaRPr>
-          </a:p>
-          <a:p>
-            <a:pPr lvl="4" marL="2160000" indent="-216000">
+          </a:p>
+          <a:p>
+            <a:pPr marL="2160000" lvl="4" indent="-216000">
               <a:spcBef>
                 <a:spcPts val="283"/>
               </a:spcBef>
@@ -6038,17 +6699,14 @@
               <a:buChar char=""/>
             </a:pPr>
             <a:r>
-              <a:rPr b="0" lang="en-US" sz="2000" spc="-1" strike="noStrike">
+              <a:rPr lang="en-US" sz="2000" b="0" strike="noStrike" spc="-1">
                 <a:latin typeface="Arial"/>
               </a:rPr>
               <a:t>Fifth Outline Level</a:t>
             </a:r>
-            <a:endParaRPr b="0" lang="en-US" sz="2000" spc="-1" strike="noStrike">
-              <a:latin typeface="Arial"/>
-            </a:endParaRPr>
-          </a:p>
-          <a:p>
-            <a:pPr lvl="5" marL="2592000" indent="-216000">
+          </a:p>
+          <a:p>
+            <a:pPr marL="2592000" lvl="5" indent="-216000">
               <a:spcBef>
                 <a:spcPts val="283"/>
               </a:spcBef>
@@ -6060,17 +6718,14 @@
               <a:buChar char=""/>
             </a:pPr>
             <a:r>
-              <a:rPr b="0" lang="en-US" sz="2000" spc="-1" strike="noStrike">
+              <a:rPr lang="en-US" sz="2000" b="0" strike="noStrike" spc="-1">
                 <a:latin typeface="Arial"/>
               </a:rPr>
               <a:t>Sixth Outline Level</a:t>
             </a:r>
-            <a:endParaRPr b="0" lang="en-US" sz="2000" spc="-1" strike="noStrike">
-              <a:latin typeface="Arial"/>
-            </a:endParaRPr>
-          </a:p>
-          <a:p>
-            <a:pPr lvl="6" marL="3024000" indent="-216000">
+          </a:p>
+          <a:p>
+            <a:pPr marL="3024000" lvl="6" indent="-216000">
               <a:spcBef>
                 <a:spcPts val="283"/>
               </a:spcBef>
@@ -6082,48 +6737,326 @@
               <a:buChar char=""/>
             </a:pPr>
             <a:r>
-              <a:rPr b="0" lang="en-US" sz="2000" spc="-1" strike="noStrike">
+              <a:rPr lang="en-US" sz="2000" b="0" strike="noStrike" spc="-1">
                 <a:latin typeface="Arial"/>
               </a:rPr>
               <a:t>Seventh Outline Level</a:t>
             </a:r>
-            <a:endParaRPr b="0" lang="en-US" sz="2000" spc="-1" strike="noStrike">
-              <a:latin typeface="Arial"/>
-            </a:endParaRPr>
           </a:p>
         </p:txBody>
       </p:sp>
     </p:spTree>
   </p:cSld>
-  <p:clrMap bg1="lt1" bg2="lt2" tx1="dk1" tx2="dk2" accent1="accent1" accent2="accent2" accent3="accent3" accent4="accent4" accent5="accent5" accent6="accent6" hlink="hlink" folHlink="folHlink"/>
+  <p:clrMap bg1="lt1" tx1="dk1" bg2="lt2" tx2="dk2" accent1="accent1" accent2="accent2" accent3="accent3" accent4="accent4" accent5="accent5" accent6="accent6" hlink="hlink" folHlink="folHlink"/>
   <p:sldLayoutIdLst>
-    <p:sldLayoutId id="2147483662" r:id="rId3"/>
-    <p:sldLayoutId id="2147483663" r:id="rId4"/>
-    <p:sldLayoutId id="2147483664" r:id="rId5"/>
-    <p:sldLayoutId id="2147483665" r:id="rId6"/>
-    <p:sldLayoutId id="2147483666" r:id="rId7"/>
-    <p:sldLayoutId id="2147483667" r:id="rId8"/>
-    <p:sldLayoutId id="2147483668" r:id="rId9"/>
-    <p:sldLayoutId id="2147483669" r:id="rId10"/>
-    <p:sldLayoutId id="2147483670" r:id="rId11"/>
-    <p:sldLayoutId id="2147483671" r:id="rId12"/>
-    <p:sldLayoutId id="2147483672" r:id="rId13"/>
-    <p:sldLayoutId id="2147483673" r:id="rId14"/>
+    <p:sldLayoutId id="2147483662" r:id="rId1"/>
+    <p:sldLayoutId id="2147483663" r:id="rId2"/>
+    <p:sldLayoutId id="2147483664" r:id="rId3"/>
+    <p:sldLayoutId id="2147483665" r:id="rId4"/>
+    <p:sldLayoutId id="2147483666" r:id="rId5"/>
+    <p:sldLayoutId id="2147483667" r:id="rId6"/>
+    <p:sldLayoutId id="2147483668" r:id="rId7"/>
+    <p:sldLayoutId id="2147483669" r:id="rId8"/>
+    <p:sldLayoutId id="2147483670" r:id="rId9"/>
+    <p:sldLayoutId id="2147483671" r:id="rId10"/>
+    <p:sldLayoutId id="2147483672" r:id="rId11"/>
+    <p:sldLayoutId id="2147483673" r:id="rId12"/>
   </p:sldLayoutIdLst>
+  <p:txStyles>
+    <p:titleStyle>
+      <a:lvl1pPr algn="l" defTabSz="914400" rtl="0" eaLnBrk="1" latinLnBrk="0" hangingPunct="1">
+        <a:lnSpc>
+          <a:spcPct val="90000"/>
+        </a:lnSpc>
+        <a:spcBef>
+          <a:spcPct val="0"/>
+        </a:spcBef>
+        <a:buNone/>
+        <a:defRPr sz="4400" kern="1200">
+          <a:solidFill>
+            <a:schemeClr val="tx1"/>
+          </a:solidFill>
+          <a:latin typeface="+mj-lt"/>
+          <a:ea typeface="+mj-ea"/>
+          <a:cs typeface="+mj-cs"/>
+        </a:defRPr>
+      </a:lvl1pPr>
+    </p:titleStyle>
+    <p:bodyStyle>
+      <a:lvl1pPr marL="228600" indent="-228600" algn="l" defTabSz="914400" rtl="0" eaLnBrk="1" latinLnBrk="0" hangingPunct="1">
+        <a:lnSpc>
+          <a:spcPct val="90000"/>
+        </a:lnSpc>
+        <a:spcBef>
+          <a:spcPts val="1000"/>
+        </a:spcBef>
+        <a:buFont typeface="Arial" panose="020B0604020202020204" pitchFamily="34" charset="0"/>
+        <a:buChar char="•"/>
+        <a:defRPr sz="2800" kern="1200">
+          <a:solidFill>
+            <a:schemeClr val="tx1"/>
+          </a:solidFill>
+          <a:latin typeface="+mn-lt"/>
+          <a:ea typeface="+mn-ea"/>
+          <a:cs typeface="+mn-cs"/>
+        </a:defRPr>
+      </a:lvl1pPr>
+      <a:lvl2pPr marL="685800" indent="-228600" algn="l" defTabSz="914400" rtl="0" eaLnBrk="1" latinLnBrk="0" hangingPunct="1">
+        <a:lnSpc>
+          <a:spcPct val="90000"/>
+        </a:lnSpc>
+        <a:spcBef>
+          <a:spcPts val="500"/>
+        </a:spcBef>
+        <a:buFont typeface="Arial" panose="020B0604020202020204" pitchFamily="34" charset="0"/>
+        <a:buChar char="•"/>
+        <a:defRPr sz="2400" kern="1200">
+          <a:solidFill>
+            <a:schemeClr val="tx1"/>
+          </a:solidFill>
+          <a:latin typeface="+mn-lt"/>
+          <a:ea typeface="+mn-ea"/>
+          <a:cs typeface="+mn-cs"/>
+        </a:defRPr>
+      </a:lvl2pPr>
+      <a:lvl3pPr marL="1143000" indent="-228600" algn="l" defTabSz="914400" rtl="0" eaLnBrk="1" latinLnBrk="0" hangingPunct="1">
+        <a:lnSpc>
+          <a:spcPct val="90000"/>
+        </a:lnSpc>
+        <a:spcBef>
+          <a:spcPts val="500"/>
+        </a:spcBef>
+        <a:buFont typeface="Arial" panose="020B0604020202020204" pitchFamily="34" charset="0"/>
+        <a:buChar char="•"/>
+        <a:defRPr sz="2000" kern="1200">
+          <a:solidFill>
+            <a:schemeClr val="tx1"/>
+          </a:solidFill>
+          <a:latin typeface="+mn-lt"/>
+          <a:ea typeface="+mn-ea"/>
+          <a:cs typeface="+mn-cs"/>
+        </a:defRPr>
+      </a:lvl3pPr>
+      <a:lvl4pPr marL="1600200" indent="-228600" algn="l" defTabSz="914400" rtl="0" eaLnBrk="1" latinLnBrk="0" hangingPunct="1">
+        <a:lnSpc>
+          <a:spcPct val="90000"/>
+        </a:lnSpc>
+        <a:spcBef>
+          <a:spcPts val="500"/>
+        </a:spcBef>
+        <a:buFont typeface="Arial" panose="020B0604020202020204" pitchFamily="34" charset="0"/>
+        <a:buChar char="•"/>
+        <a:defRPr sz="1800" kern="1200">
+          <a:solidFill>
+            <a:schemeClr val="tx1"/>
+          </a:solidFill>
+          <a:latin typeface="+mn-lt"/>
+          <a:ea typeface="+mn-ea"/>
+          <a:cs typeface="+mn-cs"/>
+        </a:defRPr>
+      </a:lvl4pPr>
+      <a:lvl5pPr marL="2057400" indent="-228600" algn="l" defTabSz="914400" rtl="0" eaLnBrk="1" latinLnBrk="0" hangingPunct="1">
+        <a:lnSpc>
+          <a:spcPct val="90000"/>
+        </a:lnSpc>
+        <a:spcBef>
+          <a:spcPts val="500"/>
+        </a:spcBef>
+        <a:buFont typeface="Arial" panose="020B0604020202020204" pitchFamily="34" charset="0"/>
+        <a:buChar char="•"/>
+        <a:defRPr sz="1800" kern="1200">
+          <a:solidFill>
+            <a:schemeClr val="tx1"/>
+          </a:solidFill>
+          <a:latin typeface="+mn-lt"/>
+          <a:ea typeface="+mn-ea"/>
+          <a:cs typeface="+mn-cs"/>
+        </a:defRPr>
+      </a:lvl5pPr>
+      <a:lvl6pPr marL="2514600" indent="-228600" algn="l" defTabSz="914400" rtl="0" eaLnBrk="1" latinLnBrk="0" hangingPunct="1">
+        <a:lnSpc>
+          <a:spcPct val="90000"/>
+        </a:lnSpc>
+        <a:spcBef>
+          <a:spcPts val="500"/>
+        </a:spcBef>
+        <a:buFont typeface="Arial" panose="020B0604020202020204" pitchFamily="34" charset="0"/>
+        <a:buChar char="•"/>
+        <a:defRPr sz="1800" kern="1200">
+          <a:solidFill>
+            <a:schemeClr val="tx1"/>
+          </a:solidFill>
+          <a:latin typeface="+mn-lt"/>
+          <a:ea typeface="+mn-ea"/>
+          <a:cs typeface="+mn-cs"/>
+        </a:defRPr>
+      </a:lvl6pPr>
+      <a:lvl7pPr marL="2971800" indent="-228600" algn="l" defTabSz="914400" rtl="0" eaLnBrk="1" latinLnBrk="0" hangingPunct="1">
+        <a:lnSpc>
+          <a:spcPct val="90000"/>
+        </a:lnSpc>
+        <a:spcBef>
+          <a:spcPts val="500"/>
+        </a:spcBef>
+        <a:buFont typeface="Arial" panose="020B0604020202020204" pitchFamily="34" charset="0"/>
+        <a:buChar char="•"/>
+        <a:defRPr sz="1800" kern="1200">
+          <a:solidFill>
+            <a:schemeClr val="tx1"/>
+          </a:solidFill>
+          <a:latin typeface="+mn-lt"/>
+          <a:ea typeface="+mn-ea"/>
+          <a:cs typeface="+mn-cs"/>
+        </a:defRPr>
+      </a:lvl7pPr>
+      <a:lvl8pPr marL="3429000" indent="-228600" algn="l" defTabSz="914400" rtl="0" eaLnBrk="1" latinLnBrk="0" hangingPunct="1">
+        <a:lnSpc>
+          <a:spcPct val="90000"/>
+        </a:lnSpc>
+        <a:spcBef>
+          <a:spcPts val="500"/>
+        </a:spcBef>
+        <a:buFont typeface="Arial" panose="020B0604020202020204" pitchFamily="34" charset="0"/>
+        <a:buChar char="•"/>
+        <a:defRPr sz="1800" kern="1200">
+          <a:solidFill>
+            <a:schemeClr val="tx1"/>
+          </a:solidFill>
+          <a:latin typeface="+mn-lt"/>
+          <a:ea typeface="+mn-ea"/>
+          <a:cs typeface="+mn-cs"/>
+        </a:defRPr>
+      </a:lvl8pPr>
+      <a:lvl9pPr marL="3886200" indent="-228600" algn="l" defTabSz="914400" rtl="0" eaLnBrk="1" latinLnBrk="0" hangingPunct="1">
+        <a:lnSpc>
+          <a:spcPct val="90000"/>
+        </a:lnSpc>
+        <a:spcBef>
+          <a:spcPts val="500"/>
+        </a:spcBef>
+        <a:buFont typeface="Arial" panose="020B0604020202020204" pitchFamily="34" charset="0"/>
+        <a:buChar char="•"/>
+        <a:defRPr sz="1800" kern="1200">
+          <a:solidFill>
+            <a:schemeClr val="tx1"/>
+          </a:solidFill>
+          <a:latin typeface="+mn-lt"/>
+          <a:ea typeface="+mn-ea"/>
+          <a:cs typeface="+mn-cs"/>
+        </a:defRPr>
+      </a:lvl9pPr>
+    </p:bodyStyle>
+    <p:otherStyle>
+      <a:defPPr>
+        <a:defRPr lang="en-US"/>
+      </a:defPPr>
+      <a:lvl1pPr marL="0" algn="l" defTabSz="914400" rtl="0" eaLnBrk="1" latinLnBrk="0" hangingPunct="1">
+        <a:defRPr sz="1800" kern="1200">
+          <a:solidFill>
+            <a:schemeClr val="tx1"/>
+          </a:solidFill>
+          <a:latin typeface="+mn-lt"/>
+          <a:ea typeface="+mn-ea"/>
+          <a:cs typeface="+mn-cs"/>
+        </a:defRPr>
+      </a:lvl1pPr>
+      <a:lvl2pPr marL="457200" algn="l" defTabSz="914400" rtl="0" eaLnBrk="1" latinLnBrk="0" hangingPunct="1">
+        <a:defRPr sz="1800" kern="1200">
+          <a:solidFill>
+            <a:schemeClr val="tx1"/>
+          </a:solidFill>
+          <a:latin typeface="+mn-lt"/>
+          <a:ea typeface="+mn-ea"/>
+          <a:cs typeface="+mn-cs"/>
+        </a:defRPr>
+      </a:lvl2pPr>
+      <a:lvl3pPr marL="914400" algn="l" defTabSz="914400" rtl="0" eaLnBrk="1" latinLnBrk="0" hangingPunct="1">
+        <a:defRPr sz="1800" kern="1200">
+          <a:solidFill>
+            <a:schemeClr val="tx1"/>
+          </a:solidFill>
+          <a:latin typeface="+mn-lt"/>
+          <a:ea typeface="+mn-ea"/>
+          <a:cs typeface="+mn-cs"/>
+        </a:defRPr>
+      </a:lvl3pPr>
+      <a:lvl4pPr marL="1371600" algn="l" defTabSz="914400" rtl="0" eaLnBrk="1" latinLnBrk="0" hangingPunct="1">
+        <a:defRPr sz="1800" kern="1200">
+          <a:solidFill>
+            <a:schemeClr val="tx1"/>
+          </a:solidFill>
+          <a:latin typeface="+mn-lt"/>
+          <a:ea typeface="+mn-ea"/>
+          <a:cs typeface="+mn-cs"/>
+        </a:defRPr>
+      </a:lvl4pPr>
+      <a:lvl5pPr marL="1828800" algn="l" defTabSz="914400" rtl="0" eaLnBrk="1" latinLnBrk="0" hangingPunct="1">
+        <a:defRPr sz="1800" kern="1200">
+          <a:solidFill>
+            <a:schemeClr val="tx1"/>
+          </a:solidFill>
+          <a:latin typeface="+mn-lt"/>
+          <a:ea typeface="+mn-ea"/>
+          <a:cs typeface="+mn-cs"/>
+        </a:defRPr>
+      </a:lvl5pPr>
+      <a:lvl6pPr marL="2286000" algn="l" defTabSz="914400" rtl="0" eaLnBrk="1" latinLnBrk="0" hangingPunct="1">
+        <a:defRPr sz="1800" kern="1200">
+          <a:solidFill>
+            <a:schemeClr val="tx1"/>
+          </a:solidFill>
+          <a:latin typeface="+mn-lt"/>
+          <a:ea typeface="+mn-ea"/>
+          <a:cs typeface="+mn-cs"/>
+        </a:defRPr>
+      </a:lvl6pPr>
+      <a:lvl7pPr marL="2743200" algn="l" defTabSz="914400" rtl="0" eaLnBrk="1" latinLnBrk="0" hangingPunct="1">
+        <a:defRPr sz="1800" kern="1200">
+          <a:solidFill>
+            <a:schemeClr val="tx1"/>
+          </a:solidFill>
+          <a:latin typeface="+mn-lt"/>
+          <a:ea typeface="+mn-ea"/>
+          <a:cs typeface="+mn-cs"/>
+        </a:defRPr>
+      </a:lvl7pPr>
+      <a:lvl8pPr marL="3200400" algn="l" defTabSz="914400" rtl="0" eaLnBrk="1" latinLnBrk="0" hangingPunct="1">
+        <a:defRPr sz="1800" kern="1200">
+          <a:solidFill>
+            <a:schemeClr val="tx1"/>
+          </a:solidFill>
+          <a:latin typeface="+mn-lt"/>
+          <a:ea typeface="+mn-ea"/>
+          <a:cs typeface="+mn-cs"/>
+        </a:defRPr>
+      </a:lvl8pPr>
+      <a:lvl9pPr marL="3657600" algn="l" defTabSz="914400" rtl="0" eaLnBrk="1" latinLnBrk="0" hangingPunct="1">
+        <a:defRPr sz="1800" kern="1200">
+          <a:solidFill>
+            <a:schemeClr val="tx1"/>
+          </a:solidFill>
+          <a:latin typeface="+mn-lt"/>
+          <a:ea typeface="+mn-ea"/>
+          <a:cs typeface="+mn-cs"/>
+        </a:defRPr>
+      </a:lvl9pPr>
+    </p:otherStyle>
+  </p:txStyles>
 </p:sldMaster>
 </file>
 
 <file path=ppt/slideMasters/slideMaster3.xml><?xml version="1.0" encoding="utf-8"?>
-<p:sldMaster xmlns:a="http://schemas.openxmlformats.org/drawingml/2006/main" xmlns:p="http://schemas.openxmlformats.org/presentationml/2006/main" xmlns:r="http://schemas.openxmlformats.org/officeDocument/2006/relationships" xmlns:p14="http://schemas.microsoft.com/office/powerpoint/2010/main" xmlns:p15="http://schemas.microsoft.com/office/powerpoint/2012/main" xmlns:mc="http://schemas.openxmlformats.org/markup-compatibility/2006">
+<p:sldMaster xmlns:a="http://schemas.openxmlformats.org/drawingml/2006/main" xmlns:r="http://schemas.openxmlformats.org/officeDocument/2006/relationships" xmlns:p="http://schemas.openxmlformats.org/presentationml/2006/main">
   <p:cSld>
     <p:bg>
       <p:bgPr>
         <a:blipFill rotWithShape="0">
-          <a:blip r:embed="rId2"/>
+          <a:blip r:embed="rId14"/>
           <a:stretch>
             <a:fillRect/>
           </a:stretch>
         </a:blipFill>
+        <a:effectLst/>
       </p:bgPr>
     </p:bg>
     <p:spTree>
@@ -6160,15 +7093,22 @@
           </a:ln>
         </p:spPr>
         <p:style>
-          <a:lnRef idx="0"/>
-          <a:fillRef idx="0"/>
-          <a:effectRef idx="0"/>
+          <a:lnRef idx="0">
+            <a:scrgbClr r="0" g="0" b="0"/>
+          </a:lnRef>
+          <a:fillRef idx="0">
+            <a:scrgbClr r="0" g="0" b="0"/>
+          </a:fillRef>
+          <a:effectRef idx="0">
+            <a:scrgbClr r="0" g="0" b="0"/>
+          </a:effectRef>
           <a:fontRef idx="minor"/>
         </p:style>
         <p:txBody>
-          <a:bodyPr lIns="90000" rIns="90000" tIns="45000" bIns="45000">
+          <a:bodyPr lIns="90000" tIns="45000" rIns="90000" bIns="45000">
             <a:spAutoFit/>
           </a:bodyPr>
+          <a:lstStyle/>
           <a:p>
             <a:pPr>
               <a:lnSpc>
@@ -6176,16 +7116,16 @@
               </a:lnSpc>
             </a:pPr>
             <a:r>
-              <a:rPr b="0" lang="en-US" sz="1400" spc="-1" strike="noStrike">
+              <a:rPr lang="en-US" sz="1400" b="0" strike="noStrike" spc="-1">
                 <a:solidFill>
-                  <a:srgbClr val="a6a6a6"/>
+                  <a:srgbClr val="A6A6A6"/>
                 </a:solidFill>
                 <a:latin typeface="Calibri"/>
                 <a:ea typeface="DejaVu Sans"/>
               </a:rPr>
               <a:t>This presentation uses a free template provided by FPPT.com</a:t>
             </a:r>
-            <a:endParaRPr b="0" lang="en-US" sz="1400" spc="-1" strike="noStrike">
+            <a:endParaRPr lang="en-US" sz="1400" b="0" strike="noStrike" spc="-1">
               <a:latin typeface="Arial"/>
             </a:endParaRPr>
           </a:p>
@@ -6196,16 +7136,16 @@
               </a:lnSpc>
             </a:pPr>
             <a:r>
-              <a:rPr b="0" lang="en-US" sz="1400" spc="-1" strike="noStrike">
+              <a:rPr lang="en-US" sz="1400" b="0" strike="noStrike" spc="-1">
                 <a:solidFill>
-                  <a:srgbClr val="a6a6a6"/>
+                  <a:srgbClr val="A6A6A6"/>
                 </a:solidFill>
                 <a:latin typeface="Calibri"/>
                 <a:ea typeface="DejaVu Sans"/>
               </a:rPr>
               <a:t>www.free-power-point-templates.com</a:t>
             </a:r>
-            <a:endParaRPr b="0" lang="en-US" sz="1400" spc="-1" strike="noStrike">
+            <a:endParaRPr lang="en-US" sz="1400" b="0" strike="noStrike" spc="-1">
               <a:latin typeface="Arial"/>
             </a:endParaRPr>
           </a:p>
@@ -6231,20 +7171,18 @@
           </a:prstGeom>
         </p:spPr>
         <p:txBody>
-          <a:bodyPr lIns="0" rIns="0" tIns="0" bIns="0" anchor="ctr">
+          <a:bodyPr lIns="0" tIns="0" rIns="0" bIns="0" anchor="ctr">
             <a:noAutofit/>
           </a:bodyPr>
+          <a:lstStyle/>
           <a:p>
             <a:pPr algn="ctr"/>
             <a:r>
-              <a:rPr b="0" lang="en-US" sz="4400" spc="-1" strike="noStrike">
+              <a:rPr lang="en-US" sz="4400" b="0" strike="noStrike" spc="-1">
                 <a:latin typeface="Arial"/>
               </a:rPr>
               <a:t>Click to edit the title text format</a:t>
             </a:r>
-            <a:endParaRPr b="0" lang="en-US" sz="4400" spc="-1" strike="noStrike">
-              <a:latin typeface="Arial"/>
-            </a:endParaRPr>
           </a:p>
         </p:txBody>
       </p:sp>
@@ -6268,9 +7206,10 @@
           </a:prstGeom>
         </p:spPr>
         <p:txBody>
-          <a:bodyPr lIns="0" rIns="0" tIns="0" bIns="0">
+          <a:bodyPr lIns="0" tIns="0" rIns="0" bIns="0">
             <a:normAutofit/>
           </a:bodyPr>
+          <a:lstStyle/>
           <a:p>
             <a:pPr marL="432000" indent="-324000">
               <a:spcBef>
@@ -6284,17 +7223,14 @@
               <a:buChar char=""/>
             </a:pPr>
             <a:r>
-              <a:rPr b="0" lang="en-US" sz="3200" spc="-1" strike="noStrike">
+              <a:rPr lang="en-US" sz="3200" b="0" strike="noStrike" spc="-1">
                 <a:latin typeface="Arial"/>
               </a:rPr>
               <a:t>Click to edit the outline text format</a:t>
             </a:r>
-            <a:endParaRPr b="0" lang="en-US" sz="3200" spc="-1" strike="noStrike">
-              <a:latin typeface="Arial"/>
-            </a:endParaRPr>
-          </a:p>
-          <a:p>
-            <a:pPr lvl="1" marL="864000" indent="-324000">
+          </a:p>
+          <a:p>
+            <a:pPr marL="864000" lvl="1" indent="-324000">
               <a:spcBef>
                 <a:spcPts val="1134"/>
               </a:spcBef>
@@ -6306,17 +7242,14 @@
               <a:buChar char=""/>
             </a:pPr>
             <a:r>
-              <a:rPr b="0" lang="en-US" sz="2800" spc="-1" strike="noStrike">
+              <a:rPr lang="en-US" sz="2800" b="0" strike="noStrike" spc="-1">
                 <a:latin typeface="Arial"/>
               </a:rPr>
               <a:t>Second Outline Level</a:t>
             </a:r>
-            <a:endParaRPr b="0" lang="en-US" sz="2800" spc="-1" strike="noStrike">
-              <a:latin typeface="Arial"/>
-            </a:endParaRPr>
-          </a:p>
-          <a:p>
-            <a:pPr lvl="2" marL="1296000" indent="-288000">
+          </a:p>
+          <a:p>
+            <a:pPr marL="1296000" lvl="2" indent="-288000">
               <a:spcBef>
                 <a:spcPts val="850"/>
               </a:spcBef>
@@ -6328,17 +7261,14 @@
               <a:buChar char=""/>
             </a:pPr>
             <a:r>
-              <a:rPr b="0" lang="en-US" sz="2400" spc="-1" strike="noStrike">
+              <a:rPr lang="en-US" sz="2400" b="0" strike="noStrike" spc="-1">
                 <a:latin typeface="Arial"/>
               </a:rPr>
               <a:t>Third Outline Level</a:t>
             </a:r>
-            <a:endParaRPr b="0" lang="en-US" sz="2400" spc="-1" strike="noStrike">
-              <a:latin typeface="Arial"/>
-            </a:endParaRPr>
-          </a:p>
-          <a:p>
-            <a:pPr lvl="3" marL="1728000" indent="-216000">
+          </a:p>
+          <a:p>
+            <a:pPr marL="1728000" lvl="3" indent="-216000">
               <a:spcBef>
                 <a:spcPts val="567"/>
               </a:spcBef>
@@ -6350,17 +7280,14 @@
               <a:buChar char=""/>
             </a:pPr>
             <a:r>
-              <a:rPr b="0" lang="en-US" sz="2000" spc="-1" strike="noStrike">
+              <a:rPr lang="en-US" sz="2000" b="0" strike="noStrike" spc="-1">
                 <a:latin typeface="Arial"/>
               </a:rPr>
               <a:t>Fourth Outline Level</a:t>
             </a:r>
-            <a:endParaRPr b="0" lang="en-US" sz="2000" spc="-1" strike="noStrike">
-              <a:latin typeface="Arial"/>
-            </a:endParaRPr>
-          </a:p>
-          <a:p>
-            <a:pPr lvl="4" marL="2160000" indent="-216000">
+          </a:p>
+          <a:p>
+            <a:pPr marL="2160000" lvl="4" indent="-216000">
               <a:spcBef>
                 <a:spcPts val="283"/>
               </a:spcBef>
@@ -6372,17 +7299,14 @@
               <a:buChar char=""/>
             </a:pPr>
             <a:r>
-              <a:rPr b="0" lang="en-US" sz="2000" spc="-1" strike="noStrike">
+              <a:rPr lang="en-US" sz="2000" b="0" strike="noStrike" spc="-1">
                 <a:latin typeface="Arial"/>
               </a:rPr>
               <a:t>Fifth Outline Level</a:t>
             </a:r>
-            <a:endParaRPr b="0" lang="en-US" sz="2000" spc="-1" strike="noStrike">
-              <a:latin typeface="Arial"/>
-            </a:endParaRPr>
-          </a:p>
-          <a:p>
-            <a:pPr lvl="5" marL="2592000" indent="-216000">
+          </a:p>
+          <a:p>
+            <a:pPr marL="2592000" lvl="5" indent="-216000">
               <a:spcBef>
                 <a:spcPts val="283"/>
               </a:spcBef>
@@ -6394,17 +7318,14 @@
               <a:buChar char=""/>
             </a:pPr>
             <a:r>
-              <a:rPr b="0" lang="en-US" sz="2000" spc="-1" strike="noStrike">
+              <a:rPr lang="en-US" sz="2000" b="0" strike="noStrike" spc="-1">
                 <a:latin typeface="Arial"/>
               </a:rPr>
               <a:t>Sixth Outline Level</a:t>
             </a:r>
-            <a:endParaRPr b="0" lang="en-US" sz="2000" spc="-1" strike="noStrike">
-              <a:latin typeface="Arial"/>
-            </a:endParaRPr>
-          </a:p>
-          <a:p>
-            <a:pPr lvl="6" marL="3024000" indent="-216000">
+          </a:p>
+          <a:p>
+            <a:pPr marL="3024000" lvl="6" indent="-216000">
               <a:spcBef>
                 <a:spcPts val="283"/>
               </a:spcBef>
@@ -6416,48 +7337,326 @@
               <a:buChar char=""/>
             </a:pPr>
             <a:r>
-              <a:rPr b="0" lang="en-US" sz="2000" spc="-1" strike="noStrike">
+              <a:rPr lang="en-US" sz="2000" b="0" strike="noStrike" spc="-1">
                 <a:latin typeface="Arial"/>
               </a:rPr>
               <a:t>Seventh Outline Level</a:t>
             </a:r>
-            <a:endParaRPr b="0" lang="en-US" sz="2000" spc="-1" strike="noStrike">
-              <a:latin typeface="Arial"/>
-            </a:endParaRPr>
           </a:p>
         </p:txBody>
       </p:sp>
     </p:spTree>
   </p:cSld>
-  <p:clrMap bg1="lt1" bg2="lt2" tx1="dk1" tx2="dk2" accent1="accent1" accent2="accent2" accent3="accent3" accent4="accent4" accent5="accent5" accent6="accent6" hlink="hlink" folHlink="folHlink"/>
+  <p:clrMap bg1="lt1" tx1="dk1" bg2="lt2" tx2="dk2" accent1="accent1" accent2="accent2" accent3="accent3" accent4="accent4" accent5="accent5" accent6="accent6" hlink="hlink" folHlink="folHlink"/>
   <p:sldLayoutIdLst>
-    <p:sldLayoutId id="2147483675" r:id="rId3"/>
-    <p:sldLayoutId id="2147483676" r:id="rId4"/>
-    <p:sldLayoutId id="2147483677" r:id="rId5"/>
-    <p:sldLayoutId id="2147483678" r:id="rId6"/>
-    <p:sldLayoutId id="2147483679" r:id="rId7"/>
-    <p:sldLayoutId id="2147483680" r:id="rId8"/>
-    <p:sldLayoutId id="2147483681" r:id="rId9"/>
-    <p:sldLayoutId id="2147483682" r:id="rId10"/>
-    <p:sldLayoutId id="2147483683" r:id="rId11"/>
-    <p:sldLayoutId id="2147483684" r:id="rId12"/>
-    <p:sldLayoutId id="2147483685" r:id="rId13"/>
-    <p:sldLayoutId id="2147483686" r:id="rId14"/>
+    <p:sldLayoutId id="2147483675" r:id="rId1"/>
+    <p:sldLayoutId id="2147483676" r:id="rId2"/>
+    <p:sldLayoutId id="2147483677" r:id="rId3"/>
+    <p:sldLayoutId id="2147483678" r:id="rId4"/>
+    <p:sldLayoutId id="2147483679" r:id="rId5"/>
+    <p:sldLayoutId id="2147483680" r:id="rId6"/>
+    <p:sldLayoutId id="2147483681" r:id="rId7"/>
+    <p:sldLayoutId id="2147483682" r:id="rId8"/>
+    <p:sldLayoutId id="2147483683" r:id="rId9"/>
+    <p:sldLayoutId id="2147483684" r:id="rId10"/>
+    <p:sldLayoutId id="2147483685" r:id="rId11"/>
+    <p:sldLayoutId id="2147483686" r:id="rId12"/>
   </p:sldLayoutIdLst>
+  <p:txStyles>
+    <p:titleStyle>
+      <a:lvl1pPr algn="l" defTabSz="914400" rtl="0" eaLnBrk="1" latinLnBrk="0" hangingPunct="1">
+        <a:lnSpc>
+          <a:spcPct val="90000"/>
+        </a:lnSpc>
+        <a:spcBef>
+          <a:spcPct val="0"/>
+        </a:spcBef>
+        <a:buNone/>
+        <a:defRPr sz="4400" kern="1200">
+          <a:solidFill>
+            <a:schemeClr val="tx1"/>
+          </a:solidFill>
+          <a:latin typeface="+mj-lt"/>
+          <a:ea typeface="+mj-ea"/>
+          <a:cs typeface="+mj-cs"/>
+        </a:defRPr>
+      </a:lvl1pPr>
+    </p:titleStyle>
+    <p:bodyStyle>
+      <a:lvl1pPr marL="228600" indent="-228600" algn="l" defTabSz="914400" rtl="0" eaLnBrk="1" latinLnBrk="0" hangingPunct="1">
+        <a:lnSpc>
+          <a:spcPct val="90000"/>
+        </a:lnSpc>
+        <a:spcBef>
+          <a:spcPts val="1000"/>
+        </a:spcBef>
+        <a:buFont typeface="Arial" panose="020B0604020202020204" pitchFamily="34" charset="0"/>
+        <a:buChar char="•"/>
+        <a:defRPr sz="2800" kern="1200">
+          <a:solidFill>
+            <a:schemeClr val="tx1"/>
+          </a:solidFill>
+          <a:latin typeface="+mn-lt"/>
+          <a:ea typeface="+mn-ea"/>
+          <a:cs typeface="+mn-cs"/>
+        </a:defRPr>
+      </a:lvl1pPr>
+      <a:lvl2pPr marL="685800" indent="-228600" algn="l" defTabSz="914400" rtl="0" eaLnBrk="1" latinLnBrk="0" hangingPunct="1">
+        <a:lnSpc>
+          <a:spcPct val="90000"/>
+        </a:lnSpc>
+        <a:spcBef>
+          <a:spcPts val="500"/>
+        </a:spcBef>
+        <a:buFont typeface="Arial" panose="020B0604020202020204" pitchFamily="34" charset="0"/>
+        <a:buChar char="•"/>
+        <a:defRPr sz="2400" kern="1200">
+          <a:solidFill>
+            <a:schemeClr val="tx1"/>
+          </a:solidFill>
+          <a:latin typeface="+mn-lt"/>
+          <a:ea typeface="+mn-ea"/>
+          <a:cs typeface="+mn-cs"/>
+        </a:defRPr>
+      </a:lvl2pPr>
+      <a:lvl3pPr marL="1143000" indent="-228600" algn="l" defTabSz="914400" rtl="0" eaLnBrk="1" latinLnBrk="0" hangingPunct="1">
+        <a:lnSpc>
+          <a:spcPct val="90000"/>
+        </a:lnSpc>
+        <a:spcBef>
+          <a:spcPts val="500"/>
+        </a:spcBef>
+        <a:buFont typeface="Arial" panose="020B0604020202020204" pitchFamily="34" charset="0"/>
+        <a:buChar char="•"/>
+        <a:defRPr sz="2000" kern="1200">
+          <a:solidFill>
+            <a:schemeClr val="tx1"/>
+          </a:solidFill>
+          <a:latin typeface="+mn-lt"/>
+          <a:ea typeface="+mn-ea"/>
+          <a:cs typeface="+mn-cs"/>
+        </a:defRPr>
+      </a:lvl3pPr>
+      <a:lvl4pPr marL="1600200" indent="-228600" algn="l" defTabSz="914400" rtl="0" eaLnBrk="1" latinLnBrk="0" hangingPunct="1">
+        <a:lnSpc>
+          <a:spcPct val="90000"/>
+        </a:lnSpc>
+        <a:spcBef>
+          <a:spcPts val="500"/>
+        </a:spcBef>
+        <a:buFont typeface="Arial" panose="020B0604020202020204" pitchFamily="34" charset="0"/>
+        <a:buChar char="•"/>
+        <a:defRPr sz="1800" kern="1200">
+          <a:solidFill>
+            <a:schemeClr val="tx1"/>
+          </a:solidFill>
+          <a:latin typeface="+mn-lt"/>
+          <a:ea typeface="+mn-ea"/>
+          <a:cs typeface="+mn-cs"/>
+        </a:defRPr>
+      </a:lvl4pPr>
+      <a:lvl5pPr marL="2057400" indent="-228600" algn="l" defTabSz="914400" rtl="0" eaLnBrk="1" latinLnBrk="0" hangingPunct="1">
+        <a:lnSpc>
+          <a:spcPct val="90000"/>
+        </a:lnSpc>
+        <a:spcBef>
+          <a:spcPts val="500"/>
+        </a:spcBef>
+        <a:buFont typeface="Arial" panose="020B0604020202020204" pitchFamily="34" charset="0"/>
+        <a:buChar char="•"/>
+        <a:defRPr sz="1800" kern="1200">
+          <a:solidFill>
+            <a:schemeClr val="tx1"/>
+          </a:solidFill>
+          <a:latin typeface="+mn-lt"/>
+          <a:ea typeface="+mn-ea"/>
+          <a:cs typeface="+mn-cs"/>
+        </a:defRPr>
+      </a:lvl5pPr>
+      <a:lvl6pPr marL="2514600" indent="-228600" algn="l" defTabSz="914400" rtl="0" eaLnBrk="1" latinLnBrk="0" hangingPunct="1">
+        <a:lnSpc>
+          <a:spcPct val="90000"/>
+        </a:lnSpc>
+        <a:spcBef>
+          <a:spcPts val="500"/>
+        </a:spcBef>
+        <a:buFont typeface="Arial" panose="020B0604020202020204" pitchFamily="34" charset="0"/>
+        <a:buChar char="•"/>
+        <a:defRPr sz="1800" kern="1200">
+          <a:solidFill>
+            <a:schemeClr val="tx1"/>
+          </a:solidFill>
+          <a:latin typeface="+mn-lt"/>
+          <a:ea typeface="+mn-ea"/>
+          <a:cs typeface="+mn-cs"/>
+        </a:defRPr>
+      </a:lvl6pPr>
+      <a:lvl7pPr marL="2971800" indent="-228600" algn="l" defTabSz="914400" rtl="0" eaLnBrk="1" latinLnBrk="0" hangingPunct="1">
+        <a:lnSpc>
+          <a:spcPct val="90000"/>
+        </a:lnSpc>
+        <a:spcBef>
+          <a:spcPts val="500"/>
+        </a:spcBef>
+        <a:buFont typeface="Arial" panose="020B0604020202020204" pitchFamily="34" charset="0"/>
+        <a:buChar char="•"/>
+        <a:defRPr sz="1800" kern="1200">
+          <a:solidFill>
+            <a:schemeClr val="tx1"/>
+          </a:solidFill>
+          <a:latin typeface="+mn-lt"/>
+          <a:ea typeface="+mn-ea"/>
+          <a:cs typeface="+mn-cs"/>
+        </a:defRPr>
+      </a:lvl7pPr>
+      <a:lvl8pPr marL="3429000" indent="-228600" algn="l" defTabSz="914400" rtl="0" eaLnBrk="1" latinLnBrk="0" hangingPunct="1">
+        <a:lnSpc>
+          <a:spcPct val="90000"/>
+        </a:lnSpc>
+        <a:spcBef>
+          <a:spcPts val="500"/>
+        </a:spcBef>
+        <a:buFont typeface="Arial" panose="020B0604020202020204" pitchFamily="34" charset="0"/>
+        <a:buChar char="•"/>
+        <a:defRPr sz="1800" kern="1200">
+          <a:solidFill>
+            <a:schemeClr val="tx1"/>
+          </a:solidFill>
+          <a:latin typeface="+mn-lt"/>
+          <a:ea typeface="+mn-ea"/>
+          <a:cs typeface="+mn-cs"/>
+        </a:defRPr>
+      </a:lvl8pPr>
+      <a:lvl9pPr marL="3886200" indent="-228600" algn="l" defTabSz="914400" rtl="0" eaLnBrk="1" latinLnBrk="0" hangingPunct="1">
+        <a:lnSpc>
+          <a:spcPct val="90000"/>
+        </a:lnSpc>
+        <a:spcBef>
+          <a:spcPts val="500"/>
+        </a:spcBef>
+        <a:buFont typeface="Arial" panose="020B0604020202020204" pitchFamily="34" charset="0"/>
+        <a:buChar char="•"/>
+        <a:defRPr sz="1800" kern="1200">
+          <a:solidFill>
+            <a:schemeClr val="tx1"/>
+          </a:solidFill>
+          <a:latin typeface="+mn-lt"/>
+          <a:ea typeface="+mn-ea"/>
+          <a:cs typeface="+mn-cs"/>
+        </a:defRPr>
+      </a:lvl9pPr>
+    </p:bodyStyle>
+    <p:otherStyle>
+      <a:defPPr>
+        <a:defRPr lang="en-US"/>
+      </a:defPPr>
+      <a:lvl1pPr marL="0" algn="l" defTabSz="914400" rtl="0" eaLnBrk="1" latinLnBrk="0" hangingPunct="1">
+        <a:defRPr sz="1800" kern="1200">
+          <a:solidFill>
+            <a:schemeClr val="tx1"/>
+          </a:solidFill>
+          <a:latin typeface="+mn-lt"/>
+          <a:ea typeface="+mn-ea"/>
+          <a:cs typeface="+mn-cs"/>
+        </a:defRPr>
+      </a:lvl1pPr>
+      <a:lvl2pPr marL="457200" algn="l" defTabSz="914400" rtl="0" eaLnBrk="1" latinLnBrk="0" hangingPunct="1">
+        <a:defRPr sz="1800" kern="1200">
+          <a:solidFill>
+            <a:schemeClr val="tx1"/>
+          </a:solidFill>
+          <a:latin typeface="+mn-lt"/>
+          <a:ea typeface="+mn-ea"/>
+          <a:cs typeface="+mn-cs"/>
+        </a:defRPr>
+      </a:lvl2pPr>
+      <a:lvl3pPr marL="914400" algn="l" defTabSz="914400" rtl="0" eaLnBrk="1" latinLnBrk="0" hangingPunct="1">
+        <a:defRPr sz="1800" kern="1200">
+          <a:solidFill>
+            <a:schemeClr val="tx1"/>
+          </a:solidFill>
+          <a:latin typeface="+mn-lt"/>
+          <a:ea typeface="+mn-ea"/>
+          <a:cs typeface="+mn-cs"/>
+        </a:defRPr>
+      </a:lvl3pPr>
+      <a:lvl4pPr marL="1371600" algn="l" defTabSz="914400" rtl="0" eaLnBrk="1" latinLnBrk="0" hangingPunct="1">
+        <a:defRPr sz="1800" kern="1200">
+          <a:solidFill>
+            <a:schemeClr val="tx1"/>
+          </a:solidFill>
+          <a:latin typeface="+mn-lt"/>
+          <a:ea typeface="+mn-ea"/>
+          <a:cs typeface="+mn-cs"/>
+        </a:defRPr>
+      </a:lvl4pPr>
+      <a:lvl5pPr marL="1828800" algn="l" defTabSz="914400" rtl="0" eaLnBrk="1" latinLnBrk="0" hangingPunct="1">
+        <a:defRPr sz="1800" kern="1200">
+          <a:solidFill>
+            <a:schemeClr val="tx1"/>
+          </a:solidFill>
+          <a:latin typeface="+mn-lt"/>
+          <a:ea typeface="+mn-ea"/>
+          <a:cs typeface="+mn-cs"/>
+        </a:defRPr>
+      </a:lvl5pPr>
+      <a:lvl6pPr marL="2286000" algn="l" defTabSz="914400" rtl="0" eaLnBrk="1" latinLnBrk="0" hangingPunct="1">
+        <a:defRPr sz="1800" kern="1200">
+          <a:solidFill>
+            <a:schemeClr val="tx1"/>
+          </a:solidFill>
+          <a:latin typeface="+mn-lt"/>
+          <a:ea typeface="+mn-ea"/>
+          <a:cs typeface="+mn-cs"/>
+        </a:defRPr>
+      </a:lvl6pPr>
+      <a:lvl7pPr marL="2743200" algn="l" defTabSz="914400" rtl="0" eaLnBrk="1" latinLnBrk="0" hangingPunct="1">
+        <a:defRPr sz="1800" kern="1200">
+          <a:solidFill>
+            <a:schemeClr val="tx1"/>
+          </a:solidFill>
+          <a:latin typeface="+mn-lt"/>
+          <a:ea typeface="+mn-ea"/>
+          <a:cs typeface="+mn-cs"/>
+        </a:defRPr>
+      </a:lvl7pPr>
+      <a:lvl8pPr marL="3200400" algn="l" defTabSz="914400" rtl="0" eaLnBrk="1" latinLnBrk="0" hangingPunct="1">
+        <a:defRPr sz="1800" kern="1200">
+          <a:solidFill>
+            <a:schemeClr val="tx1"/>
+          </a:solidFill>
+          <a:latin typeface="+mn-lt"/>
+          <a:ea typeface="+mn-ea"/>
+          <a:cs typeface="+mn-cs"/>
+        </a:defRPr>
+      </a:lvl8pPr>
+      <a:lvl9pPr marL="3657600" algn="l" defTabSz="914400" rtl="0" eaLnBrk="1" latinLnBrk="0" hangingPunct="1">
+        <a:defRPr sz="1800" kern="1200">
+          <a:solidFill>
+            <a:schemeClr val="tx1"/>
+          </a:solidFill>
+          <a:latin typeface="+mn-lt"/>
+          <a:ea typeface="+mn-ea"/>
+          <a:cs typeface="+mn-cs"/>
+        </a:defRPr>
+      </a:lvl9pPr>
+    </p:otherStyle>
+  </p:txStyles>
 </p:sldMaster>
 </file>
 
 <file path=ppt/slideMasters/slideMaster4.xml><?xml version="1.0" encoding="utf-8"?>
-<p:sldMaster xmlns:a="http://schemas.openxmlformats.org/drawingml/2006/main" xmlns:p="http://schemas.openxmlformats.org/presentationml/2006/main" xmlns:r="http://schemas.openxmlformats.org/officeDocument/2006/relationships" xmlns:p14="http://schemas.microsoft.com/office/powerpoint/2010/main" xmlns:p15="http://schemas.microsoft.com/office/powerpoint/2012/main" xmlns:mc="http://schemas.openxmlformats.org/markup-compatibility/2006">
+<p:sldMaster xmlns:a="http://schemas.openxmlformats.org/drawingml/2006/main" xmlns:r="http://schemas.openxmlformats.org/officeDocument/2006/relationships" xmlns:p="http://schemas.openxmlformats.org/presentationml/2006/main">
   <p:cSld>
     <p:bg>
       <p:bgPr>
         <a:blipFill rotWithShape="0">
-          <a:blip r:embed="rId2"/>
+          <a:blip r:embed="rId14"/>
           <a:stretch>
             <a:fillRect/>
           </a:stretch>
         </a:blipFill>
+        <a:effectLst/>
       </p:bgPr>
     </p:bg>
     <p:spTree>
@@ -6494,20 +7693,18 @@
           </a:prstGeom>
         </p:spPr>
         <p:txBody>
-          <a:bodyPr lIns="0" rIns="0" tIns="0" bIns="0" anchor="ctr">
+          <a:bodyPr lIns="0" tIns="0" rIns="0" bIns="0" anchor="ctr">
             <a:noAutofit/>
           </a:bodyPr>
+          <a:lstStyle/>
           <a:p>
             <a:pPr algn="ctr"/>
             <a:r>
-              <a:rPr b="0" lang="en-US" sz="4400" spc="-1" strike="noStrike">
+              <a:rPr lang="en-US" sz="4400" b="0" strike="noStrike" spc="-1">
                 <a:latin typeface="Arial"/>
               </a:rPr>
               <a:t>Click to edit the title text format</a:t>
             </a:r>
-            <a:endParaRPr b="0" lang="en-US" sz="4400" spc="-1" strike="noStrike">
-              <a:latin typeface="Arial"/>
-            </a:endParaRPr>
           </a:p>
         </p:txBody>
       </p:sp>
@@ -6531,9 +7728,10 @@
           </a:prstGeom>
         </p:spPr>
         <p:txBody>
-          <a:bodyPr lIns="0" rIns="0" tIns="0" bIns="0">
+          <a:bodyPr lIns="0" tIns="0" rIns="0" bIns="0">
             <a:normAutofit/>
           </a:bodyPr>
+          <a:lstStyle/>
           <a:p>
             <a:pPr marL="432000" indent="-324000">
               <a:spcBef>
@@ -6547,17 +7745,14 @@
               <a:buChar char=""/>
             </a:pPr>
             <a:r>
-              <a:rPr b="0" lang="en-US" sz="3200" spc="-1" strike="noStrike">
+              <a:rPr lang="en-US" sz="3200" b="0" strike="noStrike" spc="-1">
                 <a:latin typeface="Arial"/>
               </a:rPr>
               <a:t>Click to edit the outline text format</a:t>
             </a:r>
-            <a:endParaRPr b="0" lang="en-US" sz="3200" spc="-1" strike="noStrike">
-              <a:latin typeface="Arial"/>
-            </a:endParaRPr>
-          </a:p>
-          <a:p>
-            <a:pPr lvl="1" marL="864000" indent="-324000">
+          </a:p>
+          <a:p>
+            <a:pPr marL="864000" lvl="1" indent="-324000">
               <a:spcBef>
                 <a:spcPts val="1134"/>
               </a:spcBef>
@@ -6569,17 +7764,14 @@
               <a:buChar char=""/>
             </a:pPr>
             <a:r>
-              <a:rPr b="0" lang="en-US" sz="2800" spc="-1" strike="noStrike">
+              <a:rPr lang="en-US" sz="2800" b="0" strike="noStrike" spc="-1">
                 <a:latin typeface="Arial"/>
               </a:rPr>
               <a:t>Second Outline Level</a:t>
             </a:r>
-            <a:endParaRPr b="0" lang="en-US" sz="2800" spc="-1" strike="noStrike">
-              <a:latin typeface="Arial"/>
-            </a:endParaRPr>
-          </a:p>
-          <a:p>
-            <a:pPr lvl="2" marL="1296000" indent="-288000">
+          </a:p>
+          <a:p>
+            <a:pPr marL="1296000" lvl="2" indent="-288000">
               <a:spcBef>
                 <a:spcPts val="850"/>
               </a:spcBef>
@@ -6591,17 +7783,14 @@
               <a:buChar char=""/>
             </a:pPr>
             <a:r>
-              <a:rPr b="0" lang="en-US" sz="2400" spc="-1" strike="noStrike">
+              <a:rPr lang="en-US" sz="2400" b="0" strike="noStrike" spc="-1">
                 <a:latin typeface="Arial"/>
               </a:rPr>
               <a:t>Third Outline Level</a:t>
             </a:r>
-            <a:endParaRPr b="0" lang="en-US" sz="2400" spc="-1" strike="noStrike">
-              <a:latin typeface="Arial"/>
-            </a:endParaRPr>
-          </a:p>
-          <a:p>
-            <a:pPr lvl="3" marL="1728000" indent="-216000">
+          </a:p>
+          <a:p>
+            <a:pPr marL="1728000" lvl="3" indent="-216000">
               <a:spcBef>
                 <a:spcPts val="567"/>
               </a:spcBef>
@@ -6613,17 +7802,14 @@
               <a:buChar char=""/>
             </a:pPr>
             <a:r>
-              <a:rPr b="0" lang="en-US" sz="2000" spc="-1" strike="noStrike">
+              <a:rPr lang="en-US" sz="2000" b="0" strike="noStrike" spc="-1">
                 <a:latin typeface="Arial"/>
               </a:rPr>
               <a:t>Fourth Outline Level</a:t>
             </a:r>
-            <a:endParaRPr b="0" lang="en-US" sz="2000" spc="-1" strike="noStrike">
-              <a:latin typeface="Arial"/>
-            </a:endParaRPr>
-          </a:p>
-          <a:p>
-            <a:pPr lvl="4" marL="2160000" indent="-216000">
+          </a:p>
+          <a:p>
+            <a:pPr marL="2160000" lvl="4" indent="-216000">
               <a:spcBef>
                 <a:spcPts val="283"/>
               </a:spcBef>
@@ -6635,17 +7821,14 @@
               <a:buChar char=""/>
             </a:pPr>
             <a:r>
-              <a:rPr b="0" lang="en-US" sz="2000" spc="-1" strike="noStrike">
+              <a:rPr lang="en-US" sz="2000" b="0" strike="noStrike" spc="-1">
                 <a:latin typeface="Arial"/>
               </a:rPr>
               <a:t>Fifth Outline Level</a:t>
             </a:r>
-            <a:endParaRPr b="0" lang="en-US" sz="2000" spc="-1" strike="noStrike">
-              <a:latin typeface="Arial"/>
-            </a:endParaRPr>
-          </a:p>
-          <a:p>
-            <a:pPr lvl="5" marL="2592000" indent="-216000">
+          </a:p>
+          <a:p>
+            <a:pPr marL="2592000" lvl="5" indent="-216000">
               <a:spcBef>
                 <a:spcPts val="283"/>
               </a:spcBef>
@@ -6657,17 +7840,14 @@
               <a:buChar char=""/>
             </a:pPr>
             <a:r>
-              <a:rPr b="0" lang="en-US" sz="2000" spc="-1" strike="noStrike">
+              <a:rPr lang="en-US" sz="2000" b="0" strike="noStrike" spc="-1">
                 <a:latin typeface="Arial"/>
               </a:rPr>
               <a:t>Sixth Outline Level</a:t>
             </a:r>
-            <a:endParaRPr b="0" lang="en-US" sz="2000" spc="-1" strike="noStrike">
-              <a:latin typeface="Arial"/>
-            </a:endParaRPr>
-          </a:p>
-          <a:p>
-            <a:pPr lvl="6" marL="3024000" indent="-216000">
+          </a:p>
+          <a:p>
+            <a:pPr marL="3024000" lvl="6" indent="-216000">
               <a:spcBef>
                 <a:spcPts val="283"/>
               </a:spcBef>
@@ -6679,39 +7859,316 @@
               <a:buChar char=""/>
             </a:pPr>
             <a:r>
-              <a:rPr b="0" lang="en-US" sz="2000" spc="-1" strike="noStrike">
+              <a:rPr lang="en-US" sz="2000" b="0" strike="noStrike" spc="-1">
                 <a:latin typeface="Arial"/>
               </a:rPr>
               <a:t>Seventh Outline Level</a:t>
             </a:r>
-            <a:endParaRPr b="0" lang="en-US" sz="2000" spc="-1" strike="noStrike">
-              <a:latin typeface="Arial"/>
-            </a:endParaRPr>
           </a:p>
         </p:txBody>
       </p:sp>
     </p:spTree>
   </p:cSld>
-  <p:clrMap bg1="lt1" bg2="lt2" tx1="dk1" tx2="dk2" accent1="accent1" accent2="accent2" accent3="accent3" accent4="accent4" accent5="accent5" accent6="accent6" hlink="hlink" folHlink="folHlink"/>
+  <p:clrMap bg1="lt1" tx1="dk1" bg2="lt2" tx2="dk2" accent1="accent1" accent2="accent2" accent3="accent3" accent4="accent4" accent5="accent5" accent6="accent6" hlink="hlink" folHlink="folHlink"/>
   <p:sldLayoutIdLst>
-    <p:sldLayoutId id="2147483688" r:id="rId3"/>
-    <p:sldLayoutId id="2147483689" r:id="rId4"/>
-    <p:sldLayoutId id="2147483690" r:id="rId5"/>
-    <p:sldLayoutId id="2147483691" r:id="rId6"/>
-    <p:sldLayoutId id="2147483692" r:id="rId7"/>
-    <p:sldLayoutId id="2147483693" r:id="rId8"/>
-    <p:sldLayoutId id="2147483694" r:id="rId9"/>
-    <p:sldLayoutId id="2147483695" r:id="rId10"/>
-    <p:sldLayoutId id="2147483696" r:id="rId11"/>
-    <p:sldLayoutId id="2147483697" r:id="rId12"/>
-    <p:sldLayoutId id="2147483698" r:id="rId13"/>
-    <p:sldLayoutId id="2147483699" r:id="rId14"/>
+    <p:sldLayoutId id="2147483688" r:id="rId1"/>
+    <p:sldLayoutId id="2147483689" r:id="rId2"/>
+    <p:sldLayoutId id="2147483690" r:id="rId3"/>
+    <p:sldLayoutId id="2147483691" r:id="rId4"/>
+    <p:sldLayoutId id="2147483692" r:id="rId5"/>
+    <p:sldLayoutId id="2147483693" r:id="rId6"/>
+    <p:sldLayoutId id="2147483694" r:id="rId7"/>
+    <p:sldLayoutId id="2147483695" r:id="rId8"/>
+    <p:sldLayoutId id="2147483696" r:id="rId9"/>
+    <p:sldLayoutId id="2147483697" r:id="rId10"/>
+    <p:sldLayoutId id="2147483698" r:id="rId11"/>
+    <p:sldLayoutId id="2147483699" r:id="rId12"/>
   </p:sldLayoutIdLst>
+  <p:txStyles>
+    <p:titleStyle>
+      <a:lvl1pPr algn="l" defTabSz="914400" rtl="0" eaLnBrk="1" latinLnBrk="0" hangingPunct="1">
+        <a:lnSpc>
+          <a:spcPct val="90000"/>
+        </a:lnSpc>
+        <a:spcBef>
+          <a:spcPct val="0"/>
+        </a:spcBef>
+        <a:buNone/>
+        <a:defRPr sz="4400" kern="1200">
+          <a:solidFill>
+            <a:schemeClr val="tx1"/>
+          </a:solidFill>
+          <a:latin typeface="+mj-lt"/>
+          <a:ea typeface="+mj-ea"/>
+          <a:cs typeface="+mj-cs"/>
+        </a:defRPr>
+      </a:lvl1pPr>
+    </p:titleStyle>
+    <p:bodyStyle>
+      <a:lvl1pPr marL="228600" indent="-228600" algn="l" defTabSz="914400" rtl="0" eaLnBrk="1" latinLnBrk="0" hangingPunct="1">
+        <a:lnSpc>
+          <a:spcPct val="90000"/>
+        </a:lnSpc>
+        <a:spcBef>
+          <a:spcPts val="1000"/>
+        </a:spcBef>
+        <a:buFont typeface="Arial" panose="020B0604020202020204" pitchFamily="34" charset="0"/>
+        <a:buChar char="•"/>
+        <a:defRPr sz="2800" kern="1200">
+          <a:solidFill>
+            <a:schemeClr val="tx1"/>
+          </a:solidFill>
+          <a:latin typeface="+mn-lt"/>
+          <a:ea typeface="+mn-ea"/>
+          <a:cs typeface="+mn-cs"/>
+        </a:defRPr>
+      </a:lvl1pPr>
+      <a:lvl2pPr marL="685800" indent="-228600" algn="l" defTabSz="914400" rtl="0" eaLnBrk="1" latinLnBrk="0" hangingPunct="1">
+        <a:lnSpc>
+          <a:spcPct val="90000"/>
+        </a:lnSpc>
+        <a:spcBef>
+          <a:spcPts val="500"/>
+        </a:spcBef>
+        <a:buFont typeface="Arial" panose="020B0604020202020204" pitchFamily="34" charset="0"/>
+        <a:buChar char="•"/>
+        <a:defRPr sz="2400" kern="1200">
+          <a:solidFill>
+            <a:schemeClr val="tx1"/>
+          </a:solidFill>
+          <a:latin typeface="+mn-lt"/>
+          <a:ea typeface="+mn-ea"/>
+          <a:cs typeface="+mn-cs"/>
+        </a:defRPr>
+      </a:lvl2pPr>
+      <a:lvl3pPr marL="1143000" indent="-228600" algn="l" defTabSz="914400" rtl="0" eaLnBrk="1" latinLnBrk="0" hangingPunct="1">
+        <a:lnSpc>
+          <a:spcPct val="90000"/>
+        </a:lnSpc>
+        <a:spcBef>
+          <a:spcPts val="500"/>
+        </a:spcBef>
+        <a:buFont typeface="Arial" panose="020B0604020202020204" pitchFamily="34" charset="0"/>
+        <a:buChar char="•"/>
+        <a:defRPr sz="2000" kern="1200">
+          <a:solidFill>
+            <a:schemeClr val="tx1"/>
+          </a:solidFill>
+          <a:latin typeface="+mn-lt"/>
+          <a:ea typeface="+mn-ea"/>
+          <a:cs typeface="+mn-cs"/>
+        </a:defRPr>
+      </a:lvl3pPr>
+      <a:lvl4pPr marL="1600200" indent="-228600" algn="l" defTabSz="914400" rtl="0" eaLnBrk="1" latinLnBrk="0" hangingPunct="1">
+        <a:lnSpc>
+          <a:spcPct val="90000"/>
+        </a:lnSpc>
+        <a:spcBef>
+          <a:spcPts val="500"/>
+        </a:spcBef>
+        <a:buFont typeface="Arial" panose="020B0604020202020204" pitchFamily="34" charset="0"/>
+        <a:buChar char="•"/>
+        <a:defRPr sz="1800" kern="1200">
+          <a:solidFill>
+            <a:schemeClr val="tx1"/>
+          </a:solidFill>
+          <a:latin typeface="+mn-lt"/>
+          <a:ea typeface="+mn-ea"/>
+          <a:cs typeface="+mn-cs"/>
+        </a:defRPr>
+      </a:lvl4pPr>
+      <a:lvl5pPr marL="2057400" indent="-228600" algn="l" defTabSz="914400" rtl="0" eaLnBrk="1" latinLnBrk="0" hangingPunct="1">
+        <a:lnSpc>
+          <a:spcPct val="90000"/>
+        </a:lnSpc>
+        <a:spcBef>
+          <a:spcPts val="500"/>
+        </a:spcBef>
+        <a:buFont typeface="Arial" panose="020B0604020202020204" pitchFamily="34" charset="0"/>
+        <a:buChar char="•"/>
+        <a:defRPr sz="1800" kern="1200">
+          <a:solidFill>
+            <a:schemeClr val="tx1"/>
+          </a:solidFill>
+          <a:latin typeface="+mn-lt"/>
+          <a:ea typeface="+mn-ea"/>
+          <a:cs typeface="+mn-cs"/>
+        </a:defRPr>
+      </a:lvl5pPr>
+      <a:lvl6pPr marL="2514600" indent="-228600" algn="l" defTabSz="914400" rtl="0" eaLnBrk="1" latinLnBrk="0" hangingPunct="1">
+        <a:lnSpc>
+          <a:spcPct val="90000"/>
+        </a:lnSpc>
+        <a:spcBef>
+          <a:spcPts val="500"/>
+        </a:spcBef>
+        <a:buFont typeface="Arial" panose="020B0604020202020204" pitchFamily="34" charset="0"/>
+        <a:buChar char="•"/>
+        <a:defRPr sz="1800" kern="1200">
+          <a:solidFill>
+            <a:schemeClr val="tx1"/>
+          </a:solidFill>
+          <a:latin typeface="+mn-lt"/>
+          <a:ea typeface="+mn-ea"/>
+          <a:cs typeface="+mn-cs"/>
+        </a:defRPr>
+      </a:lvl6pPr>
+      <a:lvl7pPr marL="2971800" indent="-228600" algn="l" defTabSz="914400" rtl="0" eaLnBrk="1" latinLnBrk="0" hangingPunct="1">
+        <a:lnSpc>
+          <a:spcPct val="90000"/>
+        </a:lnSpc>
+        <a:spcBef>
+          <a:spcPts val="500"/>
+        </a:spcBef>
+        <a:buFont typeface="Arial" panose="020B0604020202020204" pitchFamily="34" charset="0"/>
+        <a:buChar char="•"/>
+        <a:defRPr sz="1800" kern="1200">
+          <a:solidFill>
+            <a:schemeClr val="tx1"/>
+          </a:solidFill>
+          <a:latin typeface="+mn-lt"/>
+          <a:ea typeface="+mn-ea"/>
+          <a:cs typeface="+mn-cs"/>
+        </a:defRPr>
+      </a:lvl7pPr>
+      <a:lvl8pPr marL="3429000" indent="-228600" algn="l" defTabSz="914400" rtl="0" eaLnBrk="1" latinLnBrk="0" hangingPunct="1">
+        <a:lnSpc>
+          <a:spcPct val="90000"/>
+        </a:lnSpc>
+        <a:spcBef>
+          <a:spcPts val="500"/>
+        </a:spcBef>
+        <a:buFont typeface="Arial" panose="020B0604020202020204" pitchFamily="34" charset="0"/>
+        <a:buChar char="•"/>
+        <a:defRPr sz="1800" kern="1200">
+          <a:solidFill>
+            <a:schemeClr val="tx1"/>
+          </a:solidFill>
+          <a:latin typeface="+mn-lt"/>
+          <a:ea typeface="+mn-ea"/>
+          <a:cs typeface="+mn-cs"/>
+        </a:defRPr>
+      </a:lvl8pPr>
+      <a:lvl9pPr marL="3886200" indent="-228600" algn="l" defTabSz="914400" rtl="0" eaLnBrk="1" latinLnBrk="0" hangingPunct="1">
+        <a:lnSpc>
+          <a:spcPct val="90000"/>
+        </a:lnSpc>
+        <a:spcBef>
+          <a:spcPts val="500"/>
+        </a:spcBef>
+        <a:buFont typeface="Arial" panose="020B0604020202020204" pitchFamily="34" charset="0"/>
+        <a:buChar char="•"/>
+        <a:defRPr sz="1800" kern="1200">
+          <a:solidFill>
+            <a:schemeClr val="tx1"/>
+          </a:solidFill>
+          <a:latin typeface="+mn-lt"/>
+          <a:ea typeface="+mn-ea"/>
+          <a:cs typeface="+mn-cs"/>
+        </a:defRPr>
+      </a:lvl9pPr>
+    </p:bodyStyle>
+    <p:otherStyle>
+      <a:defPPr>
+        <a:defRPr lang="en-US"/>
+      </a:defPPr>
+      <a:lvl1pPr marL="0" algn="l" defTabSz="914400" rtl="0" eaLnBrk="1" latinLnBrk="0" hangingPunct="1">
+        <a:defRPr sz="1800" kern="1200">
+          <a:solidFill>
+            <a:schemeClr val="tx1"/>
+          </a:solidFill>
+          <a:latin typeface="+mn-lt"/>
+          <a:ea typeface="+mn-ea"/>
+          <a:cs typeface="+mn-cs"/>
+        </a:defRPr>
+      </a:lvl1pPr>
+      <a:lvl2pPr marL="457200" algn="l" defTabSz="914400" rtl="0" eaLnBrk="1" latinLnBrk="0" hangingPunct="1">
+        <a:defRPr sz="1800" kern="1200">
+          <a:solidFill>
+            <a:schemeClr val="tx1"/>
+          </a:solidFill>
+          <a:latin typeface="+mn-lt"/>
+          <a:ea typeface="+mn-ea"/>
+          <a:cs typeface="+mn-cs"/>
+        </a:defRPr>
+      </a:lvl2pPr>
+      <a:lvl3pPr marL="914400" algn="l" defTabSz="914400" rtl="0" eaLnBrk="1" latinLnBrk="0" hangingPunct="1">
+        <a:defRPr sz="1800" kern="1200">
+          <a:solidFill>
+            <a:schemeClr val="tx1"/>
+          </a:solidFill>
+          <a:latin typeface="+mn-lt"/>
+          <a:ea typeface="+mn-ea"/>
+          <a:cs typeface="+mn-cs"/>
+        </a:defRPr>
+      </a:lvl3pPr>
+      <a:lvl4pPr marL="1371600" algn="l" defTabSz="914400" rtl="0" eaLnBrk="1" latinLnBrk="0" hangingPunct="1">
+        <a:defRPr sz="1800" kern="1200">
+          <a:solidFill>
+            <a:schemeClr val="tx1"/>
+          </a:solidFill>
+          <a:latin typeface="+mn-lt"/>
+          <a:ea typeface="+mn-ea"/>
+          <a:cs typeface="+mn-cs"/>
+        </a:defRPr>
+      </a:lvl4pPr>
+      <a:lvl5pPr marL="1828800" algn="l" defTabSz="914400" rtl="0" eaLnBrk="1" latinLnBrk="0" hangingPunct="1">
+        <a:defRPr sz="1800" kern="1200">
+          <a:solidFill>
+            <a:schemeClr val="tx1"/>
+          </a:solidFill>
+          <a:latin typeface="+mn-lt"/>
+          <a:ea typeface="+mn-ea"/>
+          <a:cs typeface="+mn-cs"/>
+        </a:defRPr>
+      </a:lvl5pPr>
+      <a:lvl6pPr marL="2286000" algn="l" defTabSz="914400" rtl="0" eaLnBrk="1" latinLnBrk="0" hangingPunct="1">
+        <a:defRPr sz="1800" kern="1200">
+          <a:solidFill>
+            <a:schemeClr val="tx1"/>
+          </a:solidFill>
+          <a:latin typeface="+mn-lt"/>
+          <a:ea typeface="+mn-ea"/>
+          <a:cs typeface="+mn-cs"/>
+        </a:defRPr>
+      </a:lvl6pPr>
+      <a:lvl7pPr marL="2743200" algn="l" defTabSz="914400" rtl="0" eaLnBrk="1" latinLnBrk="0" hangingPunct="1">
+        <a:defRPr sz="1800" kern="1200">
+          <a:solidFill>
+            <a:schemeClr val="tx1"/>
+          </a:solidFill>
+          <a:latin typeface="+mn-lt"/>
+          <a:ea typeface="+mn-ea"/>
+          <a:cs typeface="+mn-cs"/>
+        </a:defRPr>
+      </a:lvl7pPr>
+      <a:lvl8pPr marL="3200400" algn="l" defTabSz="914400" rtl="0" eaLnBrk="1" latinLnBrk="0" hangingPunct="1">
+        <a:defRPr sz="1800" kern="1200">
+          <a:solidFill>
+            <a:schemeClr val="tx1"/>
+          </a:solidFill>
+          <a:latin typeface="+mn-lt"/>
+          <a:ea typeface="+mn-ea"/>
+          <a:cs typeface="+mn-cs"/>
+        </a:defRPr>
+      </a:lvl8pPr>
+      <a:lvl9pPr marL="3657600" algn="l" defTabSz="914400" rtl="0" eaLnBrk="1" latinLnBrk="0" hangingPunct="1">
+        <a:defRPr sz="1800" kern="1200">
+          <a:solidFill>
+            <a:schemeClr val="tx1"/>
+          </a:solidFill>
+          <a:latin typeface="+mn-lt"/>
+          <a:ea typeface="+mn-ea"/>
+          <a:cs typeface="+mn-cs"/>
+        </a:defRPr>
+      </a:lvl9pPr>
+    </p:otherStyle>
+  </p:txStyles>
 </p:sldMaster>
 </file>
 
 <file path=ppt/slides/slide1.xml><?xml version="1.0" encoding="utf-8"?>
-<p:sld xmlns:a="http://schemas.openxmlformats.org/drawingml/2006/main" xmlns:p="http://schemas.openxmlformats.org/presentationml/2006/main" xmlns:r="http://schemas.openxmlformats.org/officeDocument/2006/relationships" xmlns:p14="http://schemas.microsoft.com/office/powerpoint/2010/main" xmlns:p15="http://schemas.microsoft.com/office/powerpoint/2012/main" xmlns:mc="http://schemas.openxmlformats.org/markup-compatibility/2006">
+<p:sld xmlns:a="http://schemas.openxmlformats.org/drawingml/2006/main" xmlns:r="http://schemas.openxmlformats.org/officeDocument/2006/relationships" xmlns:p="http://schemas.openxmlformats.org/presentationml/2006/main">
   <p:cSld>
     <p:spTree>
       <p:nvGrpSpPr>
@@ -6746,7 +8203,7 @@
             <a:noFill/>
           </a:ln>
           <a:effectLst>
-            <a:outerShdw dir="2700000" dist="37674">
+            <a:outerShdw dist="37674" dir="2700000">
               <a:srgbClr val="000000">
                 <a:alpha val="40000"/>
               </a:srgbClr>
@@ -6754,15 +8211,22 @@
           </a:effectLst>
         </p:spPr>
         <p:style>
-          <a:lnRef idx="0"/>
-          <a:fillRef idx="0"/>
-          <a:effectRef idx="0"/>
+          <a:lnRef idx="0">
+            <a:scrgbClr r="0" g="0" b="0"/>
+          </a:lnRef>
+          <a:fillRef idx="0">
+            <a:scrgbClr r="0" g="0" b="0"/>
+          </a:fillRef>
+          <a:effectRef idx="0">
+            <a:scrgbClr r="0" g="0" b="0"/>
+          </a:effectRef>
           <a:fontRef idx="minor"/>
         </p:style>
         <p:txBody>
-          <a:bodyPr lIns="90000" rIns="90000" tIns="45000" bIns="45000" anchor="ctr">
+          <a:bodyPr lIns="90000" tIns="45000" rIns="90000" bIns="45000" anchor="ctr">
             <a:normAutofit/>
           </a:bodyPr>
+          <a:lstStyle/>
           <a:p>
             <a:pPr algn="ctr">
               <a:lnSpc>
@@ -6770,25 +8234,28 @@
               </a:lnSpc>
             </a:pPr>
             <a:r>
-              <a:rPr b="0" lang="en-US" sz="4000" spc="-1" strike="noStrike">
+              <a:rPr lang="en-US" sz="4000" b="0" strike="noStrike" spc="-1">
                 <a:solidFill>
-                  <a:srgbClr val="7030a0"/>
+                  <a:srgbClr val="7030A0"/>
                 </a:solidFill>
                 <a:latin typeface="Calibri"/>
               </a:rPr>
               <a:t>Active Directory</a:t>
             </a:r>
+            <a:r>
+              <a:t/>
+            </a:r>
             <a:br/>
             <a:r>
-              <a:rPr b="0" lang="en-US" sz="4000" spc="-1" strike="noStrike">
+              <a:rPr lang="en-US" sz="4000" b="0" strike="noStrike" spc="-1">
                 <a:solidFill>
-                  <a:srgbClr val="7030a0"/>
+                  <a:srgbClr val="7030A0"/>
                 </a:solidFill>
                 <a:latin typeface="Calibri"/>
               </a:rPr>
               <a:t>Installation &amp; Configuration</a:t>
             </a:r>
-            <a:endParaRPr b="0" lang="en-US" sz="4000" spc="-1" strike="noStrike">
+            <a:endParaRPr lang="en-US" sz="4000" b="0" strike="noStrike" spc="-1">
               <a:latin typeface="Arial"/>
             </a:endParaRPr>
           </a:p>
@@ -6796,11 +8263,14 @@
       </p:sp>
     </p:spTree>
   </p:cSld>
-  <mc:AlternateContent>
+  <p:clrMapOvr>
+    <a:masterClrMapping/>
+  </p:clrMapOvr>
+  <mc:AlternateContent xmlns:mc="http://schemas.openxmlformats.org/markup-compatibility/2006" xmlns:p14="http://schemas.microsoft.com/office/powerpoint/2010/main">
     <mc:Choice Requires="p14">
       <p:transition spd="slow" p14:dur="2000"/>
     </mc:Choice>
-    <mc:Fallback>
+    <mc:Fallback xmlns:p15="http://schemas.microsoft.com/office/powerpoint/2012/main" xmlns="">
       <p:transition spd="slow"/>
     </mc:Fallback>
   </mc:AlternateContent>
@@ -6808,7 +8278,7 @@
 </file>
 
 <file path=ppt/slides/slide2.xml><?xml version="1.0" encoding="utf-8"?>
-<p:sld xmlns:a="http://schemas.openxmlformats.org/drawingml/2006/main" xmlns:p="http://schemas.openxmlformats.org/presentationml/2006/main" xmlns:r="http://schemas.openxmlformats.org/officeDocument/2006/relationships" xmlns:p14="http://schemas.microsoft.com/office/powerpoint/2010/main" xmlns:p15="http://schemas.microsoft.com/office/powerpoint/2012/main" xmlns:mc="http://schemas.openxmlformats.org/markup-compatibility/2006">
+<p:sld xmlns:a="http://schemas.openxmlformats.org/drawingml/2006/main" xmlns:r="http://schemas.openxmlformats.org/officeDocument/2006/relationships" xmlns:p="http://schemas.openxmlformats.org/presentationml/2006/main">
   <p:cSld>
     <p:spTree>
       <p:nvGrpSpPr>
@@ -6844,15 +8314,22 @@
           </a:ln>
         </p:spPr>
         <p:style>
-          <a:lnRef idx="0"/>
-          <a:fillRef idx="0"/>
-          <a:effectRef idx="0"/>
+          <a:lnRef idx="0">
+            <a:scrgbClr r="0" g="0" b="0"/>
+          </a:lnRef>
+          <a:fillRef idx="0">
+            <a:scrgbClr r="0" g="0" b="0"/>
+          </a:fillRef>
+          <a:effectRef idx="0">
+            <a:scrgbClr r="0" g="0" b="0"/>
+          </a:effectRef>
           <a:fontRef idx="minor"/>
         </p:style>
         <p:txBody>
-          <a:bodyPr lIns="90000" rIns="90000" tIns="45000" bIns="45000" anchor="ctr">
+          <a:bodyPr lIns="90000" tIns="45000" rIns="90000" bIns="45000" anchor="ctr">
             <a:normAutofit/>
           </a:bodyPr>
+          <a:lstStyle/>
           <a:p>
             <a:pPr>
               <a:lnSpc>
@@ -6860,15 +8337,15 @@
               </a:lnSpc>
             </a:pPr>
             <a:r>
-              <a:rPr b="0" lang="en-US" sz="3600" spc="-1" strike="noStrike">
+              <a:rPr lang="en-US" sz="3600" b="0" strike="noStrike" spc="-1">
                 <a:solidFill>
-                  <a:srgbClr val="7030a0"/>
+                  <a:srgbClr val="7030A0"/>
                 </a:solidFill>
                 <a:latin typeface="Calibri"/>
               </a:rPr>
               <a:t>Group members</a:t>
             </a:r>
-            <a:endParaRPr b="0" lang="en-US" sz="3600" spc="-1" strike="noStrike">
+            <a:endParaRPr lang="en-US" sz="3600" b="0" strike="noStrike" spc="-1">
               <a:latin typeface="Arial"/>
             </a:endParaRPr>
           </a:p>
@@ -6894,15 +8371,22 @@
           </a:ln>
         </p:spPr>
         <p:style>
-          <a:lnRef idx="0"/>
-          <a:fillRef idx="0"/>
-          <a:effectRef idx="0"/>
+          <a:lnRef idx="0">
+            <a:scrgbClr r="0" g="0" b="0"/>
+          </a:lnRef>
+          <a:fillRef idx="0">
+            <a:scrgbClr r="0" g="0" b="0"/>
+          </a:fillRef>
+          <a:effectRef idx="0">
+            <a:scrgbClr r="0" g="0" b="0"/>
+          </a:effectRef>
           <a:fontRef idx="minor"/>
         </p:style>
         <p:txBody>
-          <a:bodyPr lIns="90000" rIns="90000" tIns="45000" bIns="45000">
+          <a:bodyPr lIns="90000" tIns="45000" rIns="90000" bIns="45000">
             <a:normAutofit/>
           </a:bodyPr>
+          <a:lstStyle/>
           <a:p>
             <a:pPr marL="343080" indent="-342360">
               <a:lnSpc>
@@ -6918,7 +8402,7 @@
               <a:buChar char="•"/>
             </a:pPr>
             <a:r>
-              <a:rPr b="0" lang="en-US" sz="2800" spc="-1" strike="noStrike">
+              <a:rPr lang="en-US" sz="2800" b="0" strike="noStrike" spc="-1">
                 <a:solidFill>
                   <a:srgbClr val="002060"/>
                 </a:solidFill>
@@ -6926,7 +8410,7 @@
               </a:rPr>
               <a:t>Mahdi </a:t>
             </a:r>
-            <a:endParaRPr b="0" lang="en-US" sz="2800" spc="-1" strike="noStrike">
+            <a:endParaRPr lang="en-US" sz="2800" b="0" strike="noStrike" spc="-1">
               <a:latin typeface="Arial"/>
             </a:endParaRPr>
           </a:p>
@@ -6945,7 +8429,7 @@
               <a:buChar char="•"/>
             </a:pPr>
             <a:r>
-              <a:rPr b="0" lang="en-US" sz="2800" spc="-1" strike="noStrike">
+              <a:rPr lang="en-US" sz="2800" b="0" strike="noStrike" spc="-1">
                 <a:solidFill>
                   <a:srgbClr val="002060"/>
                 </a:solidFill>
@@ -6953,7 +8437,7 @@
               </a:rPr>
               <a:t>Samiullah Wardak</a:t>
             </a:r>
-            <a:endParaRPr b="0" lang="en-US" sz="2800" spc="-1" strike="noStrike">
+            <a:endParaRPr lang="en-US" sz="2800" b="0" strike="noStrike" spc="-1">
               <a:latin typeface="Arial"/>
             </a:endParaRPr>
           </a:p>
@@ -6972,7 +8456,7 @@
               <a:buChar char="•"/>
             </a:pPr>
             <a:r>
-              <a:rPr b="0" lang="en-US" sz="2800" spc="-1" strike="noStrike">
+              <a:rPr lang="en-US" sz="2800" b="0" strike="noStrike" spc="-1">
                 <a:solidFill>
                   <a:srgbClr val="002060"/>
                 </a:solidFill>
@@ -6980,7 +8464,7 @@
               </a:rPr>
               <a:t>Atiqullah Hamraz</a:t>
             </a:r>
-            <a:endParaRPr b="0" lang="en-US" sz="2800" spc="-1" strike="noStrike">
+            <a:endParaRPr lang="en-US" sz="2800" b="0" strike="noStrike" spc="-1">
               <a:latin typeface="Arial"/>
             </a:endParaRPr>
           </a:p>
@@ -6999,7 +8483,7 @@
               <a:buChar char="•"/>
             </a:pPr>
             <a:r>
-              <a:rPr b="0" lang="en-US" sz="2800" spc="-1" strike="noStrike">
+              <a:rPr lang="en-US" sz="2800" b="0" strike="noStrike" spc="-1">
                 <a:solidFill>
                   <a:srgbClr val="002060"/>
                 </a:solidFill>
@@ -7007,7 +8491,7 @@
               </a:rPr>
               <a:t>Baha-ul-haq Sharifi</a:t>
             </a:r>
-            <a:endParaRPr b="0" lang="en-US" sz="2800" spc="-1" strike="noStrike">
+            <a:endParaRPr lang="en-US" sz="2800" b="0" strike="noStrike" spc="-1">
               <a:latin typeface="Arial"/>
             </a:endParaRPr>
           </a:p>
@@ -7026,7 +8510,7 @@
               <a:buChar char="•"/>
             </a:pPr>
             <a:r>
-              <a:rPr b="0" lang="en-US" sz="2800" spc="-1" strike="noStrike">
+              <a:rPr lang="en-US" sz="2800" b="0" strike="noStrike" spc="-1">
                 <a:solidFill>
                   <a:srgbClr val="002060"/>
                 </a:solidFill>
@@ -7034,7 +8518,7 @@
               </a:rPr>
               <a:t>Hedayatullah Nekzad</a:t>
             </a:r>
-            <a:endParaRPr b="0" lang="en-US" sz="2800" spc="-1" strike="noStrike">
+            <a:endParaRPr lang="en-US" sz="2800" b="0" strike="noStrike" spc="-1">
               <a:latin typeface="Arial"/>
             </a:endParaRPr>
           </a:p>
@@ -7047,7 +8531,7 @@
                 <a:spcPts val="561"/>
               </a:spcBef>
             </a:pPr>
-            <a:endParaRPr b="0" lang="en-US" sz="2800" spc="-1" strike="noStrike">
+            <a:endParaRPr lang="en-US" sz="2800" b="0" strike="noStrike" spc="-1">
               <a:latin typeface="Arial"/>
             </a:endParaRPr>
           </a:p>
@@ -7060,7 +8544,7 @@
                 <a:spcPts val="561"/>
               </a:spcBef>
             </a:pPr>
-            <a:endParaRPr b="0" lang="en-US" sz="2800" spc="-1" strike="noStrike">
+            <a:endParaRPr lang="en-US" sz="2800" b="0" strike="noStrike" spc="-1">
               <a:latin typeface="Arial"/>
             </a:endParaRPr>
           </a:p>
@@ -7073,7 +8557,7 @@
                 <a:spcPts val="561"/>
               </a:spcBef>
             </a:pPr>
-            <a:endParaRPr b="0" lang="en-US" sz="2800" spc="-1" strike="noStrike">
+            <a:endParaRPr lang="en-US" sz="2800" b="0" strike="noStrike" spc="-1">
               <a:latin typeface="Arial"/>
             </a:endParaRPr>
           </a:p>
@@ -7081,11 +8565,14 @@
       </p:sp>
     </p:spTree>
   </p:cSld>
-  <mc:AlternateContent>
+  <p:clrMapOvr>
+    <a:masterClrMapping/>
+  </p:clrMapOvr>
+  <mc:AlternateContent xmlns:mc="http://schemas.openxmlformats.org/markup-compatibility/2006" xmlns:p14="http://schemas.microsoft.com/office/powerpoint/2010/main">
     <mc:Choice Requires="p14">
       <p:transition spd="slow" p14:dur="2000"/>
     </mc:Choice>
-    <mc:Fallback>
+    <mc:Fallback xmlns:p15="http://schemas.microsoft.com/office/powerpoint/2012/main" xmlns="">
       <p:transition spd="slow"/>
     </mc:Fallback>
   </mc:AlternateContent>
@@ -7093,7 +8580,7 @@
 </file>
 
 <file path=ppt/slides/slide3.xml><?xml version="1.0" encoding="utf-8"?>
-<p:sld xmlns:a="http://schemas.openxmlformats.org/drawingml/2006/main" xmlns:p="http://schemas.openxmlformats.org/presentationml/2006/main" xmlns:r="http://schemas.openxmlformats.org/officeDocument/2006/relationships" xmlns:p14="http://schemas.microsoft.com/office/powerpoint/2010/main" xmlns:p15="http://schemas.microsoft.com/office/powerpoint/2012/main" xmlns:mc="http://schemas.openxmlformats.org/markup-compatibility/2006">
+<p:sld xmlns:a="http://schemas.openxmlformats.org/drawingml/2006/main" xmlns:r="http://schemas.openxmlformats.org/officeDocument/2006/relationships" xmlns:p="http://schemas.openxmlformats.org/presentationml/2006/main">
   <p:cSld>
     <p:spTree>
       <p:nvGrpSpPr>
@@ -7129,15 +8616,22 @@
           </a:ln>
         </p:spPr>
         <p:style>
-          <a:lnRef idx="0"/>
-          <a:fillRef idx="0"/>
-          <a:effectRef idx="0"/>
+          <a:lnRef idx="0">
+            <a:scrgbClr r="0" g="0" b="0"/>
+          </a:lnRef>
+          <a:fillRef idx="0">
+            <a:scrgbClr r="0" g="0" b="0"/>
+          </a:fillRef>
+          <a:effectRef idx="0">
+            <a:scrgbClr r="0" g="0" b="0"/>
+          </a:effectRef>
           <a:fontRef idx="minor"/>
         </p:style>
         <p:txBody>
-          <a:bodyPr lIns="90000" rIns="90000" tIns="45000" bIns="45000" anchor="ctr">
+          <a:bodyPr lIns="90000" tIns="45000" rIns="90000" bIns="45000" anchor="ctr">
             <a:normAutofit/>
           </a:bodyPr>
+          <a:lstStyle/>
           <a:p>
             <a:pPr>
               <a:lnSpc>
@@ -7145,15 +8639,15 @@
               </a:lnSpc>
             </a:pPr>
             <a:r>
-              <a:rPr b="0" lang="en-US" sz="3600" spc="-1" strike="noStrike">
+              <a:rPr lang="en-US" sz="3600" b="0" strike="noStrike" spc="-1">
                 <a:solidFill>
-                  <a:srgbClr val="7030a0"/>
+                  <a:srgbClr val="7030A0"/>
                 </a:solidFill>
                 <a:latin typeface="Calibri"/>
               </a:rPr>
               <a:t>History of Active Directory</a:t>
             </a:r>
-            <a:endParaRPr b="0" lang="en-US" sz="3600" spc="-1" strike="noStrike">
+            <a:endParaRPr lang="en-US" sz="3600" b="0" strike="noStrike" spc="-1">
               <a:latin typeface="Arial"/>
             </a:endParaRPr>
           </a:p>
@@ -7179,15 +8673,22 @@
           </a:ln>
         </p:spPr>
         <p:style>
-          <a:lnRef idx="0"/>
-          <a:fillRef idx="0"/>
-          <a:effectRef idx="0"/>
+          <a:lnRef idx="0">
+            <a:scrgbClr r="0" g="0" b="0"/>
+          </a:lnRef>
+          <a:fillRef idx="0">
+            <a:scrgbClr r="0" g="0" b="0"/>
+          </a:fillRef>
+          <a:effectRef idx="0">
+            <a:scrgbClr r="0" g="0" b="0"/>
+          </a:effectRef>
           <a:fontRef idx="minor"/>
         </p:style>
         <p:txBody>
-          <a:bodyPr lIns="90000" rIns="90000" tIns="45000" bIns="45000">
+          <a:bodyPr lIns="90000" tIns="45000" rIns="90000" bIns="45000">
             <a:noAutofit/>
           </a:bodyPr>
+          <a:lstStyle/>
           <a:p>
             <a:pPr marL="343080" indent="-342360">
               <a:lnSpc>
@@ -7203,7 +8704,7 @@
               <a:buChar char="•"/>
             </a:pPr>
             <a:r>
-              <a:rPr b="0" lang="en-US" sz="2800" spc="-1" strike="noStrike">
+              <a:rPr lang="en-US" sz="2800" b="0" strike="noStrike" spc="-1">
                 <a:solidFill>
                   <a:srgbClr val="002060"/>
                 </a:solidFill>
@@ -7211,7 +8712,7 @@
               </a:rPr>
               <a:t>Microsoft previewed Active Directory in 1999, released it first with Windows 2000 Server.</a:t>
             </a:r>
-            <a:endParaRPr b="0" lang="en-US" sz="2800" spc="-1" strike="noStrike">
+            <a:endParaRPr lang="en-US" sz="2800" b="0" strike="noStrike" spc="-1">
               <a:latin typeface="Arial"/>
             </a:endParaRPr>
           </a:p>
@@ -7230,7 +8731,7 @@
               <a:buChar char="•"/>
             </a:pPr>
             <a:r>
-              <a:rPr b="0" lang="en-US" sz="2800" spc="-1" strike="noStrike">
+              <a:rPr lang="en-US" sz="2800" b="0" strike="noStrike" spc="-1">
                 <a:solidFill>
                   <a:srgbClr val="002060"/>
                 </a:solidFill>
@@ -7239,7 +8740,7 @@
               <a:t>Active Directory support was also added to </a:t>
             </a:r>
             <a:r>
-              <a:rPr b="1" lang="en-US" sz="2800" spc="-1" strike="noStrike">
+              <a:rPr lang="en-US" sz="2800" b="1" strike="noStrike" spc="-1">
                 <a:solidFill>
                   <a:srgbClr val="002060"/>
                 </a:solidFill>
@@ -7248,7 +8749,7 @@
               <a:t>Windows 95</a:t>
             </a:r>
             <a:r>
-              <a:rPr b="0" lang="en-US" sz="2800" spc="-1" strike="noStrike">
+              <a:rPr lang="en-US" sz="2800" b="0" strike="noStrike" spc="-1">
                 <a:solidFill>
                   <a:srgbClr val="002060"/>
                 </a:solidFill>
@@ -7257,7 +8758,7 @@
               <a:t>, </a:t>
             </a:r>
             <a:r>
-              <a:rPr b="1" lang="en-US" sz="2800" spc="-1" strike="noStrike">
+              <a:rPr lang="en-US" sz="2800" b="1" strike="noStrike" spc="-1">
                 <a:solidFill>
                   <a:srgbClr val="002060"/>
                 </a:solidFill>
@@ -7266,7 +8767,7 @@
               <a:t>Windows 98 </a:t>
             </a:r>
             <a:r>
-              <a:rPr b="0" lang="en-US" sz="2800" spc="-1" strike="noStrike">
+              <a:rPr lang="en-US" sz="2800" b="0" strike="noStrike" spc="-1">
                 <a:solidFill>
                   <a:srgbClr val="002060"/>
                 </a:solidFill>
@@ -7275,7 +8776,7 @@
               <a:t>and </a:t>
             </a:r>
             <a:r>
-              <a:rPr b="1" lang="en-US" sz="2800" spc="-1" strike="noStrike">
+              <a:rPr lang="en-US" sz="2800" b="1" strike="noStrike" spc="-1">
                 <a:solidFill>
                   <a:srgbClr val="002060"/>
                 </a:solidFill>
@@ -7284,7 +8785,7 @@
               <a:t>Windows NT 4.0</a:t>
             </a:r>
             <a:r>
-              <a:rPr b="0" lang="en-US" sz="2800" spc="-1" strike="noStrike">
+              <a:rPr lang="en-US" sz="2800" b="0" strike="noStrike" spc="-1">
                 <a:solidFill>
                   <a:srgbClr val="002060"/>
                 </a:solidFill>
@@ -7293,7 +8794,7 @@
               <a:t>, with some features being </a:t>
             </a:r>
             <a:r>
-              <a:rPr b="1" i="1" lang="en-US" sz="2800" spc="-1" strike="noStrike">
+              <a:rPr lang="en-US" sz="2800" b="1" i="1" strike="noStrike" spc="-1">
                 <a:solidFill>
                   <a:srgbClr val="002060"/>
                 </a:solidFill>
@@ -7301,7 +8802,7 @@
               </a:rPr>
               <a:t>unsupported.</a:t>
             </a:r>
-            <a:endParaRPr b="0" lang="en-US" sz="2800" spc="-1" strike="noStrike">
+            <a:endParaRPr lang="en-US" sz="2800" b="0" strike="noStrike" spc="-1">
               <a:latin typeface="Arial"/>
             </a:endParaRPr>
           </a:p>
@@ -7309,11 +8810,14 @@
       </p:sp>
     </p:spTree>
   </p:cSld>
-  <mc:AlternateContent>
+  <p:clrMapOvr>
+    <a:masterClrMapping/>
+  </p:clrMapOvr>
+  <mc:AlternateContent xmlns:mc="http://schemas.openxmlformats.org/markup-compatibility/2006" xmlns:p14="http://schemas.microsoft.com/office/powerpoint/2010/main">
     <mc:Choice Requires="p14">
       <p:transition spd="slow" p14:dur="2000"/>
     </mc:Choice>
-    <mc:Fallback>
+    <mc:Fallback xmlns:p15="http://schemas.microsoft.com/office/powerpoint/2012/main" xmlns="">
       <p:transition spd="slow"/>
     </mc:Fallback>
   </mc:AlternateContent>
@@ -7321,7 +8825,7 @@
 </file>
 
 <file path=ppt/slides/slide4.xml><?xml version="1.0" encoding="utf-8"?>
-<p:sld xmlns:a="http://schemas.openxmlformats.org/drawingml/2006/main" xmlns:p="http://schemas.openxmlformats.org/presentationml/2006/main" xmlns:r="http://schemas.openxmlformats.org/officeDocument/2006/relationships" xmlns:p14="http://schemas.microsoft.com/office/powerpoint/2010/main" xmlns:p15="http://schemas.microsoft.com/office/powerpoint/2012/main" xmlns:mc="http://schemas.openxmlformats.org/markup-compatibility/2006">
+<p:sld xmlns:a="http://schemas.openxmlformats.org/drawingml/2006/main" xmlns:r="http://schemas.openxmlformats.org/officeDocument/2006/relationships" xmlns:p="http://schemas.openxmlformats.org/presentationml/2006/main">
   <p:cSld>
     <p:spTree>
       <p:nvGrpSpPr>
@@ -7357,15 +8861,22 @@
           </a:ln>
         </p:spPr>
         <p:style>
-          <a:lnRef idx="0"/>
-          <a:fillRef idx="0"/>
-          <a:effectRef idx="0"/>
+          <a:lnRef idx="0">
+            <a:scrgbClr r="0" g="0" b="0"/>
+          </a:lnRef>
+          <a:fillRef idx="0">
+            <a:scrgbClr r="0" g="0" b="0"/>
+          </a:fillRef>
+          <a:effectRef idx="0">
+            <a:scrgbClr r="0" g="0" b="0"/>
+          </a:effectRef>
           <a:fontRef idx="minor"/>
         </p:style>
         <p:txBody>
-          <a:bodyPr lIns="90000" rIns="90000" tIns="45000" bIns="45000" anchor="ctr">
+          <a:bodyPr lIns="90000" tIns="45000" rIns="90000" bIns="45000" anchor="ctr">
             <a:noAutofit/>
           </a:bodyPr>
+          <a:lstStyle/>
           <a:p>
             <a:pPr>
               <a:lnSpc>
@@ -7373,15 +8884,15 @@
               </a:lnSpc>
             </a:pPr>
             <a:r>
-              <a:rPr b="0" lang="en-US" sz="3600" spc="-1" strike="noStrike">
+              <a:rPr lang="en-US" sz="3600" b="0" strike="noStrike" spc="-1">
                 <a:solidFill>
-                  <a:srgbClr val="7030a0"/>
+                  <a:srgbClr val="7030A0"/>
                 </a:solidFill>
                 <a:latin typeface="Calibri"/>
               </a:rPr>
               <a:t>Active Directory (AD)</a:t>
             </a:r>
-            <a:endParaRPr b="0" lang="en-US" sz="3600" spc="-1" strike="noStrike">
+            <a:endParaRPr lang="en-US" sz="3600" b="0" strike="noStrike" spc="-1">
               <a:latin typeface="Arial"/>
             </a:endParaRPr>
           </a:p>
@@ -7407,15 +8918,22 @@
           </a:ln>
         </p:spPr>
         <p:style>
-          <a:lnRef idx="0"/>
-          <a:fillRef idx="0"/>
-          <a:effectRef idx="0"/>
+          <a:lnRef idx="0">
+            <a:scrgbClr r="0" g="0" b="0"/>
+          </a:lnRef>
+          <a:fillRef idx="0">
+            <a:scrgbClr r="0" g="0" b="0"/>
+          </a:fillRef>
+          <a:effectRef idx="0">
+            <a:scrgbClr r="0" g="0" b="0"/>
+          </a:effectRef>
           <a:fontRef idx="minor"/>
         </p:style>
         <p:txBody>
-          <a:bodyPr lIns="90000" rIns="90000" tIns="45000" bIns="45000">
+          <a:bodyPr lIns="90000" tIns="45000" rIns="90000" bIns="45000">
             <a:noAutofit/>
           </a:bodyPr>
+          <a:lstStyle/>
           <a:p>
             <a:pPr marL="343080" indent="-342360">
               <a:lnSpc>
@@ -7431,7 +8949,7 @@
               <a:buChar char="•"/>
             </a:pPr>
             <a:r>
-              <a:rPr b="0" lang="en-US" sz="2800" spc="-1" strike="noStrike">
+              <a:rPr lang="en-US" sz="2800" b="0" strike="noStrike" spc="-1">
                 <a:solidFill>
                   <a:srgbClr val="002060"/>
                 </a:solidFill>
@@ -7439,7 +8957,7 @@
               </a:rPr>
               <a:t>AD is a directory service that runs on MS Windows Server</a:t>
             </a:r>
-            <a:endParaRPr b="0" lang="en-US" sz="2800" spc="-1" strike="noStrike">
+            <a:endParaRPr lang="en-US" sz="2800" b="0" strike="noStrike" spc="-1">
               <a:latin typeface="Arial"/>
             </a:endParaRPr>
           </a:p>
@@ -7458,7 +8976,7 @@
               <a:buChar char="•"/>
             </a:pPr>
             <a:r>
-              <a:rPr b="0" lang="en-US" sz="2800" spc="-1" strike="noStrike">
+              <a:rPr lang="en-US" sz="2800" b="0" strike="noStrike" spc="-1">
                 <a:solidFill>
                   <a:srgbClr val="002060"/>
                 </a:solidFill>
@@ -7466,7 +8984,7 @@
               </a:rPr>
               <a:t>It enables administrators to manage permissions and control access to network resources</a:t>
             </a:r>
-            <a:endParaRPr b="0" lang="en-US" sz="2800" spc="-1" strike="noStrike">
+            <a:endParaRPr lang="en-US" sz="2800" b="0" strike="noStrike" spc="-1">
               <a:latin typeface="Arial"/>
             </a:endParaRPr>
           </a:p>
@@ -7485,7 +9003,7 @@
               <a:buChar char="•"/>
             </a:pPr>
             <a:r>
-              <a:rPr b="0" lang="en-US" sz="2800" spc="-1" strike="noStrike">
+              <a:rPr lang="en-US" sz="2800" b="0" strike="noStrike" spc="-1">
                 <a:solidFill>
                   <a:srgbClr val="002060"/>
                 </a:solidFill>
@@ -7493,7 +9011,7 @@
               </a:rPr>
               <a:t>In AD data is stored in objects</a:t>
             </a:r>
-            <a:endParaRPr b="0" lang="en-US" sz="2800" spc="-1" strike="noStrike">
+            <a:endParaRPr lang="en-US" sz="2800" b="0" strike="noStrike" spc="-1">
               <a:latin typeface="Arial"/>
             </a:endParaRPr>
           </a:p>
@@ -7506,7 +9024,7 @@
                 <a:spcPts val="561"/>
               </a:spcBef>
             </a:pPr>
-            <a:endParaRPr b="0" lang="en-US" sz="2800" spc="-1" strike="noStrike">
+            <a:endParaRPr lang="en-US" sz="2800" b="0" strike="noStrike" spc="-1">
               <a:latin typeface="Arial"/>
             </a:endParaRPr>
           </a:p>
@@ -7514,11 +9032,14 @@
       </p:sp>
     </p:spTree>
   </p:cSld>
-  <mc:AlternateContent>
+  <p:clrMapOvr>
+    <a:masterClrMapping/>
+  </p:clrMapOvr>
+  <mc:AlternateContent xmlns:mc="http://schemas.openxmlformats.org/markup-compatibility/2006" xmlns:p14="http://schemas.microsoft.com/office/powerpoint/2010/main">
     <mc:Choice Requires="p14">
       <p:transition spd="slow" p14:dur="2000"/>
     </mc:Choice>
-    <mc:Fallback>
+    <mc:Fallback xmlns:p15="http://schemas.microsoft.com/office/powerpoint/2012/main" xmlns="">
       <p:transition spd="slow"/>
     </mc:Fallback>
   </mc:AlternateContent>
@@ -7526,7 +9047,7 @@
 </file>
 
 <file path=ppt/slides/slide5.xml><?xml version="1.0" encoding="utf-8"?>
-<p:sld xmlns:a="http://schemas.openxmlformats.org/drawingml/2006/main" xmlns:p="http://schemas.openxmlformats.org/presentationml/2006/main" xmlns:r="http://schemas.openxmlformats.org/officeDocument/2006/relationships" xmlns:p14="http://schemas.microsoft.com/office/powerpoint/2010/main" xmlns:p15="http://schemas.microsoft.com/office/powerpoint/2012/main" xmlns:mc="http://schemas.openxmlformats.org/markup-compatibility/2006">
+<p:sld xmlns:a="http://schemas.openxmlformats.org/drawingml/2006/main" xmlns:r="http://schemas.openxmlformats.org/officeDocument/2006/relationships" xmlns:p="http://schemas.openxmlformats.org/presentationml/2006/main">
   <p:cSld>
     <p:spTree>
       <p:nvGrpSpPr>
@@ -7562,15 +9083,22 @@
           </a:ln>
         </p:spPr>
         <p:style>
-          <a:lnRef idx="0"/>
-          <a:fillRef idx="0"/>
-          <a:effectRef idx="0"/>
+          <a:lnRef idx="0">
+            <a:scrgbClr r="0" g="0" b="0"/>
+          </a:lnRef>
+          <a:fillRef idx="0">
+            <a:scrgbClr r="0" g="0" b="0"/>
+          </a:fillRef>
+          <a:effectRef idx="0">
+            <a:scrgbClr r="0" g="0" b="0"/>
+          </a:effectRef>
           <a:fontRef idx="minor"/>
         </p:style>
         <p:txBody>
-          <a:bodyPr lIns="90000" rIns="90000" tIns="45000" bIns="45000" anchor="ctr">
+          <a:bodyPr lIns="90000" tIns="45000" rIns="90000" bIns="45000" anchor="ctr">
             <a:normAutofit/>
           </a:bodyPr>
+          <a:lstStyle/>
           <a:p>
             <a:pPr>
               <a:lnSpc>
@@ -7578,16 +9106,16 @@
               </a:lnSpc>
             </a:pPr>
             <a:r>
-              <a:rPr b="0" lang="en-US" sz="3600" spc="-1" strike="noStrike">
+              <a:rPr lang="en-US" sz="3600" b="0" strike="noStrike" spc="-1">
                 <a:solidFill>
-                  <a:srgbClr val="7030a0"/>
+                  <a:srgbClr val="7030A0"/>
                 </a:solidFill>
                 <a:latin typeface="Calibri"/>
                 <a:ea typeface="DejaVu Sans"/>
               </a:rPr>
               <a:t>Objects includes</a:t>
             </a:r>
-            <a:endParaRPr b="0" lang="en-US" sz="3600" spc="-1" strike="noStrike">
+            <a:endParaRPr lang="en-US" sz="3600" b="0" strike="noStrike" spc="-1">
               <a:latin typeface="Arial"/>
             </a:endParaRPr>
           </a:p>
@@ -7613,15 +9141,22 @@
           </a:ln>
         </p:spPr>
         <p:style>
-          <a:lnRef idx="0"/>
-          <a:fillRef idx="0"/>
-          <a:effectRef idx="0"/>
+          <a:lnRef idx="0">
+            <a:scrgbClr r="0" g="0" b="0"/>
+          </a:lnRef>
+          <a:fillRef idx="0">
+            <a:scrgbClr r="0" g="0" b="0"/>
+          </a:fillRef>
+          <a:effectRef idx="0">
+            <a:scrgbClr r="0" g="0" b="0"/>
+          </a:effectRef>
           <a:fontRef idx="minor"/>
         </p:style>
         <p:txBody>
-          <a:bodyPr lIns="90000" rIns="90000" tIns="45000" bIns="45000">
+          <a:bodyPr lIns="90000" tIns="45000" rIns="90000" bIns="45000">
             <a:noAutofit/>
           </a:bodyPr>
+          <a:lstStyle/>
           <a:p>
             <a:pPr marL="343080" indent="-342000">
               <a:lnSpc>
@@ -7637,7 +9172,7 @@
               <a:buChar char="•"/>
             </a:pPr>
             <a:r>
-              <a:rPr b="0" lang="en-US" sz="2800" spc="-1" strike="noStrike">
+              <a:rPr lang="en-US" sz="2800" b="0" strike="noStrike" spc="-1">
                 <a:solidFill>
                   <a:srgbClr val="002060"/>
                 </a:solidFill>
@@ -7646,7 +9181,7 @@
               </a:rPr>
               <a:t>Users</a:t>
             </a:r>
-            <a:endParaRPr b="0" lang="en-US" sz="2800" spc="-1" strike="noStrike">
+            <a:endParaRPr lang="en-US" sz="2800" b="0" strike="noStrike" spc="-1">
               <a:latin typeface="Arial"/>
             </a:endParaRPr>
           </a:p>
@@ -7665,7 +9200,7 @@
               <a:buChar char="•"/>
             </a:pPr>
             <a:r>
-              <a:rPr b="0" lang="en-US" sz="2800" spc="-1" strike="noStrike">
+              <a:rPr lang="en-US" sz="2800" b="0" strike="noStrike" spc="-1">
                 <a:solidFill>
                   <a:srgbClr val="002060"/>
                 </a:solidFill>
@@ -7674,7 +9209,7 @@
               </a:rPr>
               <a:t>Groups </a:t>
             </a:r>
-            <a:endParaRPr b="0" lang="en-US" sz="2800" spc="-1" strike="noStrike">
+            <a:endParaRPr lang="en-US" sz="2800" b="0" strike="noStrike" spc="-1">
               <a:latin typeface="Arial"/>
             </a:endParaRPr>
           </a:p>
@@ -7693,7 +9228,7 @@
               <a:buChar char="•"/>
             </a:pPr>
             <a:r>
-              <a:rPr b="0" lang="en-US" sz="2800" spc="-1" strike="noStrike">
+              <a:rPr lang="en-US" sz="2800" b="0" strike="noStrike" spc="-1">
                 <a:solidFill>
                   <a:srgbClr val="002060"/>
                 </a:solidFill>
@@ -7702,7 +9237,7 @@
               </a:rPr>
               <a:t>Applications</a:t>
             </a:r>
-            <a:endParaRPr b="0" lang="en-US" sz="2800" spc="-1" strike="noStrike">
+            <a:endParaRPr lang="en-US" sz="2800" b="0" strike="noStrike" spc="-1">
               <a:latin typeface="Arial"/>
             </a:endParaRPr>
           </a:p>
@@ -7721,7 +9256,7 @@
               <a:buChar char="•"/>
             </a:pPr>
             <a:r>
-              <a:rPr b="0" lang="en-US" sz="2800" spc="-1" strike="noStrike">
+              <a:rPr lang="en-US" sz="2800" b="0" strike="noStrike" spc="-1">
                 <a:solidFill>
                   <a:srgbClr val="002060"/>
                 </a:solidFill>
@@ -7730,7 +9265,7 @@
               </a:rPr>
               <a:t>Devices</a:t>
             </a:r>
-            <a:endParaRPr b="0" lang="en-US" sz="2800" spc="-1" strike="noStrike">
+            <a:endParaRPr lang="en-US" sz="2800" b="0" strike="noStrike" spc="-1">
               <a:latin typeface="Arial"/>
             </a:endParaRPr>
           </a:p>
@@ -7749,7 +9284,7 @@
               <a:buChar char="•"/>
             </a:pPr>
             <a:r>
-              <a:rPr b="0" lang="en-US" sz="2800" spc="-1" strike="noStrike">
+              <a:rPr lang="en-US" sz="2800" b="0" strike="noStrike" spc="-1">
                 <a:solidFill>
                   <a:srgbClr val="002060"/>
                 </a:solidFill>
@@ -7758,7 +9293,7 @@
               </a:rPr>
               <a:t>Which categorized according to their name add attributes</a:t>
             </a:r>
-            <a:endParaRPr b="0" lang="en-US" sz="2800" spc="-1" strike="noStrike">
+            <a:endParaRPr lang="en-US" sz="2800" b="0" strike="noStrike" spc="-1">
               <a:latin typeface="Arial"/>
             </a:endParaRPr>
           </a:p>
@@ -7766,11 +9301,14 @@
       </p:sp>
     </p:spTree>
   </p:cSld>
-  <mc:AlternateContent>
+  <p:clrMapOvr>
+    <a:masterClrMapping/>
+  </p:clrMapOvr>
+  <mc:AlternateContent xmlns:mc="http://schemas.openxmlformats.org/markup-compatibility/2006" xmlns:p14="http://schemas.microsoft.com/office/powerpoint/2010/main">
     <mc:Choice Requires="p14">
       <p:transition spd="slow" p14:dur="2000"/>
     </mc:Choice>
-    <mc:Fallback>
+    <mc:Fallback xmlns:p15="http://schemas.microsoft.com/office/powerpoint/2012/main" xmlns="">
       <p:transition spd="slow"/>
     </mc:Fallback>
   </mc:AlternateContent>
@@ -7778,7 +9316,7 @@
 </file>
 
 <file path=ppt/slides/slide6.xml><?xml version="1.0" encoding="utf-8"?>
-<p:sld xmlns:a="http://schemas.openxmlformats.org/drawingml/2006/main" xmlns:p="http://schemas.openxmlformats.org/presentationml/2006/main" xmlns:r="http://schemas.openxmlformats.org/officeDocument/2006/relationships" xmlns:p14="http://schemas.microsoft.com/office/powerpoint/2010/main" xmlns:p15="http://schemas.microsoft.com/office/powerpoint/2012/main" xmlns:mc="http://schemas.openxmlformats.org/markup-compatibility/2006">
+<p:sld xmlns:a="http://schemas.openxmlformats.org/drawingml/2006/main" xmlns:r="http://schemas.openxmlformats.org/officeDocument/2006/relationships" xmlns:p="http://schemas.openxmlformats.org/presentationml/2006/main">
   <p:cSld>
     <p:spTree>
       <p:nvGrpSpPr>
@@ -7814,15 +9352,22 @@
           </a:ln>
         </p:spPr>
         <p:style>
-          <a:lnRef idx="0"/>
-          <a:fillRef idx="0"/>
-          <a:effectRef idx="0"/>
+          <a:lnRef idx="0">
+            <a:scrgbClr r="0" g="0" b="0"/>
+          </a:lnRef>
+          <a:fillRef idx="0">
+            <a:scrgbClr r="0" g="0" b="0"/>
+          </a:fillRef>
+          <a:effectRef idx="0">
+            <a:scrgbClr r="0" g="0" b="0"/>
+          </a:effectRef>
           <a:fontRef idx="minor"/>
         </p:style>
         <p:txBody>
-          <a:bodyPr lIns="90000" rIns="90000" tIns="45000" bIns="45000" anchor="ctr">
+          <a:bodyPr lIns="90000" tIns="45000" rIns="90000" bIns="45000" anchor="ctr">
             <a:noAutofit/>
           </a:bodyPr>
+          <a:lstStyle/>
           <a:p>
             <a:pPr>
               <a:lnSpc>
@@ -7830,16 +9375,16 @@
               </a:lnSpc>
             </a:pPr>
             <a:r>
-              <a:rPr b="0" lang="en-US" sz="3600" spc="-1" strike="noStrike">
+              <a:rPr lang="en-US" sz="3600" b="0" strike="noStrike" spc="-1">
                 <a:solidFill>
-                  <a:srgbClr val="7030a0"/>
+                  <a:srgbClr val="7030A0"/>
                 </a:solidFill>
                 <a:latin typeface="Calibri"/>
                 <a:ea typeface="DejaVu Sans"/>
               </a:rPr>
               <a:t>Domain Controller</a:t>
             </a:r>
-            <a:endParaRPr b="0" lang="en-US" sz="3600" spc="-1" strike="noStrike">
+            <a:endParaRPr lang="en-US" sz="3600" b="0" strike="noStrike" spc="-1">
               <a:latin typeface="Arial"/>
             </a:endParaRPr>
           </a:p>
@@ -7865,15 +9410,22 @@
           </a:ln>
         </p:spPr>
         <p:style>
-          <a:lnRef idx="0"/>
-          <a:fillRef idx="0"/>
-          <a:effectRef idx="0"/>
+          <a:lnRef idx="0">
+            <a:scrgbClr r="0" g="0" b="0"/>
+          </a:lnRef>
+          <a:fillRef idx="0">
+            <a:scrgbClr r="0" g="0" b="0"/>
+          </a:fillRef>
+          <a:effectRef idx="0">
+            <a:scrgbClr r="0" g="0" b="0"/>
+          </a:effectRef>
           <a:fontRef idx="minor"/>
         </p:style>
         <p:txBody>
-          <a:bodyPr lIns="90000" rIns="90000" tIns="45000" bIns="45000">
-            <a:normAutofit fontScale="70000"/>
-          </a:bodyPr>
+          <a:bodyPr lIns="90000" tIns="45000" rIns="90000" bIns="45000">
+            <a:normAutofit lnSpcReduction="10000"/>
+          </a:bodyPr>
+          <a:lstStyle/>
           <a:p>
             <a:pPr marL="343080" indent="-342000">
               <a:lnSpc>
@@ -7889,7 +9441,7 @@
               <a:buChar char="•"/>
             </a:pPr>
             <a:r>
-              <a:rPr b="0" lang="en-US" sz="2800" spc="-1" strike="noStrike">
+              <a:rPr lang="en-US" sz="2800" b="0" strike="noStrike" spc="-1">
                 <a:solidFill>
                   <a:srgbClr val="002060"/>
                 </a:solidFill>
@@ -7899,7 +9451,7 @@
               <a:t>A server running the AD </a:t>
             </a:r>
             <a:r>
-              <a:rPr b="1" lang="en-US" sz="2800" spc="-1" strike="noStrike">
+              <a:rPr lang="en-US" sz="2800" b="1" strike="noStrike" spc="-1">
                 <a:solidFill>
                   <a:srgbClr val="002060"/>
                 </a:solidFill>
@@ -7909,7 +9461,7 @@
               <a:t>Domain Service</a:t>
             </a:r>
             <a:r>
-              <a:rPr b="0" lang="en-US" sz="2800" spc="-1" strike="noStrike">
+              <a:rPr lang="en-US" sz="2800" b="0" strike="noStrike" spc="-1">
                 <a:solidFill>
                   <a:srgbClr val="002060"/>
                 </a:solidFill>
@@ -7919,7 +9471,7 @@
               <a:t> (</a:t>
             </a:r>
             <a:r>
-              <a:rPr b="1" lang="en-US" sz="2800" spc="-1" strike="noStrike">
+              <a:rPr lang="en-US" sz="2800" b="1" strike="noStrike" spc="-1">
                 <a:solidFill>
                   <a:srgbClr val="002060"/>
                 </a:solidFill>
@@ -7929,7 +9481,7 @@
               <a:t>AD DS</a:t>
             </a:r>
             <a:r>
-              <a:rPr b="0" lang="en-US" sz="2800" spc="-1" strike="noStrike">
+              <a:rPr lang="en-US" sz="2800" b="0" strike="noStrike" spc="-1">
                 <a:solidFill>
                   <a:srgbClr val="002060"/>
                 </a:solidFill>
@@ -7939,7 +9491,7 @@
               <a:t>) role is called a </a:t>
             </a:r>
             <a:r>
-              <a:rPr b="1" lang="en-US" sz="2800" spc="-1" strike="noStrike">
+              <a:rPr lang="en-US" sz="2800" b="1" strike="noStrike" spc="-1">
                 <a:solidFill>
                   <a:srgbClr val="002060"/>
                 </a:solidFill>
@@ -7949,7 +9501,7 @@
               <a:t>domain controller</a:t>
             </a:r>
             <a:r>
-              <a:rPr b="0" lang="en-US" sz="2800" spc="-1" strike="noStrike">
+              <a:rPr lang="en-US" sz="2800" b="0" strike="noStrike" spc="-1">
                 <a:solidFill>
                   <a:srgbClr val="002060"/>
                 </a:solidFill>
@@ -7958,7 +9510,7 @@
               </a:rPr>
               <a:t>.</a:t>
             </a:r>
-            <a:endParaRPr b="0" lang="en-US" sz="2800" spc="-1" strike="noStrike">
+            <a:endParaRPr lang="en-US" sz="2800" b="0" strike="noStrike" spc="-1">
               <a:latin typeface="Arial"/>
             </a:endParaRPr>
           </a:p>
@@ -7977,7 +9529,7 @@
               <a:buChar char="•"/>
             </a:pPr>
             <a:r>
-              <a:rPr b="0" lang="en-US" sz="2800" spc="-1" strike="noStrike">
+              <a:rPr lang="en-US" sz="2800" b="0" strike="noStrike" spc="-1">
                 <a:solidFill>
                   <a:srgbClr val="002060"/>
                 </a:solidFill>
@@ -7986,7 +9538,7 @@
               </a:rPr>
               <a:t>It authenticates and authorizes all users and computers.</a:t>
             </a:r>
-            <a:endParaRPr b="0" lang="en-US" sz="2800" spc="-1" strike="noStrike">
+            <a:endParaRPr lang="en-US" sz="2800" b="0" strike="noStrike" spc="-1">
               <a:latin typeface="Arial"/>
             </a:endParaRPr>
           </a:p>
@@ -8005,7 +9557,7 @@
               <a:buChar char="•"/>
             </a:pPr>
             <a:r>
-              <a:rPr b="0" lang="en-US" sz="2800" spc="-1" strike="noStrike">
+              <a:rPr lang="en-US" sz="2800" b="0" strike="noStrike" spc="-1">
                 <a:solidFill>
                   <a:srgbClr val="002060"/>
                 </a:solidFill>
@@ -8014,7 +9566,7 @@
               </a:rPr>
               <a:t>A domain controller is contacted when a user logs into a device.</a:t>
             </a:r>
-            <a:endParaRPr b="0" lang="en-US" sz="2800" spc="-1" strike="noStrike">
+            <a:endParaRPr lang="en-US" sz="2800" b="0" strike="noStrike" spc="-1">
               <a:latin typeface="Arial"/>
             </a:endParaRPr>
           </a:p>
@@ -8033,7 +9585,7 @@
               <a:buChar char="•"/>
             </a:pPr>
             <a:r>
-              <a:rPr b="0" lang="en-US" sz="2800" spc="-1" strike="noStrike">
+              <a:rPr lang="en-US" sz="2800" b="0" strike="noStrike" spc="-1">
                 <a:solidFill>
                   <a:srgbClr val="002060"/>
                 </a:solidFill>
@@ -8042,7 +9594,7 @@
               </a:rPr>
               <a:t>OR accesses another device across the network.</a:t>
             </a:r>
-            <a:endParaRPr b="0" lang="en-US" sz="2800" spc="-1" strike="noStrike">
+            <a:endParaRPr lang="en-US" sz="2800" b="0" strike="noStrike" spc="-1">
               <a:latin typeface="Arial"/>
             </a:endParaRPr>
           </a:p>
@@ -8055,7 +9607,7 @@
                 <a:spcPts val="561"/>
               </a:spcBef>
             </a:pPr>
-            <a:endParaRPr b="0" lang="en-US" sz="2800" spc="-1" strike="noStrike">
+            <a:endParaRPr lang="en-US" sz="2800" b="0" strike="noStrike" spc="-1">
               <a:latin typeface="Arial"/>
             </a:endParaRPr>
           </a:p>
@@ -8063,11 +9615,14 @@
       </p:sp>
     </p:spTree>
   </p:cSld>
-  <mc:AlternateContent>
+  <p:clrMapOvr>
+    <a:masterClrMapping/>
+  </p:clrMapOvr>
+  <mc:AlternateContent xmlns:mc="http://schemas.openxmlformats.org/markup-compatibility/2006" xmlns:p14="http://schemas.microsoft.com/office/powerpoint/2010/main">
     <mc:Choice Requires="p14">
       <p:transition spd="slow" p14:dur="2000"/>
     </mc:Choice>
-    <mc:Fallback>
+    <mc:Fallback xmlns:p15="http://schemas.microsoft.com/office/powerpoint/2012/main" xmlns="">
       <p:transition spd="slow"/>
     </mc:Fallback>
   </mc:AlternateContent>
@@ -8075,7 +9630,7 @@
 </file>
 
 <file path=ppt/slides/slide7.xml><?xml version="1.0" encoding="utf-8"?>
-<p:sld xmlns:a="http://schemas.openxmlformats.org/drawingml/2006/main" xmlns:p="http://schemas.openxmlformats.org/presentationml/2006/main" xmlns:r="http://schemas.openxmlformats.org/officeDocument/2006/relationships" xmlns:p14="http://schemas.microsoft.com/office/powerpoint/2010/main" xmlns:p15="http://schemas.microsoft.com/office/powerpoint/2012/main" xmlns:mc="http://schemas.openxmlformats.org/markup-compatibility/2006">
+<p:sld xmlns:a="http://schemas.openxmlformats.org/drawingml/2006/main" xmlns:r="http://schemas.openxmlformats.org/officeDocument/2006/relationships" xmlns:p="http://schemas.openxmlformats.org/presentationml/2006/main">
   <p:cSld>
     <p:spTree>
       <p:nvGrpSpPr>
@@ -8111,15 +9666,22 @@
           </a:ln>
         </p:spPr>
         <p:style>
-          <a:lnRef idx="0"/>
-          <a:fillRef idx="0"/>
-          <a:effectRef idx="0"/>
+          <a:lnRef idx="0">
+            <a:scrgbClr r="0" g="0" b="0"/>
+          </a:lnRef>
+          <a:fillRef idx="0">
+            <a:scrgbClr r="0" g="0" b="0"/>
+          </a:fillRef>
+          <a:effectRef idx="0">
+            <a:scrgbClr r="0" g="0" b="0"/>
+          </a:effectRef>
           <a:fontRef idx="minor"/>
         </p:style>
         <p:txBody>
-          <a:bodyPr lIns="90000" rIns="90000" tIns="45000" bIns="45000" anchor="ctr">
+          <a:bodyPr lIns="90000" tIns="45000" rIns="90000" bIns="45000" anchor="ctr">
             <a:noAutofit/>
           </a:bodyPr>
+          <a:lstStyle/>
           <a:p>
             <a:pPr>
               <a:lnSpc>
@@ -8127,16 +9689,16 @@
               </a:lnSpc>
             </a:pPr>
             <a:r>
-              <a:rPr b="0" lang="en-US" sz="3600" spc="-1" strike="noStrike">
+              <a:rPr lang="en-US" sz="3600" b="0" strike="noStrike" spc="-1">
                 <a:solidFill>
-                  <a:srgbClr val="7030a0"/>
+                  <a:srgbClr val="7030A0"/>
                 </a:solidFill>
                 <a:latin typeface="Calibri"/>
                 <a:ea typeface="DejaVu Sans"/>
               </a:rPr>
               <a:t>Domain Services</a:t>
             </a:r>
-            <a:endParaRPr b="0" lang="en-US" sz="3600" spc="-1" strike="noStrike">
+            <a:endParaRPr lang="en-US" sz="3600" b="0" strike="noStrike" spc="-1">
               <a:latin typeface="Arial"/>
             </a:endParaRPr>
           </a:p>
@@ -8162,15 +9724,22 @@
           </a:ln>
         </p:spPr>
         <p:style>
-          <a:lnRef idx="0"/>
-          <a:fillRef idx="0"/>
-          <a:effectRef idx="0"/>
+          <a:lnRef idx="0">
+            <a:scrgbClr r="0" g="0" b="0"/>
+          </a:lnRef>
+          <a:fillRef idx="0">
+            <a:scrgbClr r="0" g="0" b="0"/>
+          </a:fillRef>
+          <a:effectRef idx="0">
+            <a:scrgbClr r="0" g="0" b="0"/>
+          </a:effectRef>
           <a:fontRef idx="minor"/>
         </p:style>
         <p:txBody>
-          <a:bodyPr lIns="90000" rIns="90000" tIns="45000" bIns="45000">
+          <a:bodyPr lIns="90000" tIns="45000" rIns="90000" bIns="45000">
             <a:noAutofit/>
           </a:bodyPr>
+          <a:lstStyle/>
           <a:p>
             <a:pPr marL="343080" indent="-342000">
               <a:lnSpc>
@@ -8186,7 +9755,7 @@
               <a:buChar char="•"/>
             </a:pPr>
             <a:r>
-              <a:rPr b="0" lang="en-US" sz="2800" spc="-1" strike="noStrike">
+              <a:rPr lang="en-US" sz="2800" b="0" strike="noStrike" spc="-1">
                 <a:solidFill>
                   <a:srgbClr val="002060"/>
                 </a:solidFill>
@@ -8195,7 +9764,7 @@
               </a:rPr>
               <a:t>Active Directory Domain Services (AD DS) is the foundation stone of every Windows domain network.</a:t>
             </a:r>
-            <a:endParaRPr b="0" lang="en-US" sz="2800" spc="-1" strike="noStrike">
+            <a:endParaRPr lang="en-US" sz="2800" b="0" strike="noStrike" spc="-1">
               <a:latin typeface="Arial"/>
             </a:endParaRPr>
           </a:p>
@@ -8214,7 +9783,7 @@
               <a:buChar char="•"/>
             </a:pPr>
             <a:r>
-              <a:rPr b="0" lang="en-US" sz="2800" spc="-1" strike="noStrike">
+              <a:rPr lang="en-US" sz="2800" b="0" strike="noStrike" spc="-1">
                 <a:solidFill>
                   <a:srgbClr val="002060"/>
                 </a:solidFill>
@@ -8223,7 +9792,7 @@
               </a:rPr>
               <a:t>It stores information about members of the domain.</a:t>
             </a:r>
-            <a:endParaRPr b="0" lang="en-US" sz="2800" spc="-1" strike="noStrike">
+            <a:endParaRPr lang="en-US" sz="2800" b="0" strike="noStrike" spc="-1">
               <a:latin typeface="Arial"/>
             </a:endParaRPr>
           </a:p>
@@ -8242,7 +9811,7 @@
               <a:buChar char="•"/>
             </a:pPr>
             <a:r>
-              <a:rPr b="0" lang="en-US" sz="2800" spc="-1" strike="noStrike">
+              <a:rPr lang="en-US" sz="2800" b="0" strike="noStrike" spc="-1">
                 <a:solidFill>
                   <a:srgbClr val="002060"/>
                 </a:solidFill>
@@ -8251,7 +9820,7 @@
               </a:rPr>
               <a:t>Defines their access rights.</a:t>
             </a:r>
-            <a:endParaRPr b="0" lang="en-US" sz="2800" spc="-1" strike="noStrike">
+            <a:endParaRPr lang="en-US" sz="2800" b="0" strike="noStrike" spc="-1">
               <a:latin typeface="Arial"/>
             </a:endParaRPr>
           </a:p>
@@ -8270,7 +9839,7 @@
               <a:buChar char="•"/>
             </a:pPr>
             <a:r>
-              <a:rPr b="0" lang="en-US" sz="2800" spc="-1" strike="noStrike">
+              <a:rPr lang="en-US" sz="2800" b="0" strike="noStrike" spc="-1">
                 <a:solidFill>
                   <a:srgbClr val="002060"/>
                 </a:solidFill>
@@ -8280,7 +9849,7 @@
               <a:t>The server running this service is called a </a:t>
             </a:r>
             <a:r>
-              <a:rPr b="1" lang="en-US" sz="2800" spc="-1" strike="noStrike">
+              <a:rPr lang="en-US" sz="2800" b="1" strike="noStrike" spc="-1">
                 <a:solidFill>
                   <a:srgbClr val="002060"/>
                 </a:solidFill>
@@ -8290,7 +9859,7 @@
               <a:t>domain controller</a:t>
             </a:r>
             <a:r>
-              <a:rPr b="0" lang="en-US" sz="2800" spc="-1" strike="noStrike">
+              <a:rPr lang="en-US" sz="2800" b="0" strike="noStrike" spc="-1">
                 <a:solidFill>
                   <a:srgbClr val="002060"/>
                 </a:solidFill>
@@ -8299,7 +9868,7 @@
               </a:rPr>
               <a:t>. </a:t>
             </a:r>
-            <a:endParaRPr b="0" lang="en-US" sz="2800" spc="-1" strike="noStrike">
+            <a:endParaRPr lang="en-US" sz="2800" b="0" strike="noStrike" spc="-1">
               <a:latin typeface="Arial"/>
             </a:endParaRPr>
           </a:p>
@@ -8312,7 +9881,7 @@
                 <a:spcPts val="561"/>
               </a:spcBef>
             </a:pPr>
-            <a:endParaRPr b="0" lang="en-US" sz="2800" spc="-1" strike="noStrike">
+            <a:endParaRPr lang="en-US" sz="2800" b="0" strike="noStrike" spc="-1">
               <a:latin typeface="Arial"/>
             </a:endParaRPr>
           </a:p>
@@ -8320,11 +9889,14 @@
       </p:sp>
     </p:spTree>
   </p:cSld>
-  <mc:AlternateContent>
+  <p:clrMapOvr>
+    <a:masterClrMapping/>
+  </p:clrMapOvr>
+  <mc:AlternateContent xmlns:mc="http://schemas.openxmlformats.org/markup-compatibility/2006" xmlns:p14="http://schemas.microsoft.com/office/powerpoint/2010/main">
     <mc:Choice Requires="p14">
       <p:transition spd="slow" p14:dur="2000"/>
     </mc:Choice>
-    <mc:Fallback>
+    <mc:Fallback xmlns:p15="http://schemas.microsoft.com/office/powerpoint/2012/main" xmlns="">
       <p:transition spd="slow"/>
     </mc:Fallback>
   </mc:AlternateContent>
@@ -8332,7 +9904,7 @@
 </file>
 
 <file path=ppt/slides/slide8.xml><?xml version="1.0" encoding="utf-8"?>
-<p:sld xmlns:a="http://schemas.openxmlformats.org/drawingml/2006/main" xmlns:p="http://schemas.openxmlformats.org/presentationml/2006/main" xmlns:r="http://schemas.openxmlformats.org/officeDocument/2006/relationships" xmlns:p14="http://schemas.microsoft.com/office/powerpoint/2010/main" xmlns:p15="http://schemas.microsoft.com/office/powerpoint/2012/main" xmlns:mc="http://schemas.openxmlformats.org/markup-compatibility/2006">
+<p:sld xmlns:a="http://schemas.openxmlformats.org/drawingml/2006/main" xmlns:r="http://schemas.openxmlformats.org/officeDocument/2006/relationships" xmlns:p="http://schemas.openxmlformats.org/presentationml/2006/main">
   <p:cSld>
     <p:spTree>
       <p:nvGrpSpPr>
@@ -8368,15 +9940,22 @@
           </a:ln>
         </p:spPr>
         <p:style>
-          <a:lnRef idx="0"/>
-          <a:fillRef idx="0"/>
-          <a:effectRef idx="0"/>
+          <a:lnRef idx="0">
+            <a:scrgbClr r="0" g="0" b="0"/>
+          </a:lnRef>
+          <a:fillRef idx="0">
+            <a:scrgbClr r="0" g="0" b="0"/>
+          </a:fillRef>
+          <a:effectRef idx="0">
+            <a:scrgbClr r="0" g="0" b="0"/>
+          </a:effectRef>
           <a:fontRef idx="minor"/>
         </p:style>
         <p:txBody>
-          <a:bodyPr lIns="90000" rIns="90000" tIns="45000" bIns="45000" anchor="ctr">
+          <a:bodyPr lIns="90000" tIns="45000" rIns="90000" bIns="45000" anchor="ctr">
             <a:noAutofit/>
           </a:bodyPr>
+          <a:lstStyle/>
           <a:p>
             <a:pPr>
               <a:lnSpc>
@@ -8384,16 +9963,16 @@
               </a:lnSpc>
             </a:pPr>
             <a:r>
-              <a:rPr b="0" lang="en-US" sz="3600" spc="-1" strike="noStrike">
+              <a:rPr lang="en-US" sz="3600" b="0" strike="noStrike" spc="-1">
                 <a:solidFill>
-                  <a:srgbClr val="7030a0"/>
+                  <a:srgbClr val="7030A0"/>
                 </a:solidFill>
                 <a:latin typeface="Calibri"/>
                 <a:ea typeface="DejaVu Sans"/>
               </a:rPr>
               <a:t>Domain Services Examples</a:t>
             </a:r>
-            <a:endParaRPr b="0" lang="en-US" sz="3600" spc="-1" strike="noStrike">
+            <a:endParaRPr lang="en-US" sz="3600" b="0" strike="noStrike" spc="-1">
               <a:latin typeface="Arial"/>
             </a:endParaRPr>
           </a:p>
@@ -8419,15 +9998,22 @@
           </a:ln>
         </p:spPr>
         <p:style>
-          <a:lnRef idx="0"/>
-          <a:fillRef idx="0"/>
-          <a:effectRef idx="0"/>
+          <a:lnRef idx="0">
+            <a:scrgbClr r="0" g="0" b="0"/>
+          </a:lnRef>
+          <a:fillRef idx="0">
+            <a:scrgbClr r="0" g="0" b="0"/>
+          </a:fillRef>
+          <a:effectRef idx="0">
+            <a:scrgbClr r="0" g="0" b="0"/>
+          </a:effectRef>
           <a:fontRef idx="minor"/>
         </p:style>
         <p:txBody>
-          <a:bodyPr lIns="90000" rIns="90000" tIns="45000" bIns="45000">
+          <a:bodyPr lIns="90000" tIns="45000" rIns="90000" bIns="45000">
             <a:noAutofit/>
           </a:bodyPr>
+          <a:lstStyle/>
           <a:p>
             <a:pPr marL="343080" indent="-342000">
               <a:lnSpc>
@@ -8443,7 +10029,7 @@
               <a:buChar char="•"/>
             </a:pPr>
             <a:r>
-              <a:rPr b="0" lang="en-US" sz="2800" spc="-1" strike="noStrike">
+              <a:rPr lang="en-US" sz="2800" b="0" strike="noStrike" spc="-1">
                 <a:solidFill>
                   <a:srgbClr val="002060"/>
                 </a:solidFill>
@@ -8452,7 +10038,7 @@
               </a:rPr>
               <a:t>Group Policy</a:t>
             </a:r>
-            <a:endParaRPr b="0" lang="en-US" sz="2800" spc="-1" strike="noStrike">
+            <a:endParaRPr lang="en-US" sz="2800" b="0" strike="noStrike" spc="-1">
               <a:latin typeface="Arial"/>
             </a:endParaRPr>
           </a:p>
@@ -8471,7 +10057,7 @@
               <a:buChar char="•"/>
             </a:pPr>
             <a:r>
-              <a:rPr b="0" lang="en-US" sz="2800" spc="-1" strike="noStrike">
+              <a:rPr lang="en-US" sz="2800" b="0" strike="noStrike" spc="-1">
                 <a:solidFill>
                   <a:srgbClr val="002060"/>
                 </a:solidFill>
@@ -8480,7 +10066,7 @@
               </a:rPr>
               <a:t>Encrypting File System</a:t>
             </a:r>
-            <a:endParaRPr b="0" lang="en-US" sz="2800" spc="-1" strike="noStrike">
+            <a:endParaRPr lang="en-US" sz="2800" b="0" strike="noStrike" spc="-1">
               <a:latin typeface="Arial"/>
             </a:endParaRPr>
           </a:p>
@@ -8499,7 +10085,7 @@
               <a:buChar char="•"/>
             </a:pPr>
             <a:r>
-              <a:rPr b="0" lang="en-US" sz="2800" spc="-1" strike="noStrike">
+              <a:rPr lang="en-US" sz="2800" b="0" strike="noStrike" spc="-1">
                 <a:solidFill>
                   <a:srgbClr val="002060"/>
                 </a:solidFill>
@@ -8508,7 +10094,7 @@
               </a:rPr>
               <a:t>BitLocker</a:t>
             </a:r>
-            <a:endParaRPr b="0" lang="en-US" sz="2800" spc="-1" strike="noStrike">
+            <a:endParaRPr lang="en-US" sz="2800" b="0" strike="noStrike" spc="-1">
               <a:latin typeface="Arial"/>
             </a:endParaRPr>
           </a:p>
@@ -8527,7 +10113,7 @@
               <a:buChar char="•"/>
             </a:pPr>
             <a:r>
-              <a:rPr b="0" lang="en-US" sz="2800" spc="-1" strike="noStrike">
+              <a:rPr lang="en-US" sz="2800" b="0" strike="noStrike" spc="-1">
                 <a:solidFill>
                   <a:srgbClr val="002060"/>
                 </a:solidFill>
@@ -8536,7 +10122,7 @@
               </a:rPr>
               <a:t>Domain Name Services</a:t>
             </a:r>
-            <a:endParaRPr b="0" lang="en-US" sz="2800" spc="-1" strike="noStrike">
+            <a:endParaRPr lang="en-US" sz="2800" b="0" strike="noStrike" spc="-1">
               <a:latin typeface="Arial"/>
             </a:endParaRPr>
           </a:p>
@@ -8555,7 +10141,7 @@
               <a:buChar char="•"/>
             </a:pPr>
             <a:r>
-              <a:rPr b="0" lang="en-US" sz="2800" spc="-1" strike="noStrike">
+              <a:rPr lang="en-US" sz="2800" b="0" strike="noStrike" spc="-1">
                 <a:solidFill>
                   <a:srgbClr val="002060"/>
                 </a:solidFill>
@@ -8564,7 +10150,7 @@
               </a:rPr>
               <a:t>Remote Desktop Services</a:t>
             </a:r>
-            <a:endParaRPr b="0" lang="en-US" sz="2800" spc="-1" strike="noStrike">
+            <a:endParaRPr lang="en-US" sz="2800" b="0" strike="noStrike" spc="-1">
               <a:latin typeface="Arial"/>
             </a:endParaRPr>
           </a:p>
@@ -8577,7 +10163,7 @@
                 <a:spcPts val="561"/>
               </a:spcBef>
             </a:pPr>
-            <a:endParaRPr b="0" lang="en-US" sz="2800" spc="-1" strike="noStrike">
+            <a:endParaRPr lang="en-US" sz="2800" b="0" strike="noStrike" spc="-1">
               <a:latin typeface="Arial"/>
             </a:endParaRPr>
           </a:p>
@@ -8585,14 +10171,97 @@
       </p:sp>
     </p:spTree>
   </p:cSld>
-  <mc:AlternateContent>
+  <p:clrMapOvr>
+    <a:masterClrMapping/>
+  </p:clrMapOvr>
+  <mc:AlternateContent xmlns:mc="http://schemas.openxmlformats.org/markup-compatibility/2006" xmlns:p14="http://schemas.microsoft.com/office/powerpoint/2010/main">
     <mc:Choice Requires="p14">
       <p:transition spd="slow" p14:dur="2000"/>
     </mc:Choice>
-    <mc:Fallback>
+    <mc:Fallback xmlns:p15="http://schemas.microsoft.com/office/powerpoint/2012/main" xmlns="">
       <p:transition spd="slow"/>
     </mc:Fallback>
   </mc:AlternateContent>
+</p:sld>
+</file>
+
+<file path=ppt/slides/slide9.xml><?xml version="1.0" encoding="utf-8"?>
+<p:sld xmlns:a="http://schemas.openxmlformats.org/drawingml/2006/main" xmlns:r="http://schemas.openxmlformats.org/officeDocument/2006/relationships" xmlns:p="http://schemas.openxmlformats.org/presentationml/2006/main">
+  <p:cSld>
+    <p:spTree>
+      <p:nvGrpSpPr>
+        <p:cNvPr id="1" name=""/>
+        <p:cNvGrpSpPr/>
+        <p:nvPr/>
+      </p:nvGrpSpPr>
+      <p:grpSpPr>
+        <a:xfrm>
+          <a:off x="0" y="0"/>
+          <a:ext cx="0" cy="0"/>
+          <a:chOff x="0" y="0"/>
+          <a:chExt cx="0" cy="0"/>
+        </a:xfrm>
+      </p:grpSpPr>
+      <p:sp>
+        <p:nvSpPr>
+          <p:cNvPr id="3" name="Subtitle 2"/>
+          <p:cNvSpPr>
+            <a:spLocks noGrp="1"/>
+          </p:cNvSpPr>
+          <p:nvPr>
+            <p:ph type="subTitle"/>
+          </p:nvPr>
+        </p:nvSpPr>
+        <p:spPr>
+          <a:xfrm>
+            <a:off x="457380" y="879252"/>
+            <a:ext cx="8229240" cy="3384996"/>
+          </a:xfrm>
+        </p:spPr>
+        <p:txBody>
+          <a:bodyPr/>
+          <a:lstStyle/>
+          <a:p>
+            <a:r>
+              <a:rPr lang="en-US" dirty="0" smtClean="0"/>
+              <a:t>Lightweight Directory Services</a:t>
+            </a:r>
+          </a:p>
+          <a:p>
+            <a:endParaRPr lang="en-US" dirty="0" smtClean="0"/>
+          </a:p>
+          <a:p>
+            <a:endParaRPr lang="en-US" dirty="0" smtClean="0"/>
+          </a:p>
+          <a:p>
+            <a:r>
+              <a:rPr lang="en-US" sz="2400" dirty="0" smtClean="0"/>
+              <a:t>It provides a </a:t>
+            </a:r>
+            <a:r>
+              <a:rPr lang="en-US" sz="2400" i="1" dirty="0" smtClean="0"/>
+              <a:t>Data Store</a:t>
+            </a:r>
+            <a:r>
+              <a:rPr lang="en-US" sz="2400" dirty="0" smtClean="0"/>
+              <a:t> for the storage of directory data.</a:t>
+            </a:r>
+          </a:p>
+          <a:p>
+            <a:endParaRPr lang="en-US" dirty="0"/>
+          </a:p>
+        </p:txBody>
+      </p:sp>
+    </p:spTree>
+    <p:extLst>
+      <p:ext uri="{BB962C8B-B14F-4D97-AF65-F5344CB8AC3E}">
+        <p14:creationId xmlns:p14="http://schemas.microsoft.com/office/powerpoint/2010/main" val="4130246716"/>
+      </p:ext>
+    </p:extLst>
+  </p:cSld>
+  <p:clrMapOvr>
+    <a:masterClrMapping/>
+  </p:clrMapOvr>
 </p:sld>
 </file>
 
@@ -8607,31 +10276,31 @@
         <a:sysClr val="window" lastClr="FFFFFF"/>
       </a:lt1>
       <a:dk2>
-        <a:srgbClr val="1f497d"/>
+        <a:srgbClr val="1F497D"/>
       </a:dk2>
       <a:lt2>
-        <a:srgbClr val="eeece1"/>
+        <a:srgbClr val="EEECE1"/>
       </a:lt2>
       <a:accent1>
-        <a:srgbClr val="4f81bd"/>
+        <a:srgbClr val="4F81BD"/>
       </a:accent1>
       <a:accent2>
-        <a:srgbClr val="c0504d"/>
+        <a:srgbClr val="C0504D"/>
       </a:accent2>
       <a:accent3>
-        <a:srgbClr val="9bbb59"/>
+        <a:srgbClr val="9BBB59"/>
       </a:accent3>
       <a:accent4>
-        <a:srgbClr val="8064a2"/>
+        <a:srgbClr val="8064A2"/>
       </a:accent4>
       <a:accent5>
-        <a:srgbClr val="4bacc6"/>
+        <a:srgbClr val="4BACC6"/>
       </a:accent5>
       <a:accent6>
-        <a:srgbClr val="f79646"/>
+        <a:srgbClr val="F79646"/>
       </a:accent6>
       <a:hlink>
-        <a:srgbClr val="0000ff"/>
+        <a:srgbClr val="0000FF"/>
       </a:hlink>
       <a:folHlink>
         <a:srgbClr val="800080"/>
@@ -8819,6 +10488,8 @@
       </a:bgFillStyleLst>
     </a:fmtScheme>
   </a:themeElements>
+  <a:objectDefaults/>
+  <a:extraClrSchemeLst/>
 </a:theme>
 </file>
 
@@ -8833,31 +10504,31 @@
         <a:sysClr val="window" lastClr="FFFFFF"/>
       </a:lt1>
       <a:dk2>
-        <a:srgbClr val="1f497d"/>
+        <a:srgbClr val="1F497D"/>
       </a:dk2>
       <a:lt2>
-        <a:srgbClr val="eeece1"/>
+        <a:srgbClr val="EEECE1"/>
       </a:lt2>
       <a:accent1>
-        <a:srgbClr val="4f81bd"/>
+        <a:srgbClr val="4F81BD"/>
       </a:accent1>
       <a:accent2>
-        <a:srgbClr val="c0504d"/>
+        <a:srgbClr val="C0504D"/>
       </a:accent2>
       <a:accent3>
-        <a:srgbClr val="9bbb59"/>
+        <a:srgbClr val="9BBB59"/>
       </a:accent3>
       <a:accent4>
-        <a:srgbClr val="8064a2"/>
+        <a:srgbClr val="8064A2"/>
       </a:accent4>
       <a:accent5>
-        <a:srgbClr val="4bacc6"/>
+        <a:srgbClr val="4BACC6"/>
       </a:accent5>
       <a:accent6>
-        <a:srgbClr val="f79646"/>
+        <a:srgbClr val="F79646"/>
       </a:accent6>
       <a:hlink>
-        <a:srgbClr val="0000ff"/>
+        <a:srgbClr val="0000FF"/>
       </a:hlink>
       <a:folHlink>
         <a:srgbClr val="800080"/>
@@ -9045,6 +10716,8 @@
       </a:bgFillStyleLst>
     </a:fmtScheme>
   </a:themeElements>
+  <a:objectDefaults/>
+  <a:extraClrSchemeLst/>
 </a:theme>
 </file>
 
@@ -9059,31 +10732,31 @@
         <a:sysClr val="window" lastClr="FFFFFF"/>
       </a:lt1>
       <a:dk2>
-        <a:srgbClr val="1f497d"/>
+        <a:srgbClr val="1F497D"/>
       </a:dk2>
       <a:lt2>
-        <a:srgbClr val="eeece1"/>
+        <a:srgbClr val="EEECE1"/>
       </a:lt2>
       <a:accent1>
-        <a:srgbClr val="4f81bd"/>
+        <a:srgbClr val="4F81BD"/>
       </a:accent1>
       <a:accent2>
-        <a:srgbClr val="c0504d"/>
+        <a:srgbClr val="C0504D"/>
       </a:accent2>
       <a:accent3>
-        <a:srgbClr val="9bbb59"/>
+        <a:srgbClr val="9BBB59"/>
       </a:accent3>
       <a:accent4>
-        <a:srgbClr val="8064a2"/>
+        <a:srgbClr val="8064A2"/>
       </a:accent4>
       <a:accent5>
-        <a:srgbClr val="4bacc6"/>
+        <a:srgbClr val="4BACC6"/>
       </a:accent5>
       <a:accent6>
-        <a:srgbClr val="f79646"/>
+        <a:srgbClr val="F79646"/>
       </a:accent6>
       <a:hlink>
-        <a:srgbClr val="0000ff"/>
+        <a:srgbClr val="0000FF"/>
       </a:hlink>
       <a:folHlink>
         <a:srgbClr val="800080"/>
@@ -9271,6 +10944,8 @@
       </a:bgFillStyleLst>
     </a:fmtScheme>
   </a:themeElements>
+  <a:objectDefaults/>
+  <a:extraClrSchemeLst/>
 </a:theme>
 </file>
 
@@ -9285,31 +10960,31 @@
         <a:sysClr val="window" lastClr="FFFFFF"/>
       </a:lt1>
       <a:dk2>
-        <a:srgbClr val="1f497d"/>
+        <a:srgbClr val="1F497D"/>
       </a:dk2>
       <a:lt2>
-        <a:srgbClr val="eeece1"/>
+        <a:srgbClr val="EEECE1"/>
       </a:lt2>
       <a:accent1>
-        <a:srgbClr val="4f81bd"/>
+        <a:srgbClr val="4F81BD"/>
       </a:accent1>
       <a:accent2>
-        <a:srgbClr val="c0504d"/>
+        <a:srgbClr val="C0504D"/>
       </a:accent2>
       <a:accent3>
-        <a:srgbClr val="9bbb59"/>
+        <a:srgbClr val="9BBB59"/>
       </a:accent3>
       <a:accent4>
-        <a:srgbClr val="8064a2"/>
+        <a:srgbClr val="8064A2"/>
       </a:accent4>
       <a:accent5>
-        <a:srgbClr val="4bacc6"/>
+        <a:srgbClr val="4BACC6"/>
       </a:accent5>
       <a:accent6>
-        <a:srgbClr val="f79646"/>
+        <a:srgbClr val="F79646"/>
       </a:accent6>
       <a:hlink>
-        <a:srgbClr val="0000ff"/>
+        <a:srgbClr val="0000FF"/>
       </a:hlink>
       <a:folHlink>
         <a:srgbClr val="800080"/>
@@ -9497,5 +11172,7 @@
       </a:bgFillStyleLst>
     </a:fmtScheme>
   </a:themeElements>
+  <a:objectDefaults/>
+  <a:extraClrSchemeLst/>
 </a:theme>
 </file>
--- a/active.pptx
+++ b/active.pptx
@@ -10214,7 +10214,7 @@
         </p:nvSpPr>
         <p:spPr>
           <a:xfrm>
-            <a:off x="457380" y="879252"/>
+            <a:off x="358525" y="1678323"/>
             <a:ext cx="8229240" cy="3384996"/>
           </a:xfrm>
         </p:spPr>
@@ -10228,9 +10228,9 @@
             </a:r>
           </a:p>
           <a:p>
-            <a:endParaRPr lang="en-US" dirty="0" smtClean="0"/>
-          </a:p>
-          <a:p>
+            <a:pPr marL="0" indent="0">
+              <a:buNone/>
+            </a:pPr>
             <a:endParaRPr lang="en-US" dirty="0" smtClean="0"/>
           </a:p>
           <a:p>
@@ -10246,6 +10246,19 @@
               <a:rPr lang="en-US" sz="2400" dirty="0" smtClean="0"/>
               <a:t> for the storage of directory data.</a:t>
             </a:r>
+          </a:p>
+          <a:p>
+            <a:endParaRPr lang="en-US" sz="2400" dirty="0"/>
+          </a:p>
+          <a:p>
+            <a:endParaRPr lang="en-US" sz="2400" dirty="0" smtClean="0"/>
+          </a:p>
+          <a:p>
+            <a:r>
+              <a:rPr lang="en-US" sz="1100" dirty="0" smtClean="0"/>
+              <a:t>Mahdi Haidari</a:t>
+            </a:r>
+            <a:endParaRPr lang="en-US" sz="1100" dirty="0" smtClean="0"/>
           </a:p>
           <a:p>
             <a:endParaRPr lang="en-US" dirty="0"/>

--- a/active.pptx
+++ b/active.pptx
@@ -118,6 +118,11 @@
       </a:defRPr>
     </a:lvl9pPr>
   </p:defaultTextStyle>
+  <p:extLst>
+    <p:ext uri="{EFAFB233-063F-42B5-8137-9DF3F51BA10A}">
+      <p15:sldGuideLst xmlns:p15="http://schemas.microsoft.com/office/powerpoint/2012/main"/>
+    </p:ext>
+  </p:extLst>
 </p:presentation>
 </file>
 
@@ -8257,7 +8262,7 @@
     <mc:Choice Requires="p14">
       <p:transition spd="slow" p14:dur="2000"/>
     </mc:Choice>
-    <mc:Fallback xmlns:p15="http://schemas.microsoft.com/office/powerpoint/2012/main" xmlns="">
+    <mc:Fallback xmlns="" xmlns:p15="http://schemas.microsoft.com/office/powerpoint/2012/main">
       <p:transition spd="slow"/>
     </mc:Fallback>
   </mc:AlternateContent>
@@ -8793,7 +8798,7 @@
               <a:buChar char="•"/>
             </a:pPr>
             <a:r>
-              <a:rPr lang="en-US" sz="2800" b="0" strike="noStrike" spc="-1">
+              <a:rPr lang="en-US" sz="2800" b="0" strike="noStrike" spc="-1" dirty="0">
                 <a:solidFill>
                   <a:srgbClr val="002060"/>
                 </a:solidFill>
@@ -8801,7 +8806,7 @@
               </a:rPr>
               <a:t>Mahdi </a:t>
             </a:r>
-            <a:endParaRPr lang="en-US" sz="2800" b="0" strike="noStrike" spc="-1">
+            <a:endParaRPr lang="en-US" sz="2800" b="0" strike="noStrike" spc="-1" dirty="0">
               <a:latin typeface="Arial"/>
             </a:endParaRPr>
           </a:p>
@@ -8820,15 +8825,33 @@
               <a:buChar char="•"/>
             </a:pPr>
             <a:r>
-              <a:rPr lang="en-US" sz="2800" b="0" strike="noStrike" spc="-1">
+              <a:rPr lang="en-US" sz="2800" b="0" strike="noStrike" spc="-1" dirty="0" err="1">
                 <a:solidFill>
                   <a:srgbClr val="002060"/>
                 </a:solidFill>
                 <a:latin typeface="Calibri"/>
               </a:rPr>
-              <a:t>Samiullah Wardak</a:t>
-            </a:r>
-            <a:endParaRPr lang="en-US" sz="2800" b="0" strike="noStrike" spc="-1">
+              <a:t>Samiullah</a:t>
+            </a:r>
+            <a:r>
+              <a:rPr lang="en-US" sz="2800" b="0" strike="noStrike" spc="-1" dirty="0">
+                <a:solidFill>
+                  <a:srgbClr val="002060"/>
+                </a:solidFill>
+                <a:latin typeface="Calibri"/>
+              </a:rPr>
+              <a:t> </a:t>
+            </a:r>
+            <a:r>
+              <a:rPr lang="en-US" sz="2800" b="0" strike="noStrike" spc="-1" dirty="0" err="1">
+                <a:solidFill>
+                  <a:srgbClr val="002060"/>
+                </a:solidFill>
+                <a:latin typeface="Calibri"/>
+              </a:rPr>
+              <a:t>Wardak</a:t>
+            </a:r>
+            <a:endParaRPr lang="en-US" sz="2800" b="0" strike="noStrike" spc="-1" dirty="0">
               <a:latin typeface="Arial"/>
             </a:endParaRPr>
           </a:p>
@@ -8847,15 +8870,33 @@
               <a:buChar char="•"/>
             </a:pPr>
             <a:r>
-              <a:rPr lang="en-US" sz="2800" b="0" strike="noStrike" spc="-1">
+              <a:rPr lang="en-US" sz="2800" b="0" strike="noStrike" spc="-1" dirty="0" err="1">
                 <a:solidFill>
                   <a:srgbClr val="002060"/>
                 </a:solidFill>
                 <a:latin typeface="Calibri"/>
               </a:rPr>
-              <a:t>Atiqullah Hamraz</a:t>
-            </a:r>
-            <a:endParaRPr lang="en-US" sz="2800" b="0" strike="noStrike" spc="-1">
+              <a:t>Atiqullah</a:t>
+            </a:r>
+            <a:r>
+              <a:rPr lang="en-US" sz="2800" b="0" strike="noStrike" spc="-1" dirty="0">
+                <a:solidFill>
+                  <a:srgbClr val="002060"/>
+                </a:solidFill>
+                <a:latin typeface="Calibri"/>
+              </a:rPr>
+              <a:t> </a:t>
+            </a:r>
+            <a:r>
+              <a:rPr lang="en-US" sz="2800" b="0" strike="noStrike" spc="-1" dirty="0" err="1">
+                <a:solidFill>
+                  <a:srgbClr val="002060"/>
+                </a:solidFill>
+                <a:latin typeface="Calibri"/>
+              </a:rPr>
+              <a:t>Hamraz</a:t>
+            </a:r>
+            <a:endParaRPr lang="en-US" sz="2800" b="0" strike="noStrike" spc="-1" dirty="0">
               <a:latin typeface="Arial"/>
             </a:endParaRPr>
           </a:p>
@@ -8874,15 +8915,60 @@
               <a:buChar char="•"/>
             </a:pPr>
             <a:r>
-              <a:rPr lang="en-US" sz="2800" b="0" strike="noStrike" spc="-1">
+              <a:rPr lang="en-US" sz="2800" b="0" strike="noStrike" spc="-1" dirty="0">
                 <a:solidFill>
                   <a:srgbClr val="002060"/>
                 </a:solidFill>
                 <a:latin typeface="Calibri"/>
               </a:rPr>
-              <a:t>Baha-ul-haq Sharifi</a:t>
-            </a:r>
-            <a:endParaRPr lang="en-US" sz="2800" b="0" strike="noStrike" spc="-1">
+              <a:t>Baha-</a:t>
+            </a:r>
+            <a:r>
+              <a:rPr lang="en-US" sz="2800" b="0" strike="noStrike" spc="-1" dirty="0" err="1">
+                <a:solidFill>
+                  <a:srgbClr val="002060"/>
+                </a:solidFill>
+                <a:latin typeface="Calibri"/>
+              </a:rPr>
+              <a:t>ul</a:t>
+            </a:r>
+            <a:r>
+              <a:rPr lang="en-US" sz="2800" b="0" strike="noStrike" spc="-1" dirty="0">
+                <a:solidFill>
+                  <a:srgbClr val="002060"/>
+                </a:solidFill>
+                <a:latin typeface="Calibri"/>
+              </a:rPr>
+              <a:t>-</a:t>
+            </a:r>
+            <a:r>
+              <a:rPr lang="en-US" sz="2800" b="0" strike="noStrike" spc="-1" dirty="0" err="1">
+                <a:solidFill>
+                  <a:srgbClr val="002060"/>
+                </a:solidFill>
+                <a:latin typeface="Calibri"/>
+              </a:rPr>
+              <a:t>haq</a:t>
+            </a:r>
+            <a:r>
+              <a:rPr lang="en-US" sz="2800" b="0" strike="noStrike" spc="-1" dirty="0">
+                <a:solidFill>
+                  <a:srgbClr val="002060"/>
+                </a:solidFill>
+                <a:latin typeface="Calibri"/>
+              </a:rPr>
+              <a:t> </a:t>
+            </a:r>
+            <a:r>
+              <a:rPr lang="en-US" sz="2800" b="0" strike="noStrike" spc="-1" dirty="0" err="1">
+                <a:solidFill>
+                  <a:srgbClr val="002060"/>
+                </a:solidFill>
+                <a:latin typeface="Calibri"/>
+              </a:rPr>
+              <a:t>Sharifi</a:t>
+            </a:r>
+            <a:endParaRPr lang="en-US" sz="2800" b="0" strike="noStrike" spc="-1" dirty="0">
               <a:latin typeface="Arial"/>
             </a:endParaRPr>
           </a:p>
@@ -8901,15 +8987,33 @@
               <a:buChar char="•"/>
             </a:pPr>
             <a:r>
-              <a:rPr lang="en-US" sz="2800" b="0" strike="noStrike" spc="-1">
+              <a:rPr lang="en-US" sz="2800" b="0" strike="noStrike" spc="-1" dirty="0" err="1">
                 <a:solidFill>
                   <a:srgbClr val="002060"/>
                 </a:solidFill>
                 <a:latin typeface="Calibri"/>
               </a:rPr>
-              <a:t>Hedayatullah Nekzad</a:t>
-            </a:r>
-            <a:endParaRPr lang="en-US" sz="2800" b="0" strike="noStrike" spc="-1">
+              <a:t>Hedayatullah</a:t>
+            </a:r>
+            <a:r>
+              <a:rPr lang="en-US" sz="2800" b="0" strike="noStrike" spc="-1" dirty="0">
+                <a:solidFill>
+                  <a:srgbClr val="002060"/>
+                </a:solidFill>
+                <a:latin typeface="Calibri"/>
+              </a:rPr>
+              <a:t> </a:t>
+            </a:r>
+            <a:r>
+              <a:rPr lang="en-US" sz="2800" b="0" strike="noStrike" spc="-1" smtClean="0">
+                <a:solidFill>
+                  <a:srgbClr val="002060"/>
+                </a:solidFill>
+                <a:latin typeface="Calibri"/>
+              </a:rPr>
+              <a:t>Nikzad</a:t>
+            </a:r>
+            <a:endParaRPr lang="en-US" sz="2800" b="0" strike="noStrike" spc="-1" dirty="0">
               <a:latin typeface="Arial"/>
             </a:endParaRPr>
           </a:p>
@@ -8922,7 +9026,7 @@
                 <a:spcPts val="561"/>
               </a:spcBef>
             </a:pPr>
-            <a:endParaRPr lang="en-US" sz="2800" b="0" strike="noStrike" spc="-1">
+            <a:endParaRPr lang="en-US" sz="2800" b="0" strike="noStrike" spc="-1" dirty="0">
               <a:latin typeface="Arial"/>
             </a:endParaRPr>
           </a:p>
@@ -8935,7 +9039,7 @@
                 <a:spcPts val="561"/>
               </a:spcBef>
             </a:pPr>
-            <a:endParaRPr lang="en-US" sz="2800" b="0" strike="noStrike" spc="-1">
+            <a:endParaRPr lang="en-US" sz="2800" b="0" strike="noStrike" spc="-1" dirty="0">
               <a:latin typeface="Arial"/>
             </a:endParaRPr>
           </a:p>
@@ -8948,7 +9052,7 @@
                 <a:spcPts val="561"/>
               </a:spcBef>
             </a:pPr>
-            <a:endParaRPr lang="en-US" sz="2800" b="0" strike="noStrike" spc="-1">
+            <a:endParaRPr lang="en-US" sz="2800" b="0" strike="noStrike" spc="-1" dirty="0">
               <a:latin typeface="Arial"/>
             </a:endParaRPr>
           </a:p>
@@ -8963,7 +9067,7 @@
     <mc:Choice Requires="p14">
       <p:transition spd="slow" p14:dur="2000"/>
     </mc:Choice>
-    <mc:Fallback xmlns:p15="http://schemas.microsoft.com/office/powerpoint/2012/main" xmlns="">
+    <mc:Fallback xmlns="" xmlns:p15="http://schemas.microsoft.com/office/powerpoint/2012/main">
       <p:transition spd="slow"/>
     </mc:Fallback>
   </mc:AlternateContent>
@@ -9208,7 +9312,7 @@
     <mc:Choice Requires="p14">
       <p:transition spd="slow" p14:dur="2000"/>
     </mc:Choice>
-    <mc:Fallback xmlns:p15="http://schemas.microsoft.com/office/powerpoint/2012/main" xmlns="">
+    <mc:Fallback xmlns="" xmlns:p15="http://schemas.microsoft.com/office/powerpoint/2012/main">
       <p:transition spd="slow"/>
     </mc:Fallback>
   </mc:AlternateContent>
@@ -9430,7 +9534,7 @@
     <mc:Choice Requires="p14">
       <p:transition spd="slow" p14:dur="2000"/>
     </mc:Choice>
-    <mc:Fallback xmlns:p15="http://schemas.microsoft.com/office/powerpoint/2012/main" xmlns="">
+    <mc:Fallback xmlns="" xmlns:p15="http://schemas.microsoft.com/office/powerpoint/2012/main">
       <p:transition spd="slow"/>
     </mc:Fallback>
   </mc:AlternateContent>
@@ -9699,7 +9803,7 @@
     <mc:Choice Requires="p14">
       <p:transition spd="slow" p14:dur="2000"/>
     </mc:Choice>
-    <mc:Fallback xmlns:p15="http://schemas.microsoft.com/office/powerpoint/2012/main" xmlns="">
+    <mc:Fallback xmlns="" xmlns:p15="http://schemas.microsoft.com/office/powerpoint/2012/main">
       <p:transition spd="slow"/>
     </mc:Fallback>
   </mc:AlternateContent>
@@ -10013,7 +10117,7 @@
     <mc:Choice Requires="p14">
       <p:transition spd="slow" p14:dur="2000"/>
     </mc:Choice>
-    <mc:Fallback xmlns:p15="http://schemas.microsoft.com/office/powerpoint/2012/main" xmlns="">
+    <mc:Fallback xmlns="" xmlns:p15="http://schemas.microsoft.com/office/powerpoint/2012/main">
       <p:transition spd="slow"/>
     </mc:Fallback>
   </mc:AlternateContent>
@@ -10287,7 +10391,7 @@
     <mc:Choice Requires="p14">
       <p:transition spd="slow" p14:dur="2000"/>
     </mc:Choice>
-    <mc:Fallback xmlns:p15="http://schemas.microsoft.com/office/powerpoint/2012/main" xmlns="">
+    <mc:Fallback xmlns="" xmlns:p15="http://schemas.microsoft.com/office/powerpoint/2012/main">
       <p:transition spd="slow"/>
     </mc:Fallback>
   </mc:AlternateContent>
@@ -10569,7 +10673,7 @@
     <mc:Choice Requires="p14">
       <p:transition spd="slow" p14:dur="2000"/>
     </mc:Choice>
-    <mc:Fallback xmlns:p15="http://schemas.microsoft.com/office/powerpoint/2012/main" xmlns="">
+    <mc:Fallback xmlns="" xmlns:p15="http://schemas.microsoft.com/office/powerpoint/2012/main">
       <p:transition spd="slow"/>
     </mc:Fallback>
   </mc:AlternateContent>

--- a/active.pptx
+++ b/active.pptx
@@ -8262,7 +8262,7 @@
     <mc:Choice Requires="p14">
       <p:transition spd="slow" p14:dur="2000"/>
     </mc:Choice>
-    <mc:Fallback xmlns="" xmlns:p15="http://schemas.microsoft.com/office/powerpoint/2012/main">
+    <mc:Fallback xmlns:p15="http://schemas.microsoft.com/office/powerpoint/2012/main" xmlns="">
       <p:transition spd="slow"/>
     </mc:Fallback>
   </mc:AlternateContent>
@@ -8987,16 +8987,16 @@
               <a:buChar char="•"/>
             </a:pPr>
             <a:r>
-              <a:rPr lang="en-US" sz="2800" b="0" strike="noStrike" spc="-1" dirty="0" err="1">
+              <a:rPr lang="en-US" sz="2800" b="0" strike="noStrike" spc="-1" smtClean="0">
                 <a:solidFill>
                   <a:srgbClr val="002060"/>
                 </a:solidFill>
                 <a:latin typeface="Calibri"/>
               </a:rPr>
-              <a:t>Hedayatullah</a:t>
-            </a:r>
-            <a:r>
-              <a:rPr lang="en-US" sz="2800" b="0" strike="noStrike" spc="-1" dirty="0">
+              <a:t>Hidayatullah</a:t>
+            </a:r>
+            <a:r>
+              <a:rPr lang="en-US" sz="2800" b="0" strike="noStrike" spc="-1" dirty="0" smtClean="0">
                 <a:solidFill>
                   <a:srgbClr val="002060"/>
                 </a:solidFill>
@@ -9005,7 +9005,7 @@
               <a:t> </a:t>
             </a:r>
             <a:r>
-              <a:rPr lang="en-US" sz="2800" b="0" strike="noStrike" spc="-1" smtClean="0">
+              <a:rPr lang="en-US" sz="2800" b="0" strike="noStrike" spc="-1" dirty="0" err="1" smtClean="0">
                 <a:solidFill>
                   <a:srgbClr val="002060"/>
                 </a:solidFill>
@@ -9067,7 +9067,7 @@
     <mc:Choice Requires="p14">
       <p:transition spd="slow" p14:dur="2000"/>
     </mc:Choice>
-    <mc:Fallback xmlns="" xmlns:p15="http://schemas.microsoft.com/office/powerpoint/2012/main">
+    <mc:Fallback xmlns:p15="http://schemas.microsoft.com/office/powerpoint/2012/main" xmlns="">
       <p:transition spd="slow"/>
     </mc:Fallback>
   </mc:AlternateContent>
@@ -9312,7 +9312,7 @@
     <mc:Choice Requires="p14">
       <p:transition spd="slow" p14:dur="2000"/>
     </mc:Choice>
-    <mc:Fallback xmlns="" xmlns:p15="http://schemas.microsoft.com/office/powerpoint/2012/main">
+    <mc:Fallback xmlns:p15="http://schemas.microsoft.com/office/powerpoint/2012/main" xmlns="">
       <p:transition spd="slow"/>
     </mc:Fallback>
   </mc:AlternateContent>
@@ -9534,7 +9534,7 @@
     <mc:Choice Requires="p14">
       <p:transition spd="slow" p14:dur="2000"/>
     </mc:Choice>
-    <mc:Fallback xmlns="" xmlns:p15="http://schemas.microsoft.com/office/powerpoint/2012/main">
+    <mc:Fallback xmlns:p15="http://schemas.microsoft.com/office/powerpoint/2012/main" xmlns="">
       <p:transition spd="slow"/>
     </mc:Fallback>
   </mc:AlternateContent>
@@ -9803,7 +9803,7 @@
     <mc:Choice Requires="p14">
       <p:transition spd="slow" p14:dur="2000"/>
     </mc:Choice>
-    <mc:Fallback xmlns="" xmlns:p15="http://schemas.microsoft.com/office/powerpoint/2012/main">
+    <mc:Fallback xmlns:p15="http://schemas.microsoft.com/office/powerpoint/2012/main" xmlns="">
       <p:transition spd="slow"/>
     </mc:Fallback>
   </mc:AlternateContent>
@@ -10117,7 +10117,7 @@
     <mc:Choice Requires="p14">
       <p:transition spd="slow" p14:dur="2000"/>
     </mc:Choice>
-    <mc:Fallback xmlns="" xmlns:p15="http://schemas.microsoft.com/office/powerpoint/2012/main">
+    <mc:Fallback xmlns:p15="http://schemas.microsoft.com/office/powerpoint/2012/main" xmlns="">
       <p:transition spd="slow"/>
     </mc:Fallback>
   </mc:AlternateContent>
@@ -10391,7 +10391,7 @@
     <mc:Choice Requires="p14">
       <p:transition spd="slow" p14:dur="2000"/>
     </mc:Choice>
-    <mc:Fallback xmlns="" xmlns:p15="http://schemas.microsoft.com/office/powerpoint/2012/main">
+    <mc:Fallback xmlns:p15="http://schemas.microsoft.com/office/powerpoint/2012/main" xmlns="">
       <p:transition spd="slow"/>
     </mc:Fallback>
   </mc:AlternateContent>
@@ -10673,7 +10673,7 @@
     <mc:Choice Requires="p14">
       <p:transition spd="slow" p14:dur="2000"/>
     </mc:Choice>
-    <mc:Fallback xmlns="" xmlns:p15="http://schemas.microsoft.com/office/powerpoint/2012/main">
+    <mc:Fallback xmlns:p15="http://schemas.microsoft.com/office/powerpoint/2012/main" xmlns="">
       <p:transition spd="slow"/>
     </mc:Fallback>
   </mc:AlternateContent>

--- a/active.pptx
+++ b/active.pptx
@@ -8987,13 +8987,22 @@
               <a:buChar char="•"/>
             </a:pPr>
             <a:r>
-              <a:rPr lang="en-US" sz="2800" b="0" strike="noStrike" spc="-1" smtClean="0">
+              <a:rPr lang="en-US" sz="2800" spc="-1" dirty="0" err="1" smtClean="0">
                 <a:solidFill>
                   <a:srgbClr val="002060"/>
                 </a:solidFill>
                 <a:latin typeface="Calibri"/>
               </a:rPr>
-              <a:t>Hidayatullah</a:t>
+              <a:t>Hi</a:t>
+            </a:r>
+            <a:r>
+              <a:rPr lang="en-US" sz="2800" b="0" strike="noStrike" spc="-1" dirty="0" err="1" smtClean="0">
+                <a:solidFill>
+                  <a:srgbClr val="002060"/>
+                </a:solidFill>
+                <a:latin typeface="Calibri"/>
+              </a:rPr>
+              <a:t>dayatullah</a:t>
             </a:r>
             <a:r>
               <a:rPr lang="en-US" sz="2800" b="0" strike="noStrike" spc="-1" dirty="0" smtClean="0">
@@ -9005,6 +9014,15 @@
               <a:t> </a:t>
             </a:r>
             <a:r>
+              <a:rPr lang="en-US" sz="2800" b="0" strike="noStrike" spc="-1" smtClean="0">
+                <a:solidFill>
+                  <a:srgbClr val="002060"/>
+                </a:solidFill>
+                <a:latin typeface="Calibri"/>
+              </a:rPr>
+              <a:t>jan </a:t>
+            </a:r>
+            <a:r>
               <a:rPr lang="en-US" sz="2800" b="0" strike="noStrike" spc="-1" dirty="0" err="1" smtClean="0">
                 <a:solidFill>
                   <a:srgbClr val="002060"/>
@@ -9012,6 +9030,15 @@
                 <a:latin typeface="Calibri"/>
               </a:rPr>
               <a:t>Nikzad</a:t>
+            </a:r>
+            <a:r>
+              <a:rPr lang="en-US" sz="2800" b="0" strike="noStrike" spc="-1" dirty="0" smtClean="0">
+                <a:solidFill>
+                  <a:srgbClr val="002060"/>
+                </a:solidFill>
+                <a:latin typeface="Calibri"/>
+              </a:rPr>
+              <a:t> </a:t>
             </a:r>
             <a:endParaRPr lang="en-US" sz="2800" b="0" strike="noStrike" spc="-1" dirty="0">
               <a:latin typeface="Arial"/>

--- a/active.pptx
+++ b/active.pptx
@@ -9005,22 +9005,13 @@
               <a:t>dayatullah</a:t>
             </a:r>
             <a:r>
-              <a:rPr lang="en-US" sz="2800" b="0" strike="noStrike" spc="-1" dirty="0" smtClean="0">
-                <a:solidFill>
-                  <a:srgbClr val="002060"/>
-                </a:solidFill>
-                <a:latin typeface="Calibri"/>
-              </a:rPr>
-              <a:t> </a:t>
-            </a:r>
-            <a:r>
               <a:rPr lang="en-US" sz="2800" b="0" strike="noStrike" spc="-1" smtClean="0">
                 <a:solidFill>
                   <a:srgbClr val="002060"/>
                 </a:solidFill>
                 <a:latin typeface="Calibri"/>
               </a:rPr>
-              <a:t>jan </a:t>
+              <a:t> j </a:t>
             </a:r>
             <a:r>
               <a:rPr lang="en-US" sz="2800" b="0" strike="noStrike" spc="-1" dirty="0" err="1" smtClean="0">

--- a/active.pptx
+++ b/active.pptx
@@ -1,31 +1,142 @@
 
 <file path=ppt/presentation.xml><?xml version="1.0" encoding="utf-8"?>
-<p:presentation xmlns:a="http://schemas.openxmlformats.org/drawingml/2006/main" xmlns:p="http://schemas.openxmlformats.org/presentationml/2006/main" xmlns:r="http://schemas.openxmlformats.org/officeDocument/2006/relationships" xmlns:p14="http://schemas.microsoft.com/office/powerpoint/2010/main" xmlns:p15="http://schemas.microsoft.com/office/powerpoint/2012/main" xmlns:mc="http://schemas.openxmlformats.org/markup-compatibility/2006">
+<p:presentation xmlns:a="http://schemas.openxmlformats.org/drawingml/2006/main" xmlns:r="http://schemas.openxmlformats.org/officeDocument/2006/relationships" xmlns:p="http://schemas.openxmlformats.org/presentationml/2006/main">
   <p:sldMasterIdLst>
-    <p:sldMasterId id="2147483648" r:id="rId2"/>
-    <p:sldMasterId id="2147483661" r:id="rId3"/>
-    <p:sldMasterId id="2147483674" r:id="rId4"/>
-    <p:sldMasterId id="2147483687" r:id="rId5"/>
-    <p:sldMasterId id="2147483700" r:id="rId6"/>
+    <p:sldMasterId id="2147483648" r:id="rId1"/>
+    <p:sldMasterId id="2147483661" r:id="rId2"/>
+    <p:sldMasterId id="2147483674" r:id="rId3"/>
+    <p:sldMasterId id="2147483687" r:id="rId4"/>
+    <p:sldMasterId id="2147483700" r:id="rId5"/>
   </p:sldMasterIdLst>
   <p:sldIdLst>
-    <p:sldId id="256" r:id="rId7"/>
-    <p:sldId id="257" r:id="rId8"/>
-    <p:sldId id="258" r:id="rId9"/>
-    <p:sldId id="259" r:id="rId10"/>
-    <p:sldId id="260" r:id="rId11"/>
-    <p:sldId id="261" r:id="rId12"/>
-    <p:sldId id="262" r:id="rId13"/>
-    <p:sldId id="263" r:id="rId14"/>
-    <p:sldId id="264" r:id="rId15"/>
+    <p:sldId id="256" r:id="rId6"/>
+    <p:sldId id="257" r:id="rId7"/>
+    <p:sldId id="258" r:id="rId8"/>
+    <p:sldId id="259" r:id="rId9"/>
+    <p:sldId id="260" r:id="rId10"/>
+    <p:sldId id="261" r:id="rId11"/>
+    <p:sldId id="262" r:id="rId12"/>
+    <p:sldId id="263" r:id="rId13"/>
+    <p:sldId id="264" r:id="rId14"/>
   </p:sldIdLst>
-  <p:sldSz cx="9144000" cy="5143500"/>
-  <p:notesSz cx="7559675" cy="10691812"/>
+  <p:sldSz cx="9144000" cy="5143500" type="screen16x9"/>
+  <p:notesSz cx="7559675" cy="10691813"/>
+  <p:defaultTextStyle>
+    <a:defPPr>
+      <a:defRPr lang="en-US"/>
+    </a:defPPr>
+    <a:lvl1pPr marL="0" algn="l" defTabSz="914400" rtl="0" eaLnBrk="1" latinLnBrk="0" hangingPunct="1">
+      <a:defRPr sz="1800" kern="1200">
+        <a:solidFill>
+          <a:schemeClr val="tx1"/>
+        </a:solidFill>
+        <a:latin typeface="+mn-lt"/>
+        <a:ea typeface="+mn-ea"/>
+        <a:cs typeface="+mn-cs"/>
+      </a:defRPr>
+    </a:lvl1pPr>
+    <a:lvl2pPr marL="457200" algn="l" defTabSz="914400" rtl="0" eaLnBrk="1" latinLnBrk="0" hangingPunct="1">
+      <a:defRPr sz="1800" kern="1200">
+        <a:solidFill>
+          <a:schemeClr val="tx1"/>
+        </a:solidFill>
+        <a:latin typeface="+mn-lt"/>
+        <a:ea typeface="+mn-ea"/>
+        <a:cs typeface="+mn-cs"/>
+      </a:defRPr>
+    </a:lvl2pPr>
+    <a:lvl3pPr marL="914400" algn="l" defTabSz="914400" rtl="0" eaLnBrk="1" latinLnBrk="0" hangingPunct="1">
+      <a:defRPr sz="1800" kern="1200">
+        <a:solidFill>
+          <a:schemeClr val="tx1"/>
+        </a:solidFill>
+        <a:latin typeface="+mn-lt"/>
+        <a:ea typeface="+mn-ea"/>
+        <a:cs typeface="+mn-cs"/>
+      </a:defRPr>
+    </a:lvl3pPr>
+    <a:lvl4pPr marL="1371600" algn="l" defTabSz="914400" rtl="0" eaLnBrk="1" latinLnBrk="0" hangingPunct="1">
+      <a:defRPr sz="1800" kern="1200">
+        <a:solidFill>
+          <a:schemeClr val="tx1"/>
+        </a:solidFill>
+        <a:latin typeface="+mn-lt"/>
+        <a:ea typeface="+mn-ea"/>
+        <a:cs typeface="+mn-cs"/>
+      </a:defRPr>
+    </a:lvl4pPr>
+    <a:lvl5pPr marL="1828800" algn="l" defTabSz="914400" rtl="0" eaLnBrk="1" latinLnBrk="0" hangingPunct="1">
+      <a:defRPr sz="1800" kern="1200">
+        <a:solidFill>
+          <a:schemeClr val="tx1"/>
+        </a:solidFill>
+        <a:latin typeface="+mn-lt"/>
+        <a:ea typeface="+mn-ea"/>
+        <a:cs typeface="+mn-cs"/>
+      </a:defRPr>
+    </a:lvl5pPr>
+    <a:lvl6pPr marL="2286000" algn="l" defTabSz="914400" rtl="0" eaLnBrk="1" latinLnBrk="0" hangingPunct="1">
+      <a:defRPr sz="1800" kern="1200">
+        <a:solidFill>
+          <a:schemeClr val="tx1"/>
+        </a:solidFill>
+        <a:latin typeface="+mn-lt"/>
+        <a:ea typeface="+mn-ea"/>
+        <a:cs typeface="+mn-cs"/>
+      </a:defRPr>
+    </a:lvl6pPr>
+    <a:lvl7pPr marL="2743200" algn="l" defTabSz="914400" rtl="0" eaLnBrk="1" latinLnBrk="0" hangingPunct="1">
+      <a:defRPr sz="1800" kern="1200">
+        <a:solidFill>
+          <a:schemeClr val="tx1"/>
+        </a:solidFill>
+        <a:latin typeface="+mn-lt"/>
+        <a:ea typeface="+mn-ea"/>
+        <a:cs typeface="+mn-cs"/>
+      </a:defRPr>
+    </a:lvl7pPr>
+    <a:lvl8pPr marL="3200400" algn="l" defTabSz="914400" rtl="0" eaLnBrk="1" latinLnBrk="0" hangingPunct="1">
+      <a:defRPr sz="1800" kern="1200">
+        <a:solidFill>
+          <a:schemeClr val="tx1"/>
+        </a:solidFill>
+        <a:latin typeface="+mn-lt"/>
+        <a:ea typeface="+mn-ea"/>
+        <a:cs typeface="+mn-cs"/>
+      </a:defRPr>
+    </a:lvl8pPr>
+    <a:lvl9pPr marL="3657600" algn="l" defTabSz="914400" rtl="0" eaLnBrk="1" latinLnBrk="0" hangingPunct="1">
+      <a:defRPr sz="1800" kern="1200">
+        <a:solidFill>
+          <a:schemeClr val="tx1"/>
+        </a:solidFill>
+        <a:latin typeface="+mn-lt"/>
+        <a:ea typeface="+mn-ea"/>
+        <a:cs typeface="+mn-cs"/>
+      </a:defRPr>
+    </a:lvl9pPr>
+  </p:defaultTextStyle>
+  <p:extLst>
+    <p:ext uri="{EFAFB233-063F-42B5-8137-9DF3F51BA10A}">
+      <p15:sldGuideLst xmlns:p15="http://schemas.microsoft.com/office/powerpoint/2012/main">
+        <p15:guide id="1" orient="horz" pos="1620" userDrawn="1">
+          <p15:clr>
+            <a:srgbClr val="A4A3A4"/>
+          </p15:clr>
+        </p15:guide>
+        <p15:guide id="2" pos="2880" userDrawn="1">
+          <p15:clr>
+            <a:srgbClr val="A4A3A4"/>
+          </p15:clr>
+        </p15:guide>
+      </p15:sldGuideLst>
+    </p:ext>
+  </p:extLst>
 </p:presentation>
 </file>
 
 <file path=ppt/slideLayouts/slideLayout1.xml><?xml version="1.0" encoding="utf-8"?>
-<p:sldLayout xmlns:a="http://schemas.openxmlformats.org/drawingml/2006/main" xmlns:p="http://schemas.openxmlformats.org/presentationml/2006/main" xmlns:r="http://schemas.openxmlformats.org/officeDocument/2006/relationships" xmlns:p14="http://schemas.microsoft.com/office/powerpoint/2010/main" xmlns:p15="http://schemas.microsoft.com/office/powerpoint/2012/main" xmlns:mc="http://schemas.openxmlformats.org/markup-compatibility/2006" type="blank" preserve="1">
+<p:sldLayout xmlns:a="http://schemas.openxmlformats.org/drawingml/2006/main" xmlns:r="http://schemas.openxmlformats.org/officeDocument/2006/relationships" xmlns:p="http://schemas.openxmlformats.org/presentationml/2006/main" type="blank" preserve="1">
   <p:cSld name="Blank Slide">
     <p:spTree>
       <p:nvGrpSpPr>
@@ -43,11 +154,14 @@
       </p:grpSpPr>
     </p:spTree>
   </p:cSld>
+  <p:clrMapOvr>
+    <a:masterClrMapping/>
+  </p:clrMapOvr>
 </p:sldLayout>
 </file>
 
 <file path=ppt/slideLayouts/slideLayout10.xml><?xml version="1.0" encoding="utf-8"?>
-<p:sldLayout xmlns:a="http://schemas.openxmlformats.org/drawingml/2006/main" xmlns:p="http://schemas.openxmlformats.org/presentationml/2006/main" xmlns:r="http://schemas.openxmlformats.org/officeDocument/2006/relationships" xmlns:p14="http://schemas.microsoft.com/office/powerpoint/2010/main" xmlns:p15="http://schemas.microsoft.com/office/powerpoint/2012/main" xmlns:mc="http://schemas.openxmlformats.org/markup-compatibility/2006" type="objOverTx" preserve="1">
+<p:sldLayout xmlns:a="http://schemas.openxmlformats.org/drawingml/2006/main" xmlns:r="http://schemas.openxmlformats.org/officeDocument/2006/relationships" xmlns:p="http://schemas.openxmlformats.org/presentationml/2006/main" type="objOverTx" preserve="1">
   <p:cSld name="Title, Content over Content">
     <p:spTree>
       <p:nvGrpSpPr>
@@ -83,11 +197,12 @@
           </a:prstGeom>
         </p:spPr>
         <p:txBody>
-          <a:bodyPr lIns="0" rIns="0" tIns="0" bIns="0" anchor="ctr">
+          <a:bodyPr lIns="0" tIns="0" rIns="0" bIns="0" anchor="ctr">
             <a:noAutofit/>
           </a:bodyPr>
-          <a:p>
-            <a:endParaRPr b="0" lang="en-US" sz="1800" spc="-1" strike="noStrike">
+          <a:lstStyle/>
+          <a:p>
+            <a:endParaRPr lang="en-US" sz="1800" b="0" strike="noStrike" spc="-1">
               <a:solidFill>
                 <a:srgbClr val="000000"/>
               </a:solidFill>
@@ -116,11 +231,12 @@
           </a:prstGeom>
         </p:spPr>
         <p:txBody>
-          <a:bodyPr lIns="0" rIns="0" tIns="0" bIns="0">
+          <a:bodyPr lIns="0" tIns="0" rIns="0" bIns="0">
             <a:normAutofit/>
           </a:bodyPr>
-          <a:p>
-            <a:endParaRPr b="0" lang="en-US" sz="2800" spc="-1" strike="noStrike">
+          <a:lstStyle/>
+          <a:p>
+            <a:endParaRPr lang="en-US" sz="2800" b="0" strike="noStrike" spc="-1">
               <a:solidFill>
                 <a:srgbClr val="000000"/>
               </a:solidFill>
@@ -149,11 +265,12 @@
           </a:prstGeom>
         </p:spPr>
         <p:txBody>
-          <a:bodyPr lIns="0" rIns="0" tIns="0" bIns="0">
+          <a:bodyPr lIns="0" tIns="0" rIns="0" bIns="0">
             <a:normAutofit/>
           </a:bodyPr>
-          <a:p>
-            <a:endParaRPr b="0" lang="en-US" sz="2800" spc="-1" strike="noStrike">
+          <a:lstStyle/>
+          <a:p>
+            <a:endParaRPr lang="en-US" sz="2800" b="0" strike="noStrike" spc="-1">
               <a:solidFill>
                 <a:srgbClr val="000000"/>
               </a:solidFill>
@@ -164,11 +281,14 @@
       </p:sp>
     </p:spTree>
   </p:cSld>
+  <p:clrMapOvr>
+    <a:masterClrMapping/>
+  </p:clrMapOvr>
 </p:sldLayout>
 </file>
 
 <file path=ppt/slideLayouts/slideLayout11.xml><?xml version="1.0" encoding="utf-8"?>
-<p:sldLayout xmlns:a="http://schemas.openxmlformats.org/drawingml/2006/main" xmlns:p="http://schemas.openxmlformats.org/presentationml/2006/main" xmlns:r="http://schemas.openxmlformats.org/officeDocument/2006/relationships" xmlns:p14="http://schemas.microsoft.com/office/powerpoint/2010/main" xmlns:p15="http://schemas.microsoft.com/office/powerpoint/2012/main" xmlns:mc="http://schemas.openxmlformats.org/markup-compatibility/2006" type="fourObj" preserve="1">
+<p:sldLayout xmlns:a="http://schemas.openxmlformats.org/drawingml/2006/main" xmlns:r="http://schemas.openxmlformats.org/officeDocument/2006/relationships" xmlns:p="http://schemas.openxmlformats.org/presentationml/2006/main" type="fourObj" preserve="1">
   <p:cSld name="Title, 4 Content">
     <p:spTree>
       <p:nvGrpSpPr>
@@ -204,11 +324,12 @@
           </a:prstGeom>
         </p:spPr>
         <p:txBody>
-          <a:bodyPr lIns="0" rIns="0" tIns="0" bIns="0" anchor="ctr">
+          <a:bodyPr lIns="0" tIns="0" rIns="0" bIns="0" anchor="ctr">
             <a:noAutofit/>
           </a:bodyPr>
-          <a:p>
-            <a:endParaRPr b="0" lang="en-US" sz="1800" spc="-1" strike="noStrike">
+          <a:lstStyle/>
+          <a:p>
+            <a:endParaRPr lang="en-US" sz="1800" b="0" strike="noStrike" spc="-1">
               <a:solidFill>
                 <a:srgbClr val="000000"/>
               </a:solidFill>
@@ -237,11 +358,12 @@
           </a:prstGeom>
         </p:spPr>
         <p:txBody>
-          <a:bodyPr lIns="0" rIns="0" tIns="0" bIns="0">
+          <a:bodyPr lIns="0" tIns="0" rIns="0" bIns="0">
             <a:normAutofit/>
           </a:bodyPr>
-          <a:p>
-            <a:endParaRPr b="0" lang="en-US" sz="2800" spc="-1" strike="noStrike">
+          <a:lstStyle/>
+          <a:p>
+            <a:endParaRPr lang="en-US" sz="2800" b="0" strike="noStrike" spc="-1">
               <a:solidFill>
                 <a:srgbClr val="000000"/>
               </a:solidFill>
@@ -270,11 +392,12 @@
           </a:prstGeom>
         </p:spPr>
         <p:txBody>
-          <a:bodyPr lIns="0" rIns="0" tIns="0" bIns="0">
+          <a:bodyPr lIns="0" tIns="0" rIns="0" bIns="0">
             <a:normAutofit/>
           </a:bodyPr>
-          <a:p>
-            <a:endParaRPr b="0" lang="en-US" sz="2800" spc="-1" strike="noStrike">
+          <a:lstStyle/>
+          <a:p>
+            <a:endParaRPr lang="en-US" sz="2800" b="0" strike="noStrike" spc="-1">
               <a:solidFill>
                 <a:srgbClr val="000000"/>
               </a:solidFill>
@@ -303,11 +426,12 @@
           </a:prstGeom>
         </p:spPr>
         <p:txBody>
-          <a:bodyPr lIns="0" rIns="0" tIns="0" bIns="0">
+          <a:bodyPr lIns="0" tIns="0" rIns="0" bIns="0">
             <a:normAutofit/>
           </a:bodyPr>
-          <a:p>
-            <a:endParaRPr b="0" lang="en-US" sz="2800" spc="-1" strike="noStrike">
+          <a:lstStyle/>
+          <a:p>
+            <a:endParaRPr lang="en-US" sz="2800" b="0" strike="noStrike" spc="-1">
               <a:solidFill>
                 <a:srgbClr val="000000"/>
               </a:solidFill>
@@ -336,11 +460,12 @@
           </a:prstGeom>
         </p:spPr>
         <p:txBody>
-          <a:bodyPr lIns="0" rIns="0" tIns="0" bIns="0">
+          <a:bodyPr lIns="0" tIns="0" rIns="0" bIns="0">
             <a:normAutofit/>
           </a:bodyPr>
-          <a:p>
-            <a:endParaRPr b="0" lang="en-US" sz="2800" spc="-1" strike="noStrike">
+          <a:lstStyle/>
+          <a:p>
+            <a:endParaRPr lang="en-US" sz="2800" b="0" strike="noStrike" spc="-1">
               <a:solidFill>
                 <a:srgbClr val="000000"/>
               </a:solidFill>
@@ -351,11 +476,14 @@
       </p:sp>
     </p:spTree>
   </p:cSld>
+  <p:clrMapOvr>
+    <a:masterClrMapping/>
+  </p:clrMapOvr>
 </p:sldLayout>
 </file>
 
 <file path=ppt/slideLayouts/slideLayout12.xml><?xml version="1.0" encoding="utf-8"?>
-<p:sldLayout xmlns:a="http://schemas.openxmlformats.org/drawingml/2006/main" xmlns:p="http://schemas.openxmlformats.org/presentationml/2006/main" xmlns:r="http://schemas.openxmlformats.org/officeDocument/2006/relationships" xmlns:p14="http://schemas.microsoft.com/office/powerpoint/2010/main" xmlns:p15="http://schemas.microsoft.com/office/powerpoint/2012/main" xmlns:mc="http://schemas.openxmlformats.org/markup-compatibility/2006" type="blank" preserve="1">
+<p:sldLayout xmlns:a="http://schemas.openxmlformats.org/drawingml/2006/main" xmlns:r="http://schemas.openxmlformats.org/officeDocument/2006/relationships" xmlns:p="http://schemas.openxmlformats.org/presentationml/2006/main" type="blank" preserve="1">
   <p:cSld name="Title, 6 Content">
     <p:spTree>
       <p:nvGrpSpPr>
@@ -391,11 +519,12 @@
           </a:prstGeom>
         </p:spPr>
         <p:txBody>
-          <a:bodyPr lIns="0" rIns="0" tIns="0" bIns="0" anchor="ctr">
+          <a:bodyPr lIns="0" tIns="0" rIns="0" bIns="0" anchor="ctr">
             <a:noAutofit/>
           </a:bodyPr>
-          <a:p>
-            <a:endParaRPr b="0" lang="en-US" sz="1800" spc="-1" strike="noStrike">
+          <a:lstStyle/>
+          <a:p>
+            <a:endParaRPr lang="en-US" sz="1800" b="0" strike="noStrike" spc="-1">
               <a:solidFill>
                 <a:srgbClr val="000000"/>
               </a:solidFill>
@@ -424,11 +553,12 @@
           </a:prstGeom>
         </p:spPr>
         <p:txBody>
-          <a:bodyPr lIns="0" rIns="0" tIns="0" bIns="0">
+          <a:bodyPr lIns="0" tIns="0" rIns="0" bIns="0">
             <a:normAutofit/>
           </a:bodyPr>
-          <a:p>
-            <a:endParaRPr b="0" lang="en-US" sz="2800" spc="-1" strike="noStrike">
+          <a:lstStyle/>
+          <a:p>
+            <a:endParaRPr lang="en-US" sz="2800" b="0" strike="noStrike" spc="-1">
               <a:solidFill>
                 <a:srgbClr val="000000"/>
               </a:solidFill>
@@ -457,11 +587,12 @@
           </a:prstGeom>
         </p:spPr>
         <p:txBody>
-          <a:bodyPr lIns="0" rIns="0" tIns="0" bIns="0">
+          <a:bodyPr lIns="0" tIns="0" rIns="0" bIns="0">
             <a:normAutofit/>
           </a:bodyPr>
-          <a:p>
-            <a:endParaRPr b="0" lang="en-US" sz="2800" spc="-1" strike="noStrike">
+          <a:lstStyle/>
+          <a:p>
+            <a:endParaRPr lang="en-US" sz="2800" b="0" strike="noStrike" spc="-1">
               <a:solidFill>
                 <a:srgbClr val="000000"/>
               </a:solidFill>
@@ -490,11 +621,12 @@
           </a:prstGeom>
         </p:spPr>
         <p:txBody>
-          <a:bodyPr lIns="0" rIns="0" tIns="0" bIns="0">
+          <a:bodyPr lIns="0" tIns="0" rIns="0" bIns="0">
             <a:normAutofit/>
           </a:bodyPr>
-          <a:p>
-            <a:endParaRPr b="0" lang="en-US" sz="2800" spc="-1" strike="noStrike">
+          <a:lstStyle/>
+          <a:p>
+            <a:endParaRPr lang="en-US" sz="2800" b="0" strike="noStrike" spc="-1">
               <a:solidFill>
                 <a:srgbClr val="000000"/>
               </a:solidFill>
@@ -523,11 +655,12 @@
           </a:prstGeom>
         </p:spPr>
         <p:txBody>
-          <a:bodyPr lIns="0" rIns="0" tIns="0" bIns="0">
+          <a:bodyPr lIns="0" tIns="0" rIns="0" bIns="0">
             <a:normAutofit/>
           </a:bodyPr>
-          <a:p>
-            <a:endParaRPr b="0" lang="en-US" sz="2800" spc="-1" strike="noStrike">
+          <a:lstStyle/>
+          <a:p>
+            <a:endParaRPr lang="en-US" sz="2800" b="0" strike="noStrike" spc="-1">
               <a:solidFill>
                 <a:srgbClr val="000000"/>
               </a:solidFill>
@@ -556,11 +689,12 @@
           </a:prstGeom>
         </p:spPr>
         <p:txBody>
-          <a:bodyPr lIns="0" rIns="0" tIns="0" bIns="0">
+          <a:bodyPr lIns="0" tIns="0" rIns="0" bIns="0">
             <a:normAutofit/>
           </a:bodyPr>
-          <a:p>
-            <a:endParaRPr b="0" lang="en-US" sz="2800" spc="-1" strike="noStrike">
+          <a:lstStyle/>
+          <a:p>
+            <a:endParaRPr lang="en-US" sz="2800" b="0" strike="noStrike" spc="-1">
               <a:solidFill>
                 <a:srgbClr val="000000"/>
               </a:solidFill>
@@ -589,11 +723,12 @@
           </a:prstGeom>
         </p:spPr>
         <p:txBody>
-          <a:bodyPr lIns="0" rIns="0" tIns="0" bIns="0">
+          <a:bodyPr lIns="0" tIns="0" rIns="0" bIns="0">
             <a:normAutofit/>
           </a:bodyPr>
-          <a:p>
-            <a:endParaRPr b="0" lang="en-US" sz="2800" spc="-1" strike="noStrike">
+          <a:lstStyle/>
+          <a:p>
+            <a:endParaRPr lang="en-US" sz="2800" b="0" strike="noStrike" spc="-1">
               <a:solidFill>
                 <a:srgbClr val="000000"/>
               </a:solidFill>
@@ -604,11 +739,14 @@
       </p:sp>
     </p:spTree>
   </p:cSld>
+  <p:clrMapOvr>
+    <a:masterClrMapping/>
+  </p:clrMapOvr>
 </p:sldLayout>
 </file>
 
 <file path=ppt/slideLayouts/slideLayout13.xml><?xml version="1.0" encoding="utf-8"?>
-<p:sldLayout xmlns:a="http://schemas.openxmlformats.org/drawingml/2006/main" xmlns:p="http://schemas.openxmlformats.org/presentationml/2006/main" xmlns:r="http://schemas.openxmlformats.org/officeDocument/2006/relationships" xmlns:p14="http://schemas.microsoft.com/office/powerpoint/2010/main" xmlns:p15="http://schemas.microsoft.com/office/powerpoint/2012/main" xmlns:mc="http://schemas.openxmlformats.org/markup-compatibility/2006" type="blank" preserve="1">
+<p:sldLayout xmlns:a="http://schemas.openxmlformats.org/drawingml/2006/main" xmlns:r="http://schemas.openxmlformats.org/officeDocument/2006/relationships" xmlns:p="http://schemas.openxmlformats.org/presentationml/2006/main" type="blank" preserve="1">
   <p:cSld name="Blank Slide">
     <p:spTree>
       <p:nvGrpSpPr>
@@ -626,11 +764,14 @@
       </p:grpSpPr>
     </p:spTree>
   </p:cSld>
+  <p:clrMapOvr>
+    <a:masterClrMapping/>
+  </p:clrMapOvr>
 </p:sldLayout>
 </file>
 
 <file path=ppt/slideLayouts/slideLayout14.xml><?xml version="1.0" encoding="utf-8"?>
-<p:sldLayout xmlns:a="http://schemas.openxmlformats.org/drawingml/2006/main" xmlns:p="http://schemas.openxmlformats.org/presentationml/2006/main" xmlns:r="http://schemas.openxmlformats.org/officeDocument/2006/relationships" xmlns:p14="http://schemas.microsoft.com/office/powerpoint/2010/main" xmlns:p15="http://schemas.microsoft.com/office/powerpoint/2012/main" xmlns:mc="http://schemas.openxmlformats.org/markup-compatibility/2006" type="tx" preserve="1">
+<p:sldLayout xmlns:a="http://schemas.openxmlformats.org/drawingml/2006/main" xmlns:r="http://schemas.openxmlformats.org/officeDocument/2006/relationships" xmlns:p="http://schemas.openxmlformats.org/presentationml/2006/main" type="tx" preserve="1">
   <p:cSld name="Title Slide">
     <p:spTree>
       <p:nvGrpSpPr>
@@ -666,11 +807,12 @@
           </a:prstGeom>
         </p:spPr>
         <p:txBody>
-          <a:bodyPr lIns="0" rIns="0" tIns="0" bIns="0" anchor="ctr">
+          <a:bodyPr lIns="0" tIns="0" rIns="0" bIns="0" anchor="ctr">
             <a:noAutofit/>
           </a:bodyPr>
-          <a:p>
-            <a:endParaRPr b="0" lang="en-US" sz="1800" spc="-1" strike="noStrike">
+          <a:lstStyle/>
+          <a:p>
+            <a:endParaRPr lang="en-US" sz="1800" b="0" strike="noStrike" spc="-1">
               <a:solidFill>
                 <a:srgbClr val="000000"/>
               </a:solidFill>
@@ -699,12 +841,13 @@
           </a:prstGeom>
         </p:spPr>
         <p:txBody>
-          <a:bodyPr lIns="0" rIns="0" tIns="0" bIns="0" anchor="ctr">
+          <a:bodyPr lIns="0" tIns="0" rIns="0" bIns="0" anchor="ctr">
             <a:noAutofit/>
           </a:bodyPr>
+          <a:lstStyle/>
           <a:p>
             <a:pPr algn="ctr"/>
-            <a:endParaRPr b="0" lang="en-US" sz="3200" spc="-1" strike="noStrike">
+            <a:endParaRPr lang="en-US" sz="3200" b="0" strike="noStrike" spc="-1">
               <a:latin typeface="Arial"/>
             </a:endParaRPr>
           </a:p>
@@ -712,11 +855,14 @@
       </p:sp>
     </p:spTree>
   </p:cSld>
+  <p:clrMapOvr>
+    <a:masterClrMapping/>
+  </p:clrMapOvr>
 </p:sldLayout>
 </file>
 
 <file path=ppt/slideLayouts/slideLayout15.xml><?xml version="1.0" encoding="utf-8"?>
-<p:sldLayout xmlns:a="http://schemas.openxmlformats.org/drawingml/2006/main" xmlns:p="http://schemas.openxmlformats.org/presentationml/2006/main" xmlns:r="http://schemas.openxmlformats.org/officeDocument/2006/relationships" xmlns:p14="http://schemas.microsoft.com/office/powerpoint/2010/main" xmlns:p15="http://schemas.microsoft.com/office/powerpoint/2012/main" xmlns:mc="http://schemas.openxmlformats.org/markup-compatibility/2006" type="obj" preserve="1">
+<p:sldLayout xmlns:a="http://schemas.openxmlformats.org/drawingml/2006/main" xmlns:r="http://schemas.openxmlformats.org/officeDocument/2006/relationships" xmlns:p="http://schemas.openxmlformats.org/presentationml/2006/main" type="obj" preserve="1">
   <p:cSld name="Title, Content">
     <p:spTree>
       <p:nvGrpSpPr>
@@ -752,11 +898,12 @@
           </a:prstGeom>
         </p:spPr>
         <p:txBody>
-          <a:bodyPr lIns="0" rIns="0" tIns="0" bIns="0" anchor="ctr">
+          <a:bodyPr lIns="0" tIns="0" rIns="0" bIns="0" anchor="ctr">
             <a:noAutofit/>
           </a:bodyPr>
-          <a:p>
-            <a:endParaRPr b="0" lang="en-US" sz="1800" spc="-1" strike="noStrike">
+          <a:lstStyle/>
+          <a:p>
+            <a:endParaRPr lang="en-US" sz="1800" b="0" strike="noStrike" spc="-1">
               <a:solidFill>
                 <a:srgbClr val="000000"/>
               </a:solidFill>
@@ -785,11 +932,12 @@
           </a:prstGeom>
         </p:spPr>
         <p:txBody>
-          <a:bodyPr lIns="0" rIns="0" tIns="0" bIns="0">
+          <a:bodyPr lIns="0" tIns="0" rIns="0" bIns="0">
             <a:normAutofit/>
           </a:bodyPr>
-          <a:p>
-            <a:endParaRPr b="0" lang="en-US" sz="2800" spc="-1" strike="noStrike">
+          <a:lstStyle/>
+          <a:p>
+            <a:endParaRPr lang="en-US" sz="2800" b="0" strike="noStrike" spc="-1">
               <a:solidFill>
                 <a:srgbClr val="000000"/>
               </a:solidFill>
@@ -800,11 +948,14 @@
       </p:sp>
     </p:spTree>
   </p:cSld>
+  <p:clrMapOvr>
+    <a:masterClrMapping/>
+  </p:clrMapOvr>
 </p:sldLayout>
 </file>
 
 <file path=ppt/slideLayouts/slideLayout16.xml><?xml version="1.0" encoding="utf-8"?>
-<p:sldLayout xmlns:a="http://schemas.openxmlformats.org/drawingml/2006/main" xmlns:p="http://schemas.openxmlformats.org/presentationml/2006/main" xmlns:r="http://schemas.openxmlformats.org/officeDocument/2006/relationships" xmlns:p14="http://schemas.microsoft.com/office/powerpoint/2010/main" xmlns:p15="http://schemas.microsoft.com/office/powerpoint/2012/main" xmlns:mc="http://schemas.openxmlformats.org/markup-compatibility/2006" type="twoObj" preserve="1">
+<p:sldLayout xmlns:a="http://schemas.openxmlformats.org/drawingml/2006/main" xmlns:r="http://schemas.openxmlformats.org/officeDocument/2006/relationships" xmlns:p="http://schemas.openxmlformats.org/presentationml/2006/main" type="twoObj" preserve="1">
   <p:cSld name="Title, 2 Content">
     <p:spTree>
       <p:nvGrpSpPr>
@@ -840,11 +991,12 @@
           </a:prstGeom>
         </p:spPr>
         <p:txBody>
-          <a:bodyPr lIns="0" rIns="0" tIns="0" bIns="0" anchor="ctr">
+          <a:bodyPr lIns="0" tIns="0" rIns="0" bIns="0" anchor="ctr">
             <a:noAutofit/>
           </a:bodyPr>
-          <a:p>
-            <a:endParaRPr b="0" lang="en-US" sz="1800" spc="-1" strike="noStrike">
+          <a:lstStyle/>
+          <a:p>
+            <a:endParaRPr lang="en-US" sz="1800" b="0" strike="noStrike" spc="-1">
               <a:solidFill>
                 <a:srgbClr val="000000"/>
               </a:solidFill>
@@ -873,11 +1025,12 @@
           </a:prstGeom>
         </p:spPr>
         <p:txBody>
-          <a:bodyPr lIns="0" rIns="0" tIns="0" bIns="0">
+          <a:bodyPr lIns="0" tIns="0" rIns="0" bIns="0">
             <a:normAutofit/>
           </a:bodyPr>
-          <a:p>
-            <a:endParaRPr b="0" lang="en-US" sz="2800" spc="-1" strike="noStrike">
+          <a:lstStyle/>
+          <a:p>
+            <a:endParaRPr lang="en-US" sz="2800" b="0" strike="noStrike" spc="-1">
               <a:solidFill>
                 <a:srgbClr val="000000"/>
               </a:solidFill>
@@ -906,11 +1059,12 @@
           </a:prstGeom>
         </p:spPr>
         <p:txBody>
-          <a:bodyPr lIns="0" rIns="0" tIns="0" bIns="0">
+          <a:bodyPr lIns="0" tIns="0" rIns="0" bIns="0">
             <a:normAutofit/>
           </a:bodyPr>
-          <a:p>
-            <a:endParaRPr b="0" lang="en-US" sz="2800" spc="-1" strike="noStrike">
+          <a:lstStyle/>
+          <a:p>
+            <a:endParaRPr lang="en-US" sz="2800" b="0" strike="noStrike" spc="-1">
               <a:solidFill>
                 <a:srgbClr val="000000"/>
               </a:solidFill>
@@ -921,11 +1075,14 @@
       </p:sp>
     </p:spTree>
   </p:cSld>
+  <p:clrMapOvr>
+    <a:masterClrMapping/>
+  </p:clrMapOvr>
 </p:sldLayout>
 </file>
 
 <file path=ppt/slideLayouts/slideLayout17.xml><?xml version="1.0" encoding="utf-8"?>
-<p:sldLayout xmlns:a="http://schemas.openxmlformats.org/drawingml/2006/main" xmlns:p="http://schemas.openxmlformats.org/presentationml/2006/main" xmlns:r="http://schemas.openxmlformats.org/officeDocument/2006/relationships" xmlns:p14="http://schemas.microsoft.com/office/powerpoint/2010/main" xmlns:p15="http://schemas.microsoft.com/office/powerpoint/2012/main" xmlns:mc="http://schemas.openxmlformats.org/markup-compatibility/2006" type="titleOnly" preserve="1">
+<p:sldLayout xmlns:a="http://schemas.openxmlformats.org/drawingml/2006/main" xmlns:r="http://schemas.openxmlformats.org/officeDocument/2006/relationships" xmlns:p="http://schemas.openxmlformats.org/presentationml/2006/main" type="titleOnly" preserve="1">
   <p:cSld name="Title Only">
     <p:spTree>
       <p:nvGrpSpPr>
@@ -961,11 +1118,12 @@
           </a:prstGeom>
         </p:spPr>
         <p:txBody>
-          <a:bodyPr lIns="0" rIns="0" tIns="0" bIns="0" anchor="ctr">
+          <a:bodyPr lIns="0" tIns="0" rIns="0" bIns="0" anchor="ctr">
             <a:noAutofit/>
           </a:bodyPr>
-          <a:p>
-            <a:endParaRPr b="0" lang="en-US" sz="1800" spc="-1" strike="noStrike">
+          <a:lstStyle/>
+          <a:p>
+            <a:endParaRPr lang="en-US" sz="1800" b="0" strike="noStrike" spc="-1">
               <a:solidFill>
                 <a:srgbClr val="000000"/>
               </a:solidFill>
@@ -976,11 +1134,14 @@
       </p:sp>
     </p:spTree>
   </p:cSld>
+  <p:clrMapOvr>
+    <a:masterClrMapping/>
+  </p:clrMapOvr>
 </p:sldLayout>
 </file>
 
 <file path=ppt/slideLayouts/slideLayout18.xml><?xml version="1.0" encoding="utf-8"?>
-<p:sldLayout xmlns:a="http://schemas.openxmlformats.org/drawingml/2006/main" xmlns:p="http://schemas.openxmlformats.org/presentationml/2006/main" xmlns:r="http://schemas.openxmlformats.org/officeDocument/2006/relationships" xmlns:p14="http://schemas.microsoft.com/office/powerpoint/2010/main" xmlns:p15="http://schemas.microsoft.com/office/powerpoint/2012/main" xmlns:mc="http://schemas.openxmlformats.org/markup-compatibility/2006" type="objOnly" preserve="1">
+<p:sldLayout xmlns:a="http://schemas.openxmlformats.org/drawingml/2006/main" xmlns:r="http://schemas.openxmlformats.org/officeDocument/2006/relationships" xmlns:p="http://schemas.openxmlformats.org/presentationml/2006/main" type="objOnly" preserve="1">
   <p:cSld name="Centered Text">
     <p:spTree>
       <p:nvGrpSpPr>
@@ -1016,12 +1177,13 @@
           </a:prstGeom>
         </p:spPr>
         <p:txBody>
-          <a:bodyPr lIns="0" rIns="0" tIns="0" bIns="0" anchor="ctr">
+          <a:bodyPr lIns="0" tIns="0" rIns="0" bIns="0" anchor="ctr">
             <a:noAutofit/>
           </a:bodyPr>
+          <a:lstStyle/>
           <a:p>
             <a:pPr algn="ctr"/>
-            <a:endParaRPr b="0" lang="en-US" sz="3200" spc="-1" strike="noStrike">
+            <a:endParaRPr lang="en-US" sz="3200" b="0" strike="noStrike" spc="-1">
               <a:latin typeface="Arial"/>
             </a:endParaRPr>
           </a:p>
@@ -1029,11 +1191,14 @@
       </p:sp>
     </p:spTree>
   </p:cSld>
+  <p:clrMapOvr>
+    <a:masterClrMapping/>
+  </p:clrMapOvr>
 </p:sldLayout>
 </file>
 
 <file path=ppt/slideLayouts/slideLayout19.xml><?xml version="1.0" encoding="utf-8"?>
-<p:sldLayout xmlns:a="http://schemas.openxmlformats.org/drawingml/2006/main" xmlns:p="http://schemas.openxmlformats.org/presentationml/2006/main" xmlns:r="http://schemas.openxmlformats.org/officeDocument/2006/relationships" xmlns:p14="http://schemas.microsoft.com/office/powerpoint/2010/main" xmlns:p15="http://schemas.microsoft.com/office/powerpoint/2012/main" xmlns:mc="http://schemas.openxmlformats.org/markup-compatibility/2006" type="twoObjAndObj" preserve="1">
+<p:sldLayout xmlns:a="http://schemas.openxmlformats.org/drawingml/2006/main" xmlns:r="http://schemas.openxmlformats.org/officeDocument/2006/relationships" xmlns:p="http://schemas.openxmlformats.org/presentationml/2006/main" type="twoObjAndObj" preserve="1">
   <p:cSld name="Title, 2 Content and Content">
     <p:spTree>
       <p:nvGrpSpPr>
@@ -1069,11 +1234,12 @@
           </a:prstGeom>
         </p:spPr>
         <p:txBody>
-          <a:bodyPr lIns="0" rIns="0" tIns="0" bIns="0" anchor="ctr">
+          <a:bodyPr lIns="0" tIns="0" rIns="0" bIns="0" anchor="ctr">
             <a:noAutofit/>
           </a:bodyPr>
-          <a:p>
-            <a:endParaRPr b="0" lang="en-US" sz="1800" spc="-1" strike="noStrike">
+          <a:lstStyle/>
+          <a:p>
+            <a:endParaRPr lang="en-US" sz="1800" b="0" strike="noStrike" spc="-1">
               <a:solidFill>
                 <a:srgbClr val="000000"/>
               </a:solidFill>
@@ -1102,11 +1268,12 @@
           </a:prstGeom>
         </p:spPr>
         <p:txBody>
-          <a:bodyPr lIns="0" rIns="0" tIns="0" bIns="0">
+          <a:bodyPr lIns="0" tIns="0" rIns="0" bIns="0">
             <a:normAutofit/>
           </a:bodyPr>
-          <a:p>
-            <a:endParaRPr b="0" lang="en-US" sz="2800" spc="-1" strike="noStrike">
+          <a:lstStyle/>
+          <a:p>
+            <a:endParaRPr lang="en-US" sz="2800" b="0" strike="noStrike" spc="-1">
               <a:solidFill>
                 <a:srgbClr val="000000"/>
               </a:solidFill>
@@ -1135,11 +1302,12 @@
           </a:prstGeom>
         </p:spPr>
         <p:txBody>
-          <a:bodyPr lIns="0" rIns="0" tIns="0" bIns="0">
+          <a:bodyPr lIns="0" tIns="0" rIns="0" bIns="0">
             <a:normAutofit/>
           </a:bodyPr>
-          <a:p>
-            <a:endParaRPr b="0" lang="en-US" sz="2800" spc="-1" strike="noStrike">
+          <a:lstStyle/>
+          <a:p>
+            <a:endParaRPr lang="en-US" sz="2800" b="0" strike="noStrike" spc="-1">
               <a:solidFill>
                 <a:srgbClr val="000000"/>
               </a:solidFill>
@@ -1168,11 +1336,12 @@
           </a:prstGeom>
         </p:spPr>
         <p:txBody>
-          <a:bodyPr lIns="0" rIns="0" tIns="0" bIns="0">
+          <a:bodyPr lIns="0" tIns="0" rIns="0" bIns="0">
             <a:normAutofit/>
           </a:bodyPr>
-          <a:p>
-            <a:endParaRPr b="0" lang="en-US" sz="2800" spc="-1" strike="noStrike">
+          <a:lstStyle/>
+          <a:p>
+            <a:endParaRPr lang="en-US" sz="2800" b="0" strike="noStrike" spc="-1">
               <a:solidFill>
                 <a:srgbClr val="000000"/>
               </a:solidFill>
@@ -1183,11 +1352,14 @@
       </p:sp>
     </p:spTree>
   </p:cSld>
+  <p:clrMapOvr>
+    <a:masterClrMapping/>
+  </p:clrMapOvr>
 </p:sldLayout>
 </file>
 
 <file path=ppt/slideLayouts/slideLayout2.xml><?xml version="1.0" encoding="utf-8"?>
-<p:sldLayout xmlns:a="http://schemas.openxmlformats.org/drawingml/2006/main" xmlns:p="http://schemas.openxmlformats.org/presentationml/2006/main" xmlns:r="http://schemas.openxmlformats.org/officeDocument/2006/relationships" xmlns:p14="http://schemas.microsoft.com/office/powerpoint/2010/main" xmlns:p15="http://schemas.microsoft.com/office/powerpoint/2012/main" xmlns:mc="http://schemas.openxmlformats.org/markup-compatibility/2006" type="tx" preserve="1">
+<p:sldLayout xmlns:a="http://schemas.openxmlformats.org/drawingml/2006/main" xmlns:r="http://schemas.openxmlformats.org/officeDocument/2006/relationships" xmlns:p="http://schemas.openxmlformats.org/presentationml/2006/main" type="tx" preserve="1">
   <p:cSld name="Title Slide">
     <p:spTree>
       <p:nvGrpSpPr>
@@ -1223,11 +1395,12 @@
           </a:prstGeom>
         </p:spPr>
         <p:txBody>
-          <a:bodyPr lIns="0" rIns="0" tIns="0" bIns="0" anchor="ctr">
+          <a:bodyPr lIns="0" tIns="0" rIns="0" bIns="0" anchor="ctr">
             <a:noAutofit/>
           </a:bodyPr>
-          <a:p>
-            <a:endParaRPr b="0" lang="en-US" sz="1800" spc="-1" strike="noStrike">
+          <a:lstStyle/>
+          <a:p>
+            <a:endParaRPr lang="en-US" sz="1800" b="0" strike="noStrike" spc="-1">
               <a:solidFill>
                 <a:srgbClr val="000000"/>
               </a:solidFill>
@@ -1256,12 +1429,13 @@
           </a:prstGeom>
         </p:spPr>
         <p:txBody>
-          <a:bodyPr lIns="0" rIns="0" tIns="0" bIns="0" anchor="ctr">
+          <a:bodyPr lIns="0" tIns="0" rIns="0" bIns="0" anchor="ctr">
             <a:noAutofit/>
           </a:bodyPr>
+          <a:lstStyle/>
           <a:p>
             <a:pPr algn="ctr"/>
-            <a:endParaRPr b="0" lang="en-US" sz="3200" spc="-1" strike="noStrike">
+            <a:endParaRPr lang="en-US" sz="3200" b="0" strike="noStrike" spc="-1">
               <a:latin typeface="Arial"/>
             </a:endParaRPr>
           </a:p>
@@ -1269,11 +1443,14 @@
       </p:sp>
     </p:spTree>
   </p:cSld>
+  <p:clrMapOvr>
+    <a:masterClrMapping/>
+  </p:clrMapOvr>
 </p:sldLayout>
 </file>
 
 <file path=ppt/slideLayouts/slideLayout20.xml><?xml version="1.0" encoding="utf-8"?>
-<p:sldLayout xmlns:a="http://schemas.openxmlformats.org/drawingml/2006/main" xmlns:p="http://schemas.openxmlformats.org/presentationml/2006/main" xmlns:r="http://schemas.openxmlformats.org/officeDocument/2006/relationships" xmlns:p14="http://schemas.microsoft.com/office/powerpoint/2010/main" xmlns:p15="http://schemas.microsoft.com/office/powerpoint/2012/main" xmlns:mc="http://schemas.openxmlformats.org/markup-compatibility/2006" type="objAndTwoObj" preserve="1">
+<p:sldLayout xmlns:a="http://schemas.openxmlformats.org/drawingml/2006/main" xmlns:r="http://schemas.openxmlformats.org/officeDocument/2006/relationships" xmlns:p="http://schemas.openxmlformats.org/presentationml/2006/main" type="objAndTwoObj" preserve="1">
   <p:cSld name="Title Content and 2 Content">
     <p:spTree>
       <p:nvGrpSpPr>
@@ -1309,11 +1486,12 @@
           </a:prstGeom>
         </p:spPr>
         <p:txBody>
-          <a:bodyPr lIns="0" rIns="0" tIns="0" bIns="0" anchor="ctr">
+          <a:bodyPr lIns="0" tIns="0" rIns="0" bIns="0" anchor="ctr">
             <a:noAutofit/>
           </a:bodyPr>
-          <a:p>
-            <a:endParaRPr b="0" lang="en-US" sz="1800" spc="-1" strike="noStrike">
+          <a:lstStyle/>
+          <a:p>
+            <a:endParaRPr lang="en-US" sz="1800" b="0" strike="noStrike" spc="-1">
               <a:solidFill>
                 <a:srgbClr val="000000"/>
               </a:solidFill>
@@ -1342,11 +1520,12 @@
           </a:prstGeom>
         </p:spPr>
         <p:txBody>
-          <a:bodyPr lIns="0" rIns="0" tIns="0" bIns="0">
+          <a:bodyPr lIns="0" tIns="0" rIns="0" bIns="0">
             <a:normAutofit/>
           </a:bodyPr>
-          <a:p>
-            <a:endParaRPr b="0" lang="en-US" sz="2800" spc="-1" strike="noStrike">
+          <a:lstStyle/>
+          <a:p>
+            <a:endParaRPr lang="en-US" sz="2800" b="0" strike="noStrike" spc="-1">
               <a:solidFill>
                 <a:srgbClr val="000000"/>
               </a:solidFill>
@@ -1375,11 +1554,12 @@
           </a:prstGeom>
         </p:spPr>
         <p:txBody>
-          <a:bodyPr lIns="0" rIns="0" tIns="0" bIns="0">
+          <a:bodyPr lIns="0" tIns="0" rIns="0" bIns="0">
             <a:normAutofit/>
           </a:bodyPr>
-          <a:p>
-            <a:endParaRPr b="0" lang="en-US" sz="2800" spc="-1" strike="noStrike">
+          <a:lstStyle/>
+          <a:p>
+            <a:endParaRPr lang="en-US" sz="2800" b="0" strike="noStrike" spc="-1">
               <a:solidFill>
                 <a:srgbClr val="000000"/>
               </a:solidFill>
@@ -1408,11 +1588,12 @@
           </a:prstGeom>
         </p:spPr>
         <p:txBody>
-          <a:bodyPr lIns="0" rIns="0" tIns="0" bIns="0">
+          <a:bodyPr lIns="0" tIns="0" rIns="0" bIns="0">
             <a:normAutofit/>
           </a:bodyPr>
-          <a:p>
-            <a:endParaRPr b="0" lang="en-US" sz="2800" spc="-1" strike="noStrike">
+          <a:lstStyle/>
+          <a:p>
+            <a:endParaRPr lang="en-US" sz="2800" b="0" strike="noStrike" spc="-1">
               <a:solidFill>
                 <a:srgbClr val="000000"/>
               </a:solidFill>
@@ -1423,11 +1604,14 @@
       </p:sp>
     </p:spTree>
   </p:cSld>
+  <p:clrMapOvr>
+    <a:masterClrMapping/>
+  </p:clrMapOvr>
 </p:sldLayout>
 </file>
 
 <file path=ppt/slideLayouts/slideLayout21.xml><?xml version="1.0" encoding="utf-8"?>
-<p:sldLayout xmlns:a="http://schemas.openxmlformats.org/drawingml/2006/main" xmlns:p="http://schemas.openxmlformats.org/presentationml/2006/main" xmlns:r="http://schemas.openxmlformats.org/officeDocument/2006/relationships" xmlns:p14="http://schemas.microsoft.com/office/powerpoint/2010/main" xmlns:p15="http://schemas.microsoft.com/office/powerpoint/2012/main" xmlns:mc="http://schemas.openxmlformats.org/markup-compatibility/2006" type="twoObjOverTx" preserve="1">
+<p:sldLayout xmlns:a="http://schemas.openxmlformats.org/drawingml/2006/main" xmlns:r="http://schemas.openxmlformats.org/officeDocument/2006/relationships" xmlns:p="http://schemas.openxmlformats.org/presentationml/2006/main" type="twoObjOverTx" preserve="1">
   <p:cSld name="Title, 2 Content over Content">
     <p:spTree>
       <p:nvGrpSpPr>
@@ -1463,11 +1647,12 @@
           </a:prstGeom>
         </p:spPr>
         <p:txBody>
-          <a:bodyPr lIns="0" rIns="0" tIns="0" bIns="0" anchor="ctr">
+          <a:bodyPr lIns="0" tIns="0" rIns="0" bIns="0" anchor="ctr">
             <a:noAutofit/>
           </a:bodyPr>
-          <a:p>
-            <a:endParaRPr b="0" lang="en-US" sz="1800" spc="-1" strike="noStrike">
+          <a:lstStyle/>
+          <a:p>
+            <a:endParaRPr lang="en-US" sz="1800" b="0" strike="noStrike" spc="-1">
               <a:solidFill>
                 <a:srgbClr val="000000"/>
               </a:solidFill>
@@ -1496,11 +1681,12 @@
           </a:prstGeom>
         </p:spPr>
         <p:txBody>
-          <a:bodyPr lIns="0" rIns="0" tIns="0" bIns="0">
+          <a:bodyPr lIns="0" tIns="0" rIns="0" bIns="0">
             <a:normAutofit/>
           </a:bodyPr>
-          <a:p>
-            <a:endParaRPr b="0" lang="en-US" sz="2800" spc="-1" strike="noStrike">
+          <a:lstStyle/>
+          <a:p>
+            <a:endParaRPr lang="en-US" sz="2800" b="0" strike="noStrike" spc="-1">
               <a:solidFill>
                 <a:srgbClr val="000000"/>
               </a:solidFill>
@@ -1529,11 +1715,12 @@
           </a:prstGeom>
         </p:spPr>
         <p:txBody>
-          <a:bodyPr lIns="0" rIns="0" tIns="0" bIns="0">
+          <a:bodyPr lIns="0" tIns="0" rIns="0" bIns="0">
             <a:normAutofit/>
           </a:bodyPr>
-          <a:p>
-            <a:endParaRPr b="0" lang="en-US" sz="2800" spc="-1" strike="noStrike">
+          <a:lstStyle/>
+          <a:p>
+            <a:endParaRPr lang="en-US" sz="2800" b="0" strike="noStrike" spc="-1">
               <a:solidFill>
                 <a:srgbClr val="000000"/>
               </a:solidFill>
@@ -1562,11 +1749,12 @@
           </a:prstGeom>
         </p:spPr>
         <p:txBody>
-          <a:bodyPr lIns="0" rIns="0" tIns="0" bIns="0">
+          <a:bodyPr lIns="0" tIns="0" rIns="0" bIns="0">
             <a:normAutofit/>
           </a:bodyPr>
-          <a:p>
-            <a:endParaRPr b="0" lang="en-US" sz="2800" spc="-1" strike="noStrike">
+          <a:lstStyle/>
+          <a:p>
+            <a:endParaRPr lang="en-US" sz="2800" b="0" strike="noStrike" spc="-1">
               <a:solidFill>
                 <a:srgbClr val="000000"/>
               </a:solidFill>
@@ -1577,11 +1765,14 @@
       </p:sp>
     </p:spTree>
   </p:cSld>
+  <p:clrMapOvr>
+    <a:masterClrMapping/>
+  </p:clrMapOvr>
 </p:sldLayout>
 </file>
 
 <file path=ppt/slideLayouts/slideLayout22.xml><?xml version="1.0" encoding="utf-8"?>
-<p:sldLayout xmlns:a="http://schemas.openxmlformats.org/drawingml/2006/main" xmlns:p="http://schemas.openxmlformats.org/presentationml/2006/main" xmlns:r="http://schemas.openxmlformats.org/officeDocument/2006/relationships" xmlns:p14="http://schemas.microsoft.com/office/powerpoint/2010/main" xmlns:p15="http://schemas.microsoft.com/office/powerpoint/2012/main" xmlns:mc="http://schemas.openxmlformats.org/markup-compatibility/2006" type="objOverTx" preserve="1">
+<p:sldLayout xmlns:a="http://schemas.openxmlformats.org/drawingml/2006/main" xmlns:r="http://schemas.openxmlformats.org/officeDocument/2006/relationships" xmlns:p="http://schemas.openxmlformats.org/presentationml/2006/main" type="objOverTx" preserve="1">
   <p:cSld name="Title, Content over Content">
     <p:spTree>
       <p:nvGrpSpPr>
@@ -1617,11 +1808,12 @@
           </a:prstGeom>
         </p:spPr>
         <p:txBody>
-          <a:bodyPr lIns="0" rIns="0" tIns="0" bIns="0" anchor="ctr">
+          <a:bodyPr lIns="0" tIns="0" rIns="0" bIns="0" anchor="ctr">
             <a:noAutofit/>
           </a:bodyPr>
-          <a:p>
-            <a:endParaRPr b="0" lang="en-US" sz="1800" spc="-1" strike="noStrike">
+          <a:lstStyle/>
+          <a:p>
+            <a:endParaRPr lang="en-US" sz="1800" b="0" strike="noStrike" spc="-1">
               <a:solidFill>
                 <a:srgbClr val="000000"/>
               </a:solidFill>
@@ -1650,11 +1842,12 @@
           </a:prstGeom>
         </p:spPr>
         <p:txBody>
-          <a:bodyPr lIns="0" rIns="0" tIns="0" bIns="0">
+          <a:bodyPr lIns="0" tIns="0" rIns="0" bIns="0">
             <a:normAutofit/>
           </a:bodyPr>
-          <a:p>
-            <a:endParaRPr b="0" lang="en-US" sz="2800" spc="-1" strike="noStrike">
+          <a:lstStyle/>
+          <a:p>
+            <a:endParaRPr lang="en-US" sz="2800" b="0" strike="noStrike" spc="-1">
               <a:solidFill>
                 <a:srgbClr val="000000"/>
               </a:solidFill>
@@ -1683,11 +1876,12 @@
           </a:prstGeom>
         </p:spPr>
         <p:txBody>
-          <a:bodyPr lIns="0" rIns="0" tIns="0" bIns="0">
+          <a:bodyPr lIns="0" tIns="0" rIns="0" bIns="0">
             <a:normAutofit/>
           </a:bodyPr>
-          <a:p>
-            <a:endParaRPr b="0" lang="en-US" sz="2800" spc="-1" strike="noStrike">
+          <a:lstStyle/>
+          <a:p>
+            <a:endParaRPr lang="en-US" sz="2800" b="0" strike="noStrike" spc="-1">
               <a:solidFill>
                 <a:srgbClr val="000000"/>
               </a:solidFill>
@@ -1698,11 +1892,14 @@
       </p:sp>
     </p:spTree>
   </p:cSld>
+  <p:clrMapOvr>
+    <a:masterClrMapping/>
+  </p:clrMapOvr>
 </p:sldLayout>
 </file>
 
 <file path=ppt/slideLayouts/slideLayout23.xml><?xml version="1.0" encoding="utf-8"?>
-<p:sldLayout xmlns:a="http://schemas.openxmlformats.org/drawingml/2006/main" xmlns:p="http://schemas.openxmlformats.org/presentationml/2006/main" xmlns:r="http://schemas.openxmlformats.org/officeDocument/2006/relationships" xmlns:p14="http://schemas.microsoft.com/office/powerpoint/2010/main" xmlns:p15="http://schemas.microsoft.com/office/powerpoint/2012/main" xmlns:mc="http://schemas.openxmlformats.org/markup-compatibility/2006" type="fourObj" preserve="1">
+<p:sldLayout xmlns:a="http://schemas.openxmlformats.org/drawingml/2006/main" xmlns:r="http://schemas.openxmlformats.org/officeDocument/2006/relationships" xmlns:p="http://schemas.openxmlformats.org/presentationml/2006/main" type="fourObj" preserve="1">
   <p:cSld name="Title, 4 Content">
     <p:spTree>
       <p:nvGrpSpPr>
@@ -1738,11 +1935,12 @@
           </a:prstGeom>
         </p:spPr>
         <p:txBody>
-          <a:bodyPr lIns="0" rIns="0" tIns="0" bIns="0" anchor="ctr">
+          <a:bodyPr lIns="0" tIns="0" rIns="0" bIns="0" anchor="ctr">
             <a:noAutofit/>
           </a:bodyPr>
-          <a:p>
-            <a:endParaRPr b="0" lang="en-US" sz="1800" spc="-1" strike="noStrike">
+          <a:lstStyle/>
+          <a:p>
+            <a:endParaRPr lang="en-US" sz="1800" b="0" strike="noStrike" spc="-1">
               <a:solidFill>
                 <a:srgbClr val="000000"/>
               </a:solidFill>
@@ -1771,11 +1969,12 @@
           </a:prstGeom>
         </p:spPr>
         <p:txBody>
-          <a:bodyPr lIns="0" rIns="0" tIns="0" bIns="0">
+          <a:bodyPr lIns="0" tIns="0" rIns="0" bIns="0">
             <a:normAutofit/>
           </a:bodyPr>
-          <a:p>
-            <a:endParaRPr b="0" lang="en-US" sz="2800" spc="-1" strike="noStrike">
+          <a:lstStyle/>
+          <a:p>
+            <a:endParaRPr lang="en-US" sz="2800" b="0" strike="noStrike" spc="-1">
               <a:solidFill>
                 <a:srgbClr val="000000"/>
               </a:solidFill>
@@ -1804,11 +2003,12 @@
           </a:prstGeom>
         </p:spPr>
         <p:txBody>
-          <a:bodyPr lIns="0" rIns="0" tIns="0" bIns="0">
+          <a:bodyPr lIns="0" tIns="0" rIns="0" bIns="0">
             <a:normAutofit/>
           </a:bodyPr>
-          <a:p>
-            <a:endParaRPr b="0" lang="en-US" sz="2800" spc="-1" strike="noStrike">
+          <a:lstStyle/>
+          <a:p>
+            <a:endParaRPr lang="en-US" sz="2800" b="0" strike="noStrike" spc="-1">
               <a:solidFill>
                 <a:srgbClr val="000000"/>
               </a:solidFill>
@@ -1837,11 +2037,12 @@
           </a:prstGeom>
         </p:spPr>
         <p:txBody>
-          <a:bodyPr lIns="0" rIns="0" tIns="0" bIns="0">
+          <a:bodyPr lIns="0" tIns="0" rIns="0" bIns="0">
             <a:normAutofit/>
           </a:bodyPr>
-          <a:p>
-            <a:endParaRPr b="0" lang="en-US" sz="2800" spc="-1" strike="noStrike">
+          <a:lstStyle/>
+          <a:p>
+            <a:endParaRPr lang="en-US" sz="2800" b="0" strike="noStrike" spc="-1">
               <a:solidFill>
                 <a:srgbClr val="000000"/>
               </a:solidFill>
@@ -1870,11 +2071,12 @@
           </a:prstGeom>
         </p:spPr>
         <p:txBody>
-          <a:bodyPr lIns="0" rIns="0" tIns="0" bIns="0">
+          <a:bodyPr lIns="0" tIns="0" rIns="0" bIns="0">
             <a:normAutofit/>
           </a:bodyPr>
-          <a:p>
-            <a:endParaRPr b="0" lang="en-US" sz="2800" spc="-1" strike="noStrike">
+          <a:lstStyle/>
+          <a:p>
+            <a:endParaRPr lang="en-US" sz="2800" b="0" strike="noStrike" spc="-1">
               <a:solidFill>
                 <a:srgbClr val="000000"/>
               </a:solidFill>
@@ -1885,11 +2087,14 @@
       </p:sp>
     </p:spTree>
   </p:cSld>
+  <p:clrMapOvr>
+    <a:masterClrMapping/>
+  </p:clrMapOvr>
 </p:sldLayout>
 </file>
 
 <file path=ppt/slideLayouts/slideLayout24.xml><?xml version="1.0" encoding="utf-8"?>
-<p:sldLayout xmlns:a="http://schemas.openxmlformats.org/drawingml/2006/main" xmlns:p="http://schemas.openxmlformats.org/presentationml/2006/main" xmlns:r="http://schemas.openxmlformats.org/officeDocument/2006/relationships" xmlns:p14="http://schemas.microsoft.com/office/powerpoint/2010/main" xmlns:p15="http://schemas.microsoft.com/office/powerpoint/2012/main" xmlns:mc="http://schemas.openxmlformats.org/markup-compatibility/2006" type="blank" preserve="1">
+<p:sldLayout xmlns:a="http://schemas.openxmlformats.org/drawingml/2006/main" xmlns:r="http://schemas.openxmlformats.org/officeDocument/2006/relationships" xmlns:p="http://schemas.openxmlformats.org/presentationml/2006/main" type="blank" preserve="1">
   <p:cSld name="Title, 6 Content">
     <p:spTree>
       <p:nvGrpSpPr>
@@ -1925,11 +2130,12 @@
           </a:prstGeom>
         </p:spPr>
         <p:txBody>
-          <a:bodyPr lIns="0" rIns="0" tIns="0" bIns="0" anchor="ctr">
+          <a:bodyPr lIns="0" tIns="0" rIns="0" bIns="0" anchor="ctr">
             <a:noAutofit/>
           </a:bodyPr>
-          <a:p>
-            <a:endParaRPr b="0" lang="en-US" sz="1800" spc="-1" strike="noStrike">
+          <a:lstStyle/>
+          <a:p>
+            <a:endParaRPr lang="en-US" sz="1800" b="0" strike="noStrike" spc="-1">
               <a:solidFill>
                 <a:srgbClr val="000000"/>
               </a:solidFill>
@@ -1958,11 +2164,12 @@
           </a:prstGeom>
         </p:spPr>
         <p:txBody>
-          <a:bodyPr lIns="0" rIns="0" tIns="0" bIns="0">
+          <a:bodyPr lIns="0" tIns="0" rIns="0" bIns="0">
             <a:normAutofit/>
           </a:bodyPr>
-          <a:p>
-            <a:endParaRPr b="0" lang="en-US" sz="2800" spc="-1" strike="noStrike">
+          <a:lstStyle/>
+          <a:p>
+            <a:endParaRPr lang="en-US" sz="2800" b="0" strike="noStrike" spc="-1">
               <a:solidFill>
                 <a:srgbClr val="000000"/>
               </a:solidFill>
@@ -1991,11 +2198,12 @@
           </a:prstGeom>
         </p:spPr>
         <p:txBody>
-          <a:bodyPr lIns="0" rIns="0" tIns="0" bIns="0">
+          <a:bodyPr lIns="0" tIns="0" rIns="0" bIns="0">
             <a:normAutofit/>
           </a:bodyPr>
-          <a:p>
-            <a:endParaRPr b="0" lang="en-US" sz="2800" spc="-1" strike="noStrike">
+          <a:lstStyle/>
+          <a:p>
+            <a:endParaRPr lang="en-US" sz="2800" b="0" strike="noStrike" spc="-1">
               <a:solidFill>
                 <a:srgbClr val="000000"/>
               </a:solidFill>
@@ -2024,11 +2232,12 @@
           </a:prstGeom>
         </p:spPr>
         <p:txBody>
-          <a:bodyPr lIns="0" rIns="0" tIns="0" bIns="0">
+          <a:bodyPr lIns="0" tIns="0" rIns="0" bIns="0">
             <a:normAutofit/>
           </a:bodyPr>
-          <a:p>
-            <a:endParaRPr b="0" lang="en-US" sz="2800" spc="-1" strike="noStrike">
+          <a:lstStyle/>
+          <a:p>
+            <a:endParaRPr lang="en-US" sz="2800" b="0" strike="noStrike" spc="-1">
               <a:solidFill>
                 <a:srgbClr val="000000"/>
               </a:solidFill>
@@ -2057,11 +2266,12 @@
           </a:prstGeom>
         </p:spPr>
         <p:txBody>
-          <a:bodyPr lIns="0" rIns="0" tIns="0" bIns="0">
+          <a:bodyPr lIns="0" tIns="0" rIns="0" bIns="0">
             <a:normAutofit/>
           </a:bodyPr>
-          <a:p>
-            <a:endParaRPr b="0" lang="en-US" sz="2800" spc="-1" strike="noStrike">
+          <a:lstStyle/>
+          <a:p>
+            <a:endParaRPr lang="en-US" sz="2800" b="0" strike="noStrike" spc="-1">
               <a:solidFill>
                 <a:srgbClr val="000000"/>
               </a:solidFill>
@@ -2090,11 +2300,12 @@
           </a:prstGeom>
         </p:spPr>
         <p:txBody>
-          <a:bodyPr lIns="0" rIns="0" tIns="0" bIns="0">
+          <a:bodyPr lIns="0" tIns="0" rIns="0" bIns="0">
             <a:normAutofit/>
           </a:bodyPr>
-          <a:p>
-            <a:endParaRPr b="0" lang="en-US" sz="2800" spc="-1" strike="noStrike">
+          <a:lstStyle/>
+          <a:p>
+            <a:endParaRPr lang="en-US" sz="2800" b="0" strike="noStrike" spc="-1">
               <a:solidFill>
                 <a:srgbClr val="000000"/>
               </a:solidFill>
@@ -2123,11 +2334,12 @@
           </a:prstGeom>
         </p:spPr>
         <p:txBody>
-          <a:bodyPr lIns="0" rIns="0" tIns="0" bIns="0">
+          <a:bodyPr lIns="0" tIns="0" rIns="0" bIns="0">
             <a:normAutofit/>
           </a:bodyPr>
-          <a:p>
-            <a:endParaRPr b="0" lang="en-US" sz="2800" spc="-1" strike="noStrike">
+          <a:lstStyle/>
+          <a:p>
+            <a:endParaRPr lang="en-US" sz="2800" b="0" strike="noStrike" spc="-1">
               <a:solidFill>
                 <a:srgbClr val="000000"/>
               </a:solidFill>
@@ -2138,11 +2350,14 @@
       </p:sp>
     </p:spTree>
   </p:cSld>
+  <p:clrMapOvr>
+    <a:masterClrMapping/>
+  </p:clrMapOvr>
 </p:sldLayout>
 </file>
 
 <file path=ppt/slideLayouts/slideLayout25.xml><?xml version="1.0" encoding="utf-8"?>
-<p:sldLayout xmlns:a="http://schemas.openxmlformats.org/drawingml/2006/main" xmlns:p="http://schemas.openxmlformats.org/presentationml/2006/main" xmlns:r="http://schemas.openxmlformats.org/officeDocument/2006/relationships" xmlns:p14="http://schemas.microsoft.com/office/powerpoint/2010/main" xmlns:p15="http://schemas.microsoft.com/office/powerpoint/2012/main" xmlns:mc="http://schemas.openxmlformats.org/markup-compatibility/2006" type="blank" preserve="1">
+<p:sldLayout xmlns:a="http://schemas.openxmlformats.org/drawingml/2006/main" xmlns:r="http://schemas.openxmlformats.org/officeDocument/2006/relationships" xmlns:p="http://schemas.openxmlformats.org/presentationml/2006/main" type="blank" preserve="1">
   <p:cSld name="Blank Slide">
     <p:spTree>
       <p:nvGrpSpPr>
@@ -2160,11 +2375,14 @@
       </p:grpSpPr>
     </p:spTree>
   </p:cSld>
+  <p:clrMapOvr>
+    <a:masterClrMapping/>
+  </p:clrMapOvr>
 </p:sldLayout>
 </file>
 
 <file path=ppt/slideLayouts/slideLayout26.xml><?xml version="1.0" encoding="utf-8"?>
-<p:sldLayout xmlns:a="http://schemas.openxmlformats.org/drawingml/2006/main" xmlns:p="http://schemas.openxmlformats.org/presentationml/2006/main" xmlns:r="http://schemas.openxmlformats.org/officeDocument/2006/relationships" xmlns:p14="http://schemas.microsoft.com/office/powerpoint/2010/main" xmlns:p15="http://schemas.microsoft.com/office/powerpoint/2012/main" xmlns:mc="http://schemas.openxmlformats.org/markup-compatibility/2006" type="tx" preserve="1">
+<p:sldLayout xmlns:a="http://schemas.openxmlformats.org/drawingml/2006/main" xmlns:r="http://schemas.openxmlformats.org/officeDocument/2006/relationships" xmlns:p="http://schemas.openxmlformats.org/presentationml/2006/main" type="tx" preserve="1">
   <p:cSld name="Title Slide">
     <p:spTree>
       <p:nvGrpSpPr>
@@ -2200,11 +2418,12 @@
           </a:prstGeom>
         </p:spPr>
         <p:txBody>
-          <a:bodyPr lIns="0" rIns="0" tIns="0" bIns="0" anchor="ctr">
+          <a:bodyPr lIns="0" tIns="0" rIns="0" bIns="0" anchor="ctr">
             <a:noAutofit/>
           </a:bodyPr>
-          <a:p>
-            <a:endParaRPr b="0" lang="en-US" sz="1800" spc="-1" strike="noStrike">
+          <a:lstStyle/>
+          <a:p>
+            <a:endParaRPr lang="en-US" sz="1800" b="0" strike="noStrike" spc="-1">
               <a:solidFill>
                 <a:srgbClr val="000000"/>
               </a:solidFill>
@@ -2233,12 +2452,13 @@
           </a:prstGeom>
         </p:spPr>
         <p:txBody>
-          <a:bodyPr lIns="0" rIns="0" tIns="0" bIns="0" anchor="ctr">
+          <a:bodyPr lIns="0" tIns="0" rIns="0" bIns="0" anchor="ctr">
             <a:noAutofit/>
           </a:bodyPr>
+          <a:lstStyle/>
           <a:p>
             <a:pPr algn="ctr"/>
-            <a:endParaRPr b="0" lang="en-US" sz="3200" spc="-1" strike="noStrike">
+            <a:endParaRPr lang="en-US" sz="3200" b="0" strike="noStrike" spc="-1">
               <a:latin typeface="Arial"/>
             </a:endParaRPr>
           </a:p>
@@ -2246,11 +2466,14 @@
       </p:sp>
     </p:spTree>
   </p:cSld>
+  <p:clrMapOvr>
+    <a:masterClrMapping/>
+  </p:clrMapOvr>
 </p:sldLayout>
 </file>
 
 <file path=ppt/slideLayouts/slideLayout27.xml><?xml version="1.0" encoding="utf-8"?>
-<p:sldLayout xmlns:a="http://schemas.openxmlformats.org/drawingml/2006/main" xmlns:p="http://schemas.openxmlformats.org/presentationml/2006/main" xmlns:r="http://schemas.openxmlformats.org/officeDocument/2006/relationships" xmlns:p14="http://schemas.microsoft.com/office/powerpoint/2010/main" xmlns:p15="http://schemas.microsoft.com/office/powerpoint/2012/main" xmlns:mc="http://schemas.openxmlformats.org/markup-compatibility/2006" type="obj" preserve="1">
+<p:sldLayout xmlns:a="http://schemas.openxmlformats.org/drawingml/2006/main" xmlns:r="http://schemas.openxmlformats.org/officeDocument/2006/relationships" xmlns:p="http://schemas.openxmlformats.org/presentationml/2006/main" type="obj" preserve="1">
   <p:cSld name="Title, Content">
     <p:spTree>
       <p:nvGrpSpPr>
@@ -2286,11 +2509,12 @@
           </a:prstGeom>
         </p:spPr>
         <p:txBody>
-          <a:bodyPr lIns="0" rIns="0" tIns="0" bIns="0" anchor="ctr">
+          <a:bodyPr lIns="0" tIns="0" rIns="0" bIns="0" anchor="ctr">
             <a:noAutofit/>
           </a:bodyPr>
-          <a:p>
-            <a:endParaRPr b="0" lang="en-US" sz="1800" spc="-1" strike="noStrike">
+          <a:lstStyle/>
+          <a:p>
+            <a:endParaRPr lang="en-US" sz="1800" b="0" strike="noStrike" spc="-1">
               <a:solidFill>
                 <a:srgbClr val="000000"/>
               </a:solidFill>
@@ -2319,11 +2543,12 @@
           </a:prstGeom>
         </p:spPr>
         <p:txBody>
-          <a:bodyPr lIns="0" rIns="0" tIns="0" bIns="0">
+          <a:bodyPr lIns="0" tIns="0" rIns="0" bIns="0">
             <a:normAutofit/>
           </a:bodyPr>
-          <a:p>
-            <a:endParaRPr b="0" lang="en-US" sz="2800" spc="-1" strike="noStrike">
+          <a:lstStyle/>
+          <a:p>
+            <a:endParaRPr lang="en-US" sz="2800" b="0" strike="noStrike" spc="-1">
               <a:solidFill>
                 <a:srgbClr val="000000"/>
               </a:solidFill>
@@ -2334,11 +2559,14 @@
       </p:sp>
     </p:spTree>
   </p:cSld>
+  <p:clrMapOvr>
+    <a:masterClrMapping/>
+  </p:clrMapOvr>
 </p:sldLayout>
 </file>
 
 <file path=ppt/slideLayouts/slideLayout28.xml><?xml version="1.0" encoding="utf-8"?>
-<p:sldLayout xmlns:a="http://schemas.openxmlformats.org/drawingml/2006/main" xmlns:p="http://schemas.openxmlformats.org/presentationml/2006/main" xmlns:r="http://schemas.openxmlformats.org/officeDocument/2006/relationships" xmlns:p14="http://schemas.microsoft.com/office/powerpoint/2010/main" xmlns:p15="http://schemas.microsoft.com/office/powerpoint/2012/main" xmlns:mc="http://schemas.openxmlformats.org/markup-compatibility/2006" type="twoObj" preserve="1">
+<p:sldLayout xmlns:a="http://schemas.openxmlformats.org/drawingml/2006/main" xmlns:r="http://schemas.openxmlformats.org/officeDocument/2006/relationships" xmlns:p="http://schemas.openxmlformats.org/presentationml/2006/main" type="twoObj" preserve="1">
   <p:cSld name="Title, 2 Content">
     <p:spTree>
       <p:nvGrpSpPr>
@@ -2374,11 +2602,12 @@
           </a:prstGeom>
         </p:spPr>
         <p:txBody>
-          <a:bodyPr lIns="0" rIns="0" tIns="0" bIns="0" anchor="ctr">
+          <a:bodyPr lIns="0" tIns="0" rIns="0" bIns="0" anchor="ctr">
             <a:noAutofit/>
           </a:bodyPr>
-          <a:p>
-            <a:endParaRPr b="0" lang="en-US" sz="1800" spc="-1" strike="noStrike">
+          <a:lstStyle/>
+          <a:p>
+            <a:endParaRPr lang="en-US" sz="1800" b="0" strike="noStrike" spc="-1">
               <a:solidFill>
                 <a:srgbClr val="000000"/>
               </a:solidFill>
@@ -2407,11 +2636,12 @@
           </a:prstGeom>
         </p:spPr>
         <p:txBody>
-          <a:bodyPr lIns="0" rIns="0" tIns="0" bIns="0">
+          <a:bodyPr lIns="0" tIns="0" rIns="0" bIns="0">
             <a:normAutofit/>
           </a:bodyPr>
-          <a:p>
-            <a:endParaRPr b="0" lang="en-US" sz="2800" spc="-1" strike="noStrike">
+          <a:lstStyle/>
+          <a:p>
+            <a:endParaRPr lang="en-US" sz="2800" b="0" strike="noStrike" spc="-1">
               <a:solidFill>
                 <a:srgbClr val="000000"/>
               </a:solidFill>
@@ -2440,11 +2670,12 @@
           </a:prstGeom>
         </p:spPr>
         <p:txBody>
-          <a:bodyPr lIns="0" rIns="0" tIns="0" bIns="0">
+          <a:bodyPr lIns="0" tIns="0" rIns="0" bIns="0">
             <a:normAutofit/>
           </a:bodyPr>
-          <a:p>
-            <a:endParaRPr b="0" lang="en-US" sz="2800" spc="-1" strike="noStrike">
+          <a:lstStyle/>
+          <a:p>
+            <a:endParaRPr lang="en-US" sz="2800" b="0" strike="noStrike" spc="-1">
               <a:solidFill>
                 <a:srgbClr val="000000"/>
               </a:solidFill>
@@ -2455,11 +2686,14 @@
       </p:sp>
     </p:spTree>
   </p:cSld>
+  <p:clrMapOvr>
+    <a:masterClrMapping/>
+  </p:clrMapOvr>
 </p:sldLayout>
 </file>
 
 <file path=ppt/slideLayouts/slideLayout29.xml><?xml version="1.0" encoding="utf-8"?>
-<p:sldLayout xmlns:a="http://schemas.openxmlformats.org/drawingml/2006/main" xmlns:p="http://schemas.openxmlformats.org/presentationml/2006/main" xmlns:r="http://schemas.openxmlformats.org/officeDocument/2006/relationships" xmlns:p14="http://schemas.microsoft.com/office/powerpoint/2010/main" xmlns:p15="http://schemas.microsoft.com/office/powerpoint/2012/main" xmlns:mc="http://schemas.openxmlformats.org/markup-compatibility/2006" type="titleOnly" preserve="1">
+<p:sldLayout xmlns:a="http://schemas.openxmlformats.org/drawingml/2006/main" xmlns:r="http://schemas.openxmlformats.org/officeDocument/2006/relationships" xmlns:p="http://schemas.openxmlformats.org/presentationml/2006/main" type="titleOnly" preserve="1">
   <p:cSld name="Title Only">
     <p:spTree>
       <p:nvGrpSpPr>
@@ -2495,11 +2729,12 @@
           </a:prstGeom>
         </p:spPr>
         <p:txBody>
-          <a:bodyPr lIns="0" rIns="0" tIns="0" bIns="0" anchor="ctr">
+          <a:bodyPr lIns="0" tIns="0" rIns="0" bIns="0" anchor="ctr">
             <a:noAutofit/>
           </a:bodyPr>
-          <a:p>
-            <a:endParaRPr b="0" lang="en-US" sz="1800" spc="-1" strike="noStrike">
+          <a:lstStyle/>
+          <a:p>
+            <a:endParaRPr lang="en-US" sz="1800" b="0" strike="noStrike" spc="-1">
               <a:solidFill>
                 <a:srgbClr val="000000"/>
               </a:solidFill>
@@ -2510,11 +2745,14 @@
       </p:sp>
     </p:spTree>
   </p:cSld>
+  <p:clrMapOvr>
+    <a:masterClrMapping/>
+  </p:clrMapOvr>
 </p:sldLayout>
 </file>
 
 <file path=ppt/slideLayouts/slideLayout3.xml><?xml version="1.0" encoding="utf-8"?>
-<p:sldLayout xmlns:a="http://schemas.openxmlformats.org/drawingml/2006/main" xmlns:p="http://schemas.openxmlformats.org/presentationml/2006/main" xmlns:r="http://schemas.openxmlformats.org/officeDocument/2006/relationships" xmlns:p14="http://schemas.microsoft.com/office/powerpoint/2010/main" xmlns:p15="http://schemas.microsoft.com/office/powerpoint/2012/main" xmlns:mc="http://schemas.openxmlformats.org/markup-compatibility/2006" type="obj" preserve="1">
+<p:sldLayout xmlns:a="http://schemas.openxmlformats.org/drawingml/2006/main" xmlns:r="http://schemas.openxmlformats.org/officeDocument/2006/relationships" xmlns:p="http://schemas.openxmlformats.org/presentationml/2006/main" type="obj" preserve="1">
   <p:cSld name="Title, Content">
     <p:spTree>
       <p:nvGrpSpPr>
@@ -2550,11 +2788,12 @@
           </a:prstGeom>
         </p:spPr>
         <p:txBody>
-          <a:bodyPr lIns="0" rIns="0" tIns="0" bIns="0" anchor="ctr">
+          <a:bodyPr lIns="0" tIns="0" rIns="0" bIns="0" anchor="ctr">
             <a:noAutofit/>
           </a:bodyPr>
-          <a:p>
-            <a:endParaRPr b="0" lang="en-US" sz="1800" spc="-1" strike="noStrike">
+          <a:lstStyle/>
+          <a:p>
+            <a:endParaRPr lang="en-US" sz="1800" b="0" strike="noStrike" spc="-1">
               <a:solidFill>
                 <a:srgbClr val="000000"/>
               </a:solidFill>
@@ -2583,11 +2822,12 @@
           </a:prstGeom>
         </p:spPr>
         <p:txBody>
-          <a:bodyPr lIns="0" rIns="0" tIns="0" bIns="0">
+          <a:bodyPr lIns="0" tIns="0" rIns="0" bIns="0">
             <a:normAutofit/>
           </a:bodyPr>
-          <a:p>
-            <a:endParaRPr b="0" lang="en-US" sz="2800" spc="-1" strike="noStrike">
+          <a:lstStyle/>
+          <a:p>
+            <a:endParaRPr lang="en-US" sz="2800" b="0" strike="noStrike" spc="-1">
               <a:solidFill>
                 <a:srgbClr val="000000"/>
               </a:solidFill>
@@ -2598,11 +2838,14 @@
       </p:sp>
     </p:spTree>
   </p:cSld>
+  <p:clrMapOvr>
+    <a:masterClrMapping/>
+  </p:clrMapOvr>
 </p:sldLayout>
 </file>
 
 <file path=ppt/slideLayouts/slideLayout30.xml><?xml version="1.0" encoding="utf-8"?>
-<p:sldLayout xmlns:a="http://schemas.openxmlformats.org/drawingml/2006/main" xmlns:p="http://schemas.openxmlformats.org/presentationml/2006/main" xmlns:r="http://schemas.openxmlformats.org/officeDocument/2006/relationships" xmlns:p14="http://schemas.microsoft.com/office/powerpoint/2010/main" xmlns:p15="http://schemas.microsoft.com/office/powerpoint/2012/main" xmlns:mc="http://schemas.openxmlformats.org/markup-compatibility/2006" type="objOnly" preserve="1">
+<p:sldLayout xmlns:a="http://schemas.openxmlformats.org/drawingml/2006/main" xmlns:r="http://schemas.openxmlformats.org/officeDocument/2006/relationships" xmlns:p="http://schemas.openxmlformats.org/presentationml/2006/main" type="objOnly" preserve="1">
   <p:cSld name="Centered Text">
     <p:spTree>
       <p:nvGrpSpPr>
@@ -2638,12 +2881,13 @@
           </a:prstGeom>
         </p:spPr>
         <p:txBody>
-          <a:bodyPr lIns="0" rIns="0" tIns="0" bIns="0" anchor="ctr">
+          <a:bodyPr lIns="0" tIns="0" rIns="0" bIns="0" anchor="ctr">
             <a:noAutofit/>
           </a:bodyPr>
+          <a:lstStyle/>
           <a:p>
             <a:pPr algn="ctr"/>
-            <a:endParaRPr b="0" lang="en-US" sz="3200" spc="-1" strike="noStrike">
+            <a:endParaRPr lang="en-US" sz="3200" b="0" strike="noStrike" spc="-1">
               <a:latin typeface="Arial"/>
             </a:endParaRPr>
           </a:p>
@@ -2651,11 +2895,14 @@
       </p:sp>
     </p:spTree>
   </p:cSld>
+  <p:clrMapOvr>
+    <a:masterClrMapping/>
+  </p:clrMapOvr>
 </p:sldLayout>
 </file>
 
 <file path=ppt/slideLayouts/slideLayout31.xml><?xml version="1.0" encoding="utf-8"?>
-<p:sldLayout xmlns:a="http://schemas.openxmlformats.org/drawingml/2006/main" xmlns:p="http://schemas.openxmlformats.org/presentationml/2006/main" xmlns:r="http://schemas.openxmlformats.org/officeDocument/2006/relationships" xmlns:p14="http://schemas.microsoft.com/office/powerpoint/2010/main" xmlns:p15="http://schemas.microsoft.com/office/powerpoint/2012/main" xmlns:mc="http://schemas.openxmlformats.org/markup-compatibility/2006" type="twoObjAndObj" preserve="1">
+<p:sldLayout xmlns:a="http://schemas.openxmlformats.org/drawingml/2006/main" xmlns:r="http://schemas.openxmlformats.org/officeDocument/2006/relationships" xmlns:p="http://schemas.openxmlformats.org/presentationml/2006/main" type="twoObjAndObj" preserve="1">
   <p:cSld name="Title, 2 Content and Content">
     <p:spTree>
       <p:nvGrpSpPr>
@@ -2691,11 +2938,12 @@
           </a:prstGeom>
         </p:spPr>
         <p:txBody>
-          <a:bodyPr lIns="0" rIns="0" tIns="0" bIns="0" anchor="ctr">
+          <a:bodyPr lIns="0" tIns="0" rIns="0" bIns="0" anchor="ctr">
             <a:noAutofit/>
           </a:bodyPr>
-          <a:p>
-            <a:endParaRPr b="0" lang="en-US" sz="1800" spc="-1" strike="noStrike">
+          <a:lstStyle/>
+          <a:p>
+            <a:endParaRPr lang="en-US" sz="1800" b="0" strike="noStrike" spc="-1">
               <a:solidFill>
                 <a:srgbClr val="000000"/>
               </a:solidFill>
@@ -2724,11 +2972,12 @@
           </a:prstGeom>
         </p:spPr>
         <p:txBody>
-          <a:bodyPr lIns="0" rIns="0" tIns="0" bIns="0">
+          <a:bodyPr lIns="0" tIns="0" rIns="0" bIns="0">
             <a:normAutofit/>
           </a:bodyPr>
-          <a:p>
-            <a:endParaRPr b="0" lang="en-US" sz="2800" spc="-1" strike="noStrike">
+          <a:lstStyle/>
+          <a:p>
+            <a:endParaRPr lang="en-US" sz="2800" b="0" strike="noStrike" spc="-1">
               <a:solidFill>
                 <a:srgbClr val="000000"/>
               </a:solidFill>
@@ -2757,11 +3006,12 @@
           </a:prstGeom>
         </p:spPr>
         <p:txBody>
-          <a:bodyPr lIns="0" rIns="0" tIns="0" bIns="0">
+          <a:bodyPr lIns="0" tIns="0" rIns="0" bIns="0">
             <a:normAutofit/>
           </a:bodyPr>
-          <a:p>
-            <a:endParaRPr b="0" lang="en-US" sz="2800" spc="-1" strike="noStrike">
+          <a:lstStyle/>
+          <a:p>
+            <a:endParaRPr lang="en-US" sz="2800" b="0" strike="noStrike" spc="-1">
               <a:solidFill>
                 <a:srgbClr val="000000"/>
               </a:solidFill>
@@ -2790,11 +3040,12 @@
           </a:prstGeom>
         </p:spPr>
         <p:txBody>
-          <a:bodyPr lIns="0" rIns="0" tIns="0" bIns="0">
+          <a:bodyPr lIns="0" tIns="0" rIns="0" bIns="0">
             <a:normAutofit/>
           </a:bodyPr>
-          <a:p>
-            <a:endParaRPr b="0" lang="en-US" sz="2800" spc="-1" strike="noStrike">
+          <a:lstStyle/>
+          <a:p>
+            <a:endParaRPr lang="en-US" sz="2800" b="0" strike="noStrike" spc="-1">
               <a:solidFill>
                 <a:srgbClr val="000000"/>
               </a:solidFill>
@@ -2805,11 +3056,14 @@
       </p:sp>
     </p:spTree>
   </p:cSld>
+  <p:clrMapOvr>
+    <a:masterClrMapping/>
+  </p:clrMapOvr>
 </p:sldLayout>
 </file>
 
 <file path=ppt/slideLayouts/slideLayout32.xml><?xml version="1.0" encoding="utf-8"?>
-<p:sldLayout xmlns:a="http://schemas.openxmlformats.org/drawingml/2006/main" xmlns:p="http://schemas.openxmlformats.org/presentationml/2006/main" xmlns:r="http://schemas.openxmlformats.org/officeDocument/2006/relationships" xmlns:p14="http://schemas.microsoft.com/office/powerpoint/2010/main" xmlns:p15="http://schemas.microsoft.com/office/powerpoint/2012/main" xmlns:mc="http://schemas.openxmlformats.org/markup-compatibility/2006" type="objAndTwoObj" preserve="1">
+<p:sldLayout xmlns:a="http://schemas.openxmlformats.org/drawingml/2006/main" xmlns:r="http://schemas.openxmlformats.org/officeDocument/2006/relationships" xmlns:p="http://schemas.openxmlformats.org/presentationml/2006/main" type="objAndTwoObj" preserve="1">
   <p:cSld name="Title Content and 2 Content">
     <p:spTree>
       <p:nvGrpSpPr>
@@ -2845,11 +3099,12 @@
           </a:prstGeom>
         </p:spPr>
         <p:txBody>
-          <a:bodyPr lIns="0" rIns="0" tIns="0" bIns="0" anchor="ctr">
+          <a:bodyPr lIns="0" tIns="0" rIns="0" bIns="0" anchor="ctr">
             <a:noAutofit/>
           </a:bodyPr>
-          <a:p>
-            <a:endParaRPr b="0" lang="en-US" sz="1800" spc="-1" strike="noStrike">
+          <a:lstStyle/>
+          <a:p>
+            <a:endParaRPr lang="en-US" sz="1800" b="0" strike="noStrike" spc="-1">
               <a:solidFill>
                 <a:srgbClr val="000000"/>
               </a:solidFill>
@@ -2878,11 +3133,12 @@
           </a:prstGeom>
         </p:spPr>
         <p:txBody>
-          <a:bodyPr lIns="0" rIns="0" tIns="0" bIns="0">
+          <a:bodyPr lIns="0" tIns="0" rIns="0" bIns="0">
             <a:normAutofit/>
           </a:bodyPr>
-          <a:p>
-            <a:endParaRPr b="0" lang="en-US" sz="2800" spc="-1" strike="noStrike">
+          <a:lstStyle/>
+          <a:p>
+            <a:endParaRPr lang="en-US" sz="2800" b="0" strike="noStrike" spc="-1">
               <a:solidFill>
                 <a:srgbClr val="000000"/>
               </a:solidFill>
@@ -2911,11 +3167,12 @@
           </a:prstGeom>
         </p:spPr>
         <p:txBody>
-          <a:bodyPr lIns="0" rIns="0" tIns="0" bIns="0">
+          <a:bodyPr lIns="0" tIns="0" rIns="0" bIns="0">
             <a:normAutofit/>
           </a:bodyPr>
-          <a:p>
-            <a:endParaRPr b="0" lang="en-US" sz="2800" spc="-1" strike="noStrike">
+          <a:lstStyle/>
+          <a:p>
+            <a:endParaRPr lang="en-US" sz="2800" b="0" strike="noStrike" spc="-1">
               <a:solidFill>
                 <a:srgbClr val="000000"/>
               </a:solidFill>
@@ -2944,11 +3201,12 @@
           </a:prstGeom>
         </p:spPr>
         <p:txBody>
-          <a:bodyPr lIns="0" rIns="0" tIns="0" bIns="0">
+          <a:bodyPr lIns="0" tIns="0" rIns="0" bIns="0">
             <a:normAutofit/>
           </a:bodyPr>
-          <a:p>
-            <a:endParaRPr b="0" lang="en-US" sz="2800" spc="-1" strike="noStrike">
+          <a:lstStyle/>
+          <a:p>
+            <a:endParaRPr lang="en-US" sz="2800" b="0" strike="noStrike" spc="-1">
               <a:solidFill>
                 <a:srgbClr val="000000"/>
               </a:solidFill>
@@ -2959,11 +3217,14 @@
       </p:sp>
     </p:spTree>
   </p:cSld>
+  <p:clrMapOvr>
+    <a:masterClrMapping/>
+  </p:clrMapOvr>
 </p:sldLayout>
 </file>
 
 <file path=ppt/slideLayouts/slideLayout33.xml><?xml version="1.0" encoding="utf-8"?>
-<p:sldLayout xmlns:a="http://schemas.openxmlformats.org/drawingml/2006/main" xmlns:p="http://schemas.openxmlformats.org/presentationml/2006/main" xmlns:r="http://schemas.openxmlformats.org/officeDocument/2006/relationships" xmlns:p14="http://schemas.microsoft.com/office/powerpoint/2010/main" xmlns:p15="http://schemas.microsoft.com/office/powerpoint/2012/main" xmlns:mc="http://schemas.openxmlformats.org/markup-compatibility/2006" type="twoObjOverTx" preserve="1">
+<p:sldLayout xmlns:a="http://schemas.openxmlformats.org/drawingml/2006/main" xmlns:r="http://schemas.openxmlformats.org/officeDocument/2006/relationships" xmlns:p="http://schemas.openxmlformats.org/presentationml/2006/main" type="twoObjOverTx" preserve="1">
   <p:cSld name="Title, 2 Content over Content">
     <p:spTree>
       <p:nvGrpSpPr>
@@ -2999,11 +3260,12 @@
           </a:prstGeom>
         </p:spPr>
         <p:txBody>
-          <a:bodyPr lIns="0" rIns="0" tIns="0" bIns="0" anchor="ctr">
+          <a:bodyPr lIns="0" tIns="0" rIns="0" bIns="0" anchor="ctr">
             <a:noAutofit/>
           </a:bodyPr>
-          <a:p>
-            <a:endParaRPr b="0" lang="en-US" sz="1800" spc="-1" strike="noStrike">
+          <a:lstStyle/>
+          <a:p>
+            <a:endParaRPr lang="en-US" sz="1800" b="0" strike="noStrike" spc="-1">
               <a:solidFill>
                 <a:srgbClr val="000000"/>
               </a:solidFill>
@@ -3032,11 +3294,12 @@
           </a:prstGeom>
         </p:spPr>
         <p:txBody>
-          <a:bodyPr lIns="0" rIns="0" tIns="0" bIns="0">
+          <a:bodyPr lIns="0" tIns="0" rIns="0" bIns="0">
             <a:normAutofit/>
           </a:bodyPr>
-          <a:p>
-            <a:endParaRPr b="0" lang="en-US" sz="2800" spc="-1" strike="noStrike">
+          <a:lstStyle/>
+          <a:p>
+            <a:endParaRPr lang="en-US" sz="2800" b="0" strike="noStrike" spc="-1">
               <a:solidFill>
                 <a:srgbClr val="000000"/>
               </a:solidFill>
@@ -3065,11 +3328,12 @@
           </a:prstGeom>
         </p:spPr>
         <p:txBody>
-          <a:bodyPr lIns="0" rIns="0" tIns="0" bIns="0">
+          <a:bodyPr lIns="0" tIns="0" rIns="0" bIns="0">
             <a:normAutofit/>
           </a:bodyPr>
-          <a:p>
-            <a:endParaRPr b="0" lang="en-US" sz="2800" spc="-1" strike="noStrike">
+          <a:lstStyle/>
+          <a:p>
+            <a:endParaRPr lang="en-US" sz="2800" b="0" strike="noStrike" spc="-1">
               <a:solidFill>
                 <a:srgbClr val="000000"/>
               </a:solidFill>
@@ -3098,11 +3362,12 @@
           </a:prstGeom>
         </p:spPr>
         <p:txBody>
-          <a:bodyPr lIns="0" rIns="0" tIns="0" bIns="0">
+          <a:bodyPr lIns="0" tIns="0" rIns="0" bIns="0">
             <a:normAutofit/>
           </a:bodyPr>
-          <a:p>
-            <a:endParaRPr b="0" lang="en-US" sz="2800" spc="-1" strike="noStrike">
+          <a:lstStyle/>
+          <a:p>
+            <a:endParaRPr lang="en-US" sz="2800" b="0" strike="noStrike" spc="-1">
               <a:solidFill>
                 <a:srgbClr val="000000"/>
               </a:solidFill>
@@ -3113,11 +3378,14 @@
       </p:sp>
     </p:spTree>
   </p:cSld>
+  <p:clrMapOvr>
+    <a:masterClrMapping/>
+  </p:clrMapOvr>
 </p:sldLayout>
 </file>
 
 <file path=ppt/slideLayouts/slideLayout34.xml><?xml version="1.0" encoding="utf-8"?>
-<p:sldLayout xmlns:a="http://schemas.openxmlformats.org/drawingml/2006/main" xmlns:p="http://schemas.openxmlformats.org/presentationml/2006/main" xmlns:r="http://schemas.openxmlformats.org/officeDocument/2006/relationships" xmlns:p14="http://schemas.microsoft.com/office/powerpoint/2010/main" xmlns:p15="http://schemas.microsoft.com/office/powerpoint/2012/main" xmlns:mc="http://schemas.openxmlformats.org/markup-compatibility/2006" type="objOverTx" preserve="1">
+<p:sldLayout xmlns:a="http://schemas.openxmlformats.org/drawingml/2006/main" xmlns:r="http://schemas.openxmlformats.org/officeDocument/2006/relationships" xmlns:p="http://schemas.openxmlformats.org/presentationml/2006/main" type="objOverTx" preserve="1">
   <p:cSld name="Title, Content over Content">
     <p:spTree>
       <p:nvGrpSpPr>
@@ -3153,11 +3421,12 @@
           </a:prstGeom>
         </p:spPr>
         <p:txBody>
-          <a:bodyPr lIns="0" rIns="0" tIns="0" bIns="0" anchor="ctr">
+          <a:bodyPr lIns="0" tIns="0" rIns="0" bIns="0" anchor="ctr">
             <a:noAutofit/>
           </a:bodyPr>
-          <a:p>
-            <a:endParaRPr b="0" lang="en-US" sz="1800" spc="-1" strike="noStrike">
+          <a:lstStyle/>
+          <a:p>
+            <a:endParaRPr lang="en-US" sz="1800" b="0" strike="noStrike" spc="-1">
               <a:solidFill>
                 <a:srgbClr val="000000"/>
               </a:solidFill>
@@ -3186,11 +3455,12 @@
           </a:prstGeom>
         </p:spPr>
         <p:txBody>
-          <a:bodyPr lIns="0" rIns="0" tIns="0" bIns="0">
+          <a:bodyPr lIns="0" tIns="0" rIns="0" bIns="0">
             <a:normAutofit/>
           </a:bodyPr>
-          <a:p>
-            <a:endParaRPr b="0" lang="en-US" sz="2800" spc="-1" strike="noStrike">
+          <a:lstStyle/>
+          <a:p>
+            <a:endParaRPr lang="en-US" sz="2800" b="0" strike="noStrike" spc="-1">
               <a:solidFill>
                 <a:srgbClr val="000000"/>
               </a:solidFill>
@@ -3219,11 +3489,12 @@
           </a:prstGeom>
         </p:spPr>
         <p:txBody>
-          <a:bodyPr lIns="0" rIns="0" tIns="0" bIns="0">
+          <a:bodyPr lIns="0" tIns="0" rIns="0" bIns="0">
             <a:normAutofit/>
           </a:bodyPr>
-          <a:p>
-            <a:endParaRPr b="0" lang="en-US" sz="2800" spc="-1" strike="noStrike">
+          <a:lstStyle/>
+          <a:p>
+            <a:endParaRPr lang="en-US" sz="2800" b="0" strike="noStrike" spc="-1">
               <a:solidFill>
                 <a:srgbClr val="000000"/>
               </a:solidFill>
@@ -3234,11 +3505,14 @@
       </p:sp>
     </p:spTree>
   </p:cSld>
+  <p:clrMapOvr>
+    <a:masterClrMapping/>
+  </p:clrMapOvr>
 </p:sldLayout>
 </file>
 
 <file path=ppt/slideLayouts/slideLayout35.xml><?xml version="1.0" encoding="utf-8"?>
-<p:sldLayout xmlns:a="http://schemas.openxmlformats.org/drawingml/2006/main" xmlns:p="http://schemas.openxmlformats.org/presentationml/2006/main" xmlns:r="http://schemas.openxmlformats.org/officeDocument/2006/relationships" xmlns:p14="http://schemas.microsoft.com/office/powerpoint/2010/main" xmlns:p15="http://schemas.microsoft.com/office/powerpoint/2012/main" xmlns:mc="http://schemas.openxmlformats.org/markup-compatibility/2006" type="fourObj" preserve="1">
+<p:sldLayout xmlns:a="http://schemas.openxmlformats.org/drawingml/2006/main" xmlns:r="http://schemas.openxmlformats.org/officeDocument/2006/relationships" xmlns:p="http://schemas.openxmlformats.org/presentationml/2006/main" type="fourObj" preserve="1">
   <p:cSld name="Title, 4 Content">
     <p:spTree>
       <p:nvGrpSpPr>
@@ -3274,11 +3548,12 @@
           </a:prstGeom>
         </p:spPr>
         <p:txBody>
-          <a:bodyPr lIns="0" rIns="0" tIns="0" bIns="0" anchor="ctr">
+          <a:bodyPr lIns="0" tIns="0" rIns="0" bIns="0" anchor="ctr">
             <a:noAutofit/>
           </a:bodyPr>
-          <a:p>
-            <a:endParaRPr b="0" lang="en-US" sz="1800" spc="-1" strike="noStrike">
+          <a:lstStyle/>
+          <a:p>
+            <a:endParaRPr lang="en-US" sz="1800" b="0" strike="noStrike" spc="-1">
               <a:solidFill>
                 <a:srgbClr val="000000"/>
               </a:solidFill>
@@ -3307,11 +3582,12 @@
           </a:prstGeom>
         </p:spPr>
         <p:txBody>
-          <a:bodyPr lIns="0" rIns="0" tIns="0" bIns="0">
+          <a:bodyPr lIns="0" tIns="0" rIns="0" bIns="0">
             <a:normAutofit/>
           </a:bodyPr>
-          <a:p>
-            <a:endParaRPr b="0" lang="en-US" sz="2800" spc="-1" strike="noStrike">
+          <a:lstStyle/>
+          <a:p>
+            <a:endParaRPr lang="en-US" sz="2800" b="0" strike="noStrike" spc="-1">
               <a:solidFill>
                 <a:srgbClr val="000000"/>
               </a:solidFill>
@@ -3340,11 +3616,12 @@
           </a:prstGeom>
         </p:spPr>
         <p:txBody>
-          <a:bodyPr lIns="0" rIns="0" tIns="0" bIns="0">
+          <a:bodyPr lIns="0" tIns="0" rIns="0" bIns="0">
             <a:normAutofit/>
           </a:bodyPr>
-          <a:p>
-            <a:endParaRPr b="0" lang="en-US" sz="2800" spc="-1" strike="noStrike">
+          <a:lstStyle/>
+          <a:p>
+            <a:endParaRPr lang="en-US" sz="2800" b="0" strike="noStrike" spc="-1">
               <a:solidFill>
                 <a:srgbClr val="000000"/>
               </a:solidFill>
@@ -3373,11 +3650,12 @@
           </a:prstGeom>
         </p:spPr>
         <p:txBody>
-          <a:bodyPr lIns="0" rIns="0" tIns="0" bIns="0">
+          <a:bodyPr lIns="0" tIns="0" rIns="0" bIns="0">
             <a:normAutofit/>
           </a:bodyPr>
-          <a:p>
-            <a:endParaRPr b="0" lang="en-US" sz="2800" spc="-1" strike="noStrike">
+          <a:lstStyle/>
+          <a:p>
+            <a:endParaRPr lang="en-US" sz="2800" b="0" strike="noStrike" spc="-1">
               <a:solidFill>
                 <a:srgbClr val="000000"/>
               </a:solidFill>
@@ -3406,11 +3684,12 @@
           </a:prstGeom>
         </p:spPr>
         <p:txBody>
-          <a:bodyPr lIns="0" rIns="0" tIns="0" bIns="0">
+          <a:bodyPr lIns="0" tIns="0" rIns="0" bIns="0">
             <a:normAutofit/>
           </a:bodyPr>
-          <a:p>
-            <a:endParaRPr b="0" lang="en-US" sz="2800" spc="-1" strike="noStrike">
+          <a:lstStyle/>
+          <a:p>
+            <a:endParaRPr lang="en-US" sz="2800" b="0" strike="noStrike" spc="-1">
               <a:solidFill>
                 <a:srgbClr val="000000"/>
               </a:solidFill>
@@ -3421,11 +3700,14 @@
       </p:sp>
     </p:spTree>
   </p:cSld>
+  <p:clrMapOvr>
+    <a:masterClrMapping/>
+  </p:clrMapOvr>
 </p:sldLayout>
 </file>
 
 <file path=ppt/slideLayouts/slideLayout36.xml><?xml version="1.0" encoding="utf-8"?>
-<p:sldLayout xmlns:a="http://schemas.openxmlformats.org/drawingml/2006/main" xmlns:p="http://schemas.openxmlformats.org/presentationml/2006/main" xmlns:r="http://schemas.openxmlformats.org/officeDocument/2006/relationships" xmlns:p14="http://schemas.microsoft.com/office/powerpoint/2010/main" xmlns:p15="http://schemas.microsoft.com/office/powerpoint/2012/main" xmlns:mc="http://schemas.openxmlformats.org/markup-compatibility/2006" type="blank" preserve="1">
+<p:sldLayout xmlns:a="http://schemas.openxmlformats.org/drawingml/2006/main" xmlns:r="http://schemas.openxmlformats.org/officeDocument/2006/relationships" xmlns:p="http://schemas.openxmlformats.org/presentationml/2006/main" type="blank" preserve="1">
   <p:cSld name="Title, 6 Content">
     <p:spTree>
       <p:nvGrpSpPr>
@@ -3461,11 +3743,12 @@
           </a:prstGeom>
         </p:spPr>
         <p:txBody>
-          <a:bodyPr lIns="0" rIns="0" tIns="0" bIns="0" anchor="ctr">
+          <a:bodyPr lIns="0" tIns="0" rIns="0" bIns="0" anchor="ctr">
             <a:noAutofit/>
           </a:bodyPr>
-          <a:p>
-            <a:endParaRPr b="0" lang="en-US" sz="1800" spc="-1" strike="noStrike">
+          <a:lstStyle/>
+          <a:p>
+            <a:endParaRPr lang="en-US" sz="1800" b="0" strike="noStrike" spc="-1">
               <a:solidFill>
                 <a:srgbClr val="000000"/>
               </a:solidFill>
@@ -3494,11 +3777,12 @@
           </a:prstGeom>
         </p:spPr>
         <p:txBody>
-          <a:bodyPr lIns="0" rIns="0" tIns="0" bIns="0">
+          <a:bodyPr lIns="0" tIns="0" rIns="0" bIns="0">
             <a:normAutofit/>
           </a:bodyPr>
-          <a:p>
-            <a:endParaRPr b="0" lang="en-US" sz="2800" spc="-1" strike="noStrike">
+          <a:lstStyle/>
+          <a:p>
+            <a:endParaRPr lang="en-US" sz="2800" b="0" strike="noStrike" spc="-1">
               <a:solidFill>
                 <a:srgbClr val="000000"/>
               </a:solidFill>
@@ -3527,11 +3811,12 @@
           </a:prstGeom>
         </p:spPr>
         <p:txBody>
-          <a:bodyPr lIns="0" rIns="0" tIns="0" bIns="0">
+          <a:bodyPr lIns="0" tIns="0" rIns="0" bIns="0">
             <a:normAutofit/>
           </a:bodyPr>
-          <a:p>
-            <a:endParaRPr b="0" lang="en-US" sz="2800" spc="-1" strike="noStrike">
+          <a:lstStyle/>
+          <a:p>
+            <a:endParaRPr lang="en-US" sz="2800" b="0" strike="noStrike" spc="-1">
               <a:solidFill>
                 <a:srgbClr val="000000"/>
               </a:solidFill>
@@ -3560,11 +3845,12 @@
           </a:prstGeom>
         </p:spPr>
         <p:txBody>
-          <a:bodyPr lIns="0" rIns="0" tIns="0" bIns="0">
+          <a:bodyPr lIns="0" tIns="0" rIns="0" bIns="0">
             <a:normAutofit/>
           </a:bodyPr>
-          <a:p>
-            <a:endParaRPr b="0" lang="en-US" sz="2800" spc="-1" strike="noStrike">
+          <a:lstStyle/>
+          <a:p>
+            <a:endParaRPr lang="en-US" sz="2800" b="0" strike="noStrike" spc="-1">
               <a:solidFill>
                 <a:srgbClr val="000000"/>
               </a:solidFill>
@@ -3593,11 +3879,12 @@
           </a:prstGeom>
         </p:spPr>
         <p:txBody>
-          <a:bodyPr lIns="0" rIns="0" tIns="0" bIns="0">
+          <a:bodyPr lIns="0" tIns="0" rIns="0" bIns="0">
             <a:normAutofit/>
           </a:bodyPr>
-          <a:p>
-            <a:endParaRPr b="0" lang="en-US" sz="2800" spc="-1" strike="noStrike">
+          <a:lstStyle/>
+          <a:p>
+            <a:endParaRPr lang="en-US" sz="2800" b="0" strike="noStrike" spc="-1">
               <a:solidFill>
                 <a:srgbClr val="000000"/>
               </a:solidFill>
@@ -3626,11 +3913,12 @@
           </a:prstGeom>
         </p:spPr>
         <p:txBody>
-          <a:bodyPr lIns="0" rIns="0" tIns="0" bIns="0">
+          <a:bodyPr lIns="0" tIns="0" rIns="0" bIns="0">
             <a:normAutofit/>
           </a:bodyPr>
-          <a:p>
-            <a:endParaRPr b="0" lang="en-US" sz="2800" spc="-1" strike="noStrike">
+          <a:lstStyle/>
+          <a:p>
+            <a:endParaRPr lang="en-US" sz="2800" b="0" strike="noStrike" spc="-1">
               <a:solidFill>
                 <a:srgbClr val="000000"/>
               </a:solidFill>
@@ -3659,11 +3947,12 @@
           </a:prstGeom>
         </p:spPr>
         <p:txBody>
-          <a:bodyPr lIns="0" rIns="0" tIns="0" bIns="0">
+          <a:bodyPr lIns="0" tIns="0" rIns="0" bIns="0">
             <a:normAutofit/>
           </a:bodyPr>
-          <a:p>
-            <a:endParaRPr b="0" lang="en-US" sz="2800" spc="-1" strike="noStrike">
+          <a:lstStyle/>
+          <a:p>
+            <a:endParaRPr lang="en-US" sz="2800" b="0" strike="noStrike" spc="-1">
               <a:solidFill>
                 <a:srgbClr val="000000"/>
               </a:solidFill>
@@ -3674,11 +3963,14 @@
       </p:sp>
     </p:spTree>
   </p:cSld>
+  <p:clrMapOvr>
+    <a:masterClrMapping/>
+  </p:clrMapOvr>
 </p:sldLayout>
 </file>
 
 <file path=ppt/slideLayouts/slideLayout37.xml><?xml version="1.0" encoding="utf-8"?>
-<p:sldLayout xmlns:a="http://schemas.openxmlformats.org/drawingml/2006/main" xmlns:p="http://schemas.openxmlformats.org/presentationml/2006/main" xmlns:r="http://schemas.openxmlformats.org/officeDocument/2006/relationships" xmlns:p14="http://schemas.microsoft.com/office/powerpoint/2010/main" xmlns:p15="http://schemas.microsoft.com/office/powerpoint/2012/main" xmlns:mc="http://schemas.openxmlformats.org/markup-compatibility/2006" type="blank" preserve="1">
+<p:sldLayout xmlns:a="http://schemas.openxmlformats.org/drawingml/2006/main" xmlns:r="http://schemas.openxmlformats.org/officeDocument/2006/relationships" xmlns:p="http://schemas.openxmlformats.org/presentationml/2006/main" type="blank" preserve="1">
   <p:cSld name="Blank Slide">
     <p:spTree>
       <p:nvGrpSpPr>
@@ -3696,11 +3988,14 @@
       </p:grpSpPr>
     </p:spTree>
   </p:cSld>
+  <p:clrMapOvr>
+    <a:masterClrMapping/>
+  </p:clrMapOvr>
 </p:sldLayout>
 </file>
 
 <file path=ppt/slideLayouts/slideLayout38.xml><?xml version="1.0" encoding="utf-8"?>
-<p:sldLayout xmlns:a="http://schemas.openxmlformats.org/drawingml/2006/main" xmlns:p="http://schemas.openxmlformats.org/presentationml/2006/main" xmlns:r="http://schemas.openxmlformats.org/officeDocument/2006/relationships" xmlns:p14="http://schemas.microsoft.com/office/powerpoint/2010/main" xmlns:p15="http://schemas.microsoft.com/office/powerpoint/2012/main" xmlns:mc="http://schemas.openxmlformats.org/markup-compatibility/2006" type="tx" preserve="1">
+<p:sldLayout xmlns:a="http://schemas.openxmlformats.org/drawingml/2006/main" xmlns:r="http://schemas.openxmlformats.org/officeDocument/2006/relationships" xmlns:p="http://schemas.openxmlformats.org/presentationml/2006/main" type="tx" preserve="1">
   <p:cSld name="Title Slide">
     <p:spTree>
       <p:nvGrpSpPr>
@@ -3736,11 +4031,12 @@
           </a:prstGeom>
         </p:spPr>
         <p:txBody>
-          <a:bodyPr lIns="0" rIns="0" tIns="0" bIns="0" anchor="ctr">
+          <a:bodyPr lIns="0" tIns="0" rIns="0" bIns="0" anchor="ctr">
             <a:noAutofit/>
           </a:bodyPr>
-          <a:p>
-            <a:endParaRPr b="0" lang="en-US" sz="1800" spc="-1" strike="noStrike">
+          <a:lstStyle/>
+          <a:p>
+            <a:endParaRPr lang="en-US" sz="1800" b="0" strike="noStrike" spc="-1">
               <a:solidFill>
                 <a:srgbClr val="000000"/>
               </a:solidFill>
@@ -3769,12 +4065,13 @@
           </a:prstGeom>
         </p:spPr>
         <p:txBody>
-          <a:bodyPr lIns="0" rIns="0" tIns="0" bIns="0" anchor="ctr">
+          <a:bodyPr lIns="0" tIns="0" rIns="0" bIns="0" anchor="ctr">
             <a:noAutofit/>
           </a:bodyPr>
+          <a:lstStyle/>
           <a:p>
             <a:pPr algn="ctr"/>
-            <a:endParaRPr b="0" lang="en-US" sz="3200" spc="-1" strike="noStrike">
+            <a:endParaRPr lang="en-US" sz="3200" b="0" strike="noStrike" spc="-1">
               <a:latin typeface="Arial"/>
             </a:endParaRPr>
           </a:p>
@@ -3782,11 +4079,14 @@
       </p:sp>
     </p:spTree>
   </p:cSld>
+  <p:clrMapOvr>
+    <a:masterClrMapping/>
+  </p:clrMapOvr>
 </p:sldLayout>
 </file>
 
 <file path=ppt/slideLayouts/slideLayout39.xml><?xml version="1.0" encoding="utf-8"?>
-<p:sldLayout xmlns:a="http://schemas.openxmlformats.org/drawingml/2006/main" xmlns:p="http://schemas.openxmlformats.org/presentationml/2006/main" xmlns:r="http://schemas.openxmlformats.org/officeDocument/2006/relationships" xmlns:p14="http://schemas.microsoft.com/office/powerpoint/2010/main" xmlns:p15="http://schemas.microsoft.com/office/powerpoint/2012/main" xmlns:mc="http://schemas.openxmlformats.org/markup-compatibility/2006" type="obj" preserve="1">
+<p:sldLayout xmlns:a="http://schemas.openxmlformats.org/drawingml/2006/main" xmlns:r="http://schemas.openxmlformats.org/officeDocument/2006/relationships" xmlns:p="http://schemas.openxmlformats.org/presentationml/2006/main" type="obj" preserve="1">
   <p:cSld name="Title, Content">
     <p:spTree>
       <p:nvGrpSpPr>
@@ -3822,11 +4122,12 @@
           </a:prstGeom>
         </p:spPr>
         <p:txBody>
-          <a:bodyPr lIns="0" rIns="0" tIns="0" bIns="0" anchor="ctr">
+          <a:bodyPr lIns="0" tIns="0" rIns="0" bIns="0" anchor="ctr">
             <a:noAutofit/>
           </a:bodyPr>
-          <a:p>
-            <a:endParaRPr b="0" lang="en-US" sz="1800" spc="-1" strike="noStrike">
+          <a:lstStyle/>
+          <a:p>
+            <a:endParaRPr lang="en-US" sz="1800" b="0" strike="noStrike" spc="-1">
               <a:solidFill>
                 <a:srgbClr val="000000"/>
               </a:solidFill>
@@ -3855,11 +4156,12 @@
           </a:prstGeom>
         </p:spPr>
         <p:txBody>
-          <a:bodyPr lIns="0" rIns="0" tIns="0" bIns="0">
+          <a:bodyPr lIns="0" tIns="0" rIns="0" bIns="0">
             <a:normAutofit/>
           </a:bodyPr>
-          <a:p>
-            <a:endParaRPr b="0" lang="en-US" sz="2800" spc="-1" strike="noStrike">
+          <a:lstStyle/>
+          <a:p>
+            <a:endParaRPr lang="en-US" sz="2800" b="0" strike="noStrike" spc="-1">
               <a:solidFill>
                 <a:srgbClr val="000000"/>
               </a:solidFill>
@@ -3870,11 +4172,14 @@
       </p:sp>
     </p:spTree>
   </p:cSld>
+  <p:clrMapOvr>
+    <a:masterClrMapping/>
+  </p:clrMapOvr>
 </p:sldLayout>
 </file>
 
 <file path=ppt/slideLayouts/slideLayout4.xml><?xml version="1.0" encoding="utf-8"?>
-<p:sldLayout xmlns:a="http://schemas.openxmlformats.org/drawingml/2006/main" xmlns:p="http://schemas.openxmlformats.org/presentationml/2006/main" xmlns:r="http://schemas.openxmlformats.org/officeDocument/2006/relationships" xmlns:p14="http://schemas.microsoft.com/office/powerpoint/2010/main" xmlns:p15="http://schemas.microsoft.com/office/powerpoint/2012/main" xmlns:mc="http://schemas.openxmlformats.org/markup-compatibility/2006" type="twoObj" preserve="1">
+<p:sldLayout xmlns:a="http://schemas.openxmlformats.org/drawingml/2006/main" xmlns:r="http://schemas.openxmlformats.org/officeDocument/2006/relationships" xmlns:p="http://schemas.openxmlformats.org/presentationml/2006/main" type="twoObj" preserve="1">
   <p:cSld name="Title, 2 Content">
     <p:spTree>
       <p:nvGrpSpPr>
@@ -3910,11 +4215,12 @@
           </a:prstGeom>
         </p:spPr>
         <p:txBody>
-          <a:bodyPr lIns="0" rIns="0" tIns="0" bIns="0" anchor="ctr">
+          <a:bodyPr lIns="0" tIns="0" rIns="0" bIns="0" anchor="ctr">
             <a:noAutofit/>
           </a:bodyPr>
-          <a:p>
-            <a:endParaRPr b="0" lang="en-US" sz="1800" spc="-1" strike="noStrike">
+          <a:lstStyle/>
+          <a:p>
+            <a:endParaRPr lang="en-US" sz="1800" b="0" strike="noStrike" spc="-1">
               <a:solidFill>
                 <a:srgbClr val="000000"/>
               </a:solidFill>
@@ -3943,11 +4249,12 @@
           </a:prstGeom>
         </p:spPr>
         <p:txBody>
-          <a:bodyPr lIns="0" rIns="0" tIns="0" bIns="0">
+          <a:bodyPr lIns="0" tIns="0" rIns="0" bIns="0">
             <a:normAutofit/>
           </a:bodyPr>
-          <a:p>
-            <a:endParaRPr b="0" lang="en-US" sz="2800" spc="-1" strike="noStrike">
+          <a:lstStyle/>
+          <a:p>
+            <a:endParaRPr lang="en-US" sz="2800" b="0" strike="noStrike" spc="-1">
               <a:solidFill>
                 <a:srgbClr val="000000"/>
               </a:solidFill>
@@ -3976,11 +4283,12 @@
           </a:prstGeom>
         </p:spPr>
         <p:txBody>
-          <a:bodyPr lIns="0" rIns="0" tIns="0" bIns="0">
+          <a:bodyPr lIns="0" tIns="0" rIns="0" bIns="0">
             <a:normAutofit/>
           </a:bodyPr>
-          <a:p>
-            <a:endParaRPr b="0" lang="en-US" sz="2800" spc="-1" strike="noStrike">
+          <a:lstStyle/>
+          <a:p>
+            <a:endParaRPr lang="en-US" sz="2800" b="0" strike="noStrike" spc="-1">
               <a:solidFill>
                 <a:srgbClr val="000000"/>
               </a:solidFill>
@@ -3991,11 +4299,14 @@
       </p:sp>
     </p:spTree>
   </p:cSld>
+  <p:clrMapOvr>
+    <a:masterClrMapping/>
+  </p:clrMapOvr>
 </p:sldLayout>
 </file>
 
 <file path=ppt/slideLayouts/slideLayout40.xml><?xml version="1.0" encoding="utf-8"?>
-<p:sldLayout xmlns:a="http://schemas.openxmlformats.org/drawingml/2006/main" xmlns:p="http://schemas.openxmlformats.org/presentationml/2006/main" xmlns:r="http://schemas.openxmlformats.org/officeDocument/2006/relationships" xmlns:p14="http://schemas.microsoft.com/office/powerpoint/2010/main" xmlns:p15="http://schemas.microsoft.com/office/powerpoint/2012/main" xmlns:mc="http://schemas.openxmlformats.org/markup-compatibility/2006" type="twoObj" preserve="1">
+<p:sldLayout xmlns:a="http://schemas.openxmlformats.org/drawingml/2006/main" xmlns:r="http://schemas.openxmlformats.org/officeDocument/2006/relationships" xmlns:p="http://schemas.openxmlformats.org/presentationml/2006/main" type="twoObj" preserve="1">
   <p:cSld name="Title, 2 Content">
     <p:spTree>
       <p:nvGrpSpPr>
@@ -4031,11 +4342,12 @@
           </a:prstGeom>
         </p:spPr>
         <p:txBody>
-          <a:bodyPr lIns="0" rIns="0" tIns="0" bIns="0" anchor="ctr">
+          <a:bodyPr lIns="0" tIns="0" rIns="0" bIns="0" anchor="ctr">
             <a:noAutofit/>
           </a:bodyPr>
-          <a:p>
-            <a:endParaRPr b="0" lang="en-US" sz="1800" spc="-1" strike="noStrike">
+          <a:lstStyle/>
+          <a:p>
+            <a:endParaRPr lang="en-US" sz="1800" b="0" strike="noStrike" spc="-1">
               <a:solidFill>
                 <a:srgbClr val="000000"/>
               </a:solidFill>
@@ -4064,11 +4376,12 @@
           </a:prstGeom>
         </p:spPr>
         <p:txBody>
-          <a:bodyPr lIns="0" rIns="0" tIns="0" bIns="0">
+          <a:bodyPr lIns="0" tIns="0" rIns="0" bIns="0">
             <a:normAutofit/>
           </a:bodyPr>
-          <a:p>
-            <a:endParaRPr b="0" lang="en-US" sz="2800" spc="-1" strike="noStrike">
+          <a:lstStyle/>
+          <a:p>
+            <a:endParaRPr lang="en-US" sz="2800" b="0" strike="noStrike" spc="-1">
               <a:solidFill>
                 <a:srgbClr val="000000"/>
               </a:solidFill>
@@ -4097,11 +4410,12 @@
           </a:prstGeom>
         </p:spPr>
         <p:txBody>
-          <a:bodyPr lIns="0" rIns="0" tIns="0" bIns="0">
+          <a:bodyPr lIns="0" tIns="0" rIns="0" bIns="0">
             <a:normAutofit/>
           </a:bodyPr>
-          <a:p>
-            <a:endParaRPr b="0" lang="en-US" sz="2800" spc="-1" strike="noStrike">
+          <a:lstStyle/>
+          <a:p>
+            <a:endParaRPr lang="en-US" sz="2800" b="0" strike="noStrike" spc="-1">
               <a:solidFill>
                 <a:srgbClr val="000000"/>
               </a:solidFill>
@@ -4112,11 +4426,14 @@
       </p:sp>
     </p:spTree>
   </p:cSld>
+  <p:clrMapOvr>
+    <a:masterClrMapping/>
+  </p:clrMapOvr>
 </p:sldLayout>
 </file>
 
 <file path=ppt/slideLayouts/slideLayout41.xml><?xml version="1.0" encoding="utf-8"?>
-<p:sldLayout xmlns:a="http://schemas.openxmlformats.org/drawingml/2006/main" xmlns:p="http://schemas.openxmlformats.org/presentationml/2006/main" xmlns:r="http://schemas.openxmlformats.org/officeDocument/2006/relationships" xmlns:p14="http://schemas.microsoft.com/office/powerpoint/2010/main" xmlns:p15="http://schemas.microsoft.com/office/powerpoint/2012/main" xmlns:mc="http://schemas.openxmlformats.org/markup-compatibility/2006" type="titleOnly" preserve="1">
+<p:sldLayout xmlns:a="http://schemas.openxmlformats.org/drawingml/2006/main" xmlns:r="http://schemas.openxmlformats.org/officeDocument/2006/relationships" xmlns:p="http://schemas.openxmlformats.org/presentationml/2006/main" type="titleOnly" preserve="1">
   <p:cSld name="Title Only">
     <p:spTree>
       <p:nvGrpSpPr>
@@ -4152,11 +4469,12 @@
           </a:prstGeom>
         </p:spPr>
         <p:txBody>
-          <a:bodyPr lIns="0" rIns="0" tIns="0" bIns="0" anchor="ctr">
+          <a:bodyPr lIns="0" tIns="0" rIns="0" bIns="0" anchor="ctr">
             <a:noAutofit/>
           </a:bodyPr>
-          <a:p>
-            <a:endParaRPr b="0" lang="en-US" sz="1800" spc="-1" strike="noStrike">
+          <a:lstStyle/>
+          <a:p>
+            <a:endParaRPr lang="en-US" sz="1800" b="0" strike="noStrike" spc="-1">
               <a:solidFill>
                 <a:srgbClr val="000000"/>
               </a:solidFill>
@@ -4167,11 +4485,14 @@
       </p:sp>
     </p:spTree>
   </p:cSld>
+  <p:clrMapOvr>
+    <a:masterClrMapping/>
+  </p:clrMapOvr>
 </p:sldLayout>
 </file>
 
 <file path=ppt/slideLayouts/slideLayout42.xml><?xml version="1.0" encoding="utf-8"?>
-<p:sldLayout xmlns:a="http://schemas.openxmlformats.org/drawingml/2006/main" xmlns:p="http://schemas.openxmlformats.org/presentationml/2006/main" xmlns:r="http://schemas.openxmlformats.org/officeDocument/2006/relationships" xmlns:p14="http://schemas.microsoft.com/office/powerpoint/2010/main" xmlns:p15="http://schemas.microsoft.com/office/powerpoint/2012/main" xmlns:mc="http://schemas.openxmlformats.org/markup-compatibility/2006" type="objOnly" preserve="1">
+<p:sldLayout xmlns:a="http://schemas.openxmlformats.org/drawingml/2006/main" xmlns:r="http://schemas.openxmlformats.org/officeDocument/2006/relationships" xmlns:p="http://schemas.openxmlformats.org/presentationml/2006/main" type="objOnly" preserve="1">
   <p:cSld name="Centered Text">
     <p:spTree>
       <p:nvGrpSpPr>
@@ -4207,12 +4528,13 @@
           </a:prstGeom>
         </p:spPr>
         <p:txBody>
-          <a:bodyPr lIns="0" rIns="0" tIns="0" bIns="0" anchor="ctr">
+          <a:bodyPr lIns="0" tIns="0" rIns="0" bIns="0" anchor="ctr">
             <a:noAutofit/>
           </a:bodyPr>
+          <a:lstStyle/>
           <a:p>
             <a:pPr algn="ctr"/>
-            <a:endParaRPr b="0" lang="en-US" sz="3200" spc="-1" strike="noStrike">
+            <a:endParaRPr lang="en-US" sz="3200" b="0" strike="noStrike" spc="-1">
               <a:latin typeface="Arial"/>
             </a:endParaRPr>
           </a:p>
@@ -4220,11 +4542,14 @@
       </p:sp>
     </p:spTree>
   </p:cSld>
+  <p:clrMapOvr>
+    <a:masterClrMapping/>
+  </p:clrMapOvr>
 </p:sldLayout>
 </file>
 
 <file path=ppt/slideLayouts/slideLayout43.xml><?xml version="1.0" encoding="utf-8"?>
-<p:sldLayout xmlns:a="http://schemas.openxmlformats.org/drawingml/2006/main" xmlns:p="http://schemas.openxmlformats.org/presentationml/2006/main" xmlns:r="http://schemas.openxmlformats.org/officeDocument/2006/relationships" xmlns:p14="http://schemas.microsoft.com/office/powerpoint/2010/main" xmlns:p15="http://schemas.microsoft.com/office/powerpoint/2012/main" xmlns:mc="http://schemas.openxmlformats.org/markup-compatibility/2006" type="twoObjAndObj" preserve="1">
+<p:sldLayout xmlns:a="http://schemas.openxmlformats.org/drawingml/2006/main" xmlns:r="http://schemas.openxmlformats.org/officeDocument/2006/relationships" xmlns:p="http://schemas.openxmlformats.org/presentationml/2006/main" type="twoObjAndObj" preserve="1">
   <p:cSld name="Title, 2 Content and Content">
     <p:spTree>
       <p:nvGrpSpPr>
@@ -4260,11 +4585,12 @@
           </a:prstGeom>
         </p:spPr>
         <p:txBody>
-          <a:bodyPr lIns="0" rIns="0" tIns="0" bIns="0" anchor="ctr">
+          <a:bodyPr lIns="0" tIns="0" rIns="0" bIns="0" anchor="ctr">
             <a:noAutofit/>
           </a:bodyPr>
-          <a:p>
-            <a:endParaRPr b="0" lang="en-US" sz="1800" spc="-1" strike="noStrike">
+          <a:lstStyle/>
+          <a:p>
+            <a:endParaRPr lang="en-US" sz="1800" b="0" strike="noStrike" spc="-1">
               <a:solidFill>
                 <a:srgbClr val="000000"/>
               </a:solidFill>
@@ -4293,11 +4619,12 @@
           </a:prstGeom>
         </p:spPr>
         <p:txBody>
-          <a:bodyPr lIns="0" rIns="0" tIns="0" bIns="0">
+          <a:bodyPr lIns="0" tIns="0" rIns="0" bIns="0">
             <a:normAutofit/>
           </a:bodyPr>
-          <a:p>
-            <a:endParaRPr b="0" lang="en-US" sz="2800" spc="-1" strike="noStrike">
+          <a:lstStyle/>
+          <a:p>
+            <a:endParaRPr lang="en-US" sz="2800" b="0" strike="noStrike" spc="-1">
               <a:solidFill>
                 <a:srgbClr val="000000"/>
               </a:solidFill>
@@ -4326,11 +4653,12 @@
           </a:prstGeom>
         </p:spPr>
         <p:txBody>
-          <a:bodyPr lIns="0" rIns="0" tIns="0" bIns="0">
+          <a:bodyPr lIns="0" tIns="0" rIns="0" bIns="0">
             <a:normAutofit/>
           </a:bodyPr>
-          <a:p>
-            <a:endParaRPr b="0" lang="en-US" sz="2800" spc="-1" strike="noStrike">
+          <a:lstStyle/>
+          <a:p>
+            <a:endParaRPr lang="en-US" sz="2800" b="0" strike="noStrike" spc="-1">
               <a:solidFill>
                 <a:srgbClr val="000000"/>
               </a:solidFill>
@@ -4359,11 +4687,12 @@
           </a:prstGeom>
         </p:spPr>
         <p:txBody>
-          <a:bodyPr lIns="0" rIns="0" tIns="0" bIns="0">
+          <a:bodyPr lIns="0" tIns="0" rIns="0" bIns="0">
             <a:normAutofit/>
           </a:bodyPr>
-          <a:p>
-            <a:endParaRPr b="0" lang="en-US" sz="2800" spc="-1" strike="noStrike">
+          <a:lstStyle/>
+          <a:p>
+            <a:endParaRPr lang="en-US" sz="2800" b="0" strike="noStrike" spc="-1">
               <a:solidFill>
                 <a:srgbClr val="000000"/>
               </a:solidFill>
@@ -4374,11 +4703,14 @@
       </p:sp>
     </p:spTree>
   </p:cSld>
+  <p:clrMapOvr>
+    <a:masterClrMapping/>
+  </p:clrMapOvr>
 </p:sldLayout>
 </file>
 
 <file path=ppt/slideLayouts/slideLayout44.xml><?xml version="1.0" encoding="utf-8"?>
-<p:sldLayout xmlns:a="http://schemas.openxmlformats.org/drawingml/2006/main" xmlns:p="http://schemas.openxmlformats.org/presentationml/2006/main" xmlns:r="http://schemas.openxmlformats.org/officeDocument/2006/relationships" xmlns:p14="http://schemas.microsoft.com/office/powerpoint/2010/main" xmlns:p15="http://schemas.microsoft.com/office/powerpoint/2012/main" xmlns:mc="http://schemas.openxmlformats.org/markup-compatibility/2006" type="objAndTwoObj" preserve="1">
+<p:sldLayout xmlns:a="http://schemas.openxmlformats.org/drawingml/2006/main" xmlns:r="http://schemas.openxmlformats.org/officeDocument/2006/relationships" xmlns:p="http://schemas.openxmlformats.org/presentationml/2006/main" type="objAndTwoObj" preserve="1">
   <p:cSld name="Title Content and 2 Content">
     <p:spTree>
       <p:nvGrpSpPr>
@@ -4414,11 +4746,12 @@
           </a:prstGeom>
         </p:spPr>
         <p:txBody>
-          <a:bodyPr lIns="0" rIns="0" tIns="0" bIns="0" anchor="ctr">
+          <a:bodyPr lIns="0" tIns="0" rIns="0" bIns="0" anchor="ctr">
             <a:noAutofit/>
           </a:bodyPr>
-          <a:p>
-            <a:endParaRPr b="0" lang="en-US" sz="1800" spc="-1" strike="noStrike">
+          <a:lstStyle/>
+          <a:p>
+            <a:endParaRPr lang="en-US" sz="1800" b="0" strike="noStrike" spc="-1">
               <a:solidFill>
                 <a:srgbClr val="000000"/>
               </a:solidFill>
@@ -4447,11 +4780,12 @@
           </a:prstGeom>
         </p:spPr>
         <p:txBody>
-          <a:bodyPr lIns="0" rIns="0" tIns="0" bIns="0">
+          <a:bodyPr lIns="0" tIns="0" rIns="0" bIns="0">
             <a:normAutofit/>
           </a:bodyPr>
-          <a:p>
-            <a:endParaRPr b="0" lang="en-US" sz="2800" spc="-1" strike="noStrike">
+          <a:lstStyle/>
+          <a:p>
+            <a:endParaRPr lang="en-US" sz="2800" b="0" strike="noStrike" spc="-1">
               <a:solidFill>
                 <a:srgbClr val="000000"/>
               </a:solidFill>
@@ -4480,11 +4814,12 @@
           </a:prstGeom>
         </p:spPr>
         <p:txBody>
-          <a:bodyPr lIns="0" rIns="0" tIns="0" bIns="0">
+          <a:bodyPr lIns="0" tIns="0" rIns="0" bIns="0">
             <a:normAutofit/>
           </a:bodyPr>
-          <a:p>
-            <a:endParaRPr b="0" lang="en-US" sz="2800" spc="-1" strike="noStrike">
+          <a:lstStyle/>
+          <a:p>
+            <a:endParaRPr lang="en-US" sz="2800" b="0" strike="noStrike" spc="-1">
               <a:solidFill>
                 <a:srgbClr val="000000"/>
               </a:solidFill>
@@ -4513,11 +4848,12 @@
           </a:prstGeom>
         </p:spPr>
         <p:txBody>
-          <a:bodyPr lIns="0" rIns="0" tIns="0" bIns="0">
+          <a:bodyPr lIns="0" tIns="0" rIns="0" bIns="0">
             <a:normAutofit/>
           </a:bodyPr>
-          <a:p>
-            <a:endParaRPr b="0" lang="en-US" sz="2800" spc="-1" strike="noStrike">
+          <a:lstStyle/>
+          <a:p>
+            <a:endParaRPr lang="en-US" sz="2800" b="0" strike="noStrike" spc="-1">
               <a:solidFill>
                 <a:srgbClr val="000000"/>
               </a:solidFill>
@@ -4528,11 +4864,14 @@
       </p:sp>
     </p:spTree>
   </p:cSld>
+  <p:clrMapOvr>
+    <a:masterClrMapping/>
+  </p:clrMapOvr>
 </p:sldLayout>
 </file>
 
 <file path=ppt/slideLayouts/slideLayout45.xml><?xml version="1.0" encoding="utf-8"?>
-<p:sldLayout xmlns:a="http://schemas.openxmlformats.org/drawingml/2006/main" xmlns:p="http://schemas.openxmlformats.org/presentationml/2006/main" xmlns:r="http://schemas.openxmlformats.org/officeDocument/2006/relationships" xmlns:p14="http://schemas.microsoft.com/office/powerpoint/2010/main" xmlns:p15="http://schemas.microsoft.com/office/powerpoint/2012/main" xmlns:mc="http://schemas.openxmlformats.org/markup-compatibility/2006" type="twoObjOverTx" preserve="1">
+<p:sldLayout xmlns:a="http://schemas.openxmlformats.org/drawingml/2006/main" xmlns:r="http://schemas.openxmlformats.org/officeDocument/2006/relationships" xmlns:p="http://schemas.openxmlformats.org/presentationml/2006/main" type="twoObjOverTx" preserve="1">
   <p:cSld name="Title, 2 Content over Content">
     <p:spTree>
       <p:nvGrpSpPr>
@@ -4568,11 +4907,12 @@
           </a:prstGeom>
         </p:spPr>
         <p:txBody>
-          <a:bodyPr lIns="0" rIns="0" tIns="0" bIns="0" anchor="ctr">
+          <a:bodyPr lIns="0" tIns="0" rIns="0" bIns="0" anchor="ctr">
             <a:noAutofit/>
           </a:bodyPr>
-          <a:p>
-            <a:endParaRPr b="0" lang="en-US" sz="1800" spc="-1" strike="noStrike">
+          <a:lstStyle/>
+          <a:p>
+            <a:endParaRPr lang="en-US" sz="1800" b="0" strike="noStrike" spc="-1">
               <a:solidFill>
                 <a:srgbClr val="000000"/>
               </a:solidFill>
@@ -4601,11 +4941,12 @@
           </a:prstGeom>
         </p:spPr>
         <p:txBody>
-          <a:bodyPr lIns="0" rIns="0" tIns="0" bIns="0">
+          <a:bodyPr lIns="0" tIns="0" rIns="0" bIns="0">
             <a:normAutofit/>
           </a:bodyPr>
-          <a:p>
-            <a:endParaRPr b="0" lang="en-US" sz="2800" spc="-1" strike="noStrike">
+          <a:lstStyle/>
+          <a:p>
+            <a:endParaRPr lang="en-US" sz="2800" b="0" strike="noStrike" spc="-1">
               <a:solidFill>
                 <a:srgbClr val="000000"/>
               </a:solidFill>
@@ -4634,11 +4975,12 @@
           </a:prstGeom>
         </p:spPr>
         <p:txBody>
-          <a:bodyPr lIns="0" rIns="0" tIns="0" bIns="0">
+          <a:bodyPr lIns="0" tIns="0" rIns="0" bIns="0">
             <a:normAutofit/>
           </a:bodyPr>
-          <a:p>
-            <a:endParaRPr b="0" lang="en-US" sz="2800" spc="-1" strike="noStrike">
+          <a:lstStyle/>
+          <a:p>
+            <a:endParaRPr lang="en-US" sz="2800" b="0" strike="noStrike" spc="-1">
               <a:solidFill>
                 <a:srgbClr val="000000"/>
               </a:solidFill>
@@ -4667,11 +5009,12 @@
           </a:prstGeom>
         </p:spPr>
         <p:txBody>
-          <a:bodyPr lIns="0" rIns="0" tIns="0" bIns="0">
+          <a:bodyPr lIns="0" tIns="0" rIns="0" bIns="0">
             <a:normAutofit/>
           </a:bodyPr>
-          <a:p>
-            <a:endParaRPr b="0" lang="en-US" sz="2800" spc="-1" strike="noStrike">
+          <a:lstStyle/>
+          <a:p>
+            <a:endParaRPr lang="en-US" sz="2800" b="0" strike="noStrike" spc="-1">
               <a:solidFill>
                 <a:srgbClr val="000000"/>
               </a:solidFill>
@@ -4682,11 +5025,14 @@
       </p:sp>
     </p:spTree>
   </p:cSld>
+  <p:clrMapOvr>
+    <a:masterClrMapping/>
+  </p:clrMapOvr>
 </p:sldLayout>
 </file>
 
 <file path=ppt/slideLayouts/slideLayout46.xml><?xml version="1.0" encoding="utf-8"?>
-<p:sldLayout xmlns:a="http://schemas.openxmlformats.org/drawingml/2006/main" xmlns:p="http://schemas.openxmlformats.org/presentationml/2006/main" xmlns:r="http://schemas.openxmlformats.org/officeDocument/2006/relationships" xmlns:p14="http://schemas.microsoft.com/office/powerpoint/2010/main" xmlns:p15="http://schemas.microsoft.com/office/powerpoint/2012/main" xmlns:mc="http://schemas.openxmlformats.org/markup-compatibility/2006" type="objOverTx" preserve="1">
+<p:sldLayout xmlns:a="http://schemas.openxmlformats.org/drawingml/2006/main" xmlns:r="http://schemas.openxmlformats.org/officeDocument/2006/relationships" xmlns:p="http://schemas.openxmlformats.org/presentationml/2006/main" type="objOverTx" preserve="1">
   <p:cSld name="Title, Content over Content">
     <p:spTree>
       <p:nvGrpSpPr>
@@ -4722,11 +5068,12 @@
           </a:prstGeom>
         </p:spPr>
         <p:txBody>
-          <a:bodyPr lIns="0" rIns="0" tIns="0" bIns="0" anchor="ctr">
+          <a:bodyPr lIns="0" tIns="0" rIns="0" bIns="0" anchor="ctr">
             <a:noAutofit/>
           </a:bodyPr>
-          <a:p>
-            <a:endParaRPr b="0" lang="en-US" sz="1800" spc="-1" strike="noStrike">
+          <a:lstStyle/>
+          <a:p>
+            <a:endParaRPr lang="en-US" sz="1800" b="0" strike="noStrike" spc="-1">
               <a:solidFill>
                 <a:srgbClr val="000000"/>
               </a:solidFill>
@@ -4755,11 +5102,12 @@
           </a:prstGeom>
         </p:spPr>
         <p:txBody>
-          <a:bodyPr lIns="0" rIns="0" tIns="0" bIns="0">
+          <a:bodyPr lIns="0" tIns="0" rIns="0" bIns="0">
             <a:normAutofit/>
           </a:bodyPr>
-          <a:p>
-            <a:endParaRPr b="0" lang="en-US" sz="2800" spc="-1" strike="noStrike">
+          <a:lstStyle/>
+          <a:p>
+            <a:endParaRPr lang="en-US" sz="2800" b="0" strike="noStrike" spc="-1">
               <a:solidFill>
                 <a:srgbClr val="000000"/>
               </a:solidFill>
@@ -4788,11 +5136,12 @@
           </a:prstGeom>
         </p:spPr>
         <p:txBody>
-          <a:bodyPr lIns="0" rIns="0" tIns="0" bIns="0">
+          <a:bodyPr lIns="0" tIns="0" rIns="0" bIns="0">
             <a:normAutofit/>
           </a:bodyPr>
-          <a:p>
-            <a:endParaRPr b="0" lang="en-US" sz="2800" spc="-1" strike="noStrike">
+          <a:lstStyle/>
+          <a:p>
+            <a:endParaRPr lang="en-US" sz="2800" b="0" strike="noStrike" spc="-1">
               <a:solidFill>
                 <a:srgbClr val="000000"/>
               </a:solidFill>
@@ -4803,11 +5152,14 @@
       </p:sp>
     </p:spTree>
   </p:cSld>
+  <p:clrMapOvr>
+    <a:masterClrMapping/>
+  </p:clrMapOvr>
 </p:sldLayout>
 </file>
 
 <file path=ppt/slideLayouts/slideLayout47.xml><?xml version="1.0" encoding="utf-8"?>
-<p:sldLayout xmlns:a="http://schemas.openxmlformats.org/drawingml/2006/main" xmlns:p="http://schemas.openxmlformats.org/presentationml/2006/main" xmlns:r="http://schemas.openxmlformats.org/officeDocument/2006/relationships" xmlns:p14="http://schemas.microsoft.com/office/powerpoint/2010/main" xmlns:p15="http://schemas.microsoft.com/office/powerpoint/2012/main" xmlns:mc="http://schemas.openxmlformats.org/markup-compatibility/2006" type="fourObj" preserve="1">
+<p:sldLayout xmlns:a="http://schemas.openxmlformats.org/drawingml/2006/main" xmlns:r="http://schemas.openxmlformats.org/officeDocument/2006/relationships" xmlns:p="http://schemas.openxmlformats.org/presentationml/2006/main" type="fourObj" preserve="1">
   <p:cSld name="Title, 4 Content">
     <p:spTree>
       <p:nvGrpSpPr>
@@ -4843,11 +5195,12 @@
           </a:prstGeom>
         </p:spPr>
         <p:txBody>
-          <a:bodyPr lIns="0" rIns="0" tIns="0" bIns="0" anchor="ctr">
+          <a:bodyPr lIns="0" tIns="0" rIns="0" bIns="0" anchor="ctr">
             <a:noAutofit/>
           </a:bodyPr>
-          <a:p>
-            <a:endParaRPr b="0" lang="en-US" sz="1800" spc="-1" strike="noStrike">
+          <a:lstStyle/>
+          <a:p>
+            <a:endParaRPr lang="en-US" sz="1800" b="0" strike="noStrike" spc="-1">
               <a:solidFill>
                 <a:srgbClr val="000000"/>
               </a:solidFill>
@@ -4876,11 +5229,12 @@
           </a:prstGeom>
         </p:spPr>
         <p:txBody>
-          <a:bodyPr lIns="0" rIns="0" tIns="0" bIns="0">
+          <a:bodyPr lIns="0" tIns="0" rIns="0" bIns="0">
             <a:normAutofit/>
           </a:bodyPr>
-          <a:p>
-            <a:endParaRPr b="0" lang="en-US" sz="2800" spc="-1" strike="noStrike">
+          <a:lstStyle/>
+          <a:p>
+            <a:endParaRPr lang="en-US" sz="2800" b="0" strike="noStrike" spc="-1">
               <a:solidFill>
                 <a:srgbClr val="000000"/>
               </a:solidFill>
@@ -4909,11 +5263,12 @@
           </a:prstGeom>
         </p:spPr>
         <p:txBody>
-          <a:bodyPr lIns="0" rIns="0" tIns="0" bIns="0">
+          <a:bodyPr lIns="0" tIns="0" rIns="0" bIns="0">
             <a:normAutofit/>
           </a:bodyPr>
-          <a:p>
-            <a:endParaRPr b="0" lang="en-US" sz="2800" spc="-1" strike="noStrike">
+          <a:lstStyle/>
+          <a:p>
+            <a:endParaRPr lang="en-US" sz="2800" b="0" strike="noStrike" spc="-1">
               <a:solidFill>
                 <a:srgbClr val="000000"/>
               </a:solidFill>
@@ -4942,11 +5297,12 @@
           </a:prstGeom>
         </p:spPr>
         <p:txBody>
-          <a:bodyPr lIns="0" rIns="0" tIns="0" bIns="0">
+          <a:bodyPr lIns="0" tIns="0" rIns="0" bIns="0">
             <a:normAutofit/>
           </a:bodyPr>
-          <a:p>
-            <a:endParaRPr b="0" lang="en-US" sz="2800" spc="-1" strike="noStrike">
+          <a:lstStyle/>
+          <a:p>
+            <a:endParaRPr lang="en-US" sz="2800" b="0" strike="noStrike" spc="-1">
               <a:solidFill>
                 <a:srgbClr val="000000"/>
               </a:solidFill>
@@ -4975,11 +5331,12 @@
           </a:prstGeom>
         </p:spPr>
         <p:txBody>
-          <a:bodyPr lIns="0" rIns="0" tIns="0" bIns="0">
+          <a:bodyPr lIns="0" tIns="0" rIns="0" bIns="0">
             <a:normAutofit/>
           </a:bodyPr>
-          <a:p>
-            <a:endParaRPr b="0" lang="en-US" sz="2800" spc="-1" strike="noStrike">
+          <a:lstStyle/>
+          <a:p>
+            <a:endParaRPr lang="en-US" sz="2800" b="0" strike="noStrike" spc="-1">
               <a:solidFill>
                 <a:srgbClr val="000000"/>
               </a:solidFill>
@@ -4990,11 +5347,14 @@
       </p:sp>
     </p:spTree>
   </p:cSld>
+  <p:clrMapOvr>
+    <a:masterClrMapping/>
+  </p:clrMapOvr>
 </p:sldLayout>
 </file>
 
 <file path=ppt/slideLayouts/slideLayout48.xml><?xml version="1.0" encoding="utf-8"?>
-<p:sldLayout xmlns:a="http://schemas.openxmlformats.org/drawingml/2006/main" xmlns:p="http://schemas.openxmlformats.org/presentationml/2006/main" xmlns:r="http://schemas.openxmlformats.org/officeDocument/2006/relationships" xmlns:p14="http://schemas.microsoft.com/office/powerpoint/2010/main" xmlns:p15="http://schemas.microsoft.com/office/powerpoint/2012/main" xmlns:mc="http://schemas.openxmlformats.org/markup-compatibility/2006" type="blank" preserve="1">
+<p:sldLayout xmlns:a="http://schemas.openxmlformats.org/drawingml/2006/main" xmlns:r="http://schemas.openxmlformats.org/officeDocument/2006/relationships" xmlns:p="http://schemas.openxmlformats.org/presentationml/2006/main" type="blank" preserve="1">
   <p:cSld name="Title, 6 Content">
     <p:spTree>
       <p:nvGrpSpPr>
@@ -5030,11 +5390,12 @@
           </a:prstGeom>
         </p:spPr>
         <p:txBody>
-          <a:bodyPr lIns="0" rIns="0" tIns="0" bIns="0" anchor="ctr">
+          <a:bodyPr lIns="0" tIns="0" rIns="0" bIns="0" anchor="ctr">
             <a:noAutofit/>
           </a:bodyPr>
-          <a:p>
-            <a:endParaRPr b="0" lang="en-US" sz="1800" spc="-1" strike="noStrike">
+          <a:lstStyle/>
+          <a:p>
+            <a:endParaRPr lang="en-US" sz="1800" b="0" strike="noStrike" spc="-1">
               <a:solidFill>
                 <a:srgbClr val="000000"/>
               </a:solidFill>
@@ -5063,11 +5424,12 @@
           </a:prstGeom>
         </p:spPr>
         <p:txBody>
-          <a:bodyPr lIns="0" rIns="0" tIns="0" bIns="0">
+          <a:bodyPr lIns="0" tIns="0" rIns="0" bIns="0">
             <a:normAutofit/>
           </a:bodyPr>
-          <a:p>
-            <a:endParaRPr b="0" lang="en-US" sz="2800" spc="-1" strike="noStrike">
+          <a:lstStyle/>
+          <a:p>
+            <a:endParaRPr lang="en-US" sz="2800" b="0" strike="noStrike" spc="-1">
               <a:solidFill>
                 <a:srgbClr val="000000"/>
               </a:solidFill>
@@ -5096,11 +5458,12 @@
           </a:prstGeom>
         </p:spPr>
         <p:txBody>
-          <a:bodyPr lIns="0" rIns="0" tIns="0" bIns="0">
+          <a:bodyPr lIns="0" tIns="0" rIns="0" bIns="0">
             <a:normAutofit/>
           </a:bodyPr>
-          <a:p>
-            <a:endParaRPr b="0" lang="en-US" sz="2800" spc="-1" strike="noStrike">
+          <a:lstStyle/>
+          <a:p>
+            <a:endParaRPr lang="en-US" sz="2800" b="0" strike="noStrike" spc="-1">
               <a:solidFill>
                 <a:srgbClr val="000000"/>
               </a:solidFill>
@@ -5129,11 +5492,12 @@
           </a:prstGeom>
         </p:spPr>
         <p:txBody>
-          <a:bodyPr lIns="0" rIns="0" tIns="0" bIns="0">
+          <a:bodyPr lIns="0" tIns="0" rIns="0" bIns="0">
             <a:normAutofit/>
           </a:bodyPr>
-          <a:p>
-            <a:endParaRPr b="0" lang="en-US" sz="2800" spc="-1" strike="noStrike">
+          <a:lstStyle/>
+          <a:p>
+            <a:endParaRPr lang="en-US" sz="2800" b="0" strike="noStrike" spc="-1">
               <a:solidFill>
                 <a:srgbClr val="000000"/>
               </a:solidFill>
@@ -5162,11 +5526,12 @@
           </a:prstGeom>
         </p:spPr>
         <p:txBody>
-          <a:bodyPr lIns="0" rIns="0" tIns="0" bIns="0">
+          <a:bodyPr lIns="0" tIns="0" rIns="0" bIns="0">
             <a:normAutofit/>
           </a:bodyPr>
-          <a:p>
-            <a:endParaRPr b="0" lang="en-US" sz="2800" spc="-1" strike="noStrike">
+          <a:lstStyle/>
+          <a:p>
+            <a:endParaRPr lang="en-US" sz="2800" b="0" strike="noStrike" spc="-1">
               <a:solidFill>
                 <a:srgbClr val="000000"/>
               </a:solidFill>
@@ -5195,11 +5560,12 @@
           </a:prstGeom>
         </p:spPr>
         <p:txBody>
-          <a:bodyPr lIns="0" rIns="0" tIns="0" bIns="0">
+          <a:bodyPr lIns="0" tIns="0" rIns="0" bIns="0">
             <a:normAutofit/>
           </a:bodyPr>
-          <a:p>
-            <a:endParaRPr b="0" lang="en-US" sz="2800" spc="-1" strike="noStrike">
+          <a:lstStyle/>
+          <a:p>
+            <a:endParaRPr lang="en-US" sz="2800" b="0" strike="noStrike" spc="-1">
               <a:solidFill>
                 <a:srgbClr val="000000"/>
               </a:solidFill>
@@ -5228,11 +5594,12 @@
           </a:prstGeom>
         </p:spPr>
         <p:txBody>
-          <a:bodyPr lIns="0" rIns="0" tIns="0" bIns="0">
+          <a:bodyPr lIns="0" tIns="0" rIns="0" bIns="0">
             <a:normAutofit/>
           </a:bodyPr>
-          <a:p>
-            <a:endParaRPr b="0" lang="en-US" sz="2800" spc="-1" strike="noStrike">
+          <a:lstStyle/>
+          <a:p>
+            <a:endParaRPr lang="en-US" sz="2800" b="0" strike="noStrike" spc="-1">
               <a:solidFill>
                 <a:srgbClr val="000000"/>
               </a:solidFill>
@@ -5243,11 +5610,14 @@
       </p:sp>
     </p:spTree>
   </p:cSld>
+  <p:clrMapOvr>
+    <a:masterClrMapping/>
+  </p:clrMapOvr>
 </p:sldLayout>
 </file>
 
 <file path=ppt/slideLayouts/slideLayout49.xml><?xml version="1.0" encoding="utf-8"?>
-<p:sldLayout xmlns:a="http://schemas.openxmlformats.org/drawingml/2006/main" xmlns:p="http://schemas.openxmlformats.org/presentationml/2006/main" xmlns:r="http://schemas.openxmlformats.org/officeDocument/2006/relationships" xmlns:p14="http://schemas.microsoft.com/office/powerpoint/2010/main" xmlns:p15="http://schemas.microsoft.com/office/powerpoint/2012/main" xmlns:mc="http://schemas.openxmlformats.org/markup-compatibility/2006" type="blank" preserve="1">
+<p:sldLayout xmlns:a="http://schemas.openxmlformats.org/drawingml/2006/main" xmlns:r="http://schemas.openxmlformats.org/officeDocument/2006/relationships" xmlns:p="http://schemas.openxmlformats.org/presentationml/2006/main" type="blank" preserve="1">
   <p:cSld name="Blank Slide">
     <p:spTree>
       <p:nvGrpSpPr>
@@ -5265,11 +5635,14 @@
       </p:grpSpPr>
     </p:spTree>
   </p:cSld>
+  <p:clrMapOvr>
+    <a:masterClrMapping/>
+  </p:clrMapOvr>
 </p:sldLayout>
 </file>
 
 <file path=ppt/slideLayouts/slideLayout5.xml><?xml version="1.0" encoding="utf-8"?>
-<p:sldLayout xmlns:a="http://schemas.openxmlformats.org/drawingml/2006/main" xmlns:p="http://schemas.openxmlformats.org/presentationml/2006/main" xmlns:r="http://schemas.openxmlformats.org/officeDocument/2006/relationships" xmlns:p14="http://schemas.microsoft.com/office/powerpoint/2010/main" xmlns:p15="http://schemas.microsoft.com/office/powerpoint/2012/main" xmlns:mc="http://schemas.openxmlformats.org/markup-compatibility/2006" type="titleOnly" preserve="1">
+<p:sldLayout xmlns:a="http://schemas.openxmlformats.org/drawingml/2006/main" xmlns:r="http://schemas.openxmlformats.org/officeDocument/2006/relationships" xmlns:p="http://schemas.openxmlformats.org/presentationml/2006/main" type="titleOnly" preserve="1">
   <p:cSld name="Title Only">
     <p:spTree>
       <p:nvGrpSpPr>
@@ -5305,11 +5678,12 @@
           </a:prstGeom>
         </p:spPr>
         <p:txBody>
-          <a:bodyPr lIns="0" rIns="0" tIns="0" bIns="0" anchor="ctr">
+          <a:bodyPr lIns="0" tIns="0" rIns="0" bIns="0" anchor="ctr">
             <a:noAutofit/>
           </a:bodyPr>
-          <a:p>
-            <a:endParaRPr b="0" lang="en-US" sz="1800" spc="-1" strike="noStrike">
+          <a:lstStyle/>
+          <a:p>
+            <a:endParaRPr lang="en-US" sz="1800" b="0" strike="noStrike" spc="-1">
               <a:solidFill>
                 <a:srgbClr val="000000"/>
               </a:solidFill>
@@ -5320,11 +5694,14 @@
       </p:sp>
     </p:spTree>
   </p:cSld>
+  <p:clrMapOvr>
+    <a:masterClrMapping/>
+  </p:clrMapOvr>
 </p:sldLayout>
 </file>
 
 <file path=ppt/slideLayouts/slideLayout50.xml><?xml version="1.0" encoding="utf-8"?>
-<p:sldLayout xmlns:a="http://schemas.openxmlformats.org/drawingml/2006/main" xmlns:p="http://schemas.openxmlformats.org/presentationml/2006/main" xmlns:r="http://schemas.openxmlformats.org/officeDocument/2006/relationships" xmlns:p14="http://schemas.microsoft.com/office/powerpoint/2010/main" xmlns:p15="http://schemas.microsoft.com/office/powerpoint/2012/main" xmlns:mc="http://schemas.openxmlformats.org/markup-compatibility/2006" type="tx" preserve="1">
+<p:sldLayout xmlns:a="http://schemas.openxmlformats.org/drawingml/2006/main" xmlns:r="http://schemas.openxmlformats.org/officeDocument/2006/relationships" xmlns:p="http://schemas.openxmlformats.org/presentationml/2006/main" type="tx" preserve="1">
   <p:cSld name="Title Slide">
     <p:spTree>
       <p:nvGrpSpPr>
@@ -5360,11 +5737,12 @@
           </a:prstGeom>
         </p:spPr>
         <p:txBody>
-          <a:bodyPr lIns="0" rIns="0" tIns="0" bIns="0" anchor="ctr">
+          <a:bodyPr lIns="0" tIns="0" rIns="0" bIns="0" anchor="ctr">
             <a:noAutofit/>
           </a:bodyPr>
-          <a:p>
-            <a:endParaRPr b="0" lang="en-US" sz="1800" spc="-1" strike="noStrike">
+          <a:lstStyle/>
+          <a:p>
+            <a:endParaRPr lang="en-US" sz="1800" b="0" strike="noStrike" spc="-1">
               <a:solidFill>
                 <a:srgbClr val="000000"/>
               </a:solidFill>
@@ -5393,12 +5771,13 @@
           </a:prstGeom>
         </p:spPr>
         <p:txBody>
-          <a:bodyPr lIns="0" rIns="0" tIns="0" bIns="0" anchor="ctr">
+          <a:bodyPr lIns="0" tIns="0" rIns="0" bIns="0" anchor="ctr">
             <a:noAutofit/>
           </a:bodyPr>
+          <a:lstStyle/>
           <a:p>
             <a:pPr algn="ctr"/>
-            <a:endParaRPr b="0" lang="en-US" sz="3200" spc="-1" strike="noStrike">
+            <a:endParaRPr lang="en-US" sz="3200" b="0" strike="noStrike" spc="-1">
               <a:latin typeface="Arial"/>
             </a:endParaRPr>
           </a:p>
@@ -5406,11 +5785,14 @@
       </p:sp>
     </p:spTree>
   </p:cSld>
+  <p:clrMapOvr>
+    <a:masterClrMapping/>
+  </p:clrMapOvr>
 </p:sldLayout>
 </file>
 
 <file path=ppt/slideLayouts/slideLayout51.xml><?xml version="1.0" encoding="utf-8"?>
-<p:sldLayout xmlns:a="http://schemas.openxmlformats.org/drawingml/2006/main" xmlns:p="http://schemas.openxmlformats.org/presentationml/2006/main" xmlns:r="http://schemas.openxmlformats.org/officeDocument/2006/relationships" xmlns:p14="http://schemas.microsoft.com/office/powerpoint/2010/main" xmlns:p15="http://schemas.microsoft.com/office/powerpoint/2012/main" xmlns:mc="http://schemas.openxmlformats.org/markup-compatibility/2006" type="obj" preserve="1">
+<p:sldLayout xmlns:a="http://schemas.openxmlformats.org/drawingml/2006/main" xmlns:r="http://schemas.openxmlformats.org/officeDocument/2006/relationships" xmlns:p="http://schemas.openxmlformats.org/presentationml/2006/main" type="obj" preserve="1">
   <p:cSld name="Title, Content">
     <p:spTree>
       <p:nvGrpSpPr>
@@ -5446,11 +5828,12 @@
           </a:prstGeom>
         </p:spPr>
         <p:txBody>
-          <a:bodyPr lIns="0" rIns="0" tIns="0" bIns="0" anchor="ctr">
+          <a:bodyPr lIns="0" tIns="0" rIns="0" bIns="0" anchor="ctr">
             <a:noAutofit/>
           </a:bodyPr>
-          <a:p>
-            <a:endParaRPr b="0" lang="en-US" sz="1800" spc="-1" strike="noStrike">
+          <a:lstStyle/>
+          <a:p>
+            <a:endParaRPr lang="en-US" sz="1800" b="0" strike="noStrike" spc="-1">
               <a:solidFill>
                 <a:srgbClr val="000000"/>
               </a:solidFill>
@@ -5479,11 +5862,12 @@
           </a:prstGeom>
         </p:spPr>
         <p:txBody>
-          <a:bodyPr lIns="0" rIns="0" tIns="0" bIns="0">
+          <a:bodyPr lIns="0" tIns="0" rIns="0" bIns="0">
             <a:normAutofit/>
           </a:bodyPr>
-          <a:p>
-            <a:endParaRPr b="0" lang="en-US" sz="2800" spc="-1" strike="noStrike">
+          <a:lstStyle/>
+          <a:p>
+            <a:endParaRPr lang="en-US" sz="2800" b="0" strike="noStrike" spc="-1">
               <a:solidFill>
                 <a:srgbClr val="000000"/>
               </a:solidFill>
@@ -5494,11 +5878,14 @@
       </p:sp>
     </p:spTree>
   </p:cSld>
+  <p:clrMapOvr>
+    <a:masterClrMapping/>
+  </p:clrMapOvr>
 </p:sldLayout>
 </file>
 
 <file path=ppt/slideLayouts/slideLayout52.xml><?xml version="1.0" encoding="utf-8"?>
-<p:sldLayout xmlns:a="http://schemas.openxmlformats.org/drawingml/2006/main" xmlns:p="http://schemas.openxmlformats.org/presentationml/2006/main" xmlns:r="http://schemas.openxmlformats.org/officeDocument/2006/relationships" xmlns:p14="http://schemas.microsoft.com/office/powerpoint/2010/main" xmlns:p15="http://schemas.microsoft.com/office/powerpoint/2012/main" xmlns:mc="http://schemas.openxmlformats.org/markup-compatibility/2006" type="twoObj" preserve="1">
+<p:sldLayout xmlns:a="http://schemas.openxmlformats.org/drawingml/2006/main" xmlns:r="http://schemas.openxmlformats.org/officeDocument/2006/relationships" xmlns:p="http://schemas.openxmlformats.org/presentationml/2006/main" type="twoObj" preserve="1">
   <p:cSld name="Title, 2 Content">
     <p:spTree>
       <p:nvGrpSpPr>
@@ -5534,11 +5921,12 @@
           </a:prstGeom>
         </p:spPr>
         <p:txBody>
-          <a:bodyPr lIns="0" rIns="0" tIns="0" bIns="0" anchor="ctr">
+          <a:bodyPr lIns="0" tIns="0" rIns="0" bIns="0" anchor="ctr">
             <a:noAutofit/>
           </a:bodyPr>
-          <a:p>
-            <a:endParaRPr b="0" lang="en-US" sz="1800" spc="-1" strike="noStrike">
+          <a:lstStyle/>
+          <a:p>
+            <a:endParaRPr lang="en-US" sz="1800" b="0" strike="noStrike" spc="-1">
               <a:solidFill>
                 <a:srgbClr val="000000"/>
               </a:solidFill>
@@ -5567,11 +5955,12 @@
           </a:prstGeom>
         </p:spPr>
         <p:txBody>
-          <a:bodyPr lIns="0" rIns="0" tIns="0" bIns="0">
+          <a:bodyPr lIns="0" tIns="0" rIns="0" bIns="0">
             <a:normAutofit/>
           </a:bodyPr>
-          <a:p>
-            <a:endParaRPr b="0" lang="en-US" sz="2800" spc="-1" strike="noStrike">
+          <a:lstStyle/>
+          <a:p>
+            <a:endParaRPr lang="en-US" sz="2800" b="0" strike="noStrike" spc="-1">
               <a:solidFill>
                 <a:srgbClr val="000000"/>
               </a:solidFill>
@@ -5600,11 +5989,12 @@
           </a:prstGeom>
         </p:spPr>
         <p:txBody>
-          <a:bodyPr lIns="0" rIns="0" tIns="0" bIns="0">
+          <a:bodyPr lIns="0" tIns="0" rIns="0" bIns="0">
             <a:normAutofit/>
           </a:bodyPr>
-          <a:p>
-            <a:endParaRPr b="0" lang="en-US" sz="2800" spc="-1" strike="noStrike">
+          <a:lstStyle/>
+          <a:p>
+            <a:endParaRPr lang="en-US" sz="2800" b="0" strike="noStrike" spc="-1">
               <a:solidFill>
                 <a:srgbClr val="000000"/>
               </a:solidFill>
@@ -5615,11 +6005,14 @@
       </p:sp>
     </p:spTree>
   </p:cSld>
+  <p:clrMapOvr>
+    <a:masterClrMapping/>
+  </p:clrMapOvr>
 </p:sldLayout>
 </file>
 
 <file path=ppt/slideLayouts/slideLayout53.xml><?xml version="1.0" encoding="utf-8"?>
-<p:sldLayout xmlns:a="http://schemas.openxmlformats.org/drawingml/2006/main" xmlns:p="http://schemas.openxmlformats.org/presentationml/2006/main" xmlns:r="http://schemas.openxmlformats.org/officeDocument/2006/relationships" xmlns:p14="http://schemas.microsoft.com/office/powerpoint/2010/main" xmlns:p15="http://schemas.microsoft.com/office/powerpoint/2012/main" xmlns:mc="http://schemas.openxmlformats.org/markup-compatibility/2006" type="titleOnly" preserve="1">
+<p:sldLayout xmlns:a="http://schemas.openxmlformats.org/drawingml/2006/main" xmlns:r="http://schemas.openxmlformats.org/officeDocument/2006/relationships" xmlns:p="http://schemas.openxmlformats.org/presentationml/2006/main" type="titleOnly" preserve="1">
   <p:cSld name="Title Only">
     <p:spTree>
       <p:nvGrpSpPr>
@@ -5655,11 +6048,12 @@
           </a:prstGeom>
         </p:spPr>
         <p:txBody>
-          <a:bodyPr lIns="0" rIns="0" tIns="0" bIns="0" anchor="ctr">
+          <a:bodyPr lIns="0" tIns="0" rIns="0" bIns="0" anchor="ctr">
             <a:noAutofit/>
           </a:bodyPr>
-          <a:p>
-            <a:endParaRPr b="0" lang="en-US" sz="1800" spc="-1" strike="noStrike">
+          <a:lstStyle/>
+          <a:p>
+            <a:endParaRPr lang="en-US" sz="1800" b="0" strike="noStrike" spc="-1">
               <a:solidFill>
                 <a:srgbClr val="000000"/>
               </a:solidFill>
@@ -5670,11 +6064,14 @@
       </p:sp>
     </p:spTree>
   </p:cSld>
+  <p:clrMapOvr>
+    <a:masterClrMapping/>
+  </p:clrMapOvr>
 </p:sldLayout>
 </file>
 
 <file path=ppt/slideLayouts/slideLayout54.xml><?xml version="1.0" encoding="utf-8"?>
-<p:sldLayout xmlns:a="http://schemas.openxmlformats.org/drawingml/2006/main" xmlns:p="http://schemas.openxmlformats.org/presentationml/2006/main" xmlns:r="http://schemas.openxmlformats.org/officeDocument/2006/relationships" xmlns:p14="http://schemas.microsoft.com/office/powerpoint/2010/main" xmlns:p15="http://schemas.microsoft.com/office/powerpoint/2012/main" xmlns:mc="http://schemas.openxmlformats.org/markup-compatibility/2006" type="objOnly" preserve="1">
+<p:sldLayout xmlns:a="http://schemas.openxmlformats.org/drawingml/2006/main" xmlns:r="http://schemas.openxmlformats.org/officeDocument/2006/relationships" xmlns:p="http://schemas.openxmlformats.org/presentationml/2006/main" type="objOnly" preserve="1">
   <p:cSld name="Centered Text">
     <p:spTree>
       <p:nvGrpSpPr>
@@ -5710,12 +6107,13 @@
           </a:prstGeom>
         </p:spPr>
         <p:txBody>
-          <a:bodyPr lIns="0" rIns="0" tIns="0" bIns="0" anchor="ctr">
+          <a:bodyPr lIns="0" tIns="0" rIns="0" bIns="0" anchor="ctr">
             <a:noAutofit/>
           </a:bodyPr>
+          <a:lstStyle/>
           <a:p>
             <a:pPr algn="ctr"/>
-            <a:endParaRPr b="0" lang="en-US" sz="3200" spc="-1" strike="noStrike">
+            <a:endParaRPr lang="en-US" sz="3200" b="0" strike="noStrike" spc="-1">
               <a:latin typeface="Arial"/>
             </a:endParaRPr>
           </a:p>
@@ -5723,11 +6121,14 @@
       </p:sp>
     </p:spTree>
   </p:cSld>
+  <p:clrMapOvr>
+    <a:masterClrMapping/>
+  </p:clrMapOvr>
 </p:sldLayout>
 </file>
 
 <file path=ppt/slideLayouts/slideLayout55.xml><?xml version="1.0" encoding="utf-8"?>
-<p:sldLayout xmlns:a="http://schemas.openxmlformats.org/drawingml/2006/main" xmlns:p="http://schemas.openxmlformats.org/presentationml/2006/main" xmlns:r="http://schemas.openxmlformats.org/officeDocument/2006/relationships" xmlns:p14="http://schemas.microsoft.com/office/powerpoint/2010/main" xmlns:p15="http://schemas.microsoft.com/office/powerpoint/2012/main" xmlns:mc="http://schemas.openxmlformats.org/markup-compatibility/2006" type="twoObjAndObj" preserve="1">
+<p:sldLayout xmlns:a="http://schemas.openxmlformats.org/drawingml/2006/main" xmlns:r="http://schemas.openxmlformats.org/officeDocument/2006/relationships" xmlns:p="http://schemas.openxmlformats.org/presentationml/2006/main" type="twoObjAndObj" preserve="1">
   <p:cSld name="Title, 2 Content and Content">
     <p:spTree>
       <p:nvGrpSpPr>
@@ -5763,11 +6164,12 @@
           </a:prstGeom>
         </p:spPr>
         <p:txBody>
-          <a:bodyPr lIns="0" rIns="0" tIns="0" bIns="0" anchor="ctr">
+          <a:bodyPr lIns="0" tIns="0" rIns="0" bIns="0" anchor="ctr">
             <a:noAutofit/>
           </a:bodyPr>
-          <a:p>
-            <a:endParaRPr b="0" lang="en-US" sz="1800" spc="-1" strike="noStrike">
+          <a:lstStyle/>
+          <a:p>
+            <a:endParaRPr lang="en-US" sz="1800" b="0" strike="noStrike" spc="-1">
               <a:solidFill>
                 <a:srgbClr val="000000"/>
               </a:solidFill>
@@ -5796,11 +6198,12 @@
           </a:prstGeom>
         </p:spPr>
         <p:txBody>
-          <a:bodyPr lIns="0" rIns="0" tIns="0" bIns="0">
+          <a:bodyPr lIns="0" tIns="0" rIns="0" bIns="0">
             <a:normAutofit/>
           </a:bodyPr>
-          <a:p>
-            <a:endParaRPr b="0" lang="en-US" sz="2800" spc="-1" strike="noStrike">
+          <a:lstStyle/>
+          <a:p>
+            <a:endParaRPr lang="en-US" sz="2800" b="0" strike="noStrike" spc="-1">
               <a:solidFill>
                 <a:srgbClr val="000000"/>
               </a:solidFill>
@@ -5829,11 +6232,12 @@
           </a:prstGeom>
         </p:spPr>
         <p:txBody>
-          <a:bodyPr lIns="0" rIns="0" tIns="0" bIns="0">
+          <a:bodyPr lIns="0" tIns="0" rIns="0" bIns="0">
             <a:normAutofit/>
           </a:bodyPr>
-          <a:p>
-            <a:endParaRPr b="0" lang="en-US" sz="2800" spc="-1" strike="noStrike">
+          <a:lstStyle/>
+          <a:p>
+            <a:endParaRPr lang="en-US" sz="2800" b="0" strike="noStrike" spc="-1">
               <a:solidFill>
                 <a:srgbClr val="000000"/>
               </a:solidFill>
@@ -5862,11 +6266,12 @@
           </a:prstGeom>
         </p:spPr>
         <p:txBody>
-          <a:bodyPr lIns="0" rIns="0" tIns="0" bIns="0">
+          <a:bodyPr lIns="0" tIns="0" rIns="0" bIns="0">
             <a:normAutofit/>
           </a:bodyPr>
-          <a:p>
-            <a:endParaRPr b="0" lang="en-US" sz="2800" spc="-1" strike="noStrike">
+          <a:lstStyle/>
+          <a:p>
+            <a:endParaRPr lang="en-US" sz="2800" b="0" strike="noStrike" spc="-1">
               <a:solidFill>
                 <a:srgbClr val="000000"/>
               </a:solidFill>
@@ -5877,11 +6282,14 @@
       </p:sp>
     </p:spTree>
   </p:cSld>
+  <p:clrMapOvr>
+    <a:masterClrMapping/>
+  </p:clrMapOvr>
 </p:sldLayout>
 </file>
 
 <file path=ppt/slideLayouts/slideLayout56.xml><?xml version="1.0" encoding="utf-8"?>
-<p:sldLayout xmlns:a="http://schemas.openxmlformats.org/drawingml/2006/main" xmlns:p="http://schemas.openxmlformats.org/presentationml/2006/main" xmlns:r="http://schemas.openxmlformats.org/officeDocument/2006/relationships" xmlns:p14="http://schemas.microsoft.com/office/powerpoint/2010/main" xmlns:p15="http://schemas.microsoft.com/office/powerpoint/2012/main" xmlns:mc="http://schemas.openxmlformats.org/markup-compatibility/2006" type="objAndTwoObj" preserve="1">
+<p:sldLayout xmlns:a="http://schemas.openxmlformats.org/drawingml/2006/main" xmlns:r="http://schemas.openxmlformats.org/officeDocument/2006/relationships" xmlns:p="http://schemas.openxmlformats.org/presentationml/2006/main" type="objAndTwoObj" preserve="1">
   <p:cSld name="Title Content and 2 Content">
     <p:spTree>
       <p:nvGrpSpPr>
@@ -5917,11 +6325,12 @@
           </a:prstGeom>
         </p:spPr>
         <p:txBody>
-          <a:bodyPr lIns="0" rIns="0" tIns="0" bIns="0" anchor="ctr">
+          <a:bodyPr lIns="0" tIns="0" rIns="0" bIns="0" anchor="ctr">
             <a:noAutofit/>
           </a:bodyPr>
-          <a:p>
-            <a:endParaRPr b="0" lang="en-US" sz="1800" spc="-1" strike="noStrike">
+          <a:lstStyle/>
+          <a:p>
+            <a:endParaRPr lang="en-US" sz="1800" b="0" strike="noStrike" spc="-1">
               <a:solidFill>
                 <a:srgbClr val="000000"/>
               </a:solidFill>
@@ -5950,11 +6359,12 @@
           </a:prstGeom>
         </p:spPr>
         <p:txBody>
-          <a:bodyPr lIns="0" rIns="0" tIns="0" bIns="0">
+          <a:bodyPr lIns="0" tIns="0" rIns="0" bIns="0">
             <a:normAutofit/>
           </a:bodyPr>
-          <a:p>
-            <a:endParaRPr b="0" lang="en-US" sz="2800" spc="-1" strike="noStrike">
+          <a:lstStyle/>
+          <a:p>
+            <a:endParaRPr lang="en-US" sz="2800" b="0" strike="noStrike" spc="-1">
               <a:solidFill>
                 <a:srgbClr val="000000"/>
               </a:solidFill>
@@ -5983,11 +6393,12 @@
           </a:prstGeom>
         </p:spPr>
         <p:txBody>
-          <a:bodyPr lIns="0" rIns="0" tIns="0" bIns="0">
+          <a:bodyPr lIns="0" tIns="0" rIns="0" bIns="0">
             <a:normAutofit/>
           </a:bodyPr>
-          <a:p>
-            <a:endParaRPr b="0" lang="en-US" sz="2800" spc="-1" strike="noStrike">
+          <a:lstStyle/>
+          <a:p>
+            <a:endParaRPr lang="en-US" sz="2800" b="0" strike="noStrike" spc="-1">
               <a:solidFill>
                 <a:srgbClr val="000000"/>
               </a:solidFill>
@@ -6016,11 +6427,12 @@
           </a:prstGeom>
         </p:spPr>
         <p:txBody>
-          <a:bodyPr lIns="0" rIns="0" tIns="0" bIns="0">
+          <a:bodyPr lIns="0" tIns="0" rIns="0" bIns="0">
             <a:normAutofit/>
           </a:bodyPr>
-          <a:p>
-            <a:endParaRPr b="0" lang="en-US" sz="2800" spc="-1" strike="noStrike">
+          <a:lstStyle/>
+          <a:p>
+            <a:endParaRPr lang="en-US" sz="2800" b="0" strike="noStrike" spc="-1">
               <a:solidFill>
                 <a:srgbClr val="000000"/>
               </a:solidFill>
@@ -6031,11 +6443,14 @@
       </p:sp>
     </p:spTree>
   </p:cSld>
+  <p:clrMapOvr>
+    <a:masterClrMapping/>
+  </p:clrMapOvr>
 </p:sldLayout>
 </file>
 
 <file path=ppt/slideLayouts/slideLayout57.xml><?xml version="1.0" encoding="utf-8"?>
-<p:sldLayout xmlns:a="http://schemas.openxmlformats.org/drawingml/2006/main" xmlns:p="http://schemas.openxmlformats.org/presentationml/2006/main" xmlns:r="http://schemas.openxmlformats.org/officeDocument/2006/relationships" xmlns:p14="http://schemas.microsoft.com/office/powerpoint/2010/main" xmlns:p15="http://schemas.microsoft.com/office/powerpoint/2012/main" xmlns:mc="http://schemas.openxmlformats.org/markup-compatibility/2006" type="twoObjOverTx" preserve="1">
+<p:sldLayout xmlns:a="http://schemas.openxmlformats.org/drawingml/2006/main" xmlns:r="http://schemas.openxmlformats.org/officeDocument/2006/relationships" xmlns:p="http://schemas.openxmlformats.org/presentationml/2006/main" type="twoObjOverTx" preserve="1">
   <p:cSld name="Title, 2 Content over Content">
     <p:spTree>
       <p:nvGrpSpPr>
@@ -6071,11 +6486,12 @@
           </a:prstGeom>
         </p:spPr>
         <p:txBody>
-          <a:bodyPr lIns="0" rIns="0" tIns="0" bIns="0" anchor="ctr">
+          <a:bodyPr lIns="0" tIns="0" rIns="0" bIns="0" anchor="ctr">
             <a:noAutofit/>
           </a:bodyPr>
-          <a:p>
-            <a:endParaRPr b="0" lang="en-US" sz="1800" spc="-1" strike="noStrike">
+          <a:lstStyle/>
+          <a:p>
+            <a:endParaRPr lang="en-US" sz="1800" b="0" strike="noStrike" spc="-1">
               <a:solidFill>
                 <a:srgbClr val="000000"/>
               </a:solidFill>
@@ -6104,11 +6520,12 @@
           </a:prstGeom>
         </p:spPr>
         <p:txBody>
-          <a:bodyPr lIns="0" rIns="0" tIns="0" bIns="0">
+          <a:bodyPr lIns="0" tIns="0" rIns="0" bIns="0">
             <a:normAutofit/>
           </a:bodyPr>
-          <a:p>
-            <a:endParaRPr b="0" lang="en-US" sz="2800" spc="-1" strike="noStrike">
+          <a:lstStyle/>
+          <a:p>
+            <a:endParaRPr lang="en-US" sz="2800" b="0" strike="noStrike" spc="-1">
               <a:solidFill>
                 <a:srgbClr val="000000"/>
               </a:solidFill>
@@ -6137,11 +6554,12 @@
           </a:prstGeom>
         </p:spPr>
         <p:txBody>
-          <a:bodyPr lIns="0" rIns="0" tIns="0" bIns="0">
+          <a:bodyPr lIns="0" tIns="0" rIns="0" bIns="0">
             <a:normAutofit/>
           </a:bodyPr>
-          <a:p>
-            <a:endParaRPr b="0" lang="en-US" sz="2800" spc="-1" strike="noStrike">
+          <a:lstStyle/>
+          <a:p>
+            <a:endParaRPr lang="en-US" sz="2800" b="0" strike="noStrike" spc="-1">
               <a:solidFill>
                 <a:srgbClr val="000000"/>
               </a:solidFill>
@@ -6170,11 +6588,12 @@
           </a:prstGeom>
         </p:spPr>
         <p:txBody>
-          <a:bodyPr lIns="0" rIns="0" tIns="0" bIns="0">
+          <a:bodyPr lIns="0" tIns="0" rIns="0" bIns="0">
             <a:normAutofit/>
           </a:bodyPr>
-          <a:p>
-            <a:endParaRPr b="0" lang="en-US" sz="2800" spc="-1" strike="noStrike">
+          <a:lstStyle/>
+          <a:p>
+            <a:endParaRPr lang="en-US" sz="2800" b="0" strike="noStrike" spc="-1">
               <a:solidFill>
                 <a:srgbClr val="000000"/>
               </a:solidFill>
@@ -6185,11 +6604,14 @@
       </p:sp>
     </p:spTree>
   </p:cSld>
+  <p:clrMapOvr>
+    <a:masterClrMapping/>
+  </p:clrMapOvr>
 </p:sldLayout>
 </file>
 
 <file path=ppt/slideLayouts/slideLayout58.xml><?xml version="1.0" encoding="utf-8"?>
-<p:sldLayout xmlns:a="http://schemas.openxmlformats.org/drawingml/2006/main" xmlns:p="http://schemas.openxmlformats.org/presentationml/2006/main" xmlns:r="http://schemas.openxmlformats.org/officeDocument/2006/relationships" xmlns:p14="http://schemas.microsoft.com/office/powerpoint/2010/main" xmlns:p15="http://schemas.microsoft.com/office/powerpoint/2012/main" xmlns:mc="http://schemas.openxmlformats.org/markup-compatibility/2006" type="objOverTx" preserve="1">
+<p:sldLayout xmlns:a="http://schemas.openxmlformats.org/drawingml/2006/main" xmlns:r="http://schemas.openxmlformats.org/officeDocument/2006/relationships" xmlns:p="http://schemas.openxmlformats.org/presentationml/2006/main" type="objOverTx" preserve="1">
   <p:cSld name="Title, Content over Content">
     <p:spTree>
       <p:nvGrpSpPr>
@@ -6225,11 +6647,12 @@
           </a:prstGeom>
         </p:spPr>
         <p:txBody>
-          <a:bodyPr lIns="0" rIns="0" tIns="0" bIns="0" anchor="ctr">
+          <a:bodyPr lIns="0" tIns="0" rIns="0" bIns="0" anchor="ctr">
             <a:noAutofit/>
           </a:bodyPr>
-          <a:p>
-            <a:endParaRPr b="0" lang="en-US" sz="1800" spc="-1" strike="noStrike">
+          <a:lstStyle/>
+          <a:p>
+            <a:endParaRPr lang="en-US" sz="1800" b="0" strike="noStrike" spc="-1">
               <a:solidFill>
                 <a:srgbClr val="000000"/>
               </a:solidFill>
@@ -6258,11 +6681,12 @@
           </a:prstGeom>
         </p:spPr>
         <p:txBody>
-          <a:bodyPr lIns="0" rIns="0" tIns="0" bIns="0">
+          <a:bodyPr lIns="0" tIns="0" rIns="0" bIns="0">
             <a:normAutofit/>
           </a:bodyPr>
-          <a:p>
-            <a:endParaRPr b="0" lang="en-US" sz="2800" spc="-1" strike="noStrike">
+          <a:lstStyle/>
+          <a:p>
+            <a:endParaRPr lang="en-US" sz="2800" b="0" strike="noStrike" spc="-1">
               <a:solidFill>
                 <a:srgbClr val="000000"/>
               </a:solidFill>
@@ -6291,11 +6715,12 @@
           </a:prstGeom>
         </p:spPr>
         <p:txBody>
-          <a:bodyPr lIns="0" rIns="0" tIns="0" bIns="0">
+          <a:bodyPr lIns="0" tIns="0" rIns="0" bIns="0">
             <a:normAutofit/>
           </a:bodyPr>
-          <a:p>
-            <a:endParaRPr b="0" lang="en-US" sz="2800" spc="-1" strike="noStrike">
+          <a:lstStyle/>
+          <a:p>
+            <a:endParaRPr lang="en-US" sz="2800" b="0" strike="noStrike" spc="-1">
               <a:solidFill>
                 <a:srgbClr val="000000"/>
               </a:solidFill>
@@ -6306,11 +6731,14 @@
       </p:sp>
     </p:spTree>
   </p:cSld>
+  <p:clrMapOvr>
+    <a:masterClrMapping/>
+  </p:clrMapOvr>
 </p:sldLayout>
 </file>
 
 <file path=ppt/slideLayouts/slideLayout59.xml><?xml version="1.0" encoding="utf-8"?>
-<p:sldLayout xmlns:a="http://schemas.openxmlformats.org/drawingml/2006/main" xmlns:p="http://schemas.openxmlformats.org/presentationml/2006/main" xmlns:r="http://schemas.openxmlformats.org/officeDocument/2006/relationships" xmlns:p14="http://schemas.microsoft.com/office/powerpoint/2010/main" xmlns:p15="http://schemas.microsoft.com/office/powerpoint/2012/main" xmlns:mc="http://schemas.openxmlformats.org/markup-compatibility/2006" type="fourObj" preserve="1">
+<p:sldLayout xmlns:a="http://schemas.openxmlformats.org/drawingml/2006/main" xmlns:r="http://schemas.openxmlformats.org/officeDocument/2006/relationships" xmlns:p="http://schemas.openxmlformats.org/presentationml/2006/main" type="fourObj" preserve="1">
   <p:cSld name="Title, 4 Content">
     <p:spTree>
       <p:nvGrpSpPr>
@@ -6346,11 +6774,12 @@
           </a:prstGeom>
         </p:spPr>
         <p:txBody>
-          <a:bodyPr lIns="0" rIns="0" tIns="0" bIns="0" anchor="ctr">
+          <a:bodyPr lIns="0" tIns="0" rIns="0" bIns="0" anchor="ctr">
             <a:noAutofit/>
           </a:bodyPr>
-          <a:p>
-            <a:endParaRPr b="0" lang="en-US" sz="1800" spc="-1" strike="noStrike">
+          <a:lstStyle/>
+          <a:p>
+            <a:endParaRPr lang="en-US" sz="1800" b="0" strike="noStrike" spc="-1">
               <a:solidFill>
                 <a:srgbClr val="000000"/>
               </a:solidFill>
@@ -6379,11 +6808,12 @@
           </a:prstGeom>
         </p:spPr>
         <p:txBody>
-          <a:bodyPr lIns="0" rIns="0" tIns="0" bIns="0">
+          <a:bodyPr lIns="0" tIns="0" rIns="0" bIns="0">
             <a:normAutofit/>
           </a:bodyPr>
-          <a:p>
-            <a:endParaRPr b="0" lang="en-US" sz="2800" spc="-1" strike="noStrike">
+          <a:lstStyle/>
+          <a:p>
+            <a:endParaRPr lang="en-US" sz="2800" b="0" strike="noStrike" spc="-1">
               <a:solidFill>
                 <a:srgbClr val="000000"/>
               </a:solidFill>
@@ -6412,11 +6842,12 @@
           </a:prstGeom>
         </p:spPr>
         <p:txBody>
-          <a:bodyPr lIns="0" rIns="0" tIns="0" bIns="0">
+          <a:bodyPr lIns="0" tIns="0" rIns="0" bIns="0">
             <a:normAutofit/>
           </a:bodyPr>
-          <a:p>
-            <a:endParaRPr b="0" lang="en-US" sz="2800" spc="-1" strike="noStrike">
+          <a:lstStyle/>
+          <a:p>
+            <a:endParaRPr lang="en-US" sz="2800" b="0" strike="noStrike" spc="-1">
               <a:solidFill>
                 <a:srgbClr val="000000"/>
               </a:solidFill>
@@ -6445,11 +6876,12 @@
           </a:prstGeom>
         </p:spPr>
         <p:txBody>
-          <a:bodyPr lIns="0" rIns="0" tIns="0" bIns="0">
+          <a:bodyPr lIns="0" tIns="0" rIns="0" bIns="0">
             <a:normAutofit/>
           </a:bodyPr>
-          <a:p>
-            <a:endParaRPr b="0" lang="en-US" sz="2800" spc="-1" strike="noStrike">
+          <a:lstStyle/>
+          <a:p>
+            <a:endParaRPr lang="en-US" sz="2800" b="0" strike="noStrike" spc="-1">
               <a:solidFill>
                 <a:srgbClr val="000000"/>
               </a:solidFill>
@@ -6478,11 +6910,12 @@
           </a:prstGeom>
         </p:spPr>
         <p:txBody>
-          <a:bodyPr lIns="0" rIns="0" tIns="0" bIns="0">
+          <a:bodyPr lIns="0" tIns="0" rIns="0" bIns="0">
             <a:normAutofit/>
           </a:bodyPr>
-          <a:p>
-            <a:endParaRPr b="0" lang="en-US" sz="2800" spc="-1" strike="noStrike">
+          <a:lstStyle/>
+          <a:p>
+            <a:endParaRPr lang="en-US" sz="2800" b="0" strike="noStrike" spc="-1">
               <a:solidFill>
                 <a:srgbClr val="000000"/>
               </a:solidFill>
@@ -6493,11 +6926,14 @@
       </p:sp>
     </p:spTree>
   </p:cSld>
+  <p:clrMapOvr>
+    <a:masterClrMapping/>
+  </p:clrMapOvr>
 </p:sldLayout>
 </file>
 
 <file path=ppt/slideLayouts/slideLayout6.xml><?xml version="1.0" encoding="utf-8"?>
-<p:sldLayout xmlns:a="http://schemas.openxmlformats.org/drawingml/2006/main" xmlns:p="http://schemas.openxmlformats.org/presentationml/2006/main" xmlns:r="http://schemas.openxmlformats.org/officeDocument/2006/relationships" xmlns:p14="http://schemas.microsoft.com/office/powerpoint/2010/main" xmlns:p15="http://schemas.microsoft.com/office/powerpoint/2012/main" xmlns:mc="http://schemas.openxmlformats.org/markup-compatibility/2006" type="objOnly" preserve="1">
+<p:sldLayout xmlns:a="http://schemas.openxmlformats.org/drawingml/2006/main" xmlns:r="http://schemas.openxmlformats.org/officeDocument/2006/relationships" xmlns:p="http://schemas.openxmlformats.org/presentationml/2006/main" type="objOnly" preserve="1">
   <p:cSld name="Centered Text">
     <p:spTree>
       <p:nvGrpSpPr>
@@ -6533,12 +6969,13 @@
           </a:prstGeom>
         </p:spPr>
         <p:txBody>
-          <a:bodyPr lIns="0" rIns="0" tIns="0" bIns="0" anchor="ctr">
+          <a:bodyPr lIns="0" tIns="0" rIns="0" bIns="0" anchor="ctr">
             <a:noAutofit/>
           </a:bodyPr>
+          <a:lstStyle/>
           <a:p>
             <a:pPr algn="ctr"/>
-            <a:endParaRPr b="0" lang="en-US" sz="3200" spc="-1" strike="noStrike">
+            <a:endParaRPr lang="en-US" sz="3200" b="0" strike="noStrike" spc="-1">
               <a:latin typeface="Arial"/>
             </a:endParaRPr>
           </a:p>
@@ -6546,11 +6983,14 @@
       </p:sp>
     </p:spTree>
   </p:cSld>
+  <p:clrMapOvr>
+    <a:masterClrMapping/>
+  </p:clrMapOvr>
 </p:sldLayout>
 </file>
 
 <file path=ppt/slideLayouts/slideLayout60.xml><?xml version="1.0" encoding="utf-8"?>
-<p:sldLayout xmlns:a="http://schemas.openxmlformats.org/drawingml/2006/main" xmlns:p="http://schemas.openxmlformats.org/presentationml/2006/main" xmlns:r="http://schemas.openxmlformats.org/officeDocument/2006/relationships" xmlns:p14="http://schemas.microsoft.com/office/powerpoint/2010/main" xmlns:p15="http://schemas.microsoft.com/office/powerpoint/2012/main" xmlns:mc="http://schemas.openxmlformats.org/markup-compatibility/2006" type="blank" preserve="1">
+<p:sldLayout xmlns:a="http://schemas.openxmlformats.org/drawingml/2006/main" xmlns:r="http://schemas.openxmlformats.org/officeDocument/2006/relationships" xmlns:p="http://schemas.openxmlformats.org/presentationml/2006/main" type="blank" preserve="1">
   <p:cSld name="Title, 6 Content">
     <p:spTree>
       <p:nvGrpSpPr>
@@ -6586,11 +7026,12 @@
           </a:prstGeom>
         </p:spPr>
         <p:txBody>
-          <a:bodyPr lIns="0" rIns="0" tIns="0" bIns="0" anchor="ctr">
+          <a:bodyPr lIns="0" tIns="0" rIns="0" bIns="0" anchor="ctr">
             <a:noAutofit/>
           </a:bodyPr>
-          <a:p>
-            <a:endParaRPr b="0" lang="en-US" sz="1800" spc="-1" strike="noStrike">
+          <a:lstStyle/>
+          <a:p>
+            <a:endParaRPr lang="en-US" sz="1800" b="0" strike="noStrike" spc="-1">
               <a:solidFill>
                 <a:srgbClr val="000000"/>
               </a:solidFill>
@@ -6619,11 +7060,12 @@
           </a:prstGeom>
         </p:spPr>
         <p:txBody>
-          <a:bodyPr lIns="0" rIns="0" tIns="0" bIns="0">
+          <a:bodyPr lIns="0" tIns="0" rIns="0" bIns="0">
             <a:normAutofit/>
           </a:bodyPr>
-          <a:p>
-            <a:endParaRPr b="0" lang="en-US" sz="2800" spc="-1" strike="noStrike">
+          <a:lstStyle/>
+          <a:p>
+            <a:endParaRPr lang="en-US" sz="2800" b="0" strike="noStrike" spc="-1">
               <a:solidFill>
                 <a:srgbClr val="000000"/>
               </a:solidFill>
@@ -6652,11 +7094,12 @@
           </a:prstGeom>
         </p:spPr>
         <p:txBody>
-          <a:bodyPr lIns="0" rIns="0" tIns="0" bIns="0">
+          <a:bodyPr lIns="0" tIns="0" rIns="0" bIns="0">
             <a:normAutofit/>
           </a:bodyPr>
-          <a:p>
-            <a:endParaRPr b="0" lang="en-US" sz="2800" spc="-1" strike="noStrike">
+          <a:lstStyle/>
+          <a:p>
+            <a:endParaRPr lang="en-US" sz="2800" b="0" strike="noStrike" spc="-1">
               <a:solidFill>
                 <a:srgbClr val="000000"/>
               </a:solidFill>
@@ -6685,11 +7128,12 @@
           </a:prstGeom>
         </p:spPr>
         <p:txBody>
-          <a:bodyPr lIns="0" rIns="0" tIns="0" bIns="0">
+          <a:bodyPr lIns="0" tIns="0" rIns="0" bIns="0">
             <a:normAutofit/>
           </a:bodyPr>
-          <a:p>
-            <a:endParaRPr b="0" lang="en-US" sz="2800" spc="-1" strike="noStrike">
+          <a:lstStyle/>
+          <a:p>
+            <a:endParaRPr lang="en-US" sz="2800" b="0" strike="noStrike" spc="-1">
               <a:solidFill>
                 <a:srgbClr val="000000"/>
               </a:solidFill>
@@ -6718,11 +7162,12 @@
           </a:prstGeom>
         </p:spPr>
         <p:txBody>
-          <a:bodyPr lIns="0" rIns="0" tIns="0" bIns="0">
+          <a:bodyPr lIns="0" tIns="0" rIns="0" bIns="0">
             <a:normAutofit/>
           </a:bodyPr>
-          <a:p>
-            <a:endParaRPr b="0" lang="en-US" sz="2800" spc="-1" strike="noStrike">
+          <a:lstStyle/>
+          <a:p>
+            <a:endParaRPr lang="en-US" sz="2800" b="0" strike="noStrike" spc="-1">
               <a:solidFill>
                 <a:srgbClr val="000000"/>
               </a:solidFill>
@@ -6751,11 +7196,12 @@
           </a:prstGeom>
         </p:spPr>
         <p:txBody>
-          <a:bodyPr lIns="0" rIns="0" tIns="0" bIns="0">
+          <a:bodyPr lIns="0" tIns="0" rIns="0" bIns="0">
             <a:normAutofit/>
           </a:bodyPr>
-          <a:p>
-            <a:endParaRPr b="0" lang="en-US" sz="2800" spc="-1" strike="noStrike">
+          <a:lstStyle/>
+          <a:p>
+            <a:endParaRPr lang="en-US" sz="2800" b="0" strike="noStrike" spc="-1">
               <a:solidFill>
                 <a:srgbClr val="000000"/>
               </a:solidFill>
@@ -6784,11 +7230,12 @@
           </a:prstGeom>
         </p:spPr>
         <p:txBody>
-          <a:bodyPr lIns="0" rIns="0" tIns="0" bIns="0">
+          <a:bodyPr lIns="0" tIns="0" rIns="0" bIns="0">
             <a:normAutofit/>
           </a:bodyPr>
-          <a:p>
-            <a:endParaRPr b="0" lang="en-US" sz="2800" spc="-1" strike="noStrike">
+          <a:lstStyle/>
+          <a:p>
+            <a:endParaRPr lang="en-US" sz="2800" b="0" strike="noStrike" spc="-1">
               <a:solidFill>
                 <a:srgbClr val="000000"/>
               </a:solidFill>
@@ -6799,11 +7246,14 @@
       </p:sp>
     </p:spTree>
   </p:cSld>
+  <p:clrMapOvr>
+    <a:masterClrMapping/>
+  </p:clrMapOvr>
 </p:sldLayout>
 </file>
 
 <file path=ppt/slideLayouts/slideLayout7.xml><?xml version="1.0" encoding="utf-8"?>
-<p:sldLayout xmlns:a="http://schemas.openxmlformats.org/drawingml/2006/main" xmlns:p="http://schemas.openxmlformats.org/presentationml/2006/main" xmlns:r="http://schemas.openxmlformats.org/officeDocument/2006/relationships" xmlns:p14="http://schemas.microsoft.com/office/powerpoint/2010/main" xmlns:p15="http://schemas.microsoft.com/office/powerpoint/2012/main" xmlns:mc="http://schemas.openxmlformats.org/markup-compatibility/2006" type="twoObjAndObj" preserve="1">
+<p:sldLayout xmlns:a="http://schemas.openxmlformats.org/drawingml/2006/main" xmlns:r="http://schemas.openxmlformats.org/officeDocument/2006/relationships" xmlns:p="http://schemas.openxmlformats.org/presentationml/2006/main" type="twoObjAndObj" preserve="1">
   <p:cSld name="Title, 2 Content and Content">
     <p:spTree>
       <p:nvGrpSpPr>
@@ -6839,11 +7289,12 @@
           </a:prstGeom>
         </p:spPr>
         <p:txBody>
-          <a:bodyPr lIns="0" rIns="0" tIns="0" bIns="0" anchor="ctr">
+          <a:bodyPr lIns="0" tIns="0" rIns="0" bIns="0" anchor="ctr">
             <a:noAutofit/>
           </a:bodyPr>
-          <a:p>
-            <a:endParaRPr b="0" lang="en-US" sz="1800" spc="-1" strike="noStrike">
+          <a:lstStyle/>
+          <a:p>
+            <a:endParaRPr lang="en-US" sz="1800" b="0" strike="noStrike" spc="-1">
               <a:solidFill>
                 <a:srgbClr val="000000"/>
               </a:solidFill>
@@ -6872,11 +7323,12 @@
           </a:prstGeom>
         </p:spPr>
         <p:txBody>
-          <a:bodyPr lIns="0" rIns="0" tIns="0" bIns="0">
+          <a:bodyPr lIns="0" tIns="0" rIns="0" bIns="0">
             <a:normAutofit/>
           </a:bodyPr>
-          <a:p>
-            <a:endParaRPr b="0" lang="en-US" sz="2800" spc="-1" strike="noStrike">
+          <a:lstStyle/>
+          <a:p>
+            <a:endParaRPr lang="en-US" sz="2800" b="0" strike="noStrike" spc="-1">
               <a:solidFill>
                 <a:srgbClr val="000000"/>
               </a:solidFill>
@@ -6905,11 +7357,12 @@
           </a:prstGeom>
         </p:spPr>
         <p:txBody>
-          <a:bodyPr lIns="0" rIns="0" tIns="0" bIns="0">
+          <a:bodyPr lIns="0" tIns="0" rIns="0" bIns="0">
             <a:normAutofit/>
           </a:bodyPr>
-          <a:p>
-            <a:endParaRPr b="0" lang="en-US" sz="2800" spc="-1" strike="noStrike">
+          <a:lstStyle/>
+          <a:p>
+            <a:endParaRPr lang="en-US" sz="2800" b="0" strike="noStrike" spc="-1">
               <a:solidFill>
                 <a:srgbClr val="000000"/>
               </a:solidFill>
@@ -6938,11 +7391,12 @@
           </a:prstGeom>
         </p:spPr>
         <p:txBody>
-          <a:bodyPr lIns="0" rIns="0" tIns="0" bIns="0">
+          <a:bodyPr lIns="0" tIns="0" rIns="0" bIns="0">
             <a:normAutofit/>
           </a:bodyPr>
-          <a:p>
-            <a:endParaRPr b="0" lang="en-US" sz="2800" spc="-1" strike="noStrike">
+          <a:lstStyle/>
+          <a:p>
+            <a:endParaRPr lang="en-US" sz="2800" b="0" strike="noStrike" spc="-1">
               <a:solidFill>
                 <a:srgbClr val="000000"/>
               </a:solidFill>
@@ -6953,11 +7407,14 @@
       </p:sp>
     </p:spTree>
   </p:cSld>
+  <p:clrMapOvr>
+    <a:masterClrMapping/>
+  </p:clrMapOvr>
 </p:sldLayout>
 </file>
 
 <file path=ppt/slideLayouts/slideLayout8.xml><?xml version="1.0" encoding="utf-8"?>
-<p:sldLayout xmlns:a="http://schemas.openxmlformats.org/drawingml/2006/main" xmlns:p="http://schemas.openxmlformats.org/presentationml/2006/main" xmlns:r="http://schemas.openxmlformats.org/officeDocument/2006/relationships" xmlns:p14="http://schemas.microsoft.com/office/powerpoint/2010/main" xmlns:p15="http://schemas.microsoft.com/office/powerpoint/2012/main" xmlns:mc="http://schemas.openxmlformats.org/markup-compatibility/2006" type="objAndTwoObj" preserve="1">
+<p:sldLayout xmlns:a="http://schemas.openxmlformats.org/drawingml/2006/main" xmlns:r="http://schemas.openxmlformats.org/officeDocument/2006/relationships" xmlns:p="http://schemas.openxmlformats.org/presentationml/2006/main" type="objAndTwoObj" preserve="1">
   <p:cSld name="Title Content and 2 Content">
     <p:spTree>
       <p:nvGrpSpPr>
@@ -6993,11 +7450,12 @@
           </a:prstGeom>
         </p:spPr>
         <p:txBody>
-          <a:bodyPr lIns="0" rIns="0" tIns="0" bIns="0" anchor="ctr">
+          <a:bodyPr lIns="0" tIns="0" rIns="0" bIns="0" anchor="ctr">
             <a:noAutofit/>
           </a:bodyPr>
-          <a:p>
-            <a:endParaRPr b="0" lang="en-US" sz="1800" spc="-1" strike="noStrike">
+          <a:lstStyle/>
+          <a:p>
+            <a:endParaRPr lang="en-US" sz="1800" b="0" strike="noStrike" spc="-1">
               <a:solidFill>
                 <a:srgbClr val="000000"/>
               </a:solidFill>
@@ -7026,11 +7484,12 @@
           </a:prstGeom>
         </p:spPr>
         <p:txBody>
-          <a:bodyPr lIns="0" rIns="0" tIns="0" bIns="0">
+          <a:bodyPr lIns="0" tIns="0" rIns="0" bIns="0">
             <a:normAutofit/>
           </a:bodyPr>
-          <a:p>
-            <a:endParaRPr b="0" lang="en-US" sz="2800" spc="-1" strike="noStrike">
+          <a:lstStyle/>
+          <a:p>
+            <a:endParaRPr lang="en-US" sz="2800" b="0" strike="noStrike" spc="-1">
               <a:solidFill>
                 <a:srgbClr val="000000"/>
               </a:solidFill>
@@ -7059,11 +7518,12 @@
           </a:prstGeom>
         </p:spPr>
         <p:txBody>
-          <a:bodyPr lIns="0" rIns="0" tIns="0" bIns="0">
+          <a:bodyPr lIns="0" tIns="0" rIns="0" bIns="0">
             <a:normAutofit/>
           </a:bodyPr>
-          <a:p>
-            <a:endParaRPr b="0" lang="en-US" sz="2800" spc="-1" strike="noStrike">
+          <a:lstStyle/>
+          <a:p>
+            <a:endParaRPr lang="en-US" sz="2800" b="0" strike="noStrike" spc="-1">
               <a:solidFill>
                 <a:srgbClr val="000000"/>
               </a:solidFill>
@@ -7092,11 +7552,12 @@
           </a:prstGeom>
         </p:spPr>
         <p:txBody>
-          <a:bodyPr lIns="0" rIns="0" tIns="0" bIns="0">
+          <a:bodyPr lIns="0" tIns="0" rIns="0" bIns="0">
             <a:normAutofit/>
           </a:bodyPr>
-          <a:p>
-            <a:endParaRPr b="0" lang="en-US" sz="2800" spc="-1" strike="noStrike">
+          <a:lstStyle/>
+          <a:p>
+            <a:endParaRPr lang="en-US" sz="2800" b="0" strike="noStrike" spc="-1">
               <a:solidFill>
                 <a:srgbClr val="000000"/>
               </a:solidFill>
@@ -7107,11 +7568,14 @@
       </p:sp>
     </p:spTree>
   </p:cSld>
+  <p:clrMapOvr>
+    <a:masterClrMapping/>
+  </p:clrMapOvr>
 </p:sldLayout>
 </file>
 
 <file path=ppt/slideLayouts/slideLayout9.xml><?xml version="1.0" encoding="utf-8"?>
-<p:sldLayout xmlns:a="http://schemas.openxmlformats.org/drawingml/2006/main" xmlns:p="http://schemas.openxmlformats.org/presentationml/2006/main" xmlns:r="http://schemas.openxmlformats.org/officeDocument/2006/relationships" xmlns:p14="http://schemas.microsoft.com/office/powerpoint/2010/main" xmlns:p15="http://schemas.microsoft.com/office/powerpoint/2012/main" xmlns:mc="http://schemas.openxmlformats.org/markup-compatibility/2006" type="twoObjOverTx" preserve="1">
+<p:sldLayout xmlns:a="http://schemas.openxmlformats.org/drawingml/2006/main" xmlns:r="http://schemas.openxmlformats.org/officeDocument/2006/relationships" xmlns:p="http://schemas.openxmlformats.org/presentationml/2006/main" type="twoObjOverTx" preserve="1">
   <p:cSld name="Title, 2 Content over Content">
     <p:spTree>
       <p:nvGrpSpPr>
@@ -7147,11 +7611,12 @@
           </a:prstGeom>
         </p:spPr>
         <p:txBody>
-          <a:bodyPr lIns="0" rIns="0" tIns="0" bIns="0" anchor="ctr">
+          <a:bodyPr lIns="0" tIns="0" rIns="0" bIns="0" anchor="ctr">
             <a:noAutofit/>
           </a:bodyPr>
-          <a:p>
-            <a:endParaRPr b="0" lang="en-US" sz="1800" spc="-1" strike="noStrike">
+          <a:lstStyle/>
+          <a:p>
+            <a:endParaRPr lang="en-US" sz="1800" b="0" strike="noStrike" spc="-1">
               <a:solidFill>
                 <a:srgbClr val="000000"/>
               </a:solidFill>
@@ -7180,11 +7645,12 @@
           </a:prstGeom>
         </p:spPr>
         <p:txBody>
-          <a:bodyPr lIns="0" rIns="0" tIns="0" bIns="0">
+          <a:bodyPr lIns="0" tIns="0" rIns="0" bIns="0">
             <a:normAutofit/>
           </a:bodyPr>
-          <a:p>
-            <a:endParaRPr b="0" lang="en-US" sz="2800" spc="-1" strike="noStrike">
+          <a:lstStyle/>
+          <a:p>
+            <a:endParaRPr lang="en-US" sz="2800" b="0" strike="noStrike" spc="-1">
               <a:solidFill>
                 <a:srgbClr val="000000"/>
               </a:solidFill>
@@ -7213,11 +7679,12 @@
           </a:prstGeom>
         </p:spPr>
         <p:txBody>
-          <a:bodyPr lIns="0" rIns="0" tIns="0" bIns="0">
+          <a:bodyPr lIns="0" tIns="0" rIns="0" bIns="0">
             <a:normAutofit/>
           </a:bodyPr>
-          <a:p>
-            <a:endParaRPr b="0" lang="en-US" sz="2800" spc="-1" strike="noStrike">
+          <a:lstStyle/>
+          <a:p>
+            <a:endParaRPr lang="en-US" sz="2800" b="0" strike="noStrike" spc="-1">
               <a:solidFill>
                 <a:srgbClr val="000000"/>
               </a:solidFill>
@@ -7246,11 +7713,12 @@
           </a:prstGeom>
         </p:spPr>
         <p:txBody>
-          <a:bodyPr lIns="0" rIns="0" tIns="0" bIns="0">
+          <a:bodyPr lIns="0" tIns="0" rIns="0" bIns="0">
             <a:normAutofit/>
           </a:bodyPr>
-          <a:p>
-            <a:endParaRPr b="0" lang="en-US" sz="2800" spc="-1" strike="noStrike">
+          <a:lstStyle/>
+          <a:p>
+            <a:endParaRPr lang="en-US" sz="2800" b="0" strike="noStrike" spc="-1">
               <a:solidFill>
                 <a:srgbClr val="000000"/>
               </a:solidFill>
@@ -7261,20 +7729,24 @@
       </p:sp>
     </p:spTree>
   </p:cSld>
+  <p:clrMapOvr>
+    <a:masterClrMapping/>
+  </p:clrMapOvr>
 </p:sldLayout>
 </file>
 
 <file path=ppt/slideMasters/slideMaster1.xml><?xml version="1.0" encoding="utf-8"?>
-<p:sldMaster xmlns:a="http://schemas.openxmlformats.org/drawingml/2006/main" xmlns:p="http://schemas.openxmlformats.org/presentationml/2006/main" xmlns:r="http://schemas.openxmlformats.org/officeDocument/2006/relationships" xmlns:p14="http://schemas.microsoft.com/office/powerpoint/2010/main" xmlns:p15="http://schemas.microsoft.com/office/powerpoint/2012/main" xmlns:mc="http://schemas.openxmlformats.org/markup-compatibility/2006">
+<p:sldMaster xmlns:a="http://schemas.openxmlformats.org/drawingml/2006/main" xmlns:r="http://schemas.openxmlformats.org/officeDocument/2006/relationships" xmlns:p="http://schemas.openxmlformats.org/presentationml/2006/main">
   <p:cSld>
     <p:bg>
       <p:bgPr>
         <a:blipFill rotWithShape="0">
-          <a:blip r:embed="rId2"/>
+          <a:blip r:embed="rId14"/>
           <a:stretch>
             <a:fillRect/>
           </a:stretch>
         </a:blipFill>
+        <a:effectLst/>
       </p:bgPr>
     </p:bg>
     <p:spTree>
@@ -7293,7 +7765,7 @@
       </p:grpSpPr>
       <p:sp>
         <p:nvSpPr>
-          <p:cNvPr id="0" name="CustomShape 1"/>
+          <p:cNvPr id="3" name="CustomShape 1"/>
           <p:cNvSpPr/>
           <p:nvPr/>
         </p:nvSpPr>
@@ -7311,15 +7783,22 @@
           </a:ln>
         </p:spPr>
         <p:style>
-          <a:lnRef idx="0"/>
-          <a:fillRef idx="0"/>
-          <a:effectRef idx="0"/>
+          <a:lnRef idx="0">
+            <a:scrgbClr r="0" g="0" b="0"/>
+          </a:lnRef>
+          <a:fillRef idx="0">
+            <a:scrgbClr r="0" g="0" b="0"/>
+          </a:fillRef>
+          <a:effectRef idx="0">
+            <a:scrgbClr r="0" g="0" b="0"/>
+          </a:effectRef>
           <a:fontRef idx="minor"/>
         </p:style>
         <p:txBody>
-          <a:bodyPr lIns="90000" rIns="90000" tIns="45000" bIns="45000">
+          <a:bodyPr lIns="90000" tIns="45000" rIns="90000" bIns="45000">
             <a:spAutoFit/>
           </a:bodyPr>
+          <a:lstStyle/>
           <a:p>
             <a:pPr>
               <a:lnSpc>
@@ -7327,16 +7806,16 @@
               </a:lnSpc>
             </a:pPr>
             <a:r>
-              <a:rPr b="0" lang="en-US" sz="1400" spc="-1" strike="noStrike">
+              <a:rPr lang="en-US" sz="1400" b="0" strike="noStrike" spc="-1">
                 <a:solidFill>
-                  <a:srgbClr val="a6a6a6"/>
+                  <a:srgbClr val="A6A6A6"/>
                 </a:solidFill>
                 <a:latin typeface="Calibri"/>
                 <a:ea typeface="DejaVu Sans"/>
               </a:rPr>
               <a:t>This presentation uses a free template provided by FPPT.com</a:t>
             </a:r>
-            <a:endParaRPr b="0" lang="en-US" sz="1400" spc="-1" strike="noStrike">
+            <a:endParaRPr lang="en-US" sz="1400" b="0" strike="noStrike" spc="-1">
               <a:latin typeface="Arial"/>
             </a:endParaRPr>
           </a:p>
@@ -7347,24 +7826,24 @@
               </a:lnSpc>
             </a:pPr>
             <a:r>
-              <a:rPr b="0" lang="en-US" sz="1400" spc="-1" strike="noStrike">
+              <a:rPr lang="en-US" sz="1400" b="0" strike="noStrike" spc="-1">
                 <a:solidFill>
-                  <a:srgbClr val="a6a6a6"/>
+                  <a:srgbClr val="A6A6A6"/>
                 </a:solidFill>
                 <a:latin typeface="Calibri"/>
                 <a:ea typeface="DejaVu Sans"/>
               </a:rPr>
               <a:t>www.free-power-point-templates.com</a:t>
             </a:r>
-            <a:endParaRPr b="0" lang="en-US" sz="1400" spc="-1" strike="noStrike">
-              <a:latin typeface="Arial"/>
-            </a:endParaRPr>
-          </a:p>
-        </p:txBody>
-      </p:sp>
-      <p:sp>
-        <p:nvSpPr>
-          <p:cNvPr id="1" name="PlaceHolder 2"/>
+            <a:endParaRPr lang="en-US" sz="1400" b="0" strike="noStrike" spc="-1">
+              <a:latin typeface="Arial"/>
+            </a:endParaRPr>
+          </a:p>
+        </p:txBody>
+      </p:sp>
+      <p:sp>
+        <p:nvSpPr>
+          <p:cNvPr id="4" name="PlaceHolder 2"/>
           <p:cNvSpPr>
             <a:spLocks noGrp="1"/>
           </p:cNvSpPr>
@@ -7382,35 +7861,21 @@
           </a:prstGeom>
         </p:spPr>
         <p:txBody>
-          <a:bodyPr lIns="0" rIns="0" tIns="0" bIns="0" anchor="ctr">
+          <a:bodyPr lIns="0" tIns="0" rIns="0" bIns="0" anchor="ctr">
             <a:noAutofit/>
           </a:bodyPr>
+          <a:lstStyle/>
           <a:p>
             <a:pPr algn="ctr"/>
             <a:r>
-              <a:rPr b="0" lang="en-US" sz="4400" spc="-1" strike="noStrike">
+              <a:rPr lang="en-US" sz="4400" b="0" strike="noStrike" spc="-1">
                 <a:solidFill>
                   <a:srgbClr val="000000"/>
                 </a:solidFill>
                 <a:latin typeface="Arial"/>
               </a:rPr>
-              <a:t>Click to edit the title text </a:t>
+              <a:t>Click to edit the title text format</a:t>
             </a:r>
-            <a:r>
-              <a:rPr b="0" lang="en-US" sz="4400" spc="-1" strike="noStrike">
-                <a:solidFill>
-                  <a:srgbClr val="000000"/>
-                </a:solidFill>
-                <a:latin typeface="Arial"/>
-              </a:rPr>
-              <a:t>format</a:t>
-            </a:r>
-            <a:endParaRPr b="0" lang="en-US" sz="4400" spc="-1" strike="noStrike">
-              <a:solidFill>
-                <a:srgbClr val="000000"/>
-              </a:solidFill>
-              <a:latin typeface="Arial"/>
-            </a:endParaRPr>
           </a:p>
         </p:txBody>
       </p:sp>
@@ -7434,9 +7899,10 @@
           </a:prstGeom>
         </p:spPr>
         <p:txBody>
-          <a:bodyPr lIns="0" rIns="0" tIns="0" bIns="0">
+          <a:bodyPr lIns="0" tIns="0" rIns="0" bIns="0">
             <a:normAutofit fontScale="91000"/>
           </a:bodyPr>
+          <a:lstStyle/>
           <a:p>
             <a:pPr marL="432000" indent="-324000" algn="ctr">
               <a:spcBef>
@@ -7450,7 +7916,7 @@
               <a:buChar char=""/>
             </a:pPr>
             <a:r>
-              <a:rPr b="0" lang="en-US" sz="2800" spc="-1" strike="noStrike">
+              <a:rPr lang="en-US" sz="2800" b="0" strike="noStrike" spc="-1">
                 <a:solidFill>
                   <a:srgbClr val="000000"/>
                 </a:solidFill>
@@ -7458,15 +7924,9 @@
               </a:rPr>
               <a:t>Click to edit the outline text format</a:t>
             </a:r>
-            <a:endParaRPr b="0" lang="en-US" sz="2800" spc="-1" strike="noStrike">
-              <a:solidFill>
-                <a:srgbClr val="000000"/>
-              </a:solidFill>
-              <a:latin typeface="Arial"/>
-            </a:endParaRPr>
-          </a:p>
-          <a:p>
-            <a:pPr lvl="1" marL="864000" indent="-324000" algn="ctr">
+          </a:p>
+          <a:p>
+            <a:pPr marL="864000" lvl="1" indent="-324000" algn="ctr">
               <a:spcBef>
                 <a:spcPts val="1134"/>
               </a:spcBef>
@@ -7478,7 +7938,7 @@
               <a:buChar char=""/>
             </a:pPr>
             <a:r>
-              <a:rPr b="0" lang="en-US" sz="2800" spc="-1" strike="noStrike">
+              <a:rPr lang="en-US" sz="2800" b="0" strike="noStrike" spc="-1">
                 <a:solidFill>
                   <a:srgbClr val="000000"/>
                 </a:solidFill>
@@ -7486,15 +7946,9 @@
               </a:rPr>
               <a:t>Second Outline Level</a:t>
             </a:r>
-            <a:endParaRPr b="0" lang="en-US" sz="2800" spc="-1" strike="noStrike">
-              <a:solidFill>
-                <a:srgbClr val="000000"/>
-              </a:solidFill>
-              <a:latin typeface="Arial"/>
-            </a:endParaRPr>
-          </a:p>
-          <a:p>
-            <a:pPr lvl="2" marL="1296000" indent="-288000" algn="ctr">
+          </a:p>
+          <a:p>
+            <a:pPr marL="1296000" lvl="2" indent="-288000" algn="ctr">
               <a:spcBef>
                 <a:spcPts val="850"/>
               </a:spcBef>
@@ -7506,7 +7960,7 @@
               <a:buChar char=""/>
             </a:pPr>
             <a:r>
-              <a:rPr b="0" lang="en-US" sz="2800" spc="-1" strike="noStrike">
+              <a:rPr lang="en-US" sz="2800" b="0" strike="noStrike" spc="-1">
                 <a:solidFill>
                   <a:srgbClr val="000000"/>
                 </a:solidFill>
@@ -7514,15 +7968,9 @@
               </a:rPr>
               <a:t>Third Outline Level</a:t>
             </a:r>
-            <a:endParaRPr b="0" lang="en-US" sz="2800" spc="-1" strike="noStrike">
-              <a:solidFill>
-                <a:srgbClr val="000000"/>
-              </a:solidFill>
-              <a:latin typeface="Arial"/>
-            </a:endParaRPr>
-          </a:p>
-          <a:p>
-            <a:pPr lvl="3" marL="1728000" indent="-216000" algn="ctr">
+          </a:p>
+          <a:p>
+            <a:pPr marL="1728000" lvl="3" indent="-216000" algn="ctr">
               <a:spcBef>
                 <a:spcPts val="567"/>
               </a:spcBef>
@@ -7534,7 +7982,7 @@
               <a:buChar char=""/>
             </a:pPr>
             <a:r>
-              <a:rPr b="0" lang="en-US" sz="2800" spc="-1" strike="noStrike">
+              <a:rPr lang="en-US" sz="2800" b="0" strike="noStrike" spc="-1">
                 <a:solidFill>
                   <a:srgbClr val="000000"/>
                 </a:solidFill>
@@ -7542,15 +7990,9 @@
               </a:rPr>
               <a:t>Fourth Outline Level</a:t>
             </a:r>
-            <a:endParaRPr b="0" lang="en-US" sz="2800" spc="-1" strike="noStrike">
-              <a:solidFill>
-                <a:srgbClr val="000000"/>
-              </a:solidFill>
-              <a:latin typeface="Arial"/>
-            </a:endParaRPr>
-          </a:p>
-          <a:p>
-            <a:pPr lvl="4" marL="2160000" indent="-216000" algn="ctr">
+          </a:p>
+          <a:p>
+            <a:pPr marL="2160000" lvl="4" indent="-216000" algn="ctr">
               <a:spcBef>
                 <a:spcPts val="283"/>
               </a:spcBef>
@@ -7562,7 +8004,7 @@
               <a:buChar char=""/>
             </a:pPr>
             <a:r>
-              <a:rPr b="0" lang="en-US" sz="2800" spc="-1" strike="noStrike">
+              <a:rPr lang="en-US" sz="2800" b="0" strike="noStrike" spc="-1">
                 <a:solidFill>
                   <a:srgbClr val="000000"/>
                 </a:solidFill>
@@ -7570,15 +8012,9 @@
               </a:rPr>
               <a:t>Fifth Outline Level</a:t>
             </a:r>
-            <a:endParaRPr b="0" lang="en-US" sz="2800" spc="-1" strike="noStrike">
-              <a:solidFill>
-                <a:srgbClr val="000000"/>
-              </a:solidFill>
-              <a:latin typeface="Arial"/>
-            </a:endParaRPr>
-          </a:p>
-          <a:p>
-            <a:pPr lvl="5" marL="2592000" indent="-216000" algn="ctr">
+          </a:p>
+          <a:p>
+            <a:pPr marL="2592000" lvl="5" indent="-216000" algn="ctr">
               <a:spcBef>
                 <a:spcPts val="283"/>
               </a:spcBef>
@@ -7590,7 +8026,7 @@
               <a:buChar char=""/>
             </a:pPr>
             <a:r>
-              <a:rPr b="0" lang="en-US" sz="2800" spc="-1" strike="noStrike">
+              <a:rPr lang="en-US" sz="2800" b="0" strike="noStrike" spc="-1">
                 <a:solidFill>
                   <a:srgbClr val="000000"/>
                 </a:solidFill>
@@ -7598,15 +8034,9 @@
               </a:rPr>
               <a:t>Sixth Outline Level</a:t>
             </a:r>
-            <a:endParaRPr b="0" lang="en-US" sz="2800" spc="-1" strike="noStrike">
-              <a:solidFill>
-                <a:srgbClr val="000000"/>
-              </a:solidFill>
-              <a:latin typeface="Arial"/>
-            </a:endParaRPr>
-          </a:p>
-          <a:p>
-            <a:pPr lvl="6" marL="3024000" indent="-216000" algn="ctr">
+          </a:p>
+          <a:p>
+            <a:pPr marL="3024000" lvl="6" indent="-216000" algn="ctr">
               <a:spcBef>
                 <a:spcPts val="283"/>
               </a:spcBef>
@@ -7618,7 +8048,7 @@
               <a:buChar char=""/>
             </a:pPr>
             <a:r>
-              <a:rPr b="0" lang="en-US" sz="2800" spc="-1" strike="noStrike">
+              <a:rPr lang="en-US" sz="2800" b="0" strike="noStrike" spc="-1">
                 <a:solidFill>
                   <a:srgbClr val="000000"/>
                 </a:solidFill>
@@ -7626,46 +8056,321 @@
               </a:rPr>
               <a:t>Seventh Outline Level</a:t>
             </a:r>
-            <a:endParaRPr b="0" lang="en-US" sz="2800" spc="-1" strike="noStrike">
-              <a:solidFill>
-                <a:srgbClr val="000000"/>
-              </a:solidFill>
-              <a:latin typeface="Arial"/>
-            </a:endParaRPr>
           </a:p>
         </p:txBody>
       </p:sp>
     </p:spTree>
   </p:cSld>
-  <p:clrMap bg1="lt1" bg2="lt2" tx1="dk1" tx2="dk2" accent1="accent1" accent2="accent2" accent3="accent3" accent4="accent4" accent5="accent5" accent6="accent6" hlink="hlink" folHlink="folHlink"/>
+  <p:clrMap bg1="lt1" tx1="dk1" bg2="lt2" tx2="dk2" accent1="accent1" accent2="accent2" accent3="accent3" accent4="accent4" accent5="accent5" accent6="accent6" hlink="hlink" folHlink="folHlink"/>
   <p:sldLayoutIdLst>
-    <p:sldLayoutId id="2147483649" r:id="rId3"/>
-    <p:sldLayoutId id="2147483650" r:id="rId4"/>
-    <p:sldLayoutId id="2147483651" r:id="rId5"/>
-    <p:sldLayoutId id="2147483652" r:id="rId6"/>
-    <p:sldLayoutId id="2147483653" r:id="rId7"/>
-    <p:sldLayoutId id="2147483654" r:id="rId8"/>
-    <p:sldLayoutId id="2147483655" r:id="rId9"/>
-    <p:sldLayoutId id="2147483656" r:id="rId10"/>
-    <p:sldLayoutId id="2147483657" r:id="rId11"/>
-    <p:sldLayoutId id="2147483658" r:id="rId12"/>
-    <p:sldLayoutId id="2147483659" r:id="rId13"/>
-    <p:sldLayoutId id="2147483660" r:id="rId14"/>
+    <p:sldLayoutId id="2147483649" r:id="rId1"/>
+    <p:sldLayoutId id="2147483650" r:id="rId2"/>
+    <p:sldLayoutId id="2147483651" r:id="rId3"/>
+    <p:sldLayoutId id="2147483652" r:id="rId4"/>
+    <p:sldLayoutId id="2147483653" r:id="rId5"/>
+    <p:sldLayoutId id="2147483654" r:id="rId6"/>
+    <p:sldLayoutId id="2147483655" r:id="rId7"/>
+    <p:sldLayoutId id="2147483656" r:id="rId8"/>
+    <p:sldLayoutId id="2147483657" r:id="rId9"/>
+    <p:sldLayoutId id="2147483658" r:id="rId10"/>
+    <p:sldLayoutId id="2147483659" r:id="rId11"/>
+    <p:sldLayoutId id="2147483660" r:id="rId12"/>
   </p:sldLayoutIdLst>
+  <p:txStyles>
+    <p:titleStyle>
+      <a:lvl1pPr algn="l" defTabSz="914400" rtl="0" eaLnBrk="1" latinLnBrk="0" hangingPunct="1">
+        <a:lnSpc>
+          <a:spcPct val="90000"/>
+        </a:lnSpc>
+        <a:spcBef>
+          <a:spcPct val="0"/>
+        </a:spcBef>
+        <a:buNone/>
+        <a:defRPr sz="4400" kern="1200">
+          <a:solidFill>
+            <a:schemeClr val="tx1"/>
+          </a:solidFill>
+          <a:latin typeface="+mj-lt"/>
+          <a:ea typeface="+mj-ea"/>
+          <a:cs typeface="+mj-cs"/>
+        </a:defRPr>
+      </a:lvl1pPr>
+    </p:titleStyle>
+    <p:bodyStyle>
+      <a:lvl1pPr marL="228600" indent="-228600" algn="l" defTabSz="914400" rtl="0" eaLnBrk="1" latinLnBrk="0" hangingPunct="1">
+        <a:lnSpc>
+          <a:spcPct val="90000"/>
+        </a:lnSpc>
+        <a:spcBef>
+          <a:spcPts val="1000"/>
+        </a:spcBef>
+        <a:buFont typeface="Arial" panose="020B0604020202020204" pitchFamily="34" charset="0"/>
+        <a:buChar char="•"/>
+        <a:defRPr sz="2800" kern="1200">
+          <a:solidFill>
+            <a:schemeClr val="tx1"/>
+          </a:solidFill>
+          <a:latin typeface="+mn-lt"/>
+          <a:ea typeface="+mn-ea"/>
+          <a:cs typeface="+mn-cs"/>
+        </a:defRPr>
+      </a:lvl1pPr>
+      <a:lvl2pPr marL="685800" indent="-228600" algn="l" defTabSz="914400" rtl="0" eaLnBrk="1" latinLnBrk="0" hangingPunct="1">
+        <a:lnSpc>
+          <a:spcPct val="90000"/>
+        </a:lnSpc>
+        <a:spcBef>
+          <a:spcPts val="500"/>
+        </a:spcBef>
+        <a:buFont typeface="Arial" panose="020B0604020202020204" pitchFamily="34" charset="0"/>
+        <a:buChar char="•"/>
+        <a:defRPr sz="2400" kern="1200">
+          <a:solidFill>
+            <a:schemeClr val="tx1"/>
+          </a:solidFill>
+          <a:latin typeface="+mn-lt"/>
+          <a:ea typeface="+mn-ea"/>
+          <a:cs typeface="+mn-cs"/>
+        </a:defRPr>
+      </a:lvl2pPr>
+      <a:lvl3pPr marL="1143000" indent="-228600" algn="l" defTabSz="914400" rtl="0" eaLnBrk="1" latinLnBrk="0" hangingPunct="1">
+        <a:lnSpc>
+          <a:spcPct val="90000"/>
+        </a:lnSpc>
+        <a:spcBef>
+          <a:spcPts val="500"/>
+        </a:spcBef>
+        <a:buFont typeface="Arial" panose="020B0604020202020204" pitchFamily="34" charset="0"/>
+        <a:buChar char="•"/>
+        <a:defRPr sz="2000" kern="1200">
+          <a:solidFill>
+            <a:schemeClr val="tx1"/>
+          </a:solidFill>
+          <a:latin typeface="+mn-lt"/>
+          <a:ea typeface="+mn-ea"/>
+          <a:cs typeface="+mn-cs"/>
+        </a:defRPr>
+      </a:lvl3pPr>
+      <a:lvl4pPr marL="1600200" indent="-228600" algn="l" defTabSz="914400" rtl="0" eaLnBrk="1" latinLnBrk="0" hangingPunct="1">
+        <a:lnSpc>
+          <a:spcPct val="90000"/>
+        </a:lnSpc>
+        <a:spcBef>
+          <a:spcPts val="500"/>
+        </a:spcBef>
+        <a:buFont typeface="Arial" panose="020B0604020202020204" pitchFamily="34" charset="0"/>
+        <a:buChar char="•"/>
+        <a:defRPr sz="1800" kern="1200">
+          <a:solidFill>
+            <a:schemeClr val="tx1"/>
+          </a:solidFill>
+          <a:latin typeface="+mn-lt"/>
+          <a:ea typeface="+mn-ea"/>
+          <a:cs typeface="+mn-cs"/>
+        </a:defRPr>
+      </a:lvl4pPr>
+      <a:lvl5pPr marL="2057400" indent="-228600" algn="l" defTabSz="914400" rtl="0" eaLnBrk="1" latinLnBrk="0" hangingPunct="1">
+        <a:lnSpc>
+          <a:spcPct val="90000"/>
+        </a:lnSpc>
+        <a:spcBef>
+          <a:spcPts val="500"/>
+        </a:spcBef>
+        <a:buFont typeface="Arial" panose="020B0604020202020204" pitchFamily="34" charset="0"/>
+        <a:buChar char="•"/>
+        <a:defRPr sz="1800" kern="1200">
+          <a:solidFill>
+            <a:schemeClr val="tx1"/>
+          </a:solidFill>
+          <a:latin typeface="+mn-lt"/>
+          <a:ea typeface="+mn-ea"/>
+          <a:cs typeface="+mn-cs"/>
+        </a:defRPr>
+      </a:lvl5pPr>
+      <a:lvl6pPr marL="2514600" indent="-228600" algn="l" defTabSz="914400" rtl="0" eaLnBrk="1" latinLnBrk="0" hangingPunct="1">
+        <a:lnSpc>
+          <a:spcPct val="90000"/>
+        </a:lnSpc>
+        <a:spcBef>
+          <a:spcPts val="500"/>
+        </a:spcBef>
+        <a:buFont typeface="Arial" panose="020B0604020202020204" pitchFamily="34" charset="0"/>
+        <a:buChar char="•"/>
+        <a:defRPr sz="1800" kern="1200">
+          <a:solidFill>
+            <a:schemeClr val="tx1"/>
+          </a:solidFill>
+          <a:latin typeface="+mn-lt"/>
+          <a:ea typeface="+mn-ea"/>
+          <a:cs typeface="+mn-cs"/>
+        </a:defRPr>
+      </a:lvl6pPr>
+      <a:lvl7pPr marL="2971800" indent="-228600" algn="l" defTabSz="914400" rtl="0" eaLnBrk="1" latinLnBrk="0" hangingPunct="1">
+        <a:lnSpc>
+          <a:spcPct val="90000"/>
+        </a:lnSpc>
+        <a:spcBef>
+          <a:spcPts val="500"/>
+        </a:spcBef>
+        <a:buFont typeface="Arial" panose="020B0604020202020204" pitchFamily="34" charset="0"/>
+        <a:buChar char="•"/>
+        <a:defRPr sz="1800" kern="1200">
+          <a:solidFill>
+            <a:schemeClr val="tx1"/>
+          </a:solidFill>
+          <a:latin typeface="+mn-lt"/>
+          <a:ea typeface="+mn-ea"/>
+          <a:cs typeface="+mn-cs"/>
+        </a:defRPr>
+      </a:lvl7pPr>
+      <a:lvl8pPr marL="3429000" indent="-228600" algn="l" defTabSz="914400" rtl="0" eaLnBrk="1" latinLnBrk="0" hangingPunct="1">
+        <a:lnSpc>
+          <a:spcPct val="90000"/>
+        </a:lnSpc>
+        <a:spcBef>
+          <a:spcPts val="500"/>
+        </a:spcBef>
+        <a:buFont typeface="Arial" panose="020B0604020202020204" pitchFamily="34" charset="0"/>
+        <a:buChar char="•"/>
+        <a:defRPr sz="1800" kern="1200">
+          <a:solidFill>
+            <a:schemeClr val="tx1"/>
+          </a:solidFill>
+          <a:latin typeface="+mn-lt"/>
+          <a:ea typeface="+mn-ea"/>
+          <a:cs typeface="+mn-cs"/>
+        </a:defRPr>
+      </a:lvl8pPr>
+      <a:lvl9pPr marL="3886200" indent="-228600" algn="l" defTabSz="914400" rtl="0" eaLnBrk="1" latinLnBrk="0" hangingPunct="1">
+        <a:lnSpc>
+          <a:spcPct val="90000"/>
+        </a:lnSpc>
+        <a:spcBef>
+          <a:spcPts val="500"/>
+        </a:spcBef>
+        <a:buFont typeface="Arial" panose="020B0604020202020204" pitchFamily="34" charset="0"/>
+        <a:buChar char="•"/>
+        <a:defRPr sz="1800" kern="1200">
+          <a:solidFill>
+            <a:schemeClr val="tx1"/>
+          </a:solidFill>
+          <a:latin typeface="+mn-lt"/>
+          <a:ea typeface="+mn-ea"/>
+          <a:cs typeface="+mn-cs"/>
+        </a:defRPr>
+      </a:lvl9pPr>
+    </p:bodyStyle>
+    <p:otherStyle>
+      <a:defPPr>
+        <a:defRPr lang="en-US"/>
+      </a:defPPr>
+      <a:lvl1pPr marL="0" algn="l" defTabSz="914400" rtl="0" eaLnBrk="1" latinLnBrk="0" hangingPunct="1">
+        <a:defRPr sz="1800" kern="1200">
+          <a:solidFill>
+            <a:schemeClr val="tx1"/>
+          </a:solidFill>
+          <a:latin typeface="+mn-lt"/>
+          <a:ea typeface="+mn-ea"/>
+          <a:cs typeface="+mn-cs"/>
+        </a:defRPr>
+      </a:lvl1pPr>
+      <a:lvl2pPr marL="457200" algn="l" defTabSz="914400" rtl="0" eaLnBrk="1" latinLnBrk="0" hangingPunct="1">
+        <a:defRPr sz="1800" kern="1200">
+          <a:solidFill>
+            <a:schemeClr val="tx1"/>
+          </a:solidFill>
+          <a:latin typeface="+mn-lt"/>
+          <a:ea typeface="+mn-ea"/>
+          <a:cs typeface="+mn-cs"/>
+        </a:defRPr>
+      </a:lvl2pPr>
+      <a:lvl3pPr marL="914400" algn="l" defTabSz="914400" rtl="0" eaLnBrk="1" latinLnBrk="0" hangingPunct="1">
+        <a:defRPr sz="1800" kern="1200">
+          <a:solidFill>
+            <a:schemeClr val="tx1"/>
+          </a:solidFill>
+          <a:latin typeface="+mn-lt"/>
+          <a:ea typeface="+mn-ea"/>
+          <a:cs typeface="+mn-cs"/>
+        </a:defRPr>
+      </a:lvl3pPr>
+      <a:lvl4pPr marL="1371600" algn="l" defTabSz="914400" rtl="0" eaLnBrk="1" latinLnBrk="0" hangingPunct="1">
+        <a:defRPr sz="1800" kern="1200">
+          <a:solidFill>
+            <a:schemeClr val="tx1"/>
+          </a:solidFill>
+          <a:latin typeface="+mn-lt"/>
+          <a:ea typeface="+mn-ea"/>
+          <a:cs typeface="+mn-cs"/>
+        </a:defRPr>
+      </a:lvl4pPr>
+      <a:lvl5pPr marL="1828800" algn="l" defTabSz="914400" rtl="0" eaLnBrk="1" latinLnBrk="0" hangingPunct="1">
+        <a:defRPr sz="1800" kern="1200">
+          <a:solidFill>
+            <a:schemeClr val="tx1"/>
+          </a:solidFill>
+          <a:latin typeface="+mn-lt"/>
+          <a:ea typeface="+mn-ea"/>
+          <a:cs typeface="+mn-cs"/>
+        </a:defRPr>
+      </a:lvl5pPr>
+      <a:lvl6pPr marL="2286000" algn="l" defTabSz="914400" rtl="0" eaLnBrk="1" latinLnBrk="0" hangingPunct="1">
+        <a:defRPr sz="1800" kern="1200">
+          <a:solidFill>
+            <a:schemeClr val="tx1"/>
+          </a:solidFill>
+          <a:latin typeface="+mn-lt"/>
+          <a:ea typeface="+mn-ea"/>
+          <a:cs typeface="+mn-cs"/>
+        </a:defRPr>
+      </a:lvl6pPr>
+      <a:lvl7pPr marL="2743200" algn="l" defTabSz="914400" rtl="0" eaLnBrk="1" latinLnBrk="0" hangingPunct="1">
+        <a:defRPr sz="1800" kern="1200">
+          <a:solidFill>
+            <a:schemeClr val="tx1"/>
+          </a:solidFill>
+          <a:latin typeface="+mn-lt"/>
+          <a:ea typeface="+mn-ea"/>
+          <a:cs typeface="+mn-cs"/>
+        </a:defRPr>
+      </a:lvl7pPr>
+      <a:lvl8pPr marL="3200400" algn="l" defTabSz="914400" rtl="0" eaLnBrk="1" latinLnBrk="0" hangingPunct="1">
+        <a:defRPr sz="1800" kern="1200">
+          <a:solidFill>
+            <a:schemeClr val="tx1"/>
+          </a:solidFill>
+          <a:latin typeface="+mn-lt"/>
+          <a:ea typeface="+mn-ea"/>
+          <a:cs typeface="+mn-cs"/>
+        </a:defRPr>
+      </a:lvl8pPr>
+      <a:lvl9pPr marL="3657600" algn="l" defTabSz="914400" rtl="0" eaLnBrk="1" latinLnBrk="0" hangingPunct="1">
+        <a:defRPr sz="1800" kern="1200">
+          <a:solidFill>
+            <a:schemeClr val="tx1"/>
+          </a:solidFill>
+          <a:latin typeface="+mn-lt"/>
+          <a:ea typeface="+mn-ea"/>
+          <a:cs typeface="+mn-cs"/>
+        </a:defRPr>
+      </a:lvl9pPr>
+    </p:otherStyle>
+  </p:txStyles>
 </p:sldMaster>
 </file>
 
 <file path=ppt/slideMasters/slideMaster2.xml><?xml version="1.0" encoding="utf-8"?>
-<p:sldMaster xmlns:a="http://schemas.openxmlformats.org/drawingml/2006/main" xmlns:p="http://schemas.openxmlformats.org/presentationml/2006/main" xmlns:r="http://schemas.openxmlformats.org/officeDocument/2006/relationships" xmlns:p14="http://schemas.microsoft.com/office/powerpoint/2010/main" xmlns:p15="http://schemas.microsoft.com/office/powerpoint/2012/main" xmlns:mc="http://schemas.openxmlformats.org/markup-compatibility/2006">
+<p:sldMaster xmlns:a="http://schemas.openxmlformats.org/drawingml/2006/main" xmlns:r="http://schemas.openxmlformats.org/officeDocument/2006/relationships" xmlns:p="http://schemas.openxmlformats.org/presentationml/2006/main">
   <p:cSld>
     <p:bg>
       <p:bgPr>
         <a:blipFill rotWithShape="0">
-          <a:blip r:embed="rId2"/>
+          <a:blip r:embed="rId14"/>
           <a:stretch>
             <a:fillRect/>
           </a:stretch>
         </a:blipFill>
+        <a:effectLst/>
       </p:bgPr>
     </p:bg>
     <p:spTree>
@@ -7702,15 +8407,22 @@
           </a:ln>
         </p:spPr>
         <p:style>
-          <a:lnRef idx="0"/>
-          <a:fillRef idx="0"/>
-          <a:effectRef idx="0"/>
+          <a:lnRef idx="0">
+            <a:scrgbClr r="0" g="0" b="0"/>
+          </a:lnRef>
+          <a:fillRef idx="0">
+            <a:scrgbClr r="0" g="0" b="0"/>
+          </a:fillRef>
+          <a:effectRef idx="0">
+            <a:scrgbClr r="0" g="0" b="0"/>
+          </a:effectRef>
           <a:fontRef idx="minor"/>
         </p:style>
         <p:txBody>
-          <a:bodyPr lIns="90000" rIns="90000" tIns="45000" bIns="45000">
+          <a:bodyPr lIns="90000" tIns="45000" rIns="90000" bIns="45000">
             <a:spAutoFit/>
           </a:bodyPr>
+          <a:lstStyle/>
           <a:p>
             <a:pPr>
               <a:lnSpc>
@@ -7718,16 +8430,16 @@
               </a:lnSpc>
             </a:pPr>
             <a:r>
-              <a:rPr b="0" lang="en-US" sz="1400" spc="-1" strike="noStrike">
+              <a:rPr lang="en-US" sz="1400" b="0" strike="noStrike" spc="-1">
                 <a:solidFill>
-                  <a:srgbClr val="a6a6a6"/>
+                  <a:srgbClr val="A6A6A6"/>
                 </a:solidFill>
                 <a:latin typeface="Calibri"/>
                 <a:ea typeface="DejaVu Sans"/>
               </a:rPr>
               <a:t>This presentation uses a free template provided by FPPT.com</a:t>
             </a:r>
-            <a:endParaRPr b="0" lang="en-US" sz="1400" spc="-1" strike="noStrike">
+            <a:endParaRPr lang="en-US" sz="1400" b="0" strike="noStrike" spc="-1">
               <a:latin typeface="Arial"/>
             </a:endParaRPr>
           </a:p>
@@ -7738,16 +8450,16 @@
               </a:lnSpc>
             </a:pPr>
             <a:r>
-              <a:rPr b="0" lang="en-US" sz="1400" spc="-1" strike="noStrike">
+              <a:rPr lang="en-US" sz="1400" b="0" strike="noStrike" spc="-1">
                 <a:solidFill>
-                  <a:srgbClr val="a6a6a6"/>
+                  <a:srgbClr val="A6A6A6"/>
                 </a:solidFill>
                 <a:latin typeface="Calibri"/>
                 <a:ea typeface="DejaVu Sans"/>
               </a:rPr>
               <a:t>www.free-power-point-templates.com</a:t>
             </a:r>
-            <a:endParaRPr b="0" lang="en-US" sz="1400" spc="-1" strike="noStrike">
+            <a:endParaRPr lang="en-US" sz="1400" b="0" strike="noStrike" spc="-1">
               <a:latin typeface="Arial"/>
             </a:endParaRPr>
           </a:p>
@@ -7773,12 +8485,13 @@
           </a:prstGeom>
         </p:spPr>
         <p:txBody>
-          <a:bodyPr lIns="0" rIns="0" tIns="0" bIns="0" anchor="ctr">
+          <a:bodyPr lIns="0" tIns="0" rIns="0" bIns="0" anchor="ctr">
             <a:noAutofit/>
           </a:bodyPr>
+          <a:lstStyle/>
           <a:p>
             <a:r>
-              <a:rPr b="0" lang="en-US" sz="1800" spc="-1" strike="noStrike">
+              <a:rPr lang="en-US" sz="1800" b="0" strike="noStrike" spc="-1">
                 <a:solidFill>
                   <a:srgbClr val="000000"/>
                 </a:solidFill>
@@ -7786,12 +8499,6 @@
               </a:rPr>
               <a:t>Click to edit the title text format</a:t>
             </a:r>
-            <a:endParaRPr b="0" lang="en-US" sz="1800" spc="-1" strike="noStrike">
-              <a:solidFill>
-                <a:srgbClr val="000000"/>
-              </a:solidFill>
-              <a:latin typeface="Arial"/>
-            </a:endParaRPr>
           </a:p>
         </p:txBody>
       </p:sp>
@@ -7815,9 +8522,10 @@
           </a:prstGeom>
         </p:spPr>
         <p:txBody>
-          <a:bodyPr lIns="0" rIns="0" tIns="0" bIns="0">
+          <a:bodyPr lIns="0" tIns="0" rIns="0" bIns="0">
             <a:normAutofit/>
           </a:bodyPr>
+          <a:lstStyle/>
           <a:p>
             <a:pPr marL="432000" indent="-324000">
               <a:spcBef>
@@ -7831,7 +8539,7 @@
               <a:buChar char=""/>
             </a:pPr>
             <a:r>
-              <a:rPr b="0" lang="en-US" sz="2800" spc="-1" strike="noStrike">
+              <a:rPr lang="en-US" sz="2800" b="0" strike="noStrike" spc="-1">
                 <a:solidFill>
                   <a:srgbClr val="000000"/>
                 </a:solidFill>
@@ -7839,15 +8547,9 @@
               </a:rPr>
               <a:t>Click to edit the outline text format</a:t>
             </a:r>
-            <a:endParaRPr b="0" lang="en-US" sz="2800" spc="-1" strike="noStrike">
-              <a:solidFill>
-                <a:srgbClr val="000000"/>
-              </a:solidFill>
-              <a:latin typeface="Arial"/>
-            </a:endParaRPr>
-          </a:p>
-          <a:p>
-            <a:pPr lvl="1" marL="864000" indent="-324000">
+          </a:p>
+          <a:p>
+            <a:pPr marL="864000" lvl="1" indent="-324000">
               <a:spcBef>
                 <a:spcPts val="1134"/>
               </a:spcBef>
@@ -7859,7 +8561,7 @@
               <a:buChar char=""/>
             </a:pPr>
             <a:r>
-              <a:rPr b="0" lang="en-US" sz="2000" spc="-1" strike="noStrike">
+              <a:rPr lang="en-US" sz="2000" b="0" strike="noStrike" spc="-1">
                 <a:solidFill>
                   <a:srgbClr val="000000"/>
                 </a:solidFill>
@@ -7867,15 +8569,9 @@
               </a:rPr>
               <a:t>Second Outline Level</a:t>
             </a:r>
-            <a:endParaRPr b="0" lang="en-US" sz="2000" spc="-1" strike="noStrike">
-              <a:solidFill>
-                <a:srgbClr val="000000"/>
-              </a:solidFill>
-              <a:latin typeface="Arial"/>
-            </a:endParaRPr>
-          </a:p>
-          <a:p>
-            <a:pPr lvl="2" marL="1296000" indent="-288000">
+          </a:p>
+          <a:p>
+            <a:pPr marL="1296000" lvl="2" indent="-288000">
               <a:spcBef>
                 <a:spcPts val="850"/>
               </a:spcBef>
@@ -7887,7 +8583,7 @@
               <a:buChar char=""/>
             </a:pPr>
             <a:r>
-              <a:rPr b="0" lang="en-US" sz="1800" spc="-1" strike="noStrike">
+              <a:rPr lang="en-US" sz="1800" b="0" strike="noStrike" spc="-1">
                 <a:solidFill>
                   <a:srgbClr val="000000"/>
                 </a:solidFill>
@@ -7895,15 +8591,9 @@
               </a:rPr>
               <a:t>Third Outline Level</a:t>
             </a:r>
-            <a:endParaRPr b="0" lang="en-US" sz="1800" spc="-1" strike="noStrike">
-              <a:solidFill>
-                <a:srgbClr val="000000"/>
-              </a:solidFill>
-              <a:latin typeface="Arial"/>
-            </a:endParaRPr>
-          </a:p>
-          <a:p>
-            <a:pPr lvl="3" marL="1728000" indent="-216000">
+          </a:p>
+          <a:p>
+            <a:pPr marL="1728000" lvl="3" indent="-216000">
               <a:spcBef>
                 <a:spcPts val="567"/>
               </a:spcBef>
@@ -7915,7 +8605,7 @@
               <a:buChar char=""/>
             </a:pPr>
             <a:r>
-              <a:rPr b="0" lang="en-US" sz="1800" spc="-1" strike="noStrike">
+              <a:rPr lang="en-US" sz="1800" b="0" strike="noStrike" spc="-1">
                 <a:solidFill>
                   <a:srgbClr val="000000"/>
                 </a:solidFill>
@@ -7923,15 +8613,9 @@
               </a:rPr>
               <a:t>Fourth Outline Level</a:t>
             </a:r>
-            <a:endParaRPr b="0" lang="en-US" sz="1800" spc="-1" strike="noStrike">
-              <a:solidFill>
-                <a:srgbClr val="000000"/>
-              </a:solidFill>
-              <a:latin typeface="Arial"/>
-            </a:endParaRPr>
-          </a:p>
-          <a:p>
-            <a:pPr lvl="4" marL="2160000" indent="-216000">
+          </a:p>
+          <a:p>
+            <a:pPr marL="2160000" lvl="4" indent="-216000">
               <a:spcBef>
                 <a:spcPts val="283"/>
               </a:spcBef>
@@ -7943,7 +8627,7 @@
               <a:buChar char=""/>
             </a:pPr>
             <a:r>
-              <a:rPr b="0" lang="en-US" sz="2000" spc="-1" strike="noStrike">
+              <a:rPr lang="en-US" sz="2000" b="0" strike="noStrike" spc="-1">
                 <a:solidFill>
                   <a:srgbClr val="000000"/>
                 </a:solidFill>
@@ -7951,15 +8635,9 @@
               </a:rPr>
               <a:t>Fifth Outline Level</a:t>
             </a:r>
-            <a:endParaRPr b="0" lang="en-US" sz="2000" spc="-1" strike="noStrike">
-              <a:solidFill>
-                <a:srgbClr val="000000"/>
-              </a:solidFill>
-              <a:latin typeface="Arial"/>
-            </a:endParaRPr>
-          </a:p>
-          <a:p>
-            <a:pPr lvl="5" marL="2592000" indent="-216000">
+          </a:p>
+          <a:p>
+            <a:pPr marL="2592000" lvl="5" indent="-216000">
               <a:spcBef>
                 <a:spcPts val="283"/>
               </a:spcBef>
@@ -7971,7 +8649,7 @@
               <a:buChar char=""/>
             </a:pPr>
             <a:r>
-              <a:rPr b="0" lang="en-US" sz="2000" spc="-1" strike="noStrike">
+              <a:rPr lang="en-US" sz="2000" b="0" strike="noStrike" spc="-1">
                 <a:solidFill>
                   <a:srgbClr val="000000"/>
                 </a:solidFill>
@@ -7979,15 +8657,9 @@
               </a:rPr>
               <a:t>Sixth Outline Level</a:t>
             </a:r>
-            <a:endParaRPr b="0" lang="en-US" sz="2000" spc="-1" strike="noStrike">
-              <a:solidFill>
-                <a:srgbClr val="000000"/>
-              </a:solidFill>
-              <a:latin typeface="Arial"/>
-            </a:endParaRPr>
-          </a:p>
-          <a:p>
-            <a:pPr lvl="6" marL="3024000" indent="-216000">
+          </a:p>
+          <a:p>
+            <a:pPr marL="3024000" lvl="6" indent="-216000">
               <a:spcBef>
                 <a:spcPts val="283"/>
               </a:spcBef>
@@ -7999,7 +8671,7 @@
               <a:buChar char=""/>
             </a:pPr>
             <a:r>
-              <a:rPr b="0" lang="en-US" sz="2000" spc="-1" strike="noStrike">
+              <a:rPr lang="en-US" sz="2000" b="0" strike="noStrike" spc="-1">
                 <a:solidFill>
                   <a:srgbClr val="000000"/>
                 </a:solidFill>
@@ -8007,46 +8679,321 @@
               </a:rPr>
               <a:t>Seventh Outline Level</a:t>
             </a:r>
-            <a:endParaRPr b="0" lang="en-US" sz="2000" spc="-1" strike="noStrike">
-              <a:solidFill>
-                <a:srgbClr val="000000"/>
-              </a:solidFill>
-              <a:latin typeface="Arial"/>
-            </a:endParaRPr>
           </a:p>
         </p:txBody>
       </p:sp>
     </p:spTree>
   </p:cSld>
-  <p:clrMap bg1="lt1" bg2="lt2" tx1="dk1" tx2="dk2" accent1="accent1" accent2="accent2" accent3="accent3" accent4="accent4" accent5="accent5" accent6="accent6" hlink="hlink" folHlink="folHlink"/>
+  <p:clrMap bg1="lt1" tx1="dk1" bg2="lt2" tx2="dk2" accent1="accent1" accent2="accent2" accent3="accent3" accent4="accent4" accent5="accent5" accent6="accent6" hlink="hlink" folHlink="folHlink"/>
   <p:sldLayoutIdLst>
-    <p:sldLayoutId id="2147483662" r:id="rId3"/>
-    <p:sldLayoutId id="2147483663" r:id="rId4"/>
-    <p:sldLayoutId id="2147483664" r:id="rId5"/>
-    <p:sldLayoutId id="2147483665" r:id="rId6"/>
-    <p:sldLayoutId id="2147483666" r:id="rId7"/>
-    <p:sldLayoutId id="2147483667" r:id="rId8"/>
-    <p:sldLayoutId id="2147483668" r:id="rId9"/>
-    <p:sldLayoutId id="2147483669" r:id="rId10"/>
-    <p:sldLayoutId id="2147483670" r:id="rId11"/>
-    <p:sldLayoutId id="2147483671" r:id="rId12"/>
-    <p:sldLayoutId id="2147483672" r:id="rId13"/>
-    <p:sldLayoutId id="2147483673" r:id="rId14"/>
+    <p:sldLayoutId id="2147483662" r:id="rId1"/>
+    <p:sldLayoutId id="2147483663" r:id="rId2"/>
+    <p:sldLayoutId id="2147483664" r:id="rId3"/>
+    <p:sldLayoutId id="2147483665" r:id="rId4"/>
+    <p:sldLayoutId id="2147483666" r:id="rId5"/>
+    <p:sldLayoutId id="2147483667" r:id="rId6"/>
+    <p:sldLayoutId id="2147483668" r:id="rId7"/>
+    <p:sldLayoutId id="2147483669" r:id="rId8"/>
+    <p:sldLayoutId id="2147483670" r:id="rId9"/>
+    <p:sldLayoutId id="2147483671" r:id="rId10"/>
+    <p:sldLayoutId id="2147483672" r:id="rId11"/>
+    <p:sldLayoutId id="2147483673" r:id="rId12"/>
   </p:sldLayoutIdLst>
+  <p:txStyles>
+    <p:titleStyle>
+      <a:lvl1pPr algn="l" defTabSz="914400" rtl="0" eaLnBrk="1" latinLnBrk="0" hangingPunct="1">
+        <a:lnSpc>
+          <a:spcPct val="90000"/>
+        </a:lnSpc>
+        <a:spcBef>
+          <a:spcPct val="0"/>
+        </a:spcBef>
+        <a:buNone/>
+        <a:defRPr sz="4400" kern="1200">
+          <a:solidFill>
+            <a:schemeClr val="tx1"/>
+          </a:solidFill>
+          <a:latin typeface="+mj-lt"/>
+          <a:ea typeface="+mj-ea"/>
+          <a:cs typeface="+mj-cs"/>
+        </a:defRPr>
+      </a:lvl1pPr>
+    </p:titleStyle>
+    <p:bodyStyle>
+      <a:lvl1pPr marL="228600" indent="-228600" algn="l" defTabSz="914400" rtl="0" eaLnBrk="1" latinLnBrk="0" hangingPunct="1">
+        <a:lnSpc>
+          <a:spcPct val="90000"/>
+        </a:lnSpc>
+        <a:spcBef>
+          <a:spcPts val="1000"/>
+        </a:spcBef>
+        <a:buFont typeface="Arial" panose="020B0604020202020204" pitchFamily="34" charset="0"/>
+        <a:buChar char="•"/>
+        <a:defRPr sz="2800" kern="1200">
+          <a:solidFill>
+            <a:schemeClr val="tx1"/>
+          </a:solidFill>
+          <a:latin typeface="+mn-lt"/>
+          <a:ea typeface="+mn-ea"/>
+          <a:cs typeface="+mn-cs"/>
+        </a:defRPr>
+      </a:lvl1pPr>
+      <a:lvl2pPr marL="685800" indent="-228600" algn="l" defTabSz="914400" rtl="0" eaLnBrk="1" latinLnBrk="0" hangingPunct="1">
+        <a:lnSpc>
+          <a:spcPct val="90000"/>
+        </a:lnSpc>
+        <a:spcBef>
+          <a:spcPts val="500"/>
+        </a:spcBef>
+        <a:buFont typeface="Arial" panose="020B0604020202020204" pitchFamily="34" charset="0"/>
+        <a:buChar char="•"/>
+        <a:defRPr sz="2400" kern="1200">
+          <a:solidFill>
+            <a:schemeClr val="tx1"/>
+          </a:solidFill>
+          <a:latin typeface="+mn-lt"/>
+          <a:ea typeface="+mn-ea"/>
+          <a:cs typeface="+mn-cs"/>
+        </a:defRPr>
+      </a:lvl2pPr>
+      <a:lvl3pPr marL="1143000" indent="-228600" algn="l" defTabSz="914400" rtl="0" eaLnBrk="1" latinLnBrk="0" hangingPunct="1">
+        <a:lnSpc>
+          <a:spcPct val="90000"/>
+        </a:lnSpc>
+        <a:spcBef>
+          <a:spcPts val="500"/>
+        </a:spcBef>
+        <a:buFont typeface="Arial" panose="020B0604020202020204" pitchFamily="34" charset="0"/>
+        <a:buChar char="•"/>
+        <a:defRPr sz="2000" kern="1200">
+          <a:solidFill>
+            <a:schemeClr val="tx1"/>
+          </a:solidFill>
+          <a:latin typeface="+mn-lt"/>
+          <a:ea typeface="+mn-ea"/>
+          <a:cs typeface="+mn-cs"/>
+        </a:defRPr>
+      </a:lvl3pPr>
+      <a:lvl4pPr marL="1600200" indent="-228600" algn="l" defTabSz="914400" rtl="0" eaLnBrk="1" latinLnBrk="0" hangingPunct="1">
+        <a:lnSpc>
+          <a:spcPct val="90000"/>
+        </a:lnSpc>
+        <a:spcBef>
+          <a:spcPts val="500"/>
+        </a:spcBef>
+        <a:buFont typeface="Arial" panose="020B0604020202020204" pitchFamily="34" charset="0"/>
+        <a:buChar char="•"/>
+        <a:defRPr sz="1800" kern="1200">
+          <a:solidFill>
+            <a:schemeClr val="tx1"/>
+          </a:solidFill>
+          <a:latin typeface="+mn-lt"/>
+          <a:ea typeface="+mn-ea"/>
+          <a:cs typeface="+mn-cs"/>
+        </a:defRPr>
+      </a:lvl4pPr>
+      <a:lvl5pPr marL="2057400" indent="-228600" algn="l" defTabSz="914400" rtl="0" eaLnBrk="1" latinLnBrk="0" hangingPunct="1">
+        <a:lnSpc>
+          <a:spcPct val="90000"/>
+        </a:lnSpc>
+        <a:spcBef>
+          <a:spcPts val="500"/>
+        </a:spcBef>
+        <a:buFont typeface="Arial" panose="020B0604020202020204" pitchFamily="34" charset="0"/>
+        <a:buChar char="•"/>
+        <a:defRPr sz="1800" kern="1200">
+          <a:solidFill>
+            <a:schemeClr val="tx1"/>
+          </a:solidFill>
+          <a:latin typeface="+mn-lt"/>
+          <a:ea typeface="+mn-ea"/>
+          <a:cs typeface="+mn-cs"/>
+        </a:defRPr>
+      </a:lvl5pPr>
+      <a:lvl6pPr marL="2514600" indent="-228600" algn="l" defTabSz="914400" rtl="0" eaLnBrk="1" latinLnBrk="0" hangingPunct="1">
+        <a:lnSpc>
+          <a:spcPct val="90000"/>
+        </a:lnSpc>
+        <a:spcBef>
+          <a:spcPts val="500"/>
+        </a:spcBef>
+        <a:buFont typeface="Arial" panose="020B0604020202020204" pitchFamily="34" charset="0"/>
+        <a:buChar char="•"/>
+        <a:defRPr sz="1800" kern="1200">
+          <a:solidFill>
+            <a:schemeClr val="tx1"/>
+          </a:solidFill>
+          <a:latin typeface="+mn-lt"/>
+          <a:ea typeface="+mn-ea"/>
+          <a:cs typeface="+mn-cs"/>
+        </a:defRPr>
+      </a:lvl6pPr>
+      <a:lvl7pPr marL="2971800" indent="-228600" algn="l" defTabSz="914400" rtl="0" eaLnBrk="1" latinLnBrk="0" hangingPunct="1">
+        <a:lnSpc>
+          <a:spcPct val="90000"/>
+        </a:lnSpc>
+        <a:spcBef>
+          <a:spcPts val="500"/>
+        </a:spcBef>
+        <a:buFont typeface="Arial" panose="020B0604020202020204" pitchFamily="34" charset="0"/>
+        <a:buChar char="•"/>
+        <a:defRPr sz="1800" kern="1200">
+          <a:solidFill>
+            <a:schemeClr val="tx1"/>
+          </a:solidFill>
+          <a:latin typeface="+mn-lt"/>
+          <a:ea typeface="+mn-ea"/>
+          <a:cs typeface="+mn-cs"/>
+        </a:defRPr>
+      </a:lvl7pPr>
+      <a:lvl8pPr marL="3429000" indent="-228600" algn="l" defTabSz="914400" rtl="0" eaLnBrk="1" latinLnBrk="0" hangingPunct="1">
+        <a:lnSpc>
+          <a:spcPct val="90000"/>
+        </a:lnSpc>
+        <a:spcBef>
+          <a:spcPts val="500"/>
+        </a:spcBef>
+        <a:buFont typeface="Arial" panose="020B0604020202020204" pitchFamily="34" charset="0"/>
+        <a:buChar char="•"/>
+        <a:defRPr sz="1800" kern="1200">
+          <a:solidFill>
+            <a:schemeClr val="tx1"/>
+          </a:solidFill>
+          <a:latin typeface="+mn-lt"/>
+          <a:ea typeface="+mn-ea"/>
+          <a:cs typeface="+mn-cs"/>
+        </a:defRPr>
+      </a:lvl8pPr>
+      <a:lvl9pPr marL="3886200" indent="-228600" algn="l" defTabSz="914400" rtl="0" eaLnBrk="1" latinLnBrk="0" hangingPunct="1">
+        <a:lnSpc>
+          <a:spcPct val="90000"/>
+        </a:lnSpc>
+        <a:spcBef>
+          <a:spcPts val="500"/>
+        </a:spcBef>
+        <a:buFont typeface="Arial" panose="020B0604020202020204" pitchFamily="34" charset="0"/>
+        <a:buChar char="•"/>
+        <a:defRPr sz="1800" kern="1200">
+          <a:solidFill>
+            <a:schemeClr val="tx1"/>
+          </a:solidFill>
+          <a:latin typeface="+mn-lt"/>
+          <a:ea typeface="+mn-ea"/>
+          <a:cs typeface="+mn-cs"/>
+        </a:defRPr>
+      </a:lvl9pPr>
+    </p:bodyStyle>
+    <p:otherStyle>
+      <a:defPPr>
+        <a:defRPr lang="en-US"/>
+      </a:defPPr>
+      <a:lvl1pPr marL="0" algn="l" defTabSz="914400" rtl="0" eaLnBrk="1" latinLnBrk="0" hangingPunct="1">
+        <a:defRPr sz="1800" kern="1200">
+          <a:solidFill>
+            <a:schemeClr val="tx1"/>
+          </a:solidFill>
+          <a:latin typeface="+mn-lt"/>
+          <a:ea typeface="+mn-ea"/>
+          <a:cs typeface="+mn-cs"/>
+        </a:defRPr>
+      </a:lvl1pPr>
+      <a:lvl2pPr marL="457200" algn="l" defTabSz="914400" rtl="0" eaLnBrk="1" latinLnBrk="0" hangingPunct="1">
+        <a:defRPr sz="1800" kern="1200">
+          <a:solidFill>
+            <a:schemeClr val="tx1"/>
+          </a:solidFill>
+          <a:latin typeface="+mn-lt"/>
+          <a:ea typeface="+mn-ea"/>
+          <a:cs typeface="+mn-cs"/>
+        </a:defRPr>
+      </a:lvl2pPr>
+      <a:lvl3pPr marL="914400" algn="l" defTabSz="914400" rtl="0" eaLnBrk="1" latinLnBrk="0" hangingPunct="1">
+        <a:defRPr sz="1800" kern="1200">
+          <a:solidFill>
+            <a:schemeClr val="tx1"/>
+          </a:solidFill>
+          <a:latin typeface="+mn-lt"/>
+          <a:ea typeface="+mn-ea"/>
+          <a:cs typeface="+mn-cs"/>
+        </a:defRPr>
+      </a:lvl3pPr>
+      <a:lvl4pPr marL="1371600" algn="l" defTabSz="914400" rtl="0" eaLnBrk="1" latinLnBrk="0" hangingPunct="1">
+        <a:defRPr sz="1800" kern="1200">
+          <a:solidFill>
+            <a:schemeClr val="tx1"/>
+          </a:solidFill>
+          <a:latin typeface="+mn-lt"/>
+          <a:ea typeface="+mn-ea"/>
+          <a:cs typeface="+mn-cs"/>
+        </a:defRPr>
+      </a:lvl4pPr>
+      <a:lvl5pPr marL="1828800" algn="l" defTabSz="914400" rtl="0" eaLnBrk="1" latinLnBrk="0" hangingPunct="1">
+        <a:defRPr sz="1800" kern="1200">
+          <a:solidFill>
+            <a:schemeClr val="tx1"/>
+          </a:solidFill>
+          <a:latin typeface="+mn-lt"/>
+          <a:ea typeface="+mn-ea"/>
+          <a:cs typeface="+mn-cs"/>
+        </a:defRPr>
+      </a:lvl5pPr>
+      <a:lvl6pPr marL="2286000" algn="l" defTabSz="914400" rtl="0" eaLnBrk="1" latinLnBrk="0" hangingPunct="1">
+        <a:defRPr sz="1800" kern="1200">
+          <a:solidFill>
+            <a:schemeClr val="tx1"/>
+          </a:solidFill>
+          <a:latin typeface="+mn-lt"/>
+          <a:ea typeface="+mn-ea"/>
+          <a:cs typeface="+mn-cs"/>
+        </a:defRPr>
+      </a:lvl6pPr>
+      <a:lvl7pPr marL="2743200" algn="l" defTabSz="914400" rtl="0" eaLnBrk="1" latinLnBrk="0" hangingPunct="1">
+        <a:defRPr sz="1800" kern="1200">
+          <a:solidFill>
+            <a:schemeClr val="tx1"/>
+          </a:solidFill>
+          <a:latin typeface="+mn-lt"/>
+          <a:ea typeface="+mn-ea"/>
+          <a:cs typeface="+mn-cs"/>
+        </a:defRPr>
+      </a:lvl7pPr>
+      <a:lvl8pPr marL="3200400" algn="l" defTabSz="914400" rtl="0" eaLnBrk="1" latinLnBrk="0" hangingPunct="1">
+        <a:defRPr sz="1800" kern="1200">
+          <a:solidFill>
+            <a:schemeClr val="tx1"/>
+          </a:solidFill>
+          <a:latin typeface="+mn-lt"/>
+          <a:ea typeface="+mn-ea"/>
+          <a:cs typeface="+mn-cs"/>
+        </a:defRPr>
+      </a:lvl8pPr>
+      <a:lvl9pPr marL="3657600" algn="l" defTabSz="914400" rtl="0" eaLnBrk="1" latinLnBrk="0" hangingPunct="1">
+        <a:defRPr sz="1800" kern="1200">
+          <a:solidFill>
+            <a:schemeClr val="tx1"/>
+          </a:solidFill>
+          <a:latin typeface="+mn-lt"/>
+          <a:ea typeface="+mn-ea"/>
+          <a:cs typeface="+mn-cs"/>
+        </a:defRPr>
+      </a:lvl9pPr>
+    </p:otherStyle>
+  </p:txStyles>
 </p:sldMaster>
 </file>
 
 <file path=ppt/slideMasters/slideMaster3.xml><?xml version="1.0" encoding="utf-8"?>
-<p:sldMaster xmlns:a="http://schemas.openxmlformats.org/drawingml/2006/main" xmlns:p="http://schemas.openxmlformats.org/presentationml/2006/main" xmlns:r="http://schemas.openxmlformats.org/officeDocument/2006/relationships" xmlns:p14="http://schemas.microsoft.com/office/powerpoint/2010/main" xmlns:p15="http://schemas.microsoft.com/office/powerpoint/2012/main" xmlns:mc="http://schemas.openxmlformats.org/markup-compatibility/2006">
+<p:sldMaster xmlns:a="http://schemas.openxmlformats.org/drawingml/2006/main" xmlns:r="http://schemas.openxmlformats.org/officeDocument/2006/relationships" xmlns:p="http://schemas.openxmlformats.org/presentationml/2006/main">
   <p:cSld>
     <p:bg>
       <p:bgPr>
         <a:blipFill rotWithShape="0">
-          <a:blip r:embed="rId2"/>
+          <a:blip r:embed="rId14"/>
           <a:stretch>
             <a:fillRect/>
           </a:stretch>
         </a:blipFill>
+        <a:effectLst/>
       </p:bgPr>
     </p:bg>
     <p:spTree>
@@ -8083,15 +9030,22 @@
           </a:ln>
         </p:spPr>
         <p:style>
-          <a:lnRef idx="0"/>
-          <a:fillRef idx="0"/>
-          <a:effectRef idx="0"/>
+          <a:lnRef idx="0">
+            <a:scrgbClr r="0" g="0" b="0"/>
+          </a:lnRef>
+          <a:fillRef idx="0">
+            <a:scrgbClr r="0" g="0" b="0"/>
+          </a:fillRef>
+          <a:effectRef idx="0">
+            <a:scrgbClr r="0" g="0" b="0"/>
+          </a:effectRef>
           <a:fontRef idx="minor"/>
         </p:style>
         <p:txBody>
-          <a:bodyPr lIns="90000" rIns="90000" tIns="45000" bIns="45000">
+          <a:bodyPr lIns="90000" tIns="45000" rIns="90000" bIns="45000">
             <a:spAutoFit/>
           </a:bodyPr>
+          <a:lstStyle/>
           <a:p>
             <a:pPr>
               <a:lnSpc>
@@ -8099,16 +9053,16 @@
               </a:lnSpc>
             </a:pPr>
             <a:r>
-              <a:rPr b="0" lang="en-US" sz="1400" spc="-1" strike="noStrike">
+              <a:rPr lang="en-US" sz="1400" b="0" strike="noStrike" spc="-1">
                 <a:solidFill>
-                  <a:srgbClr val="a6a6a6"/>
+                  <a:srgbClr val="A6A6A6"/>
                 </a:solidFill>
                 <a:latin typeface="Calibri"/>
                 <a:ea typeface="DejaVu Sans"/>
               </a:rPr>
               <a:t>This presentation uses a free template provided by FPPT.com</a:t>
             </a:r>
-            <a:endParaRPr b="0" lang="en-US" sz="1400" spc="-1" strike="noStrike">
+            <a:endParaRPr lang="en-US" sz="1400" b="0" strike="noStrike" spc="-1">
               <a:latin typeface="Arial"/>
             </a:endParaRPr>
           </a:p>
@@ -8119,16 +9073,16 @@
               </a:lnSpc>
             </a:pPr>
             <a:r>
-              <a:rPr b="0" lang="en-US" sz="1400" spc="-1" strike="noStrike">
+              <a:rPr lang="en-US" sz="1400" b="0" strike="noStrike" spc="-1">
                 <a:solidFill>
-                  <a:srgbClr val="a6a6a6"/>
+                  <a:srgbClr val="A6A6A6"/>
                 </a:solidFill>
                 <a:latin typeface="Calibri"/>
                 <a:ea typeface="DejaVu Sans"/>
               </a:rPr>
               <a:t>www.free-power-point-templates.com</a:t>
             </a:r>
-            <a:endParaRPr b="0" lang="en-US" sz="1400" spc="-1" strike="noStrike">
+            <a:endParaRPr lang="en-US" sz="1400" b="0" strike="noStrike" spc="-1">
               <a:latin typeface="Arial"/>
             </a:endParaRPr>
           </a:p>
@@ -8154,12 +9108,13 @@
           </a:prstGeom>
         </p:spPr>
         <p:txBody>
-          <a:bodyPr lIns="0" rIns="0" tIns="0" bIns="0" anchor="ctr">
+          <a:bodyPr lIns="0" tIns="0" rIns="0" bIns="0" anchor="ctr">
             <a:noAutofit/>
           </a:bodyPr>
+          <a:lstStyle/>
           <a:p>
             <a:r>
-              <a:rPr b="0" lang="en-US" sz="1800" spc="-1" strike="noStrike">
+              <a:rPr lang="en-US" sz="1800" b="0" strike="noStrike" spc="-1">
                 <a:solidFill>
                   <a:srgbClr val="000000"/>
                 </a:solidFill>
@@ -8167,12 +9122,6 @@
               </a:rPr>
               <a:t>Click to edit the title text format</a:t>
             </a:r>
-            <a:endParaRPr b="0" lang="en-US" sz="1800" spc="-1" strike="noStrike">
-              <a:solidFill>
-                <a:srgbClr val="000000"/>
-              </a:solidFill>
-              <a:latin typeface="Arial"/>
-            </a:endParaRPr>
           </a:p>
         </p:txBody>
       </p:sp>
@@ -8196,9 +9145,10 @@
           </a:prstGeom>
         </p:spPr>
         <p:txBody>
-          <a:bodyPr lIns="0" rIns="0" tIns="0" bIns="0">
+          <a:bodyPr lIns="0" tIns="0" rIns="0" bIns="0">
             <a:normAutofit/>
           </a:bodyPr>
+          <a:lstStyle/>
           <a:p>
             <a:pPr marL="432000" indent="-324000">
               <a:spcBef>
@@ -8212,7 +9162,7 @@
               <a:buChar char=""/>
             </a:pPr>
             <a:r>
-              <a:rPr b="0" lang="en-US" sz="2800" spc="-1" strike="noStrike">
+              <a:rPr lang="en-US" sz="2800" b="0" strike="noStrike" spc="-1">
                 <a:solidFill>
                   <a:srgbClr val="000000"/>
                 </a:solidFill>
@@ -8220,15 +9170,9 @@
               </a:rPr>
               <a:t>Click to edit the outline text format</a:t>
             </a:r>
-            <a:endParaRPr b="0" lang="en-US" sz="2800" spc="-1" strike="noStrike">
-              <a:solidFill>
-                <a:srgbClr val="000000"/>
-              </a:solidFill>
-              <a:latin typeface="Arial"/>
-            </a:endParaRPr>
-          </a:p>
-          <a:p>
-            <a:pPr lvl="1" marL="864000" indent="-324000">
+          </a:p>
+          <a:p>
+            <a:pPr marL="864000" lvl="1" indent="-324000">
               <a:spcBef>
                 <a:spcPts val="1134"/>
               </a:spcBef>
@@ -8240,7 +9184,7 @@
               <a:buChar char=""/>
             </a:pPr>
             <a:r>
-              <a:rPr b="0" lang="en-US" sz="2000" spc="-1" strike="noStrike">
+              <a:rPr lang="en-US" sz="2000" b="0" strike="noStrike" spc="-1">
                 <a:solidFill>
                   <a:srgbClr val="000000"/>
                 </a:solidFill>
@@ -8248,15 +9192,9 @@
               </a:rPr>
               <a:t>Second Outline Level</a:t>
             </a:r>
-            <a:endParaRPr b="0" lang="en-US" sz="2000" spc="-1" strike="noStrike">
-              <a:solidFill>
-                <a:srgbClr val="000000"/>
-              </a:solidFill>
-              <a:latin typeface="Arial"/>
-            </a:endParaRPr>
-          </a:p>
-          <a:p>
-            <a:pPr lvl="2" marL="1296000" indent="-288000">
+          </a:p>
+          <a:p>
+            <a:pPr marL="1296000" lvl="2" indent="-288000">
               <a:spcBef>
                 <a:spcPts val="850"/>
               </a:spcBef>
@@ -8268,7 +9206,7 @@
               <a:buChar char=""/>
             </a:pPr>
             <a:r>
-              <a:rPr b="0" lang="en-US" sz="1800" spc="-1" strike="noStrike">
+              <a:rPr lang="en-US" sz="1800" b="0" strike="noStrike" spc="-1">
                 <a:solidFill>
                   <a:srgbClr val="000000"/>
                 </a:solidFill>
@@ -8276,15 +9214,9 @@
               </a:rPr>
               <a:t>Third Outline Level</a:t>
             </a:r>
-            <a:endParaRPr b="0" lang="en-US" sz="1800" spc="-1" strike="noStrike">
-              <a:solidFill>
-                <a:srgbClr val="000000"/>
-              </a:solidFill>
-              <a:latin typeface="Arial"/>
-            </a:endParaRPr>
-          </a:p>
-          <a:p>
-            <a:pPr lvl="3" marL="1728000" indent="-216000">
+          </a:p>
+          <a:p>
+            <a:pPr marL="1728000" lvl="3" indent="-216000">
               <a:spcBef>
                 <a:spcPts val="567"/>
               </a:spcBef>
@@ -8296,7 +9228,7 @@
               <a:buChar char=""/>
             </a:pPr>
             <a:r>
-              <a:rPr b="0" lang="en-US" sz="1800" spc="-1" strike="noStrike">
+              <a:rPr lang="en-US" sz="1800" b="0" strike="noStrike" spc="-1">
                 <a:solidFill>
                   <a:srgbClr val="000000"/>
                 </a:solidFill>
@@ -8304,15 +9236,9 @@
               </a:rPr>
               <a:t>Fourth Outline Level</a:t>
             </a:r>
-            <a:endParaRPr b="0" lang="en-US" sz="1800" spc="-1" strike="noStrike">
-              <a:solidFill>
-                <a:srgbClr val="000000"/>
-              </a:solidFill>
-              <a:latin typeface="Arial"/>
-            </a:endParaRPr>
-          </a:p>
-          <a:p>
-            <a:pPr lvl="4" marL="2160000" indent="-216000">
+          </a:p>
+          <a:p>
+            <a:pPr marL="2160000" lvl="4" indent="-216000">
               <a:spcBef>
                 <a:spcPts val="283"/>
               </a:spcBef>
@@ -8324,7 +9250,7 @@
               <a:buChar char=""/>
             </a:pPr>
             <a:r>
-              <a:rPr b="0" lang="en-US" sz="2000" spc="-1" strike="noStrike">
+              <a:rPr lang="en-US" sz="2000" b="0" strike="noStrike" spc="-1">
                 <a:solidFill>
                   <a:srgbClr val="000000"/>
                 </a:solidFill>
@@ -8332,15 +9258,9 @@
               </a:rPr>
               <a:t>Fifth Outline Level</a:t>
             </a:r>
-            <a:endParaRPr b="0" lang="en-US" sz="2000" spc="-1" strike="noStrike">
-              <a:solidFill>
-                <a:srgbClr val="000000"/>
-              </a:solidFill>
-              <a:latin typeface="Arial"/>
-            </a:endParaRPr>
-          </a:p>
-          <a:p>
-            <a:pPr lvl="5" marL="2592000" indent="-216000">
+          </a:p>
+          <a:p>
+            <a:pPr marL="2592000" lvl="5" indent="-216000">
               <a:spcBef>
                 <a:spcPts val="283"/>
               </a:spcBef>
@@ -8352,7 +9272,7 @@
               <a:buChar char=""/>
             </a:pPr>
             <a:r>
-              <a:rPr b="0" lang="en-US" sz="2000" spc="-1" strike="noStrike">
+              <a:rPr lang="en-US" sz="2000" b="0" strike="noStrike" spc="-1">
                 <a:solidFill>
                   <a:srgbClr val="000000"/>
                 </a:solidFill>
@@ -8360,15 +9280,9 @@
               </a:rPr>
               <a:t>Sixth Outline Level</a:t>
             </a:r>
-            <a:endParaRPr b="0" lang="en-US" sz="2000" spc="-1" strike="noStrike">
-              <a:solidFill>
-                <a:srgbClr val="000000"/>
-              </a:solidFill>
-              <a:latin typeface="Arial"/>
-            </a:endParaRPr>
-          </a:p>
-          <a:p>
-            <a:pPr lvl="6" marL="3024000" indent="-216000">
+          </a:p>
+          <a:p>
+            <a:pPr marL="3024000" lvl="6" indent="-216000">
               <a:spcBef>
                 <a:spcPts val="283"/>
               </a:spcBef>
@@ -8380,7 +9294,7 @@
               <a:buChar char=""/>
             </a:pPr>
             <a:r>
-              <a:rPr b="0" lang="en-US" sz="2000" spc="-1" strike="noStrike">
+              <a:rPr lang="en-US" sz="2000" b="0" strike="noStrike" spc="-1">
                 <a:solidFill>
                   <a:srgbClr val="000000"/>
                 </a:solidFill>
@@ -8388,46 +9302,321 @@
               </a:rPr>
               <a:t>Seventh Outline Level</a:t>
             </a:r>
-            <a:endParaRPr b="0" lang="en-US" sz="2000" spc="-1" strike="noStrike">
-              <a:solidFill>
-                <a:srgbClr val="000000"/>
-              </a:solidFill>
-              <a:latin typeface="Arial"/>
-            </a:endParaRPr>
           </a:p>
         </p:txBody>
       </p:sp>
     </p:spTree>
   </p:cSld>
-  <p:clrMap bg1="lt1" bg2="lt2" tx1="dk1" tx2="dk2" accent1="accent1" accent2="accent2" accent3="accent3" accent4="accent4" accent5="accent5" accent6="accent6" hlink="hlink" folHlink="folHlink"/>
+  <p:clrMap bg1="lt1" tx1="dk1" bg2="lt2" tx2="dk2" accent1="accent1" accent2="accent2" accent3="accent3" accent4="accent4" accent5="accent5" accent6="accent6" hlink="hlink" folHlink="folHlink"/>
   <p:sldLayoutIdLst>
-    <p:sldLayoutId id="2147483675" r:id="rId3"/>
-    <p:sldLayoutId id="2147483676" r:id="rId4"/>
-    <p:sldLayoutId id="2147483677" r:id="rId5"/>
-    <p:sldLayoutId id="2147483678" r:id="rId6"/>
-    <p:sldLayoutId id="2147483679" r:id="rId7"/>
-    <p:sldLayoutId id="2147483680" r:id="rId8"/>
-    <p:sldLayoutId id="2147483681" r:id="rId9"/>
-    <p:sldLayoutId id="2147483682" r:id="rId10"/>
-    <p:sldLayoutId id="2147483683" r:id="rId11"/>
-    <p:sldLayoutId id="2147483684" r:id="rId12"/>
-    <p:sldLayoutId id="2147483685" r:id="rId13"/>
-    <p:sldLayoutId id="2147483686" r:id="rId14"/>
+    <p:sldLayoutId id="2147483675" r:id="rId1"/>
+    <p:sldLayoutId id="2147483676" r:id="rId2"/>
+    <p:sldLayoutId id="2147483677" r:id="rId3"/>
+    <p:sldLayoutId id="2147483678" r:id="rId4"/>
+    <p:sldLayoutId id="2147483679" r:id="rId5"/>
+    <p:sldLayoutId id="2147483680" r:id="rId6"/>
+    <p:sldLayoutId id="2147483681" r:id="rId7"/>
+    <p:sldLayoutId id="2147483682" r:id="rId8"/>
+    <p:sldLayoutId id="2147483683" r:id="rId9"/>
+    <p:sldLayoutId id="2147483684" r:id="rId10"/>
+    <p:sldLayoutId id="2147483685" r:id="rId11"/>
+    <p:sldLayoutId id="2147483686" r:id="rId12"/>
   </p:sldLayoutIdLst>
+  <p:txStyles>
+    <p:titleStyle>
+      <a:lvl1pPr algn="l" defTabSz="914400" rtl="0" eaLnBrk="1" latinLnBrk="0" hangingPunct="1">
+        <a:lnSpc>
+          <a:spcPct val="90000"/>
+        </a:lnSpc>
+        <a:spcBef>
+          <a:spcPct val="0"/>
+        </a:spcBef>
+        <a:buNone/>
+        <a:defRPr sz="4400" kern="1200">
+          <a:solidFill>
+            <a:schemeClr val="tx1"/>
+          </a:solidFill>
+          <a:latin typeface="+mj-lt"/>
+          <a:ea typeface="+mj-ea"/>
+          <a:cs typeface="+mj-cs"/>
+        </a:defRPr>
+      </a:lvl1pPr>
+    </p:titleStyle>
+    <p:bodyStyle>
+      <a:lvl1pPr marL="228600" indent="-228600" algn="l" defTabSz="914400" rtl="0" eaLnBrk="1" latinLnBrk="0" hangingPunct="1">
+        <a:lnSpc>
+          <a:spcPct val="90000"/>
+        </a:lnSpc>
+        <a:spcBef>
+          <a:spcPts val="1000"/>
+        </a:spcBef>
+        <a:buFont typeface="Arial" panose="020B0604020202020204" pitchFamily="34" charset="0"/>
+        <a:buChar char="•"/>
+        <a:defRPr sz="2800" kern="1200">
+          <a:solidFill>
+            <a:schemeClr val="tx1"/>
+          </a:solidFill>
+          <a:latin typeface="+mn-lt"/>
+          <a:ea typeface="+mn-ea"/>
+          <a:cs typeface="+mn-cs"/>
+        </a:defRPr>
+      </a:lvl1pPr>
+      <a:lvl2pPr marL="685800" indent="-228600" algn="l" defTabSz="914400" rtl="0" eaLnBrk="1" latinLnBrk="0" hangingPunct="1">
+        <a:lnSpc>
+          <a:spcPct val="90000"/>
+        </a:lnSpc>
+        <a:spcBef>
+          <a:spcPts val="500"/>
+        </a:spcBef>
+        <a:buFont typeface="Arial" panose="020B0604020202020204" pitchFamily="34" charset="0"/>
+        <a:buChar char="•"/>
+        <a:defRPr sz="2400" kern="1200">
+          <a:solidFill>
+            <a:schemeClr val="tx1"/>
+          </a:solidFill>
+          <a:latin typeface="+mn-lt"/>
+          <a:ea typeface="+mn-ea"/>
+          <a:cs typeface="+mn-cs"/>
+        </a:defRPr>
+      </a:lvl2pPr>
+      <a:lvl3pPr marL="1143000" indent="-228600" algn="l" defTabSz="914400" rtl="0" eaLnBrk="1" latinLnBrk="0" hangingPunct="1">
+        <a:lnSpc>
+          <a:spcPct val="90000"/>
+        </a:lnSpc>
+        <a:spcBef>
+          <a:spcPts val="500"/>
+        </a:spcBef>
+        <a:buFont typeface="Arial" panose="020B0604020202020204" pitchFamily="34" charset="0"/>
+        <a:buChar char="•"/>
+        <a:defRPr sz="2000" kern="1200">
+          <a:solidFill>
+            <a:schemeClr val="tx1"/>
+          </a:solidFill>
+          <a:latin typeface="+mn-lt"/>
+          <a:ea typeface="+mn-ea"/>
+          <a:cs typeface="+mn-cs"/>
+        </a:defRPr>
+      </a:lvl3pPr>
+      <a:lvl4pPr marL="1600200" indent="-228600" algn="l" defTabSz="914400" rtl="0" eaLnBrk="1" latinLnBrk="0" hangingPunct="1">
+        <a:lnSpc>
+          <a:spcPct val="90000"/>
+        </a:lnSpc>
+        <a:spcBef>
+          <a:spcPts val="500"/>
+        </a:spcBef>
+        <a:buFont typeface="Arial" panose="020B0604020202020204" pitchFamily="34" charset="0"/>
+        <a:buChar char="•"/>
+        <a:defRPr sz="1800" kern="1200">
+          <a:solidFill>
+            <a:schemeClr val="tx1"/>
+          </a:solidFill>
+          <a:latin typeface="+mn-lt"/>
+          <a:ea typeface="+mn-ea"/>
+          <a:cs typeface="+mn-cs"/>
+        </a:defRPr>
+      </a:lvl4pPr>
+      <a:lvl5pPr marL="2057400" indent="-228600" algn="l" defTabSz="914400" rtl="0" eaLnBrk="1" latinLnBrk="0" hangingPunct="1">
+        <a:lnSpc>
+          <a:spcPct val="90000"/>
+        </a:lnSpc>
+        <a:spcBef>
+          <a:spcPts val="500"/>
+        </a:spcBef>
+        <a:buFont typeface="Arial" panose="020B0604020202020204" pitchFamily="34" charset="0"/>
+        <a:buChar char="•"/>
+        <a:defRPr sz="1800" kern="1200">
+          <a:solidFill>
+            <a:schemeClr val="tx1"/>
+          </a:solidFill>
+          <a:latin typeface="+mn-lt"/>
+          <a:ea typeface="+mn-ea"/>
+          <a:cs typeface="+mn-cs"/>
+        </a:defRPr>
+      </a:lvl5pPr>
+      <a:lvl6pPr marL="2514600" indent="-228600" algn="l" defTabSz="914400" rtl="0" eaLnBrk="1" latinLnBrk="0" hangingPunct="1">
+        <a:lnSpc>
+          <a:spcPct val="90000"/>
+        </a:lnSpc>
+        <a:spcBef>
+          <a:spcPts val="500"/>
+        </a:spcBef>
+        <a:buFont typeface="Arial" panose="020B0604020202020204" pitchFamily="34" charset="0"/>
+        <a:buChar char="•"/>
+        <a:defRPr sz="1800" kern="1200">
+          <a:solidFill>
+            <a:schemeClr val="tx1"/>
+          </a:solidFill>
+          <a:latin typeface="+mn-lt"/>
+          <a:ea typeface="+mn-ea"/>
+          <a:cs typeface="+mn-cs"/>
+        </a:defRPr>
+      </a:lvl6pPr>
+      <a:lvl7pPr marL="2971800" indent="-228600" algn="l" defTabSz="914400" rtl="0" eaLnBrk="1" latinLnBrk="0" hangingPunct="1">
+        <a:lnSpc>
+          <a:spcPct val="90000"/>
+        </a:lnSpc>
+        <a:spcBef>
+          <a:spcPts val="500"/>
+        </a:spcBef>
+        <a:buFont typeface="Arial" panose="020B0604020202020204" pitchFamily="34" charset="0"/>
+        <a:buChar char="•"/>
+        <a:defRPr sz="1800" kern="1200">
+          <a:solidFill>
+            <a:schemeClr val="tx1"/>
+          </a:solidFill>
+          <a:latin typeface="+mn-lt"/>
+          <a:ea typeface="+mn-ea"/>
+          <a:cs typeface="+mn-cs"/>
+        </a:defRPr>
+      </a:lvl7pPr>
+      <a:lvl8pPr marL="3429000" indent="-228600" algn="l" defTabSz="914400" rtl="0" eaLnBrk="1" latinLnBrk="0" hangingPunct="1">
+        <a:lnSpc>
+          <a:spcPct val="90000"/>
+        </a:lnSpc>
+        <a:spcBef>
+          <a:spcPts val="500"/>
+        </a:spcBef>
+        <a:buFont typeface="Arial" panose="020B0604020202020204" pitchFamily="34" charset="0"/>
+        <a:buChar char="•"/>
+        <a:defRPr sz="1800" kern="1200">
+          <a:solidFill>
+            <a:schemeClr val="tx1"/>
+          </a:solidFill>
+          <a:latin typeface="+mn-lt"/>
+          <a:ea typeface="+mn-ea"/>
+          <a:cs typeface="+mn-cs"/>
+        </a:defRPr>
+      </a:lvl8pPr>
+      <a:lvl9pPr marL="3886200" indent="-228600" algn="l" defTabSz="914400" rtl="0" eaLnBrk="1" latinLnBrk="0" hangingPunct="1">
+        <a:lnSpc>
+          <a:spcPct val="90000"/>
+        </a:lnSpc>
+        <a:spcBef>
+          <a:spcPts val="500"/>
+        </a:spcBef>
+        <a:buFont typeface="Arial" panose="020B0604020202020204" pitchFamily="34" charset="0"/>
+        <a:buChar char="•"/>
+        <a:defRPr sz="1800" kern="1200">
+          <a:solidFill>
+            <a:schemeClr val="tx1"/>
+          </a:solidFill>
+          <a:latin typeface="+mn-lt"/>
+          <a:ea typeface="+mn-ea"/>
+          <a:cs typeface="+mn-cs"/>
+        </a:defRPr>
+      </a:lvl9pPr>
+    </p:bodyStyle>
+    <p:otherStyle>
+      <a:defPPr>
+        <a:defRPr lang="en-US"/>
+      </a:defPPr>
+      <a:lvl1pPr marL="0" algn="l" defTabSz="914400" rtl="0" eaLnBrk="1" latinLnBrk="0" hangingPunct="1">
+        <a:defRPr sz="1800" kern="1200">
+          <a:solidFill>
+            <a:schemeClr val="tx1"/>
+          </a:solidFill>
+          <a:latin typeface="+mn-lt"/>
+          <a:ea typeface="+mn-ea"/>
+          <a:cs typeface="+mn-cs"/>
+        </a:defRPr>
+      </a:lvl1pPr>
+      <a:lvl2pPr marL="457200" algn="l" defTabSz="914400" rtl="0" eaLnBrk="1" latinLnBrk="0" hangingPunct="1">
+        <a:defRPr sz="1800" kern="1200">
+          <a:solidFill>
+            <a:schemeClr val="tx1"/>
+          </a:solidFill>
+          <a:latin typeface="+mn-lt"/>
+          <a:ea typeface="+mn-ea"/>
+          <a:cs typeface="+mn-cs"/>
+        </a:defRPr>
+      </a:lvl2pPr>
+      <a:lvl3pPr marL="914400" algn="l" defTabSz="914400" rtl="0" eaLnBrk="1" latinLnBrk="0" hangingPunct="1">
+        <a:defRPr sz="1800" kern="1200">
+          <a:solidFill>
+            <a:schemeClr val="tx1"/>
+          </a:solidFill>
+          <a:latin typeface="+mn-lt"/>
+          <a:ea typeface="+mn-ea"/>
+          <a:cs typeface="+mn-cs"/>
+        </a:defRPr>
+      </a:lvl3pPr>
+      <a:lvl4pPr marL="1371600" algn="l" defTabSz="914400" rtl="0" eaLnBrk="1" latinLnBrk="0" hangingPunct="1">
+        <a:defRPr sz="1800" kern="1200">
+          <a:solidFill>
+            <a:schemeClr val="tx1"/>
+          </a:solidFill>
+          <a:latin typeface="+mn-lt"/>
+          <a:ea typeface="+mn-ea"/>
+          <a:cs typeface="+mn-cs"/>
+        </a:defRPr>
+      </a:lvl4pPr>
+      <a:lvl5pPr marL="1828800" algn="l" defTabSz="914400" rtl="0" eaLnBrk="1" latinLnBrk="0" hangingPunct="1">
+        <a:defRPr sz="1800" kern="1200">
+          <a:solidFill>
+            <a:schemeClr val="tx1"/>
+          </a:solidFill>
+          <a:latin typeface="+mn-lt"/>
+          <a:ea typeface="+mn-ea"/>
+          <a:cs typeface="+mn-cs"/>
+        </a:defRPr>
+      </a:lvl5pPr>
+      <a:lvl6pPr marL="2286000" algn="l" defTabSz="914400" rtl="0" eaLnBrk="1" latinLnBrk="0" hangingPunct="1">
+        <a:defRPr sz="1800" kern="1200">
+          <a:solidFill>
+            <a:schemeClr val="tx1"/>
+          </a:solidFill>
+          <a:latin typeface="+mn-lt"/>
+          <a:ea typeface="+mn-ea"/>
+          <a:cs typeface="+mn-cs"/>
+        </a:defRPr>
+      </a:lvl6pPr>
+      <a:lvl7pPr marL="2743200" algn="l" defTabSz="914400" rtl="0" eaLnBrk="1" latinLnBrk="0" hangingPunct="1">
+        <a:defRPr sz="1800" kern="1200">
+          <a:solidFill>
+            <a:schemeClr val="tx1"/>
+          </a:solidFill>
+          <a:latin typeface="+mn-lt"/>
+          <a:ea typeface="+mn-ea"/>
+          <a:cs typeface="+mn-cs"/>
+        </a:defRPr>
+      </a:lvl7pPr>
+      <a:lvl8pPr marL="3200400" algn="l" defTabSz="914400" rtl="0" eaLnBrk="1" latinLnBrk="0" hangingPunct="1">
+        <a:defRPr sz="1800" kern="1200">
+          <a:solidFill>
+            <a:schemeClr val="tx1"/>
+          </a:solidFill>
+          <a:latin typeface="+mn-lt"/>
+          <a:ea typeface="+mn-ea"/>
+          <a:cs typeface="+mn-cs"/>
+        </a:defRPr>
+      </a:lvl8pPr>
+      <a:lvl9pPr marL="3657600" algn="l" defTabSz="914400" rtl="0" eaLnBrk="1" latinLnBrk="0" hangingPunct="1">
+        <a:defRPr sz="1800" kern="1200">
+          <a:solidFill>
+            <a:schemeClr val="tx1"/>
+          </a:solidFill>
+          <a:latin typeface="+mn-lt"/>
+          <a:ea typeface="+mn-ea"/>
+          <a:cs typeface="+mn-cs"/>
+        </a:defRPr>
+      </a:lvl9pPr>
+    </p:otherStyle>
+  </p:txStyles>
 </p:sldMaster>
 </file>
 
 <file path=ppt/slideMasters/slideMaster4.xml><?xml version="1.0" encoding="utf-8"?>
-<p:sldMaster xmlns:a="http://schemas.openxmlformats.org/drawingml/2006/main" xmlns:p="http://schemas.openxmlformats.org/presentationml/2006/main" xmlns:r="http://schemas.openxmlformats.org/officeDocument/2006/relationships" xmlns:p14="http://schemas.microsoft.com/office/powerpoint/2010/main" xmlns:p15="http://schemas.microsoft.com/office/powerpoint/2012/main" xmlns:mc="http://schemas.openxmlformats.org/markup-compatibility/2006">
+<p:sldMaster xmlns:a="http://schemas.openxmlformats.org/drawingml/2006/main" xmlns:r="http://schemas.openxmlformats.org/officeDocument/2006/relationships" xmlns:p="http://schemas.openxmlformats.org/presentationml/2006/main">
   <p:cSld>
     <p:bg>
       <p:bgPr>
         <a:blipFill rotWithShape="0">
-          <a:blip r:embed="rId2"/>
+          <a:blip r:embed="rId14"/>
           <a:stretch>
             <a:fillRect/>
           </a:stretch>
         </a:blipFill>
+        <a:effectLst/>
       </p:bgPr>
     </p:bg>
     <p:spTree>
@@ -8464,12 +9653,13 @@
           </a:prstGeom>
         </p:spPr>
         <p:txBody>
-          <a:bodyPr lIns="0" rIns="0" tIns="0" bIns="0" anchor="ctr">
+          <a:bodyPr lIns="0" tIns="0" rIns="0" bIns="0" anchor="ctr">
             <a:noAutofit/>
           </a:bodyPr>
+          <a:lstStyle/>
           <a:p>
             <a:r>
-              <a:rPr b="0" lang="en-US" sz="1800" spc="-1" strike="noStrike">
+              <a:rPr lang="en-US" sz="1800" b="0" strike="noStrike" spc="-1">
                 <a:solidFill>
                   <a:srgbClr val="000000"/>
                 </a:solidFill>
@@ -8477,12 +9667,6 @@
               </a:rPr>
               <a:t>Click to edit the title text format</a:t>
             </a:r>
-            <a:endParaRPr b="0" lang="en-US" sz="1800" spc="-1" strike="noStrike">
-              <a:solidFill>
-                <a:srgbClr val="000000"/>
-              </a:solidFill>
-              <a:latin typeface="Arial"/>
-            </a:endParaRPr>
           </a:p>
         </p:txBody>
       </p:sp>
@@ -8506,9 +9690,10 @@
           </a:prstGeom>
         </p:spPr>
         <p:txBody>
-          <a:bodyPr lIns="0" rIns="0" tIns="0" bIns="0">
+          <a:bodyPr lIns="0" tIns="0" rIns="0" bIns="0">
             <a:normAutofit/>
           </a:bodyPr>
+          <a:lstStyle/>
           <a:p>
             <a:pPr marL="432000" indent="-324000">
               <a:spcBef>
@@ -8522,7 +9707,7 @@
               <a:buChar char=""/>
             </a:pPr>
             <a:r>
-              <a:rPr b="0" lang="en-US" sz="2800" spc="-1" strike="noStrike">
+              <a:rPr lang="en-US" sz="2800" b="0" strike="noStrike" spc="-1">
                 <a:solidFill>
                   <a:srgbClr val="000000"/>
                 </a:solidFill>
@@ -8530,15 +9715,9 @@
               </a:rPr>
               <a:t>Click to edit the outline text format</a:t>
             </a:r>
-            <a:endParaRPr b="0" lang="en-US" sz="2800" spc="-1" strike="noStrike">
-              <a:solidFill>
-                <a:srgbClr val="000000"/>
-              </a:solidFill>
-              <a:latin typeface="Arial"/>
-            </a:endParaRPr>
-          </a:p>
-          <a:p>
-            <a:pPr lvl="1" marL="864000" indent="-324000">
+          </a:p>
+          <a:p>
+            <a:pPr marL="864000" lvl="1" indent="-324000">
               <a:spcBef>
                 <a:spcPts val="1134"/>
               </a:spcBef>
@@ -8550,7 +9729,7 @@
               <a:buChar char=""/>
             </a:pPr>
             <a:r>
-              <a:rPr b="0" lang="en-US" sz="2000" spc="-1" strike="noStrike">
+              <a:rPr lang="en-US" sz="2000" b="0" strike="noStrike" spc="-1">
                 <a:solidFill>
                   <a:srgbClr val="000000"/>
                 </a:solidFill>
@@ -8558,15 +9737,9 @@
               </a:rPr>
               <a:t>Second Outline Level</a:t>
             </a:r>
-            <a:endParaRPr b="0" lang="en-US" sz="2000" spc="-1" strike="noStrike">
-              <a:solidFill>
-                <a:srgbClr val="000000"/>
-              </a:solidFill>
-              <a:latin typeface="Arial"/>
-            </a:endParaRPr>
-          </a:p>
-          <a:p>
-            <a:pPr lvl="2" marL="1296000" indent="-288000">
+          </a:p>
+          <a:p>
+            <a:pPr marL="1296000" lvl="2" indent="-288000">
               <a:spcBef>
                 <a:spcPts val="850"/>
               </a:spcBef>
@@ -8578,7 +9751,7 @@
               <a:buChar char=""/>
             </a:pPr>
             <a:r>
-              <a:rPr b="0" lang="en-US" sz="1800" spc="-1" strike="noStrike">
+              <a:rPr lang="en-US" sz="1800" b="0" strike="noStrike" spc="-1">
                 <a:solidFill>
                   <a:srgbClr val="000000"/>
                 </a:solidFill>
@@ -8586,15 +9759,9 @@
               </a:rPr>
               <a:t>Third Outline Level</a:t>
             </a:r>
-            <a:endParaRPr b="0" lang="en-US" sz="1800" spc="-1" strike="noStrike">
-              <a:solidFill>
-                <a:srgbClr val="000000"/>
-              </a:solidFill>
-              <a:latin typeface="Arial"/>
-            </a:endParaRPr>
-          </a:p>
-          <a:p>
-            <a:pPr lvl="3" marL="1728000" indent="-216000">
+          </a:p>
+          <a:p>
+            <a:pPr marL="1728000" lvl="3" indent="-216000">
               <a:spcBef>
                 <a:spcPts val="567"/>
               </a:spcBef>
@@ -8606,7 +9773,7 @@
               <a:buChar char=""/>
             </a:pPr>
             <a:r>
-              <a:rPr b="0" lang="en-US" sz="1800" spc="-1" strike="noStrike">
+              <a:rPr lang="en-US" sz="1800" b="0" strike="noStrike" spc="-1">
                 <a:solidFill>
                   <a:srgbClr val="000000"/>
                 </a:solidFill>
@@ -8614,15 +9781,9 @@
               </a:rPr>
               <a:t>Fourth Outline Level</a:t>
             </a:r>
-            <a:endParaRPr b="0" lang="en-US" sz="1800" spc="-1" strike="noStrike">
-              <a:solidFill>
-                <a:srgbClr val="000000"/>
-              </a:solidFill>
-              <a:latin typeface="Arial"/>
-            </a:endParaRPr>
-          </a:p>
-          <a:p>
-            <a:pPr lvl="4" marL="2160000" indent="-216000">
+          </a:p>
+          <a:p>
+            <a:pPr marL="2160000" lvl="4" indent="-216000">
               <a:spcBef>
                 <a:spcPts val="283"/>
               </a:spcBef>
@@ -8634,7 +9795,7 @@
               <a:buChar char=""/>
             </a:pPr>
             <a:r>
-              <a:rPr b="0" lang="en-US" sz="2000" spc="-1" strike="noStrike">
+              <a:rPr lang="en-US" sz="2000" b="0" strike="noStrike" spc="-1">
                 <a:solidFill>
                   <a:srgbClr val="000000"/>
                 </a:solidFill>
@@ -8642,15 +9803,9 @@
               </a:rPr>
               <a:t>Fifth Outline Level</a:t>
             </a:r>
-            <a:endParaRPr b="0" lang="en-US" sz="2000" spc="-1" strike="noStrike">
-              <a:solidFill>
-                <a:srgbClr val="000000"/>
-              </a:solidFill>
-              <a:latin typeface="Arial"/>
-            </a:endParaRPr>
-          </a:p>
-          <a:p>
-            <a:pPr lvl="5" marL="2592000" indent="-216000">
+          </a:p>
+          <a:p>
+            <a:pPr marL="2592000" lvl="5" indent="-216000">
               <a:spcBef>
                 <a:spcPts val="283"/>
               </a:spcBef>
@@ -8662,7 +9817,7 @@
               <a:buChar char=""/>
             </a:pPr>
             <a:r>
-              <a:rPr b="0" lang="en-US" sz="2000" spc="-1" strike="noStrike">
+              <a:rPr lang="en-US" sz="2000" b="0" strike="noStrike" spc="-1">
                 <a:solidFill>
                   <a:srgbClr val="000000"/>
                 </a:solidFill>
@@ -8670,15 +9825,9 @@
               </a:rPr>
               <a:t>Sixth Outline Level</a:t>
             </a:r>
-            <a:endParaRPr b="0" lang="en-US" sz="2000" spc="-1" strike="noStrike">
-              <a:solidFill>
-                <a:srgbClr val="000000"/>
-              </a:solidFill>
-              <a:latin typeface="Arial"/>
-            </a:endParaRPr>
-          </a:p>
-          <a:p>
-            <a:pPr lvl="6" marL="3024000" indent="-216000">
+          </a:p>
+          <a:p>
+            <a:pPr marL="3024000" lvl="6" indent="-216000">
               <a:spcBef>
                 <a:spcPts val="283"/>
               </a:spcBef>
@@ -8690,7 +9839,7 @@
               <a:buChar char=""/>
             </a:pPr>
             <a:r>
-              <a:rPr b="0" lang="en-US" sz="2000" spc="-1" strike="noStrike">
+              <a:rPr lang="en-US" sz="2000" b="0" strike="noStrike" spc="-1">
                 <a:solidFill>
                   <a:srgbClr val="000000"/>
                 </a:solidFill>
@@ -8698,46 +9847,321 @@
               </a:rPr>
               <a:t>Seventh Outline Level</a:t>
             </a:r>
-            <a:endParaRPr b="0" lang="en-US" sz="2000" spc="-1" strike="noStrike">
-              <a:solidFill>
-                <a:srgbClr val="000000"/>
-              </a:solidFill>
-              <a:latin typeface="Arial"/>
-            </a:endParaRPr>
           </a:p>
         </p:txBody>
       </p:sp>
     </p:spTree>
   </p:cSld>
-  <p:clrMap bg1="lt1" bg2="lt2" tx1="dk1" tx2="dk2" accent1="accent1" accent2="accent2" accent3="accent3" accent4="accent4" accent5="accent5" accent6="accent6" hlink="hlink" folHlink="folHlink"/>
+  <p:clrMap bg1="lt1" tx1="dk1" bg2="lt2" tx2="dk2" accent1="accent1" accent2="accent2" accent3="accent3" accent4="accent4" accent5="accent5" accent6="accent6" hlink="hlink" folHlink="folHlink"/>
   <p:sldLayoutIdLst>
-    <p:sldLayoutId id="2147483688" r:id="rId3"/>
-    <p:sldLayoutId id="2147483689" r:id="rId4"/>
-    <p:sldLayoutId id="2147483690" r:id="rId5"/>
-    <p:sldLayoutId id="2147483691" r:id="rId6"/>
-    <p:sldLayoutId id="2147483692" r:id="rId7"/>
-    <p:sldLayoutId id="2147483693" r:id="rId8"/>
-    <p:sldLayoutId id="2147483694" r:id="rId9"/>
-    <p:sldLayoutId id="2147483695" r:id="rId10"/>
-    <p:sldLayoutId id="2147483696" r:id="rId11"/>
-    <p:sldLayoutId id="2147483697" r:id="rId12"/>
-    <p:sldLayoutId id="2147483698" r:id="rId13"/>
-    <p:sldLayoutId id="2147483699" r:id="rId14"/>
+    <p:sldLayoutId id="2147483688" r:id="rId1"/>
+    <p:sldLayoutId id="2147483689" r:id="rId2"/>
+    <p:sldLayoutId id="2147483690" r:id="rId3"/>
+    <p:sldLayoutId id="2147483691" r:id="rId4"/>
+    <p:sldLayoutId id="2147483692" r:id="rId5"/>
+    <p:sldLayoutId id="2147483693" r:id="rId6"/>
+    <p:sldLayoutId id="2147483694" r:id="rId7"/>
+    <p:sldLayoutId id="2147483695" r:id="rId8"/>
+    <p:sldLayoutId id="2147483696" r:id="rId9"/>
+    <p:sldLayoutId id="2147483697" r:id="rId10"/>
+    <p:sldLayoutId id="2147483698" r:id="rId11"/>
+    <p:sldLayoutId id="2147483699" r:id="rId12"/>
   </p:sldLayoutIdLst>
+  <p:txStyles>
+    <p:titleStyle>
+      <a:lvl1pPr algn="l" defTabSz="914400" rtl="0" eaLnBrk="1" latinLnBrk="0" hangingPunct="1">
+        <a:lnSpc>
+          <a:spcPct val="90000"/>
+        </a:lnSpc>
+        <a:spcBef>
+          <a:spcPct val="0"/>
+        </a:spcBef>
+        <a:buNone/>
+        <a:defRPr sz="4400" kern="1200">
+          <a:solidFill>
+            <a:schemeClr val="tx1"/>
+          </a:solidFill>
+          <a:latin typeface="+mj-lt"/>
+          <a:ea typeface="+mj-ea"/>
+          <a:cs typeface="+mj-cs"/>
+        </a:defRPr>
+      </a:lvl1pPr>
+    </p:titleStyle>
+    <p:bodyStyle>
+      <a:lvl1pPr marL="228600" indent="-228600" algn="l" defTabSz="914400" rtl="0" eaLnBrk="1" latinLnBrk="0" hangingPunct="1">
+        <a:lnSpc>
+          <a:spcPct val="90000"/>
+        </a:lnSpc>
+        <a:spcBef>
+          <a:spcPts val="1000"/>
+        </a:spcBef>
+        <a:buFont typeface="Arial" panose="020B0604020202020204" pitchFamily="34" charset="0"/>
+        <a:buChar char="•"/>
+        <a:defRPr sz="2800" kern="1200">
+          <a:solidFill>
+            <a:schemeClr val="tx1"/>
+          </a:solidFill>
+          <a:latin typeface="+mn-lt"/>
+          <a:ea typeface="+mn-ea"/>
+          <a:cs typeface="+mn-cs"/>
+        </a:defRPr>
+      </a:lvl1pPr>
+      <a:lvl2pPr marL="685800" indent="-228600" algn="l" defTabSz="914400" rtl="0" eaLnBrk="1" latinLnBrk="0" hangingPunct="1">
+        <a:lnSpc>
+          <a:spcPct val="90000"/>
+        </a:lnSpc>
+        <a:spcBef>
+          <a:spcPts val="500"/>
+        </a:spcBef>
+        <a:buFont typeface="Arial" panose="020B0604020202020204" pitchFamily="34" charset="0"/>
+        <a:buChar char="•"/>
+        <a:defRPr sz="2400" kern="1200">
+          <a:solidFill>
+            <a:schemeClr val="tx1"/>
+          </a:solidFill>
+          <a:latin typeface="+mn-lt"/>
+          <a:ea typeface="+mn-ea"/>
+          <a:cs typeface="+mn-cs"/>
+        </a:defRPr>
+      </a:lvl2pPr>
+      <a:lvl3pPr marL="1143000" indent="-228600" algn="l" defTabSz="914400" rtl="0" eaLnBrk="1" latinLnBrk="0" hangingPunct="1">
+        <a:lnSpc>
+          <a:spcPct val="90000"/>
+        </a:lnSpc>
+        <a:spcBef>
+          <a:spcPts val="500"/>
+        </a:spcBef>
+        <a:buFont typeface="Arial" panose="020B0604020202020204" pitchFamily="34" charset="0"/>
+        <a:buChar char="•"/>
+        <a:defRPr sz="2000" kern="1200">
+          <a:solidFill>
+            <a:schemeClr val="tx1"/>
+          </a:solidFill>
+          <a:latin typeface="+mn-lt"/>
+          <a:ea typeface="+mn-ea"/>
+          <a:cs typeface="+mn-cs"/>
+        </a:defRPr>
+      </a:lvl3pPr>
+      <a:lvl4pPr marL="1600200" indent="-228600" algn="l" defTabSz="914400" rtl="0" eaLnBrk="1" latinLnBrk="0" hangingPunct="1">
+        <a:lnSpc>
+          <a:spcPct val="90000"/>
+        </a:lnSpc>
+        <a:spcBef>
+          <a:spcPts val="500"/>
+        </a:spcBef>
+        <a:buFont typeface="Arial" panose="020B0604020202020204" pitchFamily="34" charset="0"/>
+        <a:buChar char="•"/>
+        <a:defRPr sz="1800" kern="1200">
+          <a:solidFill>
+            <a:schemeClr val="tx1"/>
+          </a:solidFill>
+          <a:latin typeface="+mn-lt"/>
+          <a:ea typeface="+mn-ea"/>
+          <a:cs typeface="+mn-cs"/>
+        </a:defRPr>
+      </a:lvl4pPr>
+      <a:lvl5pPr marL="2057400" indent="-228600" algn="l" defTabSz="914400" rtl="0" eaLnBrk="1" latinLnBrk="0" hangingPunct="1">
+        <a:lnSpc>
+          <a:spcPct val="90000"/>
+        </a:lnSpc>
+        <a:spcBef>
+          <a:spcPts val="500"/>
+        </a:spcBef>
+        <a:buFont typeface="Arial" panose="020B0604020202020204" pitchFamily="34" charset="0"/>
+        <a:buChar char="•"/>
+        <a:defRPr sz="1800" kern="1200">
+          <a:solidFill>
+            <a:schemeClr val="tx1"/>
+          </a:solidFill>
+          <a:latin typeface="+mn-lt"/>
+          <a:ea typeface="+mn-ea"/>
+          <a:cs typeface="+mn-cs"/>
+        </a:defRPr>
+      </a:lvl5pPr>
+      <a:lvl6pPr marL="2514600" indent="-228600" algn="l" defTabSz="914400" rtl="0" eaLnBrk="1" latinLnBrk="0" hangingPunct="1">
+        <a:lnSpc>
+          <a:spcPct val="90000"/>
+        </a:lnSpc>
+        <a:spcBef>
+          <a:spcPts val="500"/>
+        </a:spcBef>
+        <a:buFont typeface="Arial" panose="020B0604020202020204" pitchFamily="34" charset="0"/>
+        <a:buChar char="•"/>
+        <a:defRPr sz="1800" kern="1200">
+          <a:solidFill>
+            <a:schemeClr val="tx1"/>
+          </a:solidFill>
+          <a:latin typeface="+mn-lt"/>
+          <a:ea typeface="+mn-ea"/>
+          <a:cs typeface="+mn-cs"/>
+        </a:defRPr>
+      </a:lvl6pPr>
+      <a:lvl7pPr marL="2971800" indent="-228600" algn="l" defTabSz="914400" rtl="0" eaLnBrk="1" latinLnBrk="0" hangingPunct="1">
+        <a:lnSpc>
+          <a:spcPct val="90000"/>
+        </a:lnSpc>
+        <a:spcBef>
+          <a:spcPts val="500"/>
+        </a:spcBef>
+        <a:buFont typeface="Arial" panose="020B0604020202020204" pitchFamily="34" charset="0"/>
+        <a:buChar char="•"/>
+        <a:defRPr sz="1800" kern="1200">
+          <a:solidFill>
+            <a:schemeClr val="tx1"/>
+          </a:solidFill>
+          <a:latin typeface="+mn-lt"/>
+          <a:ea typeface="+mn-ea"/>
+          <a:cs typeface="+mn-cs"/>
+        </a:defRPr>
+      </a:lvl7pPr>
+      <a:lvl8pPr marL="3429000" indent="-228600" algn="l" defTabSz="914400" rtl="0" eaLnBrk="1" latinLnBrk="0" hangingPunct="1">
+        <a:lnSpc>
+          <a:spcPct val="90000"/>
+        </a:lnSpc>
+        <a:spcBef>
+          <a:spcPts val="500"/>
+        </a:spcBef>
+        <a:buFont typeface="Arial" panose="020B0604020202020204" pitchFamily="34" charset="0"/>
+        <a:buChar char="•"/>
+        <a:defRPr sz="1800" kern="1200">
+          <a:solidFill>
+            <a:schemeClr val="tx1"/>
+          </a:solidFill>
+          <a:latin typeface="+mn-lt"/>
+          <a:ea typeface="+mn-ea"/>
+          <a:cs typeface="+mn-cs"/>
+        </a:defRPr>
+      </a:lvl8pPr>
+      <a:lvl9pPr marL="3886200" indent="-228600" algn="l" defTabSz="914400" rtl="0" eaLnBrk="1" latinLnBrk="0" hangingPunct="1">
+        <a:lnSpc>
+          <a:spcPct val="90000"/>
+        </a:lnSpc>
+        <a:spcBef>
+          <a:spcPts val="500"/>
+        </a:spcBef>
+        <a:buFont typeface="Arial" panose="020B0604020202020204" pitchFamily="34" charset="0"/>
+        <a:buChar char="•"/>
+        <a:defRPr sz="1800" kern="1200">
+          <a:solidFill>
+            <a:schemeClr val="tx1"/>
+          </a:solidFill>
+          <a:latin typeface="+mn-lt"/>
+          <a:ea typeface="+mn-ea"/>
+          <a:cs typeface="+mn-cs"/>
+        </a:defRPr>
+      </a:lvl9pPr>
+    </p:bodyStyle>
+    <p:otherStyle>
+      <a:defPPr>
+        <a:defRPr lang="en-US"/>
+      </a:defPPr>
+      <a:lvl1pPr marL="0" algn="l" defTabSz="914400" rtl="0" eaLnBrk="1" latinLnBrk="0" hangingPunct="1">
+        <a:defRPr sz="1800" kern="1200">
+          <a:solidFill>
+            <a:schemeClr val="tx1"/>
+          </a:solidFill>
+          <a:latin typeface="+mn-lt"/>
+          <a:ea typeface="+mn-ea"/>
+          <a:cs typeface="+mn-cs"/>
+        </a:defRPr>
+      </a:lvl1pPr>
+      <a:lvl2pPr marL="457200" algn="l" defTabSz="914400" rtl="0" eaLnBrk="1" latinLnBrk="0" hangingPunct="1">
+        <a:defRPr sz="1800" kern="1200">
+          <a:solidFill>
+            <a:schemeClr val="tx1"/>
+          </a:solidFill>
+          <a:latin typeface="+mn-lt"/>
+          <a:ea typeface="+mn-ea"/>
+          <a:cs typeface="+mn-cs"/>
+        </a:defRPr>
+      </a:lvl2pPr>
+      <a:lvl3pPr marL="914400" algn="l" defTabSz="914400" rtl="0" eaLnBrk="1" latinLnBrk="0" hangingPunct="1">
+        <a:defRPr sz="1800" kern="1200">
+          <a:solidFill>
+            <a:schemeClr val="tx1"/>
+          </a:solidFill>
+          <a:latin typeface="+mn-lt"/>
+          <a:ea typeface="+mn-ea"/>
+          <a:cs typeface="+mn-cs"/>
+        </a:defRPr>
+      </a:lvl3pPr>
+      <a:lvl4pPr marL="1371600" algn="l" defTabSz="914400" rtl="0" eaLnBrk="1" latinLnBrk="0" hangingPunct="1">
+        <a:defRPr sz="1800" kern="1200">
+          <a:solidFill>
+            <a:schemeClr val="tx1"/>
+          </a:solidFill>
+          <a:latin typeface="+mn-lt"/>
+          <a:ea typeface="+mn-ea"/>
+          <a:cs typeface="+mn-cs"/>
+        </a:defRPr>
+      </a:lvl4pPr>
+      <a:lvl5pPr marL="1828800" algn="l" defTabSz="914400" rtl="0" eaLnBrk="1" latinLnBrk="0" hangingPunct="1">
+        <a:defRPr sz="1800" kern="1200">
+          <a:solidFill>
+            <a:schemeClr val="tx1"/>
+          </a:solidFill>
+          <a:latin typeface="+mn-lt"/>
+          <a:ea typeface="+mn-ea"/>
+          <a:cs typeface="+mn-cs"/>
+        </a:defRPr>
+      </a:lvl5pPr>
+      <a:lvl6pPr marL="2286000" algn="l" defTabSz="914400" rtl="0" eaLnBrk="1" latinLnBrk="0" hangingPunct="1">
+        <a:defRPr sz="1800" kern="1200">
+          <a:solidFill>
+            <a:schemeClr val="tx1"/>
+          </a:solidFill>
+          <a:latin typeface="+mn-lt"/>
+          <a:ea typeface="+mn-ea"/>
+          <a:cs typeface="+mn-cs"/>
+        </a:defRPr>
+      </a:lvl6pPr>
+      <a:lvl7pPr marL="2743200" algn="l" defTabSz="914400" rtl="0" eaLnBrk="1" latinLnBrk="0" hangingPunct="1">
+        <a:defRPr sz="1800" kern="1200">
+          <a:solidFill>
+            <a:schemeClr val="tx1"/>
+          </a:solidFill>
+          <a:latin typeface="+mn-lt"/>
+          <a:ea typeface="+mn-ea"/>
+          <a:cs typeface="+mn-cs"/>
+        </a:defRPr>
+      </a:lvl7pPr>
+      <a:lvl8pPr marL="3200400" algn="l" defTabSz="914400" rtl="0" eaLnBrk="1" latinLnBrk="0" hangingPunct="1">
+        <a:defRPr sz="1800" kern="1200">
+          <a:solidFill>
+            <a:schemeClr val="tx1"/>
+          </a:solidFill>
+          <a:latin typeface="+mn-lt"/>
+          <a:ea typeface="+mn-ea"/>
+          <a:cs typeface="+mn-cs"/>
+        </a:defRPr>
+      </a:lvl8pPr>
+      <a:lvl9pPr marL="3657600" algn="l" defTabSz="914400" rtl="0" eaLnBrk="1" latinLnBrk="0" hangingPunct="1">
+        <a:defRPr sz="1800" kern="1200">
+          <a:solidFill>
+            <a:schemeClr val="tx1"/>
+          </a:solidFill>
+          <a:latin typeface="+mn-lt"/>
+          <a:ea typeface="+mn-ea"/>
+          <a:cs typeface="+mn-cs"/>
+        </a:defRPr>
+      </a:lvl9pPr>
+    </p:otherStyle>
+  </p:txStyles>
 </p:sldMaster>
 </file>
 
 <file path=ppt/slideMasters/slideMaster5.xml><?xml version="1.0" encoding="utf-8"?>
-<p:sldMaster xmlns:a="http://schemas.openxmlformats.org/drawingml/2006/main" xmlns:p="http://schemas.openxmlformats.org/presentationml/2006/main" xmlns:r="http://schemas.openxmlformats.org/officeDocument/2006/relationships" xmlns:p14="http://schemas.microsoft.com/office/powerpoint/2010/main" xmlns:p15="http://schemas.microsoft.com/office/powerpoint/2012/main" xmlns:mc="http://schemas.openxmlformats.org/markup-compatibility/2006">
+<p:sldMaster xmlns:a="http://schemas.openxmlformats.org/drawingml/2006/main" xmlns:r="http://schemas.openxmlformats.org/officeDocument/2006/relationships" xmlns:p="http://schemas.openxmlformats.org/presentationml/2006/main">
   <p:cSld>
     <p:bg>
       <p:bgPr>
         <a:blipFill rotWithShape="0">
-          <a:blip r:embed="rId2"/>
+          <a:blip r:embed="rId14"/>
           <a:stretch>
             <a:fillRect/>
           </a:stretch>
         </a:blipFill>
+        <a:effectLst/>
       </p:bgPr>
     </p:bg>
     <p:spTree>
@@ -8774,13 +10198,14 @@
           </a:prstGeom>
         </p:spPr>
         <p:txBody>
-          <a:bodyPr lIns="0" rIns="0" tIns="0" bIns="0" anchor="ctr">
+          <a:bodyPr lIns="0" tIns="0" rIns="0" bIns="0" anchor="ctr">
             <a:noAutofit/>
           </a:bodyPr>
+          <a:lstStyle/>
           <a:p>
             <a:pPr algn="ctr"/>
             <a:r>
-              <a:rPr b="0" lang="en-US" sz="4400" spc="-1" strike="noStrike">
+              <a:rPr lang="en-US" sz="4400" b="0" strike="noStrike" spc="-1">
                 <a:solidFill>
                   <a:srgbClr val="000000"/>
                 </a:solidFill>
@@ -8788,12 +10213,6 @@
               </a:rPr>
               <a:t>Click to edit the title text format</a:t>
             </a:r>
-            <a:endParaRPr b="0" lang="en-US" sz="4400" spc="-1" strike="noStrike">
-              <a:solidFill>
-                <a:srgbClr val="000000"/>
-              </a:solidFill>
-              <a:latin typeface="Arial"/>
-            </a:endParaRPr>
           </a:p>
         </p:txBody>
       </p:sp>
@@ -8817,9 +10236,10 @@
           </a:prstGeom>
         </p:spPr>
         <p:txBody>
-          <a:bodyPr lIns="0" rIns="0" tIns="0" bIns="0">
+          <a:bodyPr lIns="0" tIns="0" rIns="0" bIns="0">
             <a:normAutofit/>
           </a:bodyPr>
+          <a:lstStyle/>
           <a:p>
             <a:pPr marL="432000" indent="-324000">
               <a:spcBef>
@@ -8833,7 +10253,7 @@
               <a:buChar char=""/>
             </a:pPr>
             <a:r>
-              <a:rPr b="0" lang="en-US" sz="2800" spc="-1" strike="noStrike">
+              <a:rPr lang="en-US" sz="2800" b="0" strike="noStrike" spc="-1">
                 <a:solidFill>
                   <a:srgbClr val="000000"/>
                 </a:solidFill>
@@ -8841,15 +10261,9 @@
               </a:rPr>
               <a:t>Click to edit the outline text format</a:t>
             </a:r>
-            <a:endParaRPr b="0" lang="en-US" sz="2800" spc="-1" strike="noStrike">
-              <a:solidFill>
-                <a:srgbClr val="000000"/>
-              </a:solidFill>
-              <a:latin typeface="Arial"/>
-            </a:endParaRPr>
-          </a:p>
-          <a:p>
-            <a:pPr lvl="1" marL="864000" indent="-324000">
+          </a:p>
+          <a:p>
+            <a:pPr marL="864000" lvl="1" indent="-324000">
               <a:spcBef>
                 <a:spcPts val="1134"/>
               </a:spcBef>
@@ -8861,7 +10275,7 @@
               <a:buChar char=""/>
             </a:pPr>
             <a:r>
-              <a:rPr b="0" lang="en-US" sz="2000" spc="-1" strike="noStrike">
+              <a:rPr lang="en-US" sz="2000" b="0" strike="noStrike" spc="-1">
                 <a:solidFill>
                   <a:srgbClr val="000000"/>
                 </a:solidFill>
@@ -8869,15 +10283,9 @@
               </a:rPr>
               <a:t>Second Outline Level</a:t>
             </a:r>
-            <a:endParaRPr b="0" lang="en-US" sz="2000" spc="-1" strike="noStrike">
-              <a:solidFill>
-                <a:srgbClr val="000000"/>
-              </a:solidFill>
-              <a:latin typeface="Arial"/>
-            </a:endParaRPr>
-          </a:p>
-          <a:p>
-            <a:pPr lvl="2" marL="1296000" indent="-288000">
+          </a:p>
+          <a:p>
+            <a:pPr marL="1296000" lvl="2" indent="-288000">
               <a:spcBef>
                 <a:spcPts val="850"/>
               </a:spcBef>
@@ -8889,7 +10297,7 @@
               <a:buChar char=""/>
             </a:pPr>
             <a:r>
-              <a:rPr b="0" lang="en-US" sz="1800" spc="-1" strike="noStrike">
+              <a:rPr lang="en-US" sz="1800" b="0" strike="noStrike" spc="-1">
                 <a:solidFill>
                   <a:srgbClr val="000000"/>
                 </a:solidFill>
@@ -8897,15 +10305,9 @@
               </a:rPr>
               <a:t>Third Outline Level</a:t>
             </a:r>
-            <a:endParaRPr b="0" lang="en-US" sz="1800" spc="-1" strike="noStrike">
-              <a:solidFill>
-                <a:srgbClr val="000000"/>
-              </a:solidFill>
-              <a:latin typeface="Arial"/>
-            </a:endParaRPr>
-          </a:p>
-          <a:p>
-            <a:pPr lvl="3" marL="1728000" indent="-216000">
+          </a:p>
+          <a:p>
+            <a:pPr marL="1728000" lvl="3" indent="-216000">
               <a:spcBef>
                 <a:spcPts val="567"/>
               </a:spcBef>
@@ -8917,7 +10319,7 @@
               <a:buChar char=""/>
             </a:pPr>
             <a:r>
-              <a:rPr b="0" lang="en-US" sz="1800" spc="-1" strike="noStrike">
+              <a:rPr lang="en-US" sz="1800" b="0" strike="noStrike" spc="-1">
                 <a:solidFill>
                   <a:srgbClr val="000000"/>
                 </a:solidFill>
@@ -8925,15 +10327,9 @@
               </a:rPr>
               <a:t>Fourth Outline Level</a:t>
             </a:r>
-            <a:endParaRPr b="0" lang="en-US" sz="1800" spc="-1" strike="noStrike">
-              <a:solidFill>
-                <a:srgbClr val="000000"/>
-              </a:solidFill>
-              <a:latin typeface="Arial"/>
-            </a:endParaRPr>
-          </a:p>
-          <a:p>
-            <a:pPr lvl="4" marL="2160000" indent="-216000">
+          </a:p>
+          <a:p>
+            <a:pPr marL="2160000" lvl="4" indent="-216000">
               <a:spcBef>
                 <a:spcPts val="283"/>
               </a:spcBef>
@@ -8945,7 +10341,7 @@
               <a:buChar char=""/>
             </a:pPr>
             <a:r>
-              <a:rPr b="0" lang="en-US" sz="2000" spc="-1" strike="noStrike">
+              <a:rPr lang="en-US" sz="2000" b="0" strike="noStrike" spc="-1">
                 <a:solidFill>
                   <a:srgbClr val="000000"/>
                 </a:solidFill>
@@ -8953,15 +10349,9 @@
               </a:rPr>
               <a:t>Fifth Outline Level</a:t>
             </a:r>
-            <a:endParaRPr b="0" lang="en-US" sz="2000" spc="-1" strike="noStrike">
-              <a:solidFill>
-                <a:srgbClr val="000000"/>
-              </a:solidFill>
-              <a:latin typeface="Arial"/>
-            </a:endParaRPr>
-          </a:p>
-          <a:p>
-            <a:pPr lvl="5" marL="2592000" indent="-216000">
+          </a:p>
+          <a:p>
+            <a:pPr marL="2592000" lvl="5" indent="-216000">
               <a:spcBef>
                 <a:spcPts val="283"/>
               </a:spcBef>
@@ -8973,7 +10363,7 @@
               <a:buChar char=""/>
             </a:pPr>
             <a:r>
-              <a:rPr b="0" lang="en-US" sz="2000" spc="-1" strike="noStrike">
+              <a:rPr lang="en-US" sz="2000" b="0" strike="noStrike" spc="-1">
                 <a:solidFill>
                   <a:srgbClr val="000000"/>
                 </a:solidFill>
@@ -8981,15 +10371,9 @@
               </a:rPr>
               <a:t>Sixth Outline Level</a:t>
             </a:r>
-            <a:endParaRPr b="0" lang="en-US" sz="2000" spc="-1" strike="noStrike">
-              <a:solidFill>
-                <a:srgbClr val="000000"/>
-              </a:solidFill>
-              <a:latin typeface="Arial"/>
-            </a:endParaRPr>
-          </a:p>
-          <a:p>
-            <a:pPr lvl="6" marL="3024000" indent="-216000">
+          </a:p>
+          <a:p>
+            <a:pPr marL="3024000" lvl="6" indent="-216000">
               <a:spcBef>
                 <a:spcPts val="283"/>
               </a:spcBef>
@@ -9001,7 +10385,7 @@
               <a:buChar char=""/>
             </a:pPr>
             <a:r>
-              <a:rPr b="0" lang="en-US" sz="2000" spc="-1" strike="noStrike">
+              <a:rPr lang="en-US" sz="2000" b="0" strike="noStrike" spc="-1">
                 <a:solidFill>
                   <a:srgbClr val="000000"/>
                 </a:solidFill>
@@ -9009,37 +10393,311 @@
               </a:rPr>
               <a:t>Seventh Outline Level</a:t>
             </a:r>
-            <a:endParaRPr b="0" lang="en-US" sz="2000" spc="-1" strike="noStrike">
-              <a:solidFill>
-                <a:srgbClr val="000000"/>
-              </a:solidFill>
-              <a:latin typeface="Arial"/>
-            </a:endParaRPr>
           </a:p>
         </p:txBody>
       </p:sp>
     </p:spTree>
   </p:cSld>
-  <p:clrMap bg1="lt1" bg2="lt2" tx1="dk1" tx2="dk2" accent1="accent1" accent2="accent2" accent3="accent3" accent4="accent4" accent5="accent5" accent6="accent6" hlink="hlink" folHlink="folHlink"/>
+  <p:clrMap bg1="lt1" tx1="dk1" bg2="lt2" tx2="dk2" accent1="accent1" accent2="accent2" accent3="accent3" accent4="accent4" accent5="accent5" accent6="accent6" hlink="hlink" folHlink="folHlink"/>
   <p:sldLayoutIdLst>
-    <p:sldLayoutId id="2147483701" r:id="rId3"/>
-    <p:sldLayoutId id="2147483702" r:id="rId4"/>
-    <p:sldLayoutId id="2147483703" r:id="rId5"/>
-    <p:sldLayoutId id="2147483704" r:id="rId6"/>
-    <p:sldLayoutId id="2147483705" r:id="rId7"/>
-    <p:sldLayoutId id="2147483706" r:id="rId8"/>
-    <p:sldLayoutId id="2147483707" r:id="rId9"/>
-    <p:sldLayoutId id="2147483708" r:id="rId10"/>
-    <p:sldLayoutId id="2147483709" r:id="rId11"/>
-    <p:sldLayoutId id="2147483710" r:id="rId12"/>
-    <p:sldLayoutId id="2147483711" r:id="rId13"/>
-    <p:sldLayoutId id="2147483712" r:id="rId14"/>
+    <p:sldLayoutId id="2147483701" r:id="rId1"/>
+    <p:sldLayoutId id="2147483702" r:id="rId2"/>
+    <p:sldLayoutId id="2147483703" r:id="rId3"/>
+    <p:sldLayoutId id="2147483704" r:id="rId4"/>
+    <p:sldLayoutId id="2147483705" r:id="rId5"/>
+    <p:sldLayoutId id="2147483706" r:id="rId6"/>
+    <p:sldLayoutId id="2147483707" r:id="rId7"/>
+    <p:sldLayoutId id="2147483708" r:id="rId8"/>
+    <p:sldLayoutId id="2147483709" r:id="rId9"/>
+    <p:sldLayoutId id="2147483710" r:id="rId10"/>
+    <p:sldLayoutId id="2147483711" r:id="rId11"/>
+    <p:sldLayoutId id="2147483712" r:id="rId12"/>
   </p:sldLayoutIdLst>
+  <p:txStyles>
+    <p:titleStyle>
+      <a:lvl1pPr algn="l" defTabSz="914400" rtl="0" eaLnBrk="1" latinLnBrk="0" hangingPunct="1">
+        <a:lnSpc>
+          <a:spcPct val="90000"/>
+        </a:lnSpc>
+        <a:spcBef>
+          <a:spcPct val="0"/>
+        </a:spcBef>
+        <a:buNone/>
+        <a:defRPr sz="4400" kern="1200">
+          <a:solidFill>
+            <a:schemeClr val="tx1"/>
+          </a:solidFill>
+          <a:latin typeface="+mj-lt"/>
+          <a:ea typeface="+mj-ea"/>
+          <a:cs typeface="+mj-cs"/>
+        </a:defRPr>
+      </a:lvl1pPr>
+    </p:titleStyle>
+    <p:bodyStyle>
+      <a:lvl1pPr marL="228600" indent="-228600" algn="l" defTabSz="914400" rtl="0" eaLnBrk="1" latinLnBrk="0" hangingPunct="1">
+        <a:lnSpc>
+          <a:spcPct val="90000"/>
+        </a:lnSpc>
+        <a:spcBef>
+          <a:spcPts val="1000"/>
+        </a:spcBef>
+        <a:buFont typeface="Arial" panose="020B0604020202020204" pitchFamily="34" charset="0"/>
+        <a:buChar char="•"/>
+        <a:defRPr sz="2800" kern="1200">
+          <a:solidFill>
+            <a:schemeClr val="tx1"/>
+          </a:solidFill>
+          <a:latin typeface="+mn-lt"/>
+          <a:ea typeface="+mn-ea"/>
+          <a:cs typeface="+mn-cs"/>
+        </a:defRPr>
+      </a:lvl1pPr>
+      <a:lvl2pPr marL="685800" indent="-228600" algn="l" defTabSz="914400" rtl="0" eaLnBrk="1" latinLnBrk="0" hangingPunct="1">
+        <a:lnSpc>
+          <a:spcPct val="90000"/>
+        </a:lnSpc>
+        <a:spcBef>
+          <a:spcPts val="500"/>
+        </a:spcBef>
+        <a:buFont typeface="Arial" panose="020B0604020202020204" pitchFamily="34" charset="0"/>
+        <a:buChar char="•"/>
+        <a:defRPr sz="2400" kern="1200">
+          <a:solidFill>
+            <a:schemeClr val="tx1"/>
+          </a:solidFill>
+          <a:latin typeface="+mn-lt"/>
+          <a:ea typeface="+mn-ea"/>
+          <a:cs typeface="+mn-cs"/>
+        </a:defRPr>
+      </a:lvl2pPr>
+      <a:lvl3pPr marL="1143000" indent="-228600" algn="l" defTabSz="914400" rtl="0" eaLnBrk="1" latinLnBrk="0" hangingPunct="1">
+        <a:lnSpc>
+          <a:spcPct val="90000"/>
+        </a:lnSpc>
+        <a:spcBef>
+          <a:spcPts val="500"/>
+        </a:spcBef>
+        <a:buFont typeface="Arial" panose="020B0604020202020204" pitchFamily="34" charset="0"/>
+        <a:buChar char="•"/>
+        <a:defRPr sz="2000" kern="1200">
+          <a:solidFill>
+            <a:schemeClr val="tx1"/>
+          </a:solidFill>
+          <a:latin typeface="+mn-lt"/>
+          <a:ea typeface="+mn-ea"/>
+          <a:cs typeface="+mn-cs"/>
+        </a:defRPr>
+      </a:lvl3pPr>
+      <a:lvl4pPr marL="1600200" indent="-228600" algn="l" defTabSz="914400" rtl="0" eaLnBrk="1" latinLnBrk="0" hangingPunct="1">
+        <a:lnSpc>
+          <a:spcPct val="90000"/>
+        </a:lnSpc>
+        <a:spcBef>
+          <a:spcPts val="500"/>
+        </a:spcBef>
+        <a:buFont typeface="Arial" panose="020B0604020202020204" pitchFamily="34" charset="0"/>
+        <a:buChar char="•"/>
+        <a:defRPr sz="1800" kern="1200">
+          <a:solidFill>
+            <a:schemeClr val="tx1"/>
+          </a:solidFill>
+          <a:latin typeface="+mn-lt"/>
+          <a:ea typeface="+mn-ea"/>
+          <a:cs typeface="+mn-cs"/>
+        </a:defRPr>
+      </a:lvl4pPr>
+      <a:lvl5pPr marL="2057400" indent="-228600" algn="l" defTabSz="914400" rtl="0" eaLnBrk="1" latinLnBrk="0" hangingPunct="1">
+        <a:lnSpc>
+          <a:spcPct val="90000"/>
+        </a:lnSpc>
+        <a:spcBef>
+          <a:spcPts val="500"/>
+        </a:spcBef>
+        <a:buFont typeface="Arial" panose="020B0604020202020204" pitchFamily="34" charset="0"/>
+        <a:buChar char="•"/>
+        <a:defRPr sz="1800" kern="1200">
+          <a:solidFill>
+            <a:schemeClr val="tx1"/>
+          </a:solidFill>
+          <a:latin typeface="+mn-lt"/>
+          <a:ea typeface="+mn-ea"/>
+          <a:cs typeface="+mn-cs"/>
+        </a:defRPr>
+      </a:lvl5pPr>
+      <a:lvl6pPr marL="2514600" indent="-228600" algn="l" defTabSz="914400" rtl="0" eaLnBrk="1" latinLnBrk="0" hangingPunct="1">
+        <a:lnSpc>
+          <a:spcPct val="90000"/>
+        </a:lnSpc>
+        <a:spcBef>
+          <a:spcPts val="500"/>
+        </a:spcBef>
+        <a:buFont typeface="Arial" panose="020B0604020202020204" pitchFamily="34" charset="0"/>
+        <a:buChar char="•"/>
+        <a:defRPr sz="1800" kern="1200">
+          <a:solidFill>
+            <a:schemeClr val="tx1"/>
+          </a:solidFill>
+          <a:latin typeface="+mn-lt"/>
+          <a:ea typeface="+mn-ea"/>
+          <a:cs typeface="+mn-cs"/>
+        </a:defRPr>
+      </a:lvl6pPr>
+      <a:lvl7pPr marL="2971800" indent="-228600" algn="l" defTabSz="914400" rtl="0" eaLnBrk="1" latinLnBrk="0" hangingPunct="1">
+        <a:lnSpc>
+          <a:spcPct val="90000"/>
+        </a:lnSpc>
+        <a:spcBef>
+          <a:spcPts val="500"/>
+        </a:spcBef>
+        <a:buFont typeface="Arial" panose="020B0604020202020204" pitchFamily="34" charset="0"/>
+        <a:buChar char="•"/>
+        <a:defRPr sz="1800" kern="1200">
+          <a:solidFill>
+            <a:schemeClr val="tx1"/>
+          </a:solidFill>
+          <a:latin typeface="+mn-lt"/>
+          <a:ea typeface="+mn-ea"/>
+          <a:cs typeface="+mn-cs"/>
+        </a:defRPr>
+      </a:lvl7pPr>
+      <a:lvl8pPr marL="3429000" indent="-228600" algn="l" defTabSz="914400" rtl="0" eaLnBrk="1" latinLnBrk="0" hangingPunct="1">
+        <a:lnSpc>
+          <a:spcPct val="90000"/>
+        </a:lnSpc>
+        <a:spcBef>
+          <a:spcPts val="500"/>
+        </a:spcBef>
+        <a:buFont typeface="Arial" panose="020B0604020202020204" pitchFamily="34" charset="0"/>
+        <a:buChar char="•"/>
+        <a:defRPr sz="1800" kern="1200">
+          <a:solidFill>
+            <a:schemeClr val="tx1"/>
+          </a:solidFill>
+          <a:latin typeface="+mn-lt"/>
+          <a:ea typeface="+mn-ea"/>
+          <a:cs typeface="+mn-cs"/>
+        </a:defRPr>
+      </a:lvl8pPr>
+      <a:lvl9pPr marL="3886200" indent="-228600" algn="l" defTabSz="914400" rtl="0" eaLnBrk="1" latinLnBrk="0" hangingPunct="1">
+        <a:lnSpc>
+          <a:spcPct val="90000"/>
+        </a:lnSpc>
+        <a:spcBef>
+          <a:spcPts val="500"/>
+        </a:spcBef>
+        <a:buFont typeface="Arial" panose="020B0604020202020204" pitchFamily="34" charset="0"/>
+        <a:buChar char="•"/>
+        <a:defRPr sz="1800" kern="1200">
+          <a:solidFill>
+            <a:schemeClr val="tx1"/>
+          </a:solidFill>
+          <a:latin typeface="+mn-lt"/>
+          <a:ea typeface="+mn-ea"/>
+          <a:cs typeface="+mn-cs"/>
+        </a:defRPr>
+      </a:lvl9pPr>
+    </p:bodyStyle>
+    <p:otherStyle>
+      <a:defPPr>
+        <a:defRPr lang="en-US"/>
+      </a:defPPr>
+      <a:lvl1pPr marL="0" algn="l" defTabSz="914400" rtl="0" eaLnBrk="1" latinLnBrk="0" hangingPunct="1">
+        <a:defRPr sz="1800" kern="1200">
+          <a:solidFill>
+            <a:schemeClr val="tx1"/>
+          </a:solidFill>
+          <a:latin typeface="+mn-lt"/>
+          <a:ea typeface="+mn-ea"/>
+          <a:cs typeface="+mn-cs"/>
+        </a:defRPr>
+      </a:lvl1pPr>
+      <a:lvl2pPr marL="457200" algn="l" defTabSz="914400" rtl="0" eaLnBrk="1" latinLnBrk="0" hangingPunct="1">
+        <a:defRPr sz="1800" kern="1200">
+          <a:solidFill>
+            <a:schemeClr val="tx1"/>
+          </a:solidFill>
+          <a:latin typeface="+mn-lt"/>
+          <a:ea typeface="+mn-ea"/>
+          <a:cs typeface="+mn-cs"/>
+        </a:defRPr>
+      </a:lvl2pPr>
+      <a:lvl3pPr marL="914400" algn="l" defTabSz="914400" rtl="0" eaLnBrk="1" latinLnBrk="0" hangingPunct="1">
+        <a:defRPr sz="1800" kern="1200">
+          <a:solidFill>
+            <a:schemeClr val="tx1"/>
+          </a:solidFill>
+          <a:latin typeface="+mn-lt"/>
+          <a:ea typeface="+mn-ea"/>
+          <a:cs typeface="+mn-cs"/>
+        </a:defRPr>
+      </a:lvl3pPr>
+      <a:lvl4pPr marL="1371600" algn="l" defTabSz="914400" rtl="0" eaLnBrk="1" latinLnBrk="0" hangingPunct="1">
+        <a:defRPr sz="1800" kern="1200">
+          <a:solidFill>
+            <a:schemeClr val="tx1"/>
+          </a:solidFill>
+          <a:latin typeface="+mn-lt"/>
+          <a:ea typeface="+mn-ea"/>
+          <a:cs typeface="+mn-cs"/>
+        </a:defRPr>
+      </a:lvl4pPr>
+      <a:lvl5pPr marL="1828800" algn="l" defTabSz="914400" rtl="0" eaLnBrk="1" latinLnBrk="0" hangingPunct="1">
+        <a:defRPr sz="1800" kern="1200">
+          <a:solidFill>
+            <a:schemeClr val="tx1"/>
+          </a:solidFill>
+          <a:latin typeface="+mn-lt"/>
+          <a:ea typeface="+mn-ea"/>
+          <a:cs typeface="+mn-cs"/>
+        </a:defRPr>
+      </a:lvl5pPr>
+      <a:lvl6pPr marL="2286000" algn="l" defTabSz="914400" rtl="0" eaLnBrk="1" latinLnBrk="0" hangingPunct="1">
+        <a:defRPr sz="1800" kern="1200">
+          <a:solidFill>
+            <a:schemeClr val="tx1"/>
+          </a:solidFill>
+          <a:latin typeface="+mn-lt"/>
+          <a:ea typeface="+mn-ea"/>
+          <a:cs typeface="+mn-cs"/>
+        </a:defRPr>
+      </a:lvl6pPr>
+      <a:lvl7pPr marL="2743200" algn="l" defTabSz="914400" rtl="0" eaLnBrk="1" latinLnBrk="0" hangingPunct="1">
+        <a:defRPr sz="1800" kern="1200">
+          <a:solidFill>
+            <a:schemeClr val="tx1"/>
+          </a:solidFill>
+          <a:latin typeface="+mn-lt"/>
+          <a:ea typeface="+mn-ea"/>
+          <a:cs typeface="+mn-cs"/>
+        </a:defRPr>
+      </a:lvl7pPr>
+      <a:lvl8pPr marL="3200400" algn="l" defTabSz="914400" rtl="0" eaLnBrk="1" latinLnBrk="0" hangingPunct="1">
+        <a:defRPr sz="1800" kern="1200">
+          <a:solidFill>
+            <a:schemeClr val="tx1"/>
+          </a:solidFill>
+          <a:latin typeface="+mn-lt"/>
+          <a:ea typeface="+mn-ea"/>
+          <a:cs typeface="+mn-cs"/>
+        </a:defRPr>
+      </a:lvl8pPr>
+      <a:lvl9pPr marL="3657600" algn="l" defTabSz="914400" rtl="0" eaLnBrk="1" latinLnBrk="0" hangingPunct="1">
+        <a:defRPr sz="1800" kern="1200">
+          <a:solidFill>
+            <a:schemeClr val="tx1"/>
+          </a:solidFill>
+          <a:latin typeface="+mn-lt"/>
+          <a:ea typeface="+mn-ea"/>
+          <a:cs typeface="+mn-cs"/>
+        </a:defRPr>
+      </a:lvl9pPr>
+    </p:otherStyle>
+  </p:txStyles>
 </p:sldMaster>
 </file>
 
 <file path=ppt/slides/slide1.xml><?xml version="1.0" encoding="utf-8"?>
-<p:sld xmlns:a="http://schemas.openxmlformats.org/drawingml/2006/main" xmlns:p="http://schemas.openxmlformats.org/presentationml/2006/main" xmlns:r="http://schemas.openxmlformats.org/officeDocument/2006/relationships" xmlns:p14="http://schemas.microsoft.com/office/powerpoint/2010/main" xmlns:p15="http://schemas.microsoft.com/office/powerpoint/2012/main" xmlns:mc="http://schemas.openxmlformats.org/markup-compatibility/2006">
+<p:sld xmlns:a="http://schemas.openxmlformats.org/drawingml/2006/main" xmlns:r="http://schemas.openxmlformats.org/officeDocument/2006/relationships" xmlns:p="http://schemas.openxmlformats.org/presentationml/2006/main">
   <p:cSld>
     <p:spTree>
       <p:nvGrpSpPr>
@@ -9074,7 +10732,7 @@
             <a:noFill/>
           </a:ln>
           <a:effectLst>
-            <a:outerShdw dir="2700000" dist="37674">
+            <a:outerShdw dist="37674" dir="2700000">
               <a:srgbClr val="000000">
                 <a:alpha val="40000"/>
               </a:srgbClr>
@@ -9082,15 +10740,22 @@
           </a:effectLst>
         </p:spPr>
         <p:style>
-          <a:lnRef idx="0"/>
-          <a:fillRef idx="0"/>
-          <a:effectRef idx="0"/>
+          <a:lnRef idx="0">
+            <a:scrgbClr r="0" g="0" b="0"/>
+          </a:lnRef>
+          <a:fillRef idx="0">
+            <a:scrgbClr r="0" g="0" b="0"/>
+          </a:fillRef>
+          <a:effectRef idx="0">
+            <a:scrgbClr r="0" g="0" b="0"/>
+          </a:effectRef>
           <a:fontRef idx="minor"/>
         </p:style>
         <p:txBody>
-          <a:bodyPr lIns="90000" rIns="90000" tIns="45000" bIns="45000" anchor="ctr">
+          <a:bodyPr lIns="90000" tIns="45000" rIns="90000" bIns="45000" anchor="ctr">
             <a:normAutofit/>
           </a:bodyPr>
+          <a:lstStyle/>
           <a:p>
             <a:pPr algn="ctr">
               <a:lnSpc>
@@ -9098,27 +10763,30 @@
               </a:lnSpc>
             </a:pPr>
             <a:r>
-              <a:rPr b="0" lang="en-US" sz="4000" spc="-1" strike="noStrike">
+              <a:rPr lang="en-US" sz="4000" b="0" strike="noStrike" spc="-1">
                 <a:solidFill>
-                  <a:srgbClr val="7030a0"/>
+                  <a:srgbClr val="7030A0"/>
                 </a:solidFill>
                 <a:latin typeface="Calibri"/>
                 <a:ea typeface="DejaVu Sans"/>
               </a:rPr>
               <a:t>Active Directory</a:t>
             </a:r>
+            <a:r>
+              <a:t/>
+            </a:r>
             <a:br/>
             <a:r>
-              <a:rPr b="0" lang="en-US" sz="4000" spc="-1" strike="noStrike">
+              <a:rPr lang="en-US" sz="4000" b="0" strike="noStrike" spc="-1">
                 <a:solidFill>
-                  <a:srgbClr val="7030a0"/>
+                  <a:srgbClr val="7030A0"/>
                 </a:solidFill>
                 <a:latin typeface="Calibri"/>
                 <a:ea typeface="DejaVu Sans"/>
               </a:rPr>
               <a:t>Installation &amp; Configuration</a:t>
             </a:r>
-            <a:endParaRPr b="0" lang="en-US" sz="4000" spc="-1" strike="noStrike">
+            <a:endParaRPr lang="en-US" sz="4000" b="0" strike="noStrike" spc="-1">
               <a:latin typeface="Arial"/>
             </a:endParaRPr>
           </a:p>
@@ -9126,11 +10794,14 @@
       </p:sp>
     </p:spTree>
   </p:cSld>
-  <mc:AlternateContent>
+  <p:clrMapOvr>
+    <a:masterClrMapping/>
+  </p:clrMapOvr>
+  <mc:AlternateContent xmlns:mc="http://schemas.openxmlformats.org/markup-compatibility/2006" xmlns:p14="http://schemas.microsoft.com/office/powerpoint/2010/main">
     <mc:Choice Requires="p14">
       <p:transition spd="slow" p14:dur="2000"/>
     </mc:Choice>
-    <mc:Fallback>
+    <mc:Fallback xmlns:p15="http://schemas.microsoft.com/office/powerpoint/2012/main" xmlns="">
       <p:transition spd="slow"/>
     </mc:Fallback>
   </mc:AlternateContent>
@@ -9138,7 +10809,7 @@
 </file>
 
 <file path=ppt/slides/slide2.xml><?xml version="1.0" encoding="utf-8"?>
-<p:sld xmlns:a="http://schemas.openxmlformats.org/drawingml/2006/main" xmlns:p="http://schemas.openxmlformats.org/presentationml/2006/main" xmlns:r="http://schemas.openxmlformats.org/officeDocument/2006/relationships" xmlns:p14="http://schemas.microsoft.com/office/powerpoint/2010/main" xmlns:p15="http://schemas.microsoft.com/office/powerpoint/2012/main" xmlns:mc="http://schemas.openxmlformats.org/markup-compatibility/2006">
+<p:sld xmlns:a="http://schemas.openxmlformats.org/drawingml/2006/main" xmlns:r="http://schemas.openxmlformats.org/officeDocument/2006/relationships" xmlns:p="http://schemas.openxmlformats.org/presentationml/2006/main">
   <p:cSld>
     <p:spTree>
       <p:nvGrpSpPr>
@@ -9174,15 +10845,22 @@
           </a:ln>
         </p:spPr>
         <p:style>
-          <a:lnRef idx="0"/>
-          <a:fillRef idx="0"/>
-          <a:effectRef idx="0"/>
+          <a:lnRef idx="0">
+            <a:scrgbClr r="0" g="0" b="0"/>
+          </a:lnRef>
+          <a:fillRef idx="0">
+            <a:scrgbClr r="0" g="0" b="0"/>
+          </a:fillRef>
+          <a:effectRef idx="0">
+            <a:scrgbClr r="0" g="0" b="0"/>
+          </a:effectRef>
           <a:fontRef idx="minor"/>
         </p:style>
         <p:txBody>
-          <a:bodyPr lIns="90000" rIns="90000" tIns="45000" bIns="45000" anchor="ctr">
+          <a:bodyPr lIns="90000" tIns="45000" rIns="90000" bIns="45000" anchor="ctr">
             <a:normAutofit/>
           </a:bodyPr>
+          <a:lstStyle/>
           <a:p>
             <a:pPr>
               <a:lnSpc>
@@ -9190,16 +10868,16 @@
               </a:lnSpc>
             </a:pPr>
             <a:r>
-              <a:rPr b="0" lang="en-US" sz="3600" spc="-1" strike="noStrike">
+              <a:rPr lang="en-US" sz="3600" b="0" strike="noStrike" spc="-1">
                 <a:solidFill>
-                  <a:srgbClr val="7030a0"/>
+                  <a:srgbClr val="7030A0"/>
                 </a:solidFill>
                 <a:latin typeface="Calibri"/>
                 <a:ea typeface="DejaVu Sans"/>
               </a:rPr>
               <a:t>Group members</a:t>
             </a:r>
-            <a:endParaRPr b="0" lang="en-US" sz="3600" spc="-1" strike="noStrike">
+            <a:endParaRPr lang="en-US" sz="3600" b="0" strike="noStrike" spc="-1">
               <a:latin typeface="Arial"/>
             </a:endParaRPr>
           </a:p>
@@ -9225,15 +10903,22 @@
           </a:ln>
         </p:spPr>
         <p:style>
-          <a:lnRef idx="0"/>
-          <a:fillRef idx="0"/>
-          <a:effectRef idx="0"/>
+          <a:lnRef idx="0">
+            <a:scrgbClr r="0" g="0" b="0"/>
+          </a:lnRef>
+          <a:fillRef idx="0">
+            <a:scrgbClr r="0" g="0" b="0"/>
+          </a:fillRef>
+          <a:effectRef idx="0">
+            <a:scrgbClr r="0" g="0" b="0"/>
+          </a:effectRef>
           <a:fontRef idx="minor"/>
         </p:style>
         <p:txBody>
-          <a:bodyPr lIns="90000" rIns="90000" tIns="45000" bIns="45000">
+          <a:bodyPr lIns="90000" tIns="45000" rIns="90000" bIns="45000">
             <a:normAutofit/>
           </a:bodyPr>
+          <a:lstStyle/>
           <a:p>
             <a:pPr marL="343080" indent="-342000">
               <a:lnSpc>
@@ -9249,7 +10934,7 @@
               <a:buChar char="•"/>
             </a:pPr>
             <a:r>
-              <a:rPr b="0" lang="en-US" sz="2800" spc="-1" strike="noStrike">
+              <a:rPr lang="en-US" sz="3200" b="0" strike="noStrike" spc="-1" dirty="0">
                 <a:solidFill>
                   <a:srgbClr val="002060"/>
                 </a:solidFill>
@@ -9258,7 +10943,7 @@
               </a:rPr>
               <a:t>Mahdi </a:t>
             </a:r>
-            <a:endParaRPr b="0" lang="en-US" sz="2800" spc="-1" strike="noStrike">
+            <a:endParaRPr lang="en-US" sz="3200" b="0" strike="noStrike" spc="-1" dirty="0">
               <a:latin typeface="Arial"/>
             </a:endParaRPr>
           </a:p>
@@ -9277,16 +10962,36 @@
               <a:buChar char="•"/>
             </a:pPr>
             <a:r>
-              <a:rPr b="0" lang="en-US" sz="2800" spc="-1" strike="noStrike">
+              <a:rPr lang="en-US" sz="3200" b="0" strike="noStrike" spc="-1" dirty="0" err="1">
                 <a:solidFill>
                   <a:srgbClr val="002060"/>
                 </a:solidFill>
                 <a:latin typeface="Calibri"/>
                 <a:ea typeface="DejaVu Sans"/>
               </a:rPr>
-              <a:t>Samiullah Wardak</a:t>
+              <a:t>Samiullah</a:t>
             </a:r>
-            <a:endParaRPr b="0" lang="en-US" sz="2800" spc="-1" strike="noStrike">
+            <a:r>
+              <a:rPr lang="en-US" sz="3200" b="0" strike="noStrike" spc="-1" dirty="0">
+                <a:solidFill>
+                  <a:srgbClr val="002060"/>
+                </a:solidFill>
+                <a:latin typeface="Calibri"/>
+                <a:ea typeface="DejaVu Sans"/>
+              </a:rPr>
+              <a:t> </a:t>
+            </a:r>
+            <a:r>
+              <a:rPr lang="en-US" sz="3200" b="0" strike="noStrike" spc="-1" dirty="0" err="1">
+                <a:solidFill>
+                  <a:srgbClr val="002060"/>
+                </a:solidFill>
+                <a:latin typeface="Calibri"/>
+                <a:ea typeface="DejaVu Sans"/>
+              </a:rPr>
+              <a:t>Wardak</a:t>
+            </a:r>
+            <a:endParaRPr lang="en-US" sz="3200" b="0" strike="noStrike" spc="-1" dirty="0">
               <a:latin typeface="Arial"/>
             </a:endParaRPr>
           </a:p>
@@ -9305,16 +11010,36 @@
               <a:buChar char="•"/>
             </a:pPr>
             <a:r>
-              <a:rPr b="0" lang="en-US" sz="2800" spc="-1" strike="noStrike">
+              <a:rPr lang="en-US" sz="3200" b="0" strike="noStrike" spc="-1" dirty="0" err="1">
                 <a:solidFill>
                   <a:srgbClr val="002060"/>
                 </a:solidFill>
                 <a:latin typeface="Calibri"/>
                 <a:ea typeface="DejaVu Sans"/>
               </a:rPr>
-              <a:t>Atiqullah Hamraz</a:t>
+              <a:t>Atiqullah</a:t>
             </a:r>
-            <a:endParaRPr b="0" lang="en-US" sz="2800" spc="-1" strike="noStrike">
+            <a:r>
+              <a:rPr lang="en-US" sz="3200" b="0" strike="noStrike" spc="-1" dirty="0">
+                <a:solidFill>
+                  <a:srgbClr val="002060"/>
+                </a:solidFill>
+                <a:latin typeface="Calibri"/>
+                <a:ea typeface="DejaVu Sans"/>
+              </a:rPr>
+              <a:t> </a:t>
+            </a:r>
+            <a:r>
+              <a:rPr lang="en-US" sz="3200" b="0" strike="noStrike" spc="-1" dirty="0" err="1">
+                <a:solidFill>
+                  <a:srgbClr val="002060"/>
+                </a:solidFill>
+                <a:latin typeface="Calibri"/>
+                <a:ea typeface="DejaVu Sans"/>
+              </a:rPr>
+              <a:t>Hamraz</a:t>
+            </a:r>
+            <a:endParaRPr lang="en-US" sz="3200" b="0" strike="noStrike" spc="-1" dirty="0">
               <a:latin typeface="Arial"/>
             </a:endParaRPr>
           </a:p>
@@ -9333,16 +11058,66 @@
               <a:buChar char="•"/>
             </a:pPr>
             <a:r>
-              <a:rPr b="0" lang="en-US" sz="2800" spc="-1" strike="noStrike">
+              <a:rPr lang="en-US" sz="3200" b="0" strike="noStrike" spc="-1" dirty="0">
                 <a:solidFill>
                   <a:srgbClr val="002060"/>
                 </a:solidFill>
                 <a:latin typeface="Calibri"/>
                 <a:ea typeface="DejaVu Sans"/>
               </a:rPr>
-              <a:t>Baha-ul-haq Sharifi</a:t>
+              <a:t>Baha-</a:t>
             </a:r>
-            <a:endParaRPr b="0" lang="en-US" sz="2800" spc="-1" strike="noStrike">
+            <a:r>
+              <a:rPr lang="en-US" sz="3200" b="0" strike="noStrike" spc="-1" dirty="0" err="1">
+                <a:solidFill>
+                  <a:srgbClr val="002060"/>
+                </a:solidFill>
+                <a:latin typeface="Calibri"/>
+                <a:ea typeface="DejaVu Sans"/>
+              </a:rPr>
+              <a:t>ul</a:t>
+            </a:r>
+            <a:r>
+              <a:rPr lang="en-US" sz="3200" b="0" strike="noStrike" spc="-1" dirty="0">
+                <a:solidFill>
+                  <a:srgbClr val="002060"/>
+                </a:solidFill>
+                <a:latin typeface="Calibri"/>
+                <a:ea typeface="DejaVu Sans"/>
+              </a:rPr>
+              <a:t>-</a:t>
+            </a:r>
+            <a:r>
+              <a:rPr lang="en-US" sz="3200" b="0" strike="noStrike" spc="-1" dirty="0" err="1">
+                <a:solidFill>
+                  <a:srgbClr val="002060"/>
+                </a:solidFill>
+                <a:latin typeface="Calibri"/>
+                <a:ea typeface="DejaVu Sans"/>
+              </a:rPr>
+              <a:t>haq</a:t>
+            </a:r>
+            <a:r>
+              <a:rPr lang="en-US" sz="3200" b="0" strike="noStrike" spc="-1" dirty="0">
+                <a:solidFill>
+                  <a:srgbClr val="002060"/>
+                </a:solidFill>
+                <a:latin typeface="Calibri"/>
+                <a:ea typeface="DejaVu Sans"/>
+              </a:rPr>
+              <a:t> </a:t>
+            </a:r>
+            <a:r>
+              <a:rPr lang="en-US" sz="3200" b="0" strike="noStrike" spc="-1" dirty="0" err="1">
+                <a:solidFill>
+                  <a:srgbClr val="002060"/>
+                </a:solidFill>
+                <a:latin typeface="Calibri"/>
+                <a:ea typeface="DejaVu Sans"/>
+              </a:rPr>
+              <a:t>Sharifi</a:t>
+            </a:r>
+            <a:endParaRPr lang="en-US" sz="3200" b="0" strike="noStrike" spc="-1" dirty="0">
               <a:latin typeface="Arial"/>
             </a:endParaRPr>
           </a:p>
@@ -9361,16 +11136,36 @@
               <a:buChar char="•"/>
             </a:pPr>
             <a:r>
-              <a:rPr b="0" lang="en-US" sz="2800" spc="-1" strike="noStrike">
+              <a:rPr lang="en-US" sz="3200" b="0" strike="noStrike" spc="-1" dirty="0" err="1">
                 <a:solidFill>
                   <a:srgbClr val="002060"/>
                 </a:solidFill>
                 <a:latin typeface="Calibri"/>
                 <a:ea typeface="DejaVu Sans"/>
               </a:rPr>
-              <a:t>Hedayatullah Nekzad</a:t>
+              <a:t>Hedayatullah</a:t>
             </a:r>
-            <a:endParaRPr b="0" lang="en-US" sz="2800" spc="-1" strike="noStrike">
+            <a:r>
+              <a:rPr lang="en-US" sz="3200" b="0" strike="noStrike" spc="-1" dirty="0">
+                <a:solidFill>
+                  <a:srgbClr val="002060"/>
+                </a:solidFill>
+                <a:latin typeface="Calibri"/>
+                <a:ea typeface="DejaVu Sans"/>
+              </a:rPr>
+              <a:t> </a:t>
+            </a:r>
+            <a:r>
+              <a:rPr lang="en-US" sz="3200" b="0" strike="noStrike" spc="-1" dirty="0" err="1">
+                <a:solidFill>
+                  <a:srgbClr val="002060"/>
+                </a:solidFill>
+                <a:latin typeface="Calibri"/>
+                <a:ea typeface="DejaVu Sans"/>
+              </a:rPr>
+              <a:t>Nekzad</a:t>
+            </a:r>
+            <a:endParaRPr lang="en-US" sz="3200" b="0" strike="noStrike" spc="-1" dirty="0">
               <a:latin typeface="Arial"/>
             </a:endParaRPr>
           </a:p>
@@ -9383,7 +11178,7 @@
                 <a:spcPts val="561"/>
               </a:spcBef>
             </a:pPr>
-            <a:endParaRPr b="0" lang="en-US" sz="2800" spc="-1" strike="noStrike">
+            <a:endParaRPr lang="en-US" sz="2800" b="0" strike="noStrike" spc="-1" dirty="0">
               <a:latin typeface="Arial"/>
             </a:endParaRPr>
           </a:p>
@@ -9396,7 +11191,7 @@
                 <a:spcPts val="561"/>
               </a:spcBef>
             </a:pPr>
-            <a:endParaRPr b="0" lang="en-US" sz="2800" spc="-1" strike="noStrike">
+            <a:endParaRPr lang="en-US" sz="2800" b="0" strike="noStrike" spc="-1" dirty="0">
               <a:latin typeface="Arial"/>
             </a:endParaRPr>
           </a:p>
@@ -9409,7 +11204,7 @@
                 <a:spcPts val="561"/>
               </a:spcBef>
             </a:pPr>
-            <a:endParaRPr b="0" lang="en-US" sz="2800" spc="-1" strike="noStrike">
+            <a:endParaRPr lang="en-US" sz="2800" b="0" strike="noStrike" spc="-1" dirty="0">
               <a:latin typeface="Arial"/>
             </a:endParaRPr>
           </a:p>
@@ -9417,11 +11212,14 @@
       </p:sp>
     </p:spTree>
   </p:cSld>
-  <mc:AlternateContent>
+  <p:clrMapOvr>
+    <a:masterClrMapping/>
+  </p:clrMapOvr>
+  <mc:AlternateContent xmlns:mc="http://schemas.openxmlformats.org/markup-compatibility/2006" xmlns:p14="http://schemas.microsoft.com/office/powerpoint/2010/main">
     <mc:Choice Requires="p14">
       <p:transition spd="slow" p14:dur="2000"/>
     </mc:Choice>
-    <mc:Fallback>
+    <mc:Fallback xmlns:p15="http://schemas.microsoft.com/office/powerpoint/2012/main" xmlns="">
       <p:transition spd="slow"/>
     </mc:Fallback>
   </mc:AlternateContent>
@@ -9429,7 +11227,7 @@
 </file>
 
 <file path=ppt/slides/slide3.xml><?xml version="1.0" encoding="utf-8"?>
-<p:sld xmlns:a="http://schemas.openxmlformats.org/drawingml/2006/main" xmlns:p="http://schemas.openxmlformats.org/presentationml/2006/main" xmlns:r="http://schemas.openxmlformats.org/officeDocument/2006/relationships" xmlns:p14="http://schemas.microsoft.com/office/powerpoint/2010/main" xmlns:p15="http://schemas.microsoft.com/office/powerpoint/2012/main" xmlns:mc="http://schemas.openxmlformats.org/markup-compatibility/2006">
+<p:sld xmlns:a="http://schemas.openxmlformats.org/drawingml/2006/main" xmlns:r="http://schemas.openxmlformats.org/officeDocument/2006/relationships" xmlns:p="http://schemas.openxmlformats.org/presentationml/2006/main">
   <p:cSld>
     <p:spTree>
       <p:nvGrpSpPr>
@@ -9465,15 +11263,22 @@
           </a:ln>
         </p:spPr>
         <p:style>
-          <a:lnRef idx="0"/>
-          <a:fillRef idx="0"/>
-          <a:effectRef idx="0"/>
+          <a:lnRef idx="0">
+            <a:scrgbClr r="0" g="0" b="0"/>
+          </a:lnRef>
+          <a:fillRef idx="0">
+            <a:scrgbClr r="0" g="0" b="0"/>
+          </a:fillRef>
+          <a:effectRef idx="0">
+            <a:scrgbClr r="0" g="0" b="0"/>
+          </a:effectRef>
           <a:fontRef idx="minor"/>
         </p:style>
         <p:txBody>
-          <a:bodyPr lIns="90000" rIns="90000" tIns="45000" bIns="45000" anchor="ctr">
+          <a:bodyPr lIns="90000" tIns="45000" rIns="90000" bIns="45000" anchor="ctr">
             <a:normAutofit/>
           </a:bodyPr>
+          <a:lstStyle/>
           <a:p>
             <a:pPr>
               <a:lnSpc>
@@ -9481,16 +11286,16 @@
               </a:lnSpc>
             </a:pPr>
             <a:r>
-              <a:rPr b="0" lang="en-US" sz="3600" spc="-1" strike="noStrike">
+              <a:rPr lang="en-US" sz="3600" b="0" strike="noStrike" spc="-1">
                 <a:solidFill>
-                  <a:srgbClr val="7030a0"/>
+                  <a:srgbClr val="7030A0"/>
                 </a:solidFill>
                 <a:latin typeface="Calibri"/>
                 <a:ea typeface="DejaVu Sans"/>
               </a:rPr>
               <a:t>History of Active Directory</a:t>
             </a:r>
-            <a:endParaRPr b="0" lang="en-US" sz="3600" spc="-1" strike="noStrike">
+            <a:endParaRPr lang="en-US" sz="3600" b="0" strike="noStrike" spc="-1">
               <a:latin typeface="Arial"/>
             </a:endParaRPr>
           </a:p>
@@ -9516,15 +11321,22 @@
           </a:ln>
         </p:spPr>
         <p:style>
-          <a:lnRef idx="0"/>
-          <a:fillRef idx="0"/>
-          <a:effectRef idx="0"/>
+          <a:lnRef idx="0">
+            <a:scrgbClr r="0" g="0" b="0"/>
+          </a:lnRef>
+          <a:fillRef idx="0">
+            <a:scrgbClr r="0" g="0" b="0"/>
+          </a:fillRef>
+          <a:effectRef idx="0">
+            <a:scrgbClr r="0" g="0" b="0"/>
+          </a:effectRef>
           <a:fontRef idx="minor"/>
         </p:style>
         <p:txBody>
-          <a:bodyPr lIns="90000" rIns="90000" tIns="45000" bIns="45000">
+          <a:bodyPr lIns="90000" tIns="45000" rIns="90000" bIns="45000">
             <a:noAutofit/>
           </a:bodyPr>
+          <a:lstStyle/>
           <a:p>
             <a:pPr marL="343080" indent="-342000">
               <a:lnSpc>
@@ -9540,7 +11352,7 @@
               <a:buChar char="•"/>
             </a:pPr>
             <a:r>
-              <a:rPr b="0" lang="en-US" sz="2800" spc="-1" strike="noStrike">
+              <a:rPr lang="en-US" sz="2800" b="0" strike="noStrike" spc="-1">
                 <a:solidFill>
                   <a:srgbClr val="002060"/>
                 </a:solidFill>
@@ -9549,7 +11361,7 @@
               </a:rPr>
               <a:t>Microsoft previewed Active Directory in 1999, released it first with Windows 2000 Server.</a:t>
             </a:r>
-            <a:endParaRPr b="0" lang="en-US" sz="2800" spc="-1" strike="noStrike">
+            <a:endParaRPr lang="en-US" sz="2800" b="0" strike="noStrike" spc="-1">
               <a:latin typeface="Arial"/>
             </a:endParaRPr>
           </a:p>
@@ -9568,7 +11380,7 @@
               <a:buChar char="•"/>
             </a:pPr>
             <a:r>
-              <a:rPr b="0" lang="en-US" sz="2800" spc="-1" strike="noStrike">
+              <a:rPr lang="en-US" sz="2800" b="0" strike="noStrike" spc="-1">
                 <a:solidFill>
                   <a:srgbClr val="002060"/>
                 </a:solidFill>
@@ -9578,7 +11390,7 @@
               <a:t>Active Directory support was also added to </a:t>
             </a:r>
             <a:r>
-              <a:rPr b="1" lang="en-US" sz="2800" spc="-1" strike="noStrike">
+              <a:rPr lang="en-US" sz="2800" b="1" strike="noStrike" spc="-1">
                 <a:solidFill>
                   <a:srgbClr val="002060"/>
                 </a:solidFill>
@@ -9588,7 +11400,7 @@
               <a:t>Windows 95</a:t>
             </a:r>
             <a:r>
-              <a:rPr b="0" lang="en-US" sz="2800" spc="-1" strike="noStrike">
+              <a:rPr lang="en-US" sz="2800" b="0" strike="noStrike" spc="-1">
                 <a:solidFill>
                   <a:srgbClr val="002060"/>
                 </a:solidFill>
@@ -9598,7 +11410,7 @@
               <a:t>, </a:t>
             </a:r>
             <a:r>
-              <a:rPr b="1" lang="en-US" sz="2800" spc="-1" strike="noStrike">
+              <a:rPr lang="en-US" sz="2800" b="1" strike="noStrike" spc="-1">
                 <a:solidFill>
                   <a:srgbClr val="002060"/>
                 </a:solidFill>
@@ -9608,7 +11420,7 @@
               <a:t>Windows 98 </a:t>
             </a:r>
             <a:r>
-              <a:rPr b="0" lang="en-US" sz="2800" spc="-1" strike="noStrike">
+              <a:rPr lang="en-US" sz="2800" b="0" strike="noStrike" spc="-1">
                 <a:solidFill>
                   <a:srgbClr val="002060"/>
                 </a:solidFill>
@@ -9618,7 +11430,7 @@
               <a:t>and </a:t>
             </a:r>
             <a:r>
-              <a:rPr b="1" lang="en-US" sz="2800" spc="-1" strike="noStrike">
+              <a:rPr lang="en-US" sz="2800" b="1" strike="noStrike" spc="-1">
                 <a:solidFill>
                   <a:srgbClr val="002060"/>
                 </a:solidFill>
@@ -9628,7 +11440,7 @@
               <a:t>Windows NT 4.0</a:t>
             </a:r>
             <a:r>
-              <a:rPr b="0" lang="en-US" sz="2800" spc="-1" strike="noStrike">
+              <a:rPr lang="en-US" sz="2800" b="0" strike="noStrike" spc="-1">
                 <a:solidFill>
                   <a:srgbClr val="002060"/>
                 </a:solidFill>
@@ -9638,7 +11450,7 @@
               <a:t>, with some features being </a:t>
             </a:r>
             <a:r>
-              <a:rPr b="1" i="1" lang="en-US" sz="2800" spc="-1" strike="noStrike">
+              <a:rPr lang="en-US" sz="2800" b="1" i="1" strike="noStrike" spc="-1">
                 <a:solidFill>
                   <a:srgbClr val="002060"/>
                 </a:solidFill>
@@ -9647,7 +11459,7 @@
               </a:rPr>
               <a:t>unsupported.</a:t>
             </a:r>
-            <a:endParaRPr b="0" lang="en-US" sz="2800" spc="-1" strike="noStrike">
+            <a:endParaRPr lang="en-US" sz="2800" b="0" strike="noStrike" spc="-1">
               <a:latin typeface="Arial"/>
             </a:endParaRPr>
           </a:p>
@@ -9655,11 +11467,14 @@
       </p:sp>
     </p:spTree>
   </p:cSld>
-  <mc:AlternateContent>
+  <p:clrMapOvr>
+    <a:masterClrMapping/>
+  </p:clrMapOvr>
+  <mc:AlternateContent xmlns:mc="http://schemas.openxmlformats.org/markup-compatibility/2006" xmlns:p14="http://schemas.microsoft.com/office/powerpoint/2010/main">
     <mc:Choice Requires="p14">
       <p:transition spd="slow" p14:dur="2000"/>
     </mc:Choice>
-    <mc:Fallback>
+    <mc:Fallback xmlns:p15="http://schemas.microsoft.com/office/powerpoint/2012/main" xmlns="">
       <p:transition spd="slow"/>
     </mc:Fallback>
   </mc:AlternateContent>
@@ -9667,7 +11482,7 @@
 </file>
 
 <file path=ppt/slides/slide4.xml><?xml version="1.0" encoding="utf-8"?>
-<p:sld xmlns:a="http://schemas.openxmlformats.org/drawingml/2006/main" xmlns:p="http://schemas.openxmlformats.org/presentationml/2006/main" xmlns:r="http://schemas.openxmlformats.org/officeDocument/2006/relationships" xmlns:p14="http://schemas.microsoft.com/office/powerpoint/2010/main" xmlns:p15="http://schemas.microsoft.com/office/powerpoint/2012/main" xmlns:mc="http://schemas.openxmlformats.org/markup-compatibility/2006">
+<p:sld xmlns:a="http://schemas.openxmlformats.org/drawingml/2006/main" xmlns:r="http://schemas.openxmlformats.org/officeDocument/2006/relationships" xmlns:p="http://schemas.openxmlformats.org/presentationml/2006/main">
   <p:cSld>
     <p:spTree>
       <p:nvGrpSpPr>
@@ -9703,15 +11518,22 @@
           </a:ln>
         </p:spPr>
         <p:style>
-          <a:lnRef idx="0"/>
-          <a:fillRef idx="0"/>
-          <a:effectRef idx="0"/>
+          <a:lnRef idx="0">
+            <a:scrgbClr r="0" g="0" b="0"/>
+          </a:lnRef>
+          <a:fillRef idx="0">
+            <a:scrgbClr r="0" g="0" b="0"/>
+          </a:fillRef>
+          <a:effectRef idx="0">
+            <a:scrgbClr r="0" g="0" b="0"/>
+          </a:effectRef>
           <a:fontRef idx="minor"/>
         </p:style>
         <p:txBody>
-          <a:bodyPr lIns="90000" rIns="90000" tIns="45000" bIns="45000" anchor="ctr">
+          <a:bodyPr lIns="90000" tIns="45000" rIns="90000" bIns="45000" anchor="ctr">
             <a:noAutofit/>
           </a:bodyPr>
+          <a:lstStyle/>
           <a:p>
             <a:pPr>
               <a:lnSpc>
@@ -9719,16 +11541,16 @@
               </a:lnSpc>
             </a:pPr>
             <a:r>
-              <a:rPr b="0" lang="en-US" sz="3600" spc="-1" strike="noStrike">
+              <a:rPr lang="en-US" sz="3600" b="0" strike="noStrike" spc="-1">
                 <a:solidFill>
-                  <a:srgbClr val="7030a0"/>
+                  <a:srgbClr val="7030A0"/>
                 </a:solidFill>
                 <a:latin typeface="Calibri"/>
                 <a:ea typeface="DejaVu Sans"/>
               </a:rPr>
               <a:t>Active Directory (AD)</a:t>
             </a:r>
-            <a:endParaRPr b="0" lang="en-US" sz="3600" spc="-1" strike="noStrike">
+            <a:endParaRPr lang="en-US" sz="3600" b="0" strike="noStrike" spc="-1">
               <a:latin typeface="Arial"/>
             </a:endParaRPr>
           </a:p>
@@ -9754,15 +11576,22 @@
           </a:ln>
         </p:spPr>
         <p:style>
-          <a:lnRef idx="0"/>
-          <a:fillRef idx="0"/>
-          <a:effectRef idx="0"/>
+          <a:lnRef idx="0">
+            <a:scrgbClr r="0" g="0" b="0"/>
+          </a:lnRef>
+          <a:fillRef idx="0">
+            <a:scrgbClr r="0" g="0" b="0"/>
+          </a:fillRef>
+          <a:effectRef idx="0">
+            <a:scrgbClr r="0" g="0" b="0"/>
+          </a:effectRef>
           <a:fontRef idx="minor"/>
         </p:style>
         <p:txBody>
-          <a:bodyPr lIns="90000" rIns="90000" tIns="45000" bIns="45000">
+          <a:bodyPr lIns="90000" tIns="45000" rIns="90000" bIns="45000">
             <a:noAutofit/>
           </a:bodyPr>
+          <a:lstStyle/>
           <a:p>
             <a:pPr marL="343080" indent="-342000">
               <a:lnSpc>
@@ -9778,7 +11607,7 @@
               <a:buChar char="•"/>
             </a:pPr>
             <a:r>
-              <a:rPr b="0" lang="en-US" sz="2800" spc="-1" strike="noStrike">
+              <a:rPr lang="en-US" sz="2800" b="0" strike="noStrike" spc="-1">
                 <a:solidFill>
                   <a:srgbClr val="002060"/>
                 </a:solidFill>
@@ -9787,7 +11616,7 @@
               </a:rPr>
               <a:t>AD is a directory service that runs on MS Windows Server</a:t>
             </a:r>
-            <a:endParaRPr b="0" lang="en-US" sz="2800" spc="-1" strike="noStrike">
+            <a:endParaRPr lang="en-US" sz="2800" b="0" strike="noStrike" spc="-1">
               <a:latin typeface="Arial"/>
             </a:endParaRPr>
           </a:p>
@@ -9806,7 +11635,7 @@
               <a:buChar char="•"/>
             </a:pPr>
             <a:r>
-              <a:rPr b="0" lang="en-US" sz="2800" spc="-1" strike="noStrike">
+              <a:rPr lang="en-US" sz="2800" b="0" strike="noStrike" spc="-1">
                 <a:solidFill>
                   <a:srgbClr val="002060"/>
                 </a:solidFill>
@@ -9815,7 +11644,7 @@
               </a:rPr>
               <a:t>It enables administrators to manage permissions and control access to network resources</a:t>
             </a:r>
-            <a:endParaRPr b="0" lang="en-US" sz="2800" spc="-1" strike="noStrike">
+            <a:endParaRPr lang="en-US" sz="2800" b="0" strike="noStrike" spc="-1">
               <a:latin typeface="Arial"/>
             </a:endParaRPr>
           </a:p>
@@ -9834,7 +11663,7 @@
               <a:buChar char="•"/>
             </a:pPr>
             <a:r>
-              <a:rPr b="0" lang="en-US" sz="2800" spc="-1" strike="noStrike">
+              <a:rPr lang="en-US" sz="2800" b="0" strike="noStrike" spc="-1">
                 <a:solidFill>
                   <a:srgbClr val="002060"/>
                 </a:solidFill>
@@ -9843,7 +11672,7 @@
               </a:rPr>
               <a:t>In AD data is stored in objects</a:t>
             </a:r>
-            <a:endParaRPr b="0" lang="en-US" sz="2800" spc="-1" strike="noStrike">
+            <a:endParaRPr lang="en-US" sz="2800" b="0" strike="noStrike" spc="-1">
               <a:latin typeface="Arial"/>
             </a:endParaRPr>
           </a:p>
@@ -9856,7 +11685,7 @@
                 <a:spcPts val="561"/>
               </a:spcBef>
             </a:pPr>
-            <a:endParaRPr b="0" lang="en-US" sz="2800" spc="-1" strike="noStrike">
+            <a:endParaRPr lang="en-US" sz="2800" b="0" strike="noStrike" spc="-1">
               <a:latin typeface="Arial"/>
             </a:endParaRPr>
           </a:p>
@@ -9864,11 +11693,14 @@
       </p:sp>
     </p:spTree>
   </p:cSld>
-  <mc:AlternateContent>
+  <p:clrMapOvr>
+    <a:masterClrMapping/>
+  </p:clrMapOvr>
+  <mc:AlternateContent xmlns:mc="http://schemas.openxmlformats.org/markup-compatibility/2006" xmlns:p14="http://schemas.microsoft.com/office/powerpoint/2010/main">
     <mc:Choice Requires="p14">
       <p:transition spd="slow" p14:dur="2000"/>
     </mc:Choice>
-    <mc:Fallback>
+    <mc:Fallback xmlns:p15="http://schemas.microsoft.com/office/powerpoint/2012/main" xmlns="">
       <p:transition spd="slow"/>
     </mc:Fallback>
   </mc:AlternateContent>
@@ -9876,7 +11708,7 @@
 </file>
 
 <file path=ppt/slides/slide5.xml><?xml version="1.0" encoding="utf-8"?>
-<p:sld xmlns:a="http://schemas.openxmlformats.org/drawingml/2006/main" xmlns:p="http://schemas.openxmlformats.org/presentationml/2006/main" xmlns:r="http://schemas.openxmlformats.org/officeDocument/2006/relationships" xmlns:p14="http://schemas.microsoft.com/office/powerpoint/2010/main" xmlns:p15="http://schemas.microsoft.com/office/powerpoint/2012/main" xmlns:mc="http://schemas.openxmlformats.org/markup-compatibility/2006">
+<p:sld xmlns:a="http://schemas.openxmlformats.org/drawingml/2006/main" xmlns:r="http://schemas.openxmlformats.org/officeDocument/2006/relationships" xmlns:p="http://schemas.openxmlformats.org/presentationml/2006/main">
   <p:cSld>
     <p:spTree>
       <p:nvGrpSpPr>
@@ -9912,15 +11744,22 @@
           </a:ln>
         </p:spPr>
         <p:style>
-          <a:lnRef idx="0"/>
-          <a:fillRef idx="0"/>
-          <a:effectRef idx="0"/>
+          <a:lnRef idx="0">
+            <a:scrgbClr r="0" g="0" b="0"/>
+          </a:lnRef>
+          <a:fillRef idx="0">
+            <a:scrgbClr r="0" g="0" b="0"/>
+          </a:fillRef>
+          <a:effectRef idx="0">
+            <a:scrgbClr r="0" g="0" b="0"/>
+          </a:effectRef>
           <a:fontRef idx="minor"/>
         </p:style>
         <p:txBody>
-          <a:bodyPr lIns="90000" rIns="90000" tIns="45000" bIns="45000" anchor="ctr">
+          <a:bodyPr lIns="90000" tIns="45000" rIns="90000" bIns="45000" anchor="ctr">
             <a:normAutofit/>
           </a:bodyPr>
+          <a:lstStyle/>
           <a:p>
             <a:pPr>
               <a:lnSpc>
@@ -9928,16 +11767,16 @@
               </a:lnSpc>
             </a:pPr>
             <a:r>
-              <a:rPr b="0" lang="en-US" sz="3600" spc="-1" strike="noStrike">
+              <a:rPr lang="en-US" sz="3600" b="0" strike="noStrike" spc="-1">
                 <a:solidFill>
-                  <a:srgbClr val="7030a0"/>
+                  <a:srgbClr val="7030A0"/>
                 </a:solidFill>
                 <a:latin typeface="Calibri"/>
                 <a:ea typeface="DejaVu Sans"/>
               </a:rPr>
               <a:t>Objects includes</a:t>
             </a:r>
-            <a:endParaRPr b="0" lang="en-US" sz="3600" spc="-1" strike="noStrike">
+            <a:endParaRPr lang="en-US" sz="3600" b="0" strike="noStrike" spc="-1">
               <a:latin typeface="Arial"/>
             </a:endParaRPr>
           </a:p>
@@ -9963,15 +11802,22 @@
           </a:ln>
         </p:spPr>
         <p:style>
-          <a:lnRef idx="0"/>
-          <a:fillRef idx="0"/>
-          <a:effectRef idx="0"/>
+          <a:lnRef idx="0">
+            <a:scrgbClr r="0" g="0" b="0"/>
+          </a:lnRef>
+          <a:fillRef idx="0">
+            <a:scrgbClr r="0" g="0" b="0"/>
+          </a:fillRef>
+          <a:effectRef idx="0">
+            <a:scrgbClr r="0" g="0" b="0"/>
+          </a:effectRef>
           <a:fontRef idx="minor"/>
         </p:style>
         <p:txBody>
-          <a:bodyPr lIns="90000" rIns="90000" tIns="45000" bIns="45000">
+          <a:bodyPr lIns="90000" tIns="45000" rIns="90000" bIns="45000">
             <a:noAutofit/>
           </a:bodyPr>
+          <a:lstStyle/>
           <a:p>
             <a:pPr marL="343080" indent="-341640">
               <a:lnSpc>
@@ -9987,7 +11833,7 @@
               <a:buChar char="•"/>
             </a:pPr>
             <a:r>
-              <a:rPr b="0" lang="en-US" sz="2800" spc="-1" strike="noStrike">
+              <a:rPr lang="en-US" sz="2800" b="0" strike="noStrike" spc="-1">
                 <a:solidFill>
                   <a:srgbClr val="002060"/>
                 </a:solidFill>
@@ -9996,7 +11842,7 @@
               </a:rPr>
               <a:t>Users</a:t>
             </a:r>
-            <a:endParaRPr b="0" lang="en-US" sz="2800" spc="-1" strike="noStrike">
+            <a:endParaRPr lang="en-US" sz="2800" b="0" strike="noStrike" spc="-1">
               <a:latin typeface="Arial"/>
             </a:endParaRPr>
           </a:p>
@@ -10015,7 +11861,7 @@
               <a:buChar char="•"/>
             </a:pPr>
             <a:r>
-              <a:rPr b="0" lang="en-US" sz="2800" spc="-1" strike="noStrike">
+              <a:rPr lang="en-US" sz="2800" b="0" strike="noStrike" spc="-1">
                 <a:solidFill>
                   <a:srgbClr val="002060"/>
                 </a:solidFill>
@@ -10024,7 +11870,7 @@
               </a:rPr>
               <a:t>Groups </a:t>
             </a:r>
-            <a:endParaRPr b="0" lang="en-US" sz="2800" spc="-1" strike="noStrike">
+            <a:endParaRPr lang="en-US" sz="2800" b="0" strike="noStrike" spc="-1">
               <a:latin typeface="Arial"/>
             </a:endParaRPr>
           </a:p>
@@ -10043,7 +11889,7 @@
               <a:buChar char="•"/>
             </a:pPr>
             <a:r>
-              <a:rPr b="0" lang="en-US" sz="2800" spc="-1" strike="noStrike">
+              <a:rPr lang="en-US" sz="2800" b="0" strike="noStrike" spc="-1">
                 <a:solidFill>
                   <a:srgbClr val="002060"/>
                 </a:solidFill>
@@ -10052,7 +11898,7 @@
               </a:rPr>
               <a:t>Applications</a:t>
             </a:r>
-            <a:endParaRPr b="0" lang="en-US" sz="2800" spc="-1" strike="noStrike">
+            <a:endParaRPr lang="en-US" sz="2800" b="0" strike="noStrike" spc="-1">
               <a:latin typeface="Arial"/>
             </a:endParaRPr>
           </a:p>
@@ -10071,7 +11917,7 @@
               <a:buChar char="•"/>
             </a:pPr>
             <a:r>
-              <a:rPr b="0" lang="en-US" sz="2800" spc="-1" strike="noStrike">
+              <a:rPr lang="en-US" sz="2800" b="0" strike="noStrike" spc="-1">
                 <a:solidFill>
                   <a:srgbClr val="002060"/>
                 </a:solidFill>
@@ -10080,7 +11926,7 @@
               </a:rPr>
               <a:t>Devices</a:t>
             </a:r>
-            <a:endParaRPr b="0" lang="en-US" sz="2800" spc="-1" strike="noStrike">
+            <a:endParaRPr lang="en-US" sz="2800" b="0" strike="noStrike" spc="-1">
               <a:latin typeface="Arial"/>
             </a:endParaRPr>
           </a:p>
@@ -10099,7 +11945,7 @@
               <a:buChar char="•"/>
             </a:pPr>
             <a:r>
-              <a:rPr b="0" lang="en-US" sz="2800" spc="-1" strike="noStrike">
+              <a:rPr lang="en-US" sz="2800" b="0" strike="noStrike" spc="-1">
                 <a:solidFill>
                   <a:srgbClr val="002060"/>
                 </a:solidFill>
@@ -10108,7 +11954,7 @@
               </a:rPr>
               <a:t>Which categorized according to their name add attributes</a:t>
             </a:r>
-            <a:endParaRPr b="0" lang="en-US" sz="2800" spc="-1" strike="noStrike">
+            <a:endParaRPr lang="en-US" sz="2800" b="0" strike="noStrike" spc="-1">
               <a:latin typeface="Arial"/>
             </a:endParaRPr>
           </a:p>
@@ -10116,11 +11962,14 @@
       </p:sp>
     </p:spTree>
   </p:cSld>
-  <mc:AlternateContent>
+  <p:clrMapOvr>
+    <a:masterClrMapping/>
+  </p:clrMapOvr>
+  <mc:AlternateContent xmlns:mc="http://schemas.openxmlformats.org/markup-compatibility/2006" xmlns:p14="http://schemas.microsoft.com/office/powerpoint/2010/main">
     <mc:Choice Requires="p14">
       <p:transition spd="slow" p14:dur="2000"/>
     </mc:Choice>
-    <mc:Fallback>
+    <mc:Fallback xmlns:p15="http://schemas.microsoft.com/office/powerpoint/2012/main" xmlns="">
       <p:transition spd="slow"/>
     </mc:Fallback>
   </mc:AlternateContent>
@@ -10128,7 +11977,7 @@
 </file>
 
 <file path=ppt/slides/slide6.xml><?xml version="1.0" encoding="utf-8"?>
-<p:sld xmlns:a="http://schemas.openxmlformats.org/drawingml/2006/main" xmlns:p="http://schemas.openxmlformats.org/presentationml/2006/main" xmlns:r="http://schemas.openxmlformats.org/officeDocument/2006/relationships" xmlns:p14="http://schemas.microsoft.com/office/powerpoint/2010/main" xmlns:p15="http://schemas.microsoft.com/office/powerpoint/2012/main" xmlns:mc="http://schemas.openxmlformats.org/markup-compatibility/2006">
+<p:sld xmlns:a="http://schemas.openxmlformats.org/drawingml/2006/main" xmlns:r="http://schemas.openxmlformats.org/officeDocument/2006/relationships" xmlns:p="http://schemas.openxmlformats.org/presentationml/2006/main">
   <p:cSld>
     <p:spTree>
       <p:nvGrpSpPr>
@@ -10164,15 +12013,22 @@
           </a:ln>
         </p:spPr>
         <p:style>
-          <a:lnRef idx="0"/>
-          <a:fillRef idx="0"/>
-          <a:effectRef idx="0"/>
+          <a:lnRef idx="0">
+            <a:scrgbClr r="0" g="0" b="0"/>
+          </a:lnRef>
+          <a:fillRef idx="0">
+            <a:scrgbClr r="0" g="0" b="0"/>
+          </a:fillRef>
+          <a:effectRef idx="0">
+            <a:scrgbClr r="0" g="0" b="0"/>
+          </a:effectRef>
           <a:fontRef idx="minor"/>
         </p:style>
         <p:txBody>
-          <a:bodyPr lIns="90000" rIns="90000" tIns="45000" bIns="45000" anchor="ctr">
+          <a:bodyPr lIns="90000" tIns="45000" rIns="90000" bIns="45000" anchor="ctr">
             <a:noAutofit/>
           </a:bodyPr>
+          <a:lstStyle/>
           <a:p>
             <a:pPr>
               <a:lnSpc>
@@ -10180,16 +12036,16 @@
               </a:lnSpc>
             </a:pPr>
             <a:r>
-              <a:rPr b="0" lang="en-US" sz="3600" spc="-1" strike="noStrike">
+              <a:rPr lang="en-US" sz="3600" b="0" strike="noStrike" spc="-1">
                 <a:solidFill>
-                  <a:srgbClr val="7030a0"/>
+                  <a:srgbClr val="7030A0"/>
                 </a:solidFill>
                 <a:latin typeface="Calibri"/>
                 <a:ea typeface="DejaVu Sans"/>
               </a:rPr>
               <a:t>Domain Controller</a:t>
             </a:r>
-            <a:endParaRPr b="0" lang="en-US" sz="3600" spc="-1" strike="noStrike">
+            <a:endParaRPr lang="en-US" sz="3600" b="0" strike="noStrike" spc="-1">
               <a:latin typeface="Arial"/>
             </a:endParaRPr>
           </a:p>
@@ -10215,15 +12071,22 @@
           </a:ln>
         </p:spPr>
         <p:style>
-          <a:lnRef idx="0"/>
-          <a:fillRef idx="0"/>
-          <a:effectRef idx="0"/>
+          <a:lnRef idx="0">
+            <a:scrgbClr r="0" g="0" b="0"/>
+          </a:lnRef>
+          <a:fillRef idx="0">
+            <a:scrgbClr r="0" g="0" b="0"/>
+          </a:fillRef>
+          <a:effectRef idx="0">
+            <a:scrgbClr r="0" g="0" b="0"/>
+          </a:effectRef>
           <a:fontRef idx="minor"/>
         </p:style>
         <p:txBody>
-          <a:bodyPr lIns="90000" rIns="90000" tIns="45000" bIns="45000">
-            <a:normAutofit fontScale="70000"/>
-          </a:bodyPr>
+          <a:bodyPr lIns="90000" tIns="45000" rIns="90000" bIns="45000">
+            <a:normAutofit lnSpcReduction="10000"/>
+          </a:bodyPr>
+          <a:lstStyle/>
           <a:p>
             <a:pPr marL="343080" indent="-341640">
               <a:lnSpc>
@@ -10239,7 +12102,7 @@
               <a:buChar char="•"/>
             </a:pPr>
             <a:r>
-              <a:rPr b="0" lang="en-US" sz="2800" spc="-1" strike="noStrike">
+              <a:rPr lang="en-US" sz="2800" b="0" strike="noStrike" spc="-1">
                 <a:solidFill>
                   <a:srgbClr val="002060"/>
                 </a:solidFill>
@@ -10249,7 +12112,7 @@
               <a:t>A server running the AD </a:t>
             </a:r>
             <a:r>
-              <a:rPr b="1" lang="en-US" sz="2800" spc="-1" strike="noStrike">
+              <a:rPr lang="en-US" sz="2800" b="1" strike="noStrike" spc="-1">
                 <a:solidFill>
                   <a:srgbClr val="002060"/>
                 </a:solidFill>
@@ -10259,7 +12122,7 @@
               <a:t>Domain Service</a:t>
             </a:r>
             <a:r>
-              <a:rPr b="0" lang="en-US" sz="2800" spc="-1" strike="noStrike">
+              <a:rPr lang="en-US" sz="2800" b="0" strike="noStrike" spc="-1">
                 <a:solidFill>
                   <a:srgbClr val="002060"/>
                 </a:solidFill>
@@ -10269,7 +12132,7 @@
               <a:t> (</a:t>
             </a:r>
             <a:r>
-              <a:rPr b="1" lang="en-US" sz="2800" spc="-1" strike="noStrike">
+              <a:rPr lang="en-US" sz="2800" b="1" strike="noStrike" spc="-1">
                 <a:solidFill>
                   <a:srgbClr val="002060"/>
                 </a:solidFill>
@@ -10279,7 +12142,7 @@
               <a:t>AD DS</a:t>
             </a:r>
             <a:r>
-              <a:rPr b="0" lang="en-US" sz="2800" spc="-1" strike="noStrike">
+              <a:rPr lang="en-US" sz="2800" b="0" strike="noStrike" spc="-1">
                 <a:solidFill>
                   <a:srgbClr val="002060"/>
                 </a:solidFill>
@@ -10289,7 +12152,7 @@
               <a:t>) role is called a </a:t>
             </a:r>
             <a:r>
-              <a:rPr b="1" lang="en-US" sz="2800" spc="-1" strike="noStrike">
+              <a:rPr lang="en-US" sz="2800" b="1" strike="noStrike" spc="-1">
                 <a:solidFill>
                   <a:srgbClr val="002060"/>
                 </a:solidFill>
@@ -10299,7 +12162,7 @@
               <a:t>domain controller</a:t>
             </a:r>
             <a:r>
-              <a:rPr b="0" lang="en-US" sz="2800" spc="-1" strike="noStrike">
+              <a:rPr lang="en-US" sz="2800" b="0" strike="noStrike" spc="-1">
                 <a:solidFill>
                   <a:srgbClr val="002060"/>
                 </a:solidFill>
@@ -10308,7 +12171,7 @@
               </a:rPr>
               <a:t>.</a:t>
             </a:r>
-            <a:endParaRPr b="0" lang="en-US" sz="2800" spc="-1" strike="noStrike">
+            <a:endParaRPr lang="en-US" sz="2800" b="0" strike="noStrike" spc="-1">
               <a:latin typeface="Arial"/>
             </a:endParaRPr>
           </a:p>
@@ -10327,7 +12190,7 @@
               <a:buChar char="•"/>
             </a:pPr>
             <a:r>
-              <a:rPr b="0" lang="en-US" sz="2800" spc="-1" strike="noStrike">
+              <a:rPr lang="en-US" sz="2800" b="0" strike="noStrike" spc="-1">
                 <a:solidFill>
                   <a:srgbClr val="002060"/>
                 </a:solidFill>
@@ -10336,7 +12199,7 @@
               </a:rPr>
               <a:t>It authenticates and authorizes all users and computers.</a:t>
             </a:r>
-            <a:endParaRPr b="0" lang="en-US" sz="2800" spc="-1" strike="noStrike">
+            <a:endParaRPr lang="en-US" sz="2800" b="0" strike="noStrike" spc="-1">
               <a:latin typeface="Arial"/>
             </a:endParaRPr>
           </a:p>
@@ -10355,7 +12218,7 @@
               <a:buChar char="•"/>
             </a:pPr>
             <a:r>
-              <a:rPr b="0" lang="en-US" sz="2800" spc="-1" strike="noStrike">
+              <a:rPr lang="en-US" sz="2800" b="0" strike="noStrike" spc="-1">
                 <a:solidFill>
                   <a:srgbClr val="002060"/>
                 </a:solidFill>
@@ -10364,7 +12227,7 @@
               </a:rPr>
               <a:t>A domain controller is contacted when a user logs into a device.</a:t>
             </a:r>
-            <a:endParaRPr b="0" lang="en-US" sz="2800" spc="-1" strike="noStrike">
+            <a:endParaRPr lang="en-US" sz="2800" b="0" strike="noStrike" spc="-1">
               <a:latin typeface="Arial"/>
             </a:endParaRPr>
           </a:p>
@@ -10383,7 +12246,7 @@
               <a:buChar char="•"/>
             </a:pPr>
             <a:r>
-              <a:rPr b="0" lang="en-US" sz="2800" spc="-1" strike="noStrike">
+              <a:rPr lang="en-US" sz="2800" b="0" strike="noStrike" spc="-1">
                 <a:solidFill>
                   <a:srgbClr val="002060"/>
                 </a:solidFill>
@@ -10392,7 +12255,7 @@
               </a:rPr>
               <a:t>OR accesses another device across the network.</a:t>
             </a:r>
-            <a:endParaRPr b="0" lang="en-US" sz="2800" spc="-1" strike="noStrike">
+            <a:endParaRPr lang="en-US" sz="2800" b="0" strike="noStrike" spc="-1">
               <a:latin typeface="Arial"/>
             </a:endParaRPr>
           </a:p>
@@ -10405,7 +12268,7 @@
                 <a:spcPts val="561"/>
               </a:spcBef>
             </a:pPr>
-            <a:endParaRPr b="0" lang="en-US" sz="2800" spc="-1" strike="noStrike">
+            <a:endParaRPr lang="en-US" sz="2800" b="0" strike="noStrike" spc="-1">
               <a:latin typeface="Arial"/>
             </a:endParaRPr>
           </a:p>
@@ -10413,11 +12276,14 @@
       </p:sp>
     </p:spTree>
   </p:cSld>
-  <mc:AlternateContent>
+  <p:clrMapOvr>
+    <a:masterClrMapping/>
+  </p:clrMapOvr>
+  <mc:AlternateContent xmlns:mc="http://schemas.openxmlformats.org/markup-compatibility/2006" xmlns:p14="http://schemas.microsoft.com/office/powerpoint/2010/main">
     <mc:Choice Requires="p14">
       <p:transition spd="slow" p14:dur="2000"/>
     </mc:Choice>
-    <mc:Fallback>
+    <mc:Fallback xmlns:p15="http://schemas.microsoft.com/office/powerpoint/2012/main" xmlns="">
       <p:transition spd="slow"/>
     </mc:Fallback>
   </mc:AlternateContent>
@@ -10425,7 +12291,7 @@
 </file>
 
 <file path=ppt/slides/slide7.xml><?xml version="1.0" encoding="utf-8"?>
-<p:sld xmlns:a="http://schemas.openxmlformats.org/drawingml/2006/main" xmlns:p="http://schemas.openxmlformats.org/presentationml/2006/main" xmlns:r="http://schemas.openxmlformats.org/officeDocument/2006/relationships" xmlns:p14="http://schemas.microsoft.com/office/powerpoint/2010/main" xmlns:p15="http://schemas.microsoft.com/office/powerpoint/2012/main" xmlns:mc="http://schemas.openxmlformats.org/markup-compatibility/2006">
+<p:sld xmlns:a="http://schemas.openxmlformats.org/drawingml/2006/main" xmlns:r="http://schemas.openxmlformats.org/officeDocument/2006/relationships" xmlns:p="http://schemas.openxmlformats.org/presentationml/2006/main">
   <p:cSld>
     <p:spTree>
       <p:nvGrpSpPr>
@@ -10461,15 +12327,22 @@
           </a:ln>
         </p:spPr>
         <p:style>
-          <a:lnRef idx="0"/>
-          <a:fillRef idx="0"/>
-          <a:effectRef idx="0"/>
+          <a:lnRef idx="0">
+            <a:scrgbClr r="0" g="0" b="0"/>
+          </a:lnRef>
+          <a:fillRef idx="0">
+            <a:scrgbClr r="0" g="0" b="0"/>
+          </a:fillRef>
+          <a:effectRef idx="0">
+            <a:scrgbClr r="0" g="0" b="0"/>
+          </a:effectRef>
           <a:fontRef idx="minor"/>
         </p:style>
         <p:txBody>
-          <a:bodyPr lIns="90000" rIns="90000" tIns="45000" bIns="45000" anchor="ctr">
+          <a:bodyPr lIns="90000" tIns="45000" rIns="90000" bIns="45000" anchor="ctr">
             <a:noAutofit/>
           </a:bodyPr>
+          <a:lstStyle/>
           <a:p>
             <a:pPr>
               <a:lnSpc>
@@ -10477,16 +12350,16 @@
               </a:lnSpc>
             </a:pPr>
             <a:r>
-              <a:rPr b="0" lang="en-US" sz="3600" spc="-1" strike="noStrike">
+              <a:rPr lang="en-US" sz="3600" b="0" strike="noStrike" spc="-1">
                 <a:solidFill>
-                  <a:srgbClr val="7030a0"/>
+                  <a:srgbClr val="7030A0"/>
                 </a:solidFill>
                 <a:latin typeface="Calibri"/>
                 <a:ea typeface="DejaVu Sans"/>
               </a:rPr>
               <a:t>Domain Services</a:t>
             </a:r>
-            <a:endParaRPr b="0" lang="en-US" sz="3600" spc="-1" strike="noStrike">
+            <a:endParaRPr lang="en-US" sz="3600" b="0" strike="noStrike" spc="-1">
               <a:latin typeface="Arial"/>
             </a:endParaRPr>
           </a:p>
@@ -10512,15 +12385,22 @@
           </a:ln>
         </p:spPr>
         <p:style>
-          <a:lnRef idx="0"/>
-          <a:fillRef idx="0"/>
-          <a:effectRef idx="0"/>
+          <a:lnRef idx="0">
+            <a:scrgbClr r="0" g="0" b="0"/>
+          </a:lnRef>
+          <a:fillRef idx="0">
+            <a:scrgbClr r="0" g="0" b="0"/>
+          </a:fillRef>
+          <a:effectRef idx="0">
+            <a:scrgbClr r="0" g="0" b="0"/>
+          </a:effectRef>
           <a:fontRef idx="minor"/>
         </p:style>
         <p:txBody>
-          <a:bodyPr lIns="90000" rIns="90000" tIns="45000" bIns="45000">
+          <a:bodyPr lIns="90000" tIns="45000" rIns="90000" bIns="45000">
             <a:noAutofit/>
           </a:bodyPr>
+          <a:lstStyle/>
           <a:p>
             <a:pPr marL="343080" indent="-341640">
               <a:lnSpc>
@@ -10536,7 +12416,7 @@
               <a:buChar char="•"/>
             </a:pPr>
             <a:r>
-              <a:rPr b="0" lang="en-US" sz="2800" spc="-1" strike="noStrike">
+              <a:rPr lang="en-US" sz="2800" b="0" strike="noStrike" spc="-1">
                 <a:solidFill>
                   <a:srgbClr val="002060"/>
                 </a:solidFill>
@@ -10545,7 +12425,7 @@
               </a:rPr>
               <a:t>Active Directory Domain Services (AD DS) is the foundation stone of every Windows domain network.</a:t>
             </a:r>
-            <a:endParaRPr b="0" lang="en-US" sz="2800" spc="-1" strike="noStrike">
+            <a:endParaRPr lang="en-US" sz="2800" b="0" strike="noStrike" spc="-1">
               <a:latin typeface="Arial"/>
             </a:endParaRPr>
           </a:p>
@@ -10564,7 +12444,7 @@
               <a:buChar char="•"/>
             </a:pPr>
             <a:r>
-              <a:rPr b="0" lang="en-US" sz="2800" spc="-1" strike="noStrike">
+              <a:rPr lang="en-US" sz="2800" b="0" strike="noStrike" spc="-1">
                 <a:solidFill>
                   <a:srgbClr val="002060"/>
                 </a:solidFill>
@@ -10573,7 +12453,7 @@
               </a:rPr>
               <a:t>It stores information about members of the domain.</a:t>
             </a:r>
-            <a:endParaRPr b="0" lang="en-US" sz="2800" spc="-1" strike="noStrike">
+            <a:endParaRPr lang="en-US" sz="2800" b="0" strike="noStrike" spc="-1">
               <a:latin typeface="Arial"/>
             </a:endParaRPr>
           </a:p>
@@ -10592,7 +12472,7 @@
               <a:buChar char="•"/>
             </a:pPr>
             <a:r>
-              <a:rPr b="0" lang="en-US" sz="2800" spc="-1" strike="noStrike">
+              <a:rPr lang="en-US" sz="2800" b="0" strike="noStrike" spc="-1">
                 <a:solidFill>
                   <a:srgbClr val="002060"/>
                 </a:solidFill>
@@ -10601,7 +12481,7 @@
               </a:rPr>
               <a:t>Defines their access rights.</a:t>
             </a:r>
-            <a:endParaRPr b="0" lang="en-US" sz="2800" spc="-1" strike="noStrike">
+            <a:endParaRPr lang="en-US" sz="2800" b="0" strike="noStrike" spc="-1">
               <a:latin typeface="Arial"/>
             </a:endParaRPr>
           </a:p>
@@ -10620,7 +12500,7 @@
               <a:buChar char="•"/>
             </a:pPr>
             <a:r>
-              <a:rPr b="0" lang="en-US" sz="2800" spc="-1" strike="noStrike">
+              <a:rPr lang="en-US" sz="2800" b="0" strike="noStrike" spc="-1">
                 <a:solidFill>
                   <a:srgbClr val="002060"/>
                 </a:solidFill>
@@ -10630,7 +12510,7 @@
               <a:t>The server running this service is called a </a:t>
             </a:r>
             <a:r>
-              <a:rPr b="1" lang="en-US" sz="2800" spc="-1" strike="noStrike">
+              <a:rPr lang="en-US" sz="2800" b="1" strike="noStrike" spc="-1">
                 <a:solidFill>
                   <a:srgbClr val="002060"/>
                 </a:solidFill>
@@ -10640,7 +12520,7 @@
               <a:t>domain controller</a:t>
             </a:r>
             <a:r>
-              <a:rPr b="0" lang="en-US" sz="2800" spc="-1" strike="noStrike">
+              <a:rPr lang="en-US" sz="2800" b="0" strike="noStrike" spc="-1">
                 <a:solidFill>
                   <a:srgbClr val="002060"/>
                 </a:solidFill>
@@ -10649,7 +12529,7 @@
               </a:rPr>
               <a:t>. </a:t>
             </a:r>
-            <a:endParaRPr b="0" lang="en-US" sz="2800" spc="-1" strike="noStrike">
+            <a:endParaRPr lang="en-US" sz="2800" b="0" strike="noStrike" spc="-1">
               <a:latin typeface="Arial"/>
             </a:endParaRPr>
           </a:p>
@@ -10662,7 +12542,7 @@
                 <a:spcPts val="561"/>
               </a:spcBef>
             </a:pPr>
-            <a:endParaRPr b="0" lang="en-US" sz="2800" spc="-1" strike="noStrike">
+            <a:endParaRPr lang="en-US" sz="2800" b="0" strike="noStrike" spc="-1">
               <a:latin typeface="Arial"/>
             </a:endParaRPr>
           </a:p>
@@ -10670,11 +12550,14 @@
       </p:sp>
     </p:spTree>
   </p:cSld>
-  <mc:AlternateContent>
+  <p:clrMapOvr>
+    <a:masterClrMapping/>
+  </p:clrMapOvr>
+  <mc:AlternateContent xmlns:mc="http://schemas.openxmlformats.org/markup-compatibility/2006" xmlns:p14="http://schemas.microsoft.com/office/powerpoint/2010/main">
     <mc:Choice Requires="p14">
       <p:transition spd="slow" p14:dur="2000"/>
     </mc:Choice>
-    <mc:Fallback>
+    <mc:Fallback xmlns:p15="http://schemas.microsoft.com/office/powerpoint/2012/main" xmlns="">
       <p:transition spd="slow"/>
     </mc:Fallback>
   </mc:AlternateContent>
@@ -10682,7 +12565,7 @@
 </file>
 
 <file path=ppt/slides/slide8.xml><?xml version="1.0" encoding="utf-8"?>
-<p:sld xmlns:a="http://schemas.openxmlformats.org/drawingml/2006/main" xmlns:p="http://schemas.openxmlformats.org/presentationml/2006/main" xmlns:r="http://schemas.openxmlformats.org/officeDocument/2006/relationships" xmlns:p14="http://schemas.microsoft.com/office/powerpoint/2010/main" xmlns:p15="http://schemas.microsoft.com/office/powerpoint/2012/main" xmlns:mc="http://schemas.openxmlformats.org/markup-compatibility/2006">
+<p:sld xmlns:a="http://schemas.openxmlformats.org/drawingml/2006/main" xmlns:r="http://schemas.openxmlformats.org/officeDocument/2006/relationships" xmlns:p="http://schemas.openxmlformats.org/presentationml/2006/main">
   <p:cSld>
     <p:spTree>
       <p:nvGrpSpPr>
@@ -10718,15 +12601,22 @@
           </a:ln>
         </p:spPr>
         <p:style>
-          <a:lnRef idx="0"/>
-          <a:fillRef idx="0"/>
-          <a:effectRef idx="0"/>
+          <a:lnRef idx="0">
+            <a:scrgbClr r="0" g="0" b="0"/>
+          </a:lnRef>
+          <a:fillRef idx="0">
+            <a:scrgbClr r="0" g="0" b="0"/>
+          </a:fillRef>
+          <a:effectRef idx="0">
+            <a:scrgbClr r="0" g="0" b="0"/>
+          </a:effectRef>
           <a:fontRef idx="minor"/>
         </p:style>
         <p:txBody>
-          <a:bodyPr lIns="90000" rIns="90000" tIns="45000" bIns="45000" anchor="ctr">
+          <a:bodyPr lIns="90000" tIns="45000" rIns="90000" bIns="45000" anchor="ctr">
             <a:noAutofit/>
           </a:bodyPr>
+          <a:lstStyle/>
           <a:p>
             <a:pPr>
               <a:lnSpc>
@@ -10734,16 +12624,16 @@
               </a:lnSpc>
             </a:pPr>
             <a:r>
-              <a:rPr b="0" lang="en-US" sz="3600" spc="-1" strike="noStrike">
+              <a:rPr lang="en-US" sz="3600" b="0" strike="noStrike" spc="-1">
                 <a:solidFill>
-                  <a:srgbClr val="7030a0"/>
+                  <a:srgbClr val="7030A0"/>
                 </a:solidFill>
                 <a:latin typeface="Calibri"/>
                 <a:ea typeface="DejaVu Sans"/>
               </a:rPr>
               <a:t>Domain Services Examples</a:t>
             </a:r>
-            <a:endParaRPr b="0" lang="en-US" sz="3600" spc="-1" strike="noStrike">
+            <a:endParaRPr lang="en-US" sz="3600" b="0" strike="noStrike" spc="-1">
               <a:latin typeface="Arial"/>
             </a:endParaRPr>
           </a:p>
@@ -10769,15 +12659,22 @@
           </a:ln>
         </p:spPr>
         <p:style>
-          <a:lnRef idx="0"/>
-          <a:fillRef idx="0"/>
-          <a:effectRef idx="0"/>
+          <a:lnRef idx="0">
+            <a:scrgbClr r="0" g="0" b="0"/>
+          </a:lnRef>
+          <a:fillRef idx="0">
+            <a:scrgbClr r="0" g="0" b="0"/>
+          </a:fillRef>
+          <a:effectRef idx="0">
+            <a:scrgbClr r="0" g="0" b="0"/>
+          </a:effectRef>
           <a:fontRef idx="minor"/>
         </p:style>
         <p:txBody>
-          <a:bodyPr lIns="90000" rIns="90000" tIns="45000" bIns="45000">
+          <a:bodyPr lIns="90000" tIns="45000" rIns="90000" bIns="45000">
             <a:noAutofit/>
           </a:bodyPr>
+          <a:lstStyle/>
           <a:p>
             <a:pPr marL="343080" indent="-341640">
               <a:lnSpc>
@@ -10793,7 +12690,7 @@
               <a:buChar char="•"/>
             </a:pPr>
             <a:r>
-              <a:rPr b="0" lang="en-US" sz="2800" spc="-1" strike="noStrike">
+              <a:rPr lang="en-US" sz="2800" b="0" strike="noStrike" spc="-1">
                 <a:solidFill>
                   <a:srgbClr val="002060"/>
                 </a:solidFill>
@@ -10802,7 +12699,7 @@
               </a:rPr>
               <a:t>Group Policy</a:t>
             </a:r>
-            <a:endParaRPr b="0" lang="en-US" sz="2800" spc="-1" strike="noStrike">
+            <a:endParaRPr lang="en-US" sz="2800" b="0" strike="noStrike" spc="-1">
               <a:latin typeface="Arial"/>
             </a:endParaRPr>
           </a:p>
@@ -10821,7 +12718,7 @@
               <a:buChar char="•"/>
             </a:pPr>
             <a:r>
-              <a:rPr b="0" lang="en-US" sz="2800" spc="-1" strike="noStrike">
+              <a:rPr lang="en-US" sz="2800" b="0" strike="noStrike" spc="-1">
                 <a:solidFill>
                   <a:srgbClr val="002060"/>
                 </a:solidFill>
@@ -10830,7 +12727,7 @@
               </a:rPr>
               <a:t>Encrypting File System</a:t>
             </a:r>
-            <a:endParaRPr b="0" lang="en-US" sz="2800" spc="-1" strike="noStrike">
+            <a:endParaRPr lang="en-US" sz="2800" b="0" strike="noStrike" spc="-1">
               <a:latin typeface="Arial"/>
             </a:endParaRPr>
           </a:p>
@@ -10849,7 +12746,7 @@
               <a:buChar char="•"/>
             </a:pPr>
             <a:r>
-              <a:rPr b="0" lang="en-US" sz="2800" spc="-1" strike="noStrike">
+              <a:rPr lang="en-US" sz="2800" b="0" strike="noStrike" spc="-1">
                 <a:solidFill>
                   <a:srgbClr val="002060"/>
                 </a:solidFill>
@@ -10858,7 +12755,7 @@
               </a:rPr>
               <a:t>BitLocker</a:t>
             </a:r>
-            <a:endParaRPr b="0" lang="en-US" sz="2800" spc="-1" strike="noStrike">
+            <a:endParaRPr lang="en-US" sz="2800" b="0" strike="noStrike" spc="-1">
               <a:latin typeface="Arial"/>
             </a:endParaRPr>
           </a:p>
@@ -10877,7 +12774,7 @@
               <a:buChar char="•"/>
             </a:pPr>
             <a:r>
-              <a:rPr b="0" lang="en-US" sz="2800" spc="-1" strike="noStrike">
+              <a:rPr lang="en-US" sz="2800" b="0" strike="noStrike" spc="-1">
                 <a:solidFill>
                   <a:srgbClr val="002060"/>
                 </a:solidFill>
@@ -10886,7 +12783,7 @@
               </a:rPr>
               <a:t>Domain Name Services</a:t>
             </a:r>
-            <a:endParaRPr b="0" lang="en-US" sz="2800" spc="-1" strike="noStrike">
+            <a:endParaRPr lang="en-US" sz="2800" b="0" strike="noStrike" spc="-1">
               <a:latin typeface="Arial"/>
             </a:endParaRPr>
           </a:p>
@@ -10905,7 +12802,7 @@
               <a:buChar char="•"/>
             </a:pPr>
             <a:r>
-              <a:rPr b="0" lang="en-US" sz="2800" spc="-1" strike="noStrike">
+              <a:rPr lang="en-US" sz="2800" b="0" strike="noStrike" spc="-1">
                 <a:solidFill>
                   <a:srgbClr val="002060"/>
                 </a:solidFill>
@@ -10914,7 +12811,7 @@
               </a:rPr>
               <a:t>Remote Desktop Services</a:t>
             </a:r>
-            <a:endParaRPr b="0" lang="en-US" sz="2800" spc="-1" strike="noStrike">
+            <a:endParaRPr lang="en-US" sz="2800" b="0" strike="noStrike" spc="-1">
               <a:latin typeface="Arial"/>
             </a:endParaRPr>
           </a:p>
@@ -10927,7 +12824,7 @@
                 <a:spcPts val="561"/>
               </a:spcBef>
             </a:pPr>
-            <a:endParaRPr b="0" lang="en-US" sz="2800" spc="-1" strike="noStrike">
+            <a:endParaRPr lang="en-US" sz="2800" b="0" strike="noStrike" spc="-1">
               <a:latin typeface="Arial"/>
             </a:endParaRPr>
           </a:p>
@@ -10935,11 +12832,14 @@
       </p:sp>
     </p:spTree>
   </p:cSld>
-  <mc:AlternateContent>
+  <p:clrMapOvr>
+    <a:masterClrMapping/>
+  </p:clrMapOvr>
+  <mc:AlternateContent xmlns:mc="http://schemas.openxmlformats.org/markup-compatibility/2006" xmlns:p14="http://schemas.microsoft.com/office/powerpoint/2010/main">
     <mc:Choice Requires="p14">
       <p:transition spd="slow" p14:dur="2000"/>
     </mc:Choice>
-    <mc:Fallback>
+    <mc:Fallback xmlns:p15="http://schemas.microsoft.com/office/powerpoint/2012/main" xmlns="">
       <p:transition spd="slow"/>
     </mc:Fallback>
   </mc:AlternateContent>
@@ -10947,7 +12847,7 @@
 </file>
 
 <file path=ppt/slides/slide9.xml><?xml version="1.0" encoding="utf-8"?>
-<p:sld xmlns:a="http://schemas.openxmlformats.org/drawingml/2006/main" xmlns:p="http://schemas.openxmlformats.org/presentationml/2006/main" xmlns:r="http://schemas.openxmlformats.org/officeDocument/2006/relationships" xmlns:p14="http://schemas.microsoft.com/office/powerpoint/2010/main" xmlns:p15="http://schemas.microsoft.com/office/powerpoint/2012/main" xmlns:mc="http://schemas.openxmlformats.org/markup-compatibility/2006">
+<p:sld xmlns:a="http://schemas.openxmlformats.org/drawingml/2006/main" xmlns:r="http://schemas.openxmlformats.org/officeDocument/2006/relationships" xmlns:p="http://schemas.openxmlformats.org/presentationml/2006/main">
   <p:cSld>
     <p:spTree>
       <p:nvGrpSpPr>
@@ -10983,9 +12883,10 @@
           </a:ln>
         </p:spPr>
         <p:txBody>
-          <a:bodyPr lIns="0" rIns="0" tIns="0" bIns="0" anchor="ctr">
+          <a:bodyPr lIns="0" tIns="0" rIns="0" bIns="0" anchor="ctr">
             <a:noAutofit/>
           </a:bodyPr>
+          <a:lstStyle/>
           <a:p>
             <a:pPr marL="228600" indent="-228240">
               <a:lnSpc>
@@ -11001,7 +12902,7 @@
               <a:buChar char="•"/>
             </a:pPr>
             <a:r>
-              <a:rPr b="0" lang="en-US" sz="2800" spc="-1" strike="noStrike">
+              <a:rPr lang="en-US" sz="2800" b="0" strike="noStrike" spc="-1">
                 <a:solidFill>
                   <a:srgbClr val="000000"/>
                 </a:solidFill>
@@ -11010,7 +12911,7 @@
               </a:rPr>
               <a:t>Lightweight Directory Services</a:t>
             </a:r>
-            <a:endParaRPr b="0" lang="en-US" sz="2800" spc="-1" strike="noStrike">
+            <a:endParaRPr lang="en-US" sz="2800" b="0" strike="noStrike" spc="-1">
               <a:latin typeface="Arial"/>
             </a:endParaRPr>
           </a:p>
@@ -11023,7 +12924,7 @@
                 <a:spcPts val="1001"/>
               </a:spcBef>
             </a:pPr>
-            <a:endParaRPr b="0" lang="en-US" sz="2800" spc="-1" strike="noStrike">
+            <a:endParaRPr lang="en-US" sz="2800" b="0" strike="noStrike" spc="-1">
               <a:latin typeface="Arial"/>
             </a:endParaRPr>
           </a:p>
@@ -11042,7 +12943,7 @@
               <a:buChar char="•"/>
             </a:pPr>
             <a:r>
-              <a:rPr b="0" lang="en-US" sz="2400" spc="-1" strike="noStrike">
+              <a:rPr lang="en-US" sz="2400" b="0" strike="noStrike" spc="-1">
                 <a:solidFill>
                   <a:srgbClr val="000000"/>
                 </a:solidFill>
@@ -11052,7 +12953,7 @@
               <a:t>It provides a </a:t>
             </a:r>
             <a:r>
-              <a:rPr b="0" i="1" lang="en-US" sz="2400" spc="-1" strike="noStrike">
+              <a:rPr lang="en-US" sz="2400" b="0" i="1" strike="noStrike" spc="-1">
                 <a:solidFill>
                   <a:srgbClr val="000000"/>
                 </a:solidFill>
@@ -11062,7 +12963,7 @@
               <a:t>Data Store</a:t>
             </a:r>
             <a:r>
-              <a:rPr b="0" lang="en-US" sz="2400" spc="-1" strike="noStrike">
+              <a:rPr lang="en-US" sz="2400" b="0" strike="noStrike" spc="-1">
                 <a:solidFill>
                   <a:srgbClr val="000000"/>
                 </a:solidFill>
@@ -11071,7 +12972,7 @@
               </a:rPr>
               <a:t> for the storage of directory data.</a:t>
             </a:r>
-            <a:endParaRPr b="0" lang="en-US" sz="2400" spc="-1" strike="noStrike">
+            <a:endParaRPr lang="en-US" sz="2400" b="0" strike="noStrike" spc="-1">
               <a:latin typeface="Arial"/>
             </a:endParaRPr>
           </a:p>
@@ -11084,7 +12985,7 @@
                 <a:spcPts val="1001"/>
               </a:spcBef>
             </a:pPr>
-            <a:endParaRPr b="0" lang="en-US" sz="2400" spc="-1" strike="noStrike">
+            <a:endParaRPr lang="en-US" sz="2400" b="0" strike="noStrike" spc="-1">
               <a:latin typeface="Arial"/>
             </a:endParaRPr>
           </a:p>
@@ -11097,7 +12998,7 @@
                 <a:spcPts val="1001"/>
               </a:spcBef>
             </a:pPr>
-            <a:endParaRPr b="0" lang="en-US" sz="2400" spc="-1" strike="noStrike">
+            <a:endParaRPr lang="en-US" sz="2400" b="0" strike="noStrike" spc="-1">
               <a:latin typeface="Arial"/>
             </a:endParaRPr>
           </a:p>
@@ -11116,7 +13017,7 @@
               <a:buChar char="•"/>
             </a:pPr>
             <a:r>
-              <a:rPr b="0" lang="en-US" sz="1100" spc="-1" strike="noStrike">
+              <a:rPr lang="en-US" sz="1100" b="0" strike="noStrike" spc="-1">
                 <a:solidFill>
                   <a:srgbClr val="000000"/>
                 </a:solidFill>
@@ -11125,7 +13026,7 @@
               </a:rPr>
               <a:t>Mahdi Haidari</a:t>
             </a:r>
-            <a:endParaRPr b="0" lang="en-US" sz="1100" spc="-1" strike="noStrike">
+            <a:endParaRPr lang="en-US" sz="1100" b="0" strike="noStrike" spc="-1">
               <a:latin typeface="Arial"/>
             </a:endParaRPr>
           </a:p>
@@ -11138,7 +13039,7 @@
                 <a:spcPts val="1001"/>
               </a:spcBef>
             </a:pPr>
-            <a:endParaRPr b="0" lang="en-US" sz="1100" spc="-1" strike="noStrike">
+            <a:endParaRPr lang="en-US" sz="1100" b="0" strike="noStrike" spc="-1">
               <a:latin typeface="Arial"/>
             </a:endParaRPr>
           </a:p>
@@ -11146,11 +13047,14 @@
       </p:sp>
     </p:spTree>
   </p:cSld>
-  <mc:AlternateContent>
+  <p:clrMapOvr>
+    <a:masterClrMapping/>
+  </p:clrMapOvr>
+  <mc:AlternateContent xmlns:mc="http://schemas.openxmlformats.org/markup-compatibility/2006" xmlns:p14="http://schemas.microsoft.com/office/powerpoint/2010/main">
     <mc:Choice Requires="p14">
       <p:transition spd="slow" p14:dur="2000"/>
     </mc:Choice>
-    <mc:Fallback>
+    <mc:Fallback xmlns:p15="http://schemas.microsoft.com/office/powerpoint/2012/main" xmlns="">
       <p:transition spd="slow"/>
     </mc:Fallback>
   </mc:AlternateContent>
@@ -11168,31 +13072,31 @@
         <a:sysClr val="window" lastClr="FFFFFF"/>
       </a:lt1>
       <a:dk2>
-        <a:srgbClr val="1f497d"/>
+        <a:srgbClr val="1F497D"/>
       </a:dk2>
       <a:lt2>
-        <a:srgbClr val="eeece1"/>
+        <a:srgbClr val="EEECE1"/>
       </a:lt2>
       <a:accent1>
-        <a:srgbClr val="4f81bd"/>
+        <a:srgbClr val="4F81BD"/>
       </a:accent1>
       <a:accent2>
-        <a:srgbClr val="c0504d"/>
+        <a:srgbClr val="C0504D"/>
       </a:accent2>
       <a:accent3>
-        <a:srgbClr val="9bbb59"/>
+        <a:srgbClr val="9BBB59"/>
       </a:accent3>
       <a:accent4>
-        <a:srgbClr val="8064a2"/>
+        <a:srgbClr val="8064A2"/>
       </a:accent4>
       <a:accent5>
-        <a:srgbClr val="4bacc6"/>
+        <a:srgbClr val="4BACC6"/>
       </a:accent5>
       <a:accent6>
-        <a:srgbClr val="f79646"/>
+        <a:srgbClr val="F79646"/>
       </a:accent6>
       <a:hlink>
-        <a:srgbClr val="0000ff"/>
+        <a:srgbClr val="0000FF"/>
       </a:hlink>
       <a:folHlink>
         <a:srgbClr val="800080"/>
@@ -11380,6 +13284,8 @@
       </a:bgFillStyleLst>
     </a:fmtScheme>
   </a:themeElements>
+  <a:objectDefaults/>
+  <a:extraClrSchemeLst/>
 </a:theme>
 </file>
 
@@ -11394,31 +13300,31 @@
         <a:sysClr val="window" lastClr="FFFFFF"/>
       </a:lt1>
       <a:dk2>
-        <a:srgbClr val="1f497d"/>
+        <a:srgbClr val="1F497D"/>
       </a:dk2>
       <a:lt2>
-        <a:srgbClr val="eeece1"/>
+        <a:srgbClr val="EEECE1"/>
       </a:lt2>
       <a:accent1>
-        <a:srgbClr val="4f81bd"/>
+        <a:srgbClr val="4F81BD"/>
       </a:accent1>
       <a:accent2>
-        <a:srgbClr val="c0504d"/>
+        <a:srgbClr val="C0504D"/>
       </a:accent2>
       <a:accent3>
-        <a:srgbClr val="9bbb59"/>
+        <a:srgbClr val="9BBB59"/>
       </a:accent3>
       <a:accent4>
-        <a:srgbClr val="8064a2"/>
+        <a:srgbClr val="8064A2"/>
       </a:accent4>
       <a:accent5>
-        <a:srgbClr val="4bacc6"/>
+        <a:srgbClr val="4BACC6"/>
       </a:accent5>
       <a:accent6>
-        <a:srgbClr val="f79646"/>
+        <a:srgbClr val="F79646"/>
       </a:accent6>
       <a:hlink>
-        <a:srgbClr val="0000ff"/>
+        <a:srgbClr val="0000FF"/>
       </a:hlink>
       <a:folHlink>
         <a:srgbClr val="800080"/>
@@ -11606,6 +13512,8 @@
       </a:bgFillStyleLst>
     </a:fmtScheme>
   </a:themeElements>
+  <a:objectDefaults/>
+  <a:extraClrSchemeLst/>
 </a:theme>
 </file>
 
@@ -11620,31 +13528,31 @@
         <a:sysClr val="window" lastClr="FFFFFF"/>
       </a:lt1>
       <a:dk2>
-        <a:srgbClr val="1f497d"/>
+        <a:srgbClr val="1F497D"/>
       </a:dk2>
       <a:lt2>
-        <a:srgbClr val="eeece1"/>
+        <a:srgbClr val="EEECE1"/>
       </a:lt2>
       <a:accent1>
-        <a:srgbClr val="4f81bd"/>
+        <a:srgbClr val="4F81BD"/>
       </a:accent1>
       <a:accent2>
-        <a:srgbClr val="c0504d"/>
+        <a:srgbClr val="C0504D"/>
       </a:accent2>
       <a:accent3>
-        <a:srgbClr val="9bbb59"/>
+        <a:srgbClr val="9BBB59"/>
       </a:accent3>
       <a:accent4>
-        <a:srgbClr val="8064a2"/>
+        <a:srgbClr val="8064A2"/>
       </a:accent4>
       <a:accent5>
-        <a:srgbClr val="4bacc6"/>
+        <a:srgbClr val="4BACC6"/>
       </a:accent5>
       <a:accent6>
-        <a:srgbClr val="f79646"/>
+        <a:srgbClr val="F79646"/>
       </a:accent6>
       <a:hlink>
-        <a:srgbClr val="0000ff"/>
+        <a:srgbClr val="0000FF"/>
       </a:hlink>
       <a:folHlink>
         <a:srgbClr val="800080"/>
@@ -11832,6 +13740,8 @@
       </a:bgFillStyleLst>
     </a:fmtScheme>
   </a:themeElements>
+  <a:objectDefaults/>
+  <a:extraClrSchemeLst/>
 </a:theme>
 </file>
 
@@ -11846,31 +13756,31 @@
         <a:sysClr val="window" lastClr="FFFFFF"/>
       </a:lt1>
       <a:dk2>
-        <a:srgbClr val="1f497d"/>
+        <a:srgbClr val="1F497D"/>
       </a:dk2>
       <a:lt2>
-        <a:srgbClr val="eeece1"/>
+        <a:srgbClr val="EEECE1"/>
       </a:lt2>
       <a:accent1>
-        <a:srgbClr val="4f81bd"/>
+        <a:srgbClr val="4F81BD"/>
       </a:accent1>
       <a:accent2>
-        <a:srgbClr val="c0504d"/>
+        <a:srgbClr val="C0504D"/>
       </a:accent2>
       <a:accent3>
-        <a:srgbClr val="9bbb59"/>
+        <a:srgbClr val="9BBB59"/>
       </a:accent3>
       <a:accent4>
-        <a:srgbClr val="8064a2"/>
+        <a:srgbClr val="8064A2"/>
       </a:accent4>
       <a:accent5>
-        <a:srgbClr val="4bacc6"/>
+        <a:srgbClr val="4BACC6"/>
       </a:accent5>
       <a:accent6>
-        <a:srgbClr val="f79646"/>
+        <a:srgbClr val="F79646"/>
       </a:accent6>
       <a:hlink>
-        <a:srgbClr val="0000ff"/>
+        <a:srgbClr val="0000FF"/>
       </a:hlink>
       <a:folHlink>
         <a:srgbClr val="800080"/>
@@ -12058,6 +13968,8 @@
       </a:bgFillStyleLst>
     </a:fmtScheme>
   </a:themeElements>
+  <a:objectDefaults/>
+  <a:extraClrSchemeLst/>
 </a:theme>
 </file>
 
@@ -12072,31 +13984,31 @@
         <a:sysClr val="window" lastClr="FFFFFF"/>
       </a:lt1>
       <a:dk2>
-        <a:srgbClr val="1f497d"/>
+        <a:srgbClr val="1F497D"/>
       </a:dk2>
       <a:lt2>
-        <a:srgbClr val="eeece1"/>
+        <a:srgbClr val="EEECE1"/>
       </a:lt2>
       <a:accent1>
-        <a:srgbClr val="4f81bd"/>
+        <a:srgbClr val="4F81BD"/>
       </a:accent1>
       <a:accent2>
-        <a:srgbClr val="c0504d"/>
+        <a:srgbClr val="C0504D"/>
       </a:accent2>
       <a:accent3>
-        <a:srgbClr val="9bbb59"/>
+        <a:srgbClr val="9BBB59"/>
       </a:accent3>
       <a:accent4>
-        <a:srgbClr val="8064a2"/>
+        <a:srgbClr val="8064A2"/>
       </a:accent4>
       <a:accent5>
-        <a:srgbClr val="4bacc6"/>
+        <a:srgbClr val="4BACC6"/>
       </a:accent5>
       <a:accent6>
-        <a:srgbClr val="f79646"/>
+        <a:srgbClr val="F79646"/>
       </a:accent6>
       <a:hlink>
-        <a:srgbClr val="0000ff"/>
+        <a:srgbClr val="0000FF"/>
       </a:hlink>
       <a:folHlink>
         <a:srgbClr val="800080"/>
@@ -12284,5 +14196,7 @@
       </a:bgFillStyleLst>
     </a:fmtScheme>
   </a:themeElements>
+  <a:objectDefaults/>
+  <a:extraClrSchemeLst/>
 </a:theme>
 </file>